--- a/陀螺儀機車警示裝置.pptx
+++ b/陀螺儀機車警示裝置.pptx
@@ -5,18 +5,20 @@
     <p:sldMasterId id="2147483702" r:id="rId1"/>
   </p:sldMasterIdLst>
   <p:notesMasterIdLst>
-    <p:notesMasterId r:id="rId8"/>
+    <p:notesMasterId r:id="rId10"/>
   </p:notesMasterIdLst>
   <p:handoutMasterIdLst>
-    <p:handoutMasterId r:id="rId9"/>
+    <p:handoutMasterId r:id="rId11"/>
   </p:handoutMasterIdLst>
   <p:sldIdLst>
     <p:sldId id="256" r:id="rId2"/>
-    <p:sldId id="258" r:id="rId3"/>
-    <p:sldId id="261" r:id="rId4"/>
-    <p:sldId id="257" r:id="rId5"/>
-    <p:sldId id="260" r:id="rId6"/>
-    <p:sldId id="262" r:id="rId7"/>
+    <p:sldId id="263" r:id="rId3"/>
+    <p:sldId id="258" r:id="rId4"/>
+    <p:sldId id="260" r:id="rId5"/>
+    <p:sldId id="257" r:id="rId6"/>
+    <p:sldId id="265" r:id="rId7"/>
+    <p:sldId id="262" r:id="rId8"/>
+    <p:sldId id="264" r:id="rId9"/>
   </p:sldIdLst>
   <p:sldSz cx="9144000" cy="6858000" type="screen4x3"/>
   <p:notesSz cx="6858000" cy="9144000"/>
@@ -121,11 +123,13 @@
         <p14:section name="未命名的章節" id="{35B81114-BD46-4111-8410-3E4E8E4C5A0F}">
           <p14:sldIdLst>
             <p14:sldId id="256"/>
+            <p14:sldId id="263"/>
             <p14:sldId id="258"/>
-            <p14:sldId id="261"/>
+            <p14:sldId id="260"/>
             <p14:sldId id="257"/>
-            <p14:sldId id="260"/>
+            <p14:sldId id="265"/>
             <p14:sldId id="262"/>
+            <p14:sldId id="264"/>
           </p14:sldIdLst>
         </p14:section>
       </p14:sectionLst>
@@ -231,7 +235,7 @@
           <a:p>
             <a:fld id="{E2B5BFD9-D73B-447F-9BCD-C0207DB43A77}" type="datetimeFigureOut">
               <a:rPr lang="zh-TW" altLang="en-US" smtClean="0"/>
-              <a:t>2019/11/1</a:t>
+              <a:t>2019/11/17</a:t>
             </a:fld>
             <a:endParaRPr lang="zh-TW" altLang="en-US"/>
           </a:p>
@@ -409,7 +413,7 @@
           <a:p>
             <a:fld id="{82BAB6B1-4BCB-46A3-9625-DCABA2E4A7B8}" type="datetimeFigureOut">
               <a:rPr lang="zh-TW" altLang="en-US" smtClean="0"/>
-              <a:t>2019/11/1</a:t>
+              <a:t>2019/11/17</a:t>
             </a:fld>
             <a:endParaRPr lang="zh-TW" altLang="en-US"/>
           </a:p>
@@ -798,7 +802,7 @@
           <a:p>
             <a:fld id="{1F843751-79F5-4C91-A62A-DE41CFB8D519}" type="slidenum">
               <a:rPr lang="zh-TW" altLang="en-US" smtClean="0"/>
-              <a:t>2</a:t>
+              <a:t>3</a:t>
             </a:fld>
             <a:endParaRPr lang="zh-TW" altLang="en-US"/>
           </a:p>
@@ -882,7 +886,7 @@
           <a:p>
             <a:fld id="{1F843751-79F5-4C91-A62A-DE41CFB8D519}" type="slidenum">
               <a:rPr lang="zh-TW" altLang="en-US" smtClean="0"/>
-              <a:t>4</a:t>
+              <a:t>5</a:t>
             </a:fld>
             <a:endParaRPr lang="zh-TW" altLang="en-US"/>
           </a:p>
@@ -1306,7 +1310,7 @@
           <a:p>
             <a:fld id="{CBDB6F48-3AD2-4A91-BB7F-D1A63C1EE5CE}" type="datetime1">
               <a:rPr lang="zh-TW" altLang="en-US" smtClean="0"/>
-              <a:t>2019/11/1</a:t>
+              <a:t>2019/11/17</a:t>
             </a:fld>
             <a:endParaRPr lang="zh-TW" altLang="en-US"/>
           </a:p>
@@ -1490,7 +1494,7 @@
           <a:p>
             <a:fld id="{195BD005-53AC-4394-B71F-C4B919CDCF86}" type="datetime1">
               <a:rPr lang="zh-TW" altLang="en-US" smtClean="0"/>
-              <a:t>2019/11/1</a:t>
+              <a:t>2019/11/17</a:t>
             </a:fld>
             <a:endParaRPr lang="zh-TW" altLang="en-US"/>
           </a:p>
@@ -1674,7 +1678,7 @@
           <a:p>
             <a:fld id="{092B0765-CC79-40FF-884C-D260AFB75E48}" type="datetime1">
               <a:rPr lang="zh-TW" altLang="en-US" smtClean="0"/>
-              <a:t>2019/11/1</a:t>
+              <a:t>2019/11/17</a:t>
             </a:fld>
             <a:endParaRPr lang="zh-TW" altLang="en-US"/>
           </a:p>
@@ -1844,7 +1848,7 @@
           <a:p>
             <a:fld id="{480BD83A-BF40-4508-AEFE-6F568306C8F9}" type="datetime1">
               <a:rPr lang="zh-TW" altLang="en-US" smtClean="0"/>
-              <a:t>2019/11/1</a:t>
+              <a:t>2019/11/17</a:t>
             </a:fld>
             <a:endParaRPr lang="zh-TW" altLang="en-US"/>
           </a:p>
@@ -2170,7 +2174,7 @@
           <a:p>
             <a:fld id="{CAD632E9-50C3-4720-95C2-E5D9C5F3029C}" type="datetime1">
               <a:rPr lang="zh-TW" altLang="en-US" smtClean="0"/>
-              <a:t>2019/11/1</a:t>
+              <a:t>2019/11/17</a:t>
             </a:fld>
             <a:endParaRPr lang="zh-TW" altLang="en-US"/>
           </a:p>
@@ -2568,7 +2572,7 @@
           <a:p>
             <a:fld id="{480BD83A-BF40-4508-AEFE-6F568306C8F9}" type="datetime1">
               <a:rPr lang="zh-TW" altLang="en-US" smtClean="0"/>
-              <a:t>2019/11/1</a:t>
+              <a:t>2019/11/17</a:t>
             </a:fld>
             <a:endParaRPr lang="zh-TW" altLang="en-US"/>
           </a:p>
@@ -3003,7 +3007,7 @@
           <a:p>
             <a:fld id="{480BD83A-BF40-4508-AEFE-6F568306C8F9}" type="datetime1">
               <a:rPr lang="zh-TW" altLang="en-US" smtClean="0"/>
-              <a:t>2019/11/1</a:t>
+              <a:t>2019/11/17</a:t>
             </a:fld>
             <a:endParaRPr lang="zh-TW" altLang="en-US"/>
           </a:p>
@@ -3132,7 +3136,7 @@
           <a:p>
             <a:fld id="{045F9A61-DB8F-4059-A726-2D002345691A}" type="datetime1">
               <a:rPr lang="zh-TW" altLang="en-US" smtClean="0"/>
-              <a:t>2019/11/1</a:t>
+              <a:t>2019/11/17</a:t>
             </a:fld>
             <a:endParaRPr lang="zh-TW" altLang="en-US"/>
           </a:p>
@@ -3237,7 +3241,7 @@
           <a:p>
             <a:fld id="{520C3B2F-95E3-47E5-AB3B-A687A62FF84E}" type="datetime1">
               <a:rPr lang="zh-TW" altLang="en-US" smtClean="0"/>
-              <a:t>2019/11/1</a:t>
+              <a:t>2019/11/17</a:t>
             </a:fld>
             <a:endParaRPr lang="zh-TW" altLang="en-US"/>
           </a:p>
@@ -3678,7 +3682,7 @@
           <a:p>
             <a:fld id="{480BD83A-BF40-4508-AEFE-6F568306C8F9}" type="datetime1">
               <a:rPr lang="zh-TW" altLang="en-US" smtClean="0"/>
-              <a:t>2019/11/1</a:t>
+              <a:t>2019/11/17</a:t>
             </a:fld>
             <a:endParaRPr lang="zh-TW" altLang="en-US"/>
           </a:p>
@@ -4106,7 +4110,7 @@
           <a:p>
             <a:fld id="{480BD83A-BF40-4508-AEFE-6F568306C8F9}" type="datetime1">
               <a:rPr lang="zh-TW" altLang="en-US" smtClean="0"/>
-              <a:t>2019/11/1</a:t>
+              <a:t>2019/11/17</a:t>
             </a:fld>
             <a:endParaRPr lang="zh-TW" altLang="en-US"/>
           </a:p>
@@ -4392,7 +4396,7 @@
           <a:p>
             <a:fld id="{480BD83A-BF40-4508-AEFE-6F568306C8F9}" type="datetime1">
               <a:rPr lang="zh-TW" altLang="en-US" smtClean="0"/>
-              <a:t>2019/11/1</a:t>
+              <a:t>2019/11/17</a:t>
             </a:fld>
             <a:endParaRPr lang="zh-TW" altLang="en-US"/>
           </a:p>
@@ -5063,6 +5067,270 @@
       </p:grpSpPr>
       <p:sp>
         <p:nvSpPr>
+          <p:cNvPr id="2" name="標題 1">
+            <a:extLst>
+              <a:ext uri="{FF2B5EF4-FFF2-40B4-BE49-F238E27FC236}">
+                <a16:creationId xmlns:a16="http://schemas.microsoft.com/office/drawing/2014/main" id="{77189112-DFC8-4348-B037-E88E3A1A785A}"/>
+              </a:ext>
+            </a:extLst>
+          </p:cNvPr>
+          <p:cNvSpPr>
+            <a:spLocks noGrp="1"/>
+          </p:cNvSpPr>
+          <p:nvPr>
+            <p:ph type="title"/>
+          </p:nvPr>
+        </p:nvSpPr>
+        <p:spPr>
+          <a:xfrm>
+            <a:off x="685800" y="118872"/>
+            <a:ext cx="7772400" cy="1161288"/>
+          </a:xfrm>
+        </p:spPr>
+        <p:txBody>
+          <a:bodyPr/>
+          <a:lstStyle/>
+          <a:p>
+            <a:r>
+              <a:rPr lang="zh-TW" altLang="en-US" dirty="0">
+                <a:latin typeface="+mn-ea"/>
+                <a:ea typeface="+mn-ea"/>
+              </a:rPr>
+              <a:t>目錄</a:t>
+            </a:r>
+          </a:p>
+        </p:txBody>
+      </p:sp>
+      <p:sp>
+        <p:nvSpPr>
+          <p:cNvPr id="3" name="內容版面配置區 2">
+            <a:extLst>
+              <a:ext uri="{FF2B5EF4-FFF2-40B4-BE49-F238E27FC236}">
+                <a16:creationId xmlns:a16="http://schemas.microsoft.com/office/drawing/2014/main" id="{B0E59118-BCD3-4CD1-8FED-584826596BCE}"/>
+              </a:ext>
+            </a:extLst>
+          </p:cNvPr>
+          <p:cNvSpPr>
+            <a:spLocks noGrp="1"/>
+          </p:cNvSpPr>
+          <p:nvPr>
+            <p:ph idx="1"/>
+          </p:nvPr>
+        </p:nvSpPr>
+        <p:spPr>
+          <a:xfrm>
+            <a:off x="685800" y="1412240"/>
+            <a:ext cx="7772400" cy="4638040"/>
+          </a:xfrm>
+        </p:spPr>
+        <p:txBody>
+          <a:bodyPr>
+            <a:normAutofit fontScale="92500" lnSpcReduction="20000"/>
+          </a:bodyPr>
+          <a:lstStyle/>
+          <a:p>
+            <a:pPr marL="457200" indent="-457200">
+              <a:lnSpc>
+                <a:spcPct val="150000"/>
+              </a:lnSpc>
+              <a:buFont typeface="+mj-lt"/>
+              <a:buAutoNum type="arabicPeriod"/>
+            </a:pPr>
+            <a:r>
+              <a:rPr lang="zh-TW" altLang="en-US" sz="3200" dirty="0">
+                <a:latin typeface="+mn-ea"/>
+              </a:rPr>
+              <a:t>簡介</a:t>
+            </a:r>
+            <a:r>
+              <a:rPr lang="en-US" altLang="zh-TW" sz="3200" dirty="0">
+                <a:latin typeface="+mn-ea"/>
+              </a:rPr>
+              <a:t>-P.3</a:t>
+            </a:r>
+          </a:p>
+          <a:p>
+            <a:pPr marL="457200" indent="-457200">
+              <a:lnSpc>
+                <a:spcPct val="150000"/>
+              </a:lnSpc>
+              <a:buFont typeface="+mj-lt"/>
+              <a:buAutoNum type="arabicPeriod"/>
+            </a:pPr>
+            <a:r>
+              <a:rPr lang="zh-TW" altLang="en-US" sz="3200" dirty="0">
+                <a:latin typeface="+mn-ea"/>
+              </a:rPr>
+              <a:t>背景</a:t>
+            </a:r>
+            <a:r>
+              <a:rPr lang="en-US" altLang="zh-TW" sz="3200" dirty="0">
+                <a:latin typeface="+mn-ea"/>
+              </a:rPr>
+              <a:t>-P.4</a:t>
+            </a:r>
+          </a:p>
+          <a:p>
+            <a:pPr marL="457200" indent="-457200">
+              <a:lnSpc>
+                <a:spcPct val="150000"/>
+              </a:lnSpc>
+              <a:buFont typeface="+mj-lt"/>
+              <a:buAutoNum type="arabicPeriod"/>
+            </a:pPr>
+            <a:r>
+              <a:rPr lang="zh-TW" altLang="en-US" sz="3200" dirty="0">
+                <a:latin typeface="+mn-ea"/>
+              </a:rPr>
+              <a:t>趨勢</a:t>
+            </a:r>
+            <a:r>
+              <a:rPr lang="en-US" altLang="zh-TW" sz="3200" dirty="0">
+                <a:latin typeface="+mn-ea"/>
+              </a:rPr>
+              <a:t>-P.5</a:t>
+            </a:r>
+          </a:p>
+          <a:p>
+            <a:pPr marL="457200" indent="-457200">
+              <a:lnSpc>
+                <a:spcPct val="150000"/>
+              </a:lnSpc>
+              <a:buFont typeface="+mj-lt"/>
+              <a:buAutoNum type="arabicPeriod"/>
+            </a:pPr>
+            <a:r>
+              <a:rPr lang="zh-TW" altLang="en-US" sz="3200" dirty="0">
+                <a:latin typeface="+mn-ea"/>
+              </a:rPr>
+              <a:t>動機</a:t>
+            </a:r>
+            <a:r>
+              <a:rPr lang="en-US" altLang="zh-TW" sz="3200" dirty="0">
+                <a:latin typeface="+mn-ea"/>
+              </a:rPr>
+              <a:t>-P.6</a:t>
+            </a:r>
+          </a:p>
+          <a:p>
+            <a:pPr marL="457200" indent="-457200">
+              <a:lnSpc>
+                <a:spcPct val="150000"/>
+              </a:lnSpc>
+              <a:buFont typeface="+mj-lt"/>
+              <a:buAutoNum type="arabicPeriod"/>
+            </a:pPr>
+            <a:r>
+              <a:rPr lang="zh-TW" altLang="en-US" sz="3200" dirty="0">
+                <a:latin typeface="+mn-ea"/>
+              </a:rPr>
+              <a:t>目的</a:t>
+            </a:r>
+            <a:r>
+              <a:rPr lang="en-US" altLang="zh-TW" sz="3200" dirty="0">
+                <a:latin typeface="+mn-ea"/>
+              </a:rPr>
+              <a:t>-P.7</a:t>
+            </a:r>
+          </a:p>
+          <a:p>
+            <a:pPr marL="457200" indent="-457200">
+              <a:lnSpc>
+                <a:spcPct val="150000"/>
+              </a:lnSpc>
+              <a:buFont typeface="+mj-lt"/>
+              <a:buAutoNum type="arabicPeriod"/>
+            </a:pPr>
+            <a:r>
+              <a:rPr lang="zh-TW" altLang="en-US" sz="3200" dirty="0">
+                <a:latin typeface="+mn-ea"/>
+              </a:rPr>
+              <a:t>工作分配</a:t>
+            </a:r>
+            <a:r>
+              <a:rPr lang="en-US" altLang="zh-TW" sz="3200" dirty="0">
+                <a:latin typeface="+mn-ea"/>
+              </a:rPr>
+              <a:t>-P.8</a:t>
+            </a:r>
+          </a:p>
+          <a:p>
+            <a:pPr marL="457200" indent="-457200">
+              <a:buFont typeface="+mj-lt"/>
+              <a:buAutoNum type="arabicPeriod"/>
+            </a:pPr>
+            <a:endParaRPr lang="en-US" altLang="zh-TW" dirty="0"/>
+          </a:p>
+          <a:p>
+            <a:pPr marL="457200" indent="-457200">
+              <a:buFont typeface="+mj-lt"/>
+              <a:buAutoNum type="arabicPeriod"/>
+            </a:pPr>
+            <a:endParaRPr lang="zh-TW" altLang="en-US" dirty="0"/>
+          </a:p>
+        </p:txBody>
+      </p:sp>
+      <p:sp>
+        <p:nvSpPr>
+          <p:cNvPr id="4" name="投影片編號版面配置區 3">
+            <a:extLst>
+              <a:ext uri="{FF2B5EF4-FFF2-40B4-BE49-F238E27FC236}">
+                <a16:creationId xmlns:a16="http://schemas.microsoft.com/office/drawing/2014/main" id="{11429054-DE0E-462B-B778-1EF960E7BCBA}"/>
+              </a:ext>
+            </a:extLst>
+          </p:cNvPr>
+          <p:cNvSpPr>
+            <a:spLocks noGrp="1"/>
+          </p:cNvSpPr>
+          <p:nvPr>
+            <p:ph type="sldNum" sz="quarter" idx="12"/>
+          </p:nvPr>
+        </p:nvSpPr>
+        <p:spPr/>
+        <p:txBody>
+          <a:bodyPr/>
+          <a:lstStyle/>
+          <a:p>
+            <a:fld id="{80E16380-4998-42C3-B033-270161A8BE6B}" type="slidenum">
+              <a:rPr lang="zh-TW" altLang="en-US" smtClean="0"/>
+              <a:t>2</a:t>
+            </a:fld>
+            <a:endParaRPr lang="zh-TW" altLang="en-US"/>
+          </a:p>
+        </p:txBody>
+      </p:sp>
+    </p:spTree>
+    <p:extLst>
+      <p:ext uri="{BB962C8B-B14F-4D97-AF65-F5344CB8AC3E}">
+        <p14:creationId xmlns:p14="http://schemas.microsoft.com/office/powerpoint/2010/main" val="1652166960"/>
+      </p:ext>
+    </p:extLst>
+  </p:cSld>
+  <p:clrMapOvr>
+    <a:masterClrMapping/>
+  </p:clrMapOvr>
+</p:sld>
+</file>
+
+<file path=ppt/slides/slide3.xml><?xml version="1.0" encoding="utf-8"?>
+<p:sld xmlns:a="http://schemas.openxmlformats.org/drawingml/2006/main" xmlns:r="http://schemas.openxmlformats.org/officeDocument/2006/relationships" xmlns:p="http://schemas.openxmlformats.org/presentationml/2006/main">
+  <p:cSld>
+    <p:spTree>
+      <p:nvGrpSpPr>
+        <p:cNvPr id="1" name=""/>
+        <p:cNvGrpSpPr/>
+        <p:nvPr/>
+      </p:nvGrpSpPr>
+      <p:grpSpPr>
+        <a:xfrm>
+          <a:off x="0" y="0"/>
+          <a:ext cx="0" cy="0"/>
+          <a:chOff x="0" y="0"/>
+          <a:chExt cx="0" cy="0"/>
+        </a:xfrm>
+      </p:grpSpPr>
+      <p:sp>
+        <p:nvSpPr>
           <p:cNvPr id="2" name="標題 1"/>
           <p:cNvSpPr>
             <a:spLocks noGrp="1"/>
@@ -5216,7 +5484,7 @@
           <a:p>
             <a:fld id="{80E16380-4998-42C3-B033-270161A8BE6B}" type="slidenum">
               <a:rPr lang="zh-TW" altLang="en-US" smtClean="0"/>
-              <a:t>2</a:t>
+              <a:t>3</a:t>
             </a:fld>
             <a:endParaRPr lang="zh-TW" altLang="en-US"/>
           </a:p>
@@ -5565,869 +5833,6 @@
 </p:sld>
 </file>
 
-<file path=ppt/slides/slide3.xml><?xml version="1.0" encoding="utf-8"?>
-<p:sld xmlns:a="http://schemas.openxmlformats.org/drawingml/2006/main" xmlns:r="http://schemas.openxmlformats.org/officeDocument/2006/relationships" xmlns:p="http://schemas.openxmlformats.org/presentationml/2006/main">
-  <p:cSld>
-    <p:spTree>
-      <p:nvGrpSpPr>
-        <p:cNvPr id="1" name=""/>
-        <p:cNvGrpSpPr/>
-        <p:nvPr/>
-      </p:nvGrpSpPr>
-      <p:grpSpPr>
-        <a:xfrm>
-          <a:off x="0" y="0"/>
-          <a:ext cx="0" cy="0"/>
-          <a:chOff x="0" y="0"/>
-          <a:chExt cx="0" cy="0"/>
-        </a:xfrm>
-      </p:grpSpPr>
-      <p:sp>
-        <p:nvSpPr>
-          <p:cNvPr id="2" name="標題 1">
-            <a:extLst>
-              <a:ext uri="{FF2B5EF4-FFF2-40B4-BE49-F238E27FC236}">
-                <a16:creationId xmlns:a16="http://schemas.microsoft.com/office/drawing/2014/main" id="{C503AFEC-14CE-4AD4-B0B3-9E05E30010F9}"/>
-              </a:ext>
-            </a:extLst>
-          </p:cNvPr>
-          <p:cNvSpPr>
-            <a:spLocks noGrp="1"/>
-          </p:cNvSpPr>
-          <p:nvPr>
-            <p:ph type="title"/>
-          </p:nvPr>
-        </p:nvSpPr>
-        <p:spPr>
-          <a:xfrm>
-            <a:off x="312576" y="140904"/>
-            <a:ext cx="7772400" cy="947337"/>
-          </a:xfrm>
-        </p:spPr>
-        <p:txBody>
-          <a:bodyPr/>
-          <a:lstStyle/>
-          <a:p>
-            <a:r>
-              <a:rPr lang="zh-TW" altLang="en-US" dirty="0">
-                <a:latin typeface="+mn-ea"/>
-                <a:ea typeface="+mn-ea"/>
-              </a:rPr>
-              <a:t>簡介</a:t>
-            </a:r>
-          </a:p>
-        </p:txBody>
-      </p:sp>
-      <p:sp>
-        <p:nvSpPr>
-          <p:cNvPr id="3" name="內容版面配置區 2">
-            <a:extLst>
-              <a:ext uri="{FF2B5EF4-FFF2-40B4-BE49-F238E27FC236}">
-                <a16:creationId xmlns:a16="http://schemas.microsoft.com/office/drawing/2014/main" id="{2CEC914F-F1A6-49A8-A615-FADA48FB1510}"/>
-              </a:ext>
-            </a:extLst>
-          </p:cNvPr>
-          <p:cNvSpPr>
-            <a:spLocks noGrp="1"/>
-          </p:cNvSpPr>
-          <p:nvPr>
-            <p:ph idx="1"/>
-          </p:nvPr>
-        </p:nvSpPr>
-        <p:spPr>
-          <a:xfrm>
-            <a:off x="200608" y="1088241"/>
-            <a:ext cx="7772400" cy="4595327"/>
-          </a:xfrm>
-        </p:spPr>
-        <p:txBody>
-          <a:bodyPr>
-            <a:normAutofit fontScale="70000" lnSpcReduction="20000"/>
-          </a:bodyPr>
-          <a:lstStyle/>
-          <a:p>
-            <a:pPr marL="4763" indent="-4763">
-              <a:lnSpc>
-                <a:spcPct val="150000"/>
-              </a:lnSpc>
-            </a:pPr>
-            <a:r>
-              <a:rPr lang="zh-TW" altLang="en-US" sz="2800" dirty="0">
-                <a:latin typeface="+mn-ea"/>
-              </a:rPr>
-              <a:t>此裝置包含以下四個部分：</a:t>
-            </a:r>
-          </a:p>
-          <a:p>
-            <a:pPr marL="0" indent="0">
-              <a:lnSpc>
-                <a:spcPct val="150000"/>
-              </a:lnSpc>
-            </a:pPr>
-            <a:r>
-              <a:rPr lang="zh-TW" altLang="en-US" sz="2800" dirty="0">
-                <a:latin typeface="+mn-ea"/>
-              </a:rPr>
-              <a:t>第一部分</a:t>
-            </a:r>
-            <a:r>
-              <a:rPr lang="en-US" altLang="zh-TW" sz="2800" dirty="0">
-                <a:latin typeface="+mn-ea"/>
-              </a:rPr>
-              <a:t>-</a:t>
-            </a:r>
-            <a:r>
-              <a:rPr lang="zh-TW" altLang="en-US" sz="2800" dirty="0">
-                <a:latin typeface="+mn-ea"/>
-              </a:rPr>
-              <a:t>運用</a:t>
-            </a:r>
-            <a:r>
-              <a:rPr lang="en-US" altLang="zh-TW" sz="2800" dirty="0">
-                <a:latin typeface="+mn-ea"/>
-              </a:rPr>
-              <a:t>Arduino</a:t>
-            </a:r>
-            <a:r>
-              <a:rPr lang="zh-TW" altLang="en-US" sz="2800" dirty="0">
-                <a:latin typeface="+mn-ea"/>
-              </a:rPr>
-              <a:t>當作主要開發工具</a:t>
-            </a:r>
-          </a:p>
-          <a:p>
-            <a:pPr marL="0" indent="0">
-              <a:lnSpc>
-                <a:spcPct val="150000"/>
-              </a:lnSpc>
-            </a:pPr>
-            <a:r>
-              <a:rPr lang="zh-TW" altLang="en-US" sz="2800" dirty="0">
-                <a:latin typeface="+mn-ea"/>
-              </a:rPr>
-              <a:t>第二部分</a:t>
-            </a:r>
-            <a:r>
-              <a:rPr lang="en-US" altLang="zh-TW" sz="2800" dirty="0">
-                <a:latin typeface="+mn-ea"/>
-              </a:rPr>
-              <a:t>-</a:t>
-            </a:r>
-            <a:r>
-              <a:rPr lang="zh-TW" altLang="en-US" sz="2800" dirty="0">
-                <a:latin typeface="+mn-ea"/>
-              </a:rPr>
-              <a:t>結合陀螺儀、</a:t>
-            </a:r>
-            <a:r>
-              <a:rPr lang="en-US" altLang="zh-TW" sz="2800" dirty="0">
-                <a:latin typeface="+mn-ea"/>
-              </a:rPr>
-              <a:t>LCD</a:t>
-            </a:r>
-            <a:r>
-              <a:rPr lang="zh-TW" altLang="en-US" sz="2800" dirty="0">
-                <a:latin typeface="+mn-ea"/>
-              </a:rPr>
-              <a:t>液晶顯示模組等</a:t>
-            </a:r>
-            <a:r>
-              <a:rPr lang="en-US" altLang="zh-TW" sz="2800" dirty="0">
-                <a:latin typeface="+mn-ea"/>
-              </a:rPr>
-              <a:t>…</a:t>
-            </a:r>
-            <a:r>
-              <a:rPr lang="zh-TW" altLang="en-US" sz="2800" dirty="0">
-                <a:latin typeface="+mn-ea"/>
-              </a:rPr>
-              <a:t>其他感測</a:t>
-            </a:r>
-            <a:endParaRPr lang="en-US" altLang="zh-TW" sz="2800" dirty="0">
-              <a:latin typeface="+mn-ea"/>
-            </a:endParaRPr>
-          </a:p>
-          <a:p>
-            <a:pPr marL="1343025" indent="0">
-              <a:lnSpc>
-                <a:spcPct val="150000"/>
-              </a:lnSpc>
-              <a:buNone/>
-            </a:pPr>
-            <a:r>
-              <a:rPr lang="zh-TW" altLang="en-US" sz="2800" dirty="0">
-                <a:latin typeface="+mn-ea"/>
-              </a:rPr>
-              <a:t>元件與實體設備</a:t>
-            </a:r>
-          </a:p>
-          <a:p>
-            <a:pPr marL="0" indent="0">
-              <a:lnSpc>
-                <a:spcPct val="150000"/>
-              </a:lnSpc>
-            </a:pPr>
-            <a:r>
-              <a:rPr lang="zh-TW" altLang="en-US" sz="2800" dirty="0">
-                <a:latin typeface="+mn-ea"/>
-              </a:rPr>
-              <a:t>第三部份</a:t>
-            </a:r>
-            <a:r>
-              <a:rPr lang="en-US" altLang="zh-TW" sz="2800" dirty="0">
-                <a:latin typeface="+mn-ea"/>
-              </a:rPr>
-              <a:t>-</a:t>
-            </a:r>
-            <a:r>
-              <a:rPr lang="zh-TW" altLang="en-US" sz="2800" dirty="0">
-                <a:latin typeface="+mn-ea"/>
-              </a:rPr>
-              <a:t>通過</a:t>
-            </a:r>
-            <a:r>
-              <a:rPr lang="en-US" altLang="zh-TW" sz="2800" dirty="0">
-                <a:latin typeface="+mn-ea"/>
-              </a:rPr>
-              <a:t>SketchUp</a:t>
-            </a:r>
-            <a:r>
-              <a:rPr lang="zh-TW" altLang="en-US" sz="2800" dirty="0">
-                <a:latin typeface="+mn-ea"/>
-              </a:rPr>
-              <a:t>設計出機車虛擬模型，再轉檔成</a:t>
-            </a:r>
-            <a:r>
-              <a:rPr lang="en-US" altLang="zh-TW" sz="2800" dirty="0">
-                <a:latin typeface="+mn-ea"/>
-              </a:rPr>
-              <a:t>STL</a:t>
-            </a:r>
-          </a:p>
-          <a:p>
-            <a:pPr marL="1436688" indent="0">
-              <a:lnSpc>
-                <a:spcPct val="150000"/>
-              </a:lnSpc>
-              <a:buNone/>
-            </a:pPr>
-            <a:r>
-              <a:rPr lang="zh-TW" altLang="en-US" sz="2800" dirty="0">
-                <a:latin typeface="+mn-ea"/>
-              </a:rPr>
-              <a:t>的方式，導入</a:t>
-            </a:r>
-            <a:r>
-              <a:rPr lang="en-US" altLang="zh-TW" sz="2800" dirty="0">
-                <a:latin typeface="+mn-ea"/>
-              </a:rPr>
-              <a:t>Processing</a:t>
-            </a:r>
-          </a:p>
-          <a:p>
-            <a:pPr marL="0" indent="0">
-              <a:lnSpc>
-                <a:spcPct val="150000"/>
-              </a:lnSpc>
-            </a:pPr>
-            <a:r>
-              <a:rPr lang="zh-TW" altLang="en-US" sz="2800" dirty="0">
-                <a:latin typeface="+mn-ea"/>
-              </a:rPr>
-              <a:t>第四部分</a:t>
-            </a:r>
-            <a:r>
-              <a:rPr lang="en-US" altLang="zh-TW" sz="2800" dirty="0">
-                <a:latin typeface="+mn-ea"/>
-              </a:rPr>
-              <a:t>-</a:t>
-            </a:r>
-            <a:r>
-              <a:rPr lang="zh-TW" altLang="en-US" sz="2800" dirty="0">
-                <a:latin typeface="+mn-ea"/>
-              </a:rPr>
-              <a:t>結合軟體做出機車行進模擬，來預判實際可能發生</a:t>
-            </a:r>
-            <a:endParaRPr lang="en-US" altLang="zh-TW" sz="2800" dirty="0">
-              <a:latin typeface="+mn-ea"/>
-            </a:endParaRPr>
-          </a:p>
-          <a:p>
-            <a:pPr marL="1343025" indent="0">
-              <a:lnSpc>
-                <a:spcPct val="150000"/>
-              </a:lnSpc>
-              <a:buNone/>
-            </a:pPr>
-            <a:r>
-              <a:rPr lang="zh-TW" altLang="en-US" sz="2800" dirty="0">
-                <a:latin typeface="+mn-ea"/>
-              </a:rPr>
-              <a:t>的情況</a:t>
-            </a:r>
-          </a:p>
-        </p:txBody>
-      </p:sp>
-      <p:sp>
-        <p:nvSpPr>
-          <p:cNvPr id="4" name="投影片編號版面配置區 3">
-            <a:extLst>
-              <a:ext uri="{FF2B5EF4-FFF2-40B4-BE49-F238E27FC236}">
-                <a16:creationId xmlns:a16="http://schemas.microsoft.com/office/drawing/2014/main" id="{CD50AEA8-8A85-4CC1-8B33-147E02D955E3}"/>
-              </a:ext>
-            </a:extLst>
-          </p:cNvPr>
-          <p:cNvSpPr>
-            <a:spLocks noGrp="1"/>
-          </p:cNvSpPr>
-          <p:nvPr>
-            <p:ph type="sldNum" sz="quarter" idx="12"/>
-          </p:nvPr>
-        </p:nvSpPr>
-        <p:spPr/>
-        <p:txBody>
-          <a:bodyPr/>
-          <a:lstStyle/>
-          <a:p>
-            <a:fld id="{80E16380-4998-42C3-B033-270161A8BE6B}" type="slidenum">
-              <a:rPr lang="zh-TW" altLang="en-US" smtClean="0"/>
-              <a:t>3</a:t>
-            </a:fld>
-            <a:endParaRPr lang="zh-TW" altLang="en-US"/>
-          </a:p>
-        </p:txBody>
-      </p:sp>
-      <p:pic>
-        <p:nvPicPr>
-          <p:cNvPr id="5" name="圖片 4">
-            <a:extLst>
-              <a:ext uri="{FF2B5EF4-FFF2-40B4-BE49-F238E27FC236}">
-                <a16:creationId xmlns:a16="http://schemas.microsoft.com/office/drawing/2014/main" id="{96963AE7-B21E-4C19-B6AE-F449A3DD4BAB}"/>
-              </a:ext>
-            </a:extLst>
-          </p:cNvPr>
-          <p:cNvPicPr>
-            <a:picLocks noChangeAspect="1"/>
-          </p:cNvPicPr>
-          <p:nvPr/>
-        </p:nvPicPr>
-        <p:blipFill>
-          <a:blip r:embed="rId2"/>
-          <a:stretch>
-            <a:fillRect/>
-          </a:stretch>
-        </p:blipFill>
-        <p:spPr>
-          <a:xfrm>
-            <a:off x="2647126" y="4955872"/>
-            <a:ext cx="2560542" cy="1627773"/>
-          </a:xfrm>
-          <a:prstGeom prst="rect">
-            <a:avLst/>
-          </a:prstGeom>
-        </p:spPr>
-      </p:pic>
-      <p:pic>
-        <p:nvPicPr>
-          <p:cNvPr id="6" name="圖片 5">
-            <a:extLst>
-              <a:ext uri="{FF2B5EF4-FFF2-40B4-BE49-F238E27FC236}">
-                <a16:creationId xmlns:a16="http://schemas.microsoft.com/office/drawing/2014/main" id="{79A97490-0431-4612-8B6A-C240CDC89629}"/>
-              </a:ext>
-            </a:extLst>
-          </p:cNvPr>
-          <p:cNvPicPr>
-            <a:picLocks noChangeAspect="1"/>
-          </p:cNvPicPr>
-          <p:nvPr/>
-        </p:nvPicPr>
-        <p:blipFill>
-          <a:blip r:embed="rId3"/>
-          <a:stretch>
-            <a:fillRect/>
-          </a:stretch>
-        </p:blipFill>
-        <p:spPr>
-          <a:xfrm>
-            <a:off x="5489167" y="4960456"/>
-            <a:ext cx="2804403" cy="1670449"/>
-          </a:xfrm>
-          <a:prstGeom prst="rect">
-            <a:avLst/>
-          </a:prstGeom>
-        </p:spPr>
-      </p:pic>
-    </p:spTree>
-    <p:extLst>
-      <p:ext uri="{BB962C8B-B14F-4D97-AF65-F5344CB8AC3E}">
-        <p14:creationId xmlns:p14="http://schemas.microsoft.com/office/powerpoint/2010/main" val="3271394405"/>
-      </p:ext>
-    </p:extLst>
-  </p:cSld>
-  <p:clrMapOvr>
-    <a:masterClrMapping/>
-  </p:clrMapOvr>
-  <p:timing>
-    <p:tnLst>
-      <p:par>
-        <p:cTn id="1" dur="indefinite" restart="never" nodeType="tmRoot">
-          <p:childTnLst>
-            <p:seq concurrent="1" nextAc="seek">
-              <p:cTn id="2" dur="indefinite" nodeType="mainSeq">
-                <p:childTnLst>
-                  <p:par>
-                    <p:cTn id="3" fill="hold">
-                      <p:stCondLst>
-                        <p:cond delay="indefinite"/>
-                      </p:stCondLst>
-                      <p:childTnLst>
-                        <p:par>
-                          <p:cTn id="4" fill="hold">
-                            <p:stCondLst>
-                              <p:cond delay="0"/>
-                            </p:stCondLst>
-                            <p:childTnLst>
-                              <p:par>
-                                <p:cTn id="5" presetID="1" presetClass="entr" presetSubtype="0" fill="hold" nodeType="clickEffect">
-                                  <p:stCondLst>
-                                    <p:cond delay="0"/>
-                                  </p:stCondLst>
-                                  <p:childTnLst>
-                                    <p:set>
-                                      <p:cBhvr>
-                                        <p:cTn id="6" dur="1" fill="hold">
-                                          <p:stCondLst>
-                                            <p:cond delay="0"/>
-                                          </p:stCondLst>
-                                        </p:cTn>
-                                        <p:tgtEl>
-                                          <p:spTgt spid="3">
-                                            <p:txEl>
-                                              <p:pRg st="0" end="0"/>
-                                            </p:txEl>
-                                          </p:spTgt>
-                                        </p:tgtEl>
-                                        <p:attrNameLst>
-                                          <p:attrName>style.visibility</p:attrName>
-                                        </p:attrNameLst>
-                                      </p:cBhvr>
-                                      <p:to>
-                                        <p:strVal val="visible"/>
-                                      </p:to>
-                                    </p:set>
-                                  </p:childTnLst>
-                                </p:cTn>
-                              </p:par>
-                            </p:childTnLst>
-                          </p:cTn>
-                        </p:par>
-                      </p:childTnLst>
-                    </p:cTn>
-                  </p:par>
-                  <p:par>
-                    <p:cTn id="7" fill="hold">
-                      <p:stCondLst>
-                        <p:cond delay="indefinite"/>
-                      </p:stCondLst>
-                      <p:childTnLst>
-                        <p:par>
-                          <p:cTn id="8" fill="hold">
-                            <p:stCondLst>
-                              <p:cond delay="0"/>
-                            </p:stCondLst>
-                            <p:childTnLst>
-                              <p:par>
-                                <p:cTn id="9" presetID="1" presetClass="entr" presetSubtype="0" fill="hold" nodeType="clickEffect">
-                                  <p:stCondLst>
-                                    <p:cond delay="0"/>
-                                  </p:stCondLst>
-                                  <p:childTnLst>
-                                    <p:set>
-                                      <p:cBhvr>
-                                        <p:cTn id="10" dur="1" fill="hold">
-                                          <p:stCondLst>
-                                            <p:cond delay="0"/>
-                                          </p:stCondLst>
-                                        </p:cTn>
-                                        <p:tgtEl>
-                                          <p:spTgt spid="3">
-                                            <p:txEl>
-                                              <p:pRg st="1" end="1"/>
-                                            </p:txEl>
-                                          </p:spTgt>
-                                        </p:tgtEl>
-                                        <p:attrNameLst>
-                                          <p:attrName>style.visibility</p:attrName>
-                                        </p:attrNameLst>
-                                      </p:cBhvr>
-                                      <p:to>
-                                        <p:strVal val="visible"/>
-                                      </p:to>
-                                    </p:set>
-                                  </p:childTnLst>
-                                </p:cTn>
-                              </p:par>
-                            </p:childTnLst>
-                          </p:cTn>
-                        </p:par>
-                      </p:childTnLst>
-                    </p:cTn>
-                  </p:par>
-                  <p:par>
-                    <p:cTn id="11" fill="hold">
-                      <p:stCondLst>
-                        <p:cond delay="indefinite"/>
-                      </p:stCondLst>
-                      <p:childTnLst>
-                        <p:par>
-                          <p:cTn id="12" fill="hold">
-                            <p:stCondLst>
-                              <p:cond delay="0"/>
-                            </p:stCondLst>
-                            <p:childTnLst>
-                              <p:par>
-                                <p:cTn id="13" presetID="1" presetClass="entr" presetSubtype="0" fill="hold" nodeType="clickEffect">
-                                  <p:stCondLst>
-                                    <p:cond delay="0"/>
-                                  </p:stCondLst>
-                                  <p:childTnLst>
-                                    <p:set>
-                                      <p:cBhvr>
-                                        <p:cTn id="14" dur="1" fill="hold">
-                                          <p:stCondLst>
-                                            <p:cond delay="0"/>
-                                          </p:stCondLst>
-                                        </p:cTn>
-                                        <p:tgtEl>
-                                          <p:spTgt spid="3">
-                                            <p:txEl>
-                                              <p:pRg st="2" end="2"/>
-                                            </p:txEl>
-                                          </p:spTgt>
-                                        </p:tgtEl>
-                                        <p:attrNameLst>
-                                          <p:attrName>style.visibility</p:attrName>
-                                        </p:attrNameLst>
-                                      </p:cBhvr>
-                                      <p:to>
-                                        <p:strVal val="visible"/>
-                                      </p:to>
-                                    </p:set>
-                                  </p:childTnLst>
-                                </p:cTn>
-                              </p:par>
-                              <p:par>
-                                <p:cTn id="15" presetID="1" presetClass="entr" presetSubtype="0" fill="hold" nodeType="withEffect">
-                                  <p:stCondLst>
-                                    <p:cond delay="0"/>
-                                  </p:stCondLst>
-                                  <p:childTnLst>
-                                    <p:set>
-                                      <p:cBhvr>
-                                        <p:cTn id="16" dur="1" fill="hold">
-                                          <p:stCondLst>
-                                            <p:cond delay="0"/>
-                                          </p:stCondLst>
-                                        </p:cTn>
-                                        <p:tgtEl>
-                                          <p:spTgt spid="3">
-                                            <p:txEl>
-                                              <p:pRg st="3" end="3"/>
-                                            </p:txEl>
-                                          </p:spTgt>
-                                        </p:tgtEl>
-                                        <p:attrNameLst>
-                                          <p:attrName>style.visibility</p:attrName>
-                                        </p:attrNameLst>
-                                      </p:cBhvr>
-                                      <p:to>
-                                        <p:strVal val="visible"/>
-                                      </p:to>
-                                    </p:set>
-                                  </p:childTnLst>
-                                </p:cTn>
-                              </p:par>
-                            </p:childTnLst>
-                          </p:cTn>
-                        </p:par>
-                      </p:childTnLst>
-                    </p:cTn>
-                  </p:par>
-                  <p:par>
-                    <p:cTn id="17" fill="hold">
-                      <p:stCondLst>
-                        <p:cond delay="indefinite"/>
-                      </p:stCondLst>
-                      <p:childTnLst>
-                        <p:par>
-                          <p:cTn id="18" fill="hold">
-                            <p:stCondLst>
-                              <p:cond delay="0"/>
-                            </p:stCondLst>
-                            <p:childTnLst>
-                              <p:par>
-                                <p:cTn id="19" presetID="1" presetClass="entr" presetSubtype="0" fill="hold" nodeType="clickEffect">
-                                  <p:stCondLst>
-                                    <p:cond delay="0"/>
-                                  </p:stCondLst>
-                                  <p:childTnLst>
-                                    <p:set>
-                                      <p:cBhvr>
-                                        <p:cTn id="20" dur="1" fill="hold">
-                                          <p:stCondLst>
-                                            <p:cond delay="0"/>
-                                          </p:stCondLst>
-                                        </p:cTn>
-                                        <p:tgtEl>
-                                          <p:spTgt spid="3">
-                                            <p:txEl>
-                                              <p:pRg st="4" end="4"/>
-                                            </p:txEl>
-                                          </p:spTgt>
-                                        </p:tgtEl>
-                                        <p:attrNameLst>
-                                          <p:attrName>style.visibility</p:attrName>
-                                        </p:attrNameLst>
-                                      </p:cBhvr>
-                                      <p:to>
-                                        <p:strVal val="visible"/>
-                                      </p:to>
-                                    </p:set>
-                                  </p:childTnLst>
-                                </p:cTn>
-                              </p:par>
-                              <p:par>
-                                <p:cTn id="21" presetID="1" presetClass="entr" presetSubtype="0" fill="hold" nodeType="withEffect">
-                                  <p:stCondLst>
-                                    <p:cond delay="0"/>
-                                  </p:stCondLst>
-                                  <p:childTnLst>
-                                    <p:set>
-                                      <p:cBhvr>
-                                        <p:cTn id="22" dur="1" fill="hold">
-                                          <p:stCondLst>
-                                            <p:cond delay="0"/>
-                                          </p:stCondLst>
-                                        </p:cTn>
-                                        <p:tgtEl>
-                                          <p:spTgt spid="3">
-                                            <p:txEl>
-                                              <p:pRg st="5" end="5"/>
-                                            </p:txEl>
-                                          </p:spTgt>
-                                        </p:tgtEl>
-                                        <p:attrNameLst>
-                                          <p:attrName>style.visibility</p:attrName>
-                                        </p:attrNameLst>
-                                      </p:cBhvr>
-                                      <p:to>
-                                        <p:strVal val="visible"/>
-                                      </p:to>
-                                    </p:set>
-                                  </p:childTnLst>
-                                </p:cTn>
-                              </p:par>
-                            </p:childTnLst>
-                          </p:cTn>
-                        </p:par>
-                      </p:childTnLst>
-                    </p:cTn>
-                  </p:par>
-                  <p:par>
-                    <p:cTn id="23" fill="hold">
-                      <p:stCondLst>
-                        <p:cond delay="indefinite"/>
-                      </p:stCondLst>
-                      <p:childTnLst>
-                        <p:par>
-                          <p:cTn id="24" fill="hold">
-                            <p:stCondLst>
-                              <p:cond delay="0"/>
-                            </p:stCondLst>
-                            <p:childTnLst>
-                              <p:par>
-                                <p:cTn id="25" presetID="1" presetClass="entr" presetSubtype="0" fill="hold" nodeType="clickEffect">
-                                  <p:stCondLst>
-                                    <p:cond delay="0"/>
-                                  </p:stCondLst>
-                                  <p:childTnLst>
-                                    <p:set>
-                                      <p:cBhvr>
-                                        <p:cTn id="26" dur="1" fill="hold">
-                                          <p:stCondLst>
-                                            <p:cond delay="0"/>
-                                          </p:stCondLst>
-                                        </p:cTn>
-                                        <p:tgtEl>
-                                          <p:spTgt spid="3">
-                                            <p:txEl>
-                                              <p:pRg st="6" end="6"/>
-                                            </p:txEl>
-                                          </p:spTgt>
-                                        </p:tgtEl>
-                                        <p:attrNameLst>
-                                          <p:attrName>style.visibility</p:attrName>
-                                        </p:attrNameLst>
-                                      </p:cBhvr>
-                                      <p:to>
-                                        <p:strVal val="visible"/>
-                                      </p:to>
-                                    </p:set>
-                                  </p:childTnLst>
-                                </p:cTn>
-                              </p:par>
-                              <p:par>
-                                <p:cTn id="27" presetID="1" presetClass="entr" presetSubtype="0" fill="hold" nodeType="withEffect">
-                                  <p:stCondLst>
-                                    <p:cond delay="0"/>
-                                  </p:stCondLst>
-                                  <p:childTnLst>
-                                    <p:set>
-                                      <p:cBhvr>
-                                        <p:cTn id="28" dur="1" fill="hold">
-                                          <p:stCondLst>
-                                            <p:cond delay="0"/>
-                                          </p:stCondLst>
-                                        </p:cTn>
-                                        <p:tgtEl>
-                                          <p:spTgt spid="3">
-                                            <p:txEl>
-                                              <p:pRg st="7" end="7"/>
-                                            </p:txEl>
-                                          </p:spTgt>
-                                        </p:tgtEl>
-                                        <p:attrNameLst>
-                                          <p:attrName>style.visibility</p:attrName>
-                                        </p:attrNameLst>
-                                      </p:cBhvr>
-                                      <p:to>
-                                        <p:strVal val="visible"/>
-                                      </p:to>
-                                    </p:set>
-                                  </p:childTnLst>
-                                </p:cTn>
-                              </p:par>
-                            </p:childTnLst>
-                          </p:cTn>
-                        </p:par>
-                      </p:childTnLst>
-                    </p:cTn>
-                  </p:par>
-                  <p:par>
-                    <p:cTn id="29" fill="hold">
-                      <p:stCondLst>
-                        <p:cond delay="indefinite"/>
-                      </p:stCondLst>
-                      <p:childTnLst>
-                        <p:par>
-                          <p:cTn id="30" fill="hold">
-                            <p:stCondLst>
-                              <p:cond delay="0"/>
-                            </p:stCondLst>
-                            <p:childTnLst>
-                              <p:par>
-                                <p:cTn id="31" presetID="1" presetClass="entr" presetSubtype="0" fill="hold" nodeType="clickEffect">
-                                  <p:stCondLst>
-                                    <p:cond delay="0"/>
-                                  </p:stCondLst>
-                                  <p:childTnLst>
-                                    <p:set>
-                                      <p:cBhvr>
-                                        <p:cTn id="32" dur="1" fill="hold">
-                                          <p:stCondLst>
-                                            <p:cond delay="0"/>
-                                          </p:stCondLst>
-                                        </p:cTn>
-                                        <p:tgtEl>
-                                          <p:spTgt spid="5"/>
-                                        </p:tgtEl>
-                                        <p:attrNameLst>
-                                          <p:attrName>style.visibility</p:attrName>
-                                        </p:attrNameLst>
-                                      </p:cBhvr>
-                                      <p:to>
-                                        <p:strVal val="visible"/>
-                                      </p:to>
-                                    </p:set>
-                                  </p:childTnLst>
-                                </p:cTn>
-                              </p:par>
-                            </p:childTnLst>
-                          </p:cTn>
-                        </p:par>
-                      </p:childTnLst>
-                    </p:cTn>
-                  </p:par>
-                  <p:par>
-                    <p:cTn id="33" fill="hold">
-                      <p:stCondLst>
-                        <p:cond delay="indefinite"/>
-                      </p:stCondLst>
-                      <p:childTnLst>
-                        <p:par>
-                          <p:cTn id="34" fill="hold">
-                            <p:stCondLst>
-                              <p:cond delay="0"/>
-                            </p:stCondLst>
-                            <p:childTnLst>
-                              <p:par>
-                                <p:cTn id="35" presetID="1" presetClass="entr" presetSubtype="0" fill="hold" nodeType="clickEffect">
-                                  <p:stCondLst>
-                                    <p:cond delay="0"/>
-                                  </p:stCondLst>
-                                  <p:childTnLst>
-                                    <p:set>
-                                      <p:cBhvr>
-                                        <p:cTn id="36" dur="1" fill="hold">
-                                          <p:stCondLst>
-                                            <p:cond delay="0"/>
-                                          </p:stCondLst>
-                                        </p:cTn>
-                                        <p:tgtEl>
-                                          <p:spTgt spid="6"/>
-                                        </p:tgtEl>
-                                        <p:attrNameLst>
-                                          <p:attrName>style.visibility</p:attrName>
-                                        </p:attrNameLst>
-                                      </p:cBhvr>
-                                      <p:to>
-                                        <p:strVal val="visible"/>
-                                      </p:to>
-                                    </p:set>
-                                  </p:childTnLst>
-                                </p:cTn>
-                              </p:par>
-                            </p:childTnLst>
-                          </p:cTn>
-                        </p:par>
-                      </p:childTnLst>
-                    </p:cTn>
-                  </p:par>
-                </p:childTnLst>
-              </p:cTn>
-              <p:prevCondLst>
-                <p:cond evt="onPrev" delay="0">
-                  <p:tgtEl>
-                    <p:sldTgt/>
-                  </p:tgtEl>
-                </p:cond>
-              </p:prevCondLst>
-              <p:nextCondLst>
-                <p:cond evt="onNext" delay="0">
-                  <p:tgtEl>
-                    <p:sldTgt/>
-                  </p:tgtEl>
-                </p:cond>
-              </p:nextCondLst>
-            </p:seq>
-          </p:childTnLst>
-        </p:cTn>
-      </p:par>
-    </p:tnLst>
-  </p:timing>
-</p:sld>
-</file>
-
 <file path=ppt/slides/slide4.xml><?xml version="1.0" encoding="utf-8"?>
 <p:sld xmlns:a="http://schemas.openxmlformats.org/drawingml/2006/main" xmlns:r="http://schemas.openxmlformats.org/officeDocument/2006/relationships" xmlns:p="http://schemas.openxmlformats.org/presentationml/2006/main">
   <p:cSld>
@@ -6457,6 +5862,176 @@
         </p:nvSpPr>
         <p:spPr>
           <a:xfrm>
+            <a:off x="628649" y="463847"/>
+            <a:ext cx="7886700" cy="897117"/>
+          </a:xfrm>
+        </p:spPr>
+        <p:txBody>
+          <a:bodyPr>
+            <a:normAutofit/>
+          </a:bodyPr>
+          <a:lstStyle/>
+          <a:p>
+            <a:pPr algn="ctr"/>
+            <a:r>
+              <a:rPr lang="zh-TW" altLang="en-US" sz="3600" dirty="0">
+                <a:latin typeface="標楷體" panose="03000509000000000000" pitchFamily="65" charset="-120"/>
+                <a:ea typeface="標楷體" panose="03000509000000000000" pitchFamily="65" charset="-120"/>
+              </a:rPr>
+              <a:t>背景</a:t>
+            </a:r>
+          </a:p>
+        </p:txBody>
+      </p:sp>
+      <p:sp>
+        <p:nvSpPr>
+          <p:cNvPr id="3" name="內容版面配置區 2"/>
+          <p:cNvSpPr>
+            <a:spLocks noGrp="1"/>
+          </p:cNvSpPr>
+          <p:nvPr>
+            <p:ph idx="1"/>
+          </p:nvPr>
+        </p:nvSpPr>
+        <p:spPr>
+          <a:xfrm>
+            <a:off x="147636" y="1695839"/>
+            <a:ext cx="8848725" cy="3466322"/>
+          </a:xfrm>
+        </p:spPr>
+        <p:txBody>
+          <a:bodyPr>
+            <a:normAutofit/>
+          </a:bodyPr>
+          <a:lstStyle/>
+          <a:p>
+            <a:pPr>
+              <a:lnSpc>
+                <a:spcPct val="150000"/>
+              </a:lnSpc>
+            </a:pPr>
+            <a:r>
+              <a:rPr lang="zh-TW" altLang="en-US" sz="2800" dirty="0">
+                <a:latin typeface="標楷體" panose="03000509000000000000" pitchFamily="65" charset="-120"/>
+                <a:ea typeface="標楷體" panose="03000509000000000000" pitchFamily="65" charset="-120"/>
+              </a:rPr>
+              <a:t>由於同樣彎道上以不同的車速轉彎時，隨著車速的提高，因離心力變大的原因，傾斜角度也需跟著變大。以一般道路來說，安全傾斜角度為</a:t>
+            </a:r>
+            <a:r>
+              <a:rPr lang="en-US" altLang="zh-TW" sz="2800" dirty="0">
+                <a:latin typeface="標楷體" panose="03000509000000000000" pitchFamily="65" charset="-120"/>
+                <a:ea typeface="標楷體" panose="03000509000000000000" pitchFamily="65" charset="-120"/>
+              </a:rPr>
+              <a:t>25</a:t>
+            </a:r>
+            <a:r>
+              <a:rPr lang="zh-TW" altLang="en-US" sz="2800" dirty="0">
+                <a:latin typeface="標楷體" panose="03000509000000000000" pitchFamily="65" charset="-120"/>
+                <a:ea typeface="標楷體" panose="03000509000000000000" pitchFamily="65" charset="-120"/>
+              </a:rPr>
+              <a:t>度</a:t>
+            </a:r>
+            <a:r>
+              <a:rPr lang="en-US" altLang="zh-TW" sz="2800" dirty="0">
+                <a:latin typeface="標楷體" panose="03000509000000000000" pitchFamily="65" charset="-120"/>
+                <a:ea typeface="標楷體" panose="03000509000000000000" pitchFamily="65" charset="-120"/>
+              </a:rPr>
+              <a:t>~30</a:t>
+            </a:r>
+            <a:r>
+              <a:rPr lang="zh-TW" altLang="en-US" sz="2800" dirty="0">
+                <a:latin typeface="標楷體" panose="03000509000000000000" pitchFamily="65" charset="-120"/>
+                <a:ea typeface="標楷體" panose="03000509000000000000" pitchFamily="65" charset="-120"/>
+              </a:rPr>
+              <a:t>度，</a:t>
+            </a:r>
+            <a:r>
+              <a:rPr lang="zh-TW" altLang="en-US" sz="2800" dirty="0">
+                <a:solidFill>
+                  <a:srgbClr val="FF0000"/>
+                </a:solidFill>
+                <a:latin typeface="標楷體" panose="03000509000000000000" pitchFamily="65" charset="-120"/>
+                <a:ea typeface="標楷體" panose="03000509000000000000" pitchFamily="65" charset="-120"/>
+              </a:rPr>
+              <a:t>超過安全的傾斜角度就有可能會滑倒或衝入對向車道造成意外。</a:t>
+            </a:r>
+          </a:p>
+          <a:p>
+            <a:endParaRPr lang="zh-TW" altLang="en-US" dirty="0"/>
+          </a:p>
+        </p:txBody>
+      </p:sp>
+      <p:sp>
+        <p:nvSpPr>
+          <p:cNvPr id="6" name="投影片編號版面配置區 5">
+            <a:extLst>
+              <a:ext uri="{FF2B5EF4-FFF2-40B4-BE49-F238E27FC236}">
+                <a16:creationId xmlns:a16="http://schemas.microsoft.com/office/drawing/2014/main" id="{29038489-DC0A-4DD9-A12A-1D787977BA37}"/>
+              </a:ext>
+            </a:extLst>
+          </p:cNvPr>
+          <p:cNvSpPr>
+            <a:spLocks noGrp="1"/>
+          </p:cNvSpPr>
+          <p:nvPr>
+            <p:ph type="sldNum" sz="quarter" idx="12"/>
+          </p:nvPr>
+        </p:nvSpPr>
+        <p:spPr/>
+        <p:txBody>
+          <a:bodyPr/>
+          <a:lstStyle/>
+          <a:p>
+            <a:fld id="{80E16380-4998-42C3-B033-270161A8BE6B}" type="slidenum">
+              <a:rPr lang="zh-TW" altLang="en-US" smtClean="0"/>
+              <a:t>4</a:t>
+            </a:fld>
+            <a:endParaRPr lang="zh-TW" altLang="en-US"/>
+          </a:p>
+        </p:txBody>
+      </p:sp>
+    </p:spTree>
+    <p:extLst>
+      <p:ext uri="{BB962C8B-B14F-4D97-AF65-F5344CB8AC3E}">
+        <p14:creationId xmlns:p14="http://schemas.microsoft.com/office/powerpoint/2010/main" val="1225618560"/>
+      </p:ext>
+    </p:extLst>
+  </p:cSld>
+  <p:clrMapOvr>
+    <a:masterClrMapping/>
+  </p:clrMapOvr>
+</p:sld>
+</file>
+
+<file path=ppt/slides/slide5.xml><?xml version="1.0" encoding="utf-8"?>
+<p:sld xmlns:a="http://schemas.openxmlformats.org/drawingml/2006/main" xmlns:r="http://schemas.openxmlformats.org/officeDocument/2006/relationships" xmlns:p="http://schemas.openxmlformats.org/presentationml/2006/main">
+  <p:cSld>
+    <p:spTree>
+      <p:nvGrpSpPr>
+        <p:cNvPr id="1" name=""/>
+        <p:cNvGrpSpPr/>
+        <p:nvPr/>
+      </p:nvGrpSpPr>
+      <p:grpSpPr>
+        <a:xfrm>
+          <a:off x="0" y="0"/>
+          <a:ext cx="0" cy="0"/>
+          <a:chOff x="0" y="0"/>
+          <a:chExt cx="0" cy="0"/>
+        </a:xfrm>
+      </p:grpSpPr>
+      <p:sp>
+        <p:nvSpPr>
+          <p:cNvPr id="2" name="標題 1"/>
+          <p:cNvSpPr>
+            <a:spLocks noGrp="1"/>
+          </p:cNvSpPr>
+          <p:nvPr>
+            <p:ph type="title"/>
+          </p:nvPr>
+        </p:nvSpPr>
+        <p:spPr>
+          <a:xfrm>
             <a:off x="628648" y="236129"/>
             <a:ext cx="7886700" cy="739054"/>
           </a:xfrm>
@@ -6473,7 +6048,7 @@
                 <a:latin typeface="標楷體" panose="03000509000000000000" pitchFamily="65" charset="-120"/>
                 <a:ea typeface="標楷體" panose="03000509000000000000" pitchFamily="65" charset="-120"/>
               </a:rPr>
-              <a:t>背景或趨勢</a:t>
+              <a:t>趨勢</a:t>
             </a:r>
           </a:p>
         </p:txBody>
@@ -6496,25 +6071,25 @@
         </p:spPr>
         <p:txBody>
           <a:bodyPr>
-            <a:normAutofit fontScale="92500" lnSpcReduction="20000"/>
+            <a:normAutofit/>
           </a:bodyPr>
           <a:lstStyle/>
           <a:p>
             <a:pPr marL="0" indent="0">
               <a:lnSpc>
-                <a:spcPct val="170000"/>
+                <a:spcPct val="120000"/>
               </a:lnSpc>
               <a:buNone/>
             </a:pPr>
             <a:r>
-              <a:rPr lang="zh-TW" altLang="en-US" dirty="0">
+              <a:rPr lang="zh-TW" altLang="en-US" sz="2400" dirty="0">
                 <a:latin typeface="標楷體" panose="03000509000000000000" pitchFamily="65" charset="-120"/>
                 <a:ea typeface="標楷體" panose="03000509000000000000" pitchFamily="65" charset="-120"/>
               </a:rPr>
               <a:t>在現今的社會裡，機車具有以下優缺點</a:t>
             </a:r>
             <a:r>
-              <a:rPr lang="en-US" altLang="zh-TW" dirty="0">
+              <a:rPr lang="en-US" altLang="zh-TW" sz="2400" dirty="0">
                 <a:latin typeface="標楷體" panose="03000509000000000000" pitchFamily="65" charset="-120"/>
                 <a:ea typeface="標楷體" panose="03000509000000000000" pitchFamily="65" charset="-120"/>
               </a:rPr>
@@ -6524,19 +6099,19 @@
           <a:p>
             <a:pPr marL="0" indent="0">
               <a:lnSpc>
-                <a:spcPct val="170000"/>
+                <a:spcPct val="100000"/>
               </a:lnSpc>
               <a:buNone/>
             </a:pPr>
             <a:r>
-              <a:rPr lang="zh-TW" altLang="en-US" dirty="0">
+              <a:rPr lang="zh-TW" altLang="en-US" sz="2400" dirty="0">
                 <a:latin typeface="標楷體" panose="03000509000000000000" pitchFamily="65" charset="-120"/>
                 <a:ea typeface="標楷體" panose="03000509000000000000" pitchFamily="65" charset="-120"/>
               </a:rPr>
               <a:t>優點</a:t>
             </a:r>
             <a:r>
-              <a:rPr lang="en-US" altLang="zh-TW" dirty="0">
+              <a:rPr lang="en-US" altLang="zh-TW" sz="2400" dirty="0">
                 <a:latin typeface="標楷體" panose="03000509000000000000" pitchFamily="65" charset="-120"/>
                 <a:ea typeface="標楷體" panose="03000509000000000000" pitchFamily="65" charset="-120"/>
               </a:rPr>
@@ -6546,25 +6121,25 @@
           <a:p>
             <a:pPr marL="0" indent="0">
               <a:lnSpc>
-                <a:spcPct val="170000"/>
+                <a:spcPct val="100000"/>
               </a:lnSpc>
               <a:buNone/>
             </a:pPr>
             <a:r>
-              <a:rPr lang="zh-TW" altLang="en-US" dirty="0">
+              <a:rPr lang="zh-TW" altLang="en-US" sz="2400" dirty="0">
                 <a:latin typeface="新細明體" panose="02020500000000000000" pitchFamily="18" charset="-120"/>
                 <a:ea typeface="新細明體" panose="02020500000000000000" pitchFamily="18" charset="-120"/>
               </a:rPr>
               <a:t>①</a:t>
             </a:r>
             <a:r>
-              <a:rPr lang="zh-TW" altLang="en-US" dirty="0">
+              <a:rPr lang="zh-TW" altLang="en-US" sz="2400" dirty="0">
                 <a:latin typeface="標楷體" panose="03000509000000000000" pitchFamily="65" charset="-120"/>
                 <a:ea typeface="標楷體" panose="03000509000000000000" pitchFamily="65" charset="-120"/>
               </a:rPr>
               <a:t>低成本</a:t>
             </a:r>
-            <a:endParaRPr lang="en-US" altLang="zh-TW" dirty="0">
+            <a:endParaRPr lang="en-US" altLang="zh-TW" sz="2400" dirty="0">
               <a:latin typeface="標楷體" panose="03000509000000000000" pitchFamily="65" charset="-120"/>
               <a:ea typeface="標楷體" panose="03000509000000000000" pitchFamily="65" charset="-120"/>
             </a:endParaRPr>
@@ -6572,25 +6147,25 @@
           <a:p>
             <a:pPr marL="0" indent="0">
               <a:lnSpc>
-                <a:spcPct val="170000"/>
+                <a:spcPct val="100000"/>
               </a:lnSpc>
               <a:buNone/>
             </a:pPr>
             <a:r>
-              <a:rPr lang="zh-TW" altLang="en-US" dirty="0">
+              <a:rPr lang="zh-TW" altLang="en-US" sz="2400" dirty="0">
                 <a:latin typeface="新細明體" panose="02020500000000000000" pitchFamily="18" charset="-120"/>
                 <a:ea typeface="新細明體" panose="02020500000000000000" pitchFamily="18" charset="-120"/>
               </a:rPr>
               <a:t>②</a:t>
             </a:r>
             <a:r>
-              <a:rPr lang="zh-TW" altLang="en-US" dirty="0">
+              <a:rPr lang="zh-TW" altLang="en-US" sz="2400" dirty="0">
                 <a:latin typeface="標楷體" panose="03000509000000000000" pitchFamily="65" charset="-120"/>
                 <a:ea typeface="標楷體" panose="03000509000000000000" pitchFamily="65" charset="-120"/>
               </a:rPr>
               <a:t>人口密度</a:t>
             </a:r>
-            <a:endParaRPr lang="en-US" altLang="zh-TW" dirty="0">
+            <a:endParaRPr lang="en-US" altLang="zh-TW" sz="2400" dirty="0">
               <a:latin typeface="標楷體" panose="03000509000000000000" pitchFamily="65" charset="-120"/>
               <a:ea typeface="標楷體" panose="03000509000000000000" pitchFamily="65" charset="-120"/>
             </a:endParaRPr>
@@ -6598,25 +6173,25 @@
           <a:p>
             <a:pPr marL="0" indent="0">
               <a:lnSpc>
-                <a:spcPct val="170000"/>
+                <a:spcPct val="100000"/>
               </a:lnSpc>
               <a:buNone/>
             </a:pPr>
             <a:r>
-              <a:rPr lang="zh-TW" altLang="en-US" dirty="0">
+              <a:rPr lang="zh-TW" altLang="en-US" sz="2400" dirty="0">
                 <a:latin typeface="新細明體" panose="02020500000000000000" pitchFamily="18" charset="-120"/>
                 <a:ea typeface="新細明體" panose="02020500000000000000" pitchFamily="18" charset="-120"/>
               </a:rPr>
               <a:t>③</a:t>
             </a:r>
             <a:r>
-              <a:rPr lang="zh-TW" altLang="en-US" dirty="0">
+              <a:rPr lang="zh-TW" altLang="en-US" sz="2400" dirty="0">
                 <a:latin typeface="標楷體" panose="03000509000000000000" pitchFamily="65" charset="-120"/>
                 <a:ea typeface="標楷體" panose="03000509000000000000" pitchFamily="65" charset="-120"/>
               </a:rPr>
               <a:t>機動性高</a:t>
             </a:r>
-            <a:endParaRPr lang="en-US" altLang="zh-TW" dirty="0">
+            <a:endParaRPr lang="en-US" altLang="zh-TW" sz="2400" dirty="0">
               <a:latin typeface="標楷體" panose="03000509000000000000" pitchFamily="65" charset="-120"/>
               <a:ea typeface="標楷體" panose="03000509000000000000" pitchFamily="65" charset="-120"/>
             </a:endParaRPr>
@@ -6624,25 +6199,25 @@
           <a:p>
             <a:pPr marL="0" indent="0">
               <a:lnSpc>
-                <a:spcPct val="170000"/>
+                <a:spcPct val="100000"/>
               </a:lnSpc>
               <a:buNone/>
             </a:pPr>
             <a:r>
-              <a:rPr lang="zh-TW" altLang="en-US" dirty="0">
+              <a:rPr lang="zh-TW" altLang="en-US" sz="2400" dirty="0">
                 <a:latin typeface="新細明體" panose="02020500000000000000" pitchFamily="18" charset="-120"/>
                 <a:ea typeface="新細明體" panose="02020500000000000000" pitchFamily="18" charset="-120"/>
               </a:rPr>
               <a:t>④</a:t>
             </a:r>
             <a:r>
-              <a:rPr lang="zh-TW" altLang="en-US" dirty="0">
+              <a:rPr lang="zh-TW" altLang="en-US" sz="2400" dirty="0">
                 <a:latin typeface="標楷體" panose="03000509000000000000" pitchFamily="65" charset="-120"/>
                 <a:ea typeface="標楷體" panose="03000509000000000000" pitchFamily="65" charset="-120"/>
               </a:rPr>
               <a:t>省油</a:t>
             </a:r>
-            <a:endParaRPr lang="en-US" altLang="zh-TW" dirty="0">
+            <a:endParaRPr lang="en-US" altLang="zh-TW" sz="2400" dirty="0">
               <a:latin typeface="標楷體" panose="03000509000000000000" pitchFamily="65" charset="-120"/>
               <a:ea typeface="標楷體" panose="03000509000000000000" pitchFamily="65" charset="-120"/>
             </a:endParaRPr>
@@ -6650,25 +6225,25 @@
           <a:p>
             <a:pPr marL="0" indent="0">
               <a:lnSpc>
-                <a:spcPct val="170000"/>
+                <a:spcPct val="100000"/>
               </a:lnSpc>
               <a:buNone/>
             </a:pPr>
             <a:r>
-              <a:rPr lang="zh-TW" altLang="en-US" dirty="0">
+              <a:rPr lang="zh-TW" altLang="en-US" sz="2400" dirty="0">
                 <a:latin typeface="新細明體" panose="02020500000000000000" pitchFamily="18" charset="-120"/>
                 <a:ea typeface="新細明體" panose="02020500000000000000" pitchFamily="18" charset="-120"/>
               </a:rPr>
               <a:t>⑤</a:t>
             </a:r>
             <a:r>
-              <a:rPr lang="zh-TW" altLang="en-US" dirty="0">
+              <a:rPr lang="zh-TW" altLang="en-US" sz="2400" dirty="0">
                 <a:latin typeface="標楷體" panose="03000509000000000000" pitchFamily="65" charset="-120"/>
                 <a:ea typeface="標楷體" panose="03000509000000000000" pitchFamily="65" charset="-120"/>
               </a:rPr>
               <a:t>省時間</a:t>
             </a:r>
-            <a:endParaRPr lang="en-US" altLang="zh-TW" dirty="0">
+            <a:endParaRPr lang="en-US" altLang="zh-TW" sz="2400" dirty="0">
               <a:latin typeface="標楷體" panose="03000509000000000000" pitchFamily="65" charset="-120"/>
               <a:ea typeface="標楷體" panose="03000509000000000000" pitchFamily="65" charset="-120"/>
             </a:endParaRPr>
@@ -6676,25 +6251,25 @@
           <a:p>
             <a:pPr marL="0" indent="0">
               <a:lnSpc>
-                <a:spcPct val="170000"/>
+                <a:spcPct val="100000"/>
               </a:lnSpc>
               <a:buNone/>
             </a:pPr>
             <a:r>
-              <a:rPr lang="zh-TW" altLang="en-US" dirty="0">
+              <a:rPr lang="zh-TW" altLang="en-US" sz="2400" dirty="0">
                 <a:latin typeface="新細明體" panose="02020500000000000000" pitchFamily="18" charset="-120"/>
                 <a:ea typeface="新細明體" panose="02020500000000000000" pitchFamily="18" charset="-120"/>
               </a:rPr>
               <a:t>⑥</a:t>
             </a:r>
             <a:r>
-              <a:rPr lang="zh-TW" altLang="en-US" dirty="0">
+              <a:rPr lang="zh-TW" altLang="en-US" sz="2400" dirty="0">
                 <a:latin typeface="標楷體" panose="03000509000000000000" pitchFamily="65" charset="-120"/>
                 <a:ea typeface="標楷體" panose="03000509000000000000" pitchFamily="65" charset="-120"/>
               </a:rPr>
               <a:t>車位好找</a:t>
             </a:r>
-            <a:endParaRPr lang="en-US" altLang="zh-TW" dirty="0">
+            <a:endParaRPr lang="en-US" altLang="zh-TW" sz="2400" dirty="0">
               <a:latin typeface="標楷體" panose="03000509000000000000" pitchFamily="65" charset="-120"/>
               <a:ea typeface="標楷體" panose="03000509000000000000" pitchFamily="65" charset="-120"/>
             </a:endParaRPr>
@@ -6702,14 +6277,11 @@
           <a:p>
             <a:pPr>
               <a:lnSpc>
-                <a:spcPct val="170000"/>
+                <a:spcPct val="100000"/>
               </a:lnSpc>
             </a:pPr>
             <a:r>
-              <a:rPr lang="zh-TW" altLang="en-US" dirty="0">
-                <a:solidFill>
-                  <a:srgbClr val="FF0000"/>
-                </a:solidFill>
+              <a:rPr lang="zh-TW" altLang="en-US" sz="2400" dirty="0">
                 <a:latin typeface="標楷體" panose="03000509000000000000" pitchFamily="65" charset="-120"/>
                 <a:ea typeface="標楷體" panose="03000509000000000000" pitchFamily="65" charset="-120"/>
               </a:rPr>
@@ -6744,7 +6316,7 @@
           <a:p>
             <a:fld id="{80E16380-4998-42C3-B033-270161A8BE6B}" type="slidenum">
               <a:rPr lang="zh-TW" altLang="en-US" smtClean="0"/>
-              <a:t>4</a:t>
+              <a:t>5</a:t>
             </a:fld>
             <a:endParaRPr lang="zh-TW" altLang="en-US"/>
           </a:p>
@@ -6764,8 +6336,8 @@
         </p:nvSpPr>
         <p:spPr>
           <a:xfrm>
-            <a:off x="4221405" y="1698172"/>
-            <a:ext cx="4668395" cy="2476191"/>
+            <a:off x="4221405" y="1868686"/>
+            <a:ext cx="4668395" cy="2031325"/>
           </a:xfrm>
           <a:prstGeom prst="rect">
             <a:avLst/>
@@ -6779,9 +6351,6 @@
           <a:lstStyle/>
           <a:p>
             <a:pPr lvl="0" defTabSz="914400">
-              <a:lnSpc>
-                <a:spcPct val="170000"/>
-              </a:lnSpc>
               <a:spcBef>
                 <a:spcPts val="1200"/>
               </a:spcBef>
@@ -6793,7 +6362,7 @@
               <a:buSzPct val="85000"/>
             </a:pPr>
             <a:r>
-              <a:rPr lang="zh-TW" altLang="en-US" sz="1900" dirty="0">
+              <a:rPr lang="zh-TW" altLang="en-US" sz="2400" dirty="0">
                 <a:solidFill>
                   <a:prstClr val="black"/>
                 </a:solidFill>
@@ -6802,7 +6371,7 @@
               <a:t>缺點</a:t>
             </a:r>
             <a:r>
-              <a:rPr lang="en-US" altLang="zh-TW" sz="1900" dirty="0">
+              <a:rPr lang="en-US" altLang="zh-TW" sz="2400" dirty="0">
                 <a:solidFill>
                   <a:prstClr val="black"/>
                 </a:solidFill>
@@ -6813,9 +6382,6 @@
           </a:p>
           <a:p>
             <a:pPr lvl="0" defTabSz="914400">
-              <a:lnSpc>
-                <a:spcPct val="170000"/>
-              </a:lnSpc>
               <a:spcBef>
                 <a:spcPts val="1200"/>
               </a:spcBef>
@@ -6827,7 +6393,7 @@
               <a:buSzPct val="85000"/>
             </a:pPr>
             <a:r>
-              <a:rPr lang="zh-TW" altLang="en-US" sz="1900" dirty="0">
+              <a:rPr lang="zh-TW" altLang="en-US" sz="2400" dirty="0">
                 <a:solidFill>
                   <a:prstClr val="black"/>
                 </a:solidFill>
@@ -6837,7 +6403,7 @@
               <a:t>①</a:t>
             </a:r>
             <a:r>
-              <a:rPr lang="zh-TW" altLang="en-US" sz="1900" dirty="0">
+              <a:rPr lang="zh-TW" altLang="en-US" sz="2400" dirty="0">
                 <a:solidFill>
                   <a:prstClr val="black"/>
                 </a:solidFill>
@@ -6845,7 +6411,7 @@
               </a:rPr>
               <a:t>車速過快</a:t>
             </a:r>
-            <a:endParaRPr lang="en-US" altLang="zh-TW" sz="1900" dirty="0">
+            <a:endParaRPr lang="en-US" altLang="zh-TW" sz="2400" dirty="0">
               <a:solidFill>
                 <a:prstClr val="black"/>
               </a:solidFill>
@@ -6854,9 +6420,6 @@
           </a:p>
           <a:p>
             <a:pPr lvl="0" defTabSz="914400">
-              <a:lnSpc>
-                <a:spcPct val="170000"/>
-              </a:lnSpc>
               <a:spcBef>
                 <a:spcPts val="1200"/>
               </a:spcBef>
@@ -6868,7 +6431,7 @@
               <a:buSzPct val="85000"/>
             </a:pPr>
             <a:r>
-              <a:rPr lang="zh-TW" altLang="en-US" sz="1900" dirty="0">
+              <a:rPr lang="zh-TW" altLang="en-US" sz="2400" dirty="0">
                 <a:solidFill>
                   <a:prstClr val="black"/>
                 </a:solidFill>
@@ -6878,7 +6441,7 @@
               <a:t>②</a:t>
             </a:r>
             <a:r>
-              <a:rPr lang="zh-TW" altLang="en-US" sz="1900" dirty="0">
+              <a:rPr lang="zh-TW" altLang="en-US" sz="2400" dirty="0">
                 <a:solidFill>
                   <a:prstClr val="black"/>
                 </a:solidFill>
@@ -6886,7 +6449,7 @@
               </a:rPr>
               <a:t>不遵守交通規則</a:t>
             </a:r>
-            <a:endParaRPr lang="en-US" altLang="zh-TW" sz="1900" dirty="0">
+            <a:endParaRPr lang="en-US" altLang="zh-TW" sz="2400" dirty="0">
               <a:solidFill>
                 <a:prstClr val="black"/>
               </a:solidFill>
@@ -6895,9 +6458,6 @@
           </a:p>
           <a:p>
             <a:pPr lvl="0" defTabSz="914400">
-              <a:lnSpc>
-                <a:spcPct val="170000"/>
-              </a:lnSpc>
               <a:spcBef>
                 <a:spcPts val="1200"/>
               </a:spcBef>
@@ -6909,9 +6469,9 @@
               <a:buSzPct val="85000"/>
             </a:pPr>
             <a:r>
-              <a:rPr lang="zh-TW" altLang="en-US" sz="1900" dirty="0">
+              <a:rPr lang="zh-TW" altLang="en-US" sz="2400" dirty="0">
                 <a:solidFill>
-                  <a:prstClr val="black"/>
+                  <a:srgbClr val="FF0000"/>
                 </a:solidFill>
                 <a:latin typeface="新細明體" panose="02020500000000000000" pitchFamily="18" charset="-120"/>
                 <a:ea typeface="新細明體" panose="02020500000000000000" pitchFamily="18" charset="-120"/>
@@ -6919,17 +6479,17 @@
               <a:t>③</a:t>
             </a:r>
             <a:r>
-              <a:rPr lang="zh-TW" altLang="en-US" sz="1900" dirty="0">
+              <a:rPr lang="zh-TW" altLang="en-US" sz="2400" dirty="0">
                 <a:solidFill>
-                  <a:prstClr val="black"/>
+                  <a:srgbClr val="FF0000"/>
                 </a:solidFill>
                 <a:latin typeface="標楷體" panose="03000509000000000000" pitchFamily="65" charset="-120"/>
               </a:rPr>
               <a:t>轉彎過於傾斜角度造成自摔</a:t>
             </a:r>
-            <a:endParaRPr lang="en-US" altLang="zh-TW" sz="1900" dirty="0">
+            <a:endParaRPr lang="en-US" altLang="zh-TW" sz="2400" dirty="0">
               <a:solidFill>
-                <a:prstClr val="black"/>
+                <a:srgbClr val="FF0000"/>
               </a:solidFill>
               <a:latin typeface="標楷體" panose="03000509000000000000" pitchFamily="65" charset="-120"/>
             </a:endParaRPr>
@@ -7619,176 +7179,6 @@
 </p:sld>
 </file>
 
-<file path=ppt/slides/slide5.xml><?xml version="1.0" encoding="utf-8"?>
-<p:sld xmlns:a="http://schemas.openxmlformats.org/drawingml/2006/main" xmlns:r="http://schemas.openxmlformats.org/officeDocument/2006/relationships" xmlns:p="http://schemas.openxmlformats.org/presentationml/2006/main">
-  <p:cSld>
-    <p:spTree>
-      <p:nvGrpSpPr>
-        <p:cNvPr id="1" name=""/>
-        <p:cNvGrpSpPr/>
-        <p:nvPr/>
-      </p:nvGrpSpPr>
-      <p:grpSpPr>
-        <a:xfrm>
-          <a:off x="0" y="0"/>
-          <a:ext cx="0" cy="0"/>
-          <a:chOff x="0" y="0"/>
-          <a:chExt cx="0" cy="0"/>
-        </a:xfrm>
-      </p:grpSpPr>
-      <p:sp>
-        <p:nvSpPr>
-          <p:cNvPr id="2" name="標題 1"/>
-          <p:cNvSpPr>
-            <a:spLocks noGrp="1"/>
-          </p:cNvSpPr>
-          <p:nvPr>
-            <p:ph type="title"/>
-          </p:nvPr>
-        </p:nvSpPr>
-        <p:spPr>
-          <a:xfrm>
-            <a:off x="628649" y="463847"/>
-            <a:ext cx="7886700" cy="897117"/>
-          </a:xfrm>
-        </p:spPr>
-        <p:txBody>
-          <a:bodyPr>
-            <a:normAutofit/>
-          </a:bodyPr>
-          <a:lstStyle/>
-          <a:p>
-            <a:pPr algn="ctr"/>
-            <a:r>
-              <a:rPr lang="zh-TW" altLang="en-US" sz="3600" dirty="0">
-                <a:latin typeface="標楷體" panose="03000509000000000000" pitchFamily="65" charset="-120"/>
-                <a:ea typeface="標楷體" panose="03000509000000000000" pitchFamily="65" charset="-120"/>
-              </a:rPr>
-              <a:t>動機與目的</a:t>
-            </a:r>
-          </a:p>
-        </p:txBody>
-      </p:sp>
-      <p:sp>
-        <p:nvSpPr>
-          <p:cNvPr id="3" name="內容版面配置區 2"/>
-          <p:cNvSpPr>
-            <a:spLocks noGrp="1"/>
-          </p:cNvSpPr>
-          <p:nvPr>
-            <p:ph idx="1"/>
-          </p:nvPr>
-        </p:nvSpPr>
-        <p:spPr>
-          <a:xfrm>
-            <a:off x="147636" y="1695839"/>
-            <a:ext cx="8848725" cy="3466322"/>
-          </a:xfrm>
-        </p:spPr>
-        <p:txBody>
-          <a:bodyPr>
-            <a:normAutofit/>
-          </a:bodyPr>
-          <a:lstStyle/>
-          <a:p>
-            <a:pPr>
-              <a:lnSpc>
-                <a:spcPct val="150000"/>
-              </a:lnSpc>
-            </a:pPr>
-            <a:r>
-              <a:rPr lang="zh-TW" altLang="en-US" sz="2800" dirty="0">
-                <a:latin typeface="標楷體" panose="03000509000000000000" pitchFamily="65" charset="-120"/>
-                <a:ea typeface="標楷體" panose="03000509000000000000" pitchFamily="65" charset="-120"/>
-              </a:rPr>
-              <a:t>由於同樣彎道上以不同的車速轉彎時，隨著車速的提高，因離心力變大的原因，傾斜角度也需跟著變大。以一般道路來說，安全傾斜角度為</a:t>
-            </a:r>
-            <a:r>
-              <a:rPr lang="en-US" altLang="zh-TW" sz="2800" dirty="0">
-                <a:latin typeface="標楷體" panose="03000509000000000000" pitchFamily="65" charset="-120"/>
-                <a:ea typeface="標楷體" panose="03000509000000000000" pitchFamily="65" charset="-120"/>
-              </a:rPr>
-              <a:t>25</a:t>
-            </a:r>
-            <a:r>
-              <a:rPr lang="zh-TW" altLang="en-US" sz="2800" dirty="0">
-                <a:latin typeface="標楷體" panose="03000509000000000000" pitchFamily="65" charset="-120"/>
-                <a:ea typeface="標楷體" panose="03000509000000000000" pitchFamily="65" charset="-120"/>
-              </a:rPr>
-              <a:t>度</a:t>
-            </a:r>
-            <a:r>
-              <a:rPr lang="en-US" altLang="zh-TW" sz="2800" dirty="0">
-                <a:latin typeface="標楷體" panose="03000509000000000000" pitchFamily="65" charset="-120"/>
-                <a:ea typeface="標楷體" panose="03000509000000000000" pitchFamily="65" charset="-120"/>
-              </a:rPr>
-              <a:t>~30</a:t>
-            </a:r>
-            <a:r>
-              <a:rPr lang="zh-TW" altLang="en-US" sz="2800" dirty="0">
-                <a:latin typeface="標楷體" panose="03000509000000000000" pitchFamily="65" charset="-120"/>
-                <a:ea typeface="標楷體" panose="03000509000000000000" pitchFamily="65" charset="-120"/>
-              </a:rPr>
-              <a:t>度，</a:t>
-            </a:r>
-            <a:r>
-              <a:rPr lang="zh-TW" altLang="en-US" sz="2800" dirty="0">
-                <a:solidFill>
-                  <a:srgbClr val="FF0000"/>
-                </a:solidFill>
-                <a:latin typeface="標楷體" panose="03000509000000000000" pitchFamily="65" charset="-120"/>
-                <a:ea typeface="標楷體" panose="03000509000000000000" pitchFamily="65" charset="-120"/>
-              </a:rPr>
-              <a:t>超過安全的傾斜角度就有可能會滑倒或衝入對向車道造成意外。</a:t>
-            </a:r>
-          </a:p>
-          <a:p>
-            <a:endParaRPr lang="zh-TW" altLang="en-US" dirty="0"/>
-          </a:p>
-        </p:txBody>
-      </p:sp>
-      <p:sp>
-        <p:nvSpPr>
-          <p:cNvPr id="6" name="投影片編號版面配置區 5">
-            <a:extLst>
-              <a:ext uri="{FF2B5EF4-FFF2-40B4-BE49-F238E27FC236}">
-                <a16:creationId xmlns:a16="http://schemas.microsoft.com/office/drawing/2014/main" id="{29038489-DC0A-4DD9-A12A-1D787977BA37}"/>
-              </a:ext>
-            </a:extLst>
-          </p:cNvPr>
-          <p:cNvSpPr>
-            <a:spLocks noGrp="1"/>
-          </p:cNvSpPr>
-          <p:nvPr>
-            <p:ph type="sldNum" sz="quarter" idx="12"/>
-          </p:nvPr>
-        </p:nvSpPr>
-        <p:spPr/>
-        <p:txBody>
-          <a:bodyPr/>
-          <a:lstStyle/>
-          <a:p>
-            <a:fld id="{80E16380-4998-42C3-B033-270161A8BE6B}" type="slidenum">
-              <a:rPr lang="zh-TW" altLang="en-US" smtClean="0"/>
-              <a:t>5</a:t>
-            </a:fld>
-            <a:endParaRPr lang="zh-TW" altLang="en-US"/>
-          </a:p>
-        </p:txBody>
-      </p:sp>
-    </p:spTree>
-    <p:extLst>
-      <p:ext uri="{BB962C8B-B14F-4D97-AF65-F5344CB8AC3E}">
-        <p14:creationId xmlns:p14="http://schemas.microsoft.com/office/powerpoint/2010/main" val="1225618560"/>
-      </p:ext>
-    </p:extLst>
-  </p:cSld>
-  <p:clrMapOvr>
-    <a:masterClrMapping/>
-  </p:clrMapOvr>
-</p:sld>
-</file>
-
 <file path=ppt/slides/slide6.xml><?xml version="1.0" encoding="utf-8"?>
 <p:sld xmlns:a="http://schemas.openxmlformats.org/drawingml/2006/main" xmlns:r="http://schemas.openxmlformats.org/officeDocument/2006/relationships" xmlns:p="http://schemas.openxmlformats.org/presentationml/2006/main">
   <p:cSld>
@@ -7811,6 +7201,612 @@
           <p:cNvPr id="2" name="標題 1">
             <a:extLst>
               <a:ext uri="{FF2B5EF4-FFF2-40B4-BE49-F238E27FC236}">
+                <a16:creationId xmlns:a16="http://schemas.microsoft.com/office/drawing/2014/main" id="{61EF5E84-EAAC-4A2F-8970-E8A58F249ADC}"/>
+              </a:ext>
+            </a:extLst>
+          </p:cNvPr>
+          <p:cNvSpPr>
+            <a:spLocks noGrp="1"/>
+          </p:cNvSpPr>
+          <p:nvPr>
+            <p:ph type="title"/>
+          </p:nvPr>
+        </p:nvSpPr>
+        <p:spPr>
+          <a:xfrm>
+            <a:off x="462280" y="149352"/>
+            <a:ext cx="7772400" cy="1609344"/>
+          </a:xfrm>
+        </p:spPr>
+        <p:txBody>
+          <a:bodyPr>
+            <a:normAutofit/>
+          </a:bodyPr>
+          <a:lstStyle/>
+          <a:p>
+            <a:r>
+              <a:rPr lang="zh-TW" altLang="en-US" sz="4800" dirty="0">
+                <a:latin typeface="+mn-ea"/>
+                <a:ea typeface="+mn-ea"/>
+              </a:rPr>
+              <a:t>動機</a:t>
+            </a:r>
+          </a:p>
+        </p:txBody>
+      </p:sp>
+      <p:sp>
+        <p:nvSpPr>
+          <p:cNvPr id="3" name="內容版面配置區 2">
+            <a:extLst>
+              <a:ext uri="{FF2B5EF4-FFF2-40B4-BE49-F238E27FC236}">
+                <a16:creationId xmlns:a16="http://schemas.microsoft.com/office/drawing/2014/main" id="{623D71F6-72F3-4506-BA43-730A188D4DC5}"/>
+              </a:ext>
+            </a:extLst>
+          </p:cNvPr>
+          <p:cNvSpPr>
+            <a:spLocks noGrp="1"/>
+          </p:cNvSpPr>
+          <p:nvPr>
+            <p:ph idx="1"/>
+          </p:nvPr>
+        </p:nvSpPr>
+        <p:spPr>
+          <a:xfrm>
+            <a:off x="614680" y="4427728"/>
+            <a:ext cx="7772400" cy="1515872"/>
+          </a:xfrm>
+        </p:spPr>
+        <p:txBody>
+          <a:bodyPr>
+            <a:normAutofit/>
+          </a:bodyPr>
+          <a:lstStyle/>
+          <a:p>
+            <a:pPr>
+              <a:lnSpc>
+                <a:spcPct val="150000"/>
+              </a:lnSpc>
+            </a:pPr>
+            <a:r>
+              <a:rPr lang="zh-TW" altLang="en-US" sz="2800" dirty="0">
+                <a:latin typeface="+mn-ea"/>
+              </a:rPr>
+              <a:t>利用軟硬體整合的方式結合手機軟體和晶片做出能感測車體傾斜角度和警示車主的</a:t>
+            </a:r>
+            <a:r>
+              <a:rPr lang="en-US" altLang="zh-TW" sz="2800" dirty="0">
+                <a:latin typeface="+mn-ea"/>
+              </a:rPr>
+              <a:t>APP</a:t>
+            </a:r>
+            <a:endParaRPr lang="zh-TW" altLang="en-US" sz="2800" dirty="0">
+              <a:latin typeface="+mn-ea"/>
+            </a:endParaRPr>
+          </a:p>
+        </p:txBody>
+      </p:sp>
+      <p:sp>
+        <p:nvSpPr>
+          <p:cNvPr id="4" name="投影片編號版面配置區 3">
+            <a:extLst>
+              <a:ext uri="{FF2B5EF4-FFF2-40B4-BE49-F238E27FC236}">
+                <a16:creationId xmlns:a16="http://schemas.microsoft.com/office/drawing/2014/main" id="{55113D9E-E9BE-441B-B700-2E505BBFD752}"/>
+              </a:ext>
+            </a:extLst>
+          </p:cNvPr>
+          <p:cNvSpPr>
+            <a:spLocks noGrp="1"/>
+          </p:cNvSpPr>
+          <p:nvPr>
+            <p:ph type="sldNum" sz="quarter" idx="12"/>
+          </p:nvPr>
+        </p:nvSpPr>
+        <p:spPr/>
+        <p:txBody>
+          <a:bodyPr/>
+          <a:lstStyle/>
+          <a:p>
+            <a:fld id="{80E16380-4998-42C3-B033-270161A8BE6B}" type="slidenum">
+              <a:rPr lang="zh-TW" altLang="en-US" smtClean="0"/>
+              <a:t>6</a:t>
+            </a:fld>
+            <a:endParaRPr lang="zh-TW" altLang="en-US"/>
+          </a:p>
+        </p:txBody>
+      </p:sp>
+      <p:sp>
+        <p:nvSpPr>
+          <p:cNvPr id="5" name="橢圓 4">
+            <a:extLst>
+              <a:ext uri="{FF2B5EF4-FFF2-40B4-BE49-F238E27FC236}">
+                <a16:creationId xmlns:a16="http://schemas.microsoft.com/office/drawing/2014/main" id="{8CF40AC2-0B87-4ED0-83AB-3DCFD9B244AC}"/>
+              </a:ext>
+            </a:extLst>
+          </p:cNvPr>
+          <p:cNvSpPr/>
+          <p:nvPr/>
+        </p:nvSpPr>
+        <p:spPr>
+          <a:xfrm>
+            <a:off x="330200" y="2037080"/>
+            <a:ext cx="2306320" cy="1391920"/>
+          </a:xfrm>
+          <a:prstGeom prst="ellipse">
+            <a:avLst/>
+          </a:prstGeom>
+        </p:spPr>
+        <p:style>
+          <a:lnRef idx="2">
+            <a:schemeClr val="accent1">
+              <a:shade val="50000"/>
+            </a:schemeClr>
+          </a:lnRef>
+          <a:fillRef idx="1">
+            <a:schemeClr val="accent1"/>
+          </a:fillRef>
+          <a:effectRef idx="0">
+            <a:schemeClr val="accent1"/>
+          </a:effectRef>
+          <a:fontRef idx="minor">
+            <a:schemeClr val="lt1"/>
+          </a:fontRef>
+        </p:style>
+        <p:txBody>
+          <a:bodyPr rtlCol="0" anchor="ctr"/>
+          <a:lstStyle/>
+          <a:p>
+            <a:pPr algn="ctr"/>
+            <a:r>
+              <a:rPr lang="zh-TW" altLang="en-US" sz="2800" dirty="0">
+                <a:latin typeface="+mn-ea"/>
+              </a:rPr>
+              <a:t>人手一機</a:t>
+            </a:r>
+          </a:p>
+        </p:txBody>
+      </p:sp>
+      <p:sp>
+        <p:nvSpPr>
+          <p:cNvPr id="6" name="橢圓 5">
+            <a:extLst>
+              <a:ext uri="{FF2B5EF4-FFF2-40B4-BE49-F238E27FC236}">
+                <a16:creationId xmlns:a16="http://schemas.microsoft.com/office/drawing/2014/main" id="{4F0BDCE8-FBE9-4D46-B63E-512A0996547F}"/>
+              </a:ext>
+            </a:extLst>
+          </p:cNvPr>
+          <p:cNvSpPr/>
+          <p:nvPr/>
+        </p:nvSpPr>
+        <p:spPr>
+          <a:xfrm>
+            <a:off x="4517136" y="727456"/>
+            <a:ext cx="4206240" cy="2517648"/>
+          </a:xfrm>
+          <a:prstGeom prst="ellipse">
+            <a:avLst/>
+          </a:prstGeom>
+        </p:spPr>
+        <p:style>
+          <a:lnRef idx="2">
+            <a:schemeClr val="accent1">
+              <a:shade val="50000"/>
+            </a:schemeClr>
+          </a:lnRef>
+          <a:fillRef idx="1">
+            <a:schemeClr val="accent1"/>
+          </a:fillRef>
+          <a:effectRef idx="0">
+            <a:schemeClr val="accent1"/>
+          </a:effectRef>
+          <a:fontRef idx="minor">
+            <a:schemeClr val="lt1"/>
+          </a:fontRef>
+        </p:style>
+        <p:txBody>
+          <a:bodyPr rtlCol="0" anchor="ctr"/>
+          <a:lstStyle/>
+          <a:p>
+            <a:pPr algn="ctr"/>
+            <a:r>
+              <a:rPr lang="zh-TW" altLang="en-US" sz="3600" dirty="0"/>
+              <a:t>已有能感測傾斜角度的硬體</a:t>
+            </a:r>
+          </a:p>
+        </p:txBody>
+      </p:sp>
+      <p:sp>
+        <p:nvSpPr>
+          <p:cNvPr id="9" name="箭號: 向下 8">
+            <a:extLst>
+              <a:ext uri="{FF2B5EF4-FFF2-40B4-BE49-F238E27FC236}">
+                <a16:creationId xmlns:a16="http://schemas.microsoft.com/office/drawing/2014/main" id="{B531526C-2CA5-4AE0-8C31-C072036C47D1}"/>
+              </a:ext>
+            </a:extLst>
+          </p:cNvPr>
+          <p:cNvSpPr/>
+          <p:nvPr/>
+        </p:nvSpPr>
+        <p:spPr>
+          <a:xfrm rot="2315307">
+            <a:off x="5466078" y="3267527"/>
+            <a:ext cx="243840" cy="1153160"/>
+          </a:xfrm>
+          <a:prstGeom prst="downArrow">
+            <a:avLst/>
+          </a:prstGeom>
+        </p:spPr>
+        <p:style>
+          <a:lnRef idx="2">
+            <a:schemeClr val="accent1">
+              <a:shade val="50000"/>
+            </a:schemeClr>
+          </a:lnRef>
+          <a:fillRef idx="1">
+            <a:schemeClr val="accent1"/>
+          </a:fillRef>
+          <a:effectRef idx="0">
+            <a:schemeClr val="accent1"/>
+          </a:effectRef>
+          <a:fontRef idx="minor">
+            <a:schemeClr val="lt1"/>
+          </a:fontRef>
+        </p:style>
+        <p:txBody>
+          <a:bodyPr rtlCol="0" anchor="ctr"/>
+          <a:lstStyle/>
+          <a:p>
+            <a:pPr algn="ctr"/>
+            <a:endParaRPr lang="zh-TW" altLang="en-US"/>
+          </a:p>
+        </p:txBody>
+      </p:sp>
+      <p:sp>
+        <p:nvSpPr>
+          <p:cNvPr id="10" name="箭號: 向下 9">
+            <a:extLst>
+              <a:ext uri="{FF2B5EF4-FFF2-40B4-BE49-F238E27FC236}">
+                <a16:creationId xmlns:a16="http://schemas.microsoft.com/office/drawing/2014/main" id="{72521E99-BFB8-489F-8F84-9012CF03292F}"/>
+              </a:ext>
+            </a:extLst>
+          </p:cNvPr>
+          <p:cNvSpPr/>
+          <p:nvPr/>
+        </p:nvSpPr>
+        <p:spPr>
+          <a:xfrm rot="18921096">
+            <a:off x="2201576" y="3449609"/>
+            <a:ext cx="220736" cy="957510"/>
+          </a:xfrm>
+          <a:prstGeom prst="downArrow">
+            <a:avLst/>
+          </a:prstGeom>
+        </p:spPr>
+        <p:style>
+          <a:lnRef idx="2">
+            <a:schemeClr val="accent1">
+              <a:shade val="50000"/>
+            </a:schemeClr>
+          </a:lnRef>
+          <a:fillRef idx="1">
+            <a:schemeClr val="accent1"/>
+          </a:fillRef>
+          <a:effectRef idx="0">
+            <a:schemeClr val="accent1"/>
+          </a:effectRef>
+          <a:fontRef idx="minor">
+            <a:schemeClr val="lt1"/>
+          </a:fontRef>
+        </p:style>
+        <p:txBody>
+          <a:bodyPr rtlCol="0" anchor="ctr"/>
+          <a:lstStyle/>
+          <a:p>
+            <a:pPr algn="ctr"/>
+            <a:endParaRPr lang="zh-TW" altLang="en-US"/>
+          </a:p>
+        </p:txBody>
+      </p:sp>
+    </p:spTree>
+    <p:extLst>
+      <p:ext uri="{BB962C8B-B14F-4D97-AF65-F5344CB8AC3E}">
+        <p14:creationId xmlns:p14="http://schemas.microsoft.com/office/powerpoint/2010/main" val="806900105"/>
+      </p:ext>
+    </p:extLst>
+  </p:cSld>
+  <p:clrMapOvr>
+    <a:masterClrMapping/>
+  </p:clrMapOvr>
+  <p:timing>
+    <p:tnLst>
+      <p:par>
+        <p:cTn id="1" dur="indefinite" restart="never" nodeType="tmRoot">
+          <p:childTnLst>
+            <p:seq concurrent="1" nextAc="seek">
+              <p:cTn id="2" dur="indefinite" nodeType="mainSeq">
+                <p:childTnLst>
+                  <p:par>
+                    <p:cTn id="3" fill="hold">
+                      <p:stCondLst>
+                        <p:cond delay="indefinite"/>
+                      </p:stCondLst>
+                      <p:childTnLst>
+                        <p:par>
+                          <p:cTn id="4" fill="hold">
+                            <p:stCondLst>
+                              <p:cond delay="0"/>
+                            </p:stCondLst>
+                            <p:childTnLst>
+                              <p:par>
+                                <p:cTn id="5" presetID="1" presetClass="entr" presetSubtype="0" fill="hold" grpId="0" nodeType="clickEffect">
+                                  <p:stCondLst>
+                                    <p:cond delay="0"/>
+                                  </p:stCondLst>
+                                  <p:childTnLst>
+                                    <p:set>
+                                      <p:cBhvr>
+                                        <p:cTn id="6" dur="1" fill="hold">
+                                          <p:stCondLst>
+                                            <p:cond delay="0"/>
+                                          </p:stCondLst>
+                                        </p:cTn>
+                                        <p:tgtEl>
+                                          <p:spTgt spid="5"/>
+                                        </p:tgtEl>
+                                        <p:attrNameLst>
+                                          <p:attrName>style.visibility</p:attrName>
+                                        </p:attrNameLst>
+                                      </p:cBhvr>
+                                      <p:to>
+                                        <p:strVal val="visible"/>
+                                      </p:to>
+                                    </p:set>
+                                  </p:childTnLst>
+                                </p:cTn>
+                              </p:par>
+                            </p:childTnLst>
+                          </p:cTn>
+                        </p:par>
+                      </p:childTnLst>
+                    </p:cTn>
+                  </p:par>
+                  <p:par>
+                    <p:cTn id="7" fill="hold">
+                      <p:stCondLst>
+                        <p:cond delay="indefinite"/>
+                      </p:stCondLst>
+                      <p:childTnLst>
+                        <p:par>
+                          <p:cTn id="8" fill="hold">
+                            <p:stCondLst>
+                              <p:cond delay="0"/>
+                            </p:stCondLst>
+                            <p:childTnLst>
+                              <p:par>
+                                <p:cTn id="9" presetID="1" presetClass="entr" presetSubtype="0" fill="hold" grpId="0" nodeType="clickEffect">
+                                  <p:stCondLst>
+                                    <p:cond delay="0"/>
+                                  </p:stCondLst>
+                                  <p:childTnLst>
+                                    <p:set>
+                                      <p:cBhvr>
+                                        <p:cTn id="10" dur="1" fill="hold">
+                                          <p:stCondLst>
+                                            <p:cond delay="0"/>
+                                          </p:stCondLst>
+                                        </p:cTn>
+                                        <p:tgtEl>
+                                          <p:spTgt spid="6"/>
+                                        </p:tgtEl>
+                                        <p:attrNameLst>
+                                          <p:attrName>style.visibility</p:attrName>
+                                        </p:attrNameLst>
+                                      </p:cBhvr>
+                                      <p:to>
+                                        <p:strVal val="visible"/>
+                                      </p:to>
+                                    </p:set>
+                                  </p:childTnLst>
+                                </p:cTn>
+                              </p:par>
+                            </p:childTnLst>
+                          </p:cTn>
+                        </p:par>
+                      </p:childTnLst>
+                    </p:cTn>
+                  </p:par>
+                  <p:par>
+                    <p:cTn id="11" fill="hold">
+                      <p:stCondLst>
+                        <p:cond delay="indefinite"/>
+                      </p:stCondLst>
+                      <p:childTnLst>
+                        <p:par>
+                          <p:cTn id="12" fill="hold">
+                            <p:stCondLst>
+                              <p:cond delay="0"/>
+                            </p:stCondLst>
+                            <p:childTnLst>
+                              <p:par>
+                                <p:cTn id="13" presetID="1" presetClass="entr" presetSubtype="0" fill="hold" grpId="0" nodeType="clickEffect">
+                                  <p:stCondLst>
+                                    <p:cond delay="0"/>
+                                  </p:stCondLst>
+                                  <p:childTnLst>
+                                    <p:set>
+                                      <p:cBhvr>
+                                        <p:cTn id="14" dur="1" fill="hold">
+                                          <p:stCondLst>
+                                            <p:cond delay="0"/>
+                                          </p:stCondLst>
+                                        </p:cTn>
+                                        <p:tgtEl>
+                                          <p:spTgt spid="10"/>
+                                        </p:tgtEl>
+                                        <p:attrNameLst>
+                                          <p:attrName>style.visibility</p:attrName>
+                                        </p:attrNameLst>
+                                      </p:cBhvr>
+                                      <p:to>
+                                        <p:strVal val="visible"/>
+                                      </p:to>
+                                    </p:set>
+                                  </p:childTnLst>
+                                </p:cTn>
+                              </p:par>
+                            </p:childTnLst>
+                          </p:cTn>
+                        </p:par>
+                      </p:childTnLst>
+                    </p:cTn>
+                  </p:par>
+                  <p:par>
+                    <p:cTn id="15" fill="hold">
+                      <p:stCondLst>
+                        <p:cond delay="indefinite"/>
+                      </p:stCondLst>
+                      <p:childTnLst>
+                        <p:par>
+                          <p:cTn id="16" fill="hold">
+                            <p:stCondLst>
+                              <p:cond delay="0"/>
+                            </p:stCondLst>
+                            <p:childTnLst>
+                              <p:par>
+                                <p:cTn id="17" presetID="1" presetClass="entr" presetSubtype="0" fill="hold" grpId="0" nodeType="clickEffect">
+                                  <p:stCondLst>
+                                    <p:cond delay="0"/>
+                                  </p:stCondLst>
+                                  <p:childTnLst>
+                                    <p:set>
+                                      <p:cBhvr>
+                                        <p:cTn id="18" dur="1" fill="hold">
+                                          <p:stCondLst>
+                                            <p:cond delay="0"/>
+                                          </p:stCondLst>
+                                        </p:cTn>
+                                        <p:tgtEl>
+                                          <p:spTgt spid="9"/>
+                                        </p:tgtEl>
+                                        <p:attrNameLst>
+                                          <p:attrName>style.visibility</p:attrName>
+                                        </p:attrNameLst>
+                                      </p:cBhvr>
+                                      <p:to>
+                                        <p:strVal val="visible"/>
+                                      </p:to>
+                                    </p:set>
+                                  </p:childTnLst>
+                                </p:cTn>
+                              </p:par>
+                            </p:childTnLst>
+                          </p:cTn>
+                        </p:par>
+                      </p:childTnLst>
+                    </p:cTn>
+                  </p:par>
+                  <p:par>
+                    <p:cTn id="19" fill="hold">
+                      <p:stCondLst>
+                        <p:cond delay="indefinite"/>
+                      </p:stCondLst>
+                      <p:childTnLst>
+                        <p:par>
+                          <p:cTn id="20" fill="hold">
+                            <p:stCondLst>
+                              <p:cond delay="0"/>
+                            </p:stCondLst>
+                            <p:childTnLst>
+                              <p:par>
+                                <p:cTn id="21" presetID="1" presetClass="entr" presetSubtype="0" fill="hold" grpId="0" nodeType="clickEffect">
+                                  <p:stCondLst>
+                                    <p:cond delay="0"/>
+                                  </p:stCondLst>
+                                  <p:childTnLst>
+                                    <p:set>
+                                      <p:cBhvr>
+                                        <p:cTn id="22" dur="1" fill="hold">
+                                          <p:stCondLst>
+                                            <p:cond delay="0"/>
+                                          </p:stCondLst>
+                                        </p:cTn>
+                                        <p:tgtEl>
+                                          <p:spTgt spid="3">
+                                            <p:txEl>
+                                              <p:pRg st="0" end="0"/>
+                                            </p:txEl>
+                                          </p:spTgt>
+                                        </p:tgtEl>
+                                        <p:attrNameLst>
+                                          <p:attrName>style.visibility</p:attrName>
+                                        </p:attrNameLst>
+                                      </p:cBhvr>
+                                      <p:to>
+                                        <p:strVal val="visible"/>
+                                      </p:to>
+                                    </p:set>
+                                  </p:childTnLst>
+                                </p:cTn>
+                              </p:par>
+                            </p:childTnLst>
+                          </p:cTn>
+                        </p:par>
+                      </p:childTnLst>
+                    </p:cTn>
+                  </p:par>
+                </p:childTnLst>
+              </p:cTn>
+              <p:prevCondLst>
+                <p:cond evt="onPrev" delay="0">
+                  <p:tgtEl>
+                    <p:sldTgt/>
+                  </p:tgtEl>
+                </p:cond>
+              </p:prevCondLst>
+              <p:nextCondLst>
+                <p:cond evt="onNext" delay="0">
+                  <p:tgtEl>
+                    <p:sldTgt/>
+                  </p:tgtEl>
+                </p:cond>
+              </p:nextCondLst>
+            </p:seq>
+          </p:childTnLst>
+        </p:cTn>
+      </p:par>
+    </p:tnLst>
+    <p:bldLst>
+      <p:bldP spid="3" grpId="0" build="p"/>
+      <p:bldP spid="5" grpId="0" animBg="1"/>
+      <p:bldP spid="6" grpId="0" animBg="1"/>
+      <p:bldP spid="9" grpId="0" animBg="1"/>
+      <p:bldP spid="10" grpId="0" animBg="1"/>
+    </p:bldLst>
+  </p:timing>
+</p:sld>
+</file>
+
+<file path=ppt/slides/slide7.xml><?xml version="1.0" encoding="utf-8"?>
+<p:sld xmlns:a="http://schemas.openxmlformats.org/drawingml/2006/main" xmlns:r="http://schemas.openxmlformats.org/officeDocument/2006/relationships" xmlns:p="http://schemas.openxmlformats.org/presentationml/2006/main">
+  <p:cSld>
+    <p:spTree>
+      <p:nvGrpSpPr>
+        <p:cNvPr id="1" name=""/>
+        <p:cNvGrpSpPr/>
+        <p:nvPr/>
+      </p:nvGrpSpPr>
+      <p:grpSpPr>
+        <a:xfrm>
+          <a:off x="0" y="0"/>
+          <a:ext cx="0" cy="0"/>
+          <a:chOff x="0" y="0"/>
+          <a:chExt cx="0" cy="0"/>
+        </a:xfrm>
+      </p:grpSpPr>
+      <p:sp>
+        <p:nvSpPr>
+          <p:cNvPr id="2" name="標題 1">
+            <a:extLst>
+              <a:ext uri="{FF2B5EF4-FFF2-40B4-BE49-F238E27FC236}">
                 <a16:creationId xmlns:a16="http://schemas.microsoft.com/office/drawing/2014/main" id="{77CE4F63-C23B-4B1E-B6EE-73C7ED8B539F}"/>
               </a:ext>
             </a:extLst>
@@ -7835,11 +7831,11 @@
           <a:lstStyle/>
           <a:p>
             <a:r>
-              <a:rPr lang="zh-TW" altLang="en-US" sz="3200" dirty="0">
+              <a:rPr lang="zh-TW" altLang="en-US" sz="4000" dirty="0">
                 <a:latin typeface="+mn-ea"/>
                 <a:ea typeface="+mn-ea"/>
               </a:rPr>
-              <a:t>動機與目的</a:t>
+              <a:t>目的</a:t>
             </a:r>
           </a:p>
         </p:txBody>
@@ -7872,19 +7868,6 @@
           </a:bodyPr>
           <a:lstStyle/>
           <a:p>
-            <a:pPr>
-              <a:lnSpc>
-                <a:spcPct val="150000"/>
-              </a:lnSpc>
-            </a:pPr>
-            <a:r>
-              <a:rPr lang="zh-TW" altLang="en-US" dirty="0">
-                <a:latin typeface="+mn-ea"/>
-              </a:rPr>
-              <a:t>因此我們專題的目的是想要</a:t>
-            </a:r>
-          </a:p>
-          <a:p>
             <a:pPr marL="457200" indent="-457200">
               <a:lnSpc>
                 <a:spcPct val="150000"/>
@@ -7893,44 +7876,38 @@
               <a:buAutoNum type="arabicPeriod"/>
             </a:pPr>
             <a:r>
-              <a:rPr lang="zh-TW" altLang="en-US" dirty="0">
-                <a:solidFill>
-                  <a:srgbClr val="FF0000"/>
-                </a:solidFill>
+              <a:rPr lang="zh-TW" altLang="en-US" sz="2800" dirty="0">
                 <a:latin typeface="+mn-ea"/>
               </a:rPr>
-              <a:t>運用軟體模擬車身傾斜情況</a:t>
-            </a:r>
-            <a:r>
-              <a:rPr lang="zh-TW" altLang="en-US" dirty="0">
-                <a:latin typeface="+mn-ea"/>
-              </a:rPr>
-              <a:t>，利用</a:t>
-            </a:r>
-            <a:r>
-              <a:rPr lang="en-US" altLang="zh-TW" dirty="0">
+              <a:t>利用</a:t>
+            </a:r>
+            <a:r>
+              <a:rPr lang="en-US" altLang="zh-TW" sz="2800" dirty="0">
                 <a:latin typeface="+mn-ea"/>
               </a:rPr>
               <a:t>Arduino</a:t>
             </a:r>
             <a:r>
-              <a:rPr lang="zh-TW" altLang="en-US" dirty="0">
+              <a:rPr lang="zh-TW" altLang="en-US" sz="2800" dirty="0">
                 <a:latin typeface="+mn-ea"/>
               </a:rPr>
               <a:t>控制板與</a:t>
             </a:r>
             <a:r>
-              <a:rPr lang="en-US" altLang="zh-TW" dirty="0">
+              <a:rPr lang="en-US" altLang="zh-TW" sz="2800" dirty="0">
                 <a:latin typeface="+mn-ea"/>
               </a:rPr>
               <a:t>MPU-6050</a:t>
             </a:r>
             <a:r>
-              <a:rPr lang="zh-TW" altLang="en-US" dirty="0">
+              <a:rPr lang="zh-TW" altLang="en-US" sz="2800" dirty="0">
                 <a:latin typeface="+mn-ea"/>
               </a:rPr>
-              <a:t>晶片做出一個陀螺儀感測裝置，將此裝置安裝在機車或是小型交通工具上自動收集機車本身的數據，並在超過安全傾斜角度的情況下發出警示，也會提醒左右轉，藉由此裝置的輔助看能否減少因為壓車的傾斜程度過大而自摔的情況</a:t>
-            </a:r>
+              <a:t>晶片做出一個陀螺儀感測裝置，並在超過安全傾斜角度的情況下發出警示，也會提醒左右轉</a:t>
+            </a:r>
+            <a:endParaRPr lang="en-US" altLang="zh-TW" sz="2800" dirty="0">
+              <a:latin typeface="+mn-ea"/>
+            </a:endParaRPr>
           </a:p>
           <a:p>
             <a:pPr marL="457200" indent="-457200">
@@ -7941,58 +7918,46 @@
               <a:buAutoNum type="arabicPeriod"/>
             </a:pPr>
             <a:r>
-              <a:rPr lang="zh-TW" altLang="en-US" dirty="0">
+              <a:rPr lang="zh-TW" altLang="en-US" sz="2800" dirty="0">
                 <a:latin typeface="+mn-ea"/>
               </a:rPr>
               <a:t>藉由</a:t>
             </a:r>
             <a:r>
-              <a:rPr lang="en-US" altLang="zh-TW" dirty="0">
+              <a:rPr lang="en-US" altLang="zh-TW" sz="2800" dirty="0">
                 <a:latin typeface="+mn-ea"/>
               </a:rPr>
               <a:t>Wi-Fi</a:t>
             </a:r>
             <a:r>
-              <a:rPr lang="zh-TW" altLang="en-US" dirty="0">
+              <a:rPr lang="zh-TW" altLang="en-US" sz="2800" dirty="0">
                 <a:latin typeface="+mn-ea"/>
               </a:rPr>
-              <a:t>連結到手機</a:t>
-            </a:r>
-            <a:r>
-              <a:rPr lang="en-US" altLang="zh-TW" dirty="0">
+              <a:t>連結手機</a:t>
+            </a:r>
+            <a:r>
+              <a:rPr lang="en-US" altLang="zh-TW" sz="2800" dirty="0">
                 <a:latin typeface="+mn-ea"/>
               </a:rPr>
               <a:t>app</a:t>
             </a:r>
             <a:r>
-              <a:rPr lang="zh-TW" altLang="en-US" dirty="0">
-                <a:latin typeface="+mn-ea"/>
-              </a:rPr>
-              <a:t>的方式透過連接的</a:t>
-            </a:r>
-            <a:r>
-              <a:rPr lang="en-US" altLang="zh-TW" dirty="0">
-                <a:latin typeface="+mn-ea"/>
-              </a:rPr>
-              <a:t>app</a:t>
-            </a:r>
-            <a:r>
-              <a:rPr lang="zh-TW" altLang="en-US" dirty="0">
+              <a:rPr lang="zh-TW" altLang="en-US" sz="2800" dirty="0">
                 <a:latin typeface="+mn-ea"/>
               </a:rPr>
               <a:t>傳送訊息給周圍</a:t>
             </a:r>
             <a:r>
-              <a:rPr lang="en-US" altLang="zh-TW" dirty="0">
+              <a:rPr lang="en-US" altLang="zh-TW" sz="2800" dirty="0">
                 <a:latin typeface="+mn-ea"/>
               </a:rPr>
               <a:t>10</a:t>
             </a:r>
             <a:r>
-              <a:rPr lang="zh-TW" altLang="en-US" dirty="0">
+              <a:rPr lang="zh-TW" altLang="en-US" sz="2800" dirty="0">
                 <a:latin typeface="+mn-ea"/>
               </a:rPr>
-              <a:t>米以內的大型車輛，對車主發出警示，也會有聲音提醒，防止因視野死角而看不見機車的情況，減少事故的發生</a:t>
+              <a:t>米內的車輛，對車主發出訊息及聲音警示，防止因視野死角而看不見機車的情況</a:t>
             </a:r>
           </a:p>
           <a:p>
@@ -8004,7 +7969,7 @@
               <a:buAutoNum type="arabicPeriod"/>
             </a:pPr>
             <a:r>
-              <a:rPr lang="zh-TW" altLang="en-US" dirty="0">
+              <a:rPr lang="zh-TW" altLang="en-US" sz="2800" dirty="0">
                 <a:latin typeface="+mn-ea"/>
               </a:rPr>
               <a:t>也可以將這個裝置運用在汽車和無人機上</a:t>
@@ -8038,7 +8003,7 @@
           <a:p>
             <a:fld id="{80E16380-4998-42C3-B033-270161A8BE6B}" type="slidenum">
               <a:rPr lang="zh-TW" altLang="en-US" smtClean="0"/>
-              <a:t>6</a:t>
+              <a:t>7</a:t>
             </a:fld>
             <a:endParaRPr lang="zh-TW" altLang="en-US"/>
           </a:p>
@@ -8209,55 +8174,6 @@
                       </p:childTnLst>
                     </p:cTn>
                   </p:par>
-                  <p:par>
-                    <p:cTn id="15" fill="hold">
-                      <p:stCondLst>
-                        <p:cond delay="indefinite"/>
-                      </p:stCondLst>
-                      <p:childTnLst>
-                        <p:par>
-                          <p:cTn id="16" fill="hold">
-                            <p:stCondLst>
-                              <p:cond delay="0"/>
-                            </p:stCondLst>
-                            <p:childTnLst>
-                              <p:par>
-                                <p:cTn id="17" presetID="1" presetClass="entr" presetSubtype="0" fill="hold" grpId="0" nodeType="clickEffect">
-                                  <p:stCondLst>
-                                    <p:cond delay="0"/>
-                                  </p:stCondLst>
-                                  <p:childTnLst>
-                                    <p:set>
-                                      <p:cBhvr>
-                                        <p:cTn id="18" dur="1" fill="hold">
-                                          <p:stCondLst>
-                                            <p:cond delay="0"/>
-                                          </p:stCondLst>
-                                        </p:cTn>
-                                        <p:tgtEl>
-                                          <p:spTgt spid="3">
-                                            <p:txEl>
-                                              <p:pRg st="3" end="3"/>
-                                            </p:txEl>
-                                          </p:spTgt>
-                                        </p:tgtEl>
-                                        <p:attrNameLst>
-                                          <p:attrName>style.visibility</p:attrName>
-                                        </p:attrNameLst>
-                                      </p:cBhvr>
-                                      <p:to>
-                                        <p:strVal val="visible"/>
-                                      </p:to>
-                                    </p:set>
-                                  </p:childTnLst>
-                                </p:cTn>
-                              </p:par>
-                            </p:childTnLst>
-                          </p:cTn>
-                        </p:par>
-                      </p:childTnLst>
-                    </p:cTn>
-                  </p:par>
                 </p:childTnLst>
               </p:cTn>
               <p:prevCondLst>
@@ -8283,6 +8199,142 @@
       <p:bldP spid="3" grpId="0" build="p"/>
     </p:bldLst>
   </p:timing>
+</p:sld>
+</file>
+
+<file path=ppt/slides/slide8.xml><?xml version="1.0" encoding="utf-8"?>
+<p:sld xmlns:a="http://schemas.openxmlformats.org/drawingml/2006/main" xmlns:r="http://schemas.openxmlformats.org/officeDocument/2006/relationships" xmlns:p="http://schemas.openxmlformats.org/presentationml/2006/main">
+  <p:cSld>
+    <p:spTree>
+      <p:nvGrpSpPr>
+        <p:cNvPr id="1" name=""/>
+        <p:cNvGrpSpPr/>
+        <p:nvPr/>
+      </p:nvGrpSpPr>
+      <p:grpSpPr>
+        <a:xfrm>
+          <a:off x="0" y="0"/>
+          <a:ext cx="0" cy="0"/>
+          <a:chOff x="0" y="0"/>
+          <a:chExt cx="0" cy="0"/>
+        </a:xfrm>
+      </p:grpSpPr>
+      <p:sp>
+        <p:nvSpPr>
+          <p:cNvPr id="2" name="標題 1">
+            <a:extLst>
+              <a:ext uri="{FF2B5EF4-FFF2-40B4-BE49-F238E27FC236}">
+                <a16:creationId xmlns:a16="http://schemas.microsoft.com/office/drawing/2014/main" id="{1DAD5852-2B13-46FF-9B84-8909F48D67F8}"/>
+              </a:ext>
+            </a:extLst>
+          </p:cNvPr>
+          <p:cNvSpPr>
+            <a:spLocks noGrp="1"/>
+          </p:cNvSpPr>
+          <p:nvPr>
+            <p:ph type="title"/>
+          </p:nvPr>
+        </p:nvSpPr>
+        <p:spPr/>
+        <p:txBody>
+          <a:bodyPr/>
+          <a:lstStyle/>
+          <a:p>
+            <a:r>
+              <a:rPr lang="zh-TW" altLang="en-US" dirty="0">
+                <a:latin typeface="+mn-ea"/>
+                <a:ea typeface="+mn-ea"/>
+              </a:rPr>
+              <a:t>工作分配</a:t>
+            </a:r>
+          </a:p>
+        </p:txBody>
+      </p:sp>
+      <p:sp>
+        <p:nvSpPr>
+          <p:cNvPr id="3" name="內容版面配置區 2">
+            <a:extLst>
+              <a:ext uri="{FF2B5EF4-FFF2-40B4-BE49-F238E27FC236}">
+                <a16:creationId xmlns:a16="http://schemas.microsoft.com/office/drawing/2014/main" id="{30EDE61D-C847-404A-8663-E97E849CBCD3}"/>
+              </a:ext>
+            </a:extLst>
+          </p:cNvPr>
+          <p:cNvSpPr>
+            <a:spLocks noGrp="1"/>
+          </p:cNvSpPr>
+          <p:nvPr>
+            <p:ph idx="1"/>
+          </p:nvPr>
+        </p:nvSpPr>
+        <p:spPr>
+          <a:xfrm>
+            <a:off x="787400" y="3021584"/>
+            <a:ext cx="7772400" cy="814832"/>
+          </a:xfrm>
+        </p:spPr>
+        <p:txBody>
+          <a:bodyPr>
+            <a:normAutofit/>
+          </a:bodyPr>
+          <a:lstStyle/>
+          <a:p>
+            <a:r>
+              <a:rPr lang="zh-TW" altLang="en-US" sz="4000" dirty="0">
+                <a:latin typeface="+mn-ea"/>
+              </a:rPr>
+              <a:t>組員楊少宏</a:t>
+            </a:r>
+            <a:r>
+              <a:rPr lang="en-US" altLang="zh-TW" sz="4000" dirty="0">
+                <a:latin typeface="+mn-ea"/>
+              </a:rPr>
+              <a:t>-100%</a:t>
+            </a:r>
+            <a:endParaRPr lang="zh-TW" altLang="en-US" sz="4000" dirty="0">
+              <a:latin typeface="+mn-ea"/>
+            </a:endParaRPr>
+          </a:p>
+        </p:txBody>
+      </p:sp>
+      <p:sp>
+        <p:nvSpPr>
+          <p:cNvPr id="4" name="投影片編號版面配置區 3">
+            <a:extLst>
+              <a:ext uri="{FF2B5EF4-FFF2-40B4-BE49-F238E27FC236}">
+                <a16:creationId xmlns:a16="http://schemas.microsoft.com/office/drawing/2014/main" id="{4EBD3F2A-34FF-450D-8533-7D8F0F419654}"/>
+              </a:ext>
+            </a:extLst>
+          </p:cNvPr>
+          <p:cNvSpPr>
+            <a:spLocks noGrp="1"/>
+          </p:cNvSpPr>
+          <p:nvPr>
+            <p:ph type="sldNum" sz="quarter" idx="12"/>
+          </p:nvPr>
+        </p:nvSpPr>
+        <p:spPr/>
+        <p:txBody>
+          <a:bodyPr/>
+          <a:lstStyle/>
+          <a:p>
+            <a:fld id="{80E16380-4998-42C3-B033-270161A8BE6B}" type="slidenum">
+              <a:rPr lang="zh-TW" altLang="en-US" smtClean="0"/>
+              <a:t>8</a:t>
+            </a:fld>
+            <a:endParaRPr lang="zh-TW" altLang="en-US"/>
+          </a:p>
+        </p:txBody>
+      </p:sp>
+    </p:spTree>
+    <p:extLst>
+      <p:ext uri="{BB962C8B-B14F-4D97-AF65-F5344CB8AC3E}">
+        <p14:creationId xmlns:p14="http://schemas.microsoft.com/office/powerpoint/2010/main" val="315782362"/>
+      </p:ext>
+    </p:extLst>
+  </p:cSld>
+  <p:clrMapOvr>
+    <a:masterClrMapping/>
+  </p:clrMapOvr>
 </p:sld>
 </file>
 

--- a/陀螺儀機車警示裝置.pptx
+++ b/陀螺儀機車警示裝置.pptx
@@ -2,13 +2,13 @@
 <file path=ppt/presentation.xml><?xml version="1.0" encoding="utf-8"?>
 <p:presentation xmlns:a="http://schemas.openxmlformats.org/drawingml/2006/main" xmlns:r="http://schemas.openxmlformats.org/officeDocument/2006/relationships" xmlns:p="http://schemas.openxmlformats.org/presentationml/2006/main" saveSubsetFonts="1">
   <p:sldMasterIdLst>
-    <p:sldMasterId id="2147483702" r:id="rId1"/>
+    <p:sldMasterId id="2147483714" r:id="rId1"/>
   </p:sldMasterIdLst>
   <p:notesMasterIdLst>
-    <p:notesMasterId r:id="rId10"/>
+    <p:notesMasterId r:id="rId15"/>
   </p:notesMasterIdLst>
   <p:handoutMasterIdLst>
-    <p:handoutMasterId r:id="rId11"/>
+    <p:handoutMasterId r:id="rId16"/>
   </p:handoutMasterIdLst>
   <p:sldIdLst>
     <p:sldId id="256" r:id="rId2"/>
@@ -18,7 +18,12 @@
     <p:sldId id="257" r:id="rId6"/>
     <p:sldId id="265" r:id="rId7"/>
     <p:sldId id="262" r:id="rId8"/>
-    <p:sldId id="264" r:id="rId9"/>
+    <p:sldId id="266" r:id="rId9"/>
+    <p:sldId id="267" r:id="rId10"/>
+    <p:sldId id="268" r:id="rId11"/>
+    <p:sldId id="269" r:id="rId12"/>
+    <p:sldId id="270" r:id="rId13"/>
+    <p:sldId id="271" r:id="rId14"/>
   </p:sldIdLst>
   <p:sldSz cx="9144000" cy="6858000" type="screen4x3"/>
   <p:notesSz cx="6858000" cy="9144000"/>
@@ -129,7 +134,12 @@
             <p14:sldId id="257"/>
             <p14:sldId id="265"/>
             <p14:sldId id="262"/>
-            <p14:sldId id="264"/>
+            <p14:sldId id="266"/>
+            <p14:sldId id="267"/>
+            <p14:sldId id="268"/>
+            <p14:sldId id="269"/>
+            <p14:sldId id="270"/>
+            <p14:sldId id="271"/>
           </p14:sldIdLst>
         </p14:section>
       </p14:sectionLst>
@@ -235,7 +245,7 @@
           <a:p>
             <a:fld id="{E2B5BFD9-D73B-447F-9BCD-C0207DB43A77}" type="datetimeFigureOut">
               <a:rPr lang="zh-TW" altLang="en-US" smtClean="0"/>
-              <a:t>2019/11/17</a:t>
+              <a:t>2019/11/26</a:t>
             </a:fld>
             <a:endParaRPr lang="zh-TW" altLang="en-US"/>
           </a:p>
@@ -413,7 +423,7 @@
           <a:p>
             <a:fld id="{82BAB6B1-4BCB-46A3-9625-DCABA2E4A7B8}" type="datetimeFigureOut">
               <a:rPr lang="zh-TW" altLang="en-US" smtClean="0"/>
-              <a:t>2019/11/17</a:t>
+              <a:t>2019/11/26</a:t>
             </a:fld>
             <a:endParaRPr lang="zh-TW" altLang="en-US"/>
           </a:p>
@@ -922,262 +932,142 @@
           <a:chExt cx="0" cy="0"/>
         </a:xfrm>
       </p:grpSpPr>
-      <p:sp>
-        <p:nvSpPr>
-          <p:cNvPr id="7" name="Rectangle 6"/>
-          <p:cNvSpPr/>
+      <p:grpSp>
+        <p:nvGrpSpPr>
+          <p:cNvPr id="18" name="Group 17"/>
+          <p:cNvGrpSpPr/>
           <p:nvPr/>
-        </p:nvSpPr>
-        <p:spPr>
+        </p:nvGrpSpPr>
+        <p:grpSpPr>
           <a:xfrm>
-            <a:off x="685800" y="1346947"/>
-            <a:ext cx="7772400" cy="80683"/>
+            <a:off x="0" y="0"/>
+            <a:ext cx="9144677" cy="6858000"/>
+            <a:chOff x="0" y="0"/>
+            <a:chExt cx="9144677" cy="6858000"/>
           </a:xfrm>
-          <a:prstGeom prst="rect">
-            <a:avLst/>
-          </a:prstGeom>
-          <a:blipFill dpi="0" rotWithShape="1">
+        </p:grpSpPr>
+        <p:pic>
+          <p:nvPicPr>
+            <p:cNvPr id="8" name="Picture 7" descr="SD-PanelTitle-R1.png"/>
+            <p:cNvPicPr>
+              <a:picLocks noChangeAspect="1"/>
+            </p:cNvPicPr>
+            <p:nvPr/>
+          </p:nvPicPr>
+          <p:blipFill>
             <a:blip r:embed="rId2">
-              <a:alphaModFix amt="80000"/>
-              <a:lum bright="70000" contrast="-70000"/>
               <a:extLst>
-                <a:ext uri="{BEBA8EAE-BF5A-486C-A8C5-ECC9F3942E4B}">
-                  <a14:imgProps xmlns:a14="http://schemas.microsoft.com/office/drawing/2010/main">
-                    <a14:imgLayer r:embed="rId3">
-                      <a14:imgEffect>
-                        <a14:sharpenSoften amount="61000"/>
-                      </a14:imgEffect>
-                    </a14:imgLayer>
-                  </a14:imgProps>
-                </a:ext>
                 <a:ext uri="{28A0092B-C50C-407E-A947-70E740481C1C}">
                   <a14:useLocalDpi xmlns:a14="http://schemas.microsoft.com/office/drawing/2010/main" val="0"/>
                 </a:ext>
               </a:extLst>
             </a:blip>
-            <a:srcRect/>
-            <a:tile tx="0" ty="-762000" sx="92000" sy="89000" flip="xy" algn="ctr"/>
-          </a:blipFill>
-          <a:ln>
+            <a:stretch>
+              <a:fillRect/>
+            </a:stretch>
+          </p:blipFill>
+          <p:spPr>
+            <a:xfrm>
+              <a:off x="0" y="0"/>
+              <a:ext cx="9144000" cy="6858000"/>
+            </a:xfrm>
+            <a:prstGeom prst="rect">
+              <a:avLst/>
+            </a:prstGeom>
+          </p:spPr>
+        </p:pic>
+        <p:sp>
+          <p:nvSpPr>
+            <p:cNvPr id="11" name="Rectangle 10"/>
+            <p:cNvSpPr/>
+            <p:nvPr/>
+          </p:nvSpPr>
+          <p:spPr>
+            <a:xfrm>
+              <a:off x="1515532" y="1520422"/>
+              <a:ext cx="6112935" cy="3818468"/>
+            </a:xfrm>
+            <a:prstGeom prst="rect">
+              <a:avLst/>
+            </a:prstGeom>
             <a:noFill/>
-          </a:ln>
-        </p:spPr>
-        <p:style>
-          <a:lnRef idx="2">
-            <a:schemeClr val="accent1">
-              <a:shade val="50000"/>
-            </a:schemeClr>
-          </a:lnRef>
-          <a:fillRef idx="1">
-            <a:schemeClr val="accent1"/>
-          </a:fillRef>
-          <a:effectRef idx="0">
-            <a:schemeClr val="accent1"/>
-          </a:effectRef>
-          <a:fontRef idx="minor">
-            <a:schemeClr val="lt1"/>
-          </a:fontRef>
-        </p:style>
-      </p:sp>
-      <p:sp>
-        <p:nvSpPr>
-          <p:cNvPr id="8" name="Rectangle 7"/>
-          <p:cNvSpPr/>
-          <p:nvPr/>
-        </p:nvSpPr>
-        <p:spPr>
-          <a:xfrm>
-            <a:off x="685800" y="4282763"/>
-            <a:ext cx="7772400" cy="80683"/>
-          </a:xfrm>
-          <a:prstGeom prst="rect">
-            <a:avLst/>
-          </a:prstGeom>
-          <a:blipFill dpi="0" rotWithShape="1">
-            <a:blip r:embed="rId2">
-              <a:alphaModFix amt="80000"/>
-              <a:lum bright="70000" contrast="-70000"/>
+            <a:ln w="15875" cap="flat">
+              <a:miter lim="800000"/>
+            </a:ln>
+          </p:spPr>
+          <p:style>
+            <a:lnRef idx="1">
+              <a:schemeClr val="accent1"/>
+            </a:lnRef>
+            <a:fillRef idx="3">
+              <a:schemeClr val="accent1"/>
+            </a:fillRef>
+            <a:effectRef idx="2">
+              <a:schemeClr val="accent1"/>
+            </a:effectRef>
+            <a:fontRef idx="minor">
+              <a:schemeClr val="lt1"/>
+            </a:fontRef>
+          </p:style>
+        </p:sp>
+        <p:pic>
+          <p:nvPicPr>
+            <p:cNvPr id="12" name="Picture 11" descr="HDRibbonTitle-UniformTrim.png"/>
+            <p:cNvPicPr>
+              <a:picLocks noChangeAspect="1"/>
+            </p:cNvPicPr>
+            <p:nvPr/>
+          </p:nvPicPr>
+          <p:blipFill rotWithShape="1">
+            <a:blip r:embed="rId3">
               <a:extLst>
-                <a:ext uri="{BEBA8EAE-BF5A-486C-A8C5-ECC9F3942E4B}">
-                  <a14:imgProps xmlns:a14="http://schemas.microsoft.com/office/drawing/2010/main">
-                    <a14:imgLayer r:embed="rId3">
-                      <a14:imgEffect>
-                        <a14:sharpenSoften amount="61000"/>
-                      </a14:imgEffect>
-                    </a14:imgLayer>
-                  </a14:imgProps>
-                </a:ext>
                 <a:ext uri="{28A0092B-C50C-407E-A947-70E740481C1C}">
                   <a14:useLocalDpi xmlns:a14="http://schemas.microsoft.com/office/drawing/2010/main" val="0"/>
                 </a:ext>
               </a:extLst>
             </a:blip>
-            <a:srcRect/>
-            <a:tile tx="0" ty="-717550" sx="92000" sy="89000" flip="xy" algn="ctr"/>
-          </a:blipFill>
-          <a:ln>
-            <a:noFill/>
-          </a:ln>
-        </p:spPr>
-        <p:style>
-          <a:lnRef idx="2">
-            <a:schemeClr val="accent1">
-              <a:shade val="50000"/>
-            </a:schemeClr>
-          </a:lnRef>
-          <a:fillRef idx="1">
-            <a:schemeClr val="accent1"/>
-          </a:fillRef>
-          <a:effectRef idx="0">
-            <a:schemeClr val="accent1"/>
-          </a:effectRef>
-          <a:fontRef idx="minor">
-            <a:schemeClr val="lt1"/>
-          </a:fontRef>
-        </p:style>
-      </p:sp>
-      <p:sp>
-        <p:nvSpPr>
-          <p:cNvPr id="9" name="Rectangle 8"/>
-          <p:cNvSpPr/>
-          <p:nvPr/>
-        </p:nvSpPr>
-        <p:spPr>
-          <a:xfrm>
-            <a:off x="685800" y="1484779"/>
-            <a:ext cx="7772400" cy="2743200"/>
-          </a:xfrm>
-          <a:prstGeom prst="rect">
-            <a:avLst/>
-          </a:prstGeom>
-          <a:blipFill dpi="0" rotWithShape="1">
-            <a:blip r:embed="rId2">
-              <a:alphaModFix amt="80000"/>
-              <a:lum bright="70000" contrast="-70000"/>
+            <a:srcRect l="-2" r="47959"/>
+            <a:stretch/>
+          </p:blipFill>
+          <p:spPr>
+            <a:xfrm>
+              <a:off x="0" y="3128434"/>
+              <a:ext cx="1664208" cy="612648"/>
+            </a:xfrm>
+            <a:prstGeom prst="rect">
+              <a:avLst/>
+            </a:prstGeom>
+          </p:spPr>
+        </p:pic>
+        <p:pic>
+          <p:nvPicPr>
+            <p:cNvPr id="13" name="Picture 12" descr="HDRibbonTitle-UniformTrim.png"/>
+            <p:cNvPicPr>
+              <a:picLocks noChangeAspect="1"/>
+            </p:cNvPicPr>
+            <p:nvPr/>
+          </p:nvPicPr>
+          <p:blipFill rotWithShape="1">
+            <a:blip r:embed="rId3">
               <a:extLst>
-                <a:ext uri="{BEBA8EAE-BF5A-486C-A8C5-ECC9F3942E4B}">
-                  <a14:imgProps xmlns:a14="http://schemas.microsoft.com/office/drawing/2010/main">
-                    <a14:imgLayer r:embed="rId3">
-                      <a14:imgEffect>
-                        <a14:sharpenSoften amount="61000"/>
-                      </a14:imgEffect>
-                    </a14:imgLayer>
-                  </a14:imgProps>
-                </a:ext>
                 <a:ext uri="{28A0092B-C50C-407E-A947-70E740481C1C}">
                   <a14:useLocalDpi xmlns:a14="http://schemas.microsoft.com/office/drawing/2010/main" val="0"/>
                 </a:ext>
               </a:extLst>
             </a:blip>
-            <a:srcRect/>
-            <a:tile tx="0" ty="-704850" sx="92000" sy="89000" flip="xy" algn="ctr"/>
-          </a:blipFill>
-          <a:ln>
-            <a:noFill/>
-          </a:ln>
-        </p:spPr>
-        <p:style>
-          <a:lnRef idx="2">
-            <a:schemeClr val="accent1">
-              <a:shade val="50000"/>
-            </a:schemeClr>
-          </a:lnRef>
-          <a:fillRef idx="1">
-            <a:schemeClr val="accent1"/>
-          </a:fillRef>
-          <a:effectRef idx="0">
-            <a:schemeClr val="accent1"/>
-          </a:effectRef>
-          <a:fontRef idx="minor">
-            <a:schemeClr val="lt1"/>
-          </a:fontRef>
-        </p:style>
-      </p:sp>
-      <p:grpSp>
-        <p:nvGrpSpPr>
-          <p:cNvPr id="10" name="Group 9"/>
-          <p:cNvGrpSpPr>
-            <a:grpSpLocks noChangeAspect="1"/>
-          </p:cNvGrpSpPr>
-          <p:nvPr/>
-        </p:nvGrpSpPr>
-        <p:grpSpPr>
-          <a:xfrm>
-            <a:off x="7234780" y="4107023"/>
-            <a:ext cx="914400" cy="914400"/>
-            <a:chOff x="9685338" y="4460675"/>
-            <a:chExt cx="1080904" cy="1080902"/>
-          </a:xfrm>
-        </p:grpSpPr>
-        <p:sp>
-          <p:nvSpPr>
-            <p:cNvPr id="11" name="Oval 10"/>
-            <p:cNvSpPr/>
-            <p:nvPr/>
-          </p:nvSpPr>
+            <a:srcRect l="-2" r="47959"/>
+            <a:stretch/>
+          </p:blipFill>
           <p:spPr>
             <a:xfrm>
-              <a:off x="9685338" y="4460675"/>
-              <a:ext cx="1080904" cy="1080902"/>
+              <a:off x="7480469" y="3128434"/>
+              <a:ext cx="1664208" cy="612648"/>
             </a:xfrm>
-            <a:prstGeom prst="ellipse">
+            <a:prstGeom prst="rect">
               <a:avLst/>
             </a:prstGeom>
-            <a:blipFill dpi="0" rotWithShape="1">
-              <a:blip r:embed="rId4">
-                <a:duotone>
-                  <a:schemeClr val="accent1">
-                    <a:shade val="45000"/>
-                    <a:satMod val="135000"/>
-                  </a:schemeClr>
-                  <a:prstClr val="white"/>
-                </a:duotone>
-                <a:extLst>
-                  <a:ext uri="{BEBA8EAE-BF5A-486C-A8C5-ECC9F3942E4B}">
-                    <a14:imgProps xmlns:a14="http://schemas.microsoft.com/office/drawing/2010/main">
-                      <a14:imgLayer r:embed="rId5">
-                        <a14:imgEffect>
-                          <a14:saturation sat="95000"/>
-                        </a14:imgEffect>
-                      </a14:imgLayer>
-                    </a14:imgProps>
-                  </a:ext>
-                </a:extLst>
-              </a:blip>
-              <a:srcRect/>
-              <a:tile tx="0" ty="0" sx="85000" sy="85000" flip="none" algn="tl"/>
-            </a:blipFill>
-            <a:ln w="25400" cap="flat" cmpd="sng" algn="ctr">
-              <a:noFill/>
-              <a:prstDash val="solid"/>
-            </a:ln>
-            <a:effectLst/>
           </p:spPr>
-        </p:sp>
-        <p:sp>
-          <p:nvSpPr>
-            <p:cNvPr id="12" name="Oval 11"/>
-            <p:cNvSpPr/>
-            <p:nvPr/>
-          </p:nvSpPr>
-          <p:spPr>
-            <a:xfrm>
-              <a:off x="9793429" y="4568765"/>
-              <a:ext cx="864723" cy="864722"/>
-            </a:xfrm>
-            <a:prstGeom prst="ellipse">
-              <a:avLst/>
-            </a:prstGeom>
-            <a:noFill/>
-            <a:ln w="25400" cap="flat" cmpd="sng" algn="ctr">
-              <a:solidFill>
-                <a:sysClr val="window" lastClr="FFFFFF"/>
-              </a:solidFill>
-              <a:prstDash val="solid"/>
-            </a:ln>
-            <a:effectLst/>
-          </p:spPr>
-        </p:sp>
+        </p:pic>
       </p:grpSp>
       <p:sp>
         <p:nvSpPr>
@@ -1191,31 +1081,24 @@
         </p:nvSpPr>
         <p:spPr>
           <a:xfrm>
-            <a:off x="788670" y="1432223"/>
-            <a:ext cx="7593330" cy="3035808"/>
+            <a:off x="1921934" y="1811863"/>
+            <a:ext cx="5308866" cy="1515533"/>
           </a:xfrm>
         </p:spPr>
         <p:txBody>
-          <a:bodyPr anchor="ctr">
+          <a:bodyPr anchor="b">
             <a:noAutofit/>
           </a:bodyPr>
           <a:lstStyle>
-            <a:lvl1pPr algn="l">
-              <a:lnSpc>
-                <a:spcPct val="80000"/>
-              </a:lnSpc>
-              <a:defRPr sz="6400" b="0" cap="all" baseline="0">
-                <a:blipFill dpi="0" rotWithShape="1">
-                  <a:blip r:embed="rId4"/>
-                  <a:srcRect/>
-                  <a:tile tx="6350" ty="-127000" sx="65000" sy="64000" flip="none" algn="tl"/>
-                </a:blipFill>
+            <a:lvl1pPr algn="ctr">
+              <a:defRPr sz="4800">
+                <a:effectLst/>
               </a:defRPr>
             </a:lvl1pPr>
           </a:lstStyle>
           <a:p>
             <a:r>
-              <a:rPr lang="zh-TW" altLang="en-US"/>
+              <a:rPr lang="zh-TW" altLang="en-US" smtClean="0"/>
               <a:t>按一下以編輯母片標題樣式</a:t>
             </a:r>
             <a:endParaRPr lang="en-US" dirty="0"/>
@@ -1234,18 +1117,18 @@
         </p:nvSpPr>
         <p:spPr>
           <a:xfrm>
-            <a:off x="802386" y="4389120"/>
-            <a:ext cx="5918454" cy="1069848"/>
+            <a:off x="1921934" y="3598327"/>
+            <a:ext cx="5308866" cy="1377651"/>
           </a:xfrm>
         </p:spPr>
         <p:txBody>
-          <a:bodyPr>
+          <a:bodyPr anchor="t">
             <a:normAutofit/>
           </a:bodyPr>
           <a:lstStyle>
-            <a:lvl1pPr marL="0" indent="0" algn="l">
-              <a:buNone/>
-              <a:defRPr sz="1800" b="0">
+            <a:lvl1pPr marL="0" indent="0" algn="ctr">
+              <a:buNone/>
+              <a:defRPr sz="2000">
                 <a:solidFill>
                   <a:schemeClr val="tx1"/>
                 </a:solidFill>
@@ -1253,41 +1136,89 @@
             </a:lvl1pPr>
             <a:lvl2pPr marL="457200" indent="0" algn="ctr">
               <a:buNone/>
-              <a:defRPr sz="1800"/>
+              <a:defRPr>
+                <a:solidFill>
+                  <a:schemeClr val="tx1">
+                    <a:tint val="75000"/>
+                  </a:schemeClr>
+                </a:solidFill>
+              </a:defRPr>
             </a:lvl2pPr>
             <a:lvl3pPr marL="914400" indent="0" algn="ctr">
               <a:buNone/>
-              <a:defRPr sz="1800"/>
+              <a:defRPr>
+                <a:solidFill>
+                  <a:schemeClr val="tx1">
+                    <a:tint val="75000"/>
+                  </a:schemeClr>
+                </a:solidFill>
+              </a:defRPr>
             </a:lvl3pPr>
             <a:lvl4pPr marL="1371600" indent="0" algn="ctr">
               <a:buNone/>
-              <a:defRPr sz="1800"/>
+              <a:defRPr>
+                <a:solidFill>
+                  <a:schemeClr val="tx1">
+                    <a:tint val="75000"/>
+                  </a:schemeClr>
+                </a:solidFill>
+              </a:defRPr>
             </a:lvl4pPr>
             <a:lvl5pPr marL="1828800" indent="0" algn="ctr">
               <a:buNone/>
-              <a:defRPr sz="1800"/>
+              <a:defRPr>
+                <a:solidFill>
+                  <a:schemeClr val="tx1">
+                    <a:tint val="75000"/>
+                  </a:schemeClr>
+                </a:solidFill>
+              </a:defRPr>
             </a:lvl5pPr>
             <a:lvl6pPr marL="2286000" indent="0" algn="ctr">
               <a:buNone/>
-              <a:defRPr sz="1800"/>
+              <a:defRPr>
+                <a:solidFill>
+                  <a:schemeClr val="tx1">
+                    <a:tint val="75000"/>
+                  </a:schemeClr>
+                </a:solidFill>
+              </a:defRPr>
             </a:lvl6pPr>
             <a:lvl7pPr marL="2743200" indent="0" algn="ctr">
               <a:buNone/>
-              <a:defRPr sz="1800"/>
+              <a:defRPr>
+                <a:solidFill>
+                  <a:schemeClr val="tx1">
+                    <a:tint val="75000"/>
+                  </a:schemeClr>
+                </a:solidFill>
+              </a:defRPr>
             </a:lvl7pPr>
             <a:lvl8pPr marL="3200400" indent="0" algn="ctr">
               <a:buNone/>
-              <a:defRPr sz="1800"/>
+              <a:defRPr>
+                <a:solidFill>
+                  <a:schemeClr val="tx1">
+                    <a:tint val="75000"/>
+                  </a:schemeClr>
+                </a:solidFill>
+              </a:defRPr>
             </a:lvl8pPr>
             <a:lvl9pPr marL="3657600" indent="0" algn="ctr">
               <a:buNone/>
-              <a:defRPr sz="1800"/>
+              <a:defRPr>
+                <a:solidFill>
+                  <a:schemeClr val="tx1">
+                    <a:tint val="75000"/>
+                  </a:schemeClr>
+                </a:solidFill>
+              </a:defRPr>
             </a:lvl9pPr>
           </a:lstStyle>
           <a:p>
             <a:r>
-              <a:rPr lang="zh-TW" altLang="en-US"/>
-              <a:t>按一下以編輯母片子標題樣式</a:t>
+              <a:rPr lang="zh-TW" altLang="en-US" smtClean="0"/>
+              <a:t>按一下以編輯母片副標題樣式</a:t>
             </a:r>
             <a:endParaRPr lang="en-US" dirty="0"/>
           </a:p>
@@ -1303,14 +1234,19 @@
             <p:ph type="dt" sz="half" idx="10"/>
           </p:nvPr>
         </p:nvSpPr>
-        <p:spPr/>
+        <p:spPr>
+          <a:xfrm>
+            <a:off x="6065417" y="5054602"/>
+            <a:ext cx="673276" cy="279400"/>
+          </a:xfrm>
+        </p:spPr>
         <p:txBody>
           <a:bodyPr/>
           <a:lstStyle/>
           <a:p>
             <a:fld id="{CBDB6F48-3AD2-4A91-BB7F-D1A63C1EE5CE}" type="datetime1">
               <a:rPr lang="zh-TW" altLang="en-US" smtClean="0"/>
-              <a:t>2019/11/17</a:t>
+              <a:t>2019/11/26</a:t>
             </a:fld>
             <a:endParaRPr lang="zh-TW" altLang="en-US"/>
           </a:p>
@@ -1328,8 +1264,8 @@
         </p:nvSpPr>
         <p:spPr>
           <a:xfrm>
-            <a:off x="812805" y="6272785"/>
-            <a:ext cx="4745736" cy="365125"/>
+            <a:off x="1921934" y="5054602"/>
+            <a:ext cx="4064860" cy="279400"/>
           </a:xfrm>
         </p:spPr>
         <p:txBody>
@@ -1352,17 +1288,13 @@
         </p:nvSpPr>
         <p:spPr>
           <a:xfrm>
-            <a:off x="7244280" y="4227195"/>
-            <a:ext cx="895401" cy="640080"/>
+            <a:off x="6817317" y="5054602"/>
+            <a:ext cx="413483" cy="279400"/>
           </a:xfrm>
         </p:spPr>
         <p:txBody>
           <a:bodyPr/>
-          <a:lstStyle>
-            <a:lvl1pPr>
-              <a:defRPr sz="2800" b="1"/>
-            </a:lvl1pPr>
-          </a:lstStyle>
+          <a:lstStyle/>
           <a:p>
             <a:fld id="{80E16380-4998-42C3-B033-270161A8BE6B}" type="slidenum">
               <a:rPr lang="zh-TW" altLang="en-US" smtClean="0"/>
@@ -1372,10 +1304,41 @@
           </a:p>
         </p:txBody>
       </p:sp>
+      <p:cxnSp>
+        <p:nvCxnSpPr>
+          <p:cNvPr id="15" name="Straight Connector 14"/>
+          <p:cNvCxnSpPr/>
+          <p:nvPr/>
+        </p:nvCxnSpPr>
+        <p:spPr>
+          <a:xfrm>
+            <a:off x="2019825" y="3471329"/>
+            <a:ext cx="5113083" cy="0"/>
+          </a:xfrm>
+          <a:prstGeom prst="line">
+            <a:avLst/>
+          </a:prstGeom>
+          <a:ln w="15875"/>
+        </p:spPr>
+        <p:style>
+          <a:lnRef idx="2">
+            <a:schemeClr val="accent1"/>
+          </a:lnRef>
+          <a:fillRef idx="0">
+            <a:schemeClr val="accent1"/>
+          </a:fillRef>
+          <a:effectRef idx="1">
+            <a:schemeClr val="accent1"/>
+          </a:effectRef>
+          <a:fontRef idx="minor">
+            <a:schemeClr val="tx1"/>
+          </a:fontRef>
+        </p:style>
+      </p:cxnSp>
     </p:spTree>
     <p:extLst>
       <p:ext uri="{BB962C8B-B14F-4D97-AF65-F5344CB8AC3E}">
-        <p14:creationId xmlns:p14="http://schemas.microsoft.com/office/powerpoint/2010/main" val="3679825562"/>
+        <p14:creationId xmlns:p14="http://schemas.microsoft.com/office/powerpoint/2010/main" val="286120066"/>
       </p:ext>
     </p:extLst>
   </p:cSld>
@@ -1386,6 +1349,2104 @@
 </file>
 
 <file path=ppt/slideLayouts/slideLayout10.xml><?xml version="1.0" encoding="utf-8"?>
+<p:sldLayout xmlns:a="http://schemas.openxmlformats.org/drawingml/2006/main" xmlns:r="http://schemas.openxmlformats.org/officeDocument/2006/relationships" xmlns:p="http://schemas.openxmlformats.org/presentationml/2006/main" preserve="1">
+  <p:cSld name="全景圖片 (含標題)">
+    <p:spTree>
+      <p:nvGrpSpPr>
+        <p:cNvPr id="1" name=""/>
+        <p:cNvGrpSpPr/>
+        <p:nvPr/>
+      </p:nvGrpSpPr>
+      <p:grpSpPr>
+        <a:xfrm>
+          <a:off x="0" y="0"/>
+          <a:ext cx="0" cy="0"/>
+          <a:chOff x="0" y="0"/>
+          <a:chExt cx="0" cy="0"/>
+        </a:xfrm>
+      </p:grpSpPr>
+      <p:sp>
+        <p:nvSpPr>
+          <p:cNvPr id="2" name="Title 1"/>
+          <p:cNvSpPr>
+            <a:spLocks noGrp="1"/>
+          </p:cNvSpPr>
+          <p:nvPr>
+            <p:ph type="title"/>
+          </p:nvPr>
+        </p:nvSpPr>
+        <p:spPr>
+          <a:xfrm>
+            <a:off x="1176866" y="4815415"/>
+            <a:ext cx="6798734" cy="566738"/>
+          </a:xfrm>
+        </p:spPr>
+        <p:txBody>
+          <a:bodyPr anchor="b">
+            <a:normAutofit/>
+          </a:bodyPr>
+          <a:lstStyle>
+            <a:lvl1pPr algn="ctr">
+              <a:defRPr sz="2400" b="0"/>
+            </a:lvl1pPr>
+          </a:lstStyle>
+          <a:p>
+            <a:r>
+              <a:rPr lang="zh-TW" altLang="en-US" smtClean="0"/>
+              <a:t>按一下以編輯母片標題樣式</a:t>
+            </a:r>
+            <a:endParaRPr lang="en-US" dirty="0"/>
+          </a:p>
+        </p:txBody>
+      </p:sp>
+      <p:sp>
+        <p:nvSpPr>
+          <p:cNvPr id="3" name="Picture Placeholder 2"/>
+          <p:cNvSpPr>
+            <a:spLocks noGrp="1" noChangeAspect="1"/>
+          </p:cNvSpPr>
+          <p:nvPr>
+            <p:ph type="pic" idx="1"/>
+          </p:nvPr>
+        </p:nvSpPr>
+        <p:spPr>
+          <a:xfrm>
+            <a:off x="1026260" y="1032933"/>
+            <a:ext cx="7091482" cy="3361269"/>
+          </a:xfrm>
+          <a:prstGeom prst="roundRect">
+            <a:avLst>
+              <a:gd name="adj" fmla="val 0"/>
+            </a:avLst>
+          </a:prstGeom>
+          <a:ln w="57150" cmpd="thickThin">
+            <a:solidFill>
+              <a:schemeClr val="tx1">
+                <a:lumMod val="50000"/>
+                <a:lumOff val="50000"/>
+              </a:schemeClr>
+            </a:solidFill>
+          </a:ln>
+          <a:effectLst>
+            <a:innerShdw blurRad="57150" dist="38100" dir="14460000">
+              <a:srgbClr val="000000">
+                <a:alpha val="70000"/>
+              </a:srgbClr>
+            </a:innerShdw>
+          </a:effectLst>
+        </p:spPr>
+        <p:txBody>
+          <a:bodyPr anchor="t">
+            <a:normAutofit/>
+          </a:bodyPr>
+          <a:lstStyle>
+            <a:lvl1pPr marL="0" indent="0" algn="ctr">
+              <a:buNone/>
+              <a:defRPr sz="1600"/>
+            </a:lvl1pPr>
+            <a:lvl2pPr marL="457200" indent="0">
+              <a:buNone/>
+              <a:defRPr sz="1600"/>
+            </a:lvl2pPr>
+            <a:lvl3pPr marL="914400" indent="0">
+              <a:buNone/>
+              <a:defRPr sz="1600"/>
+            </a:lvl3pPr>
+            <a:lvl4pPr marL="1371600" indent="0">
+              <a:buNone/>
+              <a:defRPr sz="1600"/>
+            </a:lvl4pPr>
+            <a:lvl5pPr marL="1828800" indent="0">
+              <a:buNone/>
+              <a:defRPr sz="1600"/>
+            </a:lvl5pPr>
+            <a:lvl6pPr marL="2286000" indent="0">
+              <a:buNone/>
+              <a:defRPr sz="1600"/>
+            </a:lvl6pPr>
+            <a:lvl7pPr marL="2743200" indent="0">
+              <a:buNone/>
+              <a:defRPr sz="1600"/>
+            </a:lvl7pPr>
+            <a:lvl8pPr marL="3200400" indent="0">
+              <a:buNone/>
+              <a:defRPr sz="1600"/>
+            </a:lvl8pPr>
+            <a:lvl9pPr marL="3657600" indent="0">
+              <a:buNone/>
+              <a:defRPr sz="1600"/>
+            </a:lvl9pPr>
+          </a:lstStyle>
+          <a:p>
+            <a:r>
+              <a:rPr lang="zh-TW" altLang="en-US" smtClean="0"/>
+              <a:t>按一下圖示以新增圖片</a:t>
+            </a:r>
+            <a:endParaRPr lang="en-US" dirty="0"/>
+          </a:p>
+        </p:txBody>
+      </p:sp>
+      <p:sp>
+        <p:nvSpPr>
+          <p:cNvPr id="4" name="Text Placeholder 3"/>
+          <p:cNvSpPr>
+            <a:spLocks noGrp="1"/>
+          </p:cNvSpPr>
+          <p:nvPr>
+            <p:ph type="body" sz="half" idx="2"/>
+          </p:nvPr>
+        </p:nvSpPr>
+        <p:spPr>
+          <a:xfrm>
+            <a:off x="1176866" y="5382153"/>
+            <a:ext cx="6798734" cy="493712"/>
+          </a:xfrm>
+        </p:spPr>
+        <p:txBody>
+          <a:bodyPr anchor="t">
+            <a:normAutofit/>
+          </a:bodyPr>
+          <a:lstStyle>
+            <a:lvl1pPr marL="0" indent="0" algn="ctr">
+              <a:buNone/>
+              <a:defRPr sz="1600"/>
+            </a:lvl1pPr>
+            <a:lvl2pPr marL="457200" indent="0">
+              <a:buNone/>
+              <a:defRPr sz="1200"/>
+            </a:lvl2pPr>
+            <a:lvl3pPr marL="914400" indent="0">
+              <a:buNone/>
+              <a:defRPr sz="1000"/>
+            </a:lvl3pPr>
+            <a:lvl4pPr marL="1371600" indent="0">
+              <a:buNone/>
+              <a:defRPr sz="900"/>
+            </a:lvl4pPr>
+            <a:lvl5pPr marL="1828800" indent="0">
+              <a:buNone/>
+              <a:defRPr sz="900"/>
+            </a:lvl5pPr>
+            <a:lvl6pPr marL="2286000" indent="0">
+              <a:buNone/>
+              <a:defRPr sz="900"/>
+            </a:lvl6pPr>
+            <a:lvl7pPr marL="2743200" indent="0">
+              <a:buNone/>
+              <a:defRPr sz="900"/>
+            </a:lvl7pPr>
+            <a:lvl8pPr marL="3200400" indent="0">
+              <a:buNone/>
+              <a:defRPr sz="900"/>
+            </a:lvl8pPr>
+            <a:lvl9pPr marL="3657600" indent="0">
+              <a:buNone/>
+              <a:defRPr sz="900"/>
+            </a:lvl9pPr>
+          </a:lstStyle>
+          <a:p>
+            <a:pPr lvl="0"/>
+            <a:r>
+              <a:rPr lang="zh-TW" altLang="en-US" smtClean="0"/>
+              <a:t>編輯母片文字樣式</a:t>
+            </a:r>
+          </a:p>
+        </p:txBody>
+      </p:sp>
+      <p:sp>
+        <p:nvSpPr>
+          <p:cNvPr id="5" name="Date Placeholder 4"/>
+          <p:cNvSpPr>
+            <a:spLocks noGrp="1"/>
+          </p:cNvSpPr>
+          <p:nvPr>
+            <p:ph type="dt" sz="half" idx="10"/>
+          </p:nvPr>
+        </p:nvSpPr>
+        <p:spPr/>
+        <p:txBody>
+          <a:bodyPr/>
+          <a:lstStyle/>
+          <a:p>
+            <a:fld id="{480BD83A-BF40-4508-AEFE-6F568306C8F9}" type="datetime1">
+              <a:rPr lang="zh-TW" altLang="en-US" smtClean="0"/>
+              <a:t>2019/11/26</a:t>
+            </a:fld>
+            <a:endParaRPr lang="zh-TW" altLang="en-US"/>
+          </a:p>
+        </p:txBody>
+      </p:sp>
+      <p:sp>
+        <p:nvSpPr>
+          <p:cNvPr id="6" name="Footer Placeholder 5"/>
+          <p:cNvSpPr>
+            <a:spLocks noGrp="1"/>
+          </p:cNvSpPr>
+          <p:nvPr>
+            <p:ph type="ftr" sz="quarter" idx="11"/>
+          </p:nvPr>
+        </p:nvSpPr>
+        <p:spPr/>
+        <p:txBody>
+          <a:bodyPr/>
+          <a:lstStyle/>
+          <a:p>
+            <a:endParaRPr lang="zh-TW" altLang="en-US"/>
+          </a:p>
+        </p:txBody>
+      </p:sp>
+      <p:sp>
+        <p:nvSpPr>
+          <p:cNvPr id="7" name="Slide Number Placeholder 6"/>
+          <p:cNvSpPr>
+            <a:spLocks noGrp="1"/>
+          </p:cNvSpPr>
+          <p:nvPr>
+            <p:ph type="sldNum" sz="quarter" idx="12"/>
+          </p:nvPr>
+        </p:nvSpPr>
+        <p:spPr/>
+        <p:txBody>
+          <a:bodyPr/>
+          <a:lstStyle/>
+          <a:p>
+            <a:fld id="{80E16380-4998-42C3-B033-270161A8BE6B}" type="slidenum">
+              <a:rPr lang="zh-TW" altLang="en-US" smtClean="0"/>
+              <a:t>‹#›</a:t>
+            </a:fld>
+            <a:endParaRPr lang="zh-TW" altLang="en-US"/>
+          </a:p>
+        </p:txBody>
+      </p:sp>
+    </p:spTree>
+    <p:extLst>
+      <p:ext uri="{BB962C8B-B14F-4D97-AF65-F5344CB8AC3E}">
+        <p14:creationId xmlns:p14="http://schemas.microsoft.com/office/powerpoint/2010/main" val="3404152466"/>
+      </p:ext>
+    </p:extLst>
+  </p:cSld>
+  <p:clrMapOvr>
+    <a:masterClrMapping/>
+  </p:clrMapOvr>
+  <p:hf hdr="0" ftr="0" dt="0"/>
+</p:sldLayout>
+</file>
+
+<file path=ppt/slideLayouts/slideLayout11.xml><?xml version="1.0" encoding="utf-8"?>
+<p:sldLayout xmlns:a="http://schemas.openxmlformats.org/drawingml/2006/main" xmlns:r="http://schemas.openxmlformats.org/officeDocument/2006/relationships" xmlns:p="http://schemas.openxmlformats.org/presentationml/2006/main" preserve="1">
+  <p:cSld name="標題與說明文字">
+    <p:spTree>
+      <p:nvGrpSpPr>
+        <p:cNvPr id="1" name=""/>
+        <p:cNvGrpSpPr/>
+        <p:nvPr/>
+      </p:nvGrpSpPr>
+      <p:grpSpPr>
+        <a:xfrm>
+          <a:off x="0" y="0"/>
+          <a:ext cx="0" cy="0"/>
+          <a:chOff x="0" y="0"/>
+          <a:chExt cx="0" cy="0"/>
+        </a:xfrm>
+      </p:grpSpPr>
+      <p:sp>
+        <p:nvSpPr>
+          <p:cNvPr id="2" name="Title 1"/>
+          <p:cNvSpPr>
+            <a:spLocks noGrp="1"/>
+          </p:cNvSpPr>
+          <p:nvPr>
+            <p:ph type="title"/>
+          </p:nvPr>
+        </p:nvSpPr>
+        <p:spPr>
+          <a:xfrm>
+            <a:off x="1176866" y="906873"/>
+            <a:ext cx="6798734" cy="3097860"/>
+          </a:xfrm>
+        </p:spPr>
+        <p:txBody>
+          <a:bodyPr anchor="ctr">
+            <a:normAutofit/>
+          </a:bodyPr>
+          <a:lstStyle>
+            <a:lvl1pPr algn="ctr">
+              <a:defRPr sz="3200" b="0" cap="none"/>
+            </a:lvl1pPr>
+          </a:lstStyle>
+          <a:p>
+            <a:r>
+              <a:rPr lang="zh-TW" altLang="en-US" smtClean="0"/>
+              <a:t>按一下以編輯母片標題樣式</a:t>
+            </a:r>
+            <a:endParaRPr lang="en-US" dirty="0"/>
+          </a:p>
+        </p:txBody>
+      </p:sp>
+      <p:sp>
+        <p:nvSpPr>
+          <p:cNvPr id="3" name="Text Placeholder 2"/>
+          <p:cNvSpPr>
+            <a:spLocks noGrp="1"/>
+          </p:cNvSpPr>
+          <p:nvPr>
+            <p:ph type="body" idx="1"/>
+          </p:nvPr>
+        </p:nvSpPr>
+        <p:spPr>
+          <a:xfrm>
+            <a:off x="1176865" y="4275666"/>
+            <a:ext cx="6798736" cy="1600202"/>
+          </a:xfrm>
+        </p:spPr>
+        <p:txBody>
+          <a:bodyPr anchor="ctr">
+            <a:normAutofit/>
+          </a:bodyPr>
+          <a:lstStyle>
+            <a:lvl1pPr marL="0" indent="0" algn="ctr">
+              <a:buNone/>
+              <a:defRPr sz="2000">
+                <a:solidFill>
+                  <a:schemeClr val="tx1"/>
+                </a:solidFill>
+              </a:defRPr>
+            </a:lvl1pPr>
+            <a:lvl2pPr marL="457200" indent="0">
+              <a:buNone/>
+              <a:defRPr sz="1800">
+                <a:solidFill>
+                  <a:schemeClr val="tx1">
+                    <a:tint val="75000"/>
+                  </a:schemeClr>
+                </a:solidFill>
+              </a:defRPr>
+            </a:lvl2pPr>
+            <a:lvl3pPr marL="914400" indent="0">
+              <a:buNone/>
+              <a:defRPr sz="1600">
+                <a:solidFill>
+                  <a:schemeClr val="tx1">
+                    <a:tint val="75000"/>
+                  </a:schemeClr>
+                </a:solidFill>
+              </a:defRPr>
+            </a:lvl3pPr>
+            <a:lvl4pPr marL="1371600" indent="0">
+              <a:buNone/>
+              <a:defRPr sz="1400">
+                <a:solidFill>
+                  <a:schemeClr val="tx1">
+                    <a:tint val="75000"/>
+                  </a:schemeClr>
+                </a:solidFill>
+              </a:defRPr>
+            </a:lvl4pPr>
+            <a:lvl5pPr marL="1828800" indent="0">
+              <a:buNone/>
+              <a:defRPr sz="1400">
+                <a:solidFill>
+                  <a:schemeClr val="tx1">
+                    <a:tint val="75000"/>
+                  </a:schemeClr>
+                </a:solidFill>
+              </a:defRPr>
+            </a:lvl5pPr>
+            <a:lvl6pPr marL="2286000" indent="0">
+              <a:buNone/>
+              <a:defRPr sz="1400">
+                <a:solidFill>
+                  <a:schemeClr val="tx1">
+                    <a:tint val="75000"/>
+                  </a:schemeClr>
+                </a:solidFill>
+              </a:defRPr>
+            </a:lvl6pPr>
+            <a:lvl7pPr marL="2743200" indent="0">
+              <a:buNone/>
+              <a:defRPr sz="1400">
+                <a:solidFill>
+                  <a:schemeClr val="tx1">
+                    <a:tint val="75000"/>
+                  </a:schemeClr>
+                </a:solidFill>
+              </a:defRPr>
+            </a:lvl7pPr>
+            <a:lvl8pPr marL="3200400" indent="0">
+              <a:buNone/>
+              <a:defRPr sz="1400">
+                <a:solidFill>
+                  <a:schemeClr val="tx1">
+                    <a:tint val="75000"/>
+                  </a:schemeClr>
+                </a:solidFill>
+              </a:defRPr>
+            </a:lvl8pPr>
+            <a:lvl9pPr marL="3657600" indent="0">
+              <a:buNone/>
+              <a:defRPr sz="1400">
+                <a:solidFill>
+                  <a:schemeClr val="tx1">
+                    <a:tint val="75000"/>
+                  </a:schemeClr>
+                </a:solidFill>
+              </a:defRPr>
+            </a:lvl9pPr>
+          </a:lstStyle>
+          <a:p>
+            <a:pPr lvl="0"/>
+            <a:r>
+              <a:rPr lang="zh-TW" altLang="en-US" smtClean="0"/>
+              <a:t>編輯母片文字樣式</a:t>
+            </a:r>
+          </a:p>
+        </p:txBody>
+      </p:sp>
+      <p:sp>
+        <p:nvSpPr>
+          <p:cNvPr id="4" name="Date Placeholder 3"/>
+          <p:cNvSpPr>
+            <a:spLocks noGrp="1"/>
+          </p:cNvSpPr>
+          <p:nvPr>
+            <p:ph type="dt" sz="half" idx="10"/>
+          </p:nvPr>
+        </p:nvSpPr>
+        <p:spPr/>
+        <p:txBody>
+          <a:bodyPr/>
+          <a:lstStyle/>
+          <a:p>
+            <a:fld id="{480BD83A-BF40-4508-AEFE-6F568306C8F9}" type="datetime1">
+              <a:rPr lang="zh-TW" altLang="en-US" smtClean="0"/>
+              <a:t>2019/11/26</a:t>
+            </a:fld>
+            <a:endParaRPr lang="zh-TW" altLang="en-US"/>
+          </a:p>
+        </p:txBody>
+      </p:sp>
+      <p:sp>
+        <p:nvSpPr>
+          <p:cNvPr id="5" name="Footer Placeholder 4"/>
+          <p:cNvSpPr>
+            <a:spLocks noGrp="1"/>
+          </p:cNvSpPr>
+          <p:nvPr>
+            <p:ph type="ftr" sz="quarter" idx="11"/>
+          </p:nvPr>
+        </p:nvSpPr>
+        <p:spPr/>
+        <p:txBody>
+          <a:bodyPr/>
+          <a:lstStyle/>
+          <a:p>
+            <a:endParaRPr lang="zh-TW" altLang="en-US"/>
+          </a:p>
+        </p:txBody>
+      </p:sp>
+      <p:sp>
+        <p:nvSpPr>
+          <p:cNvPr id="6" name="Slide Number Placeholder 5"/>
+          <p:cNvSpPr>
+            <a:spLocks noGrp="1"/>
+          </p:cNvSpPr>
+          <p:nvPr>
+            <p:ph type="sldNum" sz="quarter" idx="12"/>
+          </p:nvPr>
+        </p:nvSpPr>
+        <p:spPr/>
+        <p:txBody>
+          <a:bodyPr/>
+          <a:lstStyle/>
+          <a:p>
+            <a:fld id="{80E16380-4998-42C3-B033-270161A8BE6B}" type="slidenum">
+              <a:rPr lang="zh-TW" altLang="en-US" smtClean="0"/>
+              <a:t>‹#›</a:t>
+            </a:fld>
+            <a:endParaRPr lang="zh-TW" altLang="en-US"/>
+          </a:p>
+        </p:txBody>
+      </p:sp>
+      <p:cxnSp>
+        <p:nvCxnSpPr>
+          <p:cNvPr id="15" name="Straight Connector 14"/>
+          <p:cNvCxnSpPr/>
+          <p:nvPr/>
+        </p:nvCxnSpPr>
+        <p:spPr>
+          <a:xfrm>
+            <a:off x="1278465" y="4140199"/>
+            <a:ext cx="6606425" cy="0"/>
+          </a:xfrm>
+          <a:prstGeom prst="line">
+            <a:avLst/>
+          </a:prstGeom>
+          <a:ln w="15875"/>
+        </p:spPr>
+        <p:style>
+          <a:lnRef idx="2">
+            <a:schemeClr val="accent1"/>
+          </a:lnRef>
+          <a:fillRef idx="0">
+            <a:schemeClr val="accent1"/>
+          </a:fillRef>
+          <a:effectRef idx="1">
+            <a:schemeClr val="accent1"/>
+          </a:effectRef>
+          <a:fontRef idx="minor">
+            <a:schemeClr val="tx1"/>
+          </a:fontRef>
+        </p:style>
+      </p:cxnSp>
+    </p:spTree>
+    <p:extLst>
+      <p:ext uri="{BB962C8B-B14F-4D97-AF65-F5344CB8AC3E}">
+        <p14:creationId xmlns:p14="http://schemas.microsoft.com/office/powerpoint/2010/main" val="1424829618"/>
+      </p:ext>
+    </p:extLst>
+  </p:cSld>
+  <p:clrMapOvr>
+    <a:masterClrMapping/>
+  </p:clrMapOvr>
+  <p:hf hdr="0" ftr="0" dt="0"/>
+</p:sldLayout>
+</file>
+
+<file path=ppt/slideLayouts/slideLayout12.xml><?xml version="1.0" encoding="utf-8"?>
+<p:sldLayout xmlns:a="http://schemas.openxmlformats.org/drawingml/2006/main" xmlns:r="http://schemas.openxmlformats.org/officeDocument/2006/relationships" xmlns:p="http://schemas.openxmlformats.org/presentationml/2006/main" preserve="1">
+  <p:cSld name="引述 (含標題)">
+    <p:spTree>
+      <p:nvGrpSpPr>
+        <p:cNvPr id="1" name=""/>
+        <p:cNvGrpSpPr/>
+        <p:nvPr/>
+      </p:nvGrpSpPr>
+      <p:grpSpPr>
+        <a:xfrm>
+          <a:off x="0" y="0"/>
+          <a:ext cx="0" cy="0"/>
+          <a:chOff x="0" y="0"/>
+          <a:chExt cx="0" cy="0"/>
+        </a:xfrm>
+      </p:grpSpPr>
+      <p:sp>
+        <p:nvSpPr>
+          <p:cNvPr id="2" name="Title 1"/>
+          <p:cNvSpPr>
+            <a:spLocks noGrp="1"/>
+          </p:cNvSpPr>
+          <p:nvPr>
+            <p:ph type="title"/>
+          </p:nvPr>
+        </p:nvSpPr>
+        <p:spPr>
+          <a:xfrm>
+            <a:off x="1334333" y="982132"/>
+            <a:ext cx="6400250" cy="2370668"/>
+          </a:xfrm>
+        </p:spPr>
+        <p:txBody>
+          <a:bodyPr anchor="ctr">
+            <a:normAutofit/>
+          </a:bodyPr>
+          <a:lstStyle>
+            <a:lvl1pPr algn="ctr">
+              <a:defRPr sz="3200" b="0" cap="none">
+                <a:solidFill>
+                  <a:schemeClr val="tx1"/>
+                </a:solidFill>
+              </a:defRPr>
+            </a:lvl1pPr>
+          </a:lstStyle>
+          <a:p>
+            <a:r>
+              <a:rPr lang="zh-TW" altLang="en-US" smtClean="0"/>
+              <a:t>按一下以編輯母片標題樣式</a:t>
+            </a:r>
+            <a:endParaRPr lang="en-US" dirty="0"/>
+          </a:p>
+        </p:txBody>
+      </p:sp>
+      <p:sp>
+        <p:nvSpPr>
+          <p:cNvPr id="10" name="Text Placeholder 9"/>
+          <p:cNvSpPr>
+            <a:spLocks noGrp="1"/>
+          </p:cNvSpPr>
+          <p:nvPr>
+            <p:ph type="body" sz="quarter" idx="13"/>
+          </p:nvPr>
+        </p:nvSpPr>
+        <p:spPr>
+          <a:xfrm>
+            <a:off x="1600200" y="3352799"/>
+            <a:ext cx="5892798" cy="651933"/>
+          </a:xfrm>
+        </p:spPr>
+        <p:txBody>
+          <a:bodyPr anchor="ctr">
+            <a:normAutofit/>
+          </a:bodyPr>
+          <a:lstStyle>
+            <a:lvl1pPr marL="0" indent="0" algn="r">
+              <a:buFontTx/>
+              <a:buNone/>
+              <a:defRPr sz="1800"/>
+            </a:lvl1pPr>
+            <a:lvl2pPr marL="457200" indent="0">
+              <a:buFontTx/>
+              <a:buNone/>
+              <a:defRPr/>
+            </a:lvl2pPr>
+            <a:lvl3pPr marL="914400" indent="0">
+              <a:buFontTx/>
+              <a:buNone/>
+              <a:defRPr/>
+            </a:lvl3pPr>
+            <a:lvl4pPr marL="1371600" indent="0">
+              <a:buFontTx/>
+              <a:buNone/>
+              <a:defRPr/>
+            </a:lvl4pPr>
+            <a:lvl5pPr marL="1828800" indent="0">
+              <a:buFontTx/>
+              <a:buNone/>
+              <a:defRPr/>
+            </a:lvl5pPr>
+          </a:lstStyle>
+          <a:p>
+            <a:pPr lvl="0"/>
+            <a:r>
+              <a:rPr lang="zh-TW" altLang="en-US" smtClean="0"/>
+              <a:t>編輯母片文字樣式</a:t>
+            </a:r>
+          </a:p>
+        </p:txBody>
+      </p:sp>
+      <p:sp>
+        <p:nvSpPr>
+          <p:cNvPr id="3" name="Text Placeholder 2"/>
+          <p:cNvSpPr>
+            <a:spLocks noGrp="1"/>
+          </p:cNvSpPr>
+          <p:nvPr>
+            <p:ph type="body" idx="1"/>
+          </p:nvPr>
+        </p:nvSpPr>
+        <p:spPr>
+          <a:xfrm>
+            <a:off x="1176863" y="4343400"/>
+            <a:ext cx="6798738" cy="1532467"/>
+          </a:xfrm>
+        </p:spPr>
+        <p:txBody>
+          <a:bodyPr anchor="ctr">
+            <a:normAutofit/>
+          </a:bodyPr>
+          <a:lstStyle>
+            <a:lvl1pPr marL="0" indent="0" algn="ctr">
+              <a:buNone/>
+              <a:defRPr sz="2000">
+                <a:solidFill>
+                  <a:schemeClr val="tx1"/>
+                </a:solidFill>
+              </a:defRPr>
+            </a:lvl1pPr>
+            <a:lvl2pPr marL="457200" indent="0">
+              <a:buNone/>
+              <a:defRPr sz="1800">
+                <a:solidFill>
+                  <a:schemeClr val="tx1">
+                    <a:tint val="75000"/>
+                  </a:schemeClr>
+                </a:solidFill>
+              </a:defRPr>
+            </a:lvl2pPr>
+            <a:lvl3pPr marL="914400" indent="0">
+              <a:buNone/>
+              <a:defRPr sz="1600">
+                <a:solidFill>
+                  <a:schemeClr val="tx1">
+                    <a:tint val="75000"/>
+                  </a:schemeClr>
+                </a:solidFill>
+              </a:defRPr>
+            </a:lvl3pPr>
+            <a:lvl4pPr marL="1371600" indent="0">
+              <a:buNone/>
+              <a:defRPr sz="1400">
+                <a:solidFill>
+                  <a:schemeClr val="tx1">
+                    <a:tint val="75000"/>
+                  </a:schemeClr>
+                </a:solidFill>
+              </a:defRPr>
+            </a:lvl4pPr>
+            <a:lvl5pPr marL="1828800" indent="0">
+              <a:buNone/>
+              <a:defRPr sz="1400">
+                <a:solidFill>
+                  <a:schemeClr val="tx1">
+                    <a:tint val="75000"/>
+                  </a:schemeClr>
+                </a:solidFill>
+              </a:defRPr>
+            </a:lvl5pPr>
+            <a:lvl6pPr marL="2286000" indent="0">
+              <a:buNone/>
+              <a:defRPr sz="1400">
+                <a:solidFill>
+                  <a:schemeClr val="tx1">
+                    <a:tint val="75000"/>
+                  </a:schemeClr>
+                </a:solidFill>
+              </a:defRPr>
+            </a:lvl6pPr>
+            <a:lvl7pPr marL="2743200" indent="0">
+              <a:buNone/>
+              <a:defRPr sz="1400">
+                <a:solidFill>
+                  <a:schemeClr val="tx1">
+                    <a:tint val="75000"/>
+                  </a:schemeClr>
+                </a:solidFill>
+              </a:defRPr>
+            </a:lvl7pPr>
+            <a:lvl8pPr marL="3200400" indent="0">
+              <a:buNone/>
+              <a:defRPr sz="1400">
+                <a:solidFill>
+                  <a:schemeClr val="tx1">
+                    <a:tint val="75000"/>
+                  </a:schemeClr>
+                </a:solidFill>
+              </a:defRPr>
+            </a:lvl8pPr>
+            <a:lvl9pPr marL="3657600" indent="0">
+              <a:buNone/>
+              <a:defRPr sz="1400">
+                <a:solidFill>
+                  <a:schemeClr val="tx1">
+                    <a:tint val="75000"/>
+                  </a:schemeClr>
+                </a:solidFill>
+              </a:defRPr>
+            </a:lvl9pPr>
+          </a:lstStyle>
+          <a:p>
+            <a:pPr lvl="0"/>
+            <a:r>
+              <a:rPr lang="zh-TW" altLang="en-US" smtClean="0"/>
+              <a:t>編輯母片文字樣式</a:t>
+            </a:r>
+          </a:p>
+        </p:txBody>
+      </p:sp>
+      <p:sp>
+        <p:nvSpPr>
+          <p:cNvPr id="4" name="Date Placeholder 3"/>
+          <p:cNvSpPr>
+            <a:spLocks noGrp="1"/>
+          </p:cNvSpPr>
+          <p:nvPr>
+            <p:ph type="dt" sz="half" idx="10"/>
+          </p:nvPr>
+        </p:nvSpPr>
+        <p:spPr/>
+        <p:txBody>
+          <a:bodyPr/>
+          <a:lstStyle/>
+          <a:p>
+            <a:fld id="{480BD83A-BF40-4508-AEFE-6F568306C8F9}" type="datetime1">
+              <a:rPr lang="zh-TW" altLang="en-US" smtClean="0"/>
+              <a:t>2019/11/26</a:t>
+            </a:fld>
+            <a:endParaRPr lang="zh-TW" altLang="en-US"/>
+          </a:p>
+        </p:txBody>
+      </p:sp>
+      <p:sp>
+        <p:nvSpPr>
+          <p:cNvPr id="5" name="Footer Placeholder 4"/>
+          <p:cNvSpPr>
+            <a:spLocks noGrp="1"/>
+          </p:cNvSpPr>
+          <p:nvPr>
+            <p:ph type="ftr" sz="quarter" idx="11"/>
+          </p:nvPr>
+        </p:nvSpPr>
+        <p:spPr/>
+        <p:txBody>
+          <a:bodyPr/>
+          <a:lstStyle/>
+          <a:p>
+            <a:endParaRPr lang="zh-TW" altLang="en-US"/>
+          </a:p>
+        </p:txBody>
+      </p:sp>
+      <p:sp>
+        <p:nvSpPr>
+          <p:cNvPr id="6" name="Slide Number Placeholder 5"/>
+          <p:cNvSpPr>
+            <a:spLocks noGrp="1"/>
+          </p:cNvSpPr>
+          <p:nvPr>
+            <p:ph type="sldNum" sz="quarter" idx="12"/>
+          </p:nvPr>
+        </p:nvSpPr>
+        <p:spPr/>
+        <p:txBody>
+          <a:bodyPr/>
+          <a:lstStyle/>
+          <a:p>
+            <a:fld id="{80E16380-4998-42C3-B033-270161A8BE6B}" type="slidenum">
+              <a:rPr lang="zh-TW" altLang="en-US" smtClean="0"/>
+              <a:t>‹#›</a:t>
+            </a:fld>
+            <a:endParaRPr lang="zh-TW" altLang="en-US"/>
+          </a:p>
+        </p:txBody>
+      </p:sp>
+      <p:sp>
+        <p:nvSpPr>
+          <p:cNvPr id="14" name="TextBox 13"/>
+          <p:cNvSpPr txBox="1"/>
+          <p:nvPr/>
+        </p:nvSpPr>
+        <p:spPr>
+          <a:xfrm>
+            <a:off x="849969" y="905362"/>
+            <a:ext cx="457319" cy="584776"/>
+          </a:xfrm>
+          <a:prstGeom prst="rect">
+            <a:avLst/>
+          </a:prstGeom>
+        </p:spPr>
+        <p:txBody>
+          <a:bodyPr vert="horz" lIns="91440" tIns="45720" rIns="91440" bIns="45720" rtlCol="0" anchor="ctr">
+            <a:noAutofit/>
+          </a:bodyPr>
+          <a:lstStyle/>
+          <a:p>
+            <a:pPr lvl="0"/>
+            <a:r>
+              <a:rPr lang="en-US" sz="7200" dirty="0">
+                <a:solidFill>
+                  <a:schemeClr val="tx1"/>
+                </a:solidFill>
+                <a:effectLst/>
+              </a:rPr>
+              <a:t>“</a:t>
+            </a:r>
+          </a:p>
+        </p:txBody>
+      </p:sp>
+      <p:sp>
+        <p:nvSpPr>
+          <p:cNvPr id="15" name="TextBox 14"/>
+          <p:cNvSpPr txBox="1"/>
+          <p:nvPr/>
+        </p:nvSpPr>
+        <p:spPr>
+          <a:xfrm>
+            <a:off x="7633503" y="2827870"/>
+            <a:ext cx="457319" cy="584776"/>
+          </a:xfrm>
+          <a:prstGeom prst="rect">
+            <a:avLst/>
+          </a:prstGeom>
+        </p:spPr>
+        <p:txBody>
+          <a:bodyPr vert="horz" lIns="91440" tIns="45720" rIns="91440" bIns="45720" rtlCol="0" anchor="ctr">
+            <a:noAutofit/>
+          </a:bodyPr>
+          <a:lstStyle/>
+          <a:p>
+            <a:pPr lvl="0" algn="r"/>
+            <a:r>
+              <a:rPr lang="en-US" sz="7200" dirty="0">
+                <a:solidFill>
+                  <a:schemeClr val="tx1"/>
+                </a:solidFill>
+                <a:effectLst/>
+              </a:rPr>
+              <a:t>”</a:t>
+            </a:r>
+          </a:p>
+        </p:txBody>
+      </p:sp>
+      <p:cxnSp>
+        <p:nvCxnSpPr>
+          <p:cNvPr id="19" name="Straight Connector 18"/>
+          <p:cNvCxnSpPr/>
+          <p:nvPr/>
+        </p:nvCxnSpPr>
+        <p:spPr>
+          <a:xfrm>
+            <a:off x="1278466" y="4140199"/>
+            <a:ext cx="6595534" cy="0"/>
+          </a:xfrm>
+          <a:prstGeom prst="line">
+            <a:avLst/>
+          </a:prstGeom>
+          <a:ln w="15875"/>
+        </p:spPr>
+        <p:style>
+          <a:lnRef idx="2">
+            <a:schemeClr val="accent1"/>
+          </a:lnRef>
+          <a:fillRef idx="0">
+            <a:schemeClr val="accent1"/>
+          </a:fillRef>
+          <a:effectRef idx="1">
+            <a:schemeClr val="accent1"/>
+          </a:effectRef>
+          <a:fontRef idx="minor">
+            <a:schemeClr val="tx1"/>
+          </a:fontRef>
+        </p:style>
+      </p:cxnSp>
+    </p:spTree>
+    <p:extLst>
+      <p:ext uri="{BB962C8B-B14F-4D97-AF65-F5344CB8AC3E}">
+        <p14:creationId xmlns:p14="http://schemas.microsoft.com/office/powerpoint/2010/main" val="1928549914"/>
+      </p:ext>
+    </p:extLst>
+  </p:cSld>
+  <p:clrMapOvr>
+    <a:masterClrMapping/>
+  </p:clrMapOvr>
+  <p:hf hdr="0" ftr="0" dt="0"/>
+</p:sldLayout>
+</file>
+
+<file path=ppt/slideLayouts/slideLayout13.xml><?xml version="1.0" encoding="utf-8"?>
+<p:sldLayout xmlns:a="http://schemas.openxmlformats.org/drawingml/2006/main" xmlns:r="http://schemas.openxmlformats.org/officeDocument/2006/relationships" xmlns:p="http://schemas.openxmlformats.org/presentationml/2006/main" preserve="1">
+  <p:cSld name="名片">
+    <p:spTree>
+      <p:nvGrpSpPr>
+        <p:cNvPr id="1" name=""/>
+        <p:cNvGrpSpPr/>
+        <p:nvPr/>
+      </p:nvGrpSpPr>
+      <p:grpSpPr>
+        <a:xfrm>
+          <a:off x="0" y="0"/>
+          <a:ext cx="0" cy="0"/>
+          <a:chOff x="0" y="0"/>
+          <a:chExt cx="0" cy="0"/>
+        </a:xfrm>
+      </p:grpSpPr>
+      <p:sp>
+        <p:nvSpPr>
+          <p:cNvPr id="2" name="Title 1"/>
+          <p:cNvSpPr>
+            <a:spLocks noGrp="1"/>
+          </p:cNvSpPr>
+          <p:nvPr>
+            <p:ph type="title"/>
+          </p:nvPr>
+        </p:nvSpPr>
+        <p:spPr>
+          <a:xfrm>
+            <a:off x="1176869" y="3308581"/>
+            <a:ext cx="6798728" cy="1468800"/>
+          </a:xfrm>
+        </p:spPr>
+        <p:txBody>
+          <a:bodyPr anchor="b">
+            <a:normAutofit/>
+          </a:bodyPr>
+          <a:lstStyle>
+            <a:lvl1pPr algn="l">
+              <a:defRPr sz="3200" b="0" cap="none"/>
+            </a:lvl1pPr>
+          </a:lstStyle>
+          <a:p>
+            <a:r>
+              <a:rPr lang="zh-TW" altLang="en-US" smtClean="0"/>
+              <a:t>按一下以編輯母片標題樣式</a:t>
+            </a:r>
+            <a:endParaRPr lang="en-US" dirty="0"/>
+          </a:p>
+        </p:txBody>
+      </p:sp>
+      <p:sp>
+        <p:nvSpPr>
+          <p:cNvPr id="3" name="Text Placeholder 2"/>
+          <p:cNvSpPr>
+            <a:spLocks noGrp="1"/>
+          </p:cNvSpPr>
+          <p:nvPr>
+            <p:ph type="body" idx="1"/>
+          </p:nvPr>
+        </p:nvSpPr>
+        <p:spPr>
+          <a:xfrm>
+            <a:off x="1176868" y="4777381"/>
+            <a:ext cx="6798730" cy="860400"/>
+          </a:xfrm>
+        </p:spPr>
+        <p:txBody>
+          <a:bodyPr anchor="t">
+            <a:normAutofit/>
+          </a:bodyPr>
+          <a:lstStyle>
+            <a:lvl1pPr marL="0" indent="0" algn="l">
+              <a:buNone/>
+              <a:defRPr sz="1800">
+                <a:solidFill>
+                  <a:schemeClr val="tx1"/>
+                </a:solidFill>
+              </a:defRPr>
+            </a:lvl1pPr>
+            <a:lvl2pPr marL="457200" indent="0">
+              <a:buNone/>
+              <a:defRPr sz="1800">
+                <a:solidFill>
+                  <a:schemeClr val="tx1">
+                    <a:tint val="75000"/>
+                  </a:schemeClr>
+                </a:solidFill>
+              </a:defRPr>
+            </a:lvl2pPr>
+            <a:lvl3pPr marL="914400" indent="0">
+              <a:buNone/>
+              <a:defRPr sz="1600">
+                <a:solidFill>
+                  <a:schemeClr val="tx1">
+                    <a:tint val="75000"/>
+                  </a:schemeClr>
+                </a:solidFill>
+              </a:defRPr>
+            </a:lvl3pPr>
+            <a:lvl4pPr marL="1371600" indent="0">
+              <a:buNone/>
+              <a:defRPr sz="1400">
+                <a:solidFill>
+                  <a:schemeClr val="tx1">
+                    <a:tint val="75000"/>
+                  </a:schemeClr>
+                </a:solidFill>
+              </a:defRPr>
+            </a:lvl4pPr>
+            <a:lvl5pPr marL="1828800" indent="0">
+              <a:buNone/>
+              <a:defRPr sz="1400">
+                <a:solidFill>
+                  <a:schemeClr val="tx1">
+                    <a:tint val="75000"/>
+                  </a:schemeClr>
+                </a:solidFill>
+              </a:defRPr>
+            </a:lvl5pPr>
+            <a:lvl6pPr marL="2286000" indent="0">
+              <a:buNone/>
+              <a:defRPr sz="1400">
+                <a:solidFill>
+                  <a:schemeClr val="tx1">
+                    <a:tint val="75000"/>
+                  </a:schemeClr>
+                </a:solidFill>
+              </a:defRPr>
+            </a:lvl6pPr>
+            <a:lvl7pPr marL="2743200" indent="0">
+              <a:buNone/>
+              <a:defRPr sz="1400">
+                <a:solidFill>
+                  <a:schemeClr val="tx1">
+                    <a:tint val="75000"/>
+                  </a:schemeClr>
+                </a:solidFill>
+              </a:defRPr>
+            </a:lvl7pPr>
+            <a:lvl8pPr marL="3200400" indent="0">
+              <a:buNone/>
+              <a:defRPr sz="1400">
+                <a:solidFill>
+                  <a:schemeClr val="tx1">
+                    <a:tint val="75000"/>
+                  </a:schemeClr>
+                </a:solidFill>
+              </a:defRPr>
+            </a:lvl8pPr>
+            <a:lvl9pPr marL="3657600" indent="0">
+              <a:buNone/>
+              <a:defRPr sz="1400">
+                <a:solidFill>
+                  <a:schemeClr val="tx1">
+                    <a:tint val="75000"/>
+                  </a:schemeClr>
+                </a:solidFill>
+              </a:defRPr>
+            </a:lvl9pPr>
+          </a:lstStyle>
+          <a:p>
+            <a:pPr lvl="0"/>
+            <a:r>
+              <a:rPr lang="zh-TW" altLang="en-US" smtClean="0"/>
+              <a:t>編輯母片文字樣式</a:t>
+            </a:r>
+          </a:p>
+        </p:txBody>
+      </p:sp>
+      <p:sp>
+        <p:nvSpPr>
+          <p:cNvPr id="4" name="Date Placeholder 3"/>
+          <p:cNvSpPr>
+            <a:spLocks noGrp="1"/>
+          </p:cNvSpPr>
+          <p:nvPr>
+            <p:ph type="dt" sz="half" idx="10"/>
+          </p:nvPr>
+        </p:nvSpPr>
+        <p:spPr/>
+        <p:txBody>
+          <a:bodyPr/>
+          <a:lstStyle/>
+          <a:p>
+            <a:fld id="{480BD83A-BF40-4508-AEFE-6F568306C8F9}" type="datetime1">
+              <a:rPr lang="zh-TW" altLang="en-US" smtClean="0"/>
+              <a:t>2019/11/26</a:t>
+            </a:fld>
+            <a:endParaRPr lang="zh-TW" altLang="en-US"/>
+          </a:p>
+        </p:txBody>
+      </p:sp>
+      <p:sp>
+        <p:nvSpPr>
+          <p:cNvPr id="5" name="Footer Placeholder 4"/>
+          <p:cNvSpPr>
+            <a:spLocks noGrp="1"/>
+          </p:cNvSpPr>
+          <p:nvPr>
+            <p:ph type="ftr" sz="quarter" idx="11"/>
+          </p:nvPr>
+        </p:nvSpPr>
+        <p:spPr/>
+        <p:txBody>
+          <a:bodyPr/>
+          <a:lstStyle/>
+          <a:p>
+            <a:endParaRPr lang="zh-TW" altLang="en-US"/>
+          </a:p>
+        </p:txBody>
+      </p:sp>
+      <p:sp>
+        <p:nvSpPr>
+          <p:cNvPr id="6" name="Slide Number Placeholder 5"/>
+          <p:cNvSpPr>
+            <a:spLocks noGrp="1"/>
+          </p:cNvSpPr>
+          <p:nvPr>
+            <p:ph type="sldNum" sz="quarter" idx="12"/>
+          </p:nvPr>
+        </p:nvSpPr>
+        <p:spPr/>
+        <p:txBody>
+          <a:bodyPr/>
+          <a:lstStyle/>
+          <a:p>
+            <a:fld id="{80E16380-4998-42C3-B033-270161A8BE6B}" type="slidenum">
+              <a:rPr lang="zh-TW" altLang="en-US" smtClean="0"/>
+              <a:t>‹#›</a:t>
+            </a:fld>
+            <a:endParaRPr lang="zh-TW" altLang="en-US"/>
+          </a:p>
+        </p:txBody>
+      </p:sp>
+    </p:spTree>
+    <p:extLst>
+      <p:ext uri="{BB962C8B-B14F-4D97-AF65-F5344CB8AC3E}">
+        <p14:creationId xmlns:p14="http://schemas.microsoft.com/office/powerpoint/2010/main" val="3830779188"/>
+      </p:ext>
+    </p:extLst>
+  </p:cSld>
+  <p:clrMapOvr>
+    <a:masterClrMapping/>
+  </p:clrMapOvr>
+  <p:hf hdr="0" ftr="0" dt="0"/>
+</p:sldLayout>
+</file>
+
+<file path=ppt/slideLayouts/slideLayout14.xml><?xml version="1.0" encoding="utf-8"?>
+<p:sldLayout xmlns:a="http://schemas.openxmlformats.org/drawingml/2006/main" xmlns:r="http://schemas.openxmlformats.org/officeDocument/2006/relationships" xmlns:p="http://schemas.openxmlformats.org/presentationml/2006/main" preserve="1">
+  <p:cSld name="引述名片">
+    <p:spTree>
+      <p:nvGrpSpPr>
+        <p:cNvPr id="1" name=""/>
+        <p:cNvGrpSpPr/>
+        <p:nvPr/>
+      </p:nvGrpSpPr>
+      <p:grpSpPr>
+        <a:xfrm>
+          <a:off x="0" y="0"/>
+          <a:ext cx="0" cy="0"/>
+          <a:chOff x="0" y="0"/>
+          <a:chExt cx="0" cy="0"/>
+        </a:xfrm>
+      </p:grpSpPr>
+      <p:sp>
+        <p:nvSpPr>
+          <p:cNvPr id="2" name="Title 1"/>
+          <p:cNvSpPr>
+            <a:spLocks noGrp="1"/>
+          </p:cNvSpPr>
+          <p:nvPr>
+            <p:ph type="title"/>
+          </p:nvPr>
+        </p:nvSpPr>
+        <p:spPr>
+          <a:xfrm>
+            <a:off x="1409416" y="982132"/>
+            <a:ext cx="6325168" cy="2243668"/>
+          </a:xfrm>
+        </p:spPr>
+        <p:txBody>
+          <a:bodyPr anchor="ctr">
+            <a:normAutofit/>
+          </a:bodyPr>
+          <a:lstStyle>
+            <a:lvl1pPr algn="ctr">
+              <a:defRPr sz="3200" b="0" cap="none">
+                <a:solidFill>
+                  <a:schemeClr val="tx1"/>
+                </a:solidFill>
+              </a:defRPr>
+            </a:lvl1pPr>
+          </a:lstStyle>
+          <a:p>
+            <a:r>
+              <a:rPr lang="zh-TW" altLang="en-US" smtClean="0"/>
+              <a:t>按一下以編輯母片標題樣式</a:t>
+            </a:r>
+            <a:endParaRPr lang="en-US" dirty="0"/>
+          </a:p>
+        </p:txBody>
+      </p:sp>
+      <p:sp>
+        <p:nvSpPr>
+          <p:cNvPr id="18" name="Text Placeholder 2"/>
+          <p:cNvSpPr>
+            <a:spLocks noGrp="1"/>
+          </p:cNvSpPr>
+          <p:nvPr>
+            <p:ph type="body" idx="13"/>
+          </p:nvPr>
+        </p:nvSpPr>
+        <p:spPr>
+          <a:xfrm>
+            <a:off x="1176868" y="3639312"/>
+            <a:ext cx="6798730" cy="886968"/>
+          </a:xfrm>
+        </p:spPr>
+        <p:txBody>
+          <a:bodyPr anchor="b">
+            <a:normAutofit/>
+          </a:bodyPr>
+          <a:lstStyle>
+            <a:lvl1pPr marL="0" indent="0" algn="l">
+              <a:spcBef>
+                <a:spcPts val="0"/>
+              </a:spcBef>
+              <a:buNone/>
+              <a:defRPr sz="2000">
+                <a:solidFill>
+                  <a:schemeClr val="tx1"/>
+                </a:solidFill>
+              </a:defRPr>
+            </a:lvl1pPr>
+            <a:lvl2pPr marL="457200" indent="0">
+              <a:buNone/>
+              <a:defRPr sz="1800">
+                <a:solidFill>
+                  <a:schemeClr val="tx1">
+                    <a:tint val="75000"/>
+                  </a:schemeClr>
+                </a:solidFill>
+              </a:defRPr>
+            </a:lvl2pPr>
+            <a:lvl3pPr marL="914400" indent="0">
+              <a:buNone/>
+              <a:defRPr sz="1600">
+                <a:solidFill>
+                  <a:schemeClr val="tx1">
+                    <a:tint val="75000"/>
+                  </a:schemeClr>
+                </a:solidFill>
+              </a:defRPr>
+            </a:lvl3pPr>
+            <a:lvl4pPr marL="1371600" indent="0">
+              <a:buNone/>
+              <a:defRPr sz="1400">
+                <a:solidFill>
+                  <a:schemeClr val="tx1">
+                    <a:tint val="75000"/>
+                  </a:schemeClr>
+                </a:solidFill>
+              </a:defRPr>
+            </a:lvl4pPr>
+            <a:lvl5pPr marL="1828800" indent="0">
+              <a:buNone/>
+              <a:defRPr sz="1400">
+                <a:solidFill>
+                  <a:schemeClr val="tx1">
+                    <a:tint val="75000"/>
+                  </a:schemeClr>
+                </a:solidFill>
+              </a:defRPr>
+            </a:lvl5pPr>
+            <a:lvl6pPr marL="2286000" indent="0">
+              <a:buNone/>
+              <a:defRPr sz="1400">
+                <a:solidFill>
+                  <a:schemeClr val="tx1">
+                    <a:tint val="75000"/>
+                  </a:schemeClr>
+                </a:solidFill>
+              </a:defRPr>
+            </a:lvl6pPr>
+            <a:lvl7pPr marL="2743200" indent="0">
+              <a:buNone/>
+              <a:defRPr sz="1400">
+                <a:solidFill>
+                  <a:schemeClr val="tx1">
+                    <a:tint val="75000"/>
+                  </a:schemeClr>
+                </a:solidFill>
+              </a:defRPr>
+            </a:lvl7pPr>
+            <a:lvl8pPr marL="3200400" indent="0">
+              <a:buNone/>
+              <a:defRPr sz="1400">
+                <a:solidFill>
+                  <a:schemeClr val="tx1">
+                    <a:tint val="75000"/>
+                  </a:schemeClr>
+                </a:solidFill>
+              </a:defRPr>
+            </a:lvl8pPr>
+            <a:lvl9pPr marL="3657600" indent="0">
+              <a:buNone/>
+              <a:defRPr sz="1400">
+                <a:solidFill>
+                  <a:schemeClr val="tx1">
+                    <a:tint val="75000"/>
+                  </a:schemeClr>
+                </a:solidFill>
+              </a:defRPr>
+            </a:lvl9pPr>
+          </a:lstStyle>
+          <a:p>
+            <a:pPr lvl="0"/>
+            <a:r>
+              <a:rPr lang="zh-TW" altLang="en-US" smtClean="0"/>
+              <a:t>編輯母片文字樣式</a:t>
+            </a:r>
+          </a:p>
+        </p:txBody>
+      </p:sp>
+      <p:sp>
+        <p:nvSpPr>
+          <p:cNvPr id="3" name="Text Placeholder 2"/>
+          <p:cNvSpPr>
+            <a:spLocks noGrp="1"/>
+          </p:cNvSpPr>
+          <p:nvPr>
+            <p:ph type="body" idx="1"/>
+          </p:nvPr>
+        </p:nvSpPr>
+        <p:spPr>
+          <a:xfrm>
+            <a:off x="1176865" y="4529667"/>
+            <a:ext cx="6798736" cy="1346200"/>
+          </a:xfrm>
+        </p:spPr>
+        <p:txBody>
+          <a:bodyPr anchor="t">
+            <a:normAutofit/>
+          </a:bodyPr>
+          <a:lstStyle>
+            <a:lvl1pPr marL="0" indent="0" algn="l">
+              <a:buNone/>
+              <a:defRPr sz="1600">
+                <a:solidFill>
+                  <a:schemeClr val="tx1"/>
+                </a:solidFill>
+              </a:defRPr>
+            </a:lvl1pPr>
+            <a:lvl2pPr marL="457200" indent="0">
+              <a:buNone/>
+              <a:defRPr sz="1600">
+                <a:solidFill>
+                  <a:schemeClr val="tx1">
+                    <a:tint val="75000"/>
+                  </a:schemeClr>
+                </a:solidFill>
+              </a:defRPr>
+            </a:lvl2pPr>
+            <a:lvl3pPr marL="914400" indent="0">
+              <a:buNone/>
+              <a:defRPr sz="1600">
+                <a:solidFill>
+                  <a:schemeClr val="tx1">
+                    <a:tint val="75000"/>
+                  </a:schemeClr>
+                </a:solidFill>
+              </a:defRPr>
+            </a:lvl3pPr>
+            <a:lvl4pPr marL="1371600" indent="0">
+              <a:buNone/>
+              <a:defRPr sz="1400">
+                <a:solidFill>
+                  <a:schemeClr val="tx1">
+                    <a:tint val="75000"/>
+                  </a:schemeClr>
+                </a:solidFill>
+              </a:defRPr>
+            </a:lvl4pPr>
+            <a:lvl5pPr marL="1828800" indent="0">
+              <a:buNone/>
+              <a:defRPr sz="1400">
+                <a:solidFill>
+                  <a:schemeClr val="tx1">
+                    <a:tint val="75000"/>
+                  </a:schemeClr>
+                </a:solidFill>
+              </a:defRPr>
+            </a:lvl5pPr>
+            <a:lvl6pPr marL="2286000" indent="0">
+              <a:buNone/>
+              <a:defRPr sz="1400">
+                <a:solidFill>
+                  <a:schemeClr val="tx1">
+                    <a:tint val="75000"/>
+                  </a:schemeClr>
+                </a:solidFill>
+              </a:defRPr>
+            </a:lvl6pPr>
+            <a:lvl7pPr marL="2743200" indent="0">
+              <a:buNone/>
+              <a:defRPr sz="1400">
+                <a:solidFill>
+                  <a:schemeClr val="tx1">
+                    <a:tint val="75000"/>
+                  </a:schemeClr>
+                </a:solidFill>
+              </a:defRPr>
+            </a:lvl7pPr>
+            <a:lvl8pPr marL="3200400" indent="0">
+              <a:buNone/>
+              <a:defRPr sz="1400">
+                <a:solidFill>
+                  <a:schemeClr val="tx1">
+                    <a:tint val="75000"/>
+                  </a:schemeClr>
+                </a:solidFill>
+              </a:defRPr>
+            </a:lvl8pPr>
+            <a:lvl9pPr marL="3657600" indent="0">
+              <a:buNone/>
+              <a:defRPr sz="1400">
+                <a:solidFill>
+                  <a:schemeClr val="tx1">
+                    <a:tint val="75000"/>
+                  </a:schemeClr>
+                </a:solidFill>
+              </a:defRPr>
+            </a:lvl9pPr>
+          </a:lstStyle>
+          <a:p>
+            <a:pPr lvl="0"/>
+            <a:r>
+              <a:rPr lang="zh-TW" altLang="en-US" smtClean="0"/>
+              <a:t>編輯母片文字樣式</a:t>
+            </a:r>
+          </a:p>
+        </p:txBody>
+      </p:sp>
+      <p:sp>
+        <p:nvSpPr>
+          <p:cNvPr id="4" name="Date Placeholder 3"/>
+          <p:cNvSpPr>
+            <a:spLocks noGrp="1"/>
+          </p:cNvSpPr>
+          <p:nvPr>
+            <p:ph type="dt" sz="half" idx="10"/>
+          </p:nvPr>
+        </p:nvSpPr>
+        <p:spPr/>
+        <p:txBody>
+          <a:bodyPr/>
+          <a:lstStyle/>
+          <a:p>
+            <a:fld id="{480BD83A-BF40-4508-AEFE-6F568306C8F9}" type="datetime1">
+              <a:rPr lang="zh-TW" altLang="en-US" smtClean="0"/>
+              <a:t>2019/11/26</a:t>
+            </a:fld>
+            <a:endParaRPr lang="zh-TW" altLang="en-US"/>
+          </a:p>
+        </p:txBody>
+      </p:sp>
+      <p:sp>
+        <p:nvSpPr>
+          <p:cNvPr id="5" name="Footer Placeholder 4"/>
+          <p:cNvSpPr>
+            <a:spLocks noGrp="1"/>
+          </p:cNvSpPr>
+          <p:nvPr>
+            <p:ph type="ftr" sz="quarter" idx="11"/>
+          </p:nvPr>
+        </p:nvSpPr>
+        <p:spPr/>
+        <p:txBody>
+          <a:bodyPr/>
+          <a:lstStyle/>
+          <a:p>
+            <a:endParaRPr lang="zh-TW" altLang="en-US"/>
+          </a:p>
+        </p:txBody>
+      </p:sp>
+      <p:sp>
+        <p:nvSpPr>
+          <p:cNvPr id="6" name="Slide Number Placeholder 5"/>
+          <p:cNvSpPr>
+            <a:spLocks noGrp="1"/>
+          </p:cNvSpPr>
+          <p:nvPr>
+            <p:ph type="sldNum" sz="quarter" idx="12"/>
+          </p:nvPr>
+        </p:nvSpPr>
+        <p:spPr/>
+        <p:txBody>
+          <a:bodyPr/>
+          <a:lstStyle/>
+          <a:p>
+            <a:fld id="{80E16380-4998-42C3-B033-270161A8BE6B}" type="slidenum">
+              <a:rPr lang="zh-TW" altLang="en-US" smtClean="0"/>
+              <a:t>‹#›</a:t>
+            </a:fld>
+            <a:endParaRPr lang="zh-TW" altLang="en-US"/>
+          </a:p>
+        </p:txBody>
+      </p:sp>
+      <p:sp>
+        <p:nvSpPr>
+          <p:cNvPr id="12" name="TextBox 11"/>
+          <p:cNvSpPr txBox="1"/>
+          <p:nvPr/>
+        </p:nvSpPr>
+        <p:spPr>
+          <a:xfrm>
+            <a:off x="878060" y="896895"/>
+            <a:ext cx="457319" cy="584776"/>
+          </a:xfrm>
+          <a:prstGeom prst="rect">
+            <a:avLst/>
+          </a:prstGeom>
+        </p:spPr>
+        <p:txBody>
+          <a:bodyPr vert="horz" lIns="91440" tIns="45720" rIns="91440" bIns="45720" rtlCol="0" anchor="ctr">
+            <a:noAutofit/>
+          </a:bodyPr>
+          <a:lstStyle/>
+          <a:p>
+            <a:pPr lvl="0"/>
+            <a:r>
+              <a:rPr lang="en-US" sz="8000" dirty="0">
+                <a:solidFill>
+                  <a:schemeClr val="tx1"/>
+                </a:solidFill>
+                <a:effectLst/>
+              </a:rPr>
+              <a:t>“</a:t>
+            </a:r>
+          </a:p>
+        </p:txBody>
+      </p:sp>
+      <p:sp>
+        <p:nvSpPr>
+          <p:cNvPr id="13" name="TextBox 12"/>
+          <p:cNvSpPr txBox="1"/>
+          <p:nvPr/>
+        </p:nvSpPr>
+        <p:spPr>
+          <a:xfrm>
+            <a:off x="7649796" y="2607728"/>
+            <a:ext cx="457319" cy="584776"/>
+          </a:xfrm>
+          <a:prstGeom prst="rect">
+            <a:avLst/>
+          </a:prstGeom>
+        </p:spPr>
+        <p:txBody>
+          <a:bodyPr vert="horz" lIns="91440" tIns="45720" rIns="91440" bIns="45720" rtlCol="0" anchor="ctr">
+            <a:noAutofit/>
+          </a:bodyPr>
+          <a:lstStyle/>
+          <a:p>
+            <a:pPr lvl="0" algn="r"/>
+            <a:r>
+              <a:rPr lang="en-US" sz="8000" dirty="0">
+                <a:solidFill>
+                  <a:schemeClr val="tx1"/>
+                </a:solidFill>
+                <a:effectLst/>
+              </a:rPr>
+              <a:t>”</a:t>
+            </a:r>
+          </a:p>
+        </p:txBody>
+      </p:sp>
+      <p:cxnSp>
+        <p:nvCxnSpPr>
+          <p:cNvPr id="26" name="Straight Connector 25"/>
+          <p:cNvCxnSpPr/>
+          <p:nvPr/>
+        </p:nvCxnSpPr>
+        <p:spPr>
+          <a:xfrm>
+            <a:off x="1278466" y="3429000"/>
+            <a:ext cx="6595534" cy="0"/>
+          </a:xfrm>
+          <a:prstGeom prst="line">
+            <a:avLst/>
+          </a:prstGeom>
+          <a:ln w="15875"/>
+        </p:spPr>
+        <p:style>
+          <a:lnRef idx="2">
+            <a:schemeClr val="accent1"/>
+          </a:lnRef>
+          <a:fillRef idx="0">
+            <a:schemeClr val="accent1"/>
+          </a:fillRef>
+          <a:effectRef idx="1">
+            <a:schemeClr val="accent1"/>
+          </a:effectRef>
+          <a:fontRef idx="minor">
+            <a:schemeClr val="tx1"/>
+          </a:fontRef>
+        </p:style>
+      </p:cxnSp>
+    </p:spTree>
+    <p:extLst>
+      <p:ext uri="{BB962C8B-B14F-4D97-AF65-F5344CB8AC3E}">
+        <p14:creationId xmlns:p14="http://schemas.microsoft.com/office/powerpoint/2010/main" val="2033692938"/>
+      </p:ext>
+    </p:extLst>
+  </p:cSld>
+  <p:clrMapOvr>
+    <a:masterClrMapping/>
+  </p:clrMapOvr>
+  <p:hf hdr="0" ftr="0" dt="0"/>
+</p:sldLayout>
+</file>
+
+<file path=ppt/slideLayouts/slideLayout15.xml><?xml version="1.0" encoding="utf-8"?>
+<p:sldLayout xmlns:a="http://schemas.openxmlformats.org/drawingml/2006/main" xmlns:r="http://schemas.openxmlformats.org/officeDocument/2006/relationships" xmlns:p="http://schemas.openxmlformats.org/presentationml/2006/main" preserve="1">
+  <p:cSld name="是非題">
+    <p:spTree>
+      <p:nvGrpSpPr>
+        <p:cNvPr id="1" name=""/>
+        <p:cNvGrpSpPr/>
+        <p:nvPr/>
+      </p:nvGrpSpPr>
+      <p:grpSpPr>
+        <a:xfrm>
+          <a:off x="0" y="0"/>
+          <a:ext cx="0" cy="0"/>
+          <a:chOff x="0" y="0"/>
+          <a:chExt cx="0" cy="0"/>
+        </a:xfrm>
+      </p:grpSpPr>
+      <p:sp>
+        <p:nvSpPr>
+          <p:cNvPr id="2" name="Title 1"/>
+          <p:cNvSpPr>
+            <a:spLocks noGrp="1"/>
+          </p:cNvSpPr>
+          <p:nvPr>
+            <p:ph type="title"/>
+          </p:nvPr>
+        </p:nvSpPr>
+        <p:spPr>
+          <a:xfrm>
+            <a:off x="1176865" y="982131"/>
+            <a:ext cx="6798734" cy="2294467"/>
+          </a:xfrm>
+        </p:spPr>
+        <p:txBody>
+          <a:bodyPr vert="horz" lIns="91440" tIns="45720" rIns="91440" bIns="45720" rtlCol="0" anchor="ctr">
+            <a:normAutofit/>
+          </a:bodyPr>
+          <a:lstStyle>
+            <a:lvl1pPr>
+              <a:defRPr lang="en-US" sz="3200" b="0" dirty="0"/>
+            </a:lvl1pPr>
+          </a:lstStyle>
+          <a:p>
+            <a:pPr marL="0" lvl="0"/>
+            <a:r>
+              <a:rPr lang="zh-TW" altLang="en-US" smtClean="0"/>
+              <a:t>按一下以編輯母片標題樣式</a:t>
+            </a:r>
+            <a:endParaRPr lang="en-US" dirty="0"/>
+          </a:p>
+        </p:txBody>
+      </p:sp>
+      <p:sp>
+        <p:nvSpPr>
+          <p:cNvPr id="14" name="Text Placeholder 2"/>
+          <p:cNvSpPr>
+            <a:spLocks noGrp="1"/>
+          </p:cNvSpPr>
+          <p:nvPr>
+            <p:ph type="body" idx="13"/>
+          </p:nvPr>
+        </p:nvSpPr>
+        <p:spPr>
+          <a:xfrm>
+            <a:off x="1176868" y="3566160"/>
+            <a:ext cx="6798730" cy="905256"/>
+          </a:xfrm>
+        </p:spPr>
+        <p:txBody>
+          <a:bodyPr anchor="b">
+            <a:normAutofit/>
+          </a:bodyPr>
+          <a:lstStyle>
+            <a:lvl1pPr marL="0" indent="0" algn="l">
+              <a:spcBef>
+                <a:spcPts val="0"/>
+              </a:spcBef>
+              <a:buNone/>
+              <a:defRPr sz="2000">
+                <a:solidFill>
+                  <a:schemeClr val="tx1"/>
+                </a:solidFill>
+              </a:defRPr>
+            </a:lvl1pPr>
+            <a:lvl2pPr marL="457200" indent="0">
+              <a:buNone/>
+              <a:defRPr sz="1800">
+                <a:solidFill>
+                  <a:schemeClr val="tx1">
+                    <a:tint val="75000"/>
+                  </a:schemeClr>
+                </a:solidFill>
+              </a:defRPr>
+            </a:lvl2pPr>
+            <a:lvl3pPr marL="914400" indent="0">
+              <a:buNone/>
+              <a:defRPr sz="1600">
+                <a:solidFill>
+                  <a:schemeClr val="tx1">
+                    <a:tint val="75000"/>
+                  </a:schemeClr>
+                </a:solidFill>
+              </a:defRPr>
+            </a:lvl3pPr>
+            <a:lvl4pPr marL="1371600" indent="0">
+              <a:buNone/>
+              <a:defRPr sz="1400">
+                <a:solidFill>
+                  <a:schemeClr val="tx1">
+                    <a:tint val="75000"/>
+                  </a:schemeClr>
+                </a:solidFill>
+              </a:defRPr>
+            </a:lvl4pPr>
+            <a:lvl5pPr marL="1828800" indent="0">
+              <a:buNone/>
+              <a:defRPr sz="1400">
+                <a:solidFill>
+                  <a:schemeClr val="tx1">
+                    <a:tint val="75000"/>
+                  </a:schemeClr>
+                </a:solidFill>
+              </a:defRPr>
+            </a:lvl5pPr>
+            <a:lvl6pPr marL="2286000" indent="0">
+              <a:buNone/>
+              <a:defRPr sz="1400">
+                <a:solidFill>
+                  <a:schemeClr val="tx1">
+                    <a:tint val="75000"/>
+                  </a:schemeClr>
+                </a:solidFill>
+              </a:defRPr>
+            </a:lvl6pPr>
+            <a:lvl7pPr marL="2743200" indent="0">
+              <a:buNone/>
+              <a:defRPr sz="1400">
+                <a:solidFill>
+                  <a:schemeClr val="tx1">
+                    <a:tint val="75000"/>
+                  </a:schemeClr>
+                </a:solidFill>
+              </a:defRPr>
+            </a:lvl7pPr>
+            <a:lvl8pPr marL="3200400" indent="0">
+              <a:buNone/>
+              <a:defRPr sz="1400">
+                <a:solidFill>
+                  <a:schemeClr val="tx1">
+                    <a:tint val="75000"/>
+                  </a:schemeClr>
+                </a:solidFill>
+              </a:defRPr>
+            </a:lvl8pPr>
+            <a:lvl9pPr marL="3657600" indent="0">
+              <a:buNone/>
+              <a:defRPr sz="1400">
+                <a:solidFill>
+                  <a:schemeClr val="tx1">
+                    <a:tint val="75000"/>
+                  </a:schemeClr>
+                </a:solidFill>
+              </a:defRPr>
+            </a:lvl9pPr>
+          </a:lstStyle>
+          <a:p>
+            <a:pPr lvl="0"/>
+            <a:r>
+              <a:rPr lang="zh-TW" altLang="en-US" smtClean="0"/>
+              <a:t>編輯母片文字樣式</a:t>
+            </a:r>
+          </a:p>
+        </p:txBody>
+      </p:sp>
+      <p:sp>
+        <p:nvSpPr>
+          <p:cNvPr id="3" name="Text Placeholder 2"/>
+          <p:cNvSpPr>
+            <a:spLocks noGrp="1"/>
+          </p:cNvSpPr>
+          <p:nvPr>
+            <p:ph type="body" idx="1"/>
+          </p:nvPr>
+        </p:nvSpPr>
+        <p:spPr>
+          <a:xfrm>
+            <a:off x="1176866" y="4470400"/>
+            <a:ext cx="6798734" cy="1405467"/>
+          </a:xfrm>
+        </p:spPr>
+        <p:txBody>
+          <a:bodyPr anchor="t">
+            <a:normAutofit/>
+          </a:bodyPr>
+          <a:lstStyle>
+            <a:lvl1pPr marL="0" indent="0" algn="l">
+              <a:buNone/>
+              <a:defRPr sz="1600">
+                <a:solidFill>
+                  <a:schemeClr val="tx1"/>
+                </a:solidFill>
+              </a:defRPr>
+            </a:lvl1pPr>
+            <a:lvl2pPr marL="457200" indent="0">
+              <a:buNone/>
+              <a:defRPr sz="1600">
+                <a:solidFill>
+                  <a:schemeClr val="tx1">
+                    <a:tint val="75000"/>
+                  </a:schemeClr>
+                </a:solidFill>
+              </a:defRPr>
+            </a:lvl2pPr>
+            <a:lvl3pPr marL="914400" indent="0">
+              <a:buNone/>
+              <a:defRPr sz="1600">
+                <a:solidFill>
+                  <a:schemeClr val="tx1">
+                    <a:tint val="75000"/>
+                  </a:schemeClr>
+                </a:solidFill>
+              </a:defRPr>
+            </a:lvl3pPr>
+            <a:lvl4pPr marL="1371600" indent="0">
+              <a:buNone/>
+              <a:defRPr sz="1400">
+                <a:solidFill>
+                  <a:schemeClr val="tx1">
+                    <a:tint val="75000"/>
+                  </a:schemeClr>
+                </a:solidFill>
+              </a:defRPr>
+            </a:lvl4pPr>
+            <a:lvl5pPr marL="1828800" indent="0">
+              <a:buNone/>
+              <a:defRPr sz="1400">
+                <a:solidFill>
+                  <a:schemeClr val="tx1">
+                    <a:tint val="75000"/>
+                  </a:schemeClr>
+                </a:solidFill>
+              </a:defRPr>
+            </a:lvl5pPr>
+            <a:lvl6pPr marL="2286000" indent="0">
+              <a:buNone/>
+              <a:defRPr sz="1400">
+                <a:solidFill>
+                  <a:schemeClr val="tx1">
+                    <a:tint val="75000"/>
+                  </a:schemeClr>
+                </a:solidFill>
+              </a:defRPr>
+            </a:lvl6pPr>
+            <a:lvl7pPr marL="2743200" indent="0">
+              <a:buNone/>
+              <a:defRPr sz="1400">
+                <a:solidFill>
+                  <a:schemeClr val="tx1">
+                    <a:tint val="75000"/>
+                  </a:schemeClr>
+                </a:solidFill>
+              </a:defRPr>
+            </a:lvl7pPr>
+            <a:lvl8pPr marL="3200400" indent="0">
+              <a:buNone/>
+              <a:defRPr sz="1400">
+                <a:solidFill>
+                  <a:schemeClr val="tx1">
+                    <a:tint val="75000"/>
+                  </a:schemeClr>
+                </a:solidFill>
+              </a:defRPr>
+            </a:lvl8pPr>
+            <a:lvl9pPr marL="3657600" indent="0">
+              <a:buNone/>
+              <a:defRPr sz="1400">
+                <a:solidFill>
+                  <a:schemeClr val="tx1">
+                    <a:tint val="75000"/>
+                  </a:schemeClr>
+                </a:solidFill>
+              </a:defRPr>
+            </a:lvl9pPr>
+          </a:lstStyle>
+          <a:p>
+            <a:pPr lvl="0"/>
+            <a:r>
+              <a:rPr lang="zh-TW" altLang="en-US" smtClean="0"/>
+              <a:t>編輯母片文字樣式</a:t>
+            </a:r>
+          </a:p>
+        </p:txBody>
+      </p:sp>
+      <p:sp>
+        <p:nvSpPr>
+          <p:cNvPr id="4" name="Date Placeholder 3"/>
+          <p:cNvSpPr>
+            <a:spLocks noGrp="1"/>
+          </p:cNvSpPr>
+          <p:nvPr>
+            <p:ph type="dt" sz="half" idx="10"/>
+          </p:nvPr>
+        </p:nvSpPr>
+        <p:spPr/>
+        <p:txBody>
+          <a:bodyPr/>
+          <a:lstStyle/>
+          <a:p>
+            <a:fld id="{480BD83A-BF40-4508-AEFE-6F568306C8F9}" type="datetime1">
+              <a:rPr lang="zh-TW" altLang="en-US" smtClean="0"/>
+              <a:t>2019/11/26</a:t>
+            </a:fld>
+            <a:endParaRPr lang="zh-TW" altLang="en-US"/>
+          </a:p>
+        </p:txBody>
+      </p:sp>
+      <p:sp>
+        <p:nvSpPr>
+          <p:cNvPr id="5" name="Footer Placeholder 4"/>
+          <p:cNvSpPr>
+            <a:spLocks noGrp="1"/>
+          </p:cNvSpPr>
+          <p:nvPr>
+            <p:ph type="ftr" sz="quarter" idx="11"/>
+          </p:nvPr>
+        </p:nvSpPr>
+        <p:spPr/>
+        <p:txBody>
+          <a:bodyPr/>
+          <a:lstStyle/>
+          <a:p>
+            <a:endParaRPr lang="zh-TW" altLang="en-US"/>
+          </a:p>
+        </p:txBody>
+      </p:sp>
+      <p:sp>
+        <p:nvSpPr>
+          <p:cNvPr id="6" name="Slide Number Placeholder 5"/>
+          <p:cNvSpPr>
+            <a:spLocks noGrp="1"/>
+          </p:cNvSpPr>
+          <p:nvPr>
+            <p:ph type="sldNum" sz="quarter" idx="12"/>
+          </p:nvPr>
+        </p:nvSpPr>
+        <p:spPr/>
+        <p:txBody>
+          <a:bodyPr/>
+          <a:lstStyle/>
+          <a:p>
+            <a:fld id="{80E16380-4998-42C3-B033-270161A8BE6B}" type="slidenum">
+              <a:rPr lang="zh-TW" altLang="en-US" smtClean="0"/>
+              <a:t>‹#›</a:t>
+            </a:fld>
+            <a:endParaRPr lang="zh-TW" altLang="en-US"/>
+          </a:p>
+        </p:txBody>
+      </p:sp>
+      <p:cxnSp>
+        <p:nvCxnSpPr>
+          <p:cNvPr id="15" name="Straight Connector 14"/>
+          <p:cNvCxnSpPr/>
+          <p:nvPr/>
+        </p:nvCxnSpPr>
+        <p:spPr>
+          <a:xfrm>
+            <a:off x="1278469" y="3429000"/>
+            <a:ext cx="6606421" cy="0"/>
+          </a:xfrm>
+          <a:prstGeom prst="line">
+            <a:avLst/>
+          </a:prstGeom>
+          <a:ln w="15875"/>
+        </p:spPr>
+        <p:style>
+          <a:lnRef idx="2">
+            <a:schemeClr val="accent1"/>
+          </a:lnRef>
+          <a:fillRef idx="0">
+            <a:schemeClr val="accent1"/>
+          </a:fillRef>
+          <a:effectRef idx="1">
+            <a:schemeClr val="accent1"/>
+          </a:effectRef>
+          <a:fontRef idx="minor">
+            <a:schemeClr val="tx1"/>
+          </a:fontRef>
+        </p:style>
+      </p:cxnSp>
+    </p:spTree>
+    <p:extLst>
+      <p:ext uri="{BB962C8B-B14F-4D97-AF65-F5344CB8AC3E}">
+        <p14:creationId xmlns:p14="http://schemas.microsoft.com/office/powerpoint/2010/main" val="1046725681"/>
+      </p:ext>
+    </p:extLst>
+  </p:cSld>
+  <p:clrMapOvr>
+    <a:masterClrMapping/>
+  </p:clrMapOvr>
+  <p:hf hdr="0" ftr="0" dt="0"/>
+</p:sldLayout>
+</file>
+
+<file path=ppt/slideLayouts/slideLayout16.xml><?xml version="1.0" encoding="utf-8"?>
 <p:sldLayout xmlns:a="http://schemas.openxmlformats.org/drawingml/2006/main" xmlns:r="http://schemas.openxmlformats.org/officeDocument/2006/relationships" xmlns:p="http://schemas.openxmlformats.org/presentationml/2006/main" type="vertTx" preserve="1">
   <p:cSld name="標題及直排文字">
     <p:spTree>
@@ -1415,11 +3476,72 @@
         <p:spPr/>
         <p:txBody>
           <a:bodyPr/>
+          <a:lstStyle>
+            <a:lvl1pPr algn="ctr">
+              <a:defRPr/>
+            </a:lvl1pPr>
+          </a:lstStyle>
+          <a:p>
+            <a:r>
+              <a:rPr lang="zh-TW" altLang="en-US" smtClean="0"/>
+              <a:t>按一下以編輯母片標題樣式</a:t>
+            </a:r>
+            <a:endParaRPr lang="en-US" dirty="0"/>
+          </a:p>
+        </p:txBody>
+      </p:sp>
+      <p:sp>
+        <p:nvSpPr>
+          <p:cNvPr id="3" name="Vertical Text Placeholder 2"/>
+          <p:cNvSpPr>
+            <a:spLocks noGrp="1"/>
+          </p:cNvSpPr>
+          <p:nvPr>
+            <p:ph type="body" orient="vert" idx="1"/>
+          </p:nvPr>
+        </p:nvSpPr>
+        <p:spPr>
+          <a:xfrm>
+            <a:off x="1176865" y="2490135"/>
+            <a:ext cx="6798736" cy="3385733"/>
+          </a:xfrm>
+        </p:spPr>
+        <p:txBody>
+          <a:bodyPr vert="eaVert" anchor="t"/>
           <a:lstStyle/>
           <a:p>
-            <a:r>
-              <a:rPr lang="zh-TW" altLang="en-US"/>
-              <a:t>按一下以編輯母片標題樣式</a:t>
+            <a:pPr lvl="0"/>
+            <a:r>
+              <a:rPr lang="zh-TW" altLang="en-US" smtClean="0"/>
+              <a:t>編輯母片文字樣式</a:t>
+            </a:r>
+          </a:p>
+          <a:p>
+            <a:pPr lvl="1"/>
+            <a:r>
+              <a:rPr lang="zh-TW" altLang="en-US" smtClean="0"/>
+              <a:t>第二層</a:t>
+            </a:r>
+          </a:p>
+          <a:p>
+            <a:pPr lvl="2"/>
+            <a:r>
+              <a:rPr lang="zh-TW" altLang="en-US" smtClean="0"/>
+              <a:t>第三層</a:t>
+            </a:r>
+          </a:p>
+          <a:p>
+            <a:pPr lvl="3"/>
+            <a:r>
+              <a:rPr lang="zh-TW" altLang="en-US" smtClean="0"/>
+              <a:t>第四層</a:t>
+            </a:r>
+          </a:p>
+          <a:p>
+            <a:pPr lvl="4"/>
+            <a:r>
+              <a:rPr lang="zh-TW" altLang="en-US" smtClean="0"/>
+              <a:t>第五層</a:t>
             </a:r>
             <a:endParaRPr lang="en-US" dirty="0"/>
           </a:p>
@@ -1427,59 +3549,7 @@
       </p:sp>
       <p:sp>
         <p:nvSpPr>
-          <p:cNvPr id="3" name="Vertical Text Placeholder 2"/>
-          <p:cNvSpPr>
-            <a:spLocks noGrp="1"/>
-          </p:cNvSpPr>
-          <p:nvPr>
-            <p:ph type="body" orient="vert" idx="1"/>
-          </p:nvPr>
-        </p:nvSpPr>
-        <p:spPr/>
-        <p:txBody>
-          <a:bodyPr vert="eaVert"/>
-          <a:lstStyle/>
-          <a:p>
-            <a:pPr lvl="0"/>
-            <a:r>
-              <a:rPr lang="zh-TW" altLang="en-US"/>
-              <a:t>按一下以編輯母片文字樣式</a:t>
-            </a:r>
-          </a:p>
-          <a:p>
-            <a:pPr lvl="1"/>
-            <a:r>
-              <a:rPr lang="zh-TW" altLang="en-US"/>
-              <a:t>第二層</a:t>
-            </a:r>
-          </a:p>
-          <a:p>
-            <a:pPr lvl="2"/>
-            <a:r>
-              <a:rPr lang="zh-TW" altLang="en-US"/>
-              <a:t>第三層</a:t>
-            </a:r>
-          </a:p>
-          <a:p>
-            <a:pPr lvl="3"/>
-            <a:r>
-              <a:rPr lang="zh-TW" altLang="en-US"/>
-              <a:t>第四層</a:t>
-            </a:r>
-          </a:p>
-          <a:p>
-            <a:pPr lvl="4"/>
-            <a:r>
-              <a:rPr lang="zh-TW" altLang="en-US"/>
-              <a:t>第五層</a:t>
-            </a:r>
-            <a:endParaRPr lang="en-US" dirty="0"/>
-          </a:p>
-        </p:txBody>
-      </p:sp>
-      <p:sp>
-        <p:nvSpPr>
-          <p:cNvPr id="7" name="Date Placeholder 6"/>
+          <p:cNvPr id="4" name="Date Placeholder 3"/>
           <p:cNvSpPr>
             <a:spLocks noGrp="1"/>
           </p:cNvSpPr>
@@ -1494,7 +3564,7 @@
           <a:p>
             <a:fld id="{195BD005-53AC-4394-B71F-C4B919CDCF86}" type="datetime1">
               <a:rPr lang="zh-TW" altLang="en-US" smtClean="0"/>
-              <a:t>2019/11/17</a:t>
+              <a:t>2019/11/26</a:t>
             </a:fld>
             <a:endParaRPr lang="zh-TW" altLang="en-US"/>
           </a:p>
@@ -1502,7 +3572,7 @@
       </p:sp>
       <p:sp>
         <p:nvSpPr>
-          <p:cNvPr id="8" name="Footer Placeholder 7"/>
+          <p:cNvPr id="5" name="Footer Placeholder 4"/>
           <p:cNvSpPr>
             <a:spLocks noGrp="1"/>
           </p:cNvSpPr>
@@ -1521,7 +3591,7 @@
       </p:sp>
       <p:sp>
         <p:nvSpPr>
-          <p:cNvPr id="9" name="Slide Number Placeholder 8"/>
+          <p:cNvPr id="6" name="Slide Number Placeholder 5"/>
           <p:cNvSpPr>
             <a:spLocks noGrp="1"/>
           </p:cNvSpPr>
@@ -1542,10 +3612,41 @@
           </a:p>
         </p:txBody>
       </p:sp>
+      <p:cxnSp>
+        <p:nvCxnSpPr>
+          <p:cNvPr id="14" name="Straight Connector 13"/>
+          <p:cNvCxnSpPr/>
+          <p:nvPr/>
+        </p:nvCxnSpPr>
+        <p:spPr>
+          <a:xfrm>
+            <a:off x="1278466" y="2354670"/>
+            <a:ext cx="6606424" cy="0"/>
+          </a:xfrm>
+          <a:prstGeom prst="line">
+            <a:avLst/>
+          </a:prstGeom>
+          <a:ln w="15875"/>
+        </p:spPr>
+        <p:style>
+          <a:lnRef idx="2">
+            <a:schemeClr val="accent1"/>
+          </a:lnRef>
+          <a:fillRef idx="0">
+            <a:schemeClr val="accent1"/>
+          </a:fillRef>
+          <a:effectRef idx="1">
+            <a:schemeClr val="accent1"/>
+          </a:effectRef>
+          <a:fontRef idx="minor">
+            <a:schemeClr val="tx1"/>
+          </a:fontRef>
+        </p:style>
+      </p:cxnSp>
     </p:spTree>
     <p:extLst>
       <p:ext uri="{BB962C8B-B14F-4D97-AF65-F5344CB8AC3E}">
-        <p14:creationId xmlns:p14="http://schemas.microsoft.com/office/powerpoint/2010/main" val="427938541"/>
+        <p14:creationId xmlns:p14="http://schemas.microsoft.com/office/powerpoint/2010/main" val="791938486"/>
       </p:ext>
     </p:extLst>
   </p:cSld>
@@ -1555,7 +3656,7 @@
 </p:sldLayout>
 </file>
 
-<file path=ppt/slideLayouts/slideLayout11.xml><?xml version="1.0" encoding="utf-8"?>
+<file path=ppt/slideLayouts/slideLayout17.xml><?xml version="1.0" encoding="utf-8"?>
 <p:sldLayout xmlns:a="http://schemas.openxmlformats.org/drawingml/2006/main" xmlns:r="http://schemas.openxmlformats.org/officeDocument/2006/relationships" xmlns:p="http://schemas.openxmlformats.org/presentationml/2006/main" type="vertTitleAndTx" preserve="1">
   <p:cSld name="直排標題及文字">
     <p:spTree>
@@ -1584,20 +3685,16 @@
         </p:nvSpPr>
         <p:spPr>
           <a:xfrm>
-            <a:off x="6543675" y="533400"/>
-            <a:ext cx="1914525" cy="5638800"/>
+            <a:off x="6356667" y="906873"/>
+            <a:ext cx="1618930" cy="4968995"/>
           </a:xfrm>
         </p:spPr>
         <p:txBody>
           <a:bodyPr vert="eaVert"/>
-          <a:lstStyle>
-            <a:lvl1pPr>
-              <a:defRPr b="0"/>
-            </a:lvl1pPr>
-          </a:lstStyle>
-          <a:p>
-            <a:r>
-              <a:rPr lang="zh-TW" altLang="en-US"/>
+          <a:lstStyle/>
+          <a:p>
+            <a:r>
+              <a:rPr lang="zh-TW" altLang="en-US" smtClean="0"/>
               <a:t>按一下以編輯母片標題樣式</a:t>
             </a:r>
             <a:endParaRPr lang="en-US" dirty="0"/>
@@ -1616,45 +3713,45 @@
         </p:nvSpPr>
         <p:spPr>
           <a:xfrm>
-            <a:off x="800100" y="533400"/>
-            <a:ext cx="5629275" cy="5638800"/>
+            <a:off x="1176867" y="906873"/>
+            <a:ext cx="4915509" cy="4968993"/>
           </a:xfrm>
         </p:spPr>
         <p:txBody>
-          <a:bodyPr vert="eaVert"/>
+          <a:bodyPr vert="eaVert" anchor="t"/>
           <a:lstStyle/>
           <a:p>
             <a:pPr lvl="0"/>
             <a:r>
-              <a:rPr lang="zh-TW" altLang="en-US"/>
-              <a:t>按一下以編輯母片文字樣式</a:t>
+              <a:rPr lang="zh-TW" altLang="en-US" smtClean="0"/>
+              <a:t>編輯母片文字樣式</a:t>
             </a:r>
           </a:p>
           <a:p>
             <a:pPr lvl="1"/>
             <a:r>
-              <a:rPr lang="zh-TW" altLang="en-US"/>
+              <a:rPr lang="zh-TW" altLang="en-US" smtClean="0"/>
               <a:t>第二層</a:t>
             </a:r>
           </a:p>
           <a:p>
             <a:pPr lvl="2"/>
             <a:r>
-              <a:rPr lang="zh-TW" altLang="en-US"/>
+              <a:rPr lang="zh-TW" altLang="en-US" smtClean="0"/>
               <a:t>第三層</a:t>
             </a:r>
           </a:p>
           <a:p>
             <a:pPr lvl="3"/>
             <a:r>
-              <a:rPr lang="zh-TW" altLang="en-US"/>
+              <a:rPr lang="zh-TW" altLang="en-US" smtClean="0"/>
               <a:t>第四層</a:t>
             </a:r>
           </a:p>
           <a:p>
             <a:pPr lvl="4"/>
             <a:r>
-              <a:rPr lang="zh-TW" altLang="en-US"/>
+              <a:rPr lang="zh-TW" altLang="en-US" smtClean="0"/>
               <a:t>第五層</a:t>
             </a:r>
             <a:endParaRPr lang="en-US" dirty="0"/>
@@ -1663,7 +3760,7 @@
       </p:sp>
       <p:sp>
         <p:nvSpPr>
-          <p:cNvPr id="7" name="Date Placeholder 6"/>
+          <p:cNvPr id="4" name="Date Placeholder 3"/>
           <p:cNvSpPr>
             <a:spLocks noGrp="1"/>
           </p:cNvSpPr>
@@ -1678,7 +3775,7 @@
           <a:p>
             <a:fld id="{092B0765-CC79-40FF-884C-D260AFB75E48}" type="datetime1">
               <a:rPr lang="zh-TW" altLang="en-US" smtClean="0"/>
-              <a:t>2019/11/17</a:t>
+              <a:t>2019/11/26</a:t>
             </a:fld>
             <a:endParaRPr lang="zh-TW" altLang="en-US"/>
           </a:p>
@@ -1686,7 +3783,7 @@
       </p:sp>
       <p:sp>
         <p:nvSpPr>
-          <p:cNvPr id="8" name="Footer Placeholder 7"/>
+          <p:cNvPr id="5" name="Footer Placeholder 4"/>
           <p:cNvSpPr>
             <a:spLocks noGrp="1"/>
           </p:cNvSpPr>
@@ -1705,7 +3802,7 @@
       </p:sp>
       <p:sp>
         <p:nvSpPr>
-          <p:cNvPr id="9" name="Slide Number Placeholder 8"/>
+          <p:cNvPr id="6" name="Slide Number Placeholder 5"/>
           <p:cNvSpPr>
             <a:spLocks noGrp="1"/>
           </p:cNvSpPr>
@@ -1726,10 +3823,41 @@
           </a:p>
         </p:txBody>
       </p:sp>
+      <p:cxnSp>
+        <p:nvCxnSpPr>
+          <p:cNvPr id="14" name="Straight Connector 13"/>
+          <p:cNvCxnSpPr/>
+          <p:nvPr/>
+        </p:nvCxnSpPr>
+        <p:spPr>
+          <a:xfrm>
+            <a:off x="6245512" y="906873"/>
+            <a:ext cx="0" cy="4968993"/>
+          </a:xfrm>
+          <a:prstGeom prst="line">
+            <a:avLst/>
+          </a:prstGeom>
+          <a:ln w="15875"/>
+        </p:spPr>
+        <p:style>
+          <a:lnRef idx="2">
+            <a:schemeClr val="accent1"/>
+          </a:lnRef>
+          <a:fillRef idx="0">
+            <a:schemeClr val="accent1"/>
+          </a:fillRef>
+          <a:effectRef idx="1">
+            <a:schemeClr val="accent1"/>
+          </a:effectRef>
+          <a:fontRef idx="minor">
+            <a:schemeClr val="tx1"/>
+          </a:fontRef>
+        </p:style>
+      </p:cxnSp>
     </p:spTree>
     <p:extLst>
       <p:ext uri="{BB962C8B-B14F-4D97-AF65-F5344CB8AC3E}">
-        <p14:creationId xmlns:p14="http://schemas.microsoft.com/office/powerpoint/2010/main" val="4245944753"/>
+        <p14:creationId xmlns:p14="http://schemas.microsoft.com/office/powerpoint/2010/main" val="2694313691"/>
       </p:ext>
     </p:extLst>
   </p:cSld>
@@ -1741,7 +3869,7 @@
 
 <file path=ppt/slideLayouts/slideLayout2.xml><?xml version="1.0" encoding="utf-8"?>
 <p:sldLayout xmlns:a="http://schemas.openxmlformats.org/drawingml/2006/main" xmlns:r="http://schemas.openxmlformats.org/officeDocument/2006/relationships" xmlns:p="http://schemas.openxmlformats.org/presentationml/2006/main" type="obj" preserve="1">
-  <p:cSld name="標題及內容">
+  <p:cSld name="標題及物件">
     <p:spTree>
       <p:nvGrpSpPr>
         <p:cNvPr id="1" name=""/>
@@ -1756,6 +3884,37 @@
           <a:chExt cx="0" cy="0"/>
         </a:xfrm>
       </p:grpSpPr>
+      <p:cxnSp>
+        <p:nvCxnSpPr>
+          <p:cNvPr id="7" name="Straight Connector 6"/>
+          <p:cNvCxnSpPr/>
+          <p:nvPr/>
+        </p:nvCxnSpPr>
+        <p:spPr>
+          <a:xfrm>
+            <a:off x="1278465" y="2356260"/>
+            <a:ext cx="6595534" cy="0"/>
+          </a:xfrm>
+          <a:prstGeom prst="line">
+            <a:avLst/>
+          </a:prstGeom>
+          <a:ln w="15875"/>
+        </p:spPr>
+        <p:style>
+          <a:lnRef idx="2">
+            <a:schemeClr val="accent1"/>
+          </a:lnRef>
+          <a:fillRef idx="0">
+            <a:schemeClr val="accent1"/>
+          </a:fillRef>
+          <a:effectRef idx="1">
+            <a:schemeClr val="accent1"/>
+          </a:effectRef>
+          <a:fontRef idx="minor">
+            <a:schemeClr val="tx1"/>
+          </a:fontRef>
+        </p:style>
+      </p:cxnSp>
       <p:sp>
         <p:nvSpPr>
           <p:cNvPr id="2" name="Title 1"/>
@@ -1772,7 +3931,7 @@
           <a:lstStyle/>
           <a:p>
             <a:r>
-              <a:rPr lang="zh-TW" altLang="en-US"/>
+              <a:rPr lang="zh-TW" altLang="en-US" smtClean="0"/>
               <a:t>按一下以編輯母片標題樣式</a:t>
             </a:r>
             <a:endParaRPr lang="en-US" dirty="0"/>
@@ -1796,35 +3955,35 @@
           <a:p>
             <a:pPr lvl="0"/>
             <a:r>
-              <a:rPr lang="zh-TW" altLang="en-US"/>
-              <a:t>按一下以編輯母片文字樣式</a:t>
+              <a:rPr lang="zh-TW" altLang="en-US" smtClean="0"/>
+              <a:t>編輯母片文字樣式</a:t>
             </a:r>
           </a:p>
           <a:p>
             <a:pPr lvl="1"/>
             <a:r>
-              <a:rPr lang="zh-TW" altLang="en-US"/>
+              <a:rPr lang="zh-TW" altLang="en-US" smtClean="0"/>
               <a:t>第二層</a:t>
             </a:r>
           </a:p>
           <a:p>
             <a:pPr lvl="2"/>
             <a:r>
-              <a:rPr lang="zh-TW" altLang="en-US"/>
+              <a:rPr lang="zh-TW" altLang="en-US" smtClean="0"/>
               <a:t>第三層</a:t>
             </a:r>
           </a:p>
           <a:p>
             <a:pPr lvl="3"/>
             <a:r>
-              <a:rPr lang="zh-TW" altLang="en-US"/>
+              <a:rPr lang="zh-TW" altLang="en-US" smtClean="0"/>
               <a:t>第四層</a:t>
             </a:r>
           </a:p>
           <a:p>
             <a:pPr lvl="4"/>
             <a:r>
-              <a:rPr lang="zh-TW" altLang="en-US"/>
+              <a:rPr lang="zh-TW" altLang="en-US" smtClean="0"/>
               <a:t>第五層</a:t>
             </a:r>
             <a:endParaRPr lang="en-US" dirty="0"/>
@@ -1833,7 +3992,7 @@
       </p:sp>
       <p:sp>
         <p:nvSpPr>
-          <p:cNvPr id="7" name="Date Placeholder 6"/>
+          <p:cNvPr id="4" name="Date Placeholder 3"/>
           <p:cNvSpPr>
             <a:spLocks noGrp="1"/>
           </p:cNvSpPr>
@@ -1848,7 +4007,7 @@
           <a:p>
             <a:fld id="{480BD83A-BF40-4508-AEFE-6F568306C8F9}" type="datetime1">
               <a:rPr lang="zh-TW" altLang="en-US" smtClean="0"/>
-              <a:t>2019/11/17</a:t>
+              <a:t>2019/11/26</a:t>
             </a:fld>
             <a:endParaRPr lang="zh-TW" altLang="en-US"/>
           </a:p>
@@ -1856,7 +4015,7 @@
       </p:sp>
       <p:sp>
         <p:nvSpPr>
-          <p:cNvPr id="8" name="Footer Placeholder 7"/>
+          <p:cNvPr id="5" name="Footer Placeholder 4"/>
           <p:cNvSpPr>
             <a:spLocks noGrp="1"/>
           </p:cNvSpPr>
@@ -1875,7 +4034,7 @@
       </p:sp>
       <p:sp>
         <p:nvSpPr>
-          <p:cNvPr id="9" name="Slide Number Placeholder 8"/>
+          <p:cNvPr id="6" name="Slide Number Placeholder 5"/>
           <p:cNvSpPr>
             <a:spLocks noGrp="1"/>
           </p:cNvSpPr>
@@ -1899,7 +4058,7 @@
     </p:spTree>
     <p:extLst>
       <p:ext uri="{BB962C8B-B14F-4D97-AF65-F5344CB8AC3E}">
-        <p14:creationId xmlns:p14="http://schemas.microsoft.com/office/powerpoint/2010/main" val="1076322426"/>
+        <p14:creationId xmlns:p14="http://schemas.microsoft.com/office/powerpoint/2010/main" val="1678248818"/>
       </p:ext>
     </p:extLst>
   </p:cSld>
@@ -1911,7 +4070,7 @@
 </file>
 
 <file path=ppt/slideLayouts/slideLayout3.xml><?xml version="1.0" encoding="utf-8"?>
-<p:sldLayout xmlns:a="http://schemas.openxmlformats.org/drawingml/2006/main" xmlns:r="http://schemas.openxmlformats.org/officeDocument/2006/relationships" xmlns:p="http://schemas.openxmlformats.org/presentationml/2006/main" showMasterSp="0" type="secHead" preserve="1">
+<p:sldLayout xmlns:a="http://schemas.openxmlformats.org/drawingml/2006/main" xmlns:r="http://schemas.openxmlformats.org/officeDocument/2006/relationships" xmlns:p="http://schemas.openxmlformats.org/presentationml/2006/main" type="secHead" preserve="1">
   <p:cSld name="章節標題">
     <p:spTree>
       <p:nvGrpSpPr>
@@ -1929,92 +4088,32 @@
       </p:grpSpPr>
       <p:sp>
         <p:nvSpPr>
-          <p:cNvPr id="7" name="Rectangle 6"/>
-          <p:cNvSpPr/>
-          <p:nvPr/>
+          <p:cNvPr id="2" name="Title 1"/>
+          <p:cNvSpPr>
+            <a:spLocks noGrp="1"/>
+          </p:cNvSpPr>
+          <p:nvPr>
+            <p:ph type="title"/>
+          </p:nvPr>
         </p:nvSpPr>
         <p:spPr>
           <a:xfrm>
-            <a:off x="0" y="4917989"/>
-            <a:ext cx="9144000" cy="1940010"/>
-          </a:xfrm>
-          <a:prstGeom prst="rect">
-            <a:avLst/>
-          </a:prstGeom>
-          <a:blipFill dpi="0" rotWithShape="1">
-            <a:blip r:embed="rId2">
-              <a:alphaModFix amt="80000"/>
-              <a:lum bright="70000" contrast="-70000"/>
-              <a:extLst>
-                <a:ext uri="{BEBA8EAE-BF5A-486C-A8C5-ECC9F3942E4B}">
-                  <a14:imgProps xmlns:a14="http://schemas.microsoft.com/office/drawing/2010/main">
-                    <a14:imgLayer r:embed="rId3">
-                      <a14:imgEffect>
-                        <a14:sharpenSoften amount="61000"/>
-                      </a14:imgEffect>
-                    </a14:imgLayer>
-                  </a14:imgProps>
-                </a:ext>
-                <a:ext uri="{28A0092B-C50C-407E-A947-70E740481C1C}">
-                  <a14:useLocalDpi xmlns:a14="http://schemas.microsoft.com/office/drawing/2010/main" val="0"/>
-                </a:ext>
-              </a:extLst>
-            </a:blip>
-            <a:srcRect/>
-            <a:tile tx="0" ty="-704850" sx="92000" sy="89000" flip="xy" algn="ctr"/>
-          </a:blipFill>
-          <a:ln>
-            <a:noFill/>
-          </a:ln>
-        </p:spPr>
-        <p:style>
-          <a:lnRef idx="2">
-            <a:schemeClr val="accent1">
-              <a:shade val="50000"/>
-            </a:schemeClr>
-          </a:lnRef>
-          <a:fillRef idx="1">
-            <a:schemeClr val="accent1"/>
-          </a:fillRef>
-          <a:effectRef idx="0">
-            <a:schemeClr val="accent1"/>
-          </a:effectRef>
-          <a:fontRef idx="minor">
-            <a:schemeClr val="lt1"/>
-          </a:fontRef>
-        </p:style>
-      </p:sp>
-      <p:sp>
-        <p:nvSpPr>
-          <p:cNvPr id="2" name="Title 1"/>
-          <p:cNvSpPr>
-            <a:spLocks noGrp="1"/>
-          </p:cNvSpPr>
-          <p:nvPr>
-            <p:ph type="title"/>
-          </p:nvPr>
-        </p:nvSpPr>
-        <p:spPr>
-          <a:xfrm>
-            <a:off x="1625346" y="1225296"/>
-            <a:ext cx="6960870" cy="3520440"/>
+            <a:off x="1278465" y="1641413"/>
+            <a:ext cx="6595534" cy="1822514"/>
           </a:xfrm>
         </p:spPr>
         <p:txBody>
-          <a:bodyPr anchor="ctr">
+          <a:bodyPr anchor="b">
             <a:normAutofit/>
           </a:bodyPr>
           <a:lstStyle>
-            <a:lvl1pPr>
-              <a:lnSpc>
-                <a:spcPct val="80000"/>
-              </a:lnSpc>
-              <a:defRPr sz="6400" b="0"/>
+            <a:lvl1pPr algn="ctr">
+              <a:defRPr sz="4000" b="0" cap="none"/>
             </a:lvl1pPr>
           </a:lstStyle>
           <a:p>
             <a:r>
-              <a:rPr lang="zh-TW" altLang="en-US"/>
+              <a:rPr lang="zh-TW" altLang="en-US" smtClean="0"/>
               <a:t>按一下以編輯母片標題樣式</a:t>
             </a:r>
             <a:endParaRPr lang="en-US" dirty="0"/>
@@ -2033,8 +4132,8 @@
         </p:nvSpPr>
         <p:spPr>
           <a:xfrm>
-            <a:off x="1624330" y="5020056"/>
-            <a:ext cx="6789420" cy="1066800"/>
+            <a:off x="1278465" y="3734859"/>
+            <a:ext cx="6595534" cy="1090015"/>
           </a:xfrm>
         </p:spPr>
         <p:txBody>
@@ -2042,13 +4141,11 @@
             <a:normAutofit/>
           </a:bodyPr>
           <a:lstStyle>
-            <a:lvl1pPr marL="0" indent="0">
-              <a:buNone/>
-              <a:defRPr sz="1800" b="0">
+            <a:lvl1pPr marL="0" indent="0" algn="ctr">
+              <a:buNone/>
+              <a:defRPr sz="2400">
                 <a:solidFill>
-                  <a:schemeClr val="accent1">
-                    <a:lumMod val="50000"/>
-                  </a:schemeClr>
+                  <a:schemeClr val="tx1"/>
                 </a:solidFill>
               </a:defRPr>
             </a:lvl1pPr>
@@ -2136,8 +4233,8 @@
           <a:p>
             <a:pPr lvl="0"/>
             <a:r>
-              <a:rPr lang="zh-TW" altLang="en-US"/>
-              <a:t>按一下以編輯母片文字樣式</a:t>
+              <a:rPr lang="zh-TW" altLang="en-US" smtClean="0"/>
+              <a:t>編輯母片文字樣式</a:t>
             </a:r>
           </a:p>
         </p:txBody>
@@ -2152,29 +4249,14 @@
             <p:ph type="dt" sz="half" idx="10"/>
           </p:nvPr>
         </p:nvSpPr>
-        <p:spPr>
-          <a:xfrm>
-            <a:off x="6445251" y="6272785"/>
-            <a:ext cx="1983232" cy="365125"/>
-          </a:xfrm>
-        </p:spPr>
+        <p:spPr/>
         <p:txBody>
           <a:bodyPr/>
-          <a:lstStyle>
-            <a:lvl1pPr>
-              <a:defRPr>
-                <a:solidFill>
-                  <a:schemeClr val="accent1">
-                    <a:lumMod val="50000"/>
-                  </a:schemeClr>
-                </a:solidFill>
-              </a:defRPr>
-            </a:lvl1pPr>
-          </a:lstStyle>
+          <a:lstStyle/>
           <a:p>
             <a:fld id="{CAD632E9-50C3-4720-95C2-E5D9C5F3029C}" type="datetime1">
               <a:rPr lang="zh-TW" altLang="en-US" smtClean="0"/>
-              <a:t>2019/11/17</a:t>
+              <a:t>2019/11/26</a:t>
             </a:fld>
             <a:endParaRPr lang="zh-TW" altLang="en-US"/>
           </a:p>
@@ -2190,116 +4272,15 @@
             <p:ph type="ftr" sz="quarter" idx="11"/>
           </p:nvPr>
         </p:nvSpPr>
-        <p:spPr>
-          <a:xfrm>
-            <a:off x="1636099" y="6272784"/>
-            <a:ext cx="4745736" cy="365125"/>
-          </a:xfrm>
-        </p:spPr>
+        <p:spPr/>
         <p:txBody>
           <a:bodyPr/>
-          <a:lstStyle>
-            <a:lvl1pPr>
-              <a:defRPr>
-                <a:solidFill>
-                  <a:schemeClr val="accent1">
-                    <a:lumMod val="50000"/>
-                  </a:schemeClr>
-                </a:solidFill>
-              </a:defRPr>
-            </a:lvl1pPr>
-          </a:lstStyle>
+          <a:lstStyle/>
           <a:p>
             <a:endParaRPr lang="zh-TW" altLang="en-US"/>
           </a:p>
         </p:txBody>
       </p:sp>
-      <p:grpSp>
-        <p:nvGrpSpPr>
-          <p:cNvPr id="8" name="Group 7"/>
-          <p:cNvGrpSpPr>
-            <a:grpSpLocks noChangeAspect="1"/>
-          </p:cNvGrpSpPr>
-          <p:nvPr/>
-        </p:nvGrpSpPr>
-        <p:grpSpPr>
-          <a:xfrm>
-            <a:off x="633862" y="2430623"/>
-            <a:ext cx="914400" cy="914400"/>
-            <a:chOff x="9685338" y="4460675"/>
-            <a:chExt cx="1080904" cy="1080902"/>
-          </a:xfrm>
-        </p:grpSpPr>
-        <p:sp>
-          <p:nvSpPr>
-            <p:cNvPr id="9" name="Oval 8"/>
-            <p:cNvSpPr/>
-            <p:nvPr/>
-          </p:nvSpPr>
-          <p:spPr>
-            <a:xfrm>
-              <a:off x="9685338" y="4460675"/>
-              <a:ext cx="1080904" cy="1080902"/>
-            </a:xfrm>
-            <a:prstGeom prst="ellipse">
-              <a:avLst/>
-            </a:prstGeom>
-            <a:blipFill dpi="0" rotWithShape="1">
-              <a:blip r:embed="rId4">
-                <a:duotone>
-                  <a:schemeClr val="accent1">
-                    <a:shade val="45000"/>
-                    <a:satMod val="135000"/>
-                  </a:schemeClr>
-                  <a:prstClr val="white"/>
-                </a:duotone>
-                <a:extLst>
-                  <a:ext uri="{BEBA8EAE-BF5A-486C-A8C5-ECC9F3942E4B}">
-                    <a14:imgProps xmlns:a14="http://schemas.microsoft.com/office/drawing/2010/main">
-                      <a14:imgLayer r:embed="rId5">
-                        <a14:imgEffect>
-                          <a14:saturation sat="95000"/>
-                        </a14:imgEffect>
-                      </a14:imgLayer>
-                    </a14:imgProps>
-                  </a:ext>
-                </a:extLst>
-              </a:blip>
-              <a:srcRect/>
-              <a:tile tx="0" ty="0" sx="85000" sy="85000" flip="none" algn="tl"/>
-            </a:blipFill>
-            <a:ln w="25400" cap="flat" cmpd="sng" algn="ctr">
-              <a:noFill/>
-              <a:prstDash val="solid"/>
-            </a:ln>
-            <a:effectLst/>
-          </p:spPr>
-        </p:sp>
-        <p:sp>
-          <p:nvSpPr>
-            <p:cNvPr id="10" name="Oval 9"/>
-            <p:cNvSpPr/>
-            <p:nvPr/>
-          </p:nvSpPr>
-          <p:spPr>
-            <a:xfrm>
-              <a:off x="9793429" y="4568765"/>
-              <a:ext cx="864723" cy="864722"/>
-            </a:xfrm>
-            <a:prstGeom prst="ellipse">
-              <a:avLst/>
-            </a:prstGeom>
-            <a:noFill/>
-            <a:ln w="25400" cap="flat" cmpd="sng" algn="ctr">
-              <a:solidFill>
-                <a:sysClr val="window" lastClr="FFFFFF"/>
-              </a:solidFill>
-              <a:prstDash val="solid"/>
-            </a:ln>
-            <a:effectLst/>
-          </p:spPr>
-        </p:sp>
-      </p:grpSp>
       <p:sp>
         <p:nvSpPr>
           <p:cNvPr id="6" name="Slide Number Placeholder 5"/>
@@ -2310,19 +4291,10 @@
             <p:ph type="sldNum" sz="quarter" idx="12"/>
           </p:nvPr>
         </p:nvSpPr>
-        <p:spPr>
-          <a:xfrm>
-            <a:off x="645450" y="2508607"/>
-            <a:ext cx="891224" cy="720332"/>
-          </a:xfrm>
-        </p:spPr>
+        <p:spPr/>
         <p:txBody>
           <a:bodyPr/>
-          <a:lstStyle>
-            <a:lvl1pPr>
-              <a:defRPr sz="2800"/>
-            </a:lvl1pPr>
-          </a:lstStyle>
+          <a:lstStyle/>
           <a:p>
             <a:fld id="{80E16380-4998-42C3-B033-270161A8BE6B}" type="slidenum">
               <a:rPr lang="zh-TW" altLang="en-US" smtClean="0"/>
@@ -2332,10 +4304,41 @@
           </a:p>
         </p:txBody>
       </p:sp>
+      <p:cxnSp>
+        <p:nvCxnSpPr>
+          <p:cNvPr id="31" name="Straight Connector 30"/>
+          <p:cNvCxnSpPr/>
+          <p:nvPr/>
+        </p:nvCxnSpPr>
+        <p:spPr>
+          <a:xfrm>
+            <a:off x="1278466" y="3599392"/>
+            <a:ext cx="6595533" cy="0"/>
+          </a:xfrm>
+          <a:prstGeom prst="line">
+            <a:avLst/>
+          </a:prstGeom>
+          <a:ln w="15875"/>
+        </p:spPr>
+        <p:style>
+          <a:lnRef idx="2">
+            <a:schemeClr val="accent1"/>
+          </a:lnRef>
+          <a:fillRef idx="0">
+            <a:schemeClr val="accent1"/>
+          </a:fillRef>
+          <a:effectRef idx="1">
+            <a:schemeClr val="accent1"/>
+          </a:effectRef>
+          <a:fontRef idx="minor">
+            <a:schemeClr val="tx1"/>
+          </a:fontRef>
+        </p:style>
+      </p:cxnSp>
     </p:spTree>
     <p:extLst>
       <p:ext uri="{BB962C8B-B14F-4D97-AF65-F5344CB8AC3E}">
-        <p14:creationId xmlns:p14="http://schemas.microsoft.com/office/powerpoint/2010/main" val="1952409111"/>
+        <p14:creationId xmlns:p14="http://schemas.microsoft.com/office/powerpoint/2010/main" val="1707763142"/>
       </p:ext>
     </p:extLst>
   </p:cSld>
@@ -2347,7 +4350,7 @@
 
 <file path=ppt/slideLayouts/slideLayout4.xml><?xml version="1.0" encoding="utf-8"?>
 <p:sldLayout xmlns:a="http://schemas.openxmlformats.org/drawingml/2006/main" xmlns:r="http://schemas.openxmlformats.org/officeDocument/2006/relationships" xmlns:p="http://schemas.openxmlformats.org/presentationml/2006/main" type="twoObj" preserve="1">
-  <p:cSld name="兩個內容">
+  <p:cSld name="兩項物件">
     <p:spTree>
       <p:nvGrpSpPr>
         <p:cNvPr id="1" name=""/>
@@ -2362,6 +4365,37 @@
           <a:chExt cx="0" cy="0"/>
         </a:xfrm>
       </p:grpSpPr>
+      <p:cxnSp>
+        <p:nvCxnSpPr>
+          <p:cNvPr id="8" name="Straight Connector 7"/>
+          <p:cNvCxnSpPr/>
+          <p:nvPr/>
+        </p:nvCxnSpPr>
+        <p:spPr>
+          <a:xfrm>
+            <a:off x="1278465" y="2356260"/>
+            <a:ext cx="6595534" cy="0"/>
+          </a:xfrm>
+          <a:prstGeom prst="line">
+            <a:avLst/>
+          </a:prstGeom>
+          <a:ln w="15875"/>
+        </p:spPr>
+        <p:style>
+          <a:lnRef idx="2">
+            <a:schemeClr val="accent1"/>
+          </a:lnRef>
+          <a:fillRef idx="0">
+            <a:schemeClr val="accent1"/>
+          </a:fillRef>
+          <a:effectRef idx="1">
+            <a:schemeClr val="accent1"/>
+          </a:effectRef>
+          <a:fontRef idx="minor">
+            <a:schemeClr val="tx1"/>
+          </a:fontRef>
+        </p:style>
+      </p:cxnSp>
       <p:sp>
         <p:nvSpPr>
           <p:cNvPr id="2" name="Title 1"/>
@@ -2372,13 +4406,18 @@
             <p:ph type="title"/>
           </p:nvPr>
         </p:nvSpPr>
-        <p:spPr/>
+        <p:spPr>
+          <a:xfrm>
+            <a:off x="1176866" y="915337"/>
+            <a:ext cx="6798734" cy="1303867"/>
+          </a:xfrm>
+        </p:spPr>
         <p:txBody>
           <a:bodyPr/>
           <a:lstStyle/>
           <a:p>
             <a:r>
-              <a:rPr lang="zh-TW" altLang="en-US"/>
+              <a:rPr lang="zh-TW" altLang="en-US" smtClean="0"/>
               <a:t>按一下以編輯母片標題樣式</a:t>
             </a:r>
             <a:endParaRPr lang="en-US" dirty="0"/>
@@ -2397,73 +4436,47 @@
         </p:nvSpPr>
         <p:spPr>
           <a:xfrm>
-            <a:off x="685800" y="2194560"/>
-            <a:ext cx="3657600" cy="3977640"/>
+            <a:off x="1176866" y="2487168"/>
+            <a:ext cx="3337560" cy="3447288"/>
           </a:xfrm>
         </p:spPr>
         <p:txBody>
-          <a:bodyPr/>
-          <a:lstStyle>
-            <a:lvl1pPr>
-              <a:defRPr sz="2000"/>
-            </a:lvl1pPr>
-            <a:lvl2pPr>
-              <a:defRPr sz="1800"/>
-            </a:lvl2pPr>
-            <a:lvl3pPr>
-              <a:defRPr sz="1600"/>
-            </a:lvl3pPr>
-            <a:lvl4pPr>
-              <a:defRPr sz="1600"/>
-            </a:lvl4pPr>
-            <a:lvl5pPr>
-              <a:defRPr sz="1600"/>
-            </a:lvl5pPr>
-            <a:lvl6pPr>
-              <a:defRPr sz="1600"/>
-            </a:lvl6pPr>
-            <a:lvl7pPr>
-              <a:defRPr sz="1600"/>
-            </a:lvl7pPr>
-            <a:lvl8pPr>
-              <a:defRPr sz="1600"/>
-            </a:lvl8pPr>
-            <a:lvl9pPr>
-              <a:defRPr sz="1600"/>
-            </a:lvl9pPr>
-          </a:lstStyle>
+          <a:bodyPr>
+            <a:normAutofit/>
+          </a:bodyPr>
+          <a:lstStyle/>
           <a:p>
             <a:pPr lvl="0"/>
             <a:r>
-              <a:rPr lang="zh-TW" altLang="en-US"/>
-              <a:t>按一下以編輯母片文字樣式</a:t>
+              <a:rPr lang="zh-TW" altLang="en-US" smtClean="0"/>
+              <a:t>編輯母片文字樣式</a:t>
             </a:r>
           </a:p>
           <a:p>
             <a:pPr lvl="1"/>
             <a:r>
-              <a:rPr lang="zh-TW" altLang="en-US"/>
+              <a:rPr lang="zh-TW" altLang="en-US" smtClean="0"/>
               <a:t>第二層</a:t>
             </a:r>
           </a:p>
           <a:p>
             <a:pPr lvl="2"/>
             <a:r>
-              <a:rPr lang="zh-TW" altLang="en-US"/>
+              <a:rPr lang="zh-TW" altLang="en-US" smtClean="0"/>
               <a:t>第三層</a:t>
             </a:r>
           </a:p>
           <a:p>
             <a:pPr lvl="3"/>
             <a:r>
-              <a:rPr lang="zh-TW" altLang="en-US"/>
+              <a:rPr lang="zh-TW" altLang="en-US" smtClean="0"/>
               <a:t>第四層</a:t>
             </a:r>
           </a:p>
           <a:p>
             <a:pPr lvl="4"/>
             <a:r>
-              <a:rPr lang="zh-TW" altLang="en-US"/>
+              <a:rPr lang="zh-TW" altLang="en-US" smtClean="0"/>
               <a:t>第五層</a:t>
             </a:r>
             <a:endParaRPr lang="en-US" dirty="0"/>
@@ -2482,73 +4495,47 @@
         </p:nvSpPr>
         <p:spPr>
           <a:xfrm>
-            <a:off x="4792218" y="2194560"/>
-            <a:ext cx="3657600" cy="3977640"/>
+            <a:off x="4645152" y="2487168"/>
+            <a:ext cx="3337560" cy="3447288"/>
           </a:xfrm>
         </p:spPr>
         <p:txBody>
-          <a:bodyPr/>
-          <a:lstStyle>
-            <a:lvl1pPr>
-              <a:defRPr sz="2000"/>
-            </a:lvl1pPr>
-            <a:lvl2pPr>
-              <a:defRPr sz="1800"/>
-            </a:lvl2pPr>
-            <a:lvl3pPr>
-              <a:defRPr sz="1600"/>
-            </a:lvl3pPr>
-            <a:lvl4pPr>
-              <a:defRPr sz="1600"/>
-            </a:lvl4pPr>
-            <a:lvl5pPr>
-              <a:defRPr sz="1600"/>
-            </a:lvl5pPr>
-            <a:lvl6pPr>
-              <a:defRPr sz="1600"/>
-            </a:lvl6pPr>
-            <a:lvl7pPr>
-              <a:defRPr sz="1600"/>
-            </a:lvl7pPr>
-            <a:lvl8pPr>
-              <a:defRPr sz="1600"/>
-            </a:lvl8pPr>
-            <a:lvl9pPr>
-              <a:defRPr sz="1600"/>
-            </a:lvl9pPr>
-          </a:lstStyle>
+          <a:bodyPr>
+            <a:normAutofit/>
+          </a:bodyPr>
+          <a:lstStyle/>
           <a:p>
             <a:pPr lvl="0"/>
             <a:r>
-              <a:rPr lang="zh-TW" altLang="en-US"/>
-              <a:t>按一下以編輯母片文字樣式</a:t>
+              <a:rPr lang="zh-TW" altLang="en-US" smtClean="0"/>
+              <a:t>編輯母片文字樣式</a:t>
             </a:r>
           </a:p>
           <a:p>
             <a:pPr lvl="1"/>
             <a:r>
-              <a:rPr lang="zh-TW" altLang="en-US"/>
+              <a:rPr lang="zh-TW" altLang="en-US" smtClean="0"/>
               <a:t>第二層</a:t>
             </a:r>
           </a:p>
           <a:p>
             <a:pPr lvl="2"/>
             <a:r>
-              <a:rPr lang="zh-TW" altLang="en-US"/>
+              <a:rPr lang="zh-TW" altLang="en-US" smtClean="0"/>
               <a:t>第三層</a:t>
             </a:r>
           </a:p>
           <a:p>
             <a:pPr lvl="3"/>
             <a:r>
-              <a:rPr lang="zh-TW" altLang="en-US"/>
+              <a:rPr lang="zh-TW" altLang="en-US" smtClean="0"/>
               <a:t>第四層</a:t>
             </a:r>
           </a:p>
           <a:p>
             <a:pPr lvl="4"/>
             <a:r>
-              <a:rPr lang="zh-TW" altLang="en-US"/>
+              <a:rPr lang="zh-TW" altLang="en-US" smtClean="0"/>
               <a:t>第五層</a:t>
             </a:r>
             <a:endParaRPr lang="en-US" dirty="0"/>
@@ -2572,7 +4559,7 @@
           <a:p>
             <a:fld id="{480BD83A-BF40-4508-AEFE-6F568306C8F9}" type="datetime1">
               <a:rPr lang="zh-TW" altLang="en-US" smtClean="0"/>
-              <a:t>2019/11/17</a:t>
+              <a:t>2019/11/26</a:t>
             </a:fld>
             <a:endParaRPr lang="zh-TW" altLang="en-US"/>
           </a:p>
@@ -2623,7 +4610,7 @@
     </p:spTree>
     <p:extLst>
       <p:ext uri="{BB962C8B-B14F-4D97-AF65-F5344CB8AC3E}">
-        <p14:creationId xmlns:p14="http://schemas.microsoft.com/office/powerpoint/2010/main" val="3105374272"/>
+        <p14:creationId xmlns:p14="http://schemas.microsoft.com/office/powerpoint/2010/main" val="3585655830"/>
       </p:ext>
     </p:extLst>
   </p:cSld>
@@ -2636,7 +4623,7 @@
 
 <file path=ppt/slideLayouts/slideLayout5.xml><?xml version="1.0" encoding="utf-8"?>
 <p:sldLayout xmlns:a="http://schemas.openxmlformats.org/drawingml/2006/main" xmlns:r="http://schemas.openxmlformats.org/officeDocument/2006/relationships" xmlns:p="http://schemas.openxmlformats.org/presentationml/2006/main" type="twoTxTwoObj" preserve="1">
-  <p:cSld name="比較">
+  <p:cSld name="比對">
     <p:spTree>
       <p:nvGrpSpPr>
         <p:cNvPr id="1" name=""/>
@@ -2653,7 +4640,7 @@
       </p:grpSpPr>
       <p:sp>
         <p:nvSpPr>
-          <p:cNvPr id="10" name="Title 9"/>
+          <p:cNvPr id="2" name="Title 1"/>
           <p:cNvSpPr>
             <a:spLocks noGrp="1"/>
           </p:cNvSpPr>
@@ -2664,10 +4651,14 @@
         <p:spPr/>
         <p:txBody>
           <a:bodyPr/>
-          <a:lstStyle/>
-          <a:p>
-            <a:r>
-              <a:rPr lang="zh-TW" altLang="en-US"/>
+          <a:lstStyle>
+            <a:lvl1pPr>
+              <a:defRPr/>
+            </a:lvl1pPr>
+          </a:lstStyle>
+          <a:p>
+            <a:r>
+              <a:rPr lang="zh-TW" altLang="en-US" smtClean="0"/>
               <a:t>按一下以編輯母片標題樣式</a:t>
             </a:r>
             <a:endParaRPr lang="en-US" dirty="0"/>
@@ -2686,22 +4677,20 @@
         </p:nvSpPr>
         <p:spPr>
           <a:xfrm>
-            <a:off x="685800" y="2048256"/>
-            <a:ext cx="3657600" cy="640080"/>
+            <a:off x="1176868" y="2658533"/>
+            <a:ext cx="3337560" cy="576262"/>
           </a:xfrm>
         </p:spPr>
         <p:txBody>
-          <a:bodyPr anchor="ctr">
-            <a:normAutofit/>
+          <a:bodyPr anchor="b">
+            <a:noAutofit/>
           </a:bodyPr>
           <a:lstStyle>
             <a:lvl1pPr marL="0" indent="0">
               <a:buNone/>
-              <a:defRPr sz="2000" b="1">
+              <a:defRPr sz="2400" b="0">
                 <a:solidFill>
-                  <a:schemeClr val="accent1">
-                    <a:lumMod val="75000"/>
-                  </a:schemeClr>
+                  <a:schemeClr val="accent1"/>
                 </a:solidFill>
               </a:defRPr>
             </a:lvl1pPr>
@@ -2741,8 +4730,8 @@
           <a:p>
             <a:pPr lvl="0"/>
             <a:r>
-              <a:rPr lang="zh-TW" altLang="en-US"/>
-              <a:t>按一下以編輯母片文字樣式</a:t>
+              <a:rPr lang="zh-TW" altLang="en-US" smtClean="0"/>
+              <a:t>編輯母片文字樣式</a:t>
             </a:r>
           </a:p>
         </p:txBody>
@@ -2759,73 +4748,47 @@
         </p:nvSpPr>
         <p:spPr>
           <a:xfrm>
-            <a:off x="685800" y="2743200"/>
-            <a:ext cx="3657600" cy="3291840"/>
+            <a:off x="1176868" y="3243263"/>
+            <a:ext cx="3337560" cy="2706624"/>
           </a:xfrm>
         </p:spPr>
         <p:txBody>
-          <a:bodyPr/>
-          <a:lstStyle>
-            <a:lvl1pPr>
-              <a:defRPr sz="2000"/>
-            </a:lvl1pPr>
-            <a:lvl2pPr>
-              <a:defRPr sz="1800"/>
-            </a:lvl2pPr>
-            <a:lvl3pPr>
-              <a:defRPr sz="1600"/>
-            </a:lvl3pPr>
-            <a:lvl4pPr>
-              <a:defRPr sz="1600"/>
-            </a:lvl4pPr>
-            <a:lvl5pPr>
-              <a:defRPr sz="1600"/>
-            </a:lvl5pPr>
-            <a:lvl6pPr>
-              <a:defRPr sz="1600"/>
-            </a:lvl6pPr>
-            <a:lvl7pPr>
-              <a:defRPr sz="1600"/>
-            </a:lvl7pPr>
-            <a:lvl8pPr>
-              <a:defRPr sz="1600"/>
-            </a:lvl8pPr>
-            <a:lvl9pPr>
-              <a:defRPr sz="1600"/>
-            </a:lvl9pPr>
-          </a:lstStyle>
+          <a:bodyPr>
+            <a:normAutofit/>
+          </a:bodyPr>
+          <a:lstStyle/>
           <a:p>
             <a:pPr lvl="0"/>
             <a:r>
-              <a:rPr lang="zh-TW" altLang="en-US"/>
-              <a:t>按一下以編輯母片文字樣式</a:t>
+              <a:rPr lang="zh-TW" altLang="en-US" smtClean="0"/>
+              <a:t>編輯母片文字樣式</a:t>
             </a:r>
           </a:p>
           <a:p>
             <a:pPr lvl="1"/>
             <a:r>
-              <a:rPr lang="zh-TW" altLang="en-US"/>
+              <a:rPr lang="zh-TW" altLang="en-US" smtClean="0"/>
               <a:t>第二層</a:t>
             </a:r>
           </a:p>
           <a:p>
             <a:pPr lvl="2"/>
             <a:r>
-              <a:rPr lang="zh-TW" altLang="en-US"/>
+              <a:rPr lang="zh-TW" altLang="en-US" smtClean="0"/>
               <a:t>第三層</a:t>
             </a:r>
           </a:p>
           <a:p>
             <a:pPr lvl="3"/>
             <a:r>
-              <a:rPr lang="zh-TW" altLang="en-US"/>
+              <a:rPr lang="zh-TW" altLang="en-US" smtClean="0"/>
               <a:t>第四層</a:t>
             </a:r>
           </a:p>
           <a:p>
             <a:pPr lvl="4"/>
             <a:r>
-              <a:rPr lang="zh-TW" altLang="en-US"/>
+              <a:rPr lang="zh-TW" altLang="en-US" smtClean="0"/>
               <a:t>第五層</a:t>
             </a:r>
             <a:endParaRPr lang="en-US" dirty="0"/>
@@ -2844,22 +4807,20 @@
         </p:nvSpPr>
         <p:spPr>
           <a:xfrm>
-            <a:off x="4820793" y="2048256"/>
-            <a:ext cx="3657600" cy="640080"/>
+            <a:off x="4641832" y="2658533"/>
+            <a:ext cx="3337560" cy="576262"/>
           </a:xfrm>
         </p:spPr>
         <p:txBody>
-          <a:bodyPr anchor="ctr">
-            <a:normAutofit/>
+          <a:bodyPr anchor="b">
+            <a:noAutofit/>
           </a:bodyPr>
           <a:lstStyle>
             <a:lvl1pPr marL="0" indent="0">
               <a:buNone/>
-              <a:defRPr sz="2000" b="1">
+              <a:defRPr sz="2400" b="0">
                 <a:solidFill>
-                  <a:schemeClr val="accent1">
-                    <a:lumMod val="75000"/>
-                  </a:schemeClr>
+                  <a:schemeClr val="accent1"/>
                 </a:solidFill>
               </a:defRPr>
             </a:lvl1pPr>
@@ -2899,8 +4860,8 @@
           <a:p>
             <a:pPr lvl="0"/>
             <a:r>
-              <a:rPr lang="zh-TW" altLang="en-US"/>
-              <a:t>按一下以編輯母片文字樣式</a:t>
+              <a:rPr lang="zh-TW" altLang="en-US" smtClean="0"/>
+              <a:t>編輯母片文字樣式</a:t>
             </a:r>
           </a:p>
         </p:txBody>
@@ -2917,73 +4878,47 @@
         </p:nvSpPr>
         <p:spPr>
           <a:xfrm>
-            <a:off x="4820793" y="2743200"/>
-            <a:ext cx="3657600" cy="3291840"/>
+            <a:off x="4641832" y="3243263"/>
+            <a:ext cx="3337560" cy="2706624"/>
           </a:xfrm>
         </p:spPr>
         <p:txBody>
-          <a:bodyPr/>
-          <a:lstStyle>
-            <a:lvl1pPr>
-              <a:defRPr sz="2000"/>
-            </a:lvl1pPr>
-            <a:lvl2pPr>
-              <a:defRPr sz="1800"/>
-            </a:lvl2pPr>
-            <a:lvl3pPr>
-              <a:defRPr sz="1600"/>
-            </a:lvl3pPr>
-            <a:lvl4pPr>
-              <a:defRPr sz="1600"/>
-            </a:lvl4pPr>
-            <a:lvl5pPr>
-              <a:defRPr sz="1600"/>
-            </a:lvl5pPr>
-            <a:lvl6pPr>
-              <a:defRPr sz="1600"/>
-            </a:lvl6pPr>
-            <a:lvl7pPr>
-              <a:defRPr sz="1600"/>
-            </a:lvl7pPr>
-            <a:lvl8pPr>
-              <a:defRPr sz="1600"/>
-            </a:lvl8pPr>
-            <a:lvl9pPr>
-              <a:defRPr sz="1600"/>
-            </a:lvl9pPr>
-          </a:lstStyle>
+          <a:bodyPr>
+            <a:normAutofit/>
+          </a:bodyPr>
+          <a:lstStyle/>
           <a:p>
             <a:pPr lvl="0"/>
             <a:r>
-              <a:rPr lang="zh-TW" altLang="en-US"/>
-              <a:t>按一下以編輯母片文字樣式</a:t>
+              <a:rPr lang="zh-TW" altLang="en-US" smtClean="0"/>
+              <a:t>編輯母片文字樣式</a:t>
             </a:r>
           </a:p>
           <a:p>
             <a:pPr lvl="1"/>
             <a:r>
-              <a:rPr lang="zh-TW" altLang="en-US"/>
+              <a:rPr lang="zh-TW" altLang="en-US" smtClean="0"/>
               <a:t>第二層</a:t>
             </a:r>
           </a:p>
           <a:p>
             <a:pPr lvl="2"/>
             <a:r>
-              <a:rPr lang="zh-TW" altLang="en-US"/>
+              <a:rPr lang="zh-TW" altLang="en-US" smtClean="0"/>
               <a:t>第三層</a:t>
             </a:r>
           </a:p>
           <a:p>
             <a:pPr lvl="3"/>
             <a:r>
-              <a:rPr lang="zh-TW" altLang="en-US"/>
+              <a:rPr lang="zh-TW" altLang="en-US" smtClean="0"/>
               <a:t>第四層</a:t>
             </a:r>
           </a:p>
           <a:p>
             <a:pPr lvl="4"/>
             <a:r>
-              <a:rPr lang="zh-TW" altLang="en-US"/>
+              <a:rPr lang="zh-TW" altLang="en-US" smtClean="0"/>
               <a:t>第五層</a:t>
             </a:r>
             <a:endParaRPr lang="en-US" dirty="0"/>
@@ -3007,7 +4942,7 @@
           <a:p>
             <a:fld id="{480BD83A-BF40-4508-AEFE-6F568306C8F9}" type="datetime1">
               <a:rPr lang="zh-TW" altLang="en-US" smtClean="0"/>
-              <a:t>2019/11/17</a:t>
+              <a:t>2019/11/26</a:t>
             </a:fld>
             <a:endParaRPr lang="zh-TW" altLang="en-US"/>
           </a:p>
@@ -3055,10 +4990,41 @@
           </a:p>
         </p:txBody>
       </p:sp>
+      <p:cxnSp>
+        <p:nvCxnSpPr>
+          <p:cNvPr id="41" name="Straight Connector 40"/>
+          <p:cNvCxnSpPr/>
+          <p:nvPr/>
+        </p:nvCxnSpPr>
+        <p:spPr>
+          <a:xfrm>
+            <a:off x="1278466" y="2354670"/>
+            <a:ext cx="6595534" cy="0"/>
+          </a:xfrm>
+          <a:prstGeom prst="line">
+            <a:avLst/>
+          </a:prstGeom>
+          <a:ln w="15875"/>
+        </p:spPr>
+        <p:style>
+          <a:lnRef idx="2">
+            <a:schemeClr val="accent1"/>
+          </a:lnRef>
+          <a:fillRef idx="0">
+            <a:schemeClr val="accent1"/>
+          </a:fillRef>
+          <a:effectRef idx="1">
+            <a:schemeClr val="accent1"/>
+          </a:effectRef>
+          <a:fontRef idx="minor">
+            <a:schemeClr val="tx1"/>
+          </a:fontRef>
+        </p:style>
+      </p:cxnSp>
     </p:spTree>
     <p:extLst>
       <p:ext uri="{BB962C8B-B14F-4D97-AF65-F5344CB8AC3E}">
-        <p14:creationId xmlns:p14="http://schemas.microsoft.com/office/powerpoint/2010/main" val="3043689645"/>
+        <p14:creationId xmlns:p14="http://schemas.microsoft.com/office/powerpoint/2010/main" val="3728172595"/>
       </p:ext>
     </p:extLst>
   </p:cSld>
@@ -3088,7 +5054,7 @@
       </p:grpSpPr>
       <p:sp>
         <p:nvSpPr>
-          <p:cNvPr id="6" name="Title 5"/>
+          <p:cNvPr id="2" name="Title 1"/>
           <p:cNvSpPr>
             <a:spLocks noGrp="1"/>
           </p:cNvSpPr>
@@ -3096,13 +5062,18 @@
             <p:ph type="title"/>
           </p:nvPr>
         </p:nvSpPr>
-        <p:spPr/>
+        <p:spPr>
+          <a:xfrm>
+            <a:off x="1176865" y="915337"/>
+            <a:ext cx="6798735" cy="1303867"/>
+          </a:xfrm>
+        </p:spPr>
         <p:txBody>
           <a:bodyPr/>
           <a:lstStyle/>
           <a:p>
             <a:r>
-              <a:rPr lang="zh-TW" altLang="en-US"/>
+              <a:rPr lang="zh-TW" altLang="en-US" smtClean="0"/>
               <a:t>按一下以編輯母片標題樣式</a:t>
             </a:r>
             <a:endParaRPr lang="en-US" dirty="0"/>
@@ -3122,21 +5093,11 @@
         <p:spPr/>
         <p:txBody>
           <a:bodyPr/>
-          <a:lstStyle>
-            <a:lvl1pPr>
-              <a:defRPr>
-                <a:solidFill>
-                  <a:schemeClr val="accent1">
-                    <a:lumMod val="50000"/>
-                  </a:schemeClr>
-                </a:solidFill>
-              </a:defRPr>
-            </a:lvl1pPr>
-          </a:lstStyle>
+          <a:lstStyle/>
           <a:p>
             <a:fld id="{045F9A61-DB8F-4059-A726-2D002345691A}" type="datetime1">
               <a:rPr lang="zh-TW" altLang="en-US" smtClean="0"/>
-              <a:t>2019/11/17</a:t>
+              <a:t>2019/11/26</a:t>
             </a:fld>
             <a:endParaRPr lang="zh-TW" altLang="en-US"/>
           </a:p>
@@ -3155,17 +5116,7 @@
         <p:spPr/>
         <p:txBody>
           <a:bodyPr/>
-          <a:lstStyle>
-            <a:lvl1pPr>
-              <a:defRPr>
-                <a:solidFill>
-                  <a:schemeClr val="accent1">
-                    <a:lumMod val="50000"/>
-                  </a:schemeClr>
-                </a:solidFill>
-              </a:defRPr>
-            </a:lvl1pPr>
-          </a:lstStyle>
+          <a:lstStyle/>
           <a:p>
             <a:endParaRPr lang="zh-TW" altLang="en-US"/>
           </a:p>
@@ -3194,10 +5145,41 @@
           </a:p>
         </p:txBody>
       </p:sp>
+      <p:cxnSp>
+        <p:nvCxnSpPr>
+          <p:cNvPr id="14" name="Straight Connector 13"/>
+          <p:cNvCxnSpPr/>
+          <p:nvPr/>
+        </p:nvCxnSpPr>
+        <p:spPr>
+          <a:xfrm>
+            <a:off x="1278466" y="2354670"/>
+            <a:ext cx="6595534" cy="0"/>
+          </a:xfrm>
+          <a:prstGeom prst="line">
+            <a:avLst/>
+          </a:prstGeom>
+          <a:ln w="15875"/>
+        </p:spPr>
+        <p:style>
+          <a:lnRef idx="2">
+            <a:schemeClr val="accent1"/>
+          </a:lnRef>
+          <a:fillRef idx="0">
+            <a:schemeClr val="accent1"/>
+          </a:fillRef>
+          <a:effectRef idx="1">
+            <a:schemeClr val="accent1"/>
+          </a:effectRef>
+          <a:fontRef idx="minor">
+            <a:schemeClr val="tx1"/>
+          </a:fontRef>
+        </p:style>
+      </p:cxnSp>
     </p:spTree>
     <p:extLst>
       <p:ext uri="{BB962C8B-B14F-4D97-AF65-F5344CB8AC3E}">
-        <p14:creationId xmlns:p14="http://schemas.microsoft.com/office/powerpoint/2010/main" val="1020176706"/>
+        <p14:creationId xmlns:p14="http://schemas.microsoft.com/office/powerpoint/2010/main" val="559723309"/>
       </p:ext>
     </p:extLst>
   </p:cSld>
@@ -3241,7 +5223,7 @@
           <a:p>
             <a:fld id="{520C3B2F-95E3-47E5-AB3B-A687A62FF84E}" type="datetime1">
               <a:rPr lang="zh-TW" altLang="en-US" smtClean="0"/>
-              <a:t>2019/11/17</a:t>
+              <a:t>2019/11/26</a:t>
             </a:fld>
             <a:endParaRPr lang="zh-TW" altLang="en-US"/>
           </a:p>
@@ -3292,7 +5274,7 @@
     </p:spTree>
     <p:extLst>
       <p:ext uri="{BB962C8B-B14F-4D97-AF65-F5344CB8AC3E}">
-        <p14:creationId xmlns:p14="http://schemas.microsoft.com/office/powerpoint/2010/main" val="2690672935"/>
+        <p14:creationId xmlns:p14="http://schemas.microsoft.com/office/powerpoint/2010/main" val="2020236422"/>
       </p:ext>
     </p:extLst>
   </p:cSld>
@@ -3303,8 +5285,8 @@
 </file>
 
 <file path=ppt/slideLayouts/slideLayout8.xml><?xml version="1.0" encoding="utf-8"?>
-<p:sldLayout xmlns:a="http://schemas.openxmlformats.org/drawingml/2006/main" xmlns:r="http://schemas.openxmlformats.org/officeDocument/2006/relationships" xmlns:p="http://schemas.openxmlformats.org/presentationml/2006/main" showMasterSp="0" type="objTx" preserve="1">
-  <p:cSld name="含輔助字幕的內容">
+<p:sldLayout xmlns:a="http://schemas.openxmlformats.org/drawingml/2006/main" xmlns:r="http://schemas.openxmlformats.org/officeDocument/2006/relationships" xmlns:p="http://schemas.openxmlformats.org/presentationml/2006/main" type="objTx" preserve="1">
+  <p:cSld name="含標題的內容">
     <p:spTree>
       <p:nvGrpSpPr>
         <p:cNvPr id="1" name=""/>
@@ -3321,75 +5303,18 @@
       </p:grpSpPr>
       <p:sp>
         <p:nvSpPr>
-          <p:cNvPr id="8" name="Rectangle 7"/>
-          <p:cNvSpPr/>
-          <p:nvPr/>
+          <p:cNvPr id="2" name="Title 1"/>
+          <p:cNvSpPr>
+            <a:spLocks noGrp="1"/>
+          </p:cNvSpPr>
+          <p:nvPr>
+            <p:ph type="title"/>
+          </p:nvPr>
         </p:nvSpPr>
         <p:spPr>
           <a:xfrm>
-            <a:off x="6227806" y="1"/>
-            <a:ext cx="2916194" cy="6857999"/>
-          </a:xfrm>
-          <a:prstGeom prst="rect">
-            <a:avLst/>
-          </a:prstGeom>
-          <a:blipFill dpi="0" rotWithShape="1">
-            <a:blip r:embed="rId2">
-              <a:alphaModFix amt="60000"/>
-              <a:lum bright="70000" contrast="-70000"/>
-              <a:extLst>
-                <a:ext uri="{BEBA8EAE-BF5A-486C-A8C5-ECC9F3942E4B}">
-                  <a14:imgProps xmlns:a14="http://schemas.microsoft.com/office/drawing/2010/main">
-                    <a14:imgLayer r:embed="rId3">
-                      <a14:imgEffect>
-                        <a14:sharpenSoften amount="61000"/>
-                      </a14:imgEffect>
-                    </a14:imgLayer>
-                  </a14:imgProps>
-                </a:ext>
-                <a:ext uri="{28A0092B-C50C-407E-A947-70E740481C1C}">
-                  <a14:useLocalDpi xmlns:a14="http://schemas.microsoft.com/office/drawing/2010/main" val="0"/>
-                </a:ext>
-              </a:extLst>
-            </a:blip>
-            <a:srcRect/>
-            <a:tile tx="0" ty="-704850" sx="92000" sy="89000" flip="xy" algn="ctr"/>
-          </a:blipFill>
-          <a:ln>
-            <a:noFill/>
-          </a:ln>
-        </p:spPr>
-        <p:style>
-          <a:lnRef idx="2">
-            <a:schemeClr val="accent1">
-              <a:shade val="50000"/>
-            </a:schemeClr>
-          </a:lnRef>
-          <a:fillRef idx="1">
-            <a:schemeClr val="accent1"/>
-          </a:fillRef>
-          <a:effectRef idx="0">
-            <a:schemeClr val="accent1"/>
-          </a:effectRef>
-          <a:fontRef idx="minor">
-            <a:schemeClr val="lt1"/>
-          </a:fontRef>
-        </p:style>
-      </p:sp>
-      <p:sp>
-        <p:nvSpPr>
-          <p:cNvPr id="2" name="Title 1"/>
-          <p:cNvSpPr>
-            <a:spLocks noGrp="1"/>
-          </p:cNvSpPr>
-          <p:nvPr>
-            <p:ph type="title"/>
-          </p:nvPr>
-        </p:nvSpPr>
-        <p:spPr>
-          <a:xfrm>
-            <a:off x="6412230" y="685800"/>
-            <a:ext cx="2400300" cy="1737360"/>
+            <a:off x="1176865" y="1388534"/>
+            <a:ext cx="2536798" cy="1371600"/>
           </a:xfrm>
         </p:spPr>
         <p:txBody>
@@ -3397,13 +5322,13 @@
             <a:normAutofit/>
           </a:bodyPr>
           <a:lstStyle>
-            <a:lvl1pPr>
-              <a:defRPr sz="2800" b="0"/>
+            <a:lvl1pPr algn="ctr">
+              <a:defRPr sz="2400" b="0"/>
             </a:lvl1pPr>
           </a:lstStyle>
           <a:p>
             <a:r>
-              <a:rPr lang="zh-TW" altLang="en-US"/>
+              <a:rPr lang="zh-TW" altLang="en-US" smtClean="0"/>
               <a:t>按一下以編輯母片標題樣式</a:t>
             </a:r>
             <a:endParaRPr lang="en-US" dirty="0"/>
@@ -3422,73 +5347,47 @@
         </p:nvSpPr>
         <p:spPr>
           <a:xfrm>
-            <a:off x="628650" y="685800"/>
-            <a:ext cx="5033772" cy="5020056"/>
+            <a:off x="4120062" y="982132"/>
+            <a:ext cx="3855539" cy="4893735"/>
           </a:xfrm>
         </p:spPr>
         <p:txBody>
-          <a:bodyPr/>
-          <a:lstStyle>
-            <a:lvl1pPr>
-              <a:defRPr sz="2000"/>
-            </a:lvl1pPr>
-            <a:lvl2pPr>
-              <a:defRPr sz="1800"/>
-            </a:lvl2pPr>
-            <a:lvl3pPr>
-              <a:defRPr sz="1600"/>
-            </a:lvl3pPr>
-            <a:lvl4pPr>
-              <a:defRPr sz="1600"/>
-            </a:lvl4pPr>
-            <a:lvl5pPr>
-              <a:defRPr sz="1600"/>
-            </a:lvl5pPr>
-            <a:lvl6pPr>
-              <a:defRPr sz="1600"/>
-            </a:lvl6pPr>
-            <a:lvl7pPr>
-              <a:defRPr sz="1600"/>
-            </a:lvl7pPr>
-            <a:lvl8pPr>
-              <a:defRPr sz="1600"/>
-            </a:lvl8pPr>
-            <a:lvl9pPr>
-              <a:defRPr sz="1600"/>
-            </a:lvl9pPr>
-          </a:lstStyle>
+          <a:bodyPr anchor="ctr">
+            <a:normAutofit/>
+          </a:bodyPr>
+          <a:lstStyle/>
           <a:p>
             <a:pPr lvl="0"/>
             <a:r>
-              <a:rPr lang="zh-TW" altLang="en-US"/>
-              <a:t>按一下以編輯母片文字樣式</a:t>
+              <a:rPr lang="zh-TW" altLang="en-US" smtClean="0"/>
+              <a:t>編輯母片文字樣式</a:t>
             </a:r>
           </a:p>
           <a:p>
             <a:pPr lvl="1"/>
             <a:r>
-              <a:rPr lang="zh-TW" altLang="en-US"/>
+              <a:rPr lang="zh-TW" altLang="en-US" smtClean="0"/>
               <a:t>第二層</a:t>
             </a:r>
           </a:p>
           <a:p>
             <a:pPr lvl="2"/>
             <a:r>
-              <a:rPr lang="zh-TW" altLang="en-US"/>
+              <a:rPr lang="zh-TW" altLang="en-US" smtClean="0"/>
               <a:t>第三層</a:t>
             </a:r>
           </a:p>
           <a:p>
             <a:pPr lvl="3"/>
             <a:r>
-              <a:rPr lang="zh-TW" altLang="en-US"/>
+              <a:rPr lang="zh-TW" altLang="en-US" smtClean="0"/>
               <a:t>第四層</a:t>
             </a:r>
           </a:p>
           <a:p>
             <a:pPr lvl="4"/>
             <a:r>
-              <a:rPr lang="zh-TW" altLang="en-US"/>
+              <a:rPr lang="zh-TW" altLang="en-US" smtClean="0"/>
               <a:t>第五層</a:t>
             </a:r>
             <a:endParaRPr lang="en-US" dirty="0"/>
@@ -3507,30 +5406,18 @@
         </p:nvSpPr>
         <p:spPr>
           <a:xfrm>
-            <a:off x="6412230" y="2423160"/>
-            <a:ext cx="2400300" cy="3291840"/>
+            <a:off x="1176865" y="3031065"/>
+            <a:ext cx="2536798" cy="2438404"/>
           </a:xfrm>
         </p:spPr>
         <p:txBody>
-          <a:bodyPr>
+          <a:bodyPr anchor="t">
             <a:normAutofit/>
           </a:bodyPr>
           <a:lstStyle>
-            <a:lvl1pPr marL="0" indent="0">
-              <a:lnSpc>
-                <a:spcPct val="100000"/>
-              </a:lnSpc>
-              <a:spcBef>
-                <a:spcPts val="1000"/>
-              </a:spcBef>
-              <a:buNone/>
-              <a:defRPr sz="1350">
-                <a:solidFill>
-                  <a:schemeClr val="accent1">
-                    <a:lumMod val="50000"/>
-                  </a:schemeClr>
-                </a:solidFill>
-              </a:defRPr>
+            <a:lvl1pPr marL="0" indent="0" algn="ctr">
+              <a:buNone/>
+              <a:defRPr sz="1600"/>
             </a:lvl1pPr>
             <a:lvl2pPr marL="457200" indent="0">
               <a:buNone/>
@@ -3568,106 +5455,15 @@
           <a:p>
             <a:pPr lvl="0"/>
             <a:r>
-              <a:rPr lang="zh-TW" altLang="en-US"/>
-              <a:t>按一下以編輯母片文字樣式</a:t>
-            </a:r>
-          </a:p>
-        </p:txBody>
-      </p:sp>
-      <p:grpSp>
-        <p:nvGrpSpPr>
-          <p:cNvPr id="12" name="Group 11"/>
-          <p:cNvGrpSpPr/>
-          <p:nvPr/>
-        </p:nvGrpSpPr>
-        <p:grpSpPr>
-          <a:xfrm>
-            <a:off x="8522664" y="6255258"/>
-            <a:ext cx="393192" cy="393192"/>
-            <a:chOff x="8532189" y="5068824"/>
-            <a:chExt cx="393192" cy="393192"/>
-          </a:xfrm>
-        </p:grpSpPr>
-        <p:sp>
-          <p:nvSpPr>
-            <p:cNvPr id="13" name="Oval 12"/>
-            <p:cNvSpPr>
-              <a:spLocks noChangeAspect="1"/>
-            </p:cNvSpPr>
-            <p:nvPr/>
-          </p:nvSpPr>
-          <p:spPr>
-            <a:xfrm>
-              <a:off x="8532189" y="5068824"/>
-              <a:ext cx="393192" cy="393192"/>
-            </a:xfrm>
-            <a:prstGeom prst="ellipse">
-              <a:avLst/>
-            </a:prstGeom>
-            <a:blipFill dpi="0" rotWithShape="1">
-              <a:blip r:embed="rId4">
-                <a:duotone>
-                  <a:schemeClr val="accent1">
-                    <a:shade val="45000"/>
-                    <a:satMod val="135000"/>
-                  </a:schemeClr>
-                  <a:prstClr val="white"/>
-                </a:duotone>
-                <a:extLst>
-                  <a:ext uri="{BEBA8EAE-BF5A-486C-A8C5-ECC9F3942E4B}">
-                    <a14:imgProps xmlns:a14="http://schemas.microsoft.com/office/drawing/2010/main">
-                      <a14:imgLayer r:embed="rId5">
-                        <a14:imgEffect>
-                          <a14:saturation sat="95000"/>
-                        </a14:imgEffect>
-                        <a14:imgEffect>
-                          <a14:brightnessContrast bright="-40000" contrast="20000"/>
-                        </a14:imgEffect>
-                      </a14:imgLayer>
-                    </a14:imgProps>
-                  </a:ext>
-                </a:extLst>
-              </a:blip>
-              <a:srcRect/>
-              <a:tile tx="50800" ty="0" sx="85000" sy="85000" flip="none" algn="tl"/>
-            </a:blipFill>
-            <a:ln w="25400" cap="flat" cmpd="sng" algn="ctr">
-              <a:noFill/>
-              <a:prstDash val="solid"/>
-            </a:ln>
-            <a:effectLst/>
-          </p:spPr>
-        </p:sp>
-        <p:sp>
-          <p:nvSpPr>
-            <p:cNvPr id="14" name="Oval 13"/>
-            <p:cNvSpPr>
-              <a:spLocks noChangeAspect="1"/>
-            </p:cNvSpPr>
-            <p:nvPr/>
-          </p:nvSpPr>
-          <p:spPr>
-            <a:xfrm>
-              <a:off x="8568766" y="5105400"/>
-              <a:ext cx="320039" cy="320040"/>
-            </a:xfrm>
-            <a:prstGeom prst="ellipse">
-              <a:avLst/>
-            </a:prstGeom>
-            <a:noFill/>
-            <a:ln w="12700" cap="flat" cmpd="sng" algn="ctr">
-              <a:solidFill>
-                <a:srgbClr val="FFFFFF"/>
-              </a:solidFill>
-              <a:prstDash val="solid"/>
-            </a:ln>
-            <a:effectLst/>
-          </p:spPr>
-        </p:sp>
-      </p:grpSp>
-      <p:sp>
-        <p:nvSpPr>
-          <p:cNvPr id="9" name="Date Placeholder 8"/>
+              <a:rPr lang="zh-TW" altLang="en-US" smtClean="0"/>
+              <a:t>編輯母片文字樣式</a:t>
+            </a:r>
+          </a:p>
+        </p:txBody>
+      </p:sp>
+      <p:sp>
+        <p:nvSpPr>
+          <p:cNvPr id="5" name="Date Placeholder 4"/>
           <p:cNvSpPr>
             <a:spLocks noGrp="1"/>
           </p:cNvSpPr>
@@ -3682,7 +5478,7 @@
           <a:p>
             <a:fld id="{480BD83A-BF40-4508-AEFE-6F568306C8F9}" type="datetime1">
               <a:rPr lang="zh-TW" altLang="en-US" smtClean="0"/>
-              <a:t>2019/11/17</a:t>
+              <a:t>2019/11/26</a:t>
             </a:fld>
             <a:endParaRPr lang="zh-TW" altLang="en-US"/>
           </a:p>
@@ -3690,7 +5486,7 @@
       </p:sp>
       <p:sp>
         <p:nvSpPr>
-          <p:cNvPr id="10" name="Footer Placeholder 9"/>
+          <p:cNvPr id="6" name="Footer Placeholder 5"/>
           <p:cNvSpPr>
             <a:spLocks noGrp="1"/>
           </p:cNvSpPr>
@@ -3709,7 +5505,7 @@
       </p:sp>
       <p:sp>
         <p:nvSpPr>
-          <p:cNvPr id="11" name="Slide Number Placeholder 10"/>
+          <p:cNvPr id="7" name="Slide Number Placeholder 6"/>
           <p:cNvSpPr>
             <a:spLocks noGrp="1"/>
           </p:cNvSpPr>
@@ -3730,10 +5526,41 @@
           </a:p>
         </p:txBody>
       </p:sp>
+      <p:cxnSp>
+        <p:nvCxnSpPr>
+          <p:cNvPr id="16" name="Straight Connector 15"/>
+          <p:cNvCxnSpPr/>
+          <p:nvPr/>
+        </p:nvCxnSpPr>
+        <p:spPr>
+          <a:xfrm>
+            <a:off x="1278466" y="2912533"/>
+            <a:ext cx="2333594" cy="0"/>
+          </a:xfrm>
+          <a:prstGeom prst="line">
+            <a:avLst/>
+          </a:prstGeom>
+          <a:ln w="15875"/>
+        </p:spPr>
+        <p:style>
+          <a:lnRef idx="2">
+            <a:schemeClr val="accent1"/>
+          </a:lnRef>
+          <a:fillRef idx="0">
+            <a:schemeClr val="accent1"/>
+          </a:fillRef>
+          <a:effectRef idx="1">
+            <a:schemeClr val="accent1"/>
+          </a:effectRef>
+          <a:fontRef idx="minor">
+            <a:schemeClr val="tx1"/>
+          </a:fontRef>
+        </p:style>
+      </p:cxnSp>
     </p:spTree>
     <p:extLst>
       <p:ext uri="{BB962C8B-B14F-4D97-AF65-F5344CB8AC3E}">
-        <p14:creationId xmlns:p14="http://schemas.microsoft.com/office/powerpoint/2010/main" val="3212012029"/>
+        <p14:creationId xmlns:p14="http://schemas.microsoft.com/office/powerpoint/2010/main" val="1020519143"/>
       </p:ext>
     </p:extLst>
   </p:cSld>
@@ -3745,8 +5572,8 @@
 </file>
 
 <file path=ppt/slideLayouts/slideLayout9.xml><?xml version="1.0" encoding="utf-8"?>
-<p:sldLayout xmlns:a="http://schemas.openxmlformats.org/drawingml/2006/main" xmlns:r="http://schemas.openxmlformats.org/officeDocument/2006/relationships" xmlns:p="http://schemas.openxmlformats.org/presentationml/2006/main" showMasterSp="0" type="picTx" preserve="1">
-  <p:cSld name="含輔助字幕的圖片">
+<p:sldLayout xmlns:a="http://schemas.openxmlformats.org/drawingml/2006/main" xmlns:r="http://schemas.openxmlformats.org/officeDocument/2006/relationships" xmlns:p="http://schemas.openxmlformats.org/presentationml/2006/main" type="picTx" preserve="1">
+  <p:cSld name="含標題的圖片">
     <p:spTree>
       <p:nvGrpSpPr>
         <p:cNvPr id="1" name=""/>
@@ -3763,75 +5590,18 @@
       </p:grpSpPr>
       <p:sp>
         <p:nvSpPr>
-          <p:cNvPr id="11" name="Rectangle 10"/>
-          <p:cNvSpPr/>
-          <p:nvPr/>
+          <p:cNvPr id="2" name="Title 1"/>
+          <p:cNvSpPr>
+            <a:spLocks noGrp="1"/>
+          </p:cNvSpPr>
+          <p:nvPr>
+            <p:ph type="title"/>
+          </p:nvPr>
         </p:nvSpPr>
         <p:spPr>
           <a:xfrm>
-            <a:off x="6227806" y="1"/>
-            <a:ext cx="2916194" cy="6857999"/>
-          </a:xfrm>
-          <a:prstGeom prst="rect">
-            <a:avLst/>
-          </a:prstGeom>
-          <a:blipFill dpi="0" rotWithShape="1">
-            <a:blip r:embed="rId2">
-              <a:alphaModFix amt="60000"/>
-              <a:lum bright="70000" contrast="-70000"/>
-              <a:extLst>
-                <a:ext uri="{BEBA8EAE-BF5A-486C-A8C5-ECC9F3942E4B}">
-                  <a14:imgProps xmlns:a14="http://schemas.microsoft.com/office/drawing/2010/main">
-                    <a14:imgLayer r:embed="rId3">
-                      <a14:imgEffect>
-                        <a14:sharpenSoften amount="61000"/>
-                      </a14:imgEffect>
-                    </a14:imgLayer>
-                  </a14:imgProps>
-                </a:ext>
-                <a:ext uri="{28A0092B-C50C-407E-A947-70E740481C1C}">
-                  <a14:useLocalDpi xmlns:a14="http://schemas.microsoft.com/office/drawing/2010/main" val="0"/>
-                </a:ext>
-              </a:extLst>
-            </a:blip>
-            <a:srcRect/>
-            <a:tile tx="0" ty="-704850" sx="92000" sy="89000" flip="xy" algn="ctr"/>
-          </a:blipFill>
-          <a:ln>
-            <a:noFill/>
-          </a:ln>
-        </p:spPr>
-        <p:style>
-          <a:lnRef idx="2">
-            <a:schemeClr val="accent1">
-              <a:shade val="50000"/>
-            </a:schemeClr>
-          </a:lnRef>
-          <a:fillRef idx="1">
-            <a:schemeClr val="accent1"/>
-          </a:fillRef>
-          <a:effectRef idx="0">
-            <a:schemeClr val="accent1"/>
-          </a:effectRef>
-          <a:fontRef idx="minor">
-            <a:schemeClr val="lt1"/>
-          </a:fontRef>
-        </p:style>
-      </p:sp>
-      <p:sp>
-        <p:nvSpPr>
-          <p:cNvPr id="2" name="Title 1"/>
-          <p:cNvSpPr>
-            <a:spLocks noGrp="1"/>
-          </p:cNvSpPr>
-          <p:nvPr>
-            <p:ph type="title"/>
-          </p:nvPr>
-        </p:nvSpPr>
-        <p:spPr>
-          <a:xfrm>
-            <a:off x="6412230" y="685800"/>
-            <a:ext cx="2400300" cy="1737360"/>
+            <a:off x="1176865" y="1883832"/>
+            <a:ext cx="3632202" cy="1371600"/>
           </a:xfrm>
         </p:spPr>
         <p:txBody>
@@ -3839,13 +5609,13 @@
             <a:normAutofit/>
           </a:bodyPr>
           <a:lstStyle>
-            <a:lvl1pPr>
-              <a:defRPr sz="2800" b="0"/>
+            <a:lvl1pPr algn="ctr">
+              <a:defRPr sz="2400" b="0"/>
             </a:lvl1pPr>
           </a:lstStyle>
           <a:p>
             <a:r>
-              <a:rPr lang="zh-TW" altLang="en-US"/>
+              <a:rPr lang="zh-TW" altLang="en-US" smtClean="0"/>
               <a:t>按一下以編輯母片標題樣式</a:t>
             </a:r>
             <a:endParaRPr lang="en-US" dirty="0"/>
@@ -3854,7 +5624,7 @@
       </p:sp>
       <p:sp>
         <p:nvSpPr>
-          <p:cNvPr id="3" name="Picture Placeholder 2"/>
+          <p:cNvPr id="17" name="Picture Placeholder 2"/>
           <p:cNvSpPr>
             <a:spLocks noGrp="1" noChangeAspect="1"/>
           </p:cNvSpPr>
@@ -3864,101 +5634,105 @@
         </p:nvSpPr>
         <p:spPr>
           <a:xfrm>
-            <a:off x="0" y="0"/>
-            <a:ext cx="6227805" cy="6858000"/>
+            <a:off x="5183069" y="1032933"/>
+            <a:ext cx="2929463" cy="4792136"/>
           </a:xfrm>
-          <a:solidFill>
-            <a:schemeClr val="tx2">
-              <a:lumMod val="20000"/>
-              <a:lumOff val="80000"/>
-            </a:schemeClr>
-          </a:solidFill>
+          <a:prstGeom prst="roundRect">
+            <a:avLst>
+              <a:gd name="adj" fmla="val 0"/>
+            </a:avLst>
+          </a:prstGeom>
+          <a:ln w="57150" cmpd="thickThin">
+            <a:solidFill>
+              <a:schemeClr val="tx1">
+                <a:lumMod val="50000"/>
+                <a:lumOff val="50000"/>
+              </a:schemeClr>
+            </a:solidFill>
+          </a:ln>
+          <a:effectLst>
+            <a:innerShdw blurRad="57150" dist="38100" dir="14460000">
+              <a:srgbClr val="000000">
+                <a:alpha val="70000"/>
+              </a:srgbClr>
+            </a:innerShdw>
+          </a:effectLst>
         </p:spPr>
         <p:txBody>
-          <a:bodyPr anchor="t"/>
-          <a:lstStyle>
-            <a:lvl1pPr marL="0" indent="0">
-              <a:buNone/>
-              <a:defRPr sz="3200"/>
-            </a:lvl1pPr>
-            <a:lvl2pPr marL="457200" indent="0">
-              <a:buNone/>
-              <a:defRPr sz="2800"/>
-            </a:lvl2pPr>
-            <a:lvl3pPr marL="914400" indent="0">
-              <a:buNone/>
-              <a:defRPr sz="2400"/>
-            </a:lvl3pPr>
-            <a:lvl4pPr marL="1371600" indent="0">
-              <a:buNone/>
-              <a:defRPr sz="2000"/>
-            </a:lvl4pPr>
-            <a:lvl5pPr marL="1828800" indent="0">
-              <a:buNone/>
-              <a:defRPr sz="2000"/>
-            </a:lvl5pPr>
-            <a:lvl6pPr marL="2286000" indent="0">
-              <a:buNone/>
-              <a:defRPr sz="2000"/>
-            </a:lvl6pPr>
-            <a:lvl7pPr marL="2743200" indent="0">
-              <a:buNone/>
-              <a:defRPr sz="2000"/>
-            </a:lvl7pPr>
-            <a:lvl8pPr marL="3200400" indent="0">
-              <a:buNone/>
-              <a:defRPr sz="2000"/>
-            </a:lvl8pPr>
-            <a:lvl9pPr marL="3657600" indent="0">
-              <a:buNone/>
-              <a:defRPr sz="2000"/>
-            </a:lvl9pPr>
-          </a:lstStyle>
-          <a:p>
-            <a:r>
-              <a:rPr lang="zh-TW" altLang="en-US"/>
-              <a:t>按一下圖示以新增圖片</a:t>
-            </a:r>
-            <a:endParaRPr lang="en-US" dirty="0"/>
-          </a:p>
-        </p:txBody>
-      </p:sp>
-      <p:sp>
-        <p:nvSpPr>
-          <p:cNvPr id="4" name="Text Placeholder 3"/>
-          <p:cNvSpPr>
-            <a:spLocks noGrp="1"/>
-          </p:cNvSpPr>
-          <p:nvPr>
-            <p:ph type="body" sz="half" idx="2"/>
-          </p:nvPr>
-        </p:nvSpPr>
-        <p:spPr>
-          <a:xfrm>
-            <a:off x="6412230" y="2423160"/>
-            <a:ext cx="2400300" cy="3291840"/>
-          </a:xfrm>
-        </p:spPr>
-        <p:txBody>
-          <a:bodyPr>
+          <a:bodyPr anchor="t">
             <a:normAutofit/>
           </a:bodyPr>
           <a:lstStyle>
-            <a:lvl1pPr marL="0" indent="0">
-              <a:lnSpc>
-                <a:spcPct val="100000"/>
-              </a:lnSpc>
-              <a:spcBef>
-                <a:spcPts val="1000"/>
-              </a:spcBef>
-              <a:buNone/>
-              <a:defRPr sz="1350">
-                <a:solidFill>
-                  <a:schemeClr val="accent1">
-                    <a:lumMod val="50000"/>
-                  </a:schemeClr>
-                </a:solidFill>
-              </a:defRPr>
+            <a:lvl1pPr marL="0" indent="0" algn="ctr">
+              <a:buNone/>
+              <a:defRPr sz="1600"/>
+            </a:lvl1pPr>
+            <a:lvl2pPr marL="457200" indent="0">
+              <a:buNone/>
+              <a:defRPr sz="1600"/>
+            </a:lvl2pPr>
+            <a:lvl3pPr marL="914400" indent="0">
+              <a:buNone/>
+              <a:defRPr sz="1600"/>
+            </a:lvl3pPr>
+            <a:lvl4pPr marL="1371600" indent="0">
+              <a:buNone/>
+              <a:defRPr sz="1600"/>
+            </a:lvl4pPr>
+            <a:lvl5pPr marL="1828800" indent="0">
+              <a:buNone/>
+              <a:defRPr sz="1600"/>
+            </a:lvl5pPr>
+            <a:lvl6pPr marL="2286000" indent="0">
+              <a:buNone/>
+              <a:defRPr sz="1600"/>
+            </a:lvl6pPr>
+            <a:lvl7pPr marL="2743200" indent="0">
+              <a:buNone/>
+              <a:defRPr sz="1600"/>
+            </a:lvl7pPr>
+            <a:lvl8pPr marL="3200400" indent="0">
+              <a:buNone/>
+              <a:defRPr sz="1600"/>
+            </a:lvl8pPr>
+            <a:lvl9pPr marL="3657600" indent="0">
+              <a:buNone/>
+              <a:defRPr sz="1600"/>
+            </a:lvl9pPr>
+          </a:lstStyle>
+          <a:p>
+            <a:r>
+              <a:rPr lang="zh-TW" altLang="en-US" smtClean="0"/>
+              <a:t>按一下圖示以新增圖片</a:t>
+            </a:r>
+            <a:endParaRPr lang="en-US" dirty="0"/>
+          </a:p>
+        </p:txBody>
+      </p:sp>
+      <p:sp>
+        <p:nvSpPr>
+          <p:cNvPr id="4" name="Text Placeholder 3"/>
+          <p:cNvSpPr>
+            <a:spLocks noGrp="1"/>
+          </p:cNvSpPr>
+          <p:nvPr>
+            <p:ph type="body" sz="half" idx="2"/>
+          </p:nvPr>
+        </p:nvSpPr>
+        <p:spPr>
+          <a:xfrm>
+            <a:off x="1176865" y="3255432"/>
+            <a:ext cx="3632201" cy="1828800"/>
+          </a:xfrm>
+        </p:spPr>
+        <p:txBody>
+          <a:bodyPr anchor="t">
+            <a:normAutofit/>
+          </a:bodyPr>
+          <a:lstStyle>
+            <a:lvl1pPr marL="0" indent="0" algn="ctr">
+              <a:buNone/>
+              <a:defRPr sz="1600"/>
             </a:lvl1pPr>
             <a:lvl2pPr marL="457200" indent="0">
               <a:buNone/>
@@ -3996,106 +5770,15 @@
           <a:p>
             <a:pPr lvl="0"/>
             <a:r>
-              <a:rPr lang="zh-TW" altLang="en-US"/>
-              <a:t>按一下以編輯母片文字樣式</a:t>
-            </a:r>
-          </a:p>
-        </p:txBody>
-      </p:sp>
-      <p:grpSp>
-        <p:nvGrpSpPr>
-          <p:cNvPr id="12" name="Group 11"/>
-          <p:cNvGrpSpPr/>
-          <p:nvPr/>
-        </p:nvGrpSpPr>
-        <p:grpSpPr>
-          <a:xfrm>
-            <a:off x="8522664" y="6255258"/>
-            <a:ext cx="393192" cy="393192"/>
-            <a:chOff x="8532189" y="5068824"/>
-            <a:chExt cx="393192" cy="393192"/>
-          </a:xfrm>
-        </p:grpSpPr>
-        <p:sp>
-          <p:nvSpPr>
-            <p:cNvPr id="13" name="Oval 12"/>
-            <p:cNvSpPr>
-              <a:spLocks noChangeAspect="1"/>
-            </p:cNvSpPr>
-            <p:nvPr/>
-          </p:nvSpPr>
-          <p:spPr>
-            <a:xfrm>
-              <a:off x="8532189" y="5068824"/>
-              <a:ext cx="393192" cy="393192"/>
-            </a:xfrm>
-            <a:prstGeom prst="ellipse">
-              <a:avLst/>
-            </a:prstGeom>
-            <a:blipFill dpi="0" rotWithShape="1">
-              <a:blip r:embed="rId4">
-                <a:duotone>
-                  <a:schemeClr val="accent1">
-                    <a:shade val="45000"/>
-                    <a:satMod val="135000"/>
-                  </a:schemeClr>
-                  <a:prstClr val="white"/>
-                </a:duotone>
-                <a:extLst>
-                  <a:ext uri="{BEBA8EAE-BF5A-486C-A8C5-ECC9F3942E4B}">
-                    <a14:imgProps xmlns:a14="http://schemas.microsoft.com/office/drawing/2010/main">
-                      <a14:imgLayer r:embed="rId5">
-                        <a14:imgEffect>
-                          <a14:saturation sat="95000"/>
-                        </a14:imgEffect>
-                        <a14:imgEffect>
-                          <a14:brightnessContrast bright="-40000" contrast="20000"/>
-                        </a14:imgEffect>
-                      </a14:imgLayer>
-                    </a14:imgProps>
-                  </a:ext>
-                </a:extLst>
-              </a:blip>
-              <a:srcRect/>
-              <a:tile tx="50800" ty="0" sx="85000" sy="85000" flip="none" algn="tl"/>
-            </a:blipFill>
-            <a:ln w="25400" cap="flat" cmpd="sng" algn="ctr">
-              <a:noFill/>
-              <a:prstDash val="solid"/>
-            </a:ln>
-            <a:effectLst/>
-          </p:spPr>
-        </p:sp>
-        <p:sp>
-          <p:nvSpPr>
-            <p:cNvPr id="14" name="Oval 13"/>
-            <p:cNvSpPr>
-              <a:spLocks noChangeAspect="1"/>
-            </p:cNvSpPr>
-            <p:nvPr/>
-          </p:nvSpPr>
-          <p:spPr>
-            <a:xfrm>
-              <a:off x="8568766" y="5105400"/>
-              <a:ext cx="320039" cy="320040"/>
-            </a:xfrm>
-            <a:prstGeom prst="ellipse">
-              <a:avLst/>
-            </a:prstGeom>
-            <a:noFill/>
-            <a:ln w="12700" cap="flat" cmpd="sng" algn="ctr">
-              <a:solidFill>
-                <a:srgbClr val="FFFFFF"/>
-              </a:solidFill>
-              <a:prstDash val="solid"/>
-            </a:ln>
-            <a:effectLst/>
-          </p:spPr>
-        </p:sp>
-      </p:grpSp>
-      <p:sp>
-        <p:nvSpPr>
-          <p:cNvPr id="8" name="Date Placeholder 7"/>
+              <a:rPr lang="zh-TW" altLang="en-US" smtClean="0"/>
+              <a:t>編輯母片文字樣式</a:t>
+            </a:r>
+          </a:p>
+        </p:txBody>
+      </p:sp>
+      <p:sp>
+        <p:nvSpPr>
+          <p:cNvPr id="5" name="Date Placeholder 4"/>
           <p:cNvSpPr>
             <a:spLocks noGrp="1"/>
           </p:cNvSpPr>
@@ -4110,7 +5793,7 @@
           <a:p>
             <a:fld id="{480BD83A-BF40-4508-AEFE-6F568306C8F9}" type="datetime1">
               <a:rPr lang="zh-TW" altLang="en-US" smtClean="0"/>
-              <a:t>2019/11/17</a:t>
+              <a:t>2019/11/26</a:t>
             </a:fld>
             <a:endParaRPr lang="zh-TW" altLang="en-US"/>
           </a:p>
@@ -4118,7 +5801,26 @@
       </p:sp>
       <p:sp>
         <p:nvSpPr>
-          <p:cNvPr id="10" name="Slide Number Placeholder 9"/>
+          <p:cNvPr id="6" name="Footer Placeholder 5"/>
+          <p:cNvSpPr>
+            <a:spLocks noGrp="1"/>
+          </p:cNvSpPr>
+          <p:nvPr>
+            <p:ph type="ftr" sz="quarter" idx="11"/>
+          </p:nvPr>
+        </p:nvSpPr>
+        <p:spPr/>
+        <p:txBody>
+          <a:bodyPr/>
+          <a:lstStyle/>
+          <a:p>
+            <a:endParaRPr lang="zh-TW" altLang="en-US"/>
+          </a:p>
+        </p:txBody>
+      </p:sp>
+      <p:sp>
+        <p:nvSpPr>
+          <p:cNvPr id="7" name="Slide Number Placeholder 6"/>
           <p:cNvSpPr>
             <a:spLocks noGrp="1"/>
           </p:cNvSpPr>
@@ -4142,7 +5844,7 @@
     </p:spTree>
     <p:extLst>
       <p:ext uri="{BB962C8B-B14F-4D97-AF65-F5344CB8AC3E}">
-        <p14:creationId xmlns:p14="http://schemas.microsoft.com/office/powerpoint/2010/main" val="2257641221"/>
+        <p14:creationId xmlns:p14="http://schemas.microsoft.com/office/powerpoint/2010/main" val="46699676"/>
       </p:ext>
     </p:extLst>
   </p:cSld>
@@ -4157,7 +5859,7 @@
 <p:sldMaster xmlns:a="http://schemas.openxmlformats.org/drawingml/2006/main" xmlns:r="http://schemas.openxmlformats.org/officeDocument/2006/relationships" xmlns:p="http://schemas.openxmlformats.org/presentationml/2006/main">
   <p:cSld>
     <p:bg>
-      <p:bgRef idx="1001">
+      <p:bgRef idx="1003">
         <a:schemeClr val="bg1"/>
       </p:bgRef>
     </p:bg>
@@ -4177,593 +5879,694 @@
       </p:grpSpPr>
       <p:grpSp>
         <p:nvGrpSpPr>
-          <p:cNvPr id="12" name="Group 11"/>
+          <p:cNvPr id="7" name="Group 6"/>
           <p:cNvGrpSpPr/>
           <p:nvPr/>
         </p:nvGrpSpPr>
         <p:grpSpPr>
           <a:xfrm>
-            <a:off x="8522664" y="6255258"/>
-            <a:ext cx="393192" cy="393192"/>
-            <a:chOff x="8532189" y="5068824"/>
-            <a:chExt cx="393192" cy="393192"/>
+            <a:off x="0" y="0"/>
+            <a:ext cx="9152467" cy="6858000"/>
+            <a:chOff x="0" y="0"/>
+            <a:chExt cx="9152467" cy="6858000"/>
           </a:xfrm>
         </p:grpSpPr>
-        <p:sp>
-          <p:nvSpPr>
-            <p:cNvPr id="8" name="Oval 7"/>
-            <p:cNvSpPr>
-              <a:spLocks noChangeAspect="1"/>
-            </p:cNvSpPr>
+        <p:pic>
+          <p:nvPicPr>
+            <p:cNvPr id="8" name="Picture 7" descr="SD-PanelContent.png"/>
+            <p:cNvPicPr>
+              <a:picLocks noChangeAspect="1"/>
+            </p:cNvPicPr>
             <p:nvPr/>
-          </p:nvSpPr>
-          <p:spPr>
-            <a:xfrm>
-              <a:off x="8532189" y="5068824"/>
-              <a:ext cx="393192" cy="393192"/>
-            </a:xfrm>
-            <a:prstGeom prst="ellipse">
-              <a:avLst/>
-            </a:prstGeom>
-            <a:blipFill dpi="0" rotWithShape="1">
-              <a:blip r:embed="rId13">
-                <a:duotone>
-                  <a:schemeClr val="accent1">
-                    <a:shade val="45000"/>
-                    <a:satMod val="135000"/>
-                  </a:schemeClr>
-                  <a:prstClr val="white"/>
-                </a:duotone>
-                <a:extLst>
-                  <a:ext uri="{BEBA8EAE-BF5A-486C-A8C5-ECC9F3942E4B}">
-                    <a14:imgProps xmlns:a14="http://schemas.microsoft.com/office/drawing/2010/main">
-                      <a14:imgLayer r:embed="rId14">
-                        <a14:imgEffect>
-                          <a14:saturation sat="95000"/>
-                        </a14:imgEffect>
-                        <a14:imgEffect>
-                          <a14:brightnessContrast bright="-40000" contrast="20000"/>
-                        </a14:imgEffect>
-                      </a14:imgLayer>
-                    </a14:imgProps>
-                  </a:ext>
-                </a:extLst>
-              </a:blip>
-              <a:srcRect/>
-              <a:tile tx="50800" ty="0" sx="85000" sy="85000" flip="none" algn="tl"/>
-            </a:blipFill>
-            <a:ln w="25400" cap="flat" cmpd="sng" algn="ctr">
-              <a:noFill/>
-              <a:prstDash val="solid"/>
-            </a:ln>
-            <a:effectLst/>
-          </p:spPr>
-        </p:sp>
-        <p:sp>
-          <p:nvSpPr>
-            <p:cNvPr id="9" name="Oval 8"/>
-            <p:cNvSpPr>
-              <a:spLocks noChangeAspect="1"/>
-            </p:cNvSpPr>
-            <p:nvPr/>
-          </p:nvSpPr>
-          <p:spPr>
-            <a:xfrm>
-              <a:off x="8568766" y="5105400"/>
-              <a:ext cx="320039" cy="320040"/>
-            </a:xfrm>
-            <a:prstGeom prst="ellipse">
-              <a:avLst/>
-            </a:prstGeom>
-            <a:noFill/>
-            <a:ln w="12700" cap="flat" cmpd="sng" algn="ctr">
-              <a:solidFill>
-                <a:srgbClr val="FFFFFF"/>
-              </a:solidFill>
-              <a:prstDash val="solid"/>
-            </a:ln>
-            <a:effectLst/>
-          </p:spPr>
-        </p:sp>
-      </p:grpSp>
-      <p:sp>
-        <p:nvSpPr>
-          <p:cNvPr id="2" name="Title Placeholder 1"/>
-          <p:cNvSpPr>
-            <a:spLocks noGrp="1"/>
-          </p:cNvSpPr>
-          <p:nvPr>
-            <p:ph type="title"/>
-          </p:nvPr>
-        </p:nvSpPr>
-        <p:spPr>
-          <a:xfrm>
-            <a:off x="685800" y="484632"/>
-            <a:ext cx="7772400" cy="1609344"/>
-          </a:xfrm>
-          <a:prstGeom prst="rect">
-            <a:avLst/>
-          </a:prstGeom>
-        </p:spPr>
-        <p:txBody>
-          <a:bodyPr vert="horz" lIns="91440" tIns="45720" rIns="91440" bIns="45720" rtlCol="0" anchor="ctr">
-            <a:normAutofit/>
-          </a:bodyPr>
-          <a:lstStyle/>
-          <a:p>
-            <a:r>
-              <a:rPr lang="zh-TW" altLang="en-US"/>
-              <a:t>按一下以編輯母片標題樣式</a:t>
-            </a:r>
-            <a:endParaRPr lang="en-US" dirty="0"/>
-          </a:p>
-        </p:txBody>
-      </p:sp>
-      <p:sp>
-        <p:nvSpPr>
-          <p:cNvPr id="3" name="Text Placeholder 2"/>
-          <p:cNvSpPr>
-            <a:spLocks noGrp="1"/>
-          </p:cNvSpPr>
-          <p:nvPr>
-            <p:ph type="body" idx="1"/>
-          </p:nvPr>
-        </p:nvSpPr>
-        <p:spPr>
-          <a:xfrm>
-            <a:off x="685800" y="2121408"/>
-            <a:ext cx="7772400" cy="4050792"/>
-          </a:xfrm>
-          <a:prstGeom prst="rect">
-            <a:avLst/>
-          </a:prstGeom>
-        </p:spPr>
-        <p:txBody>
-          <a:bodyPr vert="horz" lIns="91440" tIns="45720" rIns="91440" bIns="45720" rtlCol="0">
-            <a:normAutofit/>
-          </a:bodyPr>
-          <a:lstStyle/>
-          <a:p>
-            <a:pPr lvl="0"/>
-            <a:r>
-              <a:rPr lang="zh-TW" altLang="en-US"/>
-              <a:t>按一下以編輯母片文字樣式</a:t>
-            </a:r>
-          </a:p>
-          <a:p>
-            <a:pPr lvl="1"/>
-            <a:r>
-              <a:rPr lang="zh-TW" altLang="en-US"/>
-              <a:t>第二層</a:t>
-            </a:r>
-          </a:p>
-          <a:p>
-            <a:pPr lvl="2"/>
-            <a:r>
-              <a:rPr lang="zh-TW" altLang="en-US"/>
-              <a:t>第三層</a:t>
-            </a:r>
-          </a:p>
-          <a:p>
-            <a:pPr lvl="3"/>
-            <a:r>
-              <a:rPr lang="zh-TW" altLang="en-US"/>
-              <a:t>第四層</a:t>
-            </a:r>
-          </a:p>
-          <a:p>
-            <a:pPr lvl="4"/>
-            <a:r>
-              <a:rPr lang="zh-TW" altLang="en-US"/>
-              <a:t>第五層</a:t>
-            </a:r>
-            <a:endParaRPr lang="en-US" dirty="0"/>
-          </a:p>
-        </p:txBody>
-      </p:sp>
-      <p:sp>
-        <p:nvSpPr>
-          <p:cNvPr id="4" name="Date Placeholder 3"/>
-          <p:cNvSpPr>
-            <a:spLocks noGrp="1"/>
-          </p:cNvSpPr>
-          <p:nvPr>
-            <p:ph type="dt" sz="half" idx="2"/>
-          </p:nvPr>
-        </p:nvSpPr>
-        <p:spPr>
-          <a:xfrm>
-            <a:off x="5992368" y="6272785"/>
-            <a:ext cx="2455164" cy="365125"/>
-          </a:xfrm>
-          <a:prstGeom prst="rect">
-            <a:avLst/>
-          </a:prstGeom>
-        </p:spPr>
-        <p:txBody>
-          <a:bodyPr vert="horz" lIns="91440" tIns="45720" rIns="91440" bIns="45720" rtlCol="0" anchor="ctr"/>
-          <a:lstStyle>
-            <a:lvl1pPr algn="r">
-              <a:defRPr sz="1000">
-                <a:solidFill>
-                  <a:schemeClr val="accent1">
-                    <a:lumMod val="50000"/>
-                  </a:schemeClr>
-                </a:solidFill>
-              </a:defRPr>
-            </a:lvl1pPr>
-          </a:lstStyle>
-          <a:p>
-            <a:fld id="{480BD83A-BF40-4508-AEFE-6F568306C8F9}" type="datetime1">
-              <a:rPr lang="zh-TW" altLang="en-US" smtClean="0"/>
-              <a:t>2019/11/17</a:t>
-            </a:fld>
-            <a:endParaRPr lang="zh-TW" altLang="en-US"/>
-          </a:p>
-        </p:txBody>
-      </p:sp>
-      <p:sp>
-        <p:nvSpPr>
-          <p:cNvPr id="5" name="Footer Placeholder 4"/>
-          <p:cNvSpPr>
-            <a:spLocks noGrp="1"/>
-          </p:cNvSpPr>
-          <p:nvPr>
-            <p:ph type="ftr" sz="quarter" idx="3"/>
-          </p:nvPr>
-        </p:nvSpPr>
-        <p:spPr>
-          <a:xfrm>
-            <a:off x="685800" y="6272785"/>
-            <a:ext cx="4745736" cy="365125"/>
-          </a:xfrm>
-          <a:prstGeom prst="rect">
-            <a:avLst/>
-          </a:prstGeom>
-        </p:spPr>
-        <p:txBody>
-          <a:bodyPr vert="horz" lIns="91440" tIns="45720" rIns="91440" bIns="45720" rtlCol="0" anchor="ctr"/>
-          <a:lstStyle>
-            <a:lvl1pPr algn="l">
-              <a:defRPr sz="1000">
-                <a:solidFill>
-                  <a:schemeClr val="accent1">
-                    <a:lumMod val="50000"/>
-                  </a:schemeClr>
-                </a:solidFill>
-              </a:defRPr>
-            </a:lvl1pPr>
-          </a:lstStyle>
-          <a:p>
-            <a:endParaRPr lang="zh-TW" altLang="en-US"/>
-          </a:p>
-        </p:txBody>
-      </p:sp>
-      <p:sp>
-        <p:nvSpPr>
-          <p:cNvPr id="6" name="Slide Number Placeholder 5"/>
-          <p:cNvSpPr>
-            <a:spLocks noGrp="1"/>
-          </p:cNvSpPr>
-          <p:nvPr>
-            <p:ph type="sldNum" sz="quarter" idx="4"/>
-          </p:nvPr>
-        </p:nvSpPr>
-        <p:spPr>
-          <a:xfrm>
-            <a:off x="8483346" y="6272785"/>
-            <a:ext cx="480060" cy="365125"/>
-          </a:xfrm>
-          <a:prstGeom prst="rect">
-            <a:avLst/>
-          </a:prstGeom>
-        </p:spPr>
-        <p:txBody>
-          <a:bodyPr vert="horz" lIns="91440" tIns="45720" rIns="91440" bIns="45720" rtlCol="0" anchor="ctr"/>
-          <a:lstStyle>
-            <a:lvl1pPr algn="ctr">
-              <a:defRPr sz="1100" b="1" spc="-70" baseline="0">
-                <a:solidFill>
-                  <a:srgbClr val="FFFFFF"/>
-                </a:solidFill>
-                <a:latin typeface="+mn-lt"/>
-              </a:defRPr>
-            </a:lvl1pPr>
-          </a:lstStyle>
-          <a:p>
-            <a:fld id="{80E16380-4998-42C3-B033-270161A8BE6B}" type="slidenum">
-              <a:rPr lang="zh-TW" altLang="en-US" smtClean="0"/>
-              <a:t>‹#›</a:t>
-            </a:fld>
-            <a:endParaRPr lang="zh-TW" altLang="en-US"/>
-          </a:p>
-        </p:txBody>
-      </p:sp>
-    </p:spTree>
-    <p:extLst>
-      <p:ext uri="{BB962C8B-B14F-4D97-AF65-F5344CB8AC3E}">
-        <p14:creationId xmlns:p14="http://schemas.microsoft.com/office/powerpoint/2010/main" val="2394497573"/>
-      </p:ext>
-    </p:extLst>
-  </p:cSld>
-  <p:clrMap bg1="lt1" tx1="dk1" bg2="lt2" tx2="dk2" accent1="accent1" accent2="accent2" accent3="accent3" accent4="accent4" accent5="accent5" accent6="accent6" hlink="hlink" folHlink="folHlink"/>
-  <p:sldLayoutIdLst>
-    <p:sldLayoutId id="2147483703" r:id="rId1"/>
-    <p:sldLayoutId id="2147483704" r:id="rId2"/>
-    <p:sldLayoutId id="2147483705" r:id="rId3"/>
-    <p:sldLayoutId id="2147483706" r:id="rId4"/>
-    <p:sldLayoutId id="2147483707" r:id="rId5"/>
-    <p:sldLayoutId id="2147483708" r:id="rId6"/>
-    <p:sldLayoutId id="2147483709" r:id="rId7"/>
-    <p:sldLayoutId id="2147483710" r:id="rId8"/>
-    <p:sldLayoutId id="2147483711" r:id="rId9"/>
-    <p:sldLayoutId id="2147483712" r:id="rId10"/>
-    <p:sldLayoutId id="2147483713" r:id="rId11"/>
-  </p:sldLayoutIdLst>
-  <p:hf hdr="0" ftr="0" dt="0"/>
-  <p:txStyles>
-    <p:titleStyle>
-      <a:lvl1pPr algn="l" defTabSz="914400" rtl="0" eaLnBrk="1" latinLnBrk="0" hangingPunct="1">
-        <a:lnSpc>
-          <a:spcPct val="90000"/>
-        </a:lnSpc>
-        <a:spcBef>
-          <a:spcPct val="0"/>
-        </a:spcBef>
-        <a:buNone/>
-        <a:defRPr sz="4200" b="0" kern="1200" cap="all" baseline="0">
-          <a:blipFill>
-            <a:blip r:embed="rId15">
+          </p:nvPicPr>
+          <p:blipFill>
+            <a:blip r:embed="rId19">
               <a:extLst>
                 <a:ext uri="{28A0092B-C50C-407E-A947-70E740481C1C}">
                   <a14:useLocalDpi xmlns:a14="http://schemas.microsoft.com/office/drawing/2010/main" val="0"/>
                 </a:ext>
               </a:extLst>
             </a:blip>
-            <a:tile tx="6350" ty="-127000" sx="65000" sy="64000" flip="none" algn="tl"/>
-          </a:blipFill>
+            <a:stretch>
+              <a:fillRect/>
+            </a:stretch>
+          </p:blipFill>
+          <p:spPr>
+            <a:xfrm>
+              <a:off x="0" y="0"/>
+              <a:ext cx="9144000" cy="6858000"/>
+            </a:xfrm>
+            <a:prstGeom prst="rect">
+              <a:avLst/>
+            </a:prstGeom>
+          </p:spPr>
+        </p:pic>
+        <p:sp>
+          <p:nvSpPr>
+            <p:cNvPr id="9" name="Rectangle 8"/>
+            <p:cNvSpPr/>
+            <p:nvPr/>
+          </p:nvSpPr>
+          <p:spPr>
+            <a:xfrm>
+              <a:off x="553888" y="542807"/>
+              <a:ext cx="8039776" cy="5756392"/>
+            </a:xfrm>
+            <a:prstGeom prst="rect">
+              <a:avLst/>
+            </a:prstGeom>
+            <a:noFill/>
+            <a:ln w="15875" cap="flat">
+              <a:miter lim="800000"/>
+            </a:ln>
+          </p:spPr>
+          <p:style>
+            <a:lnRef idx="1">
+              <a:schemeClr val="accent1"/>
+            </a:lnRef>
+            <a:fillRef idx="3">
+              <a:schemeClr val="accent1"/>
+            </a:fillRef>
+            <a:effectRef idx="2">
+              <a:schemeClr val="accent1"/>
+            </a:effectRef>
+            <a:fontRef idx="minor">
+              <a:schemeClr val="lt1"/>
+            </a:fontRef>
+          </p:style>
+        </p:sp>
+        <p:pic>
+          <p:nvPicPr>
+            <p:cNvPr id="10" name="Picture 9" descr="HDRibbonContent-UniformTrim.png"/>
+            <p:cNvPicPr>
+              <a:picLocks noChangeAspect="1"/>
+            </p:cNvPicPr>
+            <p:nvPr/>
+          </p:nvPicPr>
+          <p:blipFill rotWithShape="1">
+            <a:blip r:embed="rId20">
+              <a:extLst>
+                <a:ext uri="{28A0092B-C50C-407E-A947-70E740481C1C}">
+                  <a14:useLocalDpi xmlns:a14="http://schemas.microsoft.com/office/drawing/2010/main" val="0"/>
+                </a:ext>
+              </a:extLst>
+            </a:blip>
+            <a:srcRect l="1" r="14240"/>
+            <a:stretch/>
+          </p:blipFill>
+          <p:spPr>
+            <a:xfrm>
+              <a:off x="0" y="3128434"/>
+              <a:ext cx="685800" cy="606425"/>
+            </a:xfrm>
+            <a:prstGeom prst="rect">
+              <a:avLst/>
+            </a:prstGeom>
+          </p:spPr>
+        </p:pic>
+        <p:pic>
+          <p:nvPicPr>
+            <p:cNvPr id="11" name="Picture 10" descr="HDRibbonContent-UniformTrim.png"/>
+            <p:cNvPicPr>
+              <a:picLocks noChangeAspect="1"/>
+            </p:cNvPicPr>
+            <p:nvPr/>
+          </p:nvPicPr>
+          <p:blipFill rotWithShape="1">
+            <a:blip r:embed="rId20">
+              <a:extLst>
+                <a:ext uri="{28A0092B-C50C-407E-A947-70E740481C1C}">
+                  <a14:useLocalDpi xmlns:a14="http://schemas.microsoft.com/office/drawing/2010/main" val="0"/>
+                </a:ext>
+              </a:extLst>
+            </a:blip>
+            <a:srcRect l="1" r="14240"/>
+            <a:stretch/>
+          </p:blipFill>
+          <p:spPr>
+            <a:xfrm>
+              <a:off x="8466667" y="3128434"/>
+              <a:ext cx="685800" cy="606425"/>
+            </a:xfrm>
+            <a:prstGeom prst="rect">
+              <a:avLst/>
+            </a:prstGeom>
+          </p:spPr>
+        </p:pic>
+      </p:grpSp>
+      <p:sp>
+        <p:nvSpPr>
+          <p:cNvPr id="2" name="Title Placeholder 1"/>
+          <p:cNvSpPr>
+            <a:spLocks noGrp="1"/>
+          </p:cNvSpPr>
+          <p:nvPr>
+            <p:ph type="title"/>
+          </p:nvPr>
+        </p:nvSpPr>
+        <p:spPr>
+          <a:xfrm>
+            <a:off x="1176866" y="915337"/>
+            <a:ext cx="6798734" cy="1303867"/>
+          </a:xfrm>
+          <a:prstGeom prst="rect">
+            <a:avLst/>
+          </a:prstGeom>
+          <a:effectLst/>
+        </p:spPr>
+        <p:txBody>
+          <a:bodyPr vert="horz" lIns="91440" tIns="45720" rIns="91440" bIns="45720" rtlCol="0" anchor="ctr">
+            <a:normAutofit/>
+          </a:bodyPr>
+          <a:lstStyle/>
+          <a:p>
+            <a:r>
+              <a:rPr lang="zh-TW" altLang="en-US" smtClean="0"/>
+              <a:t>按一下以編輯母片標題樣式</a:t>
+            </a:r>
+            <a:endParaRPr lang="en-US" dirty="0"/>
+          </a:p>
+        </p:txBody>
+      </p:sp>
+      <p:sp>
+        <p:nvSpPr>
+          <p:cNvPr id="3" name="Text Placeholder 2"/>
+          <p:cNvSpPr>
+            <a:spLocks noGrp="1"/>
+          </p:cNvSpPr>
+          <p:nvPr>
+            <p:ph type="body" idx="1"/>
+          </p:nvPr>
+        </p:nvSpPr>
+        <p:spPr>
+          <a:xfrm>
+            <a:off x="1176865" y="2490135"/>
+            <a:ext cx="6798736" cy="3444997"/>
+          </a:xfrm>
+          <a:prstGeom prst="rect">
+            <a:avLst/>
+          </a:prstGeom>
+        </p:spPr>
+        <p:txBody>
+          <a:bodyPr vert="horz" lIns="91440" tIns="45720" rIns="91440" bIns="45720" rtlCol="0" anchor="t">
+            <a:normAutofit/>
+          </a:bodyPr>
+          <a:lstStyle/>
+          <a:p>
+            <a:pPr lvl="0"/>
+            <a:r>
+              <a:rPr lang="zh-TW" altLang="en-US" smtClean="0"/>
+              <a:t>編輯母片文字樣式</a:t>
+            </a:r>
+          </a:p>
+          <a:p>
+            <a:pPr lvl="1"/>
+            <a:r>
+              <a:rPr lang="zh-TW" altLang="en-US" smtClean="0"/>
+              <a:t>第二層</a:t>
+            </a:r>
+          </a:p>
+          <a:p>
+            <a:pPr lvl="2"/>
+            <a:r>
+              <a:rPr lang="zh-TW" altLang="en-US" smtClean="0"/>
+              <a:t>第三層</a:t>
+            </a:r>
+          </a:p>
+          <a:p>
+            <a:pPr lvl="3"/>
+            <a:r>
+              <a:rPr lang="zh-TW" altLang="en-US" smtClean="0"/>
+              <a:t>第四層</a:t>
+            </a:r>
+          </a:p>
+          <a:p>
+            <a:pPr lvl="4"/>
+            <a:r>
+              <a:rPr lang="zh-TW" altLang="en-US" smtClean="0"/>
+              <a:t>第五層</a:t>
+            </a:r>
+            <a:endParaRPr lang="en-US" dirty="0"/>
+          </a:p>
+        </p:txBody>
+      </p:sp>
+      <p:sp>
+        <p:nvSpPr>
+          <p:cNvPr id="4" name="Date Placeholder 3"/>
+          <p:cNvSpPr>
+            <a:spLocks noGrp="1"/>
+          </p:cNvSpPr>
+          <p:nvPr>
+            <p:ph type="dt" sz="half" idx="2"/>
+          </p:nvPr>
+        </p:nvSpPr>
+        <p:spPr>
+          <a:xfrm>
+            <a:off x="6356670" y="5960533"/>
+            <a:ext cx="1148283" cy="279400"/>
+          </a:xfrm>
+          <a:prstGeom prst="rect">
+            <a:avLst/>
+          </a:prstGeom>
+        </p:spPr>
+        <p:txBody>
+          <a:bodyPr vert="horz" lIns="91440" tIns="45720" rIns="91440" bIns="45720" rtlCol="0" anchor="ctr"/>
+          <a:lstStyle>
+            <a:lvl1pPr algn="r">
+              <a:defRPr sz="1000" b="0" i="0">
+                <a:solidFill>
+                  <a:schemeClr val="tx1"/>
+                </a:solidFill>
+                <a:effectLst/>
+                <a:latin typeface="+mn-lt"/>
+              </a:defRPr>
+            </a:lvl1pPr>
+          </a:lstStyle>
+          <a:p>
+            <a:fld id="{480BD83A-BF40-4508-AEFE-6F568306C8F9}" type="datetime1">
+              <a:rPr lang="zh-TW" altLang="en-US" smtClean="0"/>
+              <a:t>2019/11/26</a:t>
+            </a:fld>
+            <a:endParaRPr lang="zh-TW" altLang="en-US"/>
+          </a:p>
+        </p:txBody>
+      </p:sp>
+      <p:sp>
+        <p:nvSpPr>
+          <p:cNvPr id="5" name="Footer Placeholder 4"/>
+          <p:cNvSpPr>
+            <a:spLocks noGrp="1"/>
+          </p:cNvSpPr>
+          <p:nvPr>
+            <p:ph type="ftr" sz="quarter" idx="3"/>
+          </p:nvPr>
+        </p:nvSpPr>
+        <p:spPr>
+          <a:xfrm>
+            <a:off x="1176865" y="5960533"/>
+            <a:ext cx="5104667" cy="279400"/>
+          </a:xfrm>
+          <a:prstGeom prst="rect">
+            <a:avLst/>
+          </a:prstGeom>
+        </p:spPr>
+        <p:txBody>
+          <a:bodyPr vert="horz" lIns="91440" tIns="45720" rIns="91440" bIns="45720" rtlCol="0" anchor="ctr"/>
+          <a:lstStyle>
+            <a:lvl1pPr algn="l">
+              <a:defRPr sz="1000" b="0" i="0">
+                <a:solidFill>
+                  <a:schemeClr val="tx1"/>
+                </a:solidFill>
+                <a:effectLst/>
+                <a:latin typeface="+mn-lt"/>
+              </a:defRPr>
+            </a:lvl1pPr>
+          </a:lstStyle>
+          <a:p>
+            <a:endParaRPr lang="zh-TW" altLang="en-US"/>
+          </a:p>
+        </p:txBody>
+      </p:sp>
+      <p:sp>
+        <p:nvSpPr>
+          <p:cNvPr id="6" name="Slide Number Placeholder 5"/>
+          <p:cNvSpPr>
+            <a:spLocks noGrp="1"/>
+          </p:cNvSpPr>
+          <p:nvPr>
+            <p:ph type="sldNum" sz="quarter" idx="4"/>
+          </p:nvPr>
+        </p:nvSpPr>
+        <p:spPr>
+          <a:xfrm>
+            <a:off x="7580091" y="5960533"/>
+            <a:ext cx="395510" cy="279400"/>
+          </a:xfrm>
+          <a:prstGeom prst="rect">
+            <a:avLst/>
+          </a:prstGeom>
+        </p:spPr>
+        <p:txBody>
+          <a:bodyPr vert="horz" lIns="91440" tIns="45720" rIns="91440" bIns="45720" rtlCol="0" anchor="ctr"/>
+          <a:lstStyle>
+            <a:lvl1pPr algn="r">
+              <a:defRPr sz="1000" b="0" i="0">
+                <a:solidFill>
+                  <a:schemeClr val="tx1"/>
+                </a:solidFill>
+                <a:effectLst/>
+                <a:latin typeface="+mn-lt"/>
+              </a:defRPr>
+            </a:lvl1pPr>
+          </a:lstStyle>
+          <a:p>
+            <a:fld id="{80E16380-4998-42C3-B033-270161A8BE6B}" type="slidenum">
+              <a:rPr lang="zh-TW" altLang="en-US" smtClean="0"/>
+              <a:t>‹#›</a:t>
+            </a:fld>
+            <a:endParaRPr lang="zh-TW" altLang="en-US"/>
+          </a:p>
+        </p:txBody>
+      </p:sp>
+    </p:spTree>
+    <p:extLst>
+      <p:ext uri="{BB962C8B-B14F-4D97-AF65-F5344CB8AC3E}">
+        <p14:creationId xmlns:p14="http://schemas.microsoft.com/office/powerpoint/2010/main" val="3889111651"/>
+      </p:ext>
+    </p:extLst>
+  </p:cSld>
+  <p:clrMap bg1="lt1" tx1="dk1" bg2="lt2" tx2="dk2" accent1="accent1" accent2="accent2" accent3="accent3" accent4="accent4" accent5="accent5" accent6="accent6" hlink="hlink" folHlink="folHlink"/>
+  <p:sldLayoutIdLst>
+    <p:sldLayoutId id="2147483715" r:id="rId1"/>
+    <p:sldLayoutId id="2147483716" r:id="rId2"/>
+    <p:sldLayoutId id="2147483717" r:id="rId3"/>
+    <p:sldLayoutId id="2147483718" r:id="rId4"/>
+    <p:sldLayoutId id="2147483719" r:id="rId5"/>
+    <p:sldLayoutId id="2147483720" r:id="rId6"/>
+    <p:sldLayoutId id="2147483721" r:id="rId7"/>
+    <p:sldLayoutId id="2147483722" r:id="rId8"/>
+    <p:sldLayoutId id="2147483723" r:id="rId9"/>
+    <p:sldLayoutId id="2147483724" r:id="rId10"/>
+    <p:sldLayoutId id="2147483725" r:id="rId11"/>
+    <p:sldLayoutId id="2147483726" r:id="rId12"/>
+    <p:sldLayoutId id="2147483727" r:id="rId13"/>
+    <p:sldLayoutId id="2147483728" r:id="rId14"/>
+    <p:sldLayoutId id="2147483729" r:id="rId15"/>
+    <p:sldLayoutId id="2147483730" r:id="rId16"/>
+    <p:sldLayoutId id="2147483731" r:id="rId17"/>
+  </p:sldLayoutIdLst>
+  <p:hf hdr="0" ftr="0" dt="0"/>
+  <p:txStyles>
+    <p:titleStyle>
+      <a:lvl1pPr algn="ctr" defTabSz="457200" rtl="0" eaLnBrk="1" latinLnBrk="0" hangingPunct="1">
+        <a:spcBef>
+          <a:spcPct val="0"/>
+        </a:spcBef>
+        <a:buNone/>
+        <a:defRPr sz="4000" kern="1200" cap="none">
+          <a:ln w="3175" cmpd="sng">
+            <a:noFill/>
+          </a:ln>
+          <a:solidFill>
+            <a:schemeClr val="tx1">
+              <a:lumMod val="85000"/>
+              <a:lumOff val="15000"/>
+            </a:schemeClr>
+          </a:solidFill>
+          <a:effectLst/>
           <a:latin typeface="+mj-lt"/>
           <a:ea typeface="+mj-ea"/>
           <a:cs typeface="+mj-cs"/>
         </a:defRPr>
       </a:lvl1pPr>
+      <a:lvl2pPr eaLnBrk="1" hangingPunct="1">
+        <a:defRPr>
+          <a:solidFill>
+            <a:schemeClr val="tx2"/>
+          </a:solidFill>
+        </a:defRPr>
+      </a:lvl2pPr>
+      <a:lvl3pPr eaLnBrk="1" hangingPunct="1">
+        <a:defRPr>
+          <a:solidFill>
+            <a:schemeClr val="tx2"/>
+          </a:solidFill>
+        </a:defRPr>
+      </a:lvl3pPr>
+      <a:lvl4pPr eaLnBrk="1" hangingPunct="1">
+        <a:defRPr>
+          <a:solidFill>
+            <a:schemeClr val="tx2"/>
+          </a:solidFill>
+        </a:defRPr>
+      </a:lvl4pPr>
+      <a:lvl5pPr eaLnBrk="1" hangingPunct="1">
+        <a:defRPr>
+          <a:solidFill>
+            <a:schemeClr val="tx2"/>
+          </a:solidFill>
+        </a:defRPr>
+      </a:lvl5pPr>
+      <a:lvl6pPr eaLnBrk="1" hangingPunct="1">
+        <a:defRPr>
+          <a:solidFill>
+            <a:schemeClr val="tx2"/>
+          </a:solidFill>
+        </a:defRPr>
+      </a:lvl6pPr>
+      <a:lvl7pPr eaLnBrk="1" hangingPunct="1">
+        <a:defRPr>
+          <a:solidFill>
+            <a:schemeClr val="tx2"/>
+          </a:solidFill>
+        </a:defRPr>
+      </a:lvl7pPr>
+      <a:lvl8pPr eaLnBrk="1" hangingPunct="1">
+        <a:defRPr>
+          <a:solidFill>
+            <a:schemeClr val="tx2"/>
+          </a:solidFill>
+        </a:defRPr>
+      </a:lvl8pPr>
+      <a:lvl9pPr eaLnBrk="1" hangingPunct="1">
+        <a:defRPr>
+          <a:solidFill>
+            <a:schemeClr val="tx2"/>
+          </a:solidFill>
+        </a:defRPr>
+      </a:lvl9pPr>
     </p:titleStyle>
     <p:bodyStyle>
-      <a:lvl1pPr marL="182880" indent="-182880" algn="l" defTabSz="914400" rtl="0" eaLnBrk="1" latinLnBrk="0" hangingPunct="1">
-        <a:lnSpc>
-          <a:spcPct val="90000"/>
-        </a:lnSpc>
+      <a:lvl1pPr marL="285750" indent="-285750" algn="l" defTabSz="457200" rtl="0" eaLnBrk="1" latinLnBrk="0" hangingPunct="1">
         <a:spcBef>
-          <a:spcPts val="1200"/>
+          <a:spcPct val="20000"/>
         </a:spcBef>
+        <a:spcAft>
+          <a:spcPts val="600"/>
+        </a:spcAft>
         <a:buClr>
-          <a:schemeClr val="accent1">
-            <a:lumMod val="75000"/>
-          </a:schemeClr>
+          <a:schemeClr val="accent1"/>
         </a:buClr>
-        <a:buSzPct val="85000"/>
-        <a:buFont typeface="Wingdings" pitchFamily="2" charset="2"/>
-        <a:buChar char="§"/>
-        <a:defRPr sz="2000" kern="1200">
+        <a:buSzPct val="115000"/>
+        <a:buFont typeface="Arial"/>
+        <a:buChar char="•"/>
+        <a:defRPr sz="2400" kern="1200" cap="none">
           <a:solidFill>
-            <a:schemeClr val="tx1"/>
+            <a:schemeClr val="tx1">
+              <a:lumMod val="85000"/>
+              <a:lumOff val="15000"/>
+            </a:schemeClr>
           </a:solidFill>
+          <a:effectLst/>
           <a:latin typeface="+mn-lt"/>
           <a:ea typeface="+mn-ea"/>
           <a:cs typeface="+mn-cs"/>
         </a:defRPr>
       </a:lvl1pPr>
-      <a:lvl2pPr marL="457200" indent="-182880" algn="l" defTabSz="914400" rtl="0" eaLnBrk="1" latinLnBrk="0" hangingPunct="1">
-        <a:lnSpc>
-          <a:spcPct val="90000"/>
-        </a:lnSpc>
+      <a:lvl2pPr marL="742950" indent="-285750" algn="l" defTabSz="457200" rtl="0" eaLnBrk="1" latinLnBrk="0" hangingPunct="1">
         <a:spcBef>
-          <a:spcPts val="400"/>
+          <a:spcPct val="20000"/>
         </a:spcBef>
         <a:spcAft>
-          <a:spcPts val="200"/>
+          <a:spcPts val="600"/>
         </a:spcAft>
         <a:buClr>
-          <a:schemeClr val="accent1">
-            <a:lumMod val="75000"/>
-          </a:schemeClr>
+          <a:schemeClr val="accent1"/>
         </a:buClr>
-        <a:buSzPct val="85000"/>
-        <a:buFont typeface="Wingdings" pitchFamily="2" charset="2"/>
-        <a:buChar char="§"/>
-        <a:defRPr sz="1800" kern="1200">
+        <a:buSzPct val="115000"/>
+        <a:buFont typeface="Arial"/>
+        <a:buChar char="•"/>
+        <a:defRPr sz="2000" kern="1200" cap="none">
           <a:solidFill>
-            <a:schemeClr val="tx1"/>
+            <a:schemeClr val="tx1">
+              <a:lumMod val="85000"/>
+              <a:lumOff val="15000"/>
+            </a:schemeClr>
           </a:solidFill>
+          <a:effectLst/>
           <a:latin typeface="+mn-lt"/>
           <a:ea typeface="+mn-ea"/>
           <a:cs typeface="+mn-cs"/>
         </a:defRPr>
       </a:lvl2pPr>
-      <a:lvl3pPr marL="731520" indent="-182880" algn="l" defTabSz="914400" rtl="0" eaLnBrk="1" latinLnBrk="0" hangingPunct="1">
-        <a:lnSpc>
-          <a:spcPct val="90000"/>
-        </a:lnSpc>
+      <a:lvl3pPr marL="1200150" indent="-285750" algn="l" defTabSz="457200" rtl="0" eaLnBrk="1" latinLnBrk="0" hangingPunct="1">
         <a:spcBef>
-          <a:spcPts val="400"/>
+          <a:spcPct val="20000"/>
         </a:spcBef>
         <a:spcAft>
-          <a:spcPts val="200"/>
+          <a:spcPts val="600"/>
         </a:spcAft>
         <a:buClr>
-          <a:schemeClr val="accent1">
-            <a:lumMod val="75000"/>
-          </a:schemeClr>
+          <a:schemeClr val="accent1"/>
         </a:buClr>
-        <a:buSzPct val="85000"/>
-        <a:buFont typeface="Wingdings" pitchFamily="2" charset="2"/>
-        <a:buChar char="§"/>
-        <a:defRPr sz="1600" kern="1200">
+        <a:buSzPct val="115000"/>
+        <a:buFont typeface="Arial"/>
+        <a:buChar char="•"/>
+        <a:defRPr sz="1800" kern="1200" cap="none">
           <a:solidFill>
-            <a:schemeClr val="tx1"/>
+            <a:schemeClr val="tx1">
+              <a:lumMod val="85000"/>
+              <a:lumOff val="15000"/>
+            </a:schemeClr>
           </a:solidFill>
+          <a:effectLst/>
           <a:latin typeface="+mn-lt"/>
           <a:ea typeface="+mn-ea"/>
           <a:cs typeface="+mn-cs"/>
         </a:defRPr>
       </a:lvl3pPr>
-      <a:lvl4pPr marL="1005840" indent="-182880" algn="l" defTabSz="914400" rtl="0" eaLnBrk="1" latinLnBrk="0" hangingPunct="1">
-        <a:lnSpc>
-          <a:spcPct val="90000"/>
-        </a:lnSpc>
+      <a:lvl4pPr marL="1543050" indent="-171450" algn="l" defTabSz="457200" rtl="0" eaLnBrk="1" latinLnBrk="0" hangingPunct="1">
         <a:spcBef>
-          <a:spcPts val="400"/>
+          <a:spcPct val="20000"/>
         </a:spcBef>
         <a:spcAft>
-          <a:spcPts val="200"/>
+          <a:spcPts val="600"/>
         </a:spcAft>
         <a:buClr>
-          <a:schemeClr val="accent1">
-            <a:lumMod val="75000"/>
-          </a:schemeClr>
+          <a:schemeClr val="accent1"/>
         </a:buClr>
-        <a:buSzPct val="85000"/>
-        <a:buFont typeface="Wingdings" pitchFamily="2" charset="2"/>
-        <a:buChar char="§"/>
-        <a:defRPr sz="1600" kern="1200">
+        <a:buSzPct val="115000"/>
+        <a:buFont typeface="Arial"/>
+        <a:buChar char="•"/>
+        <a:defRPr sz="1600" kern="1200" cap="none">
           <a:solidFill>
-            <a:schemeClr val="tx1"/>
+            <a:schemeClr val="tx1">
+              <a:lumMod val="85000"/>
+              <a:lumOff val="15000"/>
+            </a:schemeClr>
           </a:solidFill>
+          <a:effectLst/>
           <a:latin typeface="+mn-lt"/>
           <a:ea typeface="+mn-ea"/>
           <a:cs typeface="+mn-cs"/>
         </a:defRPr>
       </a:lvl4pPr>
-      <a:lvl5pPr marL="1280160" indent="-182880" algn="l" defTabSz="914400" rtl="0" eaLnBrk="1" latinLnBrk="0" hangingPunct="1">
-        <a:lnSpc>
-          <a:spcPct val="90000"/>
-        </a:lnSpc>
+      <a:lvl5pPr marL="2000250" indent="-171450" algn="l" defTabSz="457200" rtl="0" eaLnBrk="1" latinLnBrk="0" hangingPunct="1">
         <a:spcBef>
-          <a:spcPts val="400"/>
+          <a:spcPct val="20000"/>
         </a:spcBef>
         <a:spcAft>
-          <a:spcPts val="200"/>
+          <a:spcPts val="600"/>
         </a:spcAft>
         <a:buClr>
-          <a:schemeClr val="accent1">
-            <a:lumMod val="75000"/>
-          </a:schemeClr>
+          <a:schemeClr val="accent1"/>
         </a:buClr>
-        <a:buSzPct val="85000"/>
-        <a:buFont typeface="Wingdings" pitchFamily="2" charset="2"/>
-        <a:buChar char="§"/>
-        <a:defRPr sz="1600" kern="1200">
+        <a:buSzPct val="115000"/>
+        <a:buFont typeface="Arial"/>
+        <a:buChar char="•"/>
+        <a:defRPr sz="1400" kern="1200" cap="none">
           <a:solidFill>
-            <a:schemeClr val="tx1"/>
+            <a:schemeClr val="tx1">
+              <a:lumMod val="85000"/>
+              <a:lumOff val="15000"/>
+            </a:schemeClr>
           </a:solidFill>
+          <a:effectLst/>
           <a:latin typeface="+mn-lt"/>
           <a:ea typeface="+mn-ea"/>
           <a:cs typeface="+mn-cs"/>
         </a:defRPr>
       </a:lvl5pPr>
-      <a:lvl6pPr marL="1600000" indent="-228600" algn="l" defTabSz="914400" rtl="0" eaLnBrk="1" latinLnBrk="0" hangingPunct="1">
-        <a:lnSpc>
-          <a:spcPct val="90000"/>
-        </a:lnSpc>
+      <a:lvl6pPr marL="2514600" indent="-228600" algn="l" defTabSz="457200" rtl="0" eaLnBrk="1" latinLnBrk="0" hangingPunct="1">
         <a:spcBef>
-          <a:spcPts val="400"/>
+          <a:spcPct val="20000"/>
         </a:spcBef>
         <a:spcAft>
-          <a:spcPts val="200"/>
+          <a:spcPts val="600"/>
         </a:spcAft>
         <a:buClr>
-          <a:schemeClr val="accent1">
-            <a:lumMod val="75000"/>
-          </a:schemeClr>
+          <a:schemeClr val="accent1"/>
         </a:buClr>
-        <a:buSzPct val="85000"/>
-        <a:buFont typeface="Wingdings" pitchFamily="2" charset="2"/>
-        <a:buChar char="§"/>
-        <a:defRPr sz="1600" kern="1200">
+        <a:buSzPct val="115000"/>
+        <a:buFont typeface="Arial"/>
+        <a:buChar char="•"/>
+        <a:defRPr sz="1400" kern="1200" cap="none">
           <a:solidFill>
-            <a:schemeClr val="tx1"/>
+            <a:schemeClr val="tx1">
+              <a:lumMod val="85000"/>
+              <a:lumOff val="15000"/>
+            </a:schemeClr>
           </a:solidFill>
+          <a:effectLst/>
           <a:latin typeface="+mn-lt"/>
           <a:ea typeface="+mn-ea"/>
           <a:cs typeface="+mn-cs"/>
         </a:defRPr>
       </a:lvl6pPr>
-      <a:lvl7pPr marL="1900000" indent="-228600" algn="l" defTabSz="914400" rtl="0" eaLnBrk="1" latinLnBrk="0" hangingPunct="1">
-        <a:lnSpc>
-          <a:spcPct val="90000"/>
-        </a:lnSpc>
+      <a:lvl7pPr marL="2971800" indent="-228600" algn="l" defTabSz="457200" rtl="0" eaLnBrk="1" latinLnBrk="0" hangingPunct="1">
         <a:spcBef>
-          <a:spcPts val="400"/>
+          <a:spcPct val="20000"/>
         </a:spcBef>
         <a:spcAft>
-          <a:spcPts val="200"/>
+          <a:spcPts val="600"/>
         </a:spcAft>
         <a:buClr>
-          <a:schemeClr val="accent1">
-            <a:lumMod val="75000"/>
-          </a:schemeClr>
+          <a:schemeClr val="accent1"/>
         </a:buClr>
-        <a:buSzPct val="85000"/>
-        <a:buFont typeface="Wingdings" pitchFamily="2" charset="2"/>
-        <a:buChar char="§"/>
-        <a:defRPr sz="1600" kern="1200">
+        <a:buSzPct val="115000"/>
+        <a:buFont typeface="Arial"/>
+        <a:buChar char="•"/>
+        <a:defRPr sz="1400" kern="1200" cap="none">
           <a:solidFill>
-            <a:schemeClr val="tx1"/>
+            <a:schemeClr val="tx1">
+              <a:lumMod val="85000"/>
+              <a:lumOff val="15000"/>
+            </a:schemeClr>
           </a:solidFill>
+          <a:effectLst/>
           <a:latin typeface="+mn-lt"/>
           <a:ea typeface="+mn-ea"/>
           <a:cs typeface="+mn-cs"/>
         </a:defRPr>
       </a:lvl7pPr>
-      <a:lvl8pPr marL="2200000" indent="-228600" algn="l" defTabSz="914400" rtl="0" eaLnBrk="1" latinLnBrk="0" hangingPunct="1">
-        <a:lnSpc>
-          <a:spcPct val="90000"/>
-        </a:lnSpc>
+      <a:lvl8pPr marL="3429000" indent="-228600" algn="l" defTabSz="457200" rtl="0" eaLnBrk="1" latinLnBrk="0" hangingPunct="1">
         <a:spcBef>
-          <a:spcPts val="400"/>
+          <a:spcPct val="20000"/>
         </a:spcBef>
         <a:spcAft>
-          <a:spcPts val="200"/>
+          <a:spcPts val="600"/>
         </a:spcAft>
         <a:buClr>
-          <a:schemeClr val="accent1">
-            <a:lumMod val="75000"/>
-          </a:schemeClr>
+          <a:schemeClr val="accent1"/>
         </a:buClr>
-        <a:buSzPct val="85000"/>
-        <a:buFont typeface="Wingdings" pitchFamily="2" charset="2"/>
-        <a:buChar char="§"/>
-        <a:defRPr sz="1600" kern="1200">
+        <a:buSzPct val="115000"/>
+        <a:buFont typeface="Arial"/>
+        <a:buChar char="•"/>
+        <a:defRPr sz="1400" kern="1200" cap="none">
           <a:solidFill>
-            <a:schemeClr val="tx1"/>
+            <a:schemeClr val="tx1">
+              <a:lumMod val="85000"/>
+              <a:lumOff val="15000"/>
+            </a:schemeClr>
           </a:solidFill>
+          <a:effectLst/>
           <a:latin typeface="+mn-lt"/>
           <a:ea typeface="+mn-ea"/>
           <a:cs typeface="+mn-cs"/>
         </a:defRPr>
       </a:lvl8pPr>
-      <a:lvl9pPr marL="2500000" indent="-228600" algn="l" defTabSz="914400" rtl="0" eaLnBrk="1" latinLnBrk="0" hangingPunct="1">
-        <a:lnSpc>
-          <a:spcPct val="90000"/>
-        </a:lnSpc>
+      <a:lvl9pPr marL="3886200" indent="-228600" algn="l" defTabSz="457200" rtl="0" eaLnBrk="1" latinLnBrk="0" hangingPunct="1">
         <a:spcBef>
-          <a:spcPts val="400"/>
+          <a:spcPct val="20000"/>
         </a:spcBef>
         <a:spcAft>
-          <a:spcPts val="200"/>
+          <a:spcPts val="600"/>
         </a:spcAft>
         <a:buClr>
-          <a:schemeClr val="accent1">
-            <a:lumMod val="75000"/>
-          </a:schemeClr>
+          <a:schemeClr val="accent1"/>
         </a:buClr>
-        <a:buSzPct val="85000"/>
-        <a:buFont typeface="Wingdings" pitchFamily="2" charset="2"/>
-        <a:buChar char="§"/>
-        <a:defRPr sz="1600" kern="1200">
+        <a:buSzPct val="115000"/>
+        <a:buFont typeface="Arial"/>
+        <a:buChar char="•"/>
+        <a:defRPr sz="1400" kern="1200" cap="none">
           <a:solidFill>
-            <a:schemeClr val="tx1"/>
+            <a:schemeClr val="tx1">
+              <a:lumMod val="85000"/>
+              <a:lumOff val="15000"/>
+            </a:schemeClr>
           </a:solidFill>
+          <a:effectLst/>
           <a:latin typeface="+mn-lt"/>
           <a:ea typeface="+mn-ea"/>
           <a:cs typeface="+mn-cs"/>
@@ -4774,7 +6577,7 @@
       <a:defPPr>
         <a:defRPr lang="en-US"/>
       </a:defPPr>
-      <a:lvl1pPr marL="0" algn="l" defTabSz="914400" rtl="0" eaLnBrk="1" latinLnBrk="0" hangingPunct="1">
+      <a:lvl1pPr marL="0" algn="l" defTabSz="457200" rtl="0" eaLnBrk="1" latinLnBrk="0" hangingPunct="1">
         <a:defRPr sz="1800" kern="1200">
           <a:solidFill>
             <a:schemeClr val="tx1"/>
@@ -4784,7 +6587,7 @@
           <a:cs typeface="+mn-cs"/>
         </a:defRPr>
       </a:lvl1pPr>
-      <a:lvl2pPr marL="457200" algn="l" defTabSz="914400" rtl="0" eaLnBrk="1" latinLnBrk="0" hangingPunct="1">
+      <a:lvl2pPr marL="457200" algn="l" defTabSz="457200" rtl="0" eaLnBrk="1" latinLnBrk="0" hangingPunct="1">
         <a:defRPr sz="1800" kern="1200">
           <a:solidFill>
             <a:schemeClr val="tx1"/>
@@ -4794,7 +6597,7 @@
           <a:cs typeface="+mn-cs"/>
         </a:defRPr>
       </a:lvl2pPr>
-      <a:lvl3pPr marL="914400" algn="l" defTabSz="914400" rtl="0" eaLnBrk="1" latinLnBrk="0" hangingPunct="1">
+      <a:lvl3pPr marL="914400" algn="l" defTabSz="457200" rtl="0" eaLnBrk="1" latinLnBrk="0" hangingPunct="1">
         <a:defRPr sz="1800" kern="1200">
           <a:solidFill>
             <a:schemeClr val="tx1"/>
@@ -4804,7 +6607,7 @@
           <a:cs typeface="+mn-cs"/>
         </a:defRPr>
       </a:lvl3pPr>
-      <a:lvl4pPr marL="1371600" algn="l" defTabSz="914400" rtl="0" eaLnBrk="1" latinLnBrk="0" hangingPunct="1">
+      <a:lvl4pPr marL="1371600" algn="l" defTabSz="457200" rtl="0" eaLnBrk="1" latinLnBrk="0" hangingPunct="1">
         <a:defRPr sz="1800" kern="1200">
           <a:solidFill>
             <a:schemeClr val="tx1"/>
@@ -4814,7 +6617,7 @@
           <a:cs typeface="+mn-cs"/>
         </a:defRPr>
       </a:lvl4pPr>
-      <a:lvl5pPr marL="1828800" algn="l" defTabSz="914400" rtl="0" eaLnBrk="1" latinLnBrk="0" hangingPunct="1">
+      <a:lvl5pPr marL="1828800" algn="l" defTabSz="457200" rtl="0" eaLnBrk="1" latinLnBrk="0" hangingPunct="1">
         <a:defRPr sz="1800" kern="1200">
           <a:solidFill>
             <a:schemeClr val="tx1"/>
@@ -4824,7 +6627,7 @@
           <a:cs typeface="+mn-cs"/>
         </a:defRPr>
       </a:lvl5pPr>
-      <a:lvl6pPr marL="2286000" algn="l" defTabSz="914400" rtl="0" eaLnBrk="1" latinLnBrk="0" hangingPunct="1">
+      <a:lvl6pPr marL="2286000" algn="l" defTabSz="457200" rtl="0" eaLnBrk="1" latinLnBrk="0" hangingPunct="1">
         <a:defRPr sz="1800" kern="1200">
           <a:solidFill>
             <a:schemeClr val="tx1"/>
@@ -4834,7 +6637,7 @@
           <a:cs typeface="+mn-cs"/>
         </a:defRPr>
       </a:lvl6pPr>
-      <a:lvl7pPr marL="2743200" algn="l" defTabSz="914400" rtl="0" eaLnBrk="1" latinLnBrk="0" hangingPunct="1">
+      <a:lvl7pPr marL="2743200" algn="l" defTabSz="457200" rtl="0" eaLnBrk="1" latinLnBrk="0" hangingPunct="1">
         <a:defRPr sz="1800" kern="1200">
           <a:solidFill>
             <a:schemeClr val="tx1"/>
@@ -4844,7 +6647,7 @@
           <a:cs typeface="+mn-cs"/>
         </a:defRPr>
       </a:lvl7pPr>
-      <a:lvl8pPr marL="3200400" algn="l" defTabSz="914400" rtl="0" eaLnBrk="1" latinLnBrk="0" hangingPunct="1">
+      <a:lvl8pPr marL="3200400" algn="l" defTabSz="457200" rtl="0" eaLnBrk="1" latinLnBrk="0" hangingPunct="1">
         <a:defRPr sz="1800" kern="1200">
           <a:solidFill>
             <a:schemeClr val="tx1"/>
@@ -4854,7 +6657,7 @@
           <a:cs typeface="+mn-cs"/>
         </a:defRPr>
       </a:lvl8pPr>
-      <a:lvl9pPr marL="3657600" algn="l" defTabSz="914400" rtl="0" eaLnBrk="1" latinLnBrk="0" hangingPunct="1">
+      <a:lvl9pPr marL="3657600" algn="l" defTabSz="457200" rtl="0" eaLnBrk="1" latinLnBrk="0" hangingPunct="1">
         <a:defRPr sz="1800" kern="1200">
           <a:solidFill>
             <a:schemeClr val="tx1"/>
@@ -4904,7 +6707,7 @@
         </p:spPr>
         <p:txBody>
           <a:bodyPr>
-            <a:normAutofit/>
+            <a:normAutofit fontScale="90000"/>
           </a:bodyPr>
           <a:lstStyle/>
           <a:p>
@@ -5039,6 +6842,2221 @@
     <p:extLst>
       <p:ext uri="{BB962C8B-B14F-4D97-AF65-F5344CB8AC3E}">
         <p14:creationId xmlns:p14="http://schemas.microsoft.com/office/powerpoint/2010/main" val="3403321899"/>
+      </p:ext>
+    </p:extLst>
+  </p:cSld>
+  <p:clrMapOvr>
+    <a:masterClrMapping/>
+  </p:clrMapOvr>
+  <p:timing>
+    <p:tnLst>
+      <p:par>
+        <p:cTn id="1" dur="indefinite" restart="never" nodeType="tmRoot"/>
+      </p:par>
+    </p:tnLst>
+  </p:timing>
+</p:sld>
+</file>
+
+<file path=ppt/slides/slide10.xml><?xml version="1.0" encoding="utf-8"?>
+<p:sld xmlns:a="http://schemas.openxmlformats.org/drawingml/2006/main" xmlns:r="http://schemas.openxmlformats.org/officeDocument/2006/relationships" xmlns:p="http://schemas.openxmlformats.org/presentationml/2006/main">
+  <p:cSld>
+    <p:spTree>
+      <p:nvGrpSpPr>
+        <p:cNvPr id="1" name=""/>
+        <p:cNvGrpSpPr/>
+        <p:nvPr/>
+      </p:nvGrpSpPr>
+      <p:grpSpPr>
+        <a:xfrm>
+          <a:off x="0" y="0"/>
+          <a:ext cx="0" cy="0"/>
+          <a:chOff x="0" y="0"/>
+          <a:chExt cx="0" cy="0"/>
+        </a:xfrm>
+      </p:grpSpPr>
+      <p:sp>
+        <p:nvSpPr>
+          <p:cNvPr id="5" name="標題 1"/>
+          <p:cNvSpPr>
+            <a:spLocks noGrp="1"/>
+          </p:cNvSpPr>
+          <p:nvPr>
+            <p:ph type="title"/>
+          </p:nvPr>
+        </p:nvSpPr>
+        <p:spPr>
+          <a:xfrm>
+            <a:off x="685800" y="484632"/>
+            <a:ext cx="7772400" cy="682431"/>
+          </a:xfrm>
+        </p:spPr>
+        <p:txBody>
+          <a:bodyPr>
+            <a:normAutofit fontScale="90000"/>
+          </a:bodyPr>
+          <a:lstStyle/>
+          <a:p>
+            <a:pPr algn="ctr"/>
+            <a:r>
+              <a:rPr lang="zh-CN" altLang="en-US" sz="4000" dirty="0" smtClean="0">
+                <a:latin typeface="DFKai-SB" panose="03000509000000000000" pitchFamily="65" charset="-120"/>
+                <a:ea typeface="DFKai-SB" panose="03000509000000000000" pitchFamily="65" charset="-120"/>
+              </a:rPr>
+              <a:t>使用者与製作者需求描述</a:t>
+            </a:r>
+            <a:endParaRPr lang="zh-CN" altLang="en-US" sz="4000" dirty="0">
+              <a:latin typeface="DFKai-SB" panose="03000509000000000000" pitchFamily="65" charset="-120"/>
+              <a:ea typeface="DFKai-SB" panose="03000509000000000000" pitchFamily="65" charset="-120"/>
+            </a:endParaRPr>
+          </a:p>
+        </p:txBody>
+      </p:sp>
+      <p:sp>
+        <p:nvSpPr>
+          <p:cNvPr id="3" name="內容版面配置區 2"/>
+          <p:cNvSpPr>
+            <a:spLocks noGrp="1"/>
+          </p:cNvSpPr>
+          <p:nvPr>
+            <p:ph idx="1"/>
+          </p:nvPr>
+        </p:nvSpPr>
+        <p:spPr>
+          <a:xfrm>
+            <a:off x="685800" y="1167063"/>
+            <a:ext cx="7772400" cy="5005137"/>
+          </a:xfrm>
+        </p:spPr>
+        <p:txBody>
+          <a:bodyPr>
+            <a:normAutofit/>
+          </a:bodyPr>
+          <a:lstStyle/>
+          <a:p>
+            <a:r>
+              <a:rPr lang="en-US" altLang="zh-CN" sz="3200" dirty="0" smtClean="0">
+                <a:latin typeface="DFKai-SB" panose="03000509000000000000" pitchFamily="65" charset="-120"/>
+                <a:ea typeface="DFKai-SB" panose="03000509000000000000" pitchFamily="65" charset="-120"/>
+              </a:rPr>
+              <a:t>7.</a:t>
+            </a:r>
+            <a:r>
+              <a:rPr lang="zh-CN" altLang="en-US" sz="3600" dirty="0" smtClean="0">
+                <a:latin typeface="DFKai-SB" panose="03000509000000000000" pitchFamily="65" charset="-120"/>
+                <a:ea typeface="DFKai-SB" panose="03000509000000000000" pitchFamily="65" charset="-120"/>
+              </a:rPr>
+              <a:t>如果後方大型貨車有安裝</a:t>
+            </a:r>
+            <a:r>
+              <a:rPr lang="en-US" altLang="zh-CN" sz="3600" dirty="0" smtClean="0">
+                <a:latin typeface="DFKai-SB" panose="03000509000000000000" pitchFamily="65" charset="-120"/>
+                <a:ea typeface="DFKai-SB" panose="03000509000000000000" pitchFamily="65" charset="-120"/>
+              </a:rPr>
+              <a:t>app,</a:t>
+            </a:r>
+            <a:r>
+              <a:rPr lang="zh-CN" altLang="en-US" sz="3600" dirty="0" smtClean="0">
+                <a:latin typeface="DFKai-SB" panose="03000509000000000000" pitchFamily="65" charset="-120"/>
+                <a:ea typeface="DFKai-SB" panose="03000509000000000000" pitchFamily="65" charset="-120"/>
+              </a:rPr>
+              <a:t>蜂鳴器則不會響起，改用語音播報訊息進行提醒，例如“</a:t>
+            </a:r>
+            <a:r>
+              <a:rPr lang="zh-CN" altLang="en-US" sz="3600" dirty="0" smtClean="0">
+                <a:solidFill>
+                  <a:srgbClr val="FF0000"/>
+                </a:solidFill>
+                <a:latin typeface="DFKai-SB" panose="03000509000000000000" pitchFamily="65" charset="-120"/>
+                <a:ea typeface="DFKai-SB" panose="03000509000000000000" pitchFamily="65" charset="-120"/>
+              </a:rPr>
+              <a:t>前方牌號為</a:t>
+            </a:r>
+            <a:r>
+              <a:rPr lang="en-US" altLang="zh-CN" sz="3600" dirty="0" smtClean="0">
+                <a:solidFill>
+                  <a:srgbClr val="FF0000"/>
+                </a:solidFill>
+                <a:latin typeface="DFKai-SB" panose="03000509000000000000" pitchFamily="65" charset="-120"/>
+                <a:ea typeface="DFKai-SB" panose="03000509000000000000" pitchFamily="65" charset="-120"/>
+              </a:rPr>
+              <a:t>xxx</a:t>
+            </a:r>
+            <a:r>
+              <a:rPr lang="zh-CN" altLang="en-US" sz="3600" dirty="0" smtClean="0">
+                <a:solidFill>
+                  <a:srgbClr val="FF0000"/>
+                </a:solidFill>
+                <a:latin typeface="DFKai-SB" panose="03000509000000000000" pitchFamily="65" charset="-120"/>
+                <a:ea typeface="DFKai-SB" panose="03000509000000000000" pitchFamily="65" charset="-120"/>
+              </a:rPr>
+              <a:t>的機車即將發生右</a:t>
+            </a:r>
+            <a:r>
+              <a:rPr lang="en-US" altLang="zh-CN" sz="3600" dirty="0" smtClean="0">
+                <a:solidFill>
+                  <a:srgbClr val="FF0000"/>
+                </a:solidFill>
+                <a:latin typeface="DFKai-SB" panose="03000509000000000000" pitchFamily="65" charset="-120"/>
+                <a:ea typeface="DFKai-SB" panose="03000509000000000000" pitchFamily="65" charset="-120"/>
+              </a:rPr>
+              <a:t>/</a:t>
+            </a:r>
+            <a:r>
+              <a:rPr lang="zh-CN" altLang="en-US" sz="3600" dirty="0" smtClean="0">
+                <a:solidFill>
+                  <a:srgbClr val="FF0000"/>
+                </a:solidFill>
+                <a:latin typeface="DFKai-SB" panose="03000509000000000000" pitchFamily="65" charset="-120"/>
+                <a:ea typeface="DFKai-SB" panose="03000509000000000000" pitchFamily="65" charset="-120"/>
+              </a:rPr>
+              <a:t>左轉，請小心行駛</a:t>
+            </a:r>
+            <a:r>
+              <a:rPr lang="zh-CN" altLang="en-US" sz="3600" dirty="0" smtClean="0">
+                <a:latin typeface="DFKai-SB" panose="03000509000000000000" pitchFamily="65" charset="-120"/>
+                <a:ea typeface="DFKai-SB" panose="03000509000000000000" pitchFamily="65" charset="-120"/>
+              </a:rPr>
+              <a:t>”。</a:t>
+            </a:r>
+            <a:endParaRPr lang="zh-CN" altLang="en-US" sz="3600" dirty="0">
+              <a:latin typeface="DFKai-SB" panose="03000509000000000000" pitchFamily="65" charset="-120"/>
+              <a:ea typeface="DFKai-SB" panose="03000509000000000000" pitchFamily="65" charset="-120"/>
+            </a:endParaRPr>
+          </a:p>
+        </p:txBody>
+      </p:sp>
+      <p:sp>
+        <p:nvSpPr>
+          <p:cNvPr id="4" name="投影片編號版面配置區 3"/>
+          <p:cNvSpPr>
+            <a:spLocks noGrp="1"/>
+          </p:cNvSpPr>
+          <p:nvPr>
+            <p:ph type="sldNum" sz="quarter" idx="12"/>
+          </p:nvPr>
+        </p:nvSpPr>
+        <p:spPr/>
+        <p:txBody>
+          <a:bodyPr/>
+          <a:lstStyle/>
+          <a:p>
+            <a:fld id="{80E16380-4998-42C3-B033-270161A8BE6B}" type="slidenum">
+              <a:rPr lang="zh-TW" altLang="en-US" smtClean="0"/>
+              <a:t>10</a:t>
+            </a:fld>
+            <a:endParaRPr lang="zh-TW" altLang="en-US"/>
+          </a:p>
+        </p:txBody>
+      </p:sp>
+    </p:spTree>
+    <p:extLst>
+      <p:ext uri="{BB962C8B-B14F-4D97-AF65-F5344CB8AC3E}">
+        <p14:creationId xmlns:p14="http://schemas.microsoft.com/office/powerpoint/2010/main" val="3312389236"/>
+      </p:ext>
+    </p:extLst>
+  </p:cSld>
+  <p:clrMapOvr>
+    <a:masterClrMapping/>
+  </p:clrMapOvr>
+  <p:timing>
+    <p:tnLst>
+      <p:par>
+        <p:cTn id="1" dur="indefinite" restart="never" nodeType="tmRoot"/>
+      </p:par>
+    </p:tnLst>
+  </p:timing>
+</p:sld>
+</file>
+
+<file path=ppt/slides/slide11.xml><?xml version="1.0" encoding="utf-8"?>
+<p:sld xmlns:a="http://schemas.openxmlformats.org/drawingml/2006/main" xmlns:r="http://schemas.openxmlformats.org/officeDocument/2006/relationships" xmlns:p="http://schemas.openxmlformats.org/presentationml/2006/main">
+  <p:cSld>
+    <p:spTree>
+      <p:nvGrpSpPr>
+        <p:cNvPr id="1" name=""/>
+        <p:cNvGrpSpPr/>
+        <p:nvPr/>
+      </p:nvGrpSpPr>
+      <p:grpSpPr>
+        <a:xfrm>
+          <a:off x="0" y="0"/>
+          <a:ext cx="0" cy="0"/>
+          <a:chOff x="0" y="0"/>
+          <a:chExt cx="0" cy="0"/>
+        </a:xfrm>
+      </p:grpSpPr>
+      <p:sp>
+        <p:nvSpPr>
+          <p:cNvPr id="4" name="投影片編號版面配置區 3"/>
+          <p:cNvSpPr>
+            <a:spLocks noGrp="1"/>
+          </p:cNvSpPr>
+          <p:nvPr>
+            <p:ph type="sldNum" sz="quarter" idx="12"/>
+          </p:nvPr>
+        </p:nvSpPr>
+        <p:spPr/>
+        <p:txBody>
+          <a:bodyPr/>
+          <a:lstStyle/>
+          <a:p>
+            <a:fld id="{80E16380-4998-42C3-B033-270161A8BE6B}" type="slidenum">
+              <a:rPr lang="zh-TW" altLang="en-US" smtClean="0"/>
+              <a:t>11</a:t>
+            </a:fld>
+            <a:endParaRPr lang="zh-TW" altLang="en-US"/>
+          </a:p>
+        </p:txBody>
+      </p:sp>
+      <p:graphicFrame>
+        <p:nvGraphicFramePr>
+          <p:cNvPr id="5" name="表格 4"/>
+          <p:cNvGraphicFramePr>
+            <a:graphicFrameLocks noGrp="1"/>
+          </p:cNvGraphicFramePr>
+          <p:nvPr>
+            <p:extLst>
+              <p:ext uri="{D42A27DB-BD31-4B8C-83A1-F6EECF244321}">
+                <p14:modId xmlns:p14="http://schemas.microsoft.com/office/powerpoint/2010/main" val="639930398"/>
+              </p:ext>
+            </p:extLst>
+          </p:nvPr>
+        </p:nvGraphicFramePr>
+        <p:xfrm>
+          <a:off x="1484091" y="566834"/>
+          <a:ext cx="6192056" cy="5533399"/>
+        </p:xfrm>
+        <a:graphic>
+          <a:graphicData uri="http://schemas.openxmlformats.org/drawingml/2006/table">
+            <a:tbl>
+              <a:tblPr firstRow="1" bandRow="1">
+                <a:tableStyleId>{D113A9D2-9D6B-4929-AA2D-F23B5EE8CBE7}</a:tableStyleId>
+              </a:tblPr>
+              <a:tblGrid>
+                <a:gridCol w="3096028">
+                  <a:extLst>
+                    <a:ext uri="{9D8B030D-6E8A-4147-A177-3AD203B41FA5}">
+                      <a16:colId xmlns:a16="http://schemas.microsoft.com/office/drawing/2014/main" val="575654118"/>
+                    </a:ext>
+                  </a:extLst>
+                </a:gridCol>
+                <a:gridCol w="3096028">
+                  <a:extLst>
+                    <a:ext uri="{9D8B030D-6E8A-4147-A177-3AD203B41FA5}">
+                      <a16:colId xmlns:a16="http://schemas.microsoft.com/office/drawing/2014/main" val="2310419058"/>
+                    </a:ext>
+                  </a:extLst>
+                </a:gridCol>
+              </a:tblGrid>
+              <a:tr h="595639">
+                <a:tc>
+                  <a:txBody>
+                    <a:bodyPr/>
+                    <a:lstStyle/>
+                    <a:p>
+                      <a:r>
+                        <a:rPr lang="zh-CN" altLang="en-US" sz="3200" dirty="0" smtClean="0">
+                          <a:latin typeface="DFKai-SB" panose="03000509000000000000" pitchFamily="65" charset="-120"/>
+                          <a:ea typeface="DFKai-SB" panose="03000509000000000000" pitchFamily="65" charset="-120"/>
+                        </a:rPr>
+                        <a:t>描述性項目</a:t>
+                      </a:r>
+                      <a:endParaRPr lang="zh-CN" altLang="en-US" sz="3200" dirty="0">
+                        <a:latin typeface="DFKai-SB" panose="03000509000000000000" pitchFamily="65" charset="-120"/>
+                        <a:ea typeface="DFKai-SB" panose="03000509000000000000" pitchFamily="65" charset="-120"/>
+                      </a:endParaRPr>
+                    </a:p>
+                  </a:txBody>
+                  <a:tcPr/>
+                </a:tc>
+                <a:tc>
+                  <a:txBody>
+                    <a:bodyPr/>
+                    <a:lstStyle/>
+                    <a:p>
+                      <a:r>
+                        <a:rPr lang="zh-CN" altLang="en-US" sz="3200" dirty="0" smtClean="0">
+                          <a:latin typeface="DFKai-SB" panose="03000509000000000000" pitchFamily="65" charset="-120"/>
+                          <a:ea typeface="DFKai-SB" panose="03000509000000000000" pitchFamily="65" charset="-120"/>
+                        </a:rPr>
+                        <a:t>事件條列式</a:t>
+                      </a:r>
+                      <a:endParaRPr lang="zh-CN" altLang="en-US" sz="3200" dirty="0">
+                        <a:latin typeface="DFKai-SB" panose="03000509000000000000" pitchFamily="65" charset="-120"/>
+                        <a:ea typeface="DFKai-SB" panose="03000509000000000000" pitchFamily="65" charset="-120"/>
+                      </a:endParaRPr>
+                    </a:p>
+                  </a:txBody>
+                  <a:tcPr/>
+                </a:tc>
+                <a:extLst>
+                  <a:ext uri="{0D108BD9-81ED-4DB2-BD59-A6C34878D82A}">
+                    <a16:rowId xmlns:a16="http://schemas.microsoft.com/office/drawing/2014/main" val="4229939552"/>
+                  </a:ext>
+                </a:extLst>
+              </a:tr>
+              <a:tr h="1400266">
+                <a:tc>
+                  <a:txBody>
+                    <a:bodyPr/>
+                    <a:lstStyle/>
+                    <a:p>
+                      <a:pPr marL="0" marR="0" lvl="0" indent="0" algn="l" defTabSz="457200" rtl="0" eaLnBrk="1" fontAlgn="auto" latinLnBrk="0" hangingPunct="1">
+                        <a:lnSpc>
+                          <a:spcPct val="100000"/>
+                        </a:lnSpc>
+                        <a:spcBef>
+                          <a:spcPts val="0"/>
+                        </a:spcBef>
+                        <a:spcAft>
+                          <a:spcPts val="0"/>
+                        </a:spcAft>
+                        <a:buClrTx/>
+                        <a:buSzTx/>
+                        <a:buFontTx/>
+                        <a:buNone/>
+                        <a:tabLst/>
+                        <a:defRPr/>
+                      </a:pPr>
+                      <a:r>
+                        <a:rPr lang="en-US" altLang="zh-CN" sz="1800" dirty="0" smtClean="0">
+                          <a:solidFill>
+                            <a:prstClr val="black">
+                              <a:lumMod val="85000"/>
+                              <a:lumOff val="15000"/>
+                            </a:prstClr>
+                          </a:solidFill>
+                          <a:latin typeface="DFKai-SB" panose="03000509000000000000" pitchFamily="65" charset="-120"/>
+                          <a:ea typeface="DFKai-SB" panose="03000509000000000000" pitchFamily="65" charset="-120"/>
+                        </a:rPr>
+                        <a:t>1.</a:t>
+                      </a:r>
+                      <a:r>
+                        <a:rPr lang="zh-CN" altLang="en-US" sz="1800" dirty="0" smtClean="0">
+                          <a:solidFill>
+                            <a:prstClr val="black">
+                              <a:lumMod val="85000"/>
+                              <a:lumOff val="15000"/>
+                            </a:prstClr>
+                          </a:solidFill>
+                          <a:latin typeface="DFKai-SB" panose="03000509000000000000" pitchFamily="65" charset="-120"/>
+                          <a:ea typeface="DFKai-SB" panose="03000509000000000000" pitchFamily="65" charset="-120"/>
+                        </a:rPr>
+                        <a:t>客户騎上車後，插入鑰匙點火後，與警示裝置所連接的</a:t>
+                      </a:r>
+                      <a:r>
+                        <a:rPr lang="en-US" altLang="zh-CN" sz="1800" dirty="0" smtClean="0">
+                          <a:solidFill>
+                            <a:prstClr val="black">
+                              <a:lumMod val="85000"/>
+                              <a:lumOff val="15000"/>
+                            </a:prstClr>
+                          </a:solidFill>
+                          <a:latin typeface="DFKai-SB" panose="03000509000000000000" pitchFamily="65" charset="-120"/>
+                          <a:ea typeface="DFKai-SB" panose="03000509000000000000" pitchFamily="65" charset="-120"/>
+                        </a:rPr>
+                        <a:t>LCD</a:t>
+                      </a:r>
+                      <a:r>
+                        <a:rPr lang="zh-CN" altLang="en-US" sz="1800" dirty="0" smtClean="0">
+                          <a:solidFill>
+                            <a:prstClr val="black">
+                              <a:lumMod val="85000"/>
+                              <a:lumOff val="15000"/>
+                            </a:prstClr>
+                          </a:solidFill>
+                          <a:latin typeface="DFKai-SB" panose="03000509000000000000" pitchFamily="65" charset="-120"/>
+                          <a:ea typeface="DFKai-SB" panose="03000509000000000000" pitchFamily="65" charset="-120"/>
+                        </a:rPr>
+                        <a:t>屏上會顯示“</a:t>
+                      </a:r>
+                      <a:r>
+                        <a:rPr lang="zh-CN" altLang="en-US" sz="1800" dirty="0" smtClean="0">
+                          <a:solidFill>
+                            <a:srgbClr val="0070C0"/>
+                          </a:solidFill>
+                          <a:latin typeface="DFKai-SB" panose="03000509000000000000" pitchFamily="65" charset="-120"/>
+                          <a:ea typeface="DFKai-SB" panose="03000509000000000000" pitchFamily="65" charset="-120"/>
+                        </a:rPr>
+                        <a:t>歡迎使用陀螺儀機車警示裝置</a:t>
+                      </a:r>
+                      <a:r>
+                        <a:rPr lang="zh-CN" altLang="en-US" sz="1800" dirty="0" smtClean="0">
+                          <a:solidFill>
+                            <a:prstClr val="black">
+                              <a:lumMod val="85000"/>
+                              <a:lumOff val="15000"/>
+                            </a:prstClr>
+                          </a:solidFill>
+                          <a:latin typeface="DFKai-SB" panose="03000509000000000000" pitchFamily="65" charset="-120"/>
+                          <a:ea typeface="DFKai-SB" panose="03000509000000000000" pitchFamily="65" charset="-120"/>
+                        </a:rPr>
+                        <a:t>”，熄火停车后会显示“</a:t>
+                      </a:r>
+                      <a:r>
+                        <a:rPr lang="zh-CN" altLang="en-US" sz="1800" dirty="0" smtClean="0">
+                          <a:solidFill>
+                            <a:srgbClr val="0070C0"/>
+                          </a:solidFill>
+                          <a:latin typeface="DFKai-SB" panose="03000509000000000000" pitchFamily="65" charset="-120"/>
+                          <a:ea typeface="DFKai-SB" panose="03000509000000000000" pitchFamily="65" charset="-120"/>
+                        </a:rPr>
+                        <a:t>谢谢使用</a:t>
+                      </a:r>
+                      <a:r>
+                        <a:rPr lang="zh-CN" altLang="en-US" sz="1800" dirty="0" smtClean="0">
+                          <a:solidFill>
+                            <a:prstClr val="black">
+                              <a:lumMod val="85000"/>
+                              <a:lumOff val="15000"/>
+                            </a:prstClr>
+                          </a:solidFill>
+                          <a:latin typeface="DFKai-SB" panose="03000509000000000000" pitchFamily="65" charset="-120"/>
+                          <a:ea typeface="DFKai-SB" panose="03000509000000000000" pitchFamily="65" charset="-120"/>
+                        </a:rPr>
+                        <a:t>”。</a:t>
+                      </a:r>
+                      <a:endParaRPr lang="en-US" altLang="zh-CN" sz="1800" dirty="0" smtClean="0">
+                        <a:solidFill>
+                          <a:prstClr val="black">
+                            <a:lumMod val="85000"/>
+                            <a:lumOff val="15000"/>
+                          </a:prstClr>
+                        </a:solidFill>
+                        <a:latin typeface="DFKai-SB" panose="03000509000000000000" pitchFamily="65" charset="-120"/>
+                        <a:ea typeface="DFKai-SB" panose="03000509000000000000" pitchFamily="65" charset="-120"/>
+                      </a:endParaRPr>
+                    </a:p>
+                  </a:txBody>
+                  <a:tcPr/>
+                </a:tc>
+                <a:tc>
+                  <a:txBody>
+                    <a:bodyPr/>
+                    <a:lstStyle/>
+                    <a:p>
+                      <a:r>
+                        <a:rPr lang="zh-CN" altLang="en-US" sz="2400" dirty="0" smtClean="0">
+                          <a:solidFill>
+                            <a:schemeClr val="tx1"/>
+                          </a:solidFill>
+                          <a:latin typeface="DFKai-SB" panose="03000509000000000000" pitchFamily="65" charset="-120"/>
+                          <a:ea typeface="DFKai-SB" panose="03000509000000000000" pitchFamily="65" charset="-120"/>
+                        </a:rPr>
+                        <a:t>客戶</a:t>
+                      </a:r>
+                      <a:r>
+                        <a:rPr lang="en-US" altLang="zh-CN" sz="2400" dirty="0" smtClean="0">
+                          <a:solidFill>
+                            <a:schemeClr val="tx1"/>
+                          </a:solidFill>
+                          <a:latin typeface="DFKai-SB" panose="03000509000000000000" pitchFamily="65" charset="-120"/>
+                          <a:ea typeface="DFKai-SB" panose="03000509000000000000" pitchFamily="65" charset="-120"/>
+                        </a:rPr>
+                        <a:t>+</a:t>
+                      </a:r>
+                      <a:r>
+                        <a:rPr lang="zh-CN" altLang="en-US" sz="2400" dirty="0" smtClean="0">
+                          <a:solidFill>
+                            <a:schemeClr val="tx1"/>
+                          </a:solidFill>
+                          <a:latin typeface="DFKai-SB" panose="03000509000000000000" pitchFamily="65" charset="-120"/>
+                          <a:ea typeface="DFKai-SB" panose="03000509000000000000" pitchFamily="65" charset="-120"/>
+                        </a:rPr>
+                        <a:t>點火</a:t>
+                      </a:r>
+                      <a:r>
+                        <a:rPr lang="en-US" altLang="zh-CN" sz="2400" dirty="0" smtClean="0">
+                          <a:solidFill>
+                            <a:schemeClr val="tx1"/>
+                          </a:solidFill>
+                          <a:latin typeface="DFKai-SB" panose="03000509000000000000" pitchFamily="65" charset="-120"/>
+                          <a:ea typeface="DFKai-SB" panose="03000509000000000000" pitchFamily="65" charset="-120"/>
+                        </a:rPr>
+                        <a:t>+</a:t>
+                      </a:r>
+                      <a:r>
+                        <a:rPr lang="zh-CN" altLang="en-US" sz="2400" dirty="0" smtClean="0">
+                          <a:solidFill>
+                            <a:schemeClr val="tx1"/>
+                          </a:solidFill>
+                          <a:latin typeface="DFKai-SB" panose="03000509000000000000" pitchFamily="65" charset="-120"/>
+                          <a:ea typeface="DFKai-SB" panose="03000509000000000000" pitchFamily="65" charset="-120"/>
+                        </a:rPr>
+                        <a:t>機車</a:t>
+                      </a:r>
+                      <a:endParaRPr lang="en-US" altLang="zh-CN" sz="2400" dirty="0" smtClean="0">
+                        <a:solidFill>
+                          <a:schemeClr val="tx1"/>
+                        </a:solidFill>
+                        <a:latin typeface="DFKai-SB" panose="03000509000000000000" pitchFamily="65" charset="-120"/>
+                        <a:ea typeface="DFKai-SB" panose="03000509000000000000" pitchFamily="65" charset="-120"/>
+                      </a:endParaRPr>
+                    </a:p>
+                    <a:p>
+                      <a:r>
+                        <a:rPr lang="zh-CN" altLang="en-US" sz="2400" dirty="0" smtClean="0">
+                          <a:solidFill>
+                            <a:schemeClr val="tx1"/>
+                          </a:solidFill>
+                          <a:latin typeface="DFKai-SB" panose="03000509000000000000" pitchFamily="65" charset="-120"/>
+                          <a:ea typeface="DFKai-SB" panose="03000509000000000000" pitchFamily="65" charset="-120"/>
+                        </a:rPr>
+                        <a:t>客戶</a:t>
+                      </a:r>
+                      <a:r>
+                        <a:rPr lang="en-US" altLang="zh-CN" sz="2400" dirty="0" smtClean="0">
+                          <a:solidFill>
+                            <a:schemeClr val="tx1"/>
+                          </a:solidFill>
+                          <a:latin typeface="DFKai-SB" panose="03000509000000000000" pitchFamily="65" charset="-120"/>
+                          <a:ea typeface="DFKai-SB" panose="03000509000000000000" pitchFamily="65" charset="-120"/>
+                        </a:rPr>
+                        <a:t>+</a:t>
+                      </a:r>
+                      <a:r>
+                        <a:rPr lang="zh-CN" altLang="en-US" sz="2400" dirty="0" smtClean="0">
+                          <a:solidFill>
+                            <a:schemeClr val="tx1"/>
+                          </a:solidFill>
+                          <a:latin typeface="DFKai-SB" panose="03000509000000000000" pitchFamily="65" charset="-120"/>
+                          <a:ea typeface="DFKai-SB" panose="03000509000000000000" pitchFamily="65" charset="-120"/>
+                        </a:rPr>
+                        <a:t>讀取</a:t>
+                      </a:r>
+                      <a:r>
+                        <a:rPr lang="en-US" altLang="zh-CN" sz="2400" dirty="0" smtClean="0">
+                          <a:solidFill>
+                            <a:schemeClr val="tx1"/>
+                          </a:solidFill>
+                          <a:latin typeface="DFKai-SB" panose="03000509000000000000" pitchFamily="65" charset="-120"/>
+                          <a:ea typeface="DFKai-SB" panose="03000509000000000000" pitchFamily="65" charset="-120"/>
+                        </a:rPr>
+                        <a:t>+</a:t>
+                      </a:r>
+                      <a:r>
+                        <a:rPr lang="zh-CN" altLang="en-US" sz="2400" dirty="0" smtClean="0">
+                          <a:solidFill>
+                            <a:schemeClr val="tx1"/>
+                          </a:solidFill>
+                          <a:latin typeface="DFKai-SB" panose="03000509000000000000" pitchFamily="65" charset="-120"/>
+                          <a:ea typeface="DFKai-SB" panose="03000509000000000000" pitchFamily="65" charset="-120"/>
+                        </a:rPr>
+                        <a:t>感謝詞</a:t>
+                      </a:r>
+                      <a:endParaRPr lang="zh-CN" altLang="en-US" sz="2400" dirty="0">
+                        <a:solidFill>
+                          <a:schemeClr val="tx1"/>
+                        </a:solidFill>
+                        <a:latin typeface="DFKai-SB" panose="03000509000000000000" pitchFamily="65" charset="-120"/>
+                        <a:ea typeface="DFKai-SB" panose="03000509000000000000" pitchFamily="65" charset="-120"/>
+                      </a:endParaRPr>
+                    </a:p>
+                  </a:txBody>
+                  <a:tcPr/>
+                </a:tc>
+                <a:extLst>
+                  <a:ext uri="{0D108BD9-81ED-4DB2-BD59-A6C34878D82A}">
+                    <a16:rowId xmlns:a16="http://schemas.microsoft.com/office/drawing/2014/main" val="118071968"/>
+                  </a:ext>
+                </a:extLst>
+              </a:tr>
+              <a:tr h="1176619">
+                <a:tc>
+                  <a:txBody>
+                    <a:bodyPr/>
+                    <a:lstStyle/>
+                    <a:p>
+                      <a:pPr marL="0" marR="0" lvl="0" indent="0" algn="l" defTabSz="457200" rtl="0" eaLnBrk="1" fontAlgn="auto" latinLnBrk="0" hangingPunct="1">
+                        <a:lnSpc>
+                          <a:spcPct val="100000"/>
+                        </a:lnSpc>
+                        <a:spcBef>
+                          <a:spcPts val="0"/>
+                        </a:spcBef>
+                        <a:spcAft>
+                          <a:spcPts val="0"/>
+                        </a:spcAft>
+                        <a:buClrTx/>
+                        <a:buSzTx/>
+                        <a:buFontTx/>
+                        <a:buNone/>
+                        <a:tabLst/>
+                        <a:defRPr/>
+                      </a:pPr>
+                      <a:r>
+                        <a:rPr lang="en-US" altLang="zh-CN" sz="1800" dirty="0" smtClean="0">
+                          <a:solidFill>
+                            <a:prstClr val="black">
+                              <a:lumMod val="85000"/>
+                              <a:lumOff val="15000"/>
+                            </a:prstClr>
+                          </a:solidFill>
+                          <a:latin typeface="DFKai-SB" panose="03000509000000000000" pitchFamily="65" charset="-120"/>
+                          <a:ea typeface="DFKai-SB" panose="03000509000000000000" pitchFamily="65" charset="-120"/>
+                        </a:rPr>
+                        <a:t>2.</a:t>
+                      </a:r>
+                      <a:r>
+                        <a:rPr lang="zh-CN" altLang="en-US" sz="1800" dirty="0" smtClean="0">
+                          <a:solidFill>
+                            <a:prstClr val="black">
+                              <a:lumMod val="85000"/>
+                              <a:lumOff val="15000"/>
+                            </a:prstClr>
+                          </a:solidFill>
+                          <a:latin typeface="DFKai-SB" panose="03000509000000000000" pitchFamily="65" charset="-120"/>
+                          <a:ea typeface="DFKai-SB" panose="03000509000000000000" pitchFamily="65" charset="-120"/>
+                        </a:rPr>
+                        <a:t>客户騎車時，若車身過於傾斜，與警示裝置所連接的蜂鳴器便會發出“</a:t>
+                      </a:r>
+                      <a:r>
+                        <a:rPr lang="zh-CN" altLang="en-US" sz="1800" dirty="0" smtClean="0">
+                          <a:solidFill>
+                            <a:srgbClr val="FF0000"/>
+                          </a:solidFill>
+                          <a:latin typeface="DFKai-SB" panose="03000509000000000000" pitchFamily="65" charset="-120"/>
+                          <a:ea typeface="DFKai-SB" panose="03000509000000000000" pitchFamily="65" charset="-120"/>
+                        </a:rPr>
+                        <a:t>滴滴滴</a:t>
+                      </a:r>
+                      <a:r>
+                        <a:rPr lang="zh-CN" altLang="en-US" sz="1800" dirty="0" smtClean="0">
+                          <a:solidFill>
+                            <a:prstClr val="black">
+                              <a:lumMod val="85000"/>
+                              <a:lumOff val="15000"/>
+                            </a:prstClr>
+                          </a:solidFill>
+                          <a:latin typeface="DFKai-SB" panose="03000509000000000000" pitchFamily="65" charset="-120"/>
+                          <a:ea typeface="DFKai-SB" panose="03000509000000000000" pitchFamily="65" charset="-120"/>
+                        </a:rPr>
+                        <a:t>”的警報聲，以達到警示客戶的目的。</a:t>
+                      </a:r>
+                      <a:endParaRPr lang="en-US" altLang="zh-CN" sz="1800" dirty="0" smtClean="0">
+                        <a:solidFill>
+                          <a:prstClr val="black">
+                            <a:lumMod val="85000"/>
+                            <a:lumOff val="15000"/>
+                          </a:prstClr>
+                        </a:solidFill>
+                        <a:latin typeface="DFKai-SB" panose="03000509000000000000" pitchFamily="65" charset="-120"/>
+                        <a:ea typeface="DFKai-SB" panose="03000509000000000000" pitchFamily="65" charset="-120"/>
+                      </a:endParaRPr>
+                    </a:p>
+                  </a:txBody>
+                  <a:tcPr/>
+                </a:tc>
+                <a:tc>
+                  <a:txBody>
+                    <a:bodyPr/>
+                    <a:lstStyle/>
+                    <a:p>
+                      <a:r>
+                        <a:rPr lang="zh-CN" altLang="en-US" sz="2400" dirty="0" smtClean="0">
+                          <a:solidFill>
+                            <a:schemeClr val="tx1"/>
+                          </a:solidFill>
+                          <a:latin typeface="DFKai-SB" panose="03000509000000000000" pitchFamily="65" charset="-120"/>
+                          <a:ea typeface="DFKai-SB" panose="03000509000000000000" pitchFamily="65" charset="-120"/>
+                        </a:rPr>
+                        <a:t>客戶</a:t>
+                      </a:r>
+                      <a:r>
+                        <a:rPr lang="en-US" altLang="zh-CN" sz="2400" dirty="0" smtClean="0">
+                          <a:solidFill>
+                            <a:schemeClr val="tx1"/>
+                          </a:solidFill>
+                          <a:latin typeface="DFKai-SB" panose="03000509000000000000" pitchFamily="65" charset="-120"/>
+                          <a:ea typeface="DFKai-SB" panose="03000509000000000000" pitchFamily="65" charset="-120"/>
+                        </a:rPr>
+                        <a:t>+</a:t>
+                      </a:r>
+                      <a:r>
+                        <a:rPr lang="zh-CN" altLang="en-US" sz="2400" dirty="0" smtClean="0">
+                          <a:solidFill>
+                            <a:schemeClr val="tx1"/>
+                          </a:solidFill>
+                          <a:latin typeface="DFKai-SB" panose="03000509000000000000" pitchFamily="65" charset="-120"/>
+                          <a:ea typeface="DFKai-SB" panose="03000509000000000000" pitchFamily="65" charset="-120"/>
+                        </a:rPr>
+                        <a:t>聽到</a:t>
+                      </a:r>
+                      <a:r>
+                        <a:rPr lang="en-US" altLang="zh-CN" sz="2400" dirty="0" smtClean="0">
+                          <a:solidFill>
+                            <a:schemeClr val="tx1"/>
+                          </a:solidFill>
+                          <a:latin typeface="DFKai-SB" panose="03000509000000000000" pitchFamily="65" charset="-120"/>
+                          <a:ea typeface="DFKai-SB" panose="03000509000000000000" pitchFamily="65" charset="-120"/>
+                        </a:rPr>
+                        <a:t>+</a:t>
+                      </a:r>
+                      <a:r>
+                        <a:rPr lang="zh-CN" altLang="en-US" sz="2400" dirty="0" smtClean="0">
+                          <a:solidFill>
+                            <a:schemeClr val="tx1"/>
+                          </a:solidFill>
+                          <a:latin typeface="DFKai-SB" panose="03000509000000000000" pitchFamily="65" charset="-120"/>
+                          <a:ea typeface="DFKai-SB" panose="03000509000000000000" pitchFamily="65" charset="-120"/>
+                        </a:rPr>
+                        <a:t>警報聲</a:t>
+                      </a:r>
+                      <a:endParaRPr lang="zh-CN" altLang="en-US" sz="2400" dirty="0">
+                        <a:solidFill>
+                          <a:schemeClr val="tx1"/>
+                        </a:solidFill>
+                        <a:latin typeface="DFKai-SB" panose="03000509000000000000" pitchFamily="65" charset="-120"/>
+                        <a:ea typeface="DFKai-SB" panose="03000509000000000000" pitchFamily="65" charset="-120"/>
+                      </a:endParaRPr>
+                    </a:p>
+                  </a:txBody>
+                  <a:tcPr/>
+                </a:tc>
+                <a:extLst>
+                  <a:ext uri="{0D108BD9-81ED-4DB2-BD59-A6C34878D82A}">
+                    <a16:rowId xmlns:a16="http://schemas.microsoft.com/office/drawing/2014/main" val="3665926703"/>
+                  </a:ext>
+                </a:extLst>
+              </a:tr>
+              <a:tr h="1176619">
+                <a:tc>
+                  <a:txBody>
+                    <a:bodyPr/>
+                    <a:lstStyle/>
+                    <a:p>
+                      <a:pPr marL="0" marR="0" lvl="0" indent="0" algn="l" defTabSz="457200" rtl="0" eaLnBrk="1" fontAlgn="auto" latinLnBrk="0" hangingPunct="1">
+                        <a:lnSpc>
+                          <a:spcPct val="100000"/>
+                        </a:lnSpc>
+                        <a:spcBef>
+                          <a:spcPts val="0"/>
+                        </a:spcBef>
+                        <a:spcAft>
+                          <a:spcPts val="0"/>
+                        </a:spcAft>
+                        <a:buClrTx/>
+                        <a:buSzTx/>
+                        <a:buFontTx/>
+                        <a:buNone/>
+                        <a:tabLst/>
+                        <a:defRPr/>
+                      </a:pPr>
+                      <a:r>
+                        <a:rPr lang="en-US" altLang="zh-CN" sz="1800" dirty="0" smtClean="0">
+                          <a:solidFill>
+                            <a:prstClr val="black">
+                              <a:lumMod val="85000"/>
+                              <a:lumOff val="15000"/>
+                            </a:prstClr>
+                          </a:solidFill>
+                          <a:latin typeface="DFKai-SB" panose="03000509000000000000" pitchFamily="65" charset="-120"/>
+                          <a:ea typeface="DFKai-SB" panose="03000509000000000000" pitchFamily="65" charset="-120"/>
+                        </a:rPr>
+                        <a:t>3.</a:t>
+                      </a:r>
+                      <a:r>
+                        <a:rPr lang="zh-CN" altLang="en-US" sz="1800" dirty="0" smtClean="0">
+                          <a:solidFill>
+                            <a:prstClr val="black">
+                              <a:lumMod val="85000"/>
+                              <a:lumOff val="15000"/>
+                            </a:prstClr>
+                          </a:solidFill>
+                          <a:latin typeface="DFKai-SB" panose="03000509000000000000" pitchFamily="65" charset="-120"/>
+                          <a:ea typeface="DFKai-SB" panose="03000509000000000000" pitchFamily="65" charset="-120"/>
+                        </a:rPr>
+                        <a:t>蜂鳴器發出警報聲的同時，警示裝置也會將此時的傾斜角度顯示在</a:t>
+                      </a:r>
+                      <a:r>
+                        <a:rPr lang="en-US" altLang="zh-CN" sz="1800" dirty="0" smtClean="0">
+                          <a:solidFill>
+                            <a:prstClr val="black">
+                              <a:lumMod val="85000"/>
+                              <a:lumOff val="15000"/>
+                            </a:prstClr>
+                          </a:solidFill>
+                          <a:latin typeface="DFKai-SB" panose="03000509000000000000" pitchFamily="65" charset="-120"/>
+                          <a:ea typeface="DFKai-SB" panose="03000509000000000000" pitchFamily="65" charset="-120"/>
+                        </a:rPr>
+                        <a:t>LCD</a:t>
+                      </a:r>
+                      <a:r>
+                        <a:rPr lang="zh-CN" altLang="en-US" sz="1800" dirty="0" smtClean="0">
+                          <a:solidFill>
+                            <a:prstClr val="black">
+                              <a:lumMod val="85000"/>
+                              <a:lumOff val="15000"/>
+                            </a:prstClr>
+                          </a:solidFill>
+                          <a:latin typeface="DFKai-SB" panose="03000509000000000000" pitchFamily="65" charset="-120"/>
+                          <a:ea typeface="DFKai-SB" panose="03000509000000000000" pitchFamily="65" charset="-120"/>
+                        </a:rPr>
+                        <a:t>顯示屏上，並將此數據記錄並傳輸會手機上製作的對應的</a:t>
+                      </a:r>
+                      <a:r>
+                        <a:rPr lang="en-US" altLang="zh-CN" sz="1800" dirty="0" smtClean="0">
+                          <a:solidFill>
+                            <a:prstClr val="black">
+                              <a:lumMod val="85000"/>
+                              <a:lumOff val="15000"/>
+                            </a:prstClr>
+                          </a:solidFill>
+                          <a:latin typeface="DFKai-SB" panose="03000509000000000000" pitchFamily="65" charset="-120"/>
+                          <a:ea typeface="DFKai-SB" panose="03000509000000000000" pitchFamily="65" charset="-120"/>
+                        </a:rPr>
+                        <a:t>app</a:t>
+                      </a:r>
+                      <a:r>
+                        <a:rPr lang="zh-CN" altLang="en-US" sz="1800" dirty="0" smtClean="0">
+                          <a:solidFill>
+                            <a:prstClr val="black">
+                              <a:lumMod val="85000"/>
+                              <a:lumOff val="15000"/>
+                            </a:prstClr>
+                          </a:solidFill>
+                          <a:latin typeface="DFKai-SB" panose="03000509000000000000" pitchFamily="65" charset="-120"/>
+                          <a:ea typeface="DFKai-SB" panose="03000509000000000000" pitchFamily="65" charset="-120"/>
+                        </a:rPr>
+                        <a:t>中，以便客戶之後進行確認與校準。</a:t>
+                      </a:r>
+                    </a:p>
+                  </a:txBody>
+                  <a:tcPr/>
+                </a:tc>
+                <a:tc>
+                  <a:txBody>
+                    <a:bodyPr/>
+                    <a:lstStyle/>
+                    <a:p>
+                      <a:r>
+                        <a:rPr lang="zh-CN" altLang="en-US" sz="2400" dirty="0" smtClean="0">
+                          <a:solidFill>
+                            <a:schemeClr val="tx1"/>
+                          </a:solidFill>
+                          <a:latin typeface="DFKai-SB" panose="03000509000000000000" pitchFamily="65" charset="-120"/>
+                          <a:ea typeface="DFKai-SB" panose="03000509000000000000" pitchFamily="65" charset="-120"/>
+                        </a:rPr>
+                        <a:t>客戶</a:t>
+                      </a:r>
+                      <a:r>
+                        <a:rPr lang="en-US" altLang="zh-CN" sz="2400" dirty="0" smtClean="0">
+                          <a:solidFill>
+                            <a:schemeClr val="tx1"/>
+                          </a:solidFill>
+                          <a:latin typeface="DFKai-SB" panose="03000509000000000000" pitchFamily="65" charset="-120"/>
+                          <a:ea typeface="DFKai-SB" panose="03000509000000000000" pitchFamily="65" charset="-120"/>
+                        </a:rPr>
+                        <a:t>+</a:t>
+                      </a:r>
+                      <a:r>
+                        <a:rPr lang="zh-CN" altLang="en-US" sz="2400" dirty="0" smtClean="0">
+                          <a:solidFill>
+                            <a:schemeClr val="tx1"/>
+                          </a:solidFill>
+                          <a:latin typeface="DFKai-SB" panose="03000509000000000000" pitchFamily="65" charset="-120"/>
+                          <a:ea typeface="DFKai-SB" panose="03000509000000000000" pitchFamily="65" charset="-120"/>
+                        </a:rPr>
+                        <a:t>讀取</a:t>
+                      </a:r>
+                      <a:r>
+                        <a:rPr lang="en-US" altLang="zh-CN" sz="2400" dirty="0" smtClean="0">
+                          <a:solidFill>
+                            <a:schemeClr val="tx1"/>
+                          </a:solidFill>
+                          <a:latin typeface="DFKai-SB" panose="03000509000000000000" pitchFamily="65" charset="-120"/>
+                          <a:ea typeface="DFKai-SB" panose="03000509000000000000" pitchFamily="65" charset="-120"/>
+                        </a:rPr>
+                        <a:t>+</a:t>
+                      </a:r>
+                      <a:r>
+                        <a:rPr lang="zh-CN" altLang="en-US" sz="2400" dirty="0" smtClean="0">
+                          <a:solidFill>
+                            <a:schemeClr val="tx1"/>
+                          </a:solidFill>
+                          <a:latin typeface="DFKai-SB" panose="03000509000000000000" pitchFamily="65" charset="-120"/>
+                          <a:ea typeface="DFKai-SB" panose="03000509000000000000" pitchFamily="65" charset="-120"/>
+                        </a:rPr>
+                        <a:t>信息</a:t>
+                      </a:r>
+                      <a:endParaRPr lang="en-US" altLang="zh-CN" sz="2400" dirty="0" smtClean="0">
+                        <a:solidFill>
+                          <a:schemeClr val="tx1"/>
+                        </a:solidFill>
+                        <a:latin typeface="DFKai-SB" panose="03000509000000000000" pitchFamily="65" charset="-120"/>
+                        <a:ea typeface="DFKai-SB" panose="03000509000000000000" pitchFamily="65" charset="-120"/>
+                      </a:endParaRPr>
+                    </a:p>
+                    <a:p>
+                      <a:r>
+                        <a:rPr lang="zh-CN" altLang="en-US" sz="2400" dirty="0" smtClean="0">
+                          <a:solidFill>
+                            <a:schemeClr val="tx1"/>
+                          </a:solidFill>
+                          <a:latin typeface="DFKai-SB" panose="03000509000000000000" pitchFamily="65" charset="-120"/>
+                          <a:ea typeface="DFKai-SB" panose="03000509000000000000" pitchFamily="65" charset="-120"/>
+                        </a:rPr>
+                        <a:t>客戶</a:t>
+                      </a:r>
+                      <a:r>
+                        <a:rPr lang="en-US" altLang="zh-CN" sz="2400" dirty="0" smtClean="0">
+                          <a:solidFill>
+                            <a:schemeClr val="tx1"/>
+                          </a:solidFill>
+                          <a:latin typeface="DFKai-SB" panose="03000509000000000000" pitchFamily="65" charset="-120"/>
+                          <a:ea typeface="DFKai-SB" panose="03000509000000000000" pitchFamily="65" charset="-120"/>
+                        </a:rPr>
+                        <a:t>+</a:t>
+                      </a:r>
+                      <a:r>
+                        <a:rPr lang="zh-CN" altLang="en-US" sz="2400" dirty="0" smtClean="0">
+                          <a:solidFill>
+                            <a:schemeClr val="tx1"/>
+                          </a:solidFill>
+                          <a:latin typeface="DFKai-SB" panose="03000509000000000000" pitchFamily="65" charset="-120"/>
+                          <a:ea typeface="DFKai-SB" panose="03000509000000000000" pitchFamily="65" charset="-120"/>
+                        </a:rPr>
+                        <a:t>校準</a:t>
+                      </a:r>
+                      <a:r>
+                        <a:rPr lang="en-US" altLang="zh-CN" sz="2400" dirty="0" smtClean="0">
+                          <a:solidFill>
+                            <a:schemeClr val="tx1"/>
+                          </a:solidFill>
+                          <a:latin typeface="DFKai-SB" panose="03000509000000000000" pitchFamily="65" charset="-120"/>
+                          <a:ea typeface="DFKai-SB" panose="03000509000000000000" pitchFamily="65" charset="-120"/>
+                        </a:rPr>
+                        <a:t>+</a:t>
+                      </a:r>
+                      <a:r>
+                        <a:rPr lang="zh-CN" altLang="en-US" sz="2400" dirty="0" smtClean="0">
+                          <a:solidFill>
+                            <a:schemeClr val="tx1"/>
+                          </a:solidFill>
+                          <a:latin typeface="DFKai-SB" panose="03000509000000000000" pitchFamily="65" charset="-120"/>
+                          <a:ea typeface="DFKai-SB" panose="03000509000000000000" pitchFamily="65" charset="-120"/>
+                        </a:rPr>
+                        <a:t>裝置</a:t>
+                      </a:r>
+                      <a:endParaRPr lang="zh-CN" altLang="en-US" sz="2400" dirty="0">
+                        <a:solidFill>
+                          <a:schemeClr val="tx1"/>
+                        </a:solidFill>
+                        <a:latin typeface="DFKai-SB" panose="03000509000000000000" pitchFamily="65" charset="-120"/>
+                        <a:ea typeface="DFKai-SB" panose="03000509000000000000" pitchFamily="65" charset="-120"/>
+                      </a:endParaRPr>
+                    </a:p>
+                  </a:txBody>
+                  <a:tcPr/>
+                </a:tc>
+                <a:extLst>
+                  <a:ext uri="{0D108BD9-81ED-4DB2-BD59-A6C34878D82A}">
+                    <a16:rowId xmlns:a16="http://schemas.microsoft.com/office/drawing/2014/main" val="3964174122"/>
+                  </a:ext>
+                </a:extLst>
+              </a:tr>
+            </a:tbl>
+          </a:graphicData>
+        </a:graphic>
+      </p:graphicFrame>
+    </p:spTree>
+    <p:extLst>
+      <p:ext uri="{BB962C8B-B14F-4D97-AF65-F5344CB8AC3E}">
+        <p14:creationId xmlns:p14="http://schemas.microsoft.com/office/powerpoint/2010/main" val="758004190"/>
+      </p:ext>
+    </p:extLst>
+  </p:cSld>
+  <p:clrMapOvr>
+    <a:masterClrMapping/>
+  </p:clrMapOvr>
+  <p:timing>
+    <p:tnLst>
+      <p:par>
+        <p:cTn id="1" dur="indefinite" restart="never" nodeType="tmRoot"/>
+      </p:par>
+    </p:tnLst>
+  </p:timing>
+</p:sld>
+</file>
+
+<file path=ppt/slides/slide12.xml><?xml version="1.0" encoding="utf-8"?>
+<p:sld xmlns:a="http://schemas.openxmlformats.org/drawingml/2006/main" xmlns:r="http://schemas.openxmlformats.org/officeDocument/2006/relationships" xmlns:p="http://schemas.openxmlformats.org/presentationml/2006/main">
+  <p:cSld>
+    <p:spTree>
+      <p:nvGrpSpPr>
+        <p:cNvPr id="1" name=""/>
+        <p:cNvGrpSpPr/>
+        <p:nvPr/>
+      </p:nvGrpSpPr>
+      <p:grpSpPr>
+        <a:xfrm>
+          <a:off x="0" y="0"/>
+          <a:ext cx="0" cy="0"/>
+          <a:chOff x="0" y="0"/>
+          <a:chExt cx="0" cy="0"/>
+        </a:xfrm>
+      </p:grpSpPr>
+      <p:sp>
+        <p:nvSpPr>
+          <p:cNvPr id="4" name="投影片編號版面配置區 3"/>
+          <p:cNvSpPr>
+            <a:spLocks noGrp="1"/>
+          </p:cNvSpPr>
+          <p:nvPr>
+            <p:ph type="sldNum" sz="quarter" idx="12"/>
+          </p:nvPr>
+        </p:nvSpPr>
+        <p:spPr/>
+        <p:txBody>
+          <a:bodyPr/>
+          <a:lstStyle/>
+          <a:p>
+            <a:fld id="{80E16380-4998-42C3-B033-270161A8BE6B}" type="slidenum">
+              <a:rPr lang="zh-TW" altLang="en-US" smtClean="0"/>
+              <a:t>12</a:t>
+            </a:fld>
+            <a:endParaRPr lang="zh-TW" altLang="en-US"/>
+          </a:p>
+        </p:txBody>
+      </p:sp>
+      <p:graphicFrame>
+        <p:nvGraphicFramePr>
+          <p:cNvPr id="6" name="表格 5"/>
+          <p:cNvGraphicFramePr>
+            <a:graphicFrameLocks noGrp="1"/>
+          </p:cNvGraphicFramePr>
+          <p:nvPr>
+            <p:extLst>
+              <p:ext uri="{D42A27DB-BD31-4B8C-83A1-F6EECF244321}">
+                <p14:modId xmlns:p14="http://schemas.microsoft.com/office/powerpoint/2010/main" val="2531321533"/>
+              </p:ext>
+            </p:extLst>
+          </p:nvPr>
+        </p:nvGraphicFramePr>
+        <p:xfrm>
+          <a:off x="1484091" y="1141303"/>
+          <a:ext cx="6192056" cy="4819230"/>
+        </p:xfrm>
+        <a:graphic>
+          <a:graphicData uri="http://schemas.openxmlformats.org/drawingml/2006/table">
+            <a:tbl>
+              <a:tblPr firstRow="1" bandRow="1">
+                <a:tableStyleId>{D113A9D2-9D6B-4929-AA2D-F23B5EE8CBE7}</a:tableStyleId>
+              </a:tblPr>
+              <a:tblGrid>
+                <a:gridCol w="3096028">
+                  <a:extLst>
+                    <a:ext uri="{9D8B030D-6E8A-4147-A177-3AD203B41FA5}">
+                      <a16:colId xmlns:a16="http://schemas.microsoft.com/office/drawing/2014/main" val="575654118"/>
+                    </a:ext>
+                  </a:extLst>
+                </a:gridCol>
+                <a:gridCol w="3096028">
+                  <a:extLst>
+                    <a:ext uri="{9D8B030D-6E8A-4147-A177-3AD203B41FA5}">
+                      <a16:colId xmlns:a16="http://schemas.microsoft.com/office/drawing/2014/main" val="2310419058"/>
+                    </a:ext>
+                  </a:extLst>
+                </a:gridCol>
+              </a:tblGrid>
+              <a:tr h="731902">
+                <a:tc>
+                  <a:txBody>
+                    <a:bodyPr/>
+                    <a:lstStyle/>
+                    <a:p>
+                      <a:r>
+                        <a:rPr lang="zh-CN" altLang="en-US" sz="3200" dirty="0" smtClean="0">
+                          <a:latin typeface="DFKai-SB" panose="03000509000000000000" pitchFamily="65" charset="-120"/>
+                          <a:ea typeface="DFKai-SB" panose="03000509000000000000" pitchFamily="65" charset="-120"/>
+                        </a:rPr>
+                        <a:t>描述性項目</a:t>
+                      </a:r>
+                      <a:endParaRPr lang="zh-CN" altLang="en-US" sz="3200" dirty="0">
+                        <a:latin typeface="DFKai-SB" panose="03000509000000000000" pitchFamily="65" charset="-120"/>
+                        <a:ea typeface="DFKai-SB" panose="03000509000000000000" pitchFamily="65" charset="-120"/>
+                      </a:endParaRPr>
+                    </a:p>
+                  </a:txBody>
+                  <a:tcPr/>
+                </a:tc>
+                <a:tc>
+                  <a:txBody>
+                    <a:bodyPr/>
+                    <a:lstStyle/>
+                    <a:p>
+                      <a:r>
+                        <a:rPr lang="zh-CN" altLang="en-US" sz="3200" dirty="0" smtClean="0">
+                          <a:latin typeface="DFKai-SB" panose="03000509000000000000" pitchFamily="65" charset="-120"/>
+                          <a:ea typeface="DFKai-SB" panose="03000509000000000000" pitchFamily="65" charset="-120"/>
+                        </a:rPr>
+                        <a:t>事件條列式</a:t>
+                      </a:r>
+                      <a:endParaRPr lang="zh-CN" altLang="en-US" sz="3200" dirty="0">
+                        <a:latin typeface="DFKai-SB" panose="03000509000000000000" pitchFamily="65" charset="-120"/>
+                        <a:ea typeface="DFKai-SB" panose="03000509000000000000" pitchFamily="65" charset="-120"/>
+                      </a:endParaRPr>
+                    </a:p>
+                  </a:txBody>
+                  <a:tcPr/>
+                </a:tc>
+                <a:extLst>
+                  <a:ext uri="{0D108BD9-81ED-4DB2-BD59-A6C34878D82A}">
+                    <a16:rowId xmlns:a16="http://schemas.microsoft.com/office/drawing/2014/main" val="4229939552"/>
+                  </a:ext>
+                </a:extLst>
+              </a:tr>
+              <a:tr h="1460661">
+                <a:tc>
+                  <a:txBody>
+                    <a:bodyPr/>
+                    <a:lstStyle/>
+                    <a:p>
+                      <a:pPr marL="0" marR="0" lvl="0" indent="0" algn="l" defTabSz="457200" rtl="0" eaLnBrk="1" fontAlgn="auto" latinLnBrk="0" hangingPunct="1">
+                        <a:lnSpc>
+                          <a:spcPct val="100000"/>
+                        </a:lnSpc>
+                        <a:spcBef>
+                          <a:spcPts val="0"/>
+                        </a:spcBef>
+                        <a:spcAft>
+                          <a:spcPts val="0"/>
+                        </a:spcAft>
+                        <a:buClrTx/>
+                        <a:buSzTx/>
+                        <a:buFontTx/>
+                        <a:buNone/>
+                        <a:tabLst/>
+                        <a:defRPr/>
+                      </a:pPr>
+                      <a:r>
+                        <a:rPr lang="en-US" altLang="zh-CN" sz="2000" dirty="0" smtClean="0">
+                          <a:solidFill>
+                            <a:schemeClr val="tx1"/>
+                          </a:solidFill>
+                          <a:latin typeface="DFKai-SB" panose="03000509000000000000" pitchFamily="65" charset="-120"/>
+                          <a:ea typeface="DFKai-SB" panose="03000509000000000000" pitchFamily="65" charset="-120"/>
+                        </a:rPr>
+                        <a:t>4. </a:t>
+                      </a:r>
+                      <a:r>
+                        <a:rPr lang="zh-CN" altLang="en-US" sz="2000" dirty="0" smtClean="0">
+                          <a:solidFill>
+                            <a:schemeClr val="tx1"/>
+                          </a:solidFill>
+                          <a:latin typeface="DFKai-SB" panose="03000509000000000000" pitchFamily="65" charset="-120"/>
+                          <a:ea typeface="DFKai-SB" panose="03000509000000000000" pitchFamily="65" charset="-120"/>
+                        </a:rPr>
+                        <a:t>與警示裝置連接的</a:t>
+                      </a:r>
+                      <a:r>
+                        <a:rPr lang="en-US" altLang="zh-CN" sz="2000" dirty="0" smtClean="0">
+                          <a:solidFill>
+                            <a:schemeClr val="tx1"/>
+                          </a:solidFill>
+                          <a:latin typeface="DFKai-SB" panose="03000509000000000000" pitchFamily="65" charset="-120"/>
+                          <a:ea typeface="DFKai-SB" panose="03000509000000000000" pitchFamily="65" charset="-120"/>
+                        </a:rPr>
+                        <a:t>GPS</a:t>
+                      </a:r>
+                      <a:r>
+                        <a:rPr lang="zh-CN" altLang="en-US" sz="2000" dirty="0" smtClean="0">
+                          <a:solidFill>
+                            <a:schemeClr val="tx1"/>
+                          </a:solidFill>
+                          <a:latin typeface="DFKai-SB" panose="03000509000000000000" pitchFamily="65" charset="-120"/>
+                          <a:ea typeface="DFKai-SB" panose="03000509000000000000" pitchFamily="65" charset="-120"/>
+                        </a:rPr>
+                        <a:t>也會記錄使用者的機車傾斜角度過大時所在的具體位置，並傳回手機中的</a:t>
+                      </a:r>
+                      <a:r>
+                        <a:rPr lang="en-US" altLang="zh-CN" sz="2000" dirty="0" smtClean="0">
+                          <a:solidFill>
+                            <a:schemeClr val="tx1"/>
+                          </a:solidFill>
+                          <a:latin typeface="DFKai-SB" panose="03000509000000000000" pitchFamily="65" charset="-120"/>
+                          <a:ea typeface="DFKai-SB" panose="03000509000000000000" pitchFamily="65" charset="-120"/>
+                        </a:rPr>
+                        <a:t>app</a:t>
+                      </a:r>
+                      <a:r>
+                        <a:rPr lang="zh-CN" altLang="en-US" sz="2000" dirty="0" smtClean="0">
+                          <a:solidFill>
+                            <a:schemeClr val="tx1"/>
+                          </a:solidFill>
+                          <a:latin typeface="DFKai-SB" panose="03000509000000000000" pitchFamily="65" charset="-120"/>
+                          <a:ea typeface="DFKai-SB" panose="03000509000000000000" pitchFamily="65" charset="-120"/>
+                        </a:rPr>
+                        <a:t>。</a:t>
+                      </a:r>
+                      <a:endParaRPr lang="en-US" altLang="zh-CN" sz="2000" dirty="0" smtClean="0">
+                        <a:solidFill>
+                          <a:schemeClr val="tx1"/>
+                        </a:solidFill>
+                        <a:latin typeface="DFKai-SB" panose="03000509000000000000" pitchFamily="65" charset="-120"/>
+                        <a:ea typeface="DFKai-SB" panose="03000509000000000000" pitchFamily="65" charset="-120"/>
+                      </a:endParaRPr>
+                    </a:p>
+                  </a:txBody>
+                  <a:tcPr/>
+                </a:tc>
+                <a:tc>
+                  <a:txBody>
+                    <a:bodyPr/>
+                    <a:lstStyle/>
+                    <a:p>
+                      <a:r>
+                        <a:rPr lang="en-US" altLang="zh-CN" sz="2400" dirty="0" smtClean="0">
+                          <a:solidFill>
+                            <a:schemeClr val="tx1"/>
+                          </a:solidFill>
+                          <a:latin typeface="DFKai-SB" panose="03000509000000000000" pitchFamily="65" charset="-120"/>
+                          <a:ea typeface="DFKai-SB" panose="03000509000000000000" pitchFamily="65" charset="-120"/>
+                        </a:rPr>
+                        <a:t>GPS+</a:t>
+                      </a:r>
+                      <a:r>
+                        <a:rPr lang="zh-CN" altLang="en-US" sz="2400" dirty="0" smtClean="0">
+                          <a:solidFill>
+                            <a:schemeClr val="tx1"/>
+                          </a:solidFill>
+                          <a:latin typeface="DFKai-SB" panose="03000509000000000000" pitchFamily="65" charset="-120"/>
+                          <a:ea typeface="DFKai-SB" panose="03000509000000000000" pitchFamily="65" charset="-120"/>
+                        </a:rPr>
+                        <a:t>記錄</a:t>
+                      </a:r>
+                      <a:r>
+                        <a:rPr lang="en-US" altLang="zh-CN" sz="2400" dirty="0" smtClean="0">
+                          <a:solidFill>
+                            <a:schemeClr val="tx1"/>
+                          </a:solidFill>
+                          <a:latin typeface="DFKai-SB" panose="03000509000000000000" pitchFamily="65" charset="-120"/>
+                          <a:ea typeface="DFKai-SB" panose="03000509000000000000" pitchFamily="65" charset="-120"/>
+                        </a:rPr>
+                        <a:t>+</a:t>
+                      </a:r>
+                      <a:r>
+                        <a:rPr lang="zh-CN" altLang="en-US" sz="2400" dirty="0" smtClean="0">
+                          <a:solidFill>
+                            <a:schemeClr val="tx1"/>
+                          </a:solidFill>
+                          <a:latin typeface="DFKai-SB" panose="03000509000000000000" pitchFamily="65" charset="-120"/>
+                          <a:ea typeface="DFKai-SB" panose="03000509000000000000" pitchFamily="65" charset="-120"/>
+                        </a:rPr>
+                        <a:t>信息</a:t>
+                      </a:r>
+                      <a:endParaRPr lang="en-US" altLang="zh-CN" sz="2400" dirty="0" smtClean="0">
+                        <a:solidFill>
+                          <a:schemeClr val="tx1"/>
+                        </a:solidFill>
+                        <a:latin typeface="DFKai-SB" panose="03000509000000000000" pitchFamily="65" charset="-120"/>
+                        <a:ea typeface="DFKai-SB" panose="03000509000000000000" pitchFamily="65" charset="-120"/>
+                      </a:endParaRPr>
+                    </a:p>
+                    <a:p>
+                      <a:r>
+                        <a:rPr lang="zh-CN" altLang="en-US" sz="2400" dirty="0" smtClean="0">
+                          <a:solidFill>
+                            <a:schemeClr val="tx1"/>
+                          </a:solidFill>
+                          <a:latin typeface="DFKai-SB" panose="03000509000000000000" pitchFamily="65" charset="-120"/>
+                          <a:ea typeface="DFKai-SB" panose="03000509000000000000" pitchFamily="65" charset="-120"/>
+                        </a:rPr>
+                        <a:t>裝置</a:t>
+                      </a:r>
+                      <a:r>
+                        <a:rPr lang="en-US" altLang="zh-CN" sz="2400" dirty="0" smtClean="0">
+                          <a:solidFill>
+                            <a:schemeClr val="tx1"/>
+                          </a:solidFill>
+                          <a:latin typeface="DFKai-SB" panose="03000509000000000000" pitchFamily="65" charset="-120"/>
+                          <a:ea typeface="DFKai-SB" panose="03000509000000000000" pitchFamily="65" charset="-120"/>
+                        </a:rPr>
+                        <a:t>+</a:t>
+                      </a:r>
+                      <a:r>
+                        <a:rPr lang="zh-CN" altLang="en-US" sz="2400" dirty="0" smtClean="0">
+                          <a:solidFill>
+                            <a:schemeClr val="tx1"/>
+                          </a:solidFill>
+                          <a:latin typeface="DFKai-SB" panose="03000509000000000000" pitchFamily="65" charset="-120"/>
+                          <a:ea typeface="DFKai-SB" panose="03000509000000000000" pitchFamily="65" charset="-120"/>
+                        </a:rPr>
+                        <a:t>傳輸</a:t>
+                      </a:r>
+                      <a:r>
+                        <a:rPr lang="en-US" altLang="zh-CN" sz="2400" dirty="0" smtClean="0">
+                          <a:solidFill>
+                            <a:schemeClr val="tx1"/>
+                          </a:solidFill>
+                          <a:latin typeface="DFKai-SB" panose="03000509000000000000" pitchFamily="65" charset="-120"/>
+                          <a:ea typeface="DFKai-SB" panose="03000509000000000000" pitchFamily="65" charset="-120"/>
+                        </a:rPr>
+                        <a:t>+</a:t>
+                      </a:r>
+                      <a:r>
+                        <a:rPr lang="zh-CN" altLang="en-US" sz="2400" dirty="0" smtClean="0">
+                          <a:solidFill>
+                            <a:schemeClr val="tx1"/>
+                          </a:solidFill>
+                          <a:latin typeface="DFKai-SB" panose="03000509000000000000" pitchFamily="65" charset="-120"/>
+                          <a:ea typeface="DFKai-SB" panose="03000509000000000000" pitchFamily="65" charset="-120"/>
+                        </a:rPr>
+                        <a:t>信息</a:t>
+                      </a:r>
+                      <a:endParaRPr lang="en-US" altLang="zh-CN" sz="2400" dirty="0" smtClean="0">
+                        <a:solidFill>
+                          <a:schemeClr val="tx1"/>
+                        </a:solidFill>
+                        <a:latin typeface="DFKai-SB" panose="03000509000000000000" pitchFamily="65" charset="-120"/>
+                        <a:ea typeface="DFKai-SB" panose="03000509000000000000" pitchFamily="65" charset="-120"/>
+                      </a:endParaRPr>
+                    </a:p>
+                  </a:txBody>
+                  <a:tcPr/>
+                </a:tc>
+                <a:extLst>
+                  <a:ext uri="{0D108BD9-81ED-4DB2-BD59-A6C34878D82A}">
+                    <a16:rowId xmlns:a16="http://schemas.microsoft.com/office/drawing/2014/main" val="118071968"/>
+                  </a:ext>
+                </a:extLst>
+              </a:tr>
+              <a:tr h="2471888">
+                <a:tc>
+                  <a:txBody>
+                    <a:bodyPr/>
+                    <a:lstStyle/>
+                    <a:p>
+                      <a:pPr marL="0" marR="0" lvl="0" indent="0" algn="l" defTabSz="457200" rtl="0" eaLnBrk="1" fontAlgn="auto" latinLnBrk="0" hangingPunct="1">
+                        <a:lnSpc>
+                          <a:spcPct val="100000"/>
+                        </a:lnSpc>
+                        <a:spcBef>
+                          <a:spcPts val="0"/>
+                        </a:spcBef>
+                        <a:spcAft>
+                          <a:spcPts val="0"/>
+                        </a:spcAft>
+                        <a:buClrTx/>
+                        <a:buSzTx/>
+                        <a:buFontTx/>
+                        <a:buNone/>
+                        <a:tabLst/>
+                        <a:defRPr/>
+                      </a:pPr>
+                      <a:r>
+                        <a:rPr lang="en-US" altLang="zh-TW" sz="2000" dirty="0" smtClean="0">
+                          <a:solidFill>
+                            <a:prstClr val="black">
+                              <a:lumMod val="85000"/>
+                              <a:lumOff val="15000"/>
+                            </a:prstClr>
+                          </a:solidFill>
+                          <a:latin typeface="DFKai-SB" panose="03000509000000000000" pitchFamily="65" charset="-120"/>
+                          <a:ea typeface="DFKai-SB" panose="03000509000000000000" pitchFamily="65" charset="-120"/>
+                        </a:rPr>
+                        <a:t>5. app</a:t>
+                      </a:r>
+                      <a:r>
+                        <a:rPr lang="zh-TW" altLang="en-US" sz="2000" dirty="0" smtClean="0">
+                          <a:solidFill>
+                            <a:prstClr val="black">
+                              <a:lumMod val="85000"/>
+                              <a:lumOff val="15000"/>
+                            </a:prstClr>
+                          </a:solidFill>
+                          <a:latin typeface="DFKai-SB" panose="03000509000000000000" pitchFamily="65" charset="-120"/>
+                          <a:ea typeface="DFKai-SB" panose="03000509000000000000" pitchFamily="65" charset="-120"/>
+                        </a:rPr>
+                        <a:t>中客戶的數據也會上傳到製作者的系統服務器中，讓製作者能夠統計什麼樣的客戶人群在什麼樣的路段容易出現“壓車”的情況，對警示裝置做出調整，提前提醒使用者。</a:t>
+                      </a:r>
+                    </a:p>
+                  </a:txBody>
+                  <a:tcPr/>
+                </a:tc>
+                <a:tc>
+                  <a:txBody>
+                    <a:bodyPr/>
+                    <a:lstStyle/>
+                    <a:p>
+                      <a:r>
+                        <a:rPr lang="en-US" altLang="zh-CN" sz="2400" dirty="0" smtClean="0">
+                          <a:solidFill>
+                            <a:schemeClr val="tx1"/>
+                          </a:solidFill>
+                          <a:latin typeface="DFKai-SB" panose="03000509000000000000" pitchFamily="65" charset="-120"/>
+                          <a:ea typeface="DFKai-SB" panose="03000509000000000000" pitchFamily="65" charset="-120"/>
+                        </a:rPr>
+                        <a:t>App+</a:t>
+                      </a:r>
+                      <a:r>
+                        <a:rPr lang="zh-CN" altLang="en-US" sz="2400" dirty="0" smtClean="0">
+                          <a:solidFill>
+                            <a:schemeClr val="tx1"/>
+                          </a:solidFill>
+                          <a:latin typeface="DFKai-SB" panose="03000509000000000000" pitchFamily="65" charset="-120"/>
+                          <a:ea typeface="DFKai-SB" panose="03000509000000000000" pitchFamily="65" charset="-120"/>
+                        </a:rPr>
+                        <a:t>傳輸</a:t>
+                      </a:r>
+                      <a:r>
+                        <a:rPr lang="en-US" altLang="zh-CN" sz="2400" dirty="0" smtClean="0">
+                          <a:solidFill>
+                            <a:schemeClr val="tx1"/>
+                          </a:solidFill>
+                          <a:latin typeface="DFKai-SB" panose="03000509000000000000" pitchFamily="65" charset="-120"/>
+                          <a:ea typeface="DFKai-SB" panose="03000509000000000000" pitchFamily="65" charset="-120"/>
+                        </a:rPr>
+                        <a:t>+</a:t>
+                      </a:r>
+                      <a:r>
+                        <a:rPr lang="zh-CN" altLang="en-US" sz="2400" dirty="0" smtClean="0">
+                          <a:solidFill>
+                            <a:schemeClr val="tx1"/>
+                          </a:solidFill>
+                          <a:latin typeface="DFKai-SB" panose="03000509000000000000" pitchFamily="65" charset="-120"/>
+                          <a:ea typeface="DFKai-SB" panose="03000509000000000000" pitchFamily="65" charset="-120"/>
+                        </a:rPr>
+                        <a:t>數據</a:t>
+                      </a:r>
+                      <a:endParaRPr lang="en-US" altLang="zh-CN" sz="2400" dirty="0" smtClean="0">
+                        <a:solidFill>
+                          <a:schemeClr val="tx1"/>
+                        </a:solidFill>
+                        <a:latin typeface="DFKai-SB" panose="03000509000000000000" pitchFamily="65" charset="-120"/>
+                        <a:ea typeface="DFKai-SB" panose="03000509000000000000" pitchFamily="65" charset="-120"/>
+                      </a:endParaRPr>
+                    </a:p>
+                    <a:p>
+                      <a:r>
+                        <a:rPr lang="zh-CN" altLang="en-US" sz="2400" dirty="0" smtClean="0">
+                          <a:solidFill>
+                            <a:schemeClr val="tx1"/>
+                          </a:solidFill>
+                          <a:latin typeface="DFKai-SB" panose="03000509000000000000" pitchFamily="65" charset="-120"/>
+                          <a:ea typeface="DFKai-SB" panose="03000509000000000000" pitchFamily="65" charset="-120"/>
+                        </a:rPr>
+                        <a:t>製作者</a:t>
+                      </a:r>
+                      <a:r>
+                        <a:rPr lang="en-US" altLang="zh-CN" sz="2400" dirty="0" smtClean="0">
+                          <a:solidFill>
+                            <a:schemeClr val="tx1"/>
+                          </a:solidFill>
+                          <a:latin typeface="DFKai-SB" panose="03000509000000000000" pitchFamily="65" charset="-120"/>
+                          <a:ea typeface="DFKai-SB" panose="03000509000000000000" pitchFamily="65" charset="-120"/>
+                        </a:rPr>
+                        <a:t>+</a:t>
+                      </a:r>
+                      <a:r>
+                        <a:rPr lang="zh-CN" altLang="en-US" sz="2400" dirty="0" smtClean="0">
+                          <a:solidFill>
+                            <a:schemeClr val="tx1"/>
+                          </a:solidFill>
+                          <a:latin typeface="DFKai-SB" panose="03000509000000000000" pitchFamily="65" charset="-120"/>
+                          <a:ea typeface="DFKai-SB" panose="03000509000000000000" pitchFamily="65" charset="-120"/>
+                        </a:rPr>
+                        <a:t>統計</a:t>
+                      </a:r>
+                      <a:r>
+                        <a:rPr lang="en-US" altLang="zh-CN" sz="2400" dirty="0" smtClean="0">
+                          <a:solidFill>
+                            <a:schemeClr val="tx1"/>
+                          </a:solidFill>
+                          <a:latin typeface="DFKai-SB" panose="03000509000000000000" pitchFamily="65" charset="-120"/>
+                          <a:ea typeface="DFKai-SB" panose="03000509000000000000" pitchFamily="65" charset="-120"/>
+                        </a:rPr>
+                        <a:t>+</a:t>
+                      </a:r>
+                      <a:r>
+                        <a:rPr lang="zh-CN" altLang="en-US" sz="2400" dirty="0" smtClean="0">
+                          <a:solidFill>
+                            <a:schemeClr val="tx1"/>
+                          </a:solidFill>
+                          <a:latin typeface="DFKai-SB" panose="03000509000000000000" pitchFamily="65" charset="-120"/>
+                          <a:ea typeface="DFKai-SB" panose="03000509000000000000" pitchFamily="65" charset="-120"/>
+                        </a:rPr>
+                        <a:t>數據</a:t>
+                      </a:r>
+                      <a:endParaRPr lang="en-US" altLang="zh-CN" sz="2400" dirty="0" smtClean="0">
+                        <a:solidFill>
+                          <a:schemeClr val="tx1"/>
+                        </a:solidFill>
+                        <a:latin typeface="DFKai-SB" panose="03000509000000000000" pitchFamily="65" charset="-120"/>
+                        <a:ea typeface="DFKai-SB" panose="03000509000000000000" pitchFamily="65" charset="-120"/>
+                      </a:endParaRPr>
+                    </a:p>
+                    <a:p>
+                      <a:r>
+                        <a:rPr lang="zh-CN" altLang="en-US" sz="2400" dirty="0" smtClean="0">
+                          <a:solidFill>
+                            <a:schemeClr val="tx1"/>
+                          </a:solidFill>
+                          <a:latin typeface="DFKai-SB" panose="03000509000000000000" pitchFamily="65" charset="-120"/>
+                          <a:ea typeface="DFKai-SB" panose="03000509000000000000" pitchFamily="65" charset="-120"/>
+                        </a:rPr>
+                        <a:t>裝置</a:t>
+                      </a:r>
+                      <a:r>
+                        <a:rPr lang="en-US" altLang="zh-CN" sz="2400" dirty="0" smtClean="0">
+                          <a:solidFill>
+                            <a:schemeClr val="tx1"/>
+                          </a:solidFill>
+                          <a:latin typeface="DFKai-SB" panose="03000509000000000000" pitchFamily="65" charset="-120"/>
+                          <a:ea typeface="DFKai-SB" panose="03000509000000000000" pitchFamily="65" charset="-120"/>
+                        </a:rPr>
+                        <a:t>+</a:t>
+                      </a:r>
+                      <a:r>
+                        <a:rPr lang="zh-CN" altLang="en-US" sz="2400" dirty="0" smtClean="0">
+                          <a:solidFill>
+                            <a:schemeClr val="tx1"/>
+                          </a:solidFill>
+                          <a:latin typeface="DFKai-SB" panose="03000509000000000000" pitchFamily="65" charset="-120"/>
+                          <a:ea typeface="DFKai-SB" panose="03000509000000000000" pitchFamily="65" charset="-120"/>
+                        </a:rPr>
+                        <a:t>提醒</a:t>
+                      </a:r>
+                      <a:r>
+                        <a:rPr lang="en-US" altLang="zh-CN" sz="2400" dirty="0" smtClean="0">
+                          <a:solidFill>
+                            <a:schemeClr val="tx1"/>
+                          </a:solidFill>
+                          <a:latin typeface="DFKai-SB" panose="03000509000000000000" pitchFamily="65" charset="-120"/>
+                          <a:ea typeface="DFKai-SB" panose="03000509000000000000" pitchFamily="65" charset="-120"/>
+                        </a:rPr>
+                        <a:t>+</a:t>
+                      </a:r>
+                      <a:r>
+                        <a:rPr lang="zh-CN" altLang="en-US" sz="2400" dirty="0" smtClean="0">
+                          <a:solidFill>
+                            <a:schemeClr val="tx1"/>
+                          </a:solidFill>
+                          <a:latin typeface="DFKai-SB" panose="03000509000000000000" pitchFamily="65" charset="-120"/>
+                          <a:ea typeface="DFKai-SB" panose="03000509000000000000" pitchFamily="65" charset="-120"/>
+                        </a:rPr>
+                        <a:t>客戶</a:t>
+                      </a:r>
+                      <a:endParaRPr lang="zh-CN" altLang="en-US" sz="2400" dirty="0">
+                        <a:solidFill>
+                          <a:schemeClr val="tx1"/>
+                        </a:solidFill>
+                        <a:latin typeface="DFKai-SB" panose="03000509000000000000" pitchFamily="65" charset="-120"/>
+                        <a:ea typeface="DFKai-SB" panose="03000509000000000000" pitchFamily="65" charset="-120"/>
+                      </a:endParaRPr>
+                    </a:p>
+                  </a:txBody>
+                  <a:tcPr/>
+                </a:tc>
+                <a:extLst>
+                  <a:ext uri="{0D108BD9-81ED-4DB2-BD59-A6C34878D82A}">
+                    <a16:rowId xmlns:a16="http://schemas.microsoft.com/office/drawing/2014/main" val="3665926703"/>
+                  </a:ext>
+                </a:extLst>
+              </a:tr>
+            </a:tbl>
+          </a:graphicData>
+        </a:graphic>
+      </p:graphicFrame>
+    </p:spTree>
+    <p:extLst>
+      <p:ext uri="{BB962C8B-B14F-4D97-AF65-F5344CB8AC3E}">
+        <p14:creationId xmlns:p14="http://schemas.microsoft.com/office/powerpoint/2010/main" val="2222859275"/>
+      </p:ext>
+    </p:extLst>
+  </p:cSld>
+  <p:clrMapOvr>
+    <a:masterClrMapping/>
+  </p:clrMapOvr>
+</p:sld>
+</file>
+
+<file path=ppt/slides/slide13.xml><?xml version="1.0" encoding="utf-8"?>
+<p:sld xmlns:a="http://schemas.openxmlformats.org/drawingml/2006/main" xmlns:r="http://schemas.openxmlformats.org/officeDocument/2006/relationships" xmlns:p="http://schemas.openxmlformats.org/presentationml/2006/main">
+  <p:cSld>
+    <p:spTree>
+      <p:nvGrpSpPr>
+        <p:cNvPr id="1" name=""/>
+        <p:cNvGrpSpPr/>
+        <p:nvPr/>
+      </p:nvGrpSpPr>
+      <p:grpSpPr>
+        <a:xfrm>
+          <a:off x="0" y="0"/>
+          <a:ext cx="0" cy="0"/>
+          <a:chOff x="0" y="0"/>
+          <a:chExt cx="0" cy="0"/>
+        </a:xfrm>
+      </p:grpSpPr>
+      <p:sp>
+        <p:nvSpPr>
+          <p:cNvPr id="4" name="投影片編號版面配置區 3"/>
+          <p:cNvSpPr>
+            <a:spLocks noGrp="1"/>
+          </p:cNvSpPr>
+          <p:nvPr>
+            <p:ph type="sldNum" sz="quarter" idx="12"/>
+          </p:nvPr>
+        </p:nvSpPr>
+        <p:spPr/>
+        <p:txBody>
+          <a:bodyPr/>
+          <a:lstStyle/>
+          <a:p>
+            <a:fld id="{80E16380-4998-42C3-B033-270161A8BE6B}" type="slidenum">
+              <a:rPr lang="zh-TW" altLang="en-US" smtClean="0"/>
+              <a:t>13</a:t>
+            </a:fld>
+            <a:endParaRPr lang="zh-TW" altLang="en-US"/>
+          </a:p>
+        </p:txBody>
+      </p:sp>
+      <p:graphicFrame>
+        <p:nvGraphicFramePr>
+          <p:cNvPr id="5" name="表格 4"/>
+          <p:cNvGraphicFramePr>
+            <a:graphicFrameLocks noGrp="1"/>
+          </p:cNvGraphicFramePr>
+          <p:nvPr>
+            <p:extLst>
+              <p:ext uri="{D42A27DB-BD31-4B8C-83A1-F6EECF244321}">
+                <p14:modId xmlns:p14="http://schemas.microsoft.com/office/powerpoint/2010/main" val="341840265"/>
+              </p:ext>
+            </p:extLst>
+          </p:nvPr>
+        </p:nvGraphicFramePr>
+        <p:xfrm>
+          <a:off x="1484089" y="655583"/>
+          <a:ext cx="6204090" cy="5304950"/>
+        </p:xfrm>
+        <a:graphic>
+          <a:graphicData uri="http://schemas.openxmlformats.org/drawingml/2006/table">
+            <a:tbl>
+              <a:tblPr firstRow="1" bandRow="1">
+                <a:tableStyleId>{D113A9D2-9D6B-4929-AA2D-F23B5EE8CBE7}</a:tableStyleId>
+              </a:tblPr>
+              <a:tblGrid>
+                <a:gridCol w="3102045">
+                  <a:extLst>
+                    <a:ext uri="{9D8B030D-6E8A-4147-A177-3AD203B41FA5}">
+                      <a16:colId xmlns:a16="http://schemas.microsoft.com/office/drawing/2014/main" val="575654118"/>
+                    </a:ext>
+                  </a:extLst>
+                </a:gridCol>
+                <a:gridCol w="3102045">
+                  <a:extLst>
+                    <a:ext uri="{9D8B030D-6E8A-4147-A177-3AD203B41FA5}">
+                      <a16:colId xmlns:a16="http://schemas.microsoft.com/office/drawing/2014/main" val="2310419058"/>
+                    </a:ext>
+                  </a:extLst>
+                </a:gridCol>
+              </a:tblGrid>
+              <a:tr h="731902">
+                <a:tc>
+                  <a:txBody>
+                    <a:bodyPr/>
+                    <a:lstStyle/>
+                    <a:p>
+                      <a:r>
+                        <a:rPr lang="zh-CN" altLang="en-US" sz="3200" dirty="0" smtClean="0">
+                          <a:latin typeface="DFKai-SB" panose="03000509000000000000" pitchFamily="65" charset="-120"/>
+                          <a:ea typeface="DFKai-SB" panose="03000509000000000000" pitchFamily="65" charset="-120"/>
+                        </a:rPr>
+                        <a:t>描述性項目</a:t>
+                      </a:r>
+                      <a:endParaRPr lang="zh-CN" altLang="en-US" sz="3200" dirty="0">
+                        <a:latin typeface="DFKai-SB" panose="03000509000000000000" pitchFamily="65" charset="-120"/>
+                        <a:ea typeface="DFKai-SB" panose="03000509000000000000" pitchFamily="65" charset="-120"/>
+                      </a:endParaRPr>
+                    </a:p>
+                  </a:txBody>
+                  <a:tcPr/>
+                </a:tc>
+                <a:tc>
+                  <a:txBody>
+                    <a:bodyPr/>
+                    <a:lstStyle/>
+                    <a:p>
+                      <a:r>
+                        <a:rPr lang="zh-CN" altLang="en-US" sz="3200" dirty="0" smtClean="0">
+                          <a:latin typeface="DFKai-SB" panose="03000509000000000000" pitchFamily="65" charset="-120"/>
+                          <a:ea typeface="DFKai-SB" panose="03000509000000000000" pitchFamily="65" charset="-120"/>
+                        </a:rPr>
+                        <a:t>事件條列式</a:t>
+                      </a:r>
+                      <a:endParaRPr lang="zh-CN" altLang="en-US" sz="3200" dirty="0">
+                        <a:latin typeface="DFKai-SB" panose="03000509000000000000" pitchFamily="65" charset="-120"/>
+                        <a:ea typeface="DFKai-SB" panose="03000509000000000000" pitchFamily="65" charset="-120"/>
+                      </a:endParaRPr>
+                    </a:p>
+                  </a:txBody>
+                  <a:tcPr/>
+                </a:tc>
+                <a:extLst>
+                  <a:ext uri="{0D108BD9-81ED-4DB2-BD59-A6C34878D82A}">
+                    <a16:rowId xmlns:a16="http://schemas.microsoft.com/office/drawing/2014/main" val="4229939552"/>
+                  </a:ext>
+                </a:extLst>
+              </a:tr>
+              <a:tr h="1460661">
+                <a:tc>
+                  <a:txBody>
+                    <a:bodyPr/>
+                    <a:lstStyle/>
+                    <a:p>
+                      <a:pPr marL="0" marR="0" lvl="0" indent="0" algn="l" defTabSz="457200" rtl="0" eaLnBrk="1" fontAlgn="auto" latinLnBrk="0" hangingPunct="1">
+                        <a:lnSpc>
+                          <a:spcPct val="100000"/>
+                        </a:lnSpc>
+                        <a:spcBef>
+                          <a:spcPts val="0"/>
+                        </a:spcBef>
+                        <a:spcAft>
+                          <a:spcPts val="0"/>
+                        </a:spcAft>
+                        <a:buClrTx/>
+                        <a:buSzTx/>
+                        <a:buFontTx/>
+                        <a:buNone/>
+                        <a:tabLst/>
+                        <a:defRPr/>
+                      </a:pPr>
+                      <a:r>
+                        <a:rPr lang="en-US" altLang="zh-TW" sz="2000" dirty="0" smtClean="0">
+                          <a:solidFill>
+                            <a:schemeClr val="tx1"/>
+                          </a:solidFill>
+                          <a:latin typeface="DFKai-SB" panose="03000509000000000000" pitchFamily="65" charset="-120"/>
+                          <a:ea typeface="DFKai-SB" panose="03000509000000000000" pitchFamily="65" charset="-120"/>
+                        </a:rPr>
+                        <a:t>6.</a:t>
+                      </a:r>
+                      <a:r>
+                        <a:rPr lang="zh-TW" altLang="en-US" sz="2000" dirty="0" smtClean="0">
+                          <a:solidFill>
+                            <a:schemeClr val="tx1"/>
+                          </a:solidFill>
+                          <a:latin typeface="DFKai-SB" panose="03000509000000000000" pitchFamily="65" charset="-120"/>
+                          <a:ea typeface="DFKai-SB" panose="03000509000000000000" pitchFamily="65" charset="-120"/>
+                        </a:rPr>
+                        <a:t>客戶要做出轉彎行為時，警示裝置也會對此進行檢測，並將預行進的方向顯示在</a:t>
+                      </a:r>
+                      <a:r>
+                        <a:rPr lang="en-US" altLang="zh-TW" sz="2000" dirty="0" smtClean="0">
+                          <a:solidFill>
+                            <a:schemeClr val="tx1"/>
+                          </a:solidFill>
+                          <a:latin typeface="DFKai-SB" panose="03000509000000000000" pitchFamily="65" charset="-120"/>
+                          <a:ea typeface="DFKai-SB" panose="03000509000000000000" pitchFamily="65" charset="-120"/>
+                        </a:rPr>
+                        <a:t>LCD</a:t>
+                      </a:r>
+                      <a:r>
+                        <a:rPr lang="zh-TW" altLang="en-US" sz="2000" dirty="0" smtClean="0">
+                          <a:solidFill>
+                            <a:schemeClr val="tx1"/>
+                          </a:solidFill>
+                          <a:latin typeface="DFKai-SB" panose="03000509000000000000" pitchFamily="65" charset="-120"/>
+                          <a:ea typeface="DFKai-SB" panose="03000509000000000000" pitchFamily="65" charset="-120"/>
+                        </a:rPr>
+                        <a:t>顯示屏上，例如“即將右轉”或是“即將左轉”，並大聲鳴嚮蜂鳴器，提醒後方要跟車的大型貨車，以防車禍的發生。</a:t>
+                      </a:r>
+                    </a:p>
+                  </a:txBody>
+                  <a:tcPr/>
+                </a:tc>
+                <a:tc>
+                  <a:txBody>
+                    <a:bodyPr/>
+                    <a:lstStyle/>
+                    <a:p>
+                      <a:r>
+                        <a:rPr lang="zh-CN" altLang="en-US" sz="2400" dirty="0" smtClean="0">
+                          <a:solidFill>
+                            <a:schemeClr val="tx1"/>
+                          </a:solidFill>
+                          <a:latin typeface="DFKai-SB" panose="03000509000000000000" pitchFamily="65" charset="-120"/>
+                          <a:ea typeface="DFKai-SB" panose="03000509000000000000" pitchFamily="65" charset="-120"/>
+                        </a:rPr>
+                        <a:t>裝置</a:t>
+                      </a:r>
+                      <a:r>
+                        <a:rPr lang="en-US" altLang="zh-CN" sz="2400" dirty="0" smtClean="0">
+                          <a:solidFill>
+                            <a:schemeClr val="tx1"/>
+                          </a:solidFill>
+                          <a:latin typeface="DFKai-SB" panose="03000509000000000000" pitchFamily="65" charset="-120"/>
+                          <a:ea typeface="DFKai-SB" panose="03000509000000000000" pitchFamily="65" charset="-120"/>
+                        </a:rPr>
+                        <a:t>+</a:t>
+                      </a:r>
+                      <a:r>
+                        <a:rPr lang="zh-CN" altLang="en-US" sz="2400" dirty="0" smtClean="0">
+                          <a:solidFill>
+                            <a:schemeClr val="tx1"/>
+                          </a:solidFill>
+                          <a:latin typeface="DFKai-SB" panose="03000509000000000000" pitchFamily="65" charset="-120"/>
+                          <a:ea typeface="DFKai-SB" panose="03000509000000000000" pitchFamily="65" charset="-120"/>
+                        </a:rPr>
+                        <a:t>檢測</a:t>
+                      </a:r>
+                      <a:r>
+                        <a:rPr lang="en-US" altLang="zh-CN" sz="2400" dirty="0" smtClean="0">
+                          <a:solidFill>
+                            <a:schemeClr val="tx1"/>
+                          </a:solidFill>
+                          <a:latin typeface="DFKai-SB" panose="03000509000000000000" pitchFamily="65" charset="-120"/>
+                          <a:ea typeface="DFKai-SB" panose="03000509000000000000" pitchFamily="65" charset="-120"/>
+                        </a:rPr>
+                        <a:t>+</a:t>
+                      </a:r>
+                      <a:r>
+                        <a:rPr lang="zh-CN" altLang="en-US" sz="2400" dirty="0" smtClean="0">
+                          <a:solidFill>
+                            <a:schemeClr val="tx1"/>
+                          </a:solidFill>
+                          <a:latin typeface="DFKai-SB" panose="03000509000000000000" pitchFamily="65" charset="-120"/>
+                          <a:ea typeface="DFKai-SB" panose="03000509000000000000" pitchFamily="65" charset="-120"/>
+                        </a:rPr>
+                        <a:t>行為</a:t>
+                      </a:r>
+                      <a:endParaRPr lang="en-US" altLang="zh-CN" sz="2400" dirty="0" smtClean="0">
+                        <a:solidFill>
+                          <a:schemeClr val="tx1"/>
+                        </a:solidFill>
+                        <a:latin typeface="DFKai-SB" panose="03000509000000000000" pitchFamily="65" charset="-120"/>
+                        <a:ea typeface="DFKai-SB" panose="03000509000000000000" pitchFamily="65" charset="-120"/>
+                      </a:endParaRPr>
+                    </a:p>
+                    <a:p>
+                      <a:r>
+                        <a:rPr lang="zh-CN" altLang="en-US" sz="2400" dirty="0" smtClean="0">
+                          <a:solidFill>
+                            <a:schemeClr val="tx1"/>
+                          </a:solidFill>
+                          <a:latin typeface="DFKai-SB" panose="03000509000000000000" pitchFamily="65" charset="-120"/>
+                          <a:ea typeface="DFKai-SB" panose="03000509000000000000" pitchFamily="65" charset="-120"/>
+                        </a:rPr>
+                        <a:t>客戶</a:t>
+                      </a:r>
+                      <a:r>
+                        <a:rPr lang="en-US" altLang="zh-CN" sz="2400" dirty="0" smtClean="0">
+                          <a:solidFill>
+                            <a:schemeClr val="tx1"/>
+                          </a:solidFill>
+                          <a:latin typeface="DFKai-SB" panose="03000509000000000000" pitchFamily="65" charset="-120"/>
+                          <a:ea typeface="DFKai-SB" panose="03000509000000000000" pitchFamily="65" charset="-120"/>
+                        </a:rPr>
+                        <a:t>+</a:t>
+                      </a:r>
+                      <a:r>
+                        <a:rPr lang="zh-CN" altLang="en-US" sz="2400" dirty="0" smtClean="0">
+                          <a:solidFill>
+                            <a:schemeClr val="tx1"/>
+                          </a:solidFill>
+                          <a:latin typeface="DFKai-SB" panose="03000509000000000000" pitchFamily="65" charset="-120"/>
+                          <a:ea typeface="DFKai-SB" panose="03000509000000000000" pitchFamily="65" charset="-120"/>
+                        </a:rPr>
+                        <a:t>讀取</a:t>
+                      </a:r>
+                      <a:r>
+                        <a:rPr lang="en-US" altLang="zh-CN" sz="2400" dirty="0" smtClean="0">
+                          <a:solidFill>
+                            <a:schemeClr val="tx1"/>
+                          </a:solidFill>
+                          <a:latin typeface="DFKai-SB" panose="03000509000000000000" pitchFamily="65" charset="-120"/>
+                          <a:ea typeface="DFKai-SB" panose="03000509000000000000" pitchFamily="65" charset="-120"/>
+                        </a:rPr>
+                        <a:t>+</a:t>
+                      </a:r>
+                      <a:r>
+                        <a:rPr lang="zh-CN" altLang="en-US" sz="2400" dirty="0" smtClean="0">
+                          <a:solidFill>
+                            <a:schemeClr val="tx1"/>
+                          </a:solidFill>
+                          <a:latin typeface="DFKai-SB" panose="03000509000000000000" pitchFamily="65" charset="-120"/>
+                          <a:ea typeface="DFKai-SB" panose="03000509000000000000" pitchFamily="65" charset="-120"/>
+                        </a:rPr>
+                        <a:t>信息</a:t>
+                      </a:r>
+                      <a:endParaRPr lang="en-US" altLang="zh-CN" sz="2400" dirty="0" smtClean="0">
+                        <a:solidFill>
+                          <a:schemeClr val="tx1"/>
+                        </a:solidFill>
+                        <a:latin typeface="DFKai-SB" panose="03000509000000000000" pitchFamily="65" charset="-120"/>
+                        <a:ea typeface="DFKai-SB" panose="03000509000000000000" pitchFamily="65" charset="-120"/>
+                      </a:endParaRPr>
+                    </a:p>
+                    <a:p>
+                      <a:r>
+                        <a:rPr lang="zh-CN" altLang="en-US" sz="2400" dirty="0" smtClean="0">
+                          <a:solidFill>
+                            <a:schemeClr val="tx1"/>
+                          </a:solidFill>
+                          <a:latin typeface="DFKai-SB" panose="03000509000000000000" pitchFamily="65" charset="-120"/>
+                          <a:ea typeface="DFKai-SB" panose="03000509000000000000" pitchFamily="65" charset="-120"/>
+                        </a:rPr>
+                        <a:t>裝置</a:t>
+                      </a:r>
+                      <a:r>
+                        <a:rPr lang="en-US" altLang="zh-CN" sz="2400" dirty="0" smtClean="0">
+                          <a:solidFill>
+                            <a:schemeClr val="tx1"/>
+                          </a:solidFill>
+                          <a:latin typeface="DFKai-SB" panose="03000509000000000000" pitchFamily="65" charset="-120"/>
+                          <a:ea typeface="DFKai-SB" panose="03000509000000000000" pitchFamily="65" charset="-120"/>
+                        </a:rPr>
+                        <a:t>+</a:t>
+                      </a:r>
+                      <a:r>
+                        <a:rPr lang="zh-CN" altLang="en-US" sz="2400" dirty="0" smtClean="0">
+                          <a:solidFill>
+                            <a:schemeClr val="tx1"/>
+                          </a:solidFill>
+                          <a:latin typeface="DFKai-SB" panose="03000509000000000000" pitchFamily="65" charset="-120"/>
+                          <a:ea typeface="DFKai-SB" panose="03000509000000000000" pitchFamily="65" charset="-120"/>
+                        </a:rPr>
+                        <a:t>提醒</a:t>
+                      </a:r>
+                      <a:r>
+                        <a:rPr lang="en-US" altLang="zh-CN" sz="2400" dirty="0" smtClean="0">
+                          <a:solidFill>
+                            <a:schemeClr val="tx1"/>
+                          </a:solidFill>
+                          <a:latin typeface="DFKai-SB" panose="03000509000000000000" pitchFamily="65" charset="-120"/>
+                          <a:ea typeface="DFKai-SB" panose="03000509000000000000" pitchFamily="65" charset="-120"/>
+                        </a:rPr>
+                        <a:t>+</a:t>
+                      </a:r>
+                      <a:r>
+                        <a:rPr lang="zh-CN" altLang="en-US" sz="2400" dirty="0" smtClean="0">
+                          <a:solidFill>
+                            <a:schemeClr val="tx1"/>
+                          </a:solidFill>
+                          <a:latin typeface="DFKai-SB" panose="03000509000000000000" pitchFamily="65" charset="-120"/>
+                          <a:ea typeface="DFKai-SB" panose="03000509000000000000" pitchFamily="65" charset="-120"/>
+                        </a:rPr>
+                        <a:t>其他跟車</a:t>
+                      </a:r>
+                      <a:endParaRPr lang="en-US" altLang="zh-CN" sz="2400" dirty="0" smtClean="0">
+                        <a:solidFill>
+                          <a:schemeClr val="tx1"/>
+                        </a:solidFill>
+                        <a:latin typeface="DFKai-SB" panose="03000509000000000000" pitchFamily="65" charset="-120"/>
+                        <a:ea typeface="DFKai-SB" panose="03000509000000000000" pitchFamily="65" charset="-120"/>
+                      </a:endParaRPr>
+                    </a:p>
+                  </a:txBody>
+                  <a:tcPr/>
+                </a:tc>
+                <a:extLst>
+                  <a:ext uri="{0D108BD9-81ED-4DB2-BD59-A6C34878D82A}">
+                    <a16:rowId xmlns:a16="http://schemas.microsoft.com/office/drawing/2014/main" val="118071968"/>
+                  </a:ext>
+                </a:extLst>
+              </a:tr>
+              <a:tr h="2043208">
+                <a:tc>
+                  <a:txBody>
+                    <a:bodyPr/>
+                    <a:lstStyle/>
+                    <a:p>
+                      <a:pPr marL="0" marR="0" lvl="0" indent="0" algn="l" defTabSz="457200" rtl="0" eaLnBrk="1" fontAlgn="auto" latinLnBrk="0" hangingPunct="1">
+                        <a:lnSpc>
+                          <a:spcPct val="100000"/>
+                        </a:lnSpc>
+                        <a:spcBef>
+                          <a:spcPts val="0"/>
+                        </a:spcBef>
+                        <a:spcAft>
+                          <a:spcPts val="0"/>
+                        </a:spcAft>
+                        <a:buClrTx/>
+                        <a:buSzTx/>
+                        <a:buFontTx/>
+                        <a:buNone/>
+                        <a:tabLst/>
+                        <a:defRPr/>
+                      </a:pPr>
+                      <a:r>
+                        <a:rPr lang="en-US" altLang="zh-TW" sz="2000" dirty="0" smtClean="0">
+                          <a:solidFill>
+                            <a:prstClr val="black">
+                              <a:lumMod val="85000"/>
+                              <a:lumOff val="15000"/>
+                            </a:prstClr>
+                          </a:solidFill>
+                          <a:latin typeface="DFKai-SB" panose="03000509000000000000" pitchFamily="65" charset="-120"/>
+                          <a:ea typeface="DFKai-SB" panose="03000509000000000000" pitchFamily="65" charset="-120"/>
+                        </a:rPr>
+                        <a:t>7.</a:t>
+                      </a:r>
+                      <a:r>
+                        <a:rPr lang="zh-TW" altLang="en-US" sz="2000" dirty="0" smtClean="0">
+                          <a:solidFill>
+                            <a:prstClr val="black">
+                              <a:lumMod val="85000"/>
+                              <a:lumOff val="15000"/>
+                            </a:prstClr>
+                          </a:solidFill>
+                          <a:latin typeface="DFKai-SB" panose="03000509000000000000" pitchFamily="65" charset="-120"/>
+                          <a:ea typeface="DFKai-SB" panose="03000509000000000000" pitchFamily="65" charset="-120"/>
+                        </a:rPr>
+                        <a:t>如果後方大型貨車有安裝</a:t>
+                      </a:r>
+                      <a:r>
+                        <a:rPr lang="en-US" altLang="zh-TW" sz="2000" dirty="0" smtClean="0">
+                          <a:solidFill>
+                            <a:prstClr val="black">
+                              <a:lumMod val="85000"/>
+                              <a:lumOff val="15000"/>
+                            </a:prstClr>
+                          </a:solidFill>
+                          <a:latin typeface="DFKai-SB" panose="03000509000000000000" pitchFamily="65" charset="-120"/>
+                          <a:ea typeface="DFKai-SB" panose="03000509000000000000" pitchFamily="65" charset="-120"/>
+                        </a:rPr>
+                        <a:t>app,</a:t>
+                      </a:r>
+                      <a:r>
+                        <a:rPr lang="zh-TW" altLang="en-US" sz="2000" dirty="0" smtClean="0">
+                          <a:solidFill>
+                            <a:prstClr val="black">
+                              <a:lumMod val="85000"/>
+                              <a:lumOff val="15000"/>
+                            </a:prstClr>
+                          </a:solidFill>
+                          <a:latin typeface="DFKai-SB" panose="03000509000000000000" pitchFamily="65" charset="-120"/>
+                          <a:ea typeface="DFKai-SB" panose="03000509000000000000" pitchFamily="65" charset="-120"/>
+                        </a:rPr>
+                        <a:t>蜂鳴器則不會響起，改用語音播報訊息進行提醒，例如“前方牌號為</a:t>
+                      </a:r>
+                      <a:r>
+                        <a:rPr lang="en-US" altLang="zh-TW" sz="2000" dirty="0" smtClean="0">
+                          <a:solidFill>
+                            <a:prstClr val="black">
+                              <a:lumMod val="85000"/>
+                              <a:lumOff val="15000"/>
+                            </a:prstClr>
+                          </a:solidFill>
+                          <a:latin typeface="DFKai-SB" panose="03000509000000000000" pitchFamily="65" charset="-120"/>
+                          <a:ea typeface="DFKai-SB" panose="03000509000000000000" pitchFamily="65" charset="-120"/>
+                        </a:rPr>
+                        <a:t>xxx</a:t>
+                      </a:r>
+                      <a:r>
+                        <a:rPr lang="zh-TW" altLang="en-US" sz="2000" dirty="0" smtClean="0">
+                          <a:solidFill>
+                            <a:prstClr val="black">
+                              <a:lumMod val="85000"/>
+                              <a:lumOff val="15000"/>
+                            </a:prstClr>
+                          </a:solidFill>
+                          <a:latin typeface="DFKai-SB" panose="03000509000000000000" pitchFamily="65" charset="-120"/>
+                          <a:ea typeface="DFKai-SB" panose="03000509000000000000" pitchFamily="65" charset="-120"/>
+                        </a:rPr>
+                        <a:t>的機車即將發生右</a:t>
+                      </a:r>
+                      <a:r>
+                        <a:rPr lang="en-US" altLang="zh-TW" sz="2000" dirty="0" smtClean="0">
+                          <a:solidFill>
+                            <a:prstClr val="black">
+                              <a:lumMod val="85000"/>
+                              <a:lumOff val="15000"/>
+                            </a:prstClr>
+                          </a:solidFill>
+                          <a:latin typeface="DFKai-SB" panose="03000509000000000000" pitchFamily="65" charset="-120"/>
+                          <a:ea typeface="DFKai-SB" panose="03000509000000000000" pitchFamily="65" charset="-120"/>
+                        </a:rPr>
+                        <a:t>/</a:t>
+                      </a:r>
+                      <a:r>
+                        <a:rPr lang="zh-TW" altLang="en-US" sz="2000" dirty="0" smtClean="0">
+                          <a:solidFill>
+                            <a:prstClr val="black">
+                              <a:lumMod val="85000"/>
+                              <a:lumOff val="15000"/>
+                            </a:prstClr>
+                          </a:solidFill>
+                          <a:latin typeface="DFKai-SB" panose="03000509000000000000" pitchFamily="65" charset="-120"/>
+                          <a:ea typeface="DFKai-SB" panose="03000509000000000000" pitchFamily="65" charset="-120"/>
+                        </a:rPr>
+                        <a:t>左轉，請小心行駛”。</a:t>
+                      </a:r>
+                    </a:p>
+                  </a:txBody>
+                  <a:tcPr/>
+                </a:tc>
+                <a:tc>
+                  <a:txBody>
+                    <a:bodyPr/>
+                    <a:lstStyle/>
+                    <a:p>
+                      <a:r>
+                        <a:rPr lang="en-US" altLang="zh-CN" sz="2400" dirty="0" smtClean="0">
+                          <a:solidFill>
+                            <a:schemeClr val="tx1"/>
+                          </a:solidFill>
+                          <a:latin typeface="DFKai-SB" panose="03000509000000000000" pitchFamily="65" charset="-120"/>
+                          <a:ea typeface="DFKai-SB" panose="03000509000000000000" pitchFamily="65" charset="-120"/>
+                        </a:rPr>
+                        <a:t>App+</a:t>
+                      </a:r>
+                      <a:r>
+                        <a:rPr lang="zh-CN" altLang="en-US" sz="2400" dirty="0" smtClean="0">
+                          <a:solidFill>
+                            <a:schemeClr val="tx1"/>
+                          </a:solidFill>
+                          <a:latin typeface="DFKai-SB" panose="03000509000000000000" pitchFamily="65" charset="-120"/>
+                          <a:ea typeface="DFKai-SB" panose="03000509000000000000" pitchFamily="65" charset="-120"/>
+                        </a:rPr>
+                        <a:t>播報</a:t>
+                      </a:r>
+                      <a:r>
+                        <a:rPr lang="en-US" altLang="zh-CN" sz="2400" dirty="0" smtClean="0">
+                          <a:solidFill>
+                            <a:schemeClr val="tx1"/>
+                          </a:solidFill>
+                          <a:latin typeface="DFKai-SB" panose="03000509000000000000" pitchFamily="65" charset="-120"/>
+                          <a:ea typeface="DFKai-SB" panose="03000509000000000000" pitchFamily="65" charset="-120"/>
+                        </a:rPr>
+                        <a:t>+</a:t>
+                      </a:r>
+                      <a:r>
+                        <a:rPr lang="zh-CN" altLang="en-US" sz="2400" dirty="0" smtClean="0">
+                          <a:solidFill>
+                            <a:schemeClr val="tx1"/>
+                          </a:solidFill>
+                          <a:latin typeface="DFKai-SB" panose="03000509000000000000" pitchFamily="65" charset="-120"/>
+                          <a:ea typeface="DFKai-SB" panose="03000509000000000000" pitchFamily="65" charset="-120"/>
+                        </a:rPr>
+                        <a:t>訊息</a:t>
+                      </a:r>
+                      <a:endParaRPr lang="zh-CN" altLang="en-US" sz="2400" dirty="0">
+                        <a:solidFill>
+                          <a:schemeClr val="tx1"/>
+                        </a:solidFill>
+                        <a:latin typeface="DFKai-SB" panose="03000509000000000000" pitchFamily="65" charset="-120"/>
+                        <a:ea typeface="DFKai-SB" panose="03000509000000000000" pitchFamily="65" charset="-120"/>
+                      </a:endParaRPr>
+                    </a:p>
+                  </a:txBody>
+                  <a:tcPr/>
+                </a:tc>
+                <a:extLst>
+                  <a:ext uri="{0D108BD9-81ED-4DB2-BD59-A6C34878D82A}">
+                    <a16:rowId xmlns:a16="http://schemas.microsoft.com/office/drawing/2014/main" val="3665926703"/>
+                  </a:ext>
+                </a:extLst>
+              </a:tr>
+            </a:tbl>
+          </a:graphicData>
+        </a:graphic>
+      </p:graphicFrame>
+    </p:spTree>
+    <p:extLst>
+      <p:ext uri="{BB962C8B-B14F-4D97-AF65-F5344CB8AC3E}">
+        <p14:creationId xmlns:p14="http://schemas.microsoft.com/office/powerpoint/2010/main" val="3459667816"/>
       </p:ext>
     </p:extLst>
   </p:cSld>
@@ -5309,6 +9327,13 @@
   <p:clrMapOvr>
     <a:masterClrMapping/>
   </p:clrMapOvr>
+  <p:timing>
+    <p:tnLst>
+      <p:par>
+        <p:cTn id="1" dur="indefinite" restart="never" nodeType="tmRoot"/>
+      </p:par>
+    </p:tnLst>
+  </p:timing>
 </p:sld>
 </file>
 
@@ -6000,6 +10025,13 @@
   <p:clrMapOvr>
     <a:masterClrMapping/>
   </p:clrMapOvr>
+  <p:timing>
+    <p:tnLst>
+      <p:par>
+        <p:cTn id="1" dur="indefinite" restart="never" nodeType="tmRoot"/>
+      </p:par>
+    </p:tnLst>
+  </p:timing>
 </p:sld>
 </file>
 
@@ -7903,7 +11935,19 @@
               <a:rPr lang="zh-TW" altLang="en-US" sz="2800" dirty="0">
                 <a:latin typeface="+mn-ea"/>
               </a:rPr>
-              <a:t>晶片做出一個陀螺儀感測裝置，並在超過安全傾斜角度的情況下發出警示，也會提醒左右轉</a:t>
+              <a:t>晶片做出一個陀螺儀感測裝置，並在超過安全傾斜角度的情況下發出警示，也會提醒左右</a:t>
+            </a:r>
+            <a:r>
+              <a:rPr lang="zh-TW" altLang="en-US" sz="2800" dirty="0" smtClean="0">
+                <a:latin typeface="+mn-ea"/>
+              </a:rPr>
+              <a:t>轉</a:t>
+            </a:r>
+            <a:r>
+              <a:rPr lang="zh-CN" altLang="en-US" sz="2800" dirty="0" smtClean="0">
+                <a:latin typeface="+mn-ea"/>
+              </a:rPr>
+              <a:t>。</a:t>
             </a:r>
             <a:endParaRPr lang="en-US" altLang="zh-TW" sz="2800" dirty="0">
               <a:latin typeface="+mn-ea"/>
@@ -7957,8 +12001,23 @@
               <a:rPr lang="zh-TW" altLang="en-US" sz="2800" dirty="0">
                 <a:latin typeface="+mn-ea"/>
               </a:rPr>
-              <a:t>米內的車輛，對車主發出訊息及聲音警示，防止因視野死角而看不見機車的情況</a:t>
-            </a:r>
+              <a:t>米內的車輛，對車主發出訊息及聲音警示，防止因視野死角而看不見機車的</a:t>
+            </a:r>
+            <a:r>
+              <a:rPr lang="zh-TW" altLang="en-US" sz="2800" dirty="0" smtClean="0">
+                <a:latin typeface="+mn-ea"/>
+              </a:rPr>
+              <a:t>情況</a:t>
+            </a:r>
+            <a:r>
+              <a:rPr lang="zh-CN" altLang="en-US" sz="2800" dirty="0" smtClean="0">
+                <a:latin typeface="+mn-ea"/>
+              </a:rPr>
+              <a:t>。</a:t>
+            </a:r>
+            <a:endParaRPr lang="zh-TW" altLang="en-US" sz="2800" dirty="0">
+              <a:latin typeface="+mn-ea"/>
+            </a:endParaRPr>
           </a:p>
           <a:p>
             <a:pPr marL="457200" indent="-457200">
@@ -7972,8 +12031,23 @@
               <a:rPr lang="zh-TW" altLang="en-US" sz="2800" dirty="0">
                 <a:latin typeface="+mn-ea"/>
               </a:rPr>
-              <a:t>也可以將這個裝置運用在汽車和無人機上</a:t>
-            </a:r>
+              <a:t>也可以將這個裝置運用在汽車和無人機</a:t>
+            </a:r>
+            <a:r>
+              <a:rPr lang="zh-TW" altLang="en-US" sz="2800" dirty="0" smtClean="0">
+                <a:latin typeface="+mn-ea"/>
+              </a:rPr>
+              <a:t>上</a:t>
+            </a:r>
+            <a:r>
+              <a:rPr lang="zh-CN" altLang="en-US" sz="2800" dirty="0" smtClean="0">
+                <a:latin typeface="+mn-ea"/>
+              </a:rPr>
+              <a:t>。</a:t>
+            </a:r>
+            <a:endParaRPr lang="zh-TW" altLang="en-US" sz="2800" dirty="0">
+              <a:latin typeface="+mn-ea"/>
+            </a:endParaRPr>
           </a:p>
           <a:p>
             <a:endParaRPr lang="zh-TW" altLang="en-US" dirty="0"/>
@@ -8221,90 +12295,421 @@
       </p:grpSpPr>
       <p:sp>
         <p:nvSpPr>
-          <p:cNvPr id="2" name="標題 1">
-            <a:extLst>
-              <a:ext uri="{FF2B5EF4-FFF2-40B4-BE49-F238E27FC236}">
-                <a16:creationId xmlns:a16="http://schemas.microsoft.com/office/drawing/2014/main" id="{1DAD5852-2B13-46FF-9B84-8909F48D67F8}"/>
-              </a:ext>
-            </a:extLst>
-          </p:cNvPr>
+          <p:cNvPr id="2" name="標題 1"/>
           <p:cNvSpPr>
             <a:spLocks noGrp="1"/>
           </p:cNvSpPr>
           <p:nvPr>
             <p:ph type="title"/>
-          </p:nvPr>
-        </p:nvSpPr>
-        <p:spPr/>
-        <p:txBody>
-          <a:bodyPr/>
-          <a:lstStyle/>
-          <a:p>
-            <a:r>
-              <a:rPr lang="zh-TW" altLang="en-US" dirty="0">
-                <a:latin typeface="+mn-ea"/>
-                <a:ea typeface="+mn-ea"/>
-              </a:rPr>
-              <a:t>工作分配</a:t>
-            </a:r>
-          </a:p>
-        </p:txBody>
-      </p:sp>
-      <p:sp>
-        <p:nvSpPr>
-          <p:cNvPr id="3" name="內容版面配置區 2">
-            <a:extLst>
-              <a:ext uri="{FF2B5EF4-FFF2-40B4-BE49-F238E27FC236}">
-                <a16:creationId xmlns:a16="http://schemas.microsoft.com/office/drawing/2014/main" id="{30EDE61D-C847-404A-8663-E97E849CBCD3}"/>
-              </a:ext>
-            </a:extLst>
-          </p:cNvPr>
-          <p:cNvSpPr>
-            <a:spLocks noGrp="1"/>
-          </p:cNvSpPr>
-          <p:nvPr>
-            <p:ph idx="1"/>
           </p:nvPr>
         </p:nvSpPr>
         <p:spPr>
           <a:xfrm>
-            <a:off x="787400" y="3021584"/>
-            <a:ext cx="7772400" cy="814832"/>
+            <a:off x="685800" y="484632"/>
+            <a:ext cx="7772400" cy="682431"/>
           </a:xfrm>
         </p:spPr>
         <p:txBody>
           <a:bodyPr>
-            <a:normAutofit/>
+            <a:normAutofit fontScale="90000"/>
           </a:bodyPr>
           <a:lstStyle/>
           <a:p>
-            <a:r>
-              <a:rPr lang="zh-TW" altLang="en-US" sz="4000" dirty="0">
-                <a:latin typeface="+mn-ea"/>
-              </a:rPr>
-              <a:t>組員楊少宏</a:t>
-            </a:r>
-            <a:r>
-              <a:rPr lang="en-US" altLang="zh-TW" sz="4000" dirty="0">
-                <a:latin typeface="+mn-ea"/>
-              </a:rPr>
-              <a:t>-100%</a:t>
-            </a:r>
-            <a:endParaRPr lang="zh-TW" altLang="en-US" sz="4000" dirty="0">
-              <a:latin typeface="+mn-ea"/>
+            <a:pPr algn="ctr"/>
+            <a:r>
+              <a:rPr lang="zh-CN" altLang="en-US" sz="4000" dirty="0" smtClean="0">
+                <a:latin typeface="DFKai-SB" panose="03000509000000000000" pitchFamily="65" charset="-120"/>
+                <a:ea typeface="DFKai-SB" panose="03000509000000000000" pitchFamily="65" charset="-120"/>
+              </a:rPr>
+              <a:t>使用者与制作者需求描述</a:t>
+            </a:r>
+            <a:endParaRPr lang="zh-CN" altLang="en-US" sz="4000" dirty="0">
+              <a:latin typeface="DFKai-SB" panose="03000509000000000000" pitchFamily="65" charset="-120"/>
+              <a:ea typeface="DFKai-SB" panose="03000509000000000000" pitchFamily="65" charset="-120"/>
             </a:endParaRPr>
           </a:p>
         </p:txBody>
       </p:sp>
       <p:sp>
         <p:nvSpPr>
-          <p:cNvPr id="4" name="投影片編號版面配置區 3">
-            <a:extLst>
-              <a:ext uri="{FF2B5EF4-FFF2-40B4-BE49-F238E27FC236}">
-                <a16:creationId xmlns:a16="http://schemas.microsoft.com/office/drawing/2014/main" id="{4EBD3F2A-34FF-450D-8533-7D8F0F419654}"/>
-              </a:ext>
-            </a:extLst>
-          </p:cNvPr>
+          <p:cNvPr id="3" name="內容版面配置區 2"/>
+          <p:cNvSpPr>
+            <a:spLocks noGrp="1"/>
+          </p:cNvSpPr>
+          <p:nvPr>
+            <p:ph idx="1"/>
+          </p:nvPr>
+        </p:nvSpPr>
+        <p:spPr>
+          <a:xfrm>
+            <a:off x="685800" y="1167063"/>
+            <a:ext cx="7772400" cy="5005137"/>
+          </a:xfrm>
+        </p:spPr>
+        <p:txBody>
+          <a:bodyPr>
+            <a:normAutofit lnSpcReduction="10000"/>
+          </a:bodyPr>
+          <a:lstStyle/>
+          <a:p>
+            <a:pPr marL="285750" lvl="0" indent="-285750" defTabSz="457200">
+              <a:lnSpc>
+                <a:spcPct val="100000"/>
+              </a:lnSpc>
+              <a:spcBef>
+                <a:spcPct val="20000"/>
+              </a:spcBef>
+              <a:spcAft>
+                <a:spcPts val="600"/>
+              </a:spcAft>
+              <a:buClr>
+                <a:srgbClr val="AB946B"/>
+              </a:buClr>
+              <a:buSzPct val="115000"/>
+              <a:buFont typeface="Arial"/>
+              <a:buChar char="•"/>
+            </a:pPr>
+            <a:r>
+              <a:rPr lang="en-US" altLang="zh-CN" sz="2800" dirty="0">
+                <a:solidFill>
+                  <a:prstClr val="black">
+                    <a:lumMod val="85000"/>
+                    <a:lumOff val="15000"/>
+                  </a:prstClr>
+                </a:solidFill>
+                <a:latin typeface="DFKai-SB" panose="03000509000000000000" pitchFamily="65" charset="-120"/>
+                <a:ea typeface="DFKai-SB" panose="03000509000000000000" pitchFamily="65" charset="-120"/>
+              </a:rPr>
+              <a:t>1</a:t>
+            </a:r>
+            <a:r>
+              <a:rPr lang="en-US" altLang="zh-CN" sz="2800" dirty="0" smtClean="0">
+                <a:solidFill>
+                  <a:prstClr val="black">
+                    <a:lumMod val="85000"/>
+                    <a:lumOff val="15000"/>
+                  </a:prstClr>
+                </a:solidFill>
+                <a:latin typeface="DFKai-SB" panose="03000509000000000000" pitchFamily="65" charset="-120"/>
+                <a:ea typeface="DFKai-SB" panose="03000509000000000000" pitchFamily="65" charset="-120"/>
+              </a:rPr>
+              <a:t>.</a:t>
+            </a:r>
+            <a:r>
+              <a:rPr lang="zh-CN" altLang="en-US" sz="2800" dirty="0">
+                <a:solidFill>
+                  <a:prstClr val="black">
+                    <a:lumMod val="85000"/>
+                    <a:lumOff val="15000"/>
+                  </a:prstClr>
+                </a:solidFill>
+                <a:latin typeface="DFKai-SB" panose="03000509000000000000" pitchFamily="65" charset="-120"/>
+                <a:ea typeface="DFKai-SB" panose="03000509000000000000" pitchFamily="65" charset="-120"/>
+              </a:rPr>
+              <a:t>客户</a:t>
+            </a:r>
+            <a:r>
+              <a:rPr lang="zh-CN" altLang="en-US" sz="2800" dirty="0" smtClean="0">
+                <a:solidFill>
+                  <a:prstClr val="black">
+                    <a:lumMod val="85000"/>
+                    <a:lumOff val="15000"/>
+                  </a:prstClr>
+                </a:solidFill>
+                <a:latin typeface="DFKai-SB" panose="03000509000000000000" pitchFamily="65" charset="-120"/>
+                <a:ea typeface="DFKai-SB" panose="03000509000000000000" pitchFamily="65" charset="-120"/>
+              </a:rPr>
+              <a:t>騎</a:t>
+            </a:r>
+            <a:r>
+              <a:rPr lang="zh-CN" altLang="en-US" sz="2800" dirty="0">
+                <a:solidFill>
+                  <a:prstClr val="black">
+                    <a:lumMod val="85000"/>
+                    <a:lumOff val="15000"/>
+                  </a:prstClr>
+                </a:solidFill>
+                <a:latin typeface="DFKai-SB" panose="03000509000000000000" pitchFamily="65" charset="-120"/>
+                <a:ea typeface="DFKai-SB" panose="03000509000000000000" pitchFamily="65" charset="-120"/>
+              </a:rPr>
+              <a:t>上車後，插入鑰匙點火後，與警示裝置所連接的</a:t>
+            </a:r>
+            <a:r>
+              <a:rPr lang="en-US" altLang="zh-CN" sz="2800" dirty="0">
+                <a:solidFill>
+                  <a:prstClr val="black">
+                    <a:lumMod val="85000"/>
+                    <a:lumOff val="15000"/>
+                  </a:prstClr>
+                </a:solidFill>
+                <a:latin typeface="DFKai-SB" panose="03000509000000000000" pitchFamily="65" charset="-120"/>
+                <a:ea typeface="DFKai-SB" panose="03000509000000000000" pitchFamily="65" charset="-120"/>
+              </a:rPr>
+              <a:t>LCD</a:t>
+            </a:r>
+            <a:r>
+              <a:rPr lang="zh-CN" altLang="en-US" sz="2800" dirty="0">
+                <a:solidFill>
+                  <a:prstClr val="black">
+                    <a:lumMod val="85000"/>
+                    <a:lumOff val="15000"/>
+                  </a:prstClr>
+                </a:solidFill>
+                <a:latin typeface="DFKai-SB" panose="03000509000000000000" pitchFamily="65" charset="-120"/>
+                <a:ea typeface="DFKai-SB" panose="03000509000000000000" pitchFamily="65" charset="-120"/>
+              </a:rPr>
+              <a:t>屏上會顯示“</a:t>
+            </a:r>
+            <a:r>
+              <a:rPr lang="zh-CN" altLang="en-US" sz="2800" dirty="0">
+                <a:solidFill>
+                  <a:srgbClr val="0070C0"/>
+                </a:solidFill>
+                <a:latin typeface="DFKai-SB" panose="03000509000000000000" pitchFamily="65" charset="-120"/>
+                <a:ea typeface="DFKai-SB" panose="03000509000000000000" pitchFamily="65" charset="-120"/>
+              </a:rPr>
+              <a:t>歡迎使用陀螺儀機車警示裝置</a:t>
+            </a:r>
+            <a:r>
+              <a:rPr lang="zh-CN" altLang="en-US" sz="2800" dirty="0" smtClean="0">
+                <a:solidFill>
+                  <a:prstClr val="black">
+                    <a:lumMod val="85000"/>
+                    <a:lumOff val="15000"/>
+                  </a:prstClr>
+                </a:solidFill>
+                <a:latin typeface="DFKai-SB" panose="03000509000000000000" pitchFamily="65" charset="-120"/>
+                <a:ea typeface="DFKai-SB" panose="03000509000000000000" pitchFamily="65" charset="-120"/>
+              </a:rPr>
+              <a:t>”，熄火停车后会显示“</a:t>
+            </a:r>
+            <a:r>
+              <a:rPr lang="zh-CN" altLang="en-US" sz="2800" dirty="0" smtClean="0">
+                <a:solidFill>
+                  <a:srgbClr val="0070C0"/>
+                </a:solidFill>
+                <a:latin typeface="DFKai-SB" panose="03000509000000000000" pitchFamily="65" charset="-120"/>
+                <a:ea typeface="DFKai-SB" panose="03000509000000000000" pitchFamily="65" charset="-120"/>
+              </a:rPr>
+              <a:t>谢谢使用</a:t>
+            </a:r>
+            <a:r>
+              <a:rPr lang="zh-CN" altLang="en-US" sz="2800" dirty="0" smtClean="0">
+                <a:solidFill>
+                  <a:prstClr val="black">
+                    <a:lumMod val="85000"/>
+                    <a:lumOff val="15000"/>
+                  </a:prstClr>
+                </a:solidFill>
+                <a:latin typeface="DFKai-SB" panose="03000509000000000000" pitchFamily="65" charset="-120"/>
+                <a:ea typeface="DFKai-SB" panose="03000509000000000000" pitchFamily="65" charset="-120"/>
+              </a:rPr>
+              <a:t>”。</a:t>
+            </a:r>
+            <a:endParaRPr lang="en-US" altLang="zh-CN" sz="2800" dirty="0" smtClean="0">
+              <a:solidFill>
+                <a:prstClr val="black">
+                  <a:lumMod val="85000"/>
+                  <a:lumOff val="15000"/>
+                </a:prstClr>
+              </a:solidFill>
+              <a:latin typeface="DFKai-SB" panose="03000509000000000000" pitchFamily="65" charset="-120"/>
+              <a:ea typeface="DFKai-SB" panose="03000509000000000000" pitchFamily="65" charset="-120"/>
+            </a:endParaRPr>
+          </a:p>
+          <a:p>
+            <a:pPr marL="285750" lvl="0" indent="-285750" defTabSz="457200">
+              <a:lnSpc>
+                <a:spcPct val="100000"/>
+              </a:lnSpc>
+              <a:spcBef>
+                <a:spcPct val="20000"/>
+              </a:spcBef>
+              <a:spcAft>
+                <a:spcPts val="600"/>
+              </a:spcAft>
+              <a:buClr>
+                <a:srgbClr val="AB946B"/>
+              </a:buClr>
+              <a:buSzPct val="115000"/>
+              <a:buFont typeface="Arial"/>
+              <a:buChar char="•"/>
+            </a:pPr>
+            <a:r>
+              <a:rPr lang="en-US" altLang="zh-CN" sz="2800" dirty="0" smtClean="0">
+                <a:solidFill>
+                  <a:prstClr val="black">
+                    <a:lumMod val="85000"/>
+                    <a:lumOff val="15000"/>
+                  </a:prstClr>
+                </a:solidFill>
+                <a:latin typeface="DFKai-SB" panose="03000509000000000000" pitchFamily="65" charset="-120"/>
+                <a:ea typeface="DFKai-SB" panose="03000509000000000000" pitchFamily="65" charset="-120"/>
+              </a:rPr>
+              <a:t>2.</a:t>
+            </a:r>
+            <a:r>
+              <a:rPr lang="zh-CN" altLang="en-US" sz="2800" dirty="0" smtClean="0">
+                <a:solidFill>
+                  <a:prstClr val="black">
+                    <a:lumMod val="85000"/>
+                    <a:lumOff val="15000"/>
+                  </a:prstClr>
+                </a:solidFill>
+                <a:latin typeface="DFKai-SB" panose="03000509000000000000" pitchFamily="65" charset="-120"/>
+                <a:ea typeface="DFKai-SB" panose="03000509000000000000" pitchFamily="65" charset="-120"/>
+              </a:rPr>
+              <a:t>客户騎車時，若車身過於傾斜，與警示裝置所連接的蜂鳴器便會發出“</a:t>
+            </a:r>
+            <a:r>
+              <a:rPr lang="zh-CN" altLang="en-US" sz="2800" dirty="0" smtClean="0">
+                <a:solidFill>
+                  <a:srgbClr val="FF0000"/>
+                </a:solidFill>
+                <a:latin typeface="DFKai-SB" panose="03000509000000000000" pitchFamily="65" charset="-120"/>
+                <a:ea typeface="DFKai-SB" panose="03000509000000000000" pitchFamily="65" charset="-120"/>
+              </a:rPr>
+              <a:t>滴滴滴</a:t>
+            </a:r>
+            <a:r>
+              <a:rPr lang="zh-CN" altLang="en-US" sz="2800" dirty="0" smtClean="0">
+                <a:solidFill>
+                  <a:prstClr val="black">
+                    <a:lumMod val="85000"/>
+                    <a:lumOff val="15000"/>
+                  </a:prstClr>
+                </a:solidFill>
+                <a:latin typeface="DFKai-SB" panose="03000509000000000000" pitchFamily="65" charset="-120"/>
+                <a:ea typeface="DFKai-SB" panose="03000509000000000000" pitchFamily="65" charset="-120"/>
+              </a:rPr>
+              <a:t>”的警報聲，以達到警示客戶的目的。</a:t>
+            </a:r>
+            <a:endParaRPr lang="en-US" altLang="zh-CN" sz="2800" dirty="0" smtClean="0">
+              <a:solidFill>
+                <a:prstClr val="black">
+                  <a:lumMod val="85000"/>
+                  <a:lumOff val="15000"/>
+                </a:prstClr>
+              </a:solidFill>
+              <a:latin typeface="DFKai-SB" panose="03000509000000000000" pitchFamily="65" charset="-120"/>
+              <a:ea typeface="DFKai-SB" panose="03000509000000000000" pitchFamily="65" charset="-120"/>
+            </a:endParaRPr>
+          </a:p>
+          <a:p>
+            <a:pPr marL="285750" lvl="0" indent="-285750" defTabSz="457200">
+              <a:lnSpc>
+                <a:spcPct val="100000"/>
+              </a:lnSpc>
+              <a:spcBef>
+                <a:spcPct val="20000"/>
+              </a:spcBef>
+              <a:spcAft>
+                <a:spcPts val="600"/>
+              </a:spcAft>
+              <a:buClr>
+                <a:srgbClr val="AB946B"/>
+              </a:buClr>
+              <a:buSzPct val="115000"/>
+              <a:buFont typeface="Arial"/>
+              <a:buChar char="•"/>
+            </a:pPr>
+            <a:r>
+              <a:rPr lang="en-US" altLang="zh-CN" sz="2800" dirty="0" smtClean="0">
+                <a:solidFill>
+                  <a:prstClr val="black">
+                    <a:lumMod val="85000"/>
+                    <a:lumOff val="15000"/>
+                  </a:prstClr>
+                </a:solidFill>
+                <a:latin typeface="DFKai-SB" panose="03000509000000000000" pitchFamily="65" charset="-120"/>
+                <a:ea typeface="DFKai-SB" panose="03000509000000000000" pitchFamily="65" charset="-120"/>
+              </a:rPr>
+              <a:t>3.</a:t>
+            </a:r>
+            <a:r>
+              <a:rPr lang="zh-CN" altLang="en-US" sz="2800" dirty="0" smtClean="0">
+                <a:solidFill>
+                  <a:prstClr val="black">
+                    <a:lumMod val="85000"/>
+                    <a:lumOff val="15000"/>
+                  </a:prstClr>
+                </a:solidFill>
+                <a:latin typeface="DFKai-SB" panose="03000509000000000000" pitchFamily="65" charset="-120"/>
+                <a:ea typeface="DFKai-SB" panose="03000509000000000000" pitchFamily="65" charset="-120"/>
+              </a:rPr>
+              <a:t>蜂鳴器發出警報聲的同時，警示裝置也會將此時的傾斜角度顯示在</a:t>
+            </a:r>
+            <a:r>
+              <a:rPr lang="en-US" altLang="zh-CN" sz="2800" dirty="0" smtClean="0">
+                <a:solidFill>
+                  <a:prstClr val="black">
+                    <a:lumMod val="85000"/>
+                    <a:lumOff val="15000"/>
+                  </a:prstClr>
+                </a:solidFill>
+                <a:latin typeface="DFKai-SB" panose="03000509000000000000" pitchFamily="65" charset="-120"/>
+                <a:ea typeface="DFKai-SB" panose="03000509000000000000" pitchFamily="65" charset="-120"/>
+              </a:rPr>
+              <a:t>LCD</a:t>
+            </a:r>
+            <a:r>
+              <a:rPr lang="zh-CN" altLang="en-US" sz="2800" dirty="0" smtClean="0">
+                <a:solidFill>
+                  <a:prstClr val="black">
+                    <a:lumMod val="85000"/>
+                    <a:lumOff val="15000"/>
+                  </a:prstClr>
+                </a:solidFill>
+                <a:latin typeface="DFKai-SB" panose="03000509000000000000" pitchFamily="65" charset="-120"/>
+                <a:ea typeface="DFKai-SB" panose="03000509000000000000" pitchFamily="65" charset="-120"/>
+              </a:rPr>
+              <a:t>顯示屏上，並將此數據記錄並傳輸會手機上製作的對應的</a:t>
+            </a:r>
+            <a:r>
+              <a:rPr lang="en-US" altLang="zh-CN" sz="2800" dirty="0" smtClean="0">
+                <a:solidFill>
+                  <a:prstClr val="black">
+                    <a:lumMod val="85000"/>
+                    <a:lumOff val="15000"/>
+                  </a:prstClr>
+                </a:solidFill>
+                <a:latin typeface="DFKai-SB" panose="03000509000000000000" pitchFamily="65" charset="-120"/>
+                <a:ea typeface="DFKai-SB" panose="03000509000000000000" pitchFamily="65" charset="-120"/>
+              </a:rPr>
+              <a:t>app</a:t>
+            </a:r>
+            <a:r>
+              <a:rPr lang="zh-CN" altLang="en-US" sz="2800" dirty="0" smtClean="0">
+                <a:solidFill>
+                  <a:prstClr val="black">
+                    <a:lumMod val="85000"/>
+                    <a:lumOff val="15000"/>
+                  </a:prstClr>
+                </a:solidFill>
+                <a:latin typeface="DFKai-SB" panose="03000509000000000000" pitchFamily="65" charset="-120"/>
+                <a:ea typeface="DFKai-SB" panose="03000509000000000000" pitchFamily="65" charset="-120"/>
+              </a:rPr>
+              <a:t>中，以便客戶之後進行確認與校準。</a:t>
+            </a:r>
+            <a:endParaRPr lang="zh-CN" altLang="en-US" sz="2800" dirty="0">
+              <a:solidFill>
+                <a:prstClr val="black">
+                  <a:lumMod val="85000"/>
+                  <a:lumOff val="15000"/>
+                </a:prstClr>
+              </a:solidFill>
+              <a:latin typeface="DFKai-SB" panose="03000509000000000000" pitchFamily="65" charset="-120"/>
+              <a:ea typeface="DFKai-SB" panose="03000509000000000000" pitchFamily="65" charset="-120"/>
+            </a:endParaRPr>
+          </a:p>
+          <a:p>
+            <a:endParaRPr lang="zh-CN" altLang="en-US" dirty="0"/>
+          </a:p>
+        </p:txBody>
+      </p:sp>
+      <p:sp>
+        <p:nvSpPr>
+          <p:cNvPr id="4" name="投影片編號版面配置區 3"/>
           <p:cNvSpPr>
             <a:spLocks noGrp="1"/>
           </p:cNvSpPr>
@@ -8328,20 +12733,307 @@
     </p:spTree>
     <p:extLst>
       <p:ext uri="{BB962C8B-B14F-4D97-AF65-F5344CB8AC3E}">
-        <p14:creationId xmlns:p14="http://schemas.microsoft.com/office/powerpoint/2010/main" val="315782362"/>
+        <p14:creationId xmlns:p14="http://schemas.microsoft.com/office/powerpoint/2010/main" val="2582500332"/>
       </p:ext>
     </p:extLst>
   </p:cSld>
   <p:clrMapOvr>
     <a:masterClrMapping/>
   </p:clrMapOvr>
+  <p:timing>
+    <p:tnLst>
+      <p:par>
+        <p:cTn id="1" dur="indefinite" restart="never" nodeType="tmRoot"/>
+      </p:par>
+    </p:tnLst>
+  </p:timing>
+</p:sld>
+</file>
+
+<file path=ppt/slides/slide9.xml><?xml version="1.0" encoding="utf-8"?>
+<p:sld xmlns:a="http://schemas.openxmlformats.org/drawingml/2006/main" xmlns:r="http://schemas.openxmlformats.org/officeDocument/2006/relationships" xmlns:p="http://schemas.openxmlformats.org/presentationml/2006/main">
+  <p:cSld>
+    <p:spTree>
+      <p:nvGrpSpPr>
+        <p:cNvPr id="1" name=""/>
+        <p:cNvGrpSpPr/>
+        <p:nvPr/>
+      </p:nvGrpSpPr>
+      <p:grpSpPr>
+        <a:xfrm>
+          <a:off x="0" y="0"/>
+          <a:ext cx="0" cy="0"/>
+          <a:chOff x="0" y="0"/>
+          <a:chExt cx="0" cy="0"/>
+        </a:xfrm>
+      </p:grpSpPr>
+      <p:sp>
+        <p:nvSpPr>
+          <p:cNvPr id="5" name="標題 1"/>
+          <p:cNvSpPr>
+            <a:spLocks noGrp="1"/>
+          </p:cNvSpPr>
+          <p:nvPr>
+            <p:ph type="title"/>
+          </p:nvPr>
+        </p:nvSpPr>
+        <p:spPr>
+          <a:xfrm>
+            <a:off x="685800" y="484632"/>
+            <a:ext cx="7772400" cy="682431"/>
+          </a:xfrm>
+        </p:spPr>
+        <p:txBody>
+          <a:bodyPr>
+            <a:normAutofit fontScale="90000"/>
+          </a:bodyPr>
+          <a:lstStyle/>
+          <a:p>
+            <a:pPr algn="ctr"/>
+            <a:r>
+              <a:rPr lang="zh-CN" altLang="en-US" sz="4000" dirty="0" smtClean="0">
+                <a:latin typeface="DFKai-SB" panose="03000509000000000000" pitchFamily="65" charset="-120"/>
+                <a:ea typeface="DFKai-SB" panose="03000509000000000000" pitchFamily="65" charset="-120"/>
+              </a:rPr>
+              <a:t>使用者与製作者需求描述</a:t>
+            </a:r>
+            <a:endParaRPr lang="zh-CN" altLang="en-US" sz="4000" dirty="0">
+              <a:latin typeface="DFKai-SB" panose="03000509000000000000" pitchFamily="65" charset="-120"/>
+              <a:ea typeface="DFKai-SB" panose="03000509000000000000" pitchFamily="65" charset="-120"/>
+            </a:endParaRPr>
+          </a:p>
+        </p:txBody>
+      </p:sp>
+      <p:sp>
+        <p:nvSpPr>
+          <p:cNvPr id="3" name="內容版面配置區 2"/>
+          <p:cNvSpPr>
+            <a:spLocks noGrp="1"/>
+          </p:cNvSpPr>
+          <p:nvPr>
+            <p:ph idx="1"/>
+          </p:nvPr>
+        </p:nvSpPr>
+        <p:spPr>
+          <a:xfrm>
+            <a:off x="685800" y="1167063"/>
+            <a:ext cx="7772400" cy="5005137"/>
+          </a:xfrm>
+        </p:spPr>
+        <p:txBody>
+          <a:bodyPr>
+            <a:normAutofit fontScale="92500" lnSpcReduction="10000"/>
+          </a:bodyPr>
+          <a:lstStyle/>
+          <a:p>
+            <a:r>
+              <a:rPr lang="en-US" altLang="zh-CN" sz="2800" dirty="0" smtClean="0">
+                <a:latin typeface="DFKai-SB" panose="03000509000000000000" pitchFamily="65" charset="-120"/>
+                <a:ea typeface="DFKai-SB" panose="03000509000000000000" pitchFamily="65" charset="-120"/>
+              </a:rPr>
+              <a:t>4. </a:t>
+            </a:r>
+            <a:r>
+              <a:rPr lang="zh-CN" altLang="en-US" sz="2800" dirty="0" smtClean="0">
+                <a:latin typeface="DFKai-SB" panose="03000509000000000000" pitchFamily="65" charset="-120"/>
+                <a:ea typeface="DFKai-SB" panose="03000509000000000000" pitchFamily="65" charset="-120"/>
+              </a:rPr>
+              <a:t>與警示裝置連接的</a:t>
+            </a:r>
+            <a:r>
+              <a:rPr lang="en-US" altLang="zh-CN" sz="2800" dirty="0" smtClean="0">
+                <a:latin typeface="DFKai-SB" panose="03000509000000000000" pitchFamily="65" charset="-120"/>
+                <a:ea typeface="DFKai-SB" panose="03000509000000000000" pitchFamily="65" charset="-120"/>
+              </a:rPr>
+              <a:t>GPS</a:t>
+            </a:r>
+            <a:r>
+              <a:rPr lang="zh-CN" altLang="en-US" sz="2800" dirty="0" smtClean="0">
+                <a:latin typeface="DFKai-SB" panose="03000509000000000000" pitchFamily="65" charset="-120"/>
+                <a:ea typeface="DFKai-SB" panose="03000509000000000000" pitchFamily="65" charset="-120"/>
+              </a:rPr>
+              <a:t>也會記錄使用者的機車傾斜角度過大時所在的具體位置，並傳回手機中的</a:t>
+            </a:r>
+            <a:r>
+              <a:rPr lang="en-US" altLang="zh-CN" sz="2800" dirty="0" smtClean="0">
+                <a:latin typeface="DFKai-SB" panose="03000509000000000000" pitchFamily="65" charset="-120"/>
+                <a:ea typeface="DFKai-SB" panose="03000509000000000000" pitchFamily="65" charset="-120"/>
+              </a:rPr>
+              <a:t>app</a:t>
+            </a:r>
+            <a:r>
+              <a:rPr lang="zh-CN" altLang="en-US" sz="2800" dirty="0" smtClean="0">
+                <a:latin typeface="DFKai-SB" panose="03000509000000000000" pitchFamily="65" charset="-120"/>
+                <a:ea typeface="DFKai-SB" panose="03000509000000000000" pitchFamily="65" charset="-120"/>
+              </a:rPr>
+              <a:t>。</a:t>
+            </a:r>
+            <a:endParaRPr lang="en-US" altLang="zh-CN" sz="2800" dirty="0" smtClean="0">
+              <a:latin typeface="DFKai-SB" panose="03000509000000000000" pitchFamily="65" charset="-120"/>
+              <a:ea typeface="DFKai-SB" panose="03000509000000000000" pitchFamily="65" charset="-120"/>
+            </a:endParaRPr>
+          </a:p>
+          <a:p>
+            <a:r>
+              <a:rPr lang="en-US" altLang="zh-CN" sz="2800" dirty="0" smtClean="0">
+                <a:latin typeface="DFKai-SB" panose="03000509000000000000" pitchFamily="65" charset="-120"/>
+                <a:ea typeface="DFKai-SB" panose="03000509000000000000" pitchFamily="65" charset="-120"/>
+              </a:rPr>
+              <a:t>5.</a:t>
+            </a:r>
+            <a:r>
+              <a:rPr lang="en-US" altLang="zh-CN" sz="2800" dirty="0">
+                <a:latin typeface="DFKai-SB" panose="03000509000000000000" pitchFamily="65" charset="-120"/>
+                <a:ea typeface="DFKai-SB" panose="03000509000000000000" pitchFamily="65" charset="-120"/>
+              </a:rPr>
+              <a:t> app</a:t>
+            </a:r>
+            <a:r>
+              <a:rPr lang="zh-CN" altLang="en-US" sz="2800" dirty="0">
+                <a:latin typeface="DFKai-SB" panose="03000509000000000000" pitchFamily="65" charset="-120"/>
+                <a:ea typeface="DFKai-SB" panose="03000509000000000000" pitchFamily="65" charset="-120"/>
+              </a:rPr>
+              <a:t>中客戶的數據也會上傳到製作者的系統服務器中，讓製作者能夠統計什麼樣的客戶人群在什麼樣的路段容易出現“</a:t>
+            </a:r>
+            <a:r>
+              <a:rPr lang="zh-CN" altLang="en-US" sz="2800" dirty="0">
+                <a:solidFill>
+                  <a:srgbClr val="FF0000"/>
+                </a:solidFill>
+                <a:latin typeface="DFKai-SB" panose="03000509000000000000" pitchFamily="65" charset="-120"/>
+                <a:ea typeface="DFKai-SB" panose="03000509000000000000" pitchFamily="65" charset="-120"/>
+              </a:rPr>
+              <a:t>壓車</a:t>
+            </a:r>
+            <a:r>
+              <a:rPr lang="zh-CN" altLang="en-US" sz="2800" dirty="0">
+                <a:latin typeface="DFKai-SB" panose="03000509000000000000" pitchFamily="65" charset="-120"/>
+                <a:ea typeface="DFKai-SB" panose="03000509000000000000" pitchFamily="65" charset="-120"/>
+              </a:rPr>
+              <a:t>”的情況，對警示裝置做出調整，提前提醒使用者。</a:t>
+            </a:r>
+            <a:endParaRPr lang="en-US" altLang="zh-CN" sz="2800" dirty="0">
+              <a:latin typeface="DFKai-SB" panose="03000509000000000000" pitchFamily="65" charset="-120"/>
+              <a:ea typeface="DFKai-SB" panose="03000509000000000000" pitchFamily="65" charset="-120"/>
+            </a:endParaRPr>
+          </a:p>
+          <a:p>
+            <a:r>
+              <a:rPr lang="en-US" altLang="zh-CN" sz="2800" dirty="0" smtClean="0">
+                <a:latin typeface="DFKai-SB" panose="03000509000000000000" pitchFamily="65" charset="-120"/>
+                <a:ea typeface="DFKai-SB" panose="03000509000000000000" pitchFamily="65" charset="-120"/>
+              </a:rPr>
+              <a:t>6.</a:t>
+            </a:r>
+            <a:r>
+              <a:rPr lang="zh-CN" altLang="en-US" sz="2800" dirty="0" smtClean="0">
+                <a:latin typeface="DFKai-SB" panose="03000509000000000000" pitchFamily="65" charset="-120"/>
+                <a:ea typeface="DFKai-SB" panose="03000509000000000000" pitchFamily="65" charset="-120"/>
+              </a:rPr>
+              <a:t>客戶要做出轉彎行為時，警示裝置也會對此進行檢測，並將預行進的方向顯示在</a:t>
+            </a:r>
+            <a:r>
+              <a:rPr lang="en-US" altLang="zh-CN" sz="2800" dirty="0" smtClean="0">
+                <a:latin typeface="DFKai-SB" panose="03000509000000000000" pitchFamily="65" charset="-120"/>
+                <a:ea typeface="DFKai-SB" panose="03000509000000000000" pitchFamily="65" charset="-120"/>
+              </a:rPr>
+              <a:t>LCD</a:t>
+            </a:r>
+            <a:r>
+              <a:rPr lang="zh-CN" altLang="en-US" sz="2800" dirty="0" smtClean="0">
+                <a:latin typeface="DFKai-SB" panose="03000509000000000000" pitchFamily="65" charset="-120"/>
+                <a:ea typeface="DFKai-SB" panose="03000509000000000000" pitchFamily="65" charset="-120"/>
+              </a:rPr>
+              <a:t>顯示屏上，例如“</a:t>
+            </a:r>
+            <a:r>
+              <a:rPr lang="zh-CN" altLang="en-US" sz="2800" dirty="0" smtClean="0">
+                <a:solidFill>
+                  <a:srgbClr val="FF0000"/>
+                </a:solidFill>
+                <a:latin typeface="DFKai-SB" panose="03000509000000000000" pitchFamily="65" charset="-120"/>
+                <a:ea typeface="DFKai-SB" panose="03000509000000000000" pitchFamily="65" charset="-120"/>
+              </a:rPr>
+              <a:t>即將右轉</a:t>
+            </a:r>
+            <a:r>
+              <a:rPr lang="zh-CN" altLang="en-US" sz="2800" dirty="0" smtClean="0">
+                <a:latin typeface="DFKai-SB" panose="03000509000000000000" pitchFamily="65" charset="-120"/>
+                <a:ea typeface="DFKai-SB" panose="03000509000000000000" pitchFamily="65" charset="-120"/>
+              </a:rPr>
+              <a:t>”或是“</a:t>
+            </a:r>
+            <a:r>
+              <a:rPr lang="zh-CN" altLang="en-US" sz="2800" dirty="0" smtClean="0">
+                <a:solidFill>
+                  <a:srgbClr val="FF0000"/>
+                </a:solidFill>
+                <a:latin typeface="DFKai-SB" panose="03000509000000000000" pitchFamily="65" charset="-120"/>
+                <a:ea typeface="DFKai-SB" panose="03000509000000000000" pitchFamily="65" charset="-120"/>
+              </a:rPr>
+              <a:t>即將左轉</a:t>
+            </a:r>
+            <a:r>
+              <a:rPr lang="zh-CN" altLang="en-US" sz="2800" dirty="0" smtClean="0">
+                <a:latin typeface="DFKai-SB" panose="03000509000000000000" pitchFamily="65" charset="-120"/>
+                <a:ea typeface="DFKai-SB" panose="03000509000000000000" pitchFamily="65" charset="-120"/>
+              </a:rPr>
+              <a:t>”，並大聲鳴嚮蜂鳴器，提醒後方要跟車的大型貨車，以防車禍的發生。</a:t>
+            </a:r>
+            <a:endParaRPr lang="zh-CN" altLang="en-US" sz="2800" dirty="0">
+              <a:latin typeface="DFKai-SB" panose="03000509000000000000" pitchFamily="65" charset="-120"/>
+              <a:ea typeface="DFKai-SB" panose="03000509000000000000" pitchFamily="65" charset="-120"/>
+            </a:endParaRPr>
+          </a:p>
+        </p:txBody>
+      </p:sp>
+      <p:sp>
+        <p:nvSpPr>
+          <p:cNvPr id="4" name="投影片編號版面配置區 3"/>
+          <p:cNvSpPr>
+            <a:spLocks noGrp="1"/>
+          </p:cNvSpPr>
+          <p:nvPr>
+            <p:ph type="sldNum" sz="quarter" idx="12"/>
+          </p:nvPr>
+        </p:nvSpPr>
+        <p:spPr/>
+        <p:txBody>
+          <a:bodyPr/>
+          <a:lstStyle/>
+          <a:p>
+            <a:fld id="{80E16380-4998-42C3-B033-270161A8BE6B}" type="slidenum">
+              <a:rPr lang="zh-TW" altLang="en-US" smtClean="0"/>
+              <a:t>9</a:t>
+            </a:fld>
+            <a:endParaRPr lang="zh-TW" altLang="en-US"/>
+          </a:p>
+        </p:txBody>
+      </p:sp>
+    </p:spTree>
+    <p:extLst>
+      <p:ext uri="{BB962C8B-B14F-4D97-AF65-F5344CB8AC3E}">
+        <p14:creationId xmlns:p14="http://schemas.microsoft.com/office/powerpoint/2010/main" val="607513388"/>
+      </p:ext>
+    </p:extLst>
+  </p:cSld>
+  <p:clrMapOvr>
+    <a:masterClrMapping/>
+  </p:clrMapOvr>
+  <p:timing>
+    <p:tnLst>
+      <p:par>
+        <p:cTn id="1" dur="indefinite" restart="never" nodeType="tmRoot"/>
+      </p:par>
+    </p:tnLst>
+  </p:timing>
 </p:sld>
 </file>
 
 <file path=ppt/theme/theme1.xml><?xml version="1.0" encoding="utf-8"?>
-<a:theme xmlns:a="http://schemas.openxmlformats.org/drawingml/2006/main" name="木刻字型">
+<a:theme xmlns:a="http://schemas.openxmlformats.org/drawingml/2006/main" name="有機">
   <a:themeElements>
-    <a:clrScheme name="木刻字型">
+    <a:clrScheme name="有機">
       <a:dk1>
         <a:sysClr val="windowText" lastClr="000000"/>
       </a:dk1>
@@ -8349,54 +13041,52 @@
         <a:sysClr val="window" lastClr="FFFFFF"/>
       </a:lt1>
       <a:dk2>
-        <a:srgbClr val="696464"/>
+        <a:srgbClr val="212121"/>
       </a:dk2>
       <a:lt2>
-        <a:srgbClr val="E9E5DC"/>
+        <a:srgbClr val="DADADA"/>
       </a:lt2>
       <a:accent1>
-        <a:srgbClr val="D34817"/>
+        <a:srgbClr val="83992A"/>
       </a:accent1>
       <a:accent2>
-        <a:srgbClr val="9B2D1F"/>
+        <a:srgbClr val="3C9770"/>
       </a:accent2>
       <a:accent3>
-        <a:srgbClr val="A28E6A"/>
+        <a:srgbClr val="44709D"/>
       </a:accent3>
       <a:accent4>
-        <a:srgbClr val="956251"/>
+        <a:srgbClr val="A23C33"/>
       </a:accent4>
       <a:accent5>
-        <a:srgbClr val="918485"/>
+        <a:srgbClr val="D97828"/>
       </a:accent5>
       <a:accent6>
-        <a:srgbClr val="855D5D"/>
+        <a:srgbClr val="DEB340"/>
       </a:accent6>
       <a:hlink>
-        <a:srgbClr val="CC9900"/>
+        <a:srgbClr val="A8BF4D"/>
       </a:hlink>
       <a:folHlink>
-        <a:srgbClr val="96A9A9"/>
+        <a:srgbClr val="B4CA80"/>
       </a:folHlink>
     </a:clrScheme>
-    <a:fontScheme name="木刻字型">
+    <a:fontScheme name="有機">
       <a:majorFont>
-        <a:latin typeface="Rockwell Condensed" panose="02060603050405020104"/>
+        <a:latin typeface="Garamond" panose="02020404030301010803"/>
         <a:ea typeface=""/>
         <a:cs typeface=""/>
-        <a:font script="Grek" typeface="Cambria"/>
-        <a:font script="Cyrl" typeface="Cambria"/>
-        <a:font script="Jpan" typeface="HG明朝B"/>
-        <a:font script="Hang" typeface="바탕"/>
-        <a:font script="Hans" typeface="方正姚体"/>
+        <a:font script="Jpan" typeface="ＭＳ Ｐゴシック"/>
+        <a:font script="Hang" typeface="돋움"/>
+        <a:font script="Hans" typeface="方正舒体"/>
         <a:font script="Hant" typeface="微軟正黑體"/>
-        <a:font script="Arab" typeface="Times New Roman"/>
-        <a:font script="Hebr" typeface="David"/>
-        <a:font script="Thai" typeface="JasmineUPC"/>
+        <a:font script="Arab" typeface="Arial"/>
+        <a:font script="Hebr" typeface="Arial"/>
+        <a:font script="Thai" typeface="Cordia New"/>
         <a:font script="Ethi" typeface="Nyala"/>
         <a:font script="Beng" typeface="Vrinda"/>
         <a:font script="Gujr" typeface="Shruti"/>
-        <a:font script="Khmr" typeface="MoolBoran"/>
+        <a:font script="Khmr" typeface="DaunPenh"/>
         <a:font script="Knda" typeface="Tunga"/>
         <a:font script="Guru" typeface="Raavi"/>
         <a:font script="Cans" typeface="Euphemia"/>
@@ -8415,20 +13105,19 @@
         <a:font script="Mong" typeface="Mongolian Baiti"/>
         <a:font script="Viet" typeface="Arial"/>
         <a:font script="Uigh" typeface="Microsoft Uighur"/>
+        <a:font script="Geor" typeface="Sylfaen"/>
       </a:majorFont>
       <a:minorFont>
-        <a:latin typeface="Rockwell" panose="02060603020205020403"/>
+        <a:latin typeface="Garamond" panose="02020404030301010803"/>
         <a:ea typeface=""/>
         <a:cs typeface=""/>
-        <a:font script="Grek" typeface="Cambria"/>
-        <a:font script="Cyrl" typeface="Cambria"/>
-        <a:font script="Jpan" typeface="HG明朝B"/>
+        <a:font script="Jpan" typeface="ＭＳ Ｐ明朝"/>
         <a:font script="Hang" typeface="바탕"/>
-        <a:font script="Hans" typeface="方正姚体"/>
-        <a:font script="Hant" typeface="標楷體"/>
+        <a:font script="Hans" typeface="方正舒体"/>
+        <a:font script="Hant" typeface="新細明體"/>
         <a:font script="Arab" typeface="Times New Roman"/>
-        <a:font script="Hebr" typeface="David"/>
-        <a:font script="Thai" typeface="JasmineUPC"/>
+        <a:font script="Hebr" typeface="Times New Roman"/>
+        <a:font script="Thai" typeface="Angsana New"/>
         <a:font script="Ethi" typeface="Nyala"/>
         <a:font script="Beng" typeface="Vrinda"/>
         <a:font script="Gujr" typeface="Shruti"/>
@@ -8451,57 +13140,62 @@
         <a:font script="Mong" typeface="Mongolian Baiti"/>
         <a:font script="Viet" typeface="Times New Roman"/>
         <a:font script="Uigh" typeface="Microsoft Uighur"/>
+        <a:font script="Geor" typeface="Sylfaen"/>
       </a:minorFont>
     </a:fontScheme>
-    <a:fmtScheme name="木刻字型">
+    <a:fmtScheme name="有機">
       <a:fillStyleLst>
         <a:solidFill>
           <a:schemeClr val="phClr"/>
         </a:solidFill>
+        <a:gradFill rotWithShape="1">
+          <a:gsLst>
+            <a:gs pos="0">
+              <a:schemeClr val="phClr">
+                <a:tint val="60000"/>
+                <a:lumMod val="110000"/>
+              </a:schemeClr>
+            </a:gs>
+            <a:gs pos="100000">
+              <a:schemeClr val="phClr">
+                <a:tint val="82000"/>
+              </a:schemeClr>
+            </a:gs>
+          </a:gsLst>
+          <a:lin ang="5400000" scaled="0"/>
+        </a:gradFill>
         <a:blipFill rotWithShape="1">
           <a:blip xmlns:r="http://schemas.openxmlformats.org/officeDocument/2006/relationships" r:embed="rId1">
             <a:duotone>
               <a:schemeClr val="phClr">
-                <a:tint val="70000"/>
-                <a:shade val="63000"/>
+                <a:shade val="74000"/>
+                <a:satMod val="130000"/>
+                <a:lumMod val="90000"/>
               </a:schemeClr>
               <a:schemeClr val="phClr">
-                <a:tint val="10000"/>
-                <a:satMod val="150000"/>
+                <a:tint val="94000"/>
+                <a:satMod val="120000"/>
+                <a:lumMod val="104000"/>
               </a:schemeClr>
             </a:duotone>
           </a:blip>
-          <a:tile tx="0" ty="0" sx="60000" sy="59000" flip="none" algn="tl"/>
-        </a:blipFill>
-        <a:blipFill rotWithShape="1">
-          <a:blip xmlns:r="http://schemas.openxmlformats.org/officeDocument/2006/relationships" r:embed="rId1">
-            <a:duotone>
-              <a:schemeClr val="phClr">
-                <a:shade val="36000"/>
-                <a:satMod val="120000"/>
-              </a:schemeClr>
-              <a:schemeClr val="phClr">
-                <a:tint val="40000"/>
-              </a:schemeClr>
-            </a:duotone>
-          </a:blip>
-          <a:tile tx="0" ty="0" sx="60000" sy="59000" flip="none" algn="tl"/>
+          <a:tile tx="0" ty="0" sx="100000" sy="100000" flip="none" algn="tl"/>
         </a:blipFill>
       </a:fillStyleLst>
       <a:lnStyleLst>
-        <a:ln w="6350" cap="flat" cmpd="sng" algn="ctr">
+        <a:ln w="9525" cap="rnd" cmpd="sng" algn="ctr">
           <a:solidFill>
             <a:schemeClr val="phClr"/>
           </a:solidFill>
           <a:prstDash val="solid"/>
         </a:ln>
-        <a:ln w="12700" cap="flat" cmpd="sng" algn="ctr">
+        <a:ln w="15875" cap="rnd" cmpd="sng" algn="ctr">
           <a:solidFill>
             <a:schemeClr val="phClr"/>
           </a:solidFill>
           <a:prstDash val="solid"/>
         </a:ln>
-        <a:ln w="19050" cap="flat" cmpd="sng" algn="ctr">
+        <a:ln w="25400" cap="rnd" cmpd="sng" algn="ctr">
           <a:solidFill>
             <a:schemeClr val="phClr"/>
           </a:solidFill>
@@ -8514,17 +13208,20 @@
         </a:effectStyle>
         <a:effectStyle>
           <a:effectLst>
-            <a:softEdge rad="12700"/>
+            <a:innerShdw blurRad="25400" dist="12700" dir="13500000">
+              <a:srgbClr val="000000">
+                <a:alpha val="45000"/>
+              </a:srgbClr>
+            </a:innerShdw>
           </a:effectLst>
         </a:effectStyle>
         <a:effectStyle>
           <a:effectLst>
-            <a:outerShdw blurRad="50800" dist="19050" dir="5400000" algn="tl" rotWithShape="0">
+            <a:outerShdw blurRad="38100" dist="25400" dir="5400000" rotWithShape="0">
               <a:srgbClr val="000000">
                 <a:alpha val="60000"/>
               </a:srgbClr>
             </a:outerShdw>
-            <a:softEdge rad="12700"/>
           </a:effectLst>
         </a:effectStyle>
       </a:effectStyleLst>
@@ -8532,27 +13229,26 @@
         <a:solidFill>
           <a:schemeClr val="phClr"/>
         </a:solidFill>
-        <a:solidFill>
-          <a:schemeClr val="phClr">
-            <a:shade val="97000"/>
-            <a:satMod val="150000"/>
-          </a:schemeClr>
-        </a:solidFill>
-        <a:blipFill rotWithShape="1">
-          <a:blip xmlns:r="http://schemas.openxmlformats.org/officeDocument/2006/relationships" r:embed="rId1">
-            <a:duotone>
+        <a:gradFill rotWithShape="1">
+          <a:gsLst>
+            <a:gs pos="0">
               <a:schemeClr val="phClr">
-                <a:tint val="75000"/>
-                <a:shade val="58000"/>
-                <a:satMod val="120000"/>
+                <a:tint val="90000"/>
+                <a:lumMod val="110000"/>
               </a:schemeClr>
+            </a:gs>
+            <a:gs pos="100000">
               <a:schemeClr val="phClr">
-                <a:tint val="50000"/>
-                <a:shade val="96000"/>
+                <a:shade val="88000"/>
+                <a:lumMod val="98000"/>
               </a:schemeClr>
-            </a:duotone>
-          </a:blip>
-          <a:tile tx="0" ty="0" sx="100000" sy="100000" flip="none" algn="tl"/>
+            </a:gs>
+          </a:gsLst>
+          <a:lin ang="5400000" scaled="0"/>
+        </a:gradFill>
+        <a:blipFill>
+          <a:blip xmlns:r="http://schemas.openxmlformats.org/officeDocument/2006/relationships" r:embed="rId2"/>
+          <a:stretch/>
         </a:blipFill>
       </a:bgFillStyleLst>
     </a:fmtScheme>
@@ -8561,7 +13257,7 @@
   <a:extraClrSchemeLst/>
   <a:extLst>
     <a:ext uri="{05A4C25C-085E-4340-85A3-A5531E510DB2}">
-      <thm15:themeFamily xmlns:thm15="http://schemas.microsoft.com/office/thememl/2012/main" name="Wood Type" id="{7ACABC62-BF99-48CF-A9DC-4DB89C7B13DC}" vid="{142A1326-48AB-42A9-8428-CB14AA30176D}"/>
+      <thm15:themeFamily xmlns:thm15="http://schemas.microsoft.com/office/thememl/2012/main" name="Organic" id="{28CDC826-8792-45C0-861B-85EB3ADEDA33}" vid="{7DAC20F1-423D-49E2-BD0B-50532748BAD0}"/>
     </a:ext>
   </a:extLst>
 </a:theme>

--- a/陀螺儀機車警示裝置.pptx
+++ b/陀螺儀機車警示裝置.pptx
@@ -5,10 +5,10 @@
     <p:sldMasterId id="2147483714" r:id="rId1"/>
   </p:sldMasterIdLst>
   <p:notesMasterIdLst>
-    <p:notesMasterId r:id="rId15"/>
+    <p:notesMasterId r:id="rId14"/>
   </p:notesMasterIdLst>
   <p:handoutMasterIdLst>
-    <p:handoutMasterId r:id="rId16"/>
+    <p:handoutMasterId r:id="rId15"/>
   </p:handoutMasterIdLst>
   <p:sldIdLst>
     <p:sldId id="256" r:id="rId2"/>
@@ -18,12 +18,11 @@
     <p:sldId id="257" r:id="rId6"/>
     <p:sldId id="265" r:id="rId7"/>
     <p:sldId id="262" r:id="rId8"/>
-    <p:sldId id="266" r:id="rId9"/>
-    <p:sldId id="267" r:id="rId10"/>
-    <p:sldId id="268" r:id="rId11"/>
-    <p:sldId id="269" r:id="rId12"/>
-    <p:sldId id="270" r:id="rId13"/>
-    <p:sldId id="271" r:id="rId14"/>
+    <p:sldId id="269" r:id="rId9"/>
+    <p:sldId id="270" r:id="rId10"/>
+    <p:sldId id="271" r:id="rId11"/>
+    <p:sldId id="272" r:id="rId12"/>
+    <p:sldId id="273" r:id="rId13"/>
   </p:sldIdLst>
   <p:sldSz cx="9144000" cy="6858000" type="screen4x3"/>
   <p:notesSz cx="6858000" cy="9144000"/>
@@ -134,12 +133,11 @@
             <p14:sldId id="257"/>
             <p14:sldId id="265"/>
             <p14:sldId id="262"/>
-            <p14:sldId id="266"/>
-            <p14:sldId id="267"/>
-            <p14:sldId id="268"/>
             <p14:sldId id="269"/>
             <p14:sldId id="270"/>
             <p14:sldId id="271"/>
+            <p14:sldId id="272"/>
+            <p14:sldId id="273"/>
           </p14:sldIdLst>
         </p14:section>
       </p14:sectionLst>
@@ -245,7 +243,7 @@
           <a:p>
             <a:fld id="{E2B5BFD9-D73B-447F-9BCD-C0207DB43A77}" type="datetimeFigureOut">
               <a:rPr lang="zh-TW" altLang="en-US" smtClean="0"/>
-              <a:t>2019/11/26</a:t>
+              <a:t>2019/12/3</a:t>
             </a:fld>
             <a:endParaRPr lang="zh-TW" altLang="en-US"/>
           </a:p>
@@ -423,7 +421,7 @@
           <a:p>
             <a:fld id="{82BAB6B1-4BCB-46A3-9625-DCABA2E4A7B8}" type="datetimeFigureOut">
               <a:rPr lang="zh-TW" altLang="en-US" smtClean="0"/>
-              <a:t>2019/11/26</a:t>
+              <a:t>2019/12/3</a:t>
             </a:fld>
             <a:endParaRPr lang="zh-TW" altLang="en-US"/>
           </a:p>
@@ -906,6 +904,359 @@
     <p:extLst>
       <p:ext uri="{BB962C8B-B14F-4D97-AF65-F5344CB8AC3E}">
         <p14:creationId xmlns:p14="http://schemas.microsoft.com/office/powerpoint/2010/main" val="2800401161"/>
+      </p:ext>
+    </p:extLst>
+  </p:cSld>
+  <p:clrMapOvr>
+    <a:masterClrMapping/>
+  </p:clrMapOvr>
+</p:notes>
+</file>
+
+<file path=ppt/notesSlides/notesSlide3.xml><?xml version="1.0" encoding="utf-8"?>
+<p:notes xmlns:a="http://schemas.openxmlformats.org/drawingml/2006/main" xmlns:r="http://schemas.openxmlformats.org/officeDocument/2006/relationships" xmlns:p="http://schemas.openxmlformats.org/presentationml/2006/main">
+  <p:cSld>
+    <p:spTree>
+      <p:nvGrpSpPr>
+        <p:cNvPr id="1" name=""/>
+        <p:cNvGrpSpPr/>
+        <p:nvPr/>
+      </p:nvGrpSpPr>
+      <p:grpSpPr>
+        <a:xfrm>
+          <a:off x="0" y="0"/>
+          <a:ext cx="0" cy="0"/>
+          <a:chOff x="0" y="0"/>
+          <a:chExt cx="0" cy="0"/>
+        </a:xfrm>
+      </p:grpSpPr>
+      <p:sp>
+        <p:nvSpPr>
+          <p:cNvPr id="2" name="投影片圖像版面配置區 1"/>
+          <p:cNvSpPr>
+            <a:spLocks noGrp="1" noRot="1" noChangeAspect="1"/>
+          </p:cNvSpPr>
+          <p:nvPr>
+            <p:ph type="sldImg"/>
+          </p:nvPr>
+        </p:nvSpPr>
+        <p:spPr/>
+      </p:sp>
+      <p:sp>
+        <p:nvSpPr>
+          <p:cNvPr id="3" name="備忘稿版面配置區 2"/>
+          <p:cNvSpPr>
+            <a:spLocks noGrp="1"/>
+          </p:cNvSpPr>
+          <p:nvPr>
+            <p:ph type="body" idx="1"/>
+          </p:nvPr>
+        </p:nvSpPr>
+        <p:spPr/>
+        <p:txBody>
+          <a:bodyPr/>
+          <a:lstStyle/>
+          <a:p>
+            <a:endParaRPr lang="zh-CN" altLang="en-US" dirty="0"/>
+          </a:p>
+        </p:txBody>
+      </p:sp>
+      <p:sp>
+        <p:nvSpPr>
+          <p:cNvPr id="4" name="投影片編號版面配置區 3"/>
+          <p:cNvSpPr>
+            <a:spLocks noGrp="1"/>
+          </p:cNvSpPr>
+          <p:nvPr>
+            <p:ph type="sldNum" sz="quarter" idx="10"/>
+          </p:nvPr>
+        </p:nvSpPr>
+        <p:spPr/>
+        <p:txBody>
+          <a:bodyPr/>
+          <a:lstStyle/>
+          <a:p>
+            <a:fld id="{1F843751-79F5-4C91-A62A-DE41CFB8D519}" type="slidenum">
+              <a:rPr lang="zh-TW" altLang="en-US" smtClean="0"/>
+              <a:t>8</a:t>
+            </a:fld>
+            <a:endParaRPr lang="zh-TW" altLang="en-US"/>
+          </a:p>
+        </p:txBody>
+      </p:sp>
+    </p:spTree>
+    <p:extLst>
+      <p:ext uri="{BB962C8B-B14F-4D97-AF65-F5344CB8AC3E}">
+        <p14:creationId xmlns:p14="http://schemas.microsoft.com/office/powerpoint/2010/main" val="1595160651"/>
+      </p:ext>
+    </p:extLst>
+  </p:cSld>
+  <p:clrMapOvr>
+    <a:masterClrMapping/>
+  </p:clrMapOvr>
+</p:notes>
+</file>
+
+<file path=ppt/notesSlides/notesSlide4.xml><?xml version="1.0" encoding="utf-8"?>
+<p:notes xmlns:a="http://schemas.openxmlformats.org/drawingml/2006/main" xmlns:r="http://schemas.openxmlformats.org/officeDocument/2006/relationships" xmlns:p="http://schemas.openxmlformats.org/presentationml/2006/main">
+  <p:cSld>
+    <p:spTree>
+      <p:nvGrpSpPr>
+        <p:cNvPr id="1" name=""/>
+        <p:cNvGrpSpPr/>
+        <p:nvPr/>
+      </p:nvGrpSpPr>
+      <p:grpSpPr>
+        <a:xfrm>
+          <a:off x="0" y="0"/>
+          <a:ext cx="0" cy="0"/>
+          <a:chOff x="0" y="0"/>
+          <a:chExt cx="0" cy="0"/>
+        </a:xfrm>
+      </p:grpSpPr>
+      <p:sp>
+        <p:nvSpPr>
+          <p:cNvPr id="2" name="投影片圖像版面配置區 1"/>
+          <p:cNvSpPr>
+            <a:spLocks noGrp="1" noRot="1" noChangeAspect="1"/>
+          </p:cNvSpPr>
+          <p:nvPr>
+            <p:ph type="sldImg"/>
+          </p:nvPr>
+        </p:nvSpPr>
+        <p:spPr/>
+      </p:sp>
+      <p:sp>
+        <p:nvSpPr>
+          <p:cNvPr id="3" name="備忘稿版面配置區 2"/>
+          <p:cNvSpPr>
+            <a:spLocks noGrp="1"/>
+          </p:cNvSpPr>
+          <p:nvPr>
+            <p:ph type="body" idx="1"/>
+          </p:nvPr>
+        </p:nvSpPr>
+        <p:spPr/>
+        <p:txBody>
+          <a:bodyPr/>
+          <a:lstStyle/>
+          <a:p>
+            <a:endParaRPr lang="zh-CN" altLang="en-US" dirty="0"/>
+          </a:p>
+        </p:txBody>
+      </p:sp>
+      <p:sp>
+        <p:nvSpPr>
+          <p:cNvPr id="4" name="投影片編號版面配置區 3"/>
+          <p:cNvSpPr>
+            <a:spLocks noGrp="1"/>
+          </p:cNvSpPr>
+          <p:nvPr>
+            <p:ph type="sldNum" sz="quarter" idx="10"/>
+          </p:nvPr>
+        </p:nvSpPr>
+        <p:spPr/>
+        <p:txBody>
+          <a:bodyPr/>
+          <a:lstStyle/>
+          <a:p>
+            <a:fld id="{1F843751-79F5-4C91-A62A-DE41CFB8D519}" type="slidenum">
+              <a:rPr lang="zh-TW" altLang="en-US" smtClean="0"/>
+              <a:t>9</a:t>
+            </a:fld>
+            <a:endParaRPr lang="zh-TW" altLang="en-US"/>
+          </a:p>
+        </p:txBody>
+      </p:sp>
+    </p:spTree>
+    <p:extLst>
+      <p:ext uri="{BB962C8B-B14F-4D97-AF65-F5344CB8AC3E}">
+        <p14:creationId xmlns:p14="http://schemas.microsoft.com/office/powerpoint/2010/main" val="2021948432"/>
+      </p:ext>
+    </p:extLst>
+  </p:cSld>
+  <p:clrMapOvr>
+    <a:masterClrMapping/>
+  </p:clrMapOvr>
+</p:notes>
+</file>
+
+<file path=ppt/notesSlides/notesSlide5.xml><?xml version="1.0" encoding="utf-8"?>
+<p:notes xmlns:a="http://schemas.openxmlformats.org/drawingml/2006/main" xmlns:r="http://schemas.openxmlformats.org/officeDocument/2006/relationships" xmlns:p="http://schemas.openxmlformats.org/presentationml/2006/main">
+  <p:cSld>
+    <p:spTree>
+      <p:nvGrpSpPr>
+        <p:cNvPr id="1" name=""/>
+        <p:cNvGrpSpPr/>
+        <p:nvPr/>
+      </p:nvGrpSpPr>
+      <p:grpSpPr>
+        <a:xfrm>
+          <a:off x="0" y="0"/>
+          <a:ext cx="0" cy="0"/>
+          <a:chOff x="0" y="0"/>
+          <a:chExt cx="0" cy="0"/>
+        </a:xfrm>
+      </p:grpSpPr>
+      <p:sp>
+        <p:nvSpPr>
+          <p:cNvPr id="2" name="投影片圖像版面配置區 1"/>
+          <p:cNvSpPr>
+            <a:spLocks noGrp="1" noRot="1" noChangeAspect="1"/>
+          </p:cNvSpPr>
+          <p:nvPr>
+            <p:ph type="sldImg"/>
+          </p:nvPr>
+        </p:nvSpPr>
+        <p:spPr/>
+      </p:sp>
+      <p:sp>
+        <p:nvSpPr>
+          <p:cNvPr id="3" name="備忘稿版面配置區 2"/>
+          <p:cNvSpPr>
+            <a:spLocks noGrp="1"/>
+          </p:cNvSpPr>
+          <p:nvPr>
+            <p:ph type="body" idx="1"/>
+          </p:nvPr>
+        </p:nvSpPr>
+        <p:spPr/>
+        <p:txBody>
+          <a:bodyPr/>
+          <a:lstStyle/>
+          <a:p>
+            <a:pPr marL="0" marR="0" lvl="0" indent="0" algn="l" defTabSz="914400" rtl="0" eaLnBrk="1" fontAlgn="auto" latinLnBrk="0" hangingPunct="1">
+              <a:lnSpc>
+                <a:spcPct val="100000"/>
+              </a:lnSpc>
+              <a:spcBef>
+                <a:spcPts val="0"/>
+              </a:spcBef>
+              <a:spcAft>
+                <a:spcPts val="0"/>
+              </a:spcAft>
+              <a:buClrTx/>
+              <a:buSzTx/>
+              <a:buFontTx/>
+              <a:buNone/>
+              <a:tabLst/>
+              <a:defRPr/>
+            </a:pPr>
+            <a:endParaRPr lang="zh-CN" altLang="en-US" dirty="0" smtClean="0"/>
+          </a:p>
+        </p:txBody>
+      </p:sp>
+      <p:sp>
+        <p:nvSpPr>
+          <p:cNvPr id="4" name="投影片編號版面配置區 3"/>
+          <p:cNvSpPr>
+            <a:spLocks noGrp="1"/>
+          </p:cNvSpPr>
+          <p:nvPr>
+            <p:ph type="sldNum" sz="quarter" idx="10"/>
+          </p:nvPr>
+        </p:nvSpPr>
+        <p:spPr/>
+        <p:txBody>
+          <a:bodyPr/>
+          <a:lstStyle/>
+          <a:p>
+            <a:fld id="{1F843751-79F5-4C91-A62A-DE41CFB8D519}" type="slidenum">
+              <a:rPr lang="zh-TW" altLang="en-US" smtClean="0"/>
+              <a:t>10</a:t>
+            </a:fld>
+            <a:endParaRPr lang="zh-TW" altLang="en-US"/>
+          </a:p>
+        </p:txBody>
+      </p:sp>
+    </p:spTree>
+    <p:extLst>
+      <p:ext uri="{BB962C8B-B14F-4D97-AF65-F5344CB8AC3E}">
+        <p14:creationId xmlns:p14="http://schemas.microsoft.com/office/powerpoint/2010/main" val="2761301876"/>
+      </p:ext>
+    </p:extLst>
+  </p:cSld>
+  <p:clrMapOvr>
+    <a:masterClrMapping/>
+  </p:clrMapOvr>
+</p:notes>
+</file>
+
+<file path=ppt/notesSlides/notesSlide6.xml><?xml version="1.0" encoding="utf-8"?>
+<p:notes xmlns:a="http://schemas.openxmlformats.org/drawingml/2006/main" xmlns:r="http://schemas.openxmlformats.org/officeDocument/2006/relationships" xmlns:p="http://schemas.openxmlformats.org/presentationml/2006/main">
+  <p:cSld>
+    <p:spTree>
+      <p:nvGrpSpPr>
+        <p:cNvPr id="1" name=""/>
+        <p:cNvGrpSpPr/>
+        <p:nvPr/>
+      </p:nvGrpSpPr>
+      <p:grpSpPr>
+        <a:xfrm>
+          <a:off x="0" y="0"/>
+          <a:ext cx="0" cy="0"/>
+          <a:chOff x="0" y="0"/>
+          <a:chExt cx="0" cy="0"/>
+        </a:xfrm>
+      </p:grpSpPr>
+      <p:sp>
+        <p:nvSpPr>
+          <p:cNvPr id="2" name="投影片圖像版面配置區 1"/>
+          <p:cNvSpPr>
+            <a:spLocks noGrp="1" noRot="1" noChangeAspect="1"/>
+          </p:cNvSpPr>
+          <p:nvPr>
+            <p:ph type="sldImg"/>
+          </p:nvPr>
+        </p:nvSpPr>
+        <p:spPr/>
+      </p:sp>
+      <p:sp>
+        <p:nvSpPr>
+          <p:cNvPr id="3" name="備忘稿版面配置區 2"/>
+          <p:cNvSpPr>
+            <a:spLocks noGrp="1"/>
+          </p:cNvSpPr>
+          <p:nvPr>
+            <p:ph type="body" idx="1"/>
+          </p:nvPr>
+        </p:nvSpPr>
+        <p:spPr/>
+        <p:txBody>
+          <a:bodyPr/>
+          <a:lstStyle/>
+          <a:p>
+            <a:endParaRPr lang="zh-CN" altLang="en-US" dirty="0"/>
+          </a:p>
+        </p:txBody>
+      </p:sp>
+      <p:sp>
+        <p:nvSpPr>
+          <p:cNvPr id="4" name="投影片編號版面配置區 3"/>
+          <p:cNvSpPr>
+            <a:spLocks noGrp="1"/>
+          </p:cNvSpPr>
+          <p:nvPr>
+            <p:ph type="sldNum" sz="quarter" idx="10"/>
+          </p:nvPr>
+        </p:nvSpPr>
+        <p:spPr/>
+        <p:txBody>
+          <a:bodyPr/>
+          <a:lstStyle/>
+          <a:p>
+            <a:fld id="{1F843751-79F5-4C91-A62A-DE41CFB8D519}" type="slidenum">
+              <a:rPr lang="zh-TW" altLang="en-US" smtClean="0"/>
+              <a:t>11</a:t>
+            </a:fld>
+            <a:endParaRPr lang="zh-TW" altLang="en-US"/>
+          </a:p>
+        </p:txBody>
+      </p:sp>
+    </p:spTree>
+    <p:extLst>
+      <p:ext uri="{BB962C8B-B14F-4D97-AF65-F5344CB8AC3E}">
+        <p14:creationId xmlns:p14="http://schemas.microsoft.com/office/powerpoint/2010/main" val="4004104212"/>
       </p:ext>
     </p:extLst>
   </p:cSld>
@@ -1246,7 +1597,7 @@
           <a:p>
             <a:fld id="{CBDB6F48-3AD2-4A91-BB7F-D1A63C1EE5CE}" type="datetime1">
               <a:rPr lang="zh-TW" altLang="en-US" smtClean="0"/>
-              <a:t>2019/11/26</a:t>
+              <a:t>2019/12/3</a:t>
             </a:fld>
             <a:endParaRPr lang="zh-TW" altLang="en-US"/>
           </a:p>
@@ -1570,7 +1921,7 @@
           <a:p>
             <a:fld id="{480BD83A-BF40-4508-AEFE-6F568306C8F9}" type="datetime1">
               <a:rPr lang="zh-TW" altLang="en-US" smtClean="0"/>
-              <a:t>2019/11/26</a:t>
+              <a:t>2019/12/3</a:t>
             </a:fld>
             <a:endParaRPr lang="zh-TW" altLang="en-US"/>
           </a:p>
@@ -1819,7 +2170,7 @@
           <a:p>
             <a:fld id="{480BD83A-BF40-4508-AEFE-6F568306C8F9}" type="datetime1">
               <a:rPr lang="zh-TW" altLang="en-US" smtClean="0"/>
-              <a:t>2019/11/26</a:t>
+              <a:t>2019/12/3</a:t>
             </a:fld>
             <a:endParaRPr lang="zh-TW" altLang="en-US"/>
           </a:p>
@@ -2159,7 +2510,7 @@
           <a:p>
             <a:fld id="{480BD83A-BF40-4508-AEFE-6F568306C8F9}" type="datetime1">
               <a:rPr lang="zh-TW" altLang="en-US" smtClean="0"/>
-              <a:t>2019/11/26</a:t>
+              <a:t>2019/12/3</a:t>
             </a:fld>
             <a:endParaRPr lang="zh-TW" altLang="en-US"/>
           </a:p>
@@ -2507,7 +2858,7 @@
           <a:p>
             <a:fld id="{480BD83A-BF40-4508-AEFE-6F568306C8F9}" type="datetime1">
               <a:rPr lang="zh-TW" altLang="en-US" smtClean="0"/>
-              <a:t>2019/11/26</a:t>
+              <a:t>2019/12/3</a:t>
             </a:fld>
             <a:endParaRPr lang="zh-TW" altLang="en-US"/>
           </a:p>
@@ -2882,7 +3233,7 @@
           <a:p>
             <a:fld id="{480BD83A-BF40-4508-AEFE-6F568306C8F9}" type="datetime1">
               <a:rPr lang="zh-TW" altLang="en-US" smtClean="0"/>
-              <a:t>2019/11/26</a:t>
+              <a:t>2019/12/3</a:t>
             </a:fld>
             <a:endParaRPr lang="zh-TW" altLang="en-US"/>
           </a:p>
@@ -3353,7 +3704,7 @@
           <a:p>
             <a:fld id="{480BD83A-BF40-4508-AEFE-6F568306C8F9}" type="datetime1">
               <a:rPr lang="zh-TW" altLang="en-US" smtClean="0"/>
-              <a:t>2019/11/26</a:t>
+              <a:t>2019/12/3</a:t>
             </a:fld>
             <a:endParaRPr lang="zh-TW" altLang="en-US"/>
           </a:p>
@@ -3564,7 +3915,7 @@
           <a:p>
             <a:fld id="{195BD005-53AC-4394-B71F-C4B919CDCF86}" type="datetime1">
               <a:rPr lang="zh-TW" altLang="en-US" smtClean="0"/>
-              <a:t>2019/11/26</a:t>
+              <a:t>2019/12/3</a:t>
             </a:fld>
             <a:endParaRPr lang="zh-TW" altLang="en-US"/>
           </a:p>
@@ -3775,7 +4126,7 @@
           <a:p>
             <a:fld id="{092B0765-CC79-40FF-884C-D260AFB75E48}" type="datetime1">
               <a:rPr lang="zh-TW" altLang="en-US" smtClean="0"/>
-              <a:t>2019/11/26</a:t>
+              <a:t>2019/12/3</a:t>
             </a:fld>
             <a:endParaRPr lang="zh-TW" altLang="en-US"/>
           </a:p>
@@ -4007,7 +4358,7 @@
           <a:p>
             <a:fld id="{480BD83A-BF40-4508-AEFE-6F568306C8F9}" type="datetime1">
               <a:rPr lang="zh-TW" altLang="en-US" smtClean="0"/>
-              <a:t>2019/11/26</a:t>
+              <a:t>2019/12/3</a:t>
             </a:fld>
             <a:endParaRPr lang="zh-TW" altLang="en-US"/>
           </a:p>
@@ -4256,7 +4607,7 @@
           <a:p>
             <a:fld id="{CAD632E9-50C3-4720-95C2-E5D9C5F3029C}" type="datetime1">
               <a:rPr lang="zh-TW" altLang="en-US" smtClean="0"/>
-              <a:t>2019/11/26</a:t>
+              <a:t>2019/12/3</a:t>
             </a:fld>
             <a:endParaRPr lang="zh-TW" altLang="en-US"/>
           </a:p>
@@ -4559,7 +4910,7 @@
           <a:p>
             <a:fld id="{480BD83A-BF40-4508-AEFE-6F568306C8F9}" type="datetime1">
               <a:rPr lang="zh-TW" altLang="en-US" smtClean="0"/>
-              <a:t>2019/11/26</a:t>
+              <a:t>2019/12/3</a:t>
             </a:fld>
             <a:endParaRPr lang="zh-TW" altLang="en-US"/>
           </a:p>
@@ -4942,7 +5293,7 @@
           <a:p>
             <a:fld id="{480BD83A-BF40-4508-AEFE-6F568306C8F9}" type="datetime1">
               <a:rPr lang="zh-TW" altLang="en-US" smtClean="0"/>
-              <a:t>2019/11/26</a:t>
+              <a:t>2019/12/3</a:t>
             </a:fld>
             <a:endParaRPr lang="zh-TW" altLang="en-US"/>
           </a:p>
@@ -5097,7 +5448,7 @@
           <a:p>
             <a:fld id="{045F9A61-DB8F-4059-A726-2D002345691A}" type="datetime1">
               <a:rPr lang="zh-TW" altLang="en-US" smtClean="0"/>
-              <a:t>2019/11/26</a:t>
+              <a:t>2019/12/3</a:t>
             </a:fld>
             <a:endParaRPr lang="zh-TW" altLang="en-US"/>
           </a:p>
@@ -5223,7 +5574,7 @@
           <a:p>
             <a:fld id="{520C3B2F-95E3-47E5-AB3B-A687A62FF84E}" type="datetime1">
               <a:rPr lang="zh-TW" altLang="en-US" smtClean="0"/>
-              <a:t>2019/11/26</a:t>
+              <a:t>2019/12/3</a:t>
             </a:fld>
             <a:endParaRPr lang="zh-TW" altLang="en-US"/>
           </a:p>
@@ -5478,7 +5829,7 @@
           <a:p>
             <a:fld id="{480BD83A-BF40-4508-AEFE-6F568306C8F9}" type="datetime1">
               <a:rPr lang="zh-TW" altLang="en-US" smtClean="0"/>
-              <a:t>2019/11/26</a:t>
+              <a:t>2019/12/3</a:t>
             </a:fld>
             <a:endParaRPr lang="zh-TW" altLang="en-US"/>
           </a:p>
@@ -5793,7 +6144,7 @@
           <a:p>
             <a:fld id="{480BD83A-BF40-4508-AEFE-6F568306C8F9}" type="datetime1">
               <a:rPr lang="zh-TW" altLang="en-US" smtClean="0"/>
-              <a:t>2019/11/26</a:t>
+              <a:t>2019/12/3</a:t>
             </a:fld>
             <a:endParaRPr lang="zh-TW" altLang="en-US"/>
           </a:p>
@@ -6145,7 +6496,7 @@
           <a:p>
             <a:fld id="{480BD83A-BF40-4508-AEFE-6F568306C8F9}" type="datetime1">
               <a:rPr lang="zh-TW" altLang="en-US" smtClean="0"/>
-              <a:t>2019/11/26</a:t>
+              <a:t>2019/12/3</a:t>
             </a:fld>
             <a:endParaRPr lang="zh-TW" altLang="en-US"/>
           </a:p>
@@ -6877,157 +7228,6 @@
       </p:grpSpPr>
       <p:sp>
         <p:nvSpPr>
-          <p:cNvPr id="5" name="標題 1"/>
-          <p:cNvSpPr>
-            <a:spLocks noGrp="1"/>
-          </p:cNvSpPr>
-          <p:nvPr>
-            <p:ph type="title"/>
-          </p:nvPr>
-        </p:nvSpPr>
-        <p:spPr>
-          <a:xfrm>
-            <a:off x="685800" y="484632"/>
-            <a:ext cx="7772400" cy="682431"/>
-          </a:xfrm>
-        </p:spPr>
-        <p:txBody>
-          <a:bodyPr>
-            <a:normAutofit fontScale="90000"/>
-          </a:bodyPr>
-          <a:lstStyle/>
-          <a:p>
-            <a:pPr algn="ctr"/>
-            <a:r>
-              <a:rPr lang="zh-CN" altLang="en-US" sz="4000" dirty="0" smtClean="0">
-                <a:latin typeface="DFKai-SB" panose="03000509000000000000" pitchFamily="65" charset="-120"/>
-                <a:ea typeface="DFKai-SB" panose="03000509000000000000" pitchFamily="65" charset="-120"/>
-              </a:rPr>
-              <a:t>使用者与製作者需求描述</a:t>
-            </a:r>
-            <a:endParaRPr lang="zh-CN" altLang="en-US" sz="4000" dirty="0">
-              <a:latin typeface="DFKai-SB" panose="03000509000000000000" pitchFamily="65" charset="-120"/>
-              <a:ea typeface="DFKai-SB" panose="03000509000000000000" pitchFamily="65" charset="-120"/>
-            </a:endParaRPr>
-          </a:p>
-        </p:txBody>
-      </p:sp>
-      <p:sp>
-        <p:nvSpPr>
-          <p:cNvPr id="3" name="內容版面配置區 2"/>
-          <p:cNvSpPr>
-            <a:spLocks noGrp="1"/>
-          </p:cNvSpPr>
-          <p:nvPr>
-            <p:ph idx="1"/>
-          </p:nvPr>
-        </p:nvSpPr>
-        <p:spPr>
-          <a:xfrm>
-            <a:off x="685800" y="1167063"/>
-            <a:ext cx="7772400" cy="5005137"/>
-          </a:xfrm>
-        </p:spPr>
-        <p:txBody>
-          <a:bodyPr>
-            <a:normAutofit/>
-          </a:bodyPr>
-          <a:lstStyle/>
-          <a:p>
-            <a:r>
-              <a:rPr lang="en-US" altLang="zh-CN" sz="3200" dirty="0" smtClean="0">
-                <a:latin typeface="DFKai-SB" panose="03000509000000000000" pitchFamily="65" charset="-120"/>
-                <a:ea typeface="DFKai-SB" panose="03000509000000000000" pitchFamily="65" charset="-120"/>
-              </a:rPr>
-              <a:t>7.</a:t>
-            </a:r>
-            <a:r>
-              <a:rPr lang="zh-CN" altLang="en-US" sz="3600" dirty="0" smtClean="0">
-                <a:latin typeface="DFKai-SB" panose="03000509000000000000" pitchFamily="65" charset="-120"/>
-                <a:ea typeface="DFKai-SB" panose="03000509000000000000" pitchFamily="65" charset="-120"/>
-              </a:rPr>
-              <a:t>如果後方大型貨車有安裝</a:t>
-            </a:r>
-            <a:r>
-              <a:rPr lang="en-US" altLang="zh-CN" sz="3600" dirty="0" smtClean="0">
-                <a:latin typeface="DFKai-SB" panose="03000509000000000000" pitchFamily="65" charset="-120"/>
-                <a:ea typeface="DFKai-SB" panose="03000509000000000000" pitchFamily="65" charset="-120"/>
-              </a:rPr>
-              <a:t>app,</a:t>
-            </a:r>
-            <a:r>
-              <a:rPr lang="zh-CN" altLang="en-US" sz="3600" dirty="0" smtClean="0">
-                <a:latin typeface="DFKai-SB" panose="03000509000000000000" pitchFamily="65" charset="-120"/>
-                <a:ea typeface="DFKai-SB" panose="03000509000000000000" pitchFamily="65" charset="-120"/>
-              </a:rPr>
-              <a:t>蜂鳴器則不會響起，改用語音播報訊息進行提醒，例如“</a:t>
-            </a:r>
-            <a:r>
-              <a:rPr lang="zh-CN" altLang="en-US" sz="3600" dirty="0" smtClean="0">
-                <a:solidFill>
-                  <a:srgbClr val="FF0000"/>
-                </a:solidFill>
-                <a:latin typeface="DFKai-SB" panose="03000509000000000000" pitchFamily="65" charset="-120"/>
-                <a:ea typeface="DFKai-SB" panose="03000509000000000000" pitchFamily="65" charset="-120"/>
-              </a:rPr>
-              <a:t>前方牌號為</a:t>
-            </a:r>
-            <a:r>
-              <a:rPr lang="en-US" altLang="zh-CN" sz="3600" dirty="0" smtClean="0">
-                <a:solidFill>
-                  <a:srgbClr val="FF0000"/>
-                </a:solidFill>
-                <a:latin typeface="DFKai-SB" panose="03000509000000000000" pitchFamily="65" charset="-120"/>
-                <a:ea typeface="DFKai-SB" panose="03000509000000000000" pitchFamily="65" charset="-120"/>
-              </a:rPr>
-              <a:t>xxx</a:t>
-            </a:r>
-            <a:r>
-              <a:rPr lang="zh-CN" altLang="en-US" sz="3600" dirty="0" smtClean="0">
-                <a:solidFill>
-                  <a:srgbClr val="FF0000"/>
-                </a:solidFill>
-                <a:latin typeface="DFKai-SB" panose="03000509000000000000" pitchFamily="65" charset="-120"/>
-                <a:ea typeface="DFKai-SB" panose="03000509000000000000" pitchFamily="65" charset="-120"/>
-              </a:rPr>
-              <a:t>的機車即將發生右</a:t>
-            </a:r>
-            <a:r>
-              <a:rPr lang="en-US" altLang="zh-CN" sz="3600" dirty="0" smtClean="0">
-                <a:solidFill>
-                  <a:srgbClr val="FF0000"/>
-                </a:solidFill>
-                <a:latin typeface="DFKai-SB" panose="03000509000000000000" pitchFamily="65" charset="-120"/>
-                <a:ea typeface="DFKai-SB" panose="03000509000000000000" pitchFamily="65" charset="-120"/>
-              </a:rPr>
-              <a:t>/</a:t>
-            </a:r>
-            <a:r>
-              <a:rPr lang="zh-CN" altLang="en-US" sz="3600" dirty="0" smtClean="0">
-                <a:solidFill>
-                  <a:srgbClr val="FF0000"/>
-                </a:solidFill>
-                <a:latin typeface="DFKai-SB" panose="03000509000000000000" pitchFamily="65" charset="-120"/>
-                <a:ea typeface="DFKai-SB" panose="03000509000000000000" pitchFamily="65" charset="-120"/>
-              </a:rPr>
-              <a:t>左轉，請小心行駛</a:t>
-            </a:r>
-            <a:r>
-              <a:rPr lang="zh-CN" altLang="en-US" sz="3600" dirty="0" smtClean="0">
-                <a:latin typeface="DFKai-SB" panose="03000509000000000000" pitchFamily="65" charset="-120"/>
-                <a:ea typeface="DFKai-SB" panose="03000509000000000000" pitchFamily="65" charset="-120"/>
-              </a:rPr>
-              <a:t>”。</a:t>
-            </a:r>
-            <a:endParaRPr lang="zh-CN" altLang="en-US" sz="3600" dirty="0">
-              <a:latin typeface="DFKai-SB" panose="03000509000000000000" pitchFamily="65" charset="-120"/>
-              <a:ea typeface="DFKai-SB" panose="03000509000000000000" pitchFamily="65" charset="-120"/>
-            </a:endParaRPr>
-          </a:p>
-        </p:txBody>
-      </p:sp>
-      <p:sp>
-        <p:nvSpPr>
           <p:cNvPr id="4" name="投影片編號版面配置區 3"/>
           <p:cNvSpPr>
             <a:spLocks noGrp="1"/>
@@ -7044,66 +7244,6 @@
             <a:fld id="{80E16380-4998-42C3-B033-270161A8BE6B}" type="slidenum">
               <a:rPr lang="zh-TW" altLang="en-US" smtClean="0"/>
               <a:t>10</a:t>
-            </a:fld>
-            <a:endParaRPr lang="zh-TW" altLang="en-US"/>
-          </a:p>
-        </p:txBody>
-      </p:sp>
-    </p:spTree>
-    <p:extLst>
-      <p:ext uri="{BB962C8B-B14F-4D97-AF65-F5344CB8AC3E}">
-        <p14:creationId xmlns:p14="http://schemas.microsoft.com/office/powerpoint/2010/main" val="3312389236"/>
-      </p:ext>
-    </p:extLst>
-  </p:cSld>
-  <p:clrMapOvr>
-    <a:masterClrMapping/>
-  </p:clrMapOvr>
-  <p:timing>
-    <p:tnLst>
-      <p:par>
-        <p:cTn id="1" dur="indefinite" restart="never" nodeType="tmRoot"/>
-      </p:par>
-    </p:tnLst>
-  </p:timing>
-</p:sld>
-</file>
-
-<file path=ppt/slides/slide11.xml><?xml version="1.0" encoding="utf-8"?>
-<p:sld xmlns:a="http://schemas.openxmlformats.org/drawingml/2006/main" xmlns:r="http://schemas.openxmlformats.org/officeDocument/2006/relationships" xmlns:p="http://schemas.openxmlformats.org/presentationml/2006/main">
-  <p:cSld>
-    <p:spTree>
-      <p:nvGrpSpPr>
-        <p:cNvPr id="1" name=""/>
-        <p:cNvGrpSpPr/>
-        <p:nvPr/>
-      </p:nvGrpSpPr>
-      <p:grpSpPr>
-        <a:xfrm>
-          <a:off x="0" y="0"/>
-          <a:ext cx="0" cy="0"/>
-          <a:chOff x="0" y="0"/>
-          <a:chExt cx="0" cy="0"/>
-        </a:xfrm>
-      </p:grpSpPr>
-      <p:sp>
-        <p:nvSpPr>
-          <p:cNvPr id="4" name="投影片編號版面配置區 3"/>
-          <p:cNvSpPr>
-            <a:spLocks noGrp="1"/>
-          </p:cNvSpPr>
-          <p:nvPr>
-            <p:ph type="sldNum" sz="quarter" idx="12"/>
-          </p:nvPr>
-        </p:nvSpPr>
-        <p:spPr/>
-        <p:txBody>
-          <a:bodyPr/>
-          <a:lstStyle/>
-          <a:p>
-            <a:fld id="{80E16380-4998-42C3-B033-270161A8BE6B}" type="slidenum">
-              <a:rPr lang="zh-TW" altLang="en-US" smtClean="0"/>
-              <a:t>11</a:t>
             </a:fld>
             <a:endParaRPr lang="zh-TW" altLang="en-US"/>
           </a:p>
@@ -7118,1417 +7258,14 @@
           <p:nvPr>
             <p:extLst>
               <p:ext uri="{D42A27DB-BD31-4B8C-83A1-F6EECF244321}">
-                <p14:modId xmlns:p14="http://schemas.microsoft.com/office/powerpoint/2010/main" val="639930398"/>
+                <p14:modId xmlns:p14="http://schemas.microsoft.com/office/powerpoint/2010/main" val="3654584928"/>
               </p:ext>
             </p:extLst>
           </p:nvPr>
         </p:nvGraphicFramePr>
         <p:xfrm>
-          <a:off x="1484091" y="566834"/>
-          <a:ext cx="6192056" cy="5533399"/>
-        </p:xfrm>
-        <a:graphic>
-          <a:graphicData uri="http://schemas.openxmlformats.org/drawingml/2006/table">
-            <a:tbl>
-              <a:tblPr firstRow="1" bandRow="1">
-                <a:tableStyleId>{D113A9D2-9D6B-4929-AA2D-F23B5EE8CBE7}</a:tableStyleId>
-              </a:tblPr>
-              <a:tblGrid>
-                <a:gridCol w="3096028">
-                  <a:extLst>
-                    <a:ext uri="{9D8B030D-6E8A-4147-A177-3AD203B41FA5}">
-                      <a16:colId xmlns:a16="http://schemas.microsoft.com/office/drawing/2014/main" val="575654118"/>
-                    </a:ext>
-                  </a:extLst>
-                </a:gridCol>
-                <a:gridCol w="3096028">
-                  <a:extLst>
-                    <a:ext uri="{9D8B030D-6E8A-4147-A177-3AD203B41FA5}">
-                      <a16:colId xmlns:a16="http://schemas.microsoft.com/office/drawing/2014/main" val="2310419058"/>
-                    </a:ext>
-                  </a:extLst>
-                </a:gridCol>
-              </a:tblGrid>
-              <a:tr h="595639">
-                <a:tc>
-                  <a:txBody>
-                    <a:bodyPr/>
-                    <a:lstStyle/>
-                    <a:p>
-                      <a:r>
-                        <a:rPr lang="zh-CN" altLang="en-US" sz="3200" dirty="0" smtClean="0">
-                          <a:latin typeface="DFKai-SB" panose="03000509000000000000" pitchFamily="65" charset="-120"/>
-                          <a:ea typeface="DFKai-SB" panose="03000509000000000000" pitchFamily="65" charset="-120"/>
-                        </a:rPr>
-                        <a:t>描述性項目</a:t>
-                      </a:r>
-                      <a:endParaRPr lang="zh-CN" altLang="en-US" sz="3200" dirty="0">
-                        <a:latin typeface="DFKai-SB" panose="03000509000000000000" pitchFamily="65" charset="-120"/>
-                        <a:ea typeface="DFKai-SB" panose="03000509000000000000" pitchFamily="65" charset="-120"/>
-                      </a:endParaRPr>
-                    </a:p>
-                  </a:txBody>
-                  <a:tcPr/>
-                </a:tc>
-                <a:tc>
-                  <a:txBody>
-                    <a:bodyPr/>
-                    <a:lstStyle/>
-                    <a:p>
-                      <a:r>
-                        <a:rPr lang="zh-CN" altLang="en-US" sz="3200" dirty="0" smtClean="0">
-                          <a:latin typeface="DFKai-SB" panose="03000509000000000000" pitchFamily="65" charset="-120"/>
-                          <a:ea typeface="DFKai-SB" panose="03000509000000000000" pitchFamily="65" charset="-120"/>
-                        </a:rPr>
-                        <a:t>事件條列式</a:t>
-                      </a:r>
-                      <a:endParaRPr lang="zh-CN" altLang="en-US" sz="3200" dirty="0">
-                        <a:latin typeface="DFKai-SB" panose="03000509000000000000" pitchFamily="65" charset="-120"/>
-                        <a:ea typeface="DFKai-SB" panose="03000509000000000000" pitchFamily="65" charset="-120"/>
-                      </a:endParaRPr>
-                    </a:p>
-                  </a:txBody>
-                  <a:tcPr/>
-                </a:tc>
-                <a:extLst>
-                  <a:ext uri="{0D108BD9-81ED-4DB2-BD59-A6C34878D82A}">
-                    <a16:rowId xmlns:a16="http://schemas.microsoft.com/office/drawing/2014/main" val="4229939552"/>
-                  </a:ext>
-                </a:extLst>
-              </a:tr>
-              <a:tr h="1400266">
-                <a:tc>
-                  <a:txBody>
-                    <a:bodyPr/>
-                    <a:lstStyle/>
-                    <a:p>
-                      <a:pPr marL="0" marR="0" lvl="0" indent="0" algn="l" defTabSz="457200" rtl="0" eaLnBrk="1" fontAlgn="auto" latinLnBrk="0" hangingPunct="1">
-                        <a:lnSpc>
-                          <a:spcPct val="100000"/>
-                        </a:lnSpc>
-                        <a:spcBef>
-                          <a:spcPts val="0"/>
-                        </a:spcBef>
-                        <a:spcAft>
-                          <a:spcPts val="0"/>
-                        </a:spcAft>
-                        <a:buClrTx/>
-                        <a:buSzTx/>
-                        <a:buFontTx/>
-                        <a:buNone/>
-                        <a:tabLst/>
-                        <a:defRPr/>
-                      </a:pPr>
-                      <a:r>
-                        <a:rPr lang="en-US" altLang="zh-CN" sz="1800" dirty="0" smtClean="0">
-                          <a:solidFill>
-                            <a:prstClr val="black">
-                              <a:lumMod val="85000"/>
-                              <a:lumOff val="15000"/>
-                            </a:prstClr>
-                          </a:solidFill>
-                          <a:latin typeface="DFKai-SB" panose="03000509000000000000" pitchFamily="65" charset="-120"/>
-                          <a:ea typeface="DFKai-SB" panose="03000509000000000000" pitchFamily="65" charset="-120"/>
-                        </a:rPr>
-                        <a:t>1.</a:t>
-                      </a:r>
-                      <a:r>
-                        <a:rPr lang="zh-CN" altLang="en-US" sz="1800" dirty="0" smtClean="0">
-                          <a:solidFill>
-                            <a:prstClr val="black">
-                              <a:lumMod val="85000"/>
-                              <a:lumOff val="15000"/>
-                            </a:prstClr>
-                          </a:solidFill>
-                          <a:latin typeface="DFKai-SB" panose="03000509000000000000" pitchFamily="65" charset="-120"/>
-                          <a:ea typeface="DFKai-SB" panose="03000509000000000000" pitchFamily="65" charset="-120"/>
-                        </a:rPr>
-                        <a:t>客户騎上車後，插入鑰匙點火後，與警示裝置所連接的</a:t>
-                      </a:r>
-                      <a:r>
-                        <a:rPr lang="en-US" altLang="zh-CN" sz="1800" dirty="0" smtClean="0">
-                          <a:solidFill>
-                            <a:prstClr val="black">
-                              <a:lumMod val="85000"/>
-                              <a:lumOff val="15000"/>
-                            </a:prstClr>
-                          </a:solidFill>
-                          <a:latin typeface="DFKai-SB" panose="03000509000000000000" pitchFamily="65" charset="-120"/>
-                          <a:ea typeface="DFKai-SB" panose="03000509000000000000" pitchFamily="65" charset="-120"/>
-                        </a:rPr>
-                        <a:t>LCD</a:t>
-                      </a:r>
-                      <a:r>
-                        <a:rPr lang="zh-CN" altLang="en-US" sz="1800" dirty="0" smtClean="0">
-                          <a:solidFill>
-                            <a:prstClr val="black">
-                              <a:lumMod val="85000"/>
-                              <a:lumOff val="15000"/>
-                            </a:prstClr>
-                          </a:solidFill>
-                          <a:latin typeface="DFKai-SB" panose="03000509000000000000" pitchFamily="65" charset="-120"/>
-                          <a:ea typeface="DFKai-SB" panose="03000509000000000000" pitchFamily="65" charset="-120"/>
-                        </a:rPr>
-                        <a:t>屏上會顯示“</a:t>
-                      </a:r>
-                      <a:r>
-                        <a:rPr lang="zh-CN" altLang="en-US" sz="1800" dirty="0" smtClean="0">
-                          <a:solidFill>
-                            <a:srgbClr val="0070C0"/>
-                          </a:solidFill>
-                          <a:latin typeface="DFKai-SB" panose="03000509000000000000" pitchFamily="65" charset="-120"/>
-                          <a:ea typeface="DFKai-SB" panose="03000509000000000000" pitchFamily="65" charset="-120"/>
-                        </a:rPr>
-                        <a:t>歡迎使用陀螺儀機車警示裝置</a:t>
-                      </a:r>
-                      <a:r>
-                        <a:rPr lang="zh-CN" altLang="en-US" sz="1800" dirty="0" smtClean="0">
-                          <a:solidFill>
-                            <a:prstClr val="black">
-                              <a:lumMod val="85000"/>
-                              <a:lumOff val="15000"/>
-                            </a:prstClr>
-                          </a:solidFill>
-                          <a:latin typeface="DFKai-SB" panose="03000509000000000000" pitchFamily="65" charset="-120"/>
-                          <a:ea typeface="DFKai-SB" panose="03000509000000000000" pitchFamily="65" charset="-120"/>
-                        </a:rPr>
-                        <a:t>”，熄火停车后会显示“</a:t>
-                      </a:r>
-                      <a:r>
-                        <a:rPr lang="zh-CN" altLang="en-US" sz="1800" dirty="0" smtClean="0">
-                          <a:solidFill>
-                            <a:srgbClr val="0070C0"/>
-                          </a:solidFill>
-                          <a:latin typeface="DFKai-SB" panose="03000509000000000000" pitchFamily="65" charset="-120"/>
-                          <a:ea typeface="DFKai-SB" panose="03000509000000000000" pitchFamily="65" charset="-120"/>
-                        </a:rPr>
-                        <a:t>谢谢使用</a:t>
-                      </a:r>
-                      <a:r>
-                        <a:rPr lang="zh-CN" altLang="en-US" sz="1800" dirty="0" smtClean="0">
-                          <a:solidFill>
-                            <a:prstClr val="black">
-                              <a:lumMod val="85000"/>
-                              <a:lumOff val="15000"/>
-                            </a:prstClr>
-                          </a:solidFill>
-                          <a:latin typeface="DFKai-SB" panose="03000509000000000000" pitchFamily="65" charset="-120"/>
-                          <a:ea typeface="DFKai-SB" panose="03000509000000000000" pitchFamily="65" charset="-120"/>
-                        </a:rPr>
-                        <a:t>”。</a:t>
-                      </a:r>
-                      <a:endParaRPr lang="en-US" altLang="zh-CN" sz="1800" dirty="0" smtClean="0">
-                        <a:solidFill>
-                          <a:prstClr val="black">
-                            <a:lumMod val="85000"/>
-                            <a:lumOff val="15000"/>
-                          </a:prstClr>
-                        </a:solidFill>
-                        <a:latin typeface="DFKai-SB" panose="03000509000000000000" pitchFamily="65" charset="-120"/>
-                        <a:ea typeface="DFKai-SB" panose="03000509000000000000" pitchFamily="65" charset="-120"/>
-                      </a:endParaRPr>
-                    </a:p>
-                  </a:txBody>
-                  <a:tcPr/>
-                </a:tc>
-                <a:tc>
-                  <a:txBody>
-                    <a:bodyPr/>
-                    <a:lstStyle/>
-                    <a:p>
-                      <a:r>
-                        <a:rPr lang="zh-CN" altLang="en-US" sz="2400" dirty="0" smtClean="0">
-                          <a:solidFill>
-                            <a:schemeClr val="tx1"/>
-                          </a:solidFill>
-                          <a:latin typeface="DFKai-SB" panose="03000509000000000000" pitchFamily="65" charset="-120"/>
-                          <a:ea typeface="DFKai-SB" panose="03000509000000000000" pitchFamily="65" charset="-120"/>
-                        </a:rPr>
-                        <a:t>客戶</a:t>
-                      </a:r>
-                      <a:r>
-                        <a:rPr lang="en-US" altLang="zh-CN" sz="2400" dirty="0" smtClean="0">
-                          <a:solidFill>
-                            <a:schemeClr val="tx1"/>
-                          </a:solidFill>
-                          <a:latin typeface="DFKai-SB" panose="03000509000000000000" pitchFamily="65" charset="-120"/>
-                          <a:ea typeface="DFKai-SB" panose="03000509000000000000" pitchFamily="65" charset="-120"/>
-                        </a:rPr>
-                        <a:t>+</a:t>
-                      </a:r>
-                      <a:r>
-                        <a:rPr lang="zh-CN" altLang="en-US" sz="2400" dirty="0" smtClean="0">
-                          <a:solidFill>
-                            <a:schemeClr val="tx1"/>
-                          </a:solidFill>
-                          <a:latin typeface="DFKai-SB" panose="03000509000000000000" pitchFamily="65" charset="-120"/>
-                          <a:ea typeface="DFKai-SB" panose="03000509000000000000" pitchFamily="65" charset="-120"/>
-                        </a:rPr>
-                        <a:t>點火</a:t>
-                      </a:r>
-                      <a:r>
-                        <a:rPr lang="en-US" altLang="zh-CN" sz="2400" dirty="0" smtClean="0">
-                          <a:solidFill>
-                            <a:schemeClr val="tx1"/>
-                          </a:solidFill>
-                          <a:latin typeface="DFKai-SB" panose="03000509000000000000" pitchFamily="65" charset="-120"/>
-                          <a:ea typeface="DFKai-SB" panose="03000509000000000000" pitchFamily="65" charset="-120"/>
-                        </a:rPr>
-                        <a:t>+</a:t>
-                      </a:r>
-                      <a:r>
-                        <a:rPr lang="zh-CN" altLang="en-US" sz="2400" dirty="0" smtClean="0">
-                          <a:solidFill>
-                            <a:schemeClr val="tx1"/>
-                          </a:solidFill>
-                          <a:latin typeface="DFKai-SB" panose="03000509000000000000" pitchFamily="65" charset="-120"/>
-                          <a:ea typeface="DFKai-SB" panose="03000509000000000000" pitchFamily="65" charset="-120"/>
-                        </a:rPr>
-                        <a:t>機車</a:t>
-                      </a:r>
-                      <a:endParaRPr lang="en-US" altLang="zh-CN" sz="2400" dirty="0" smtClean="0">
-                        <a:solidFill>
-                          <a:schemeClr val="tx1"/>
-                        </a:solidFill>
-                        <a:latin typeface="DFKai-SB" panose="03000509000000000000" pitchFamily="65" charset="-120"/>
-                        <a:ea typeface="DFKai-SB" panose="03000509000000000000" pitchFamily="65" charset="-120"/>
-                      </a:endParaRPr>
-                    </a:p>
-                    <a:p>
-                      <a:r>
-                        <a:rPr lang="zh-CN" altLang="en-US" sz="2400" dirty="0" smtClean="0">
-                          <a:solidFill>
-                            <a:schemeClr val="tx1"/>
-                          </a:solidFill>
-                          <a:latin typeface="DFKai-SB" panose="03000509000000000000" pitchFamily="65" charset="-120"/>
-                          <a:ea typeface="DFKai-SB" panose="03000509000000000000" pitchFamily="65" charset="-120"/>
-                        </a:rPr>
-                        <a:t>客戶</a:t>
-                      </a:r>
-                      <a:r>
-                        <a:rPr lang="en-US" altLang="zh-CN" sz="2400" dirty="0" smtClean="0">
-                          <a:solidFill>
-                            <a:schemeClr val="tx1"/>
-                          </a:solidFill>
-                          <a:latin typeface="DFKai-SB" panose="03000509000000000000" pitchFamily="65" charset="-120"/>
-                          <a:ea typeface="DFKai-SB" panose="03000509000000000000" pitchFamily="65" charset="-120"/>
-                        </a:rPr>
-                        <a:t>+</a:t>
-                      </a:r>
-                      <a:r>
-                        <a:rPr lang="zh-CN" altLang="en-US" sz="2400" dirty="0" smtClean="0">
-                          <a:solidFill>
-                            <a:schemeClr val="tx1"/>
-                          </a:solidFill>
-                          <a:latin typeface="DFKai-SB" panose="03000509000000000000" pitchFamily="65" charset="-120"/>
-                          <a:ea typeface="DFKai-SB" panose="03000509000000000000" pitchFamily="65" charset="-120"/>
-                        </a:rPr>
-                        <a:t>讀取</a:t>
-                      </a:r>
-                      <a:r>
-                        <a:rPr lang="en-US" altLang="zh-CN" sz="2400" dirty="0" smtClean="0">
-                          <a:solidFill>
-                            <a:schemeClr val="tx1"/>
-                          </a:solidFill>
-                          <a:latin typeface="DFKai-SB" panose="03000509000000000000" pitchFamily="65" charset="-120"/>
-                          <a:ea typeface="DFKai-SB" panose="03000509000000000000" pitchFamily="65" charset="-120"/>
-                        </a:rPr>
-                        <a:t>+</a:t>
-                      </a:r>
-                      <a:r>
-                        <a:rPr lang="zh-CN" altLang="en-US" sz="2400" dirty="0" smtClean="0">
-                          <a:solidFill>
-                            <a:schemeClr val="tx1"/>
-                          </a:solidFill>
-                          <a:latin typeface="DFKai-SB" panose="03000509000000000000" pitchFamily="65" charset="-120"/>
-                          <a:ea typeface="DFKai-SB" panose="03000509000000000000" pitchFamily="65" charset="-120"/>
-                        </a:rPr>
-                        <a:t>感謝詞</a:t>
-                      </a:r>
-                      <a:endParaRPr lang="zh-CN" altLang="en-US" sz="2400" dirty="0">
-                        <a:solidFill>
-                          <a:schemeClr val="tx1"/>
-                        </a:solidFill>
-                        <a:latin typeface="DFKai-SB" panose="03000509000000000000" pitchFamily="65" charset="-120"/>
-                        <a:ea typeface="DFKai-SB" panose="03000509000000000000" pitchFamily="65" charset="-120"/>
-                      </a:endParaRPr>
-                    </a:p>
-                  </a:txBody>
-                  <a:tcPr/>
-                </a:tc>
-                <a:extLst>
-                  <a:ext uri="{0D108BD9-81ED-4DB2-BD59-A6C34878D82A}">
-                    <a16:rowId xmlns:a16="http://schemas.microsoft.com/office/drawing/2014/main" val="118071968"/>
-                  </a:ext>
-                </a:extLst>
-              </a:tr>
-              <a:tr h="1176619">
-                <a:tc>
-                  <a:txBody>
-                    <a:bodyPr/>
-                    <a:lstStyle/>
-                    <a:p>
-                      <a:pPr marL="0" marR="0" lvl="0" indent="0" algn="l" defTabSz="457200" rtl="0" eaLnBrk="1" fontAlgn="auto" latinLnBrk="0" hangingPunct="1">
-                        <a:lnSpc>
-                          <a:spcPct val="100000"/>
-                        </a:lnSpc>
-                        <a:spcBef>
-                          <a:spcPts val="0"/>
-                        </a:spcBef>
-                        <a:spcAft>
-                          <a:spcPts val="0"/>
-                        </a:spcAft>
-                        <a:buClrTx/>
-                        <a:buSzTx/>
-                        <a:buFontTx/>
-                        <a:buNone/>
-                        <a:tabLst/>
-                        <a:defRPr/>
-                      </a:pPr>
-                      <a:r>
-                        <a:rPr lang="en-US" altLang="zh-CN" sz="1800" dirty="0" smtClean="0">
-                          <a:solidFill>
-                            <a:prstClr val="black">
-                              <a:lumMod val="85000"/>
-                              <a:lumOff val="15000"/>
-                            </a:prstClr>
-                          </a:solidFill>
-                          <a:latin typeface="DFKai-SB" panose="03000509000000000000" pitchFamily="65" charset="-120"/>
-                          <a:ea typeface="DFKai-SB" panose="03000509000000000000" pitchFamily="65" charset="-120"/>
-                        </a:rPr>
-                        <a:t>2.</a:t>
-                      </a:r>
-                      <a:r>
-                        <a:rPr lang="zh-CN" altLang="en-US" sz="1800" dirty="0" smtClean="0">
-                          <a:solidFill>
-                            <a:prstClr val="black">
-                              <a:lumMod val="85000"/>
-                              <a:lumOff val="15000"/>
-                            </a:prstClr>
-                          </a:solidFill>
-                          <a:latin typeface="DFKai-SB" panose="03000509000000000000" pitchFamily="65" charset="-120"/>
-                          <a:ea typeface="DFKai-SB" panose="03000509000000000000" pitchFamily="65" charset="-120"/>
-                        </a:rPr>
-                        <a:t>客户騎車時，若車身過於傾斜，與警示裝置所連接的蜂鳴器便會發出“</a:t>
-                      </a:r>
-                      <a:r>
-                        <a:rPr lang="zh-CN" altLang="en-US" sz="1800" dirty="0" smtClean="0">
-                          <a:solidFill>
-                            <a:srgbClr val="FF0000"/>
-                          </a:solidFill>
-                          <a:latin typeface="DFKai-SB" panose="03000509000000000000" pitchFamily="65" charset="-120"/>
-                          <a:ea typeface="DFKai-SB" panose="03000509000000000000" pitchFamily="65" charset="-120"/>
-                        </a:rPr>
-                        <a:t>滴滴滴</a:t>
-                      </a:r>
-                      <a:r>
-                        <a:rPr lang="zh-CN" altLang="en-US" sz="1800" dirty="0" smtClean="0">
-                          <a:solidFill>
-                            <a:prstClr val="black">
-                              <a:lumMod val="85000"/>
-                              <a:lumOff val="15000"/>
-                            </a:prstClr>
-                          </a:solidFill>
-                          <a:latin typeface="DFKai-SB" panose="03000509000000000000" pitchFamily="65" charset="-120"/>
-                          <a:ea typeface="DFKai-SB" panose="03000509000000000000" pitchFamily="65" charset="-120"/>
-                        </a:rPr>
-                        <a:t>”的警報聲，以達到警示客戶的目的。</a:t>
-                      </a:r>
-                      <a:endParaRPr lang="en-US" altLang="zh-CN" sz="1800" dirty="0" smtClean="0">
-                        <a:solidFill>
-                          <a:prstClr val="black">
-                            <a:lumMod val="85000"/>
-                            <a:lumOff val="15000"/>
-                          </a:prstClr>
-                        </a:solidFill>
-                        <a:latin typeface="DFKai-SB" panose="03000509000000000000" pitchFamily="65" charset="-120"/>
-                        <a:ea typeface="DFKai-SB" panose="03000509000000000000" pitchFamily="65" charset="-120"/>
-                      </a:endParaRPr>
-                    </a:p>
-                  </a:txBody>
-                  <a:tcPr/>
-                </a:tc>
-                <a:tc>
-                  <a:txBody>
-                    <a:bodyPr/>
-                    <a:lstStyle/>
-                    <a:p>
-                      <a:r>
-                        <a:rPr lang="zh-CN" altLang="en-US" sz="2400" dirty="0" smtClean="0">
-                          <a:solidFill>
-                            <a:schemeClr val="tx1"/>
-                          </a:solidFill>
-                          <a:latin typeface="DFKai-SB" panose="03000509000000000000" pitchFamily="65" charset="-120"/>
-                          <a:ea typeface="DFKai-SB" panose="03000509000000000000" pitchFamily="65" charset="-120"/>
-                        </a:rPr>
-                        <a:t>客戶</a:t>
-                      </a:r>
-                      <a:r>
-                        <a:rPr lang="en-US" altLang="zh-CN" sz="2400" dirty="0" smtClean="0">
-                          <a:solidFill>
-                            <a:schemeClr val="tx1"/>
-                          </a:solidFill>
-                          <a:latin typeface="DFKai-SB" panose="03000509000000000000" pitchFamily="65" charset="-120"/>
-                          <a:ea typeface="DFKai-SB" panose="03000509000000000000" pitchFamily="65" charset="-120"/>
-                        </a:rPr>
-                        <a:t>+</a:t>
-                      </a:r>
-                      <a:r>
-                        <a:rPr lang="zh-CN" altLang="en-US" sz="2400" dirty="0" smtClean="0">
-                          <a:solidFill>
-                            <a:schemeClr val="tx1"/>
-                          </a:solidFill>
-                          <a:latin typeface="DFKai-SB" panose="03000509000000000000" pitchFamily="65" charset="-120"/>
-                          <a:ea typeface="DFKai-SB" panose="03000509000000000000" pitchFamily="65" charset="-120"/>
-                        </a:rPr>
-                        <a:t>聽到</a:t>
-                      </a:r>
-                      <a:r>
-                        <a:rPr lang="en-US" altLang="zh-CN" sz="2400" dirty="0" smtClean="0">
-                          <a:solidFill>
-                            <a:schemeClr val="tx1"/>
-                          </a:solidFill>
-                          <a:latin typeface="DFKai-SB" panose="03000509000000000000" pitchFamily="65" charset="-120"/>
-                          <a:ea typeface="DFKai-SB" panose="03000509000000000000" pitchFamily="65" charset="-120"/>
-                        </a:rPr>
-                        <a:t>+</a:t>
-                      </a:r>
-                      <a:r>
-                        <a:rPr lang="zh-CN" altLang="en-US" sz="2400" dirty="0" smtClean="0">
-                          <a:solidFill>
-                            <a:schemeClr val="tx1"/>
-                          </a:solidFill>
-                          <a:latin typeface="DFKai-SB" panose="03000509000000000000" pitchFamily="65" charset="-120"/>
-                          <a:ea typeface="DFKai-SB" panose="03000509000000000000" pitchFamily="65" charset="-120"/>
-                        </a:rPr>
-                        <a:t>警報聲</a:t>
-                      </a:r>
-                      <a:endParaRPr lang="zh-CN" altLang="en-US" sz="2400" dirty="0">
-                        <a:solidFill>
-                          <a:schemeClr val="tx1"/>
-                        </a:solidFill>
-                        <a:latin typeface="DFKai-SB" panose="03000509000000000000" pitchFamily="65" charset="-120"/>
-                        <a:ea typeface="DFKai-SB" panose="03000509000000000000" pitchFamily="65" charset="-120"/>
-                      </a:endParaRPr>
-                    </a:p>
-                  </a:txBody>
-                  <a:tcPr/>
-                </a:tc>
-                <a:extLst>
-                  <a:ext uri="{0D108BD9-81ED-4DB2-BD59-A6C34878D82A}">
-                    <a16:rowId xmlns:a16="http://schemas.microsoft.com/office/drawing/2014/main" val="3665926703"/>
-                  </a:ext>
-                </a:extLst>
-              </a:tr>
-              <a:tr h="1176619">
-                <a:tc>
-                  <a:txBody>
-                    <a:bodyPr/>
-                    <a:lstStyle/>
-                    <a:p>
-                      <a:pPr marL="0" marR="0" lvl="0" indent="0" algn="l" defTabSz="457200" rtl="0" eaLnBrk="1" fontAlgn="auto" latinLnBrk="0" hangingPunct="1">
-                        <a:lnSpc>
-                          <a:spcPct val="100000"/>
-                        </a:lnSpc>
-                        <a:spcBef>
-                          <a:spcPts val="0"/>
-                        </a:spcBef>
-                        <a:spcAft>
-                          <a:spcPts val="0"/>
-                        </a:spcAft>
-                        <a:buClrTx/>
-                        <a:buSzTx/>
-                        <a:buFontTx/>
-                        <a:buNone/>
-                        <a:tabLst/>
-                        <a:defRPr/>
-                      </a:pPr>
-                      <a:r>
-                        <a:rPr lang="en-US" altLang="zh-CN" sz="1800" dirty="0" smtClean="0">
-                          <a:solidFill>
-                            <a:prstClr val="black">
-                              <a:lumMod val="85000"/>
-                              <a:lumOff val="15000"/>
-                            </a:prstClr>
-                          </a:solidFill>
-                          <a:latin typeface="DFKai-SB" panose="03000509000000000000" pitchFamily="65" charset="-120"/>
-                          <a:ea typeface="DFKai-SB" panose="03000509000000000000" pitchFamily="65" charset="-120"/>
-                        </a:rPr>
-                        <a:t>3.</a:t>
-                      </a:r>
-                      <a:r>
-                        <a:rPr lang="zh-CN" altLang="en-US" sz="1800" dirty="0" smtClean="0">
-                          <a:solidFill>
-                            <a:prstClr val="black">
-                              <a:lumMod val="85000"/>
-                              <a:lumOff val="15000"/>
-                            </a:prstClr>
-                          </a:solidFill>
-                          <a:latin typeface="DFKai-SB" panose="03000509000000000000" pitchFamily="65" charset="-120"/>
-                          <a:ea typeface="DFKai-SB" panose="03000509000000000000" pitchFamily="65" charset="-120"/>
-                        </a:rPr>
-                        <a:t>蜂鳴器發出警報聲的同時，警示裝置也會將此時的傾斜角度顯示在</a:t>
-                      </a:r>
-                      <a:r>
-                        <a:rPr lang="en-US" altLang="zh-CN" sz="1800" dirty="0" smtClean="0">
-                          <a:solidFill>
-                            <a:prstClr val="black">
-                              <a:lumMod val="85000"/>
-                              <a:lumOff val="15000"/>
-                            </a:prstClr>
-                          </a:solidFill>
-                          <a:latin typeface="DFKai-SB" panose="03000509000000000000" pitchFamily="65" charset="-120"/>
-                          <a:ea typeface="DFKai-SB" panose="03000509000000000000" pitchFamily="65" charset="-120"/>
-                        </a:rPr>
-                        <a:t>LCD</a:t>
-                      </a:r>
-                      <a:r>
-                        <a:rPr lang="zh-CN" altLang="en-US" sz="1800" dirty="0" smtClean="0">
-                          <a:solidFill>
-                            <a:prstClr val="black">
-                              <a:lumMod val="85000"/>
-                              <a:lumOff val="15000"/>
-                            </a:prstClr>
-                          </a:solidFill>
-                          <a:latin typeface="DFKai-SB" panose="03000509000000000000" pitchFamily="65" charset="-120"/>
-                          <a:ea typeface="DFKai-SB" panose="03000509000000000000" pitchFamily="65" charset="-120"/>
-                        </a:rPr>
-                        <a:t>顯示屏上，並將此數據記錄並傳輸會手機上製作的對應的</a:t>
-                      </a:r>
-                      <a:r>
-                        <a:rPr lang="en-US" altLang="zh-CN" sz="1800" dirty="0" smtClean="0">
-                          <a:solidFill>
-                            <a:prstClr val="black">
-                              <a:lumMod val="85000"/>
-                              <a:lumOff val="15000"/>
-                            </a:prstClr>
-                          </a:solidFill>
-                          <a:latin typeface="DFKai-SB" panose="03000509000000000000" pitchFamily="65" charset="-120"/>
-                          <a:ea typeface="DFKai-SB" panose="03000509000000000000" pitchFamily="65" charset="-120"/>
-                        </a:rPr>
-                        <a:t>app</a:t>
-                      </a:r>
-                      <a:r>
-                        <a:rPr lang="zh-CN" altLang="en-US" sz="1800" dirty="0" smtClean="0">
-                          <a:solidFill>
-                            <a:prstClr val="black">
-                              <a:lumMod val="85000"/>
-                              <a:lumOff val="15000"/>
-                            </a:prstClr>
-                          </a:solidFill>
-                          <a:latin typeface="DFKai-SB" panose="03000509000000000000" pitchFamily="65" charset="-120"/>
-                          <a:ea typeface="DFKai-SB" panose="03000509000000000000" pitchFamily="65" charset="-120"/>
-                        </a:rPr>
-                        <a:t>中，以便客戶之後進行確認與校準。</a:t>
-                      </a:r>
-                    </a:p>
-                  </a:txBody>
-                  <a:tcPr/>
-                </a:tc>
-                <a:tc>
-                  <a:txBody>
-                    <a:bodyPr/>
-                    <a:lstStyle/>
-                    <a:p>
-                      <a:r>
-                        <a:rPr lang="zh-CN" altLang="en-US" sz="2400" dirty="0" smtClean="0">
-                          <a:solidFill>
-                            <a:schemeClr val="tx1"/>
-                          </a:solidFill>
-                          <a:latin typeface="DFKai-SB" panose="03000509000000000000" pitchFamily="65" charset="-120"/>
-                          <a:ea typeface="DFKai-SB" panose="03000509000000000000" pitchFamily="65" charset="-120"/>
-                        </a:rPr>
-                        <a:t>客戶</a:t>
-                      </a:r>
-                      <a:r>
-                        <a:rPr lang="en-US" altLang="zh-CN" sz="2400" dirty="0" smtClean="0">
-                          <a:solidFill>
-                            <a:schemeClr val="tx1"/>
-                          </a:solidFill>
-                          <a:latin typeface="DFKai-SB" panose="03000509000000000000" pitchFamily="65" charset="-120"/>
-                          <a:ea typeface="DFKai-SB" panose="03000509000000000000" pitchFamily="65" charset="-120"/>
-                        </a:rPr>
-                        <a:t>+</a:t>
-                      </a:r>
-                      <a:r>
-                        <a:rPr lang="zh-CN" altLang="en-US" sz="2400" dirty="0" smtClean="0">
-                          <a:solidFill>
-                            <a:schemeClr val="tx1"/>
-                          </a:solidFill>
-                          <a:latin typeface="DFKai-SB" panose="03000509000000000000" pitchFamily="65" charset="-120"/>
-                          <a:ea typeface="DFKai-SB" panose="03000509000000000000" pitchFamily="65" charset="-120"/>
-                        </a:rPr>
-                        <a:t>讀取</a:t>
-                      </a:r>
-                      <a:r>
-                        <a:rPr lang="en-US" altLang="zh-CN" sz="2400" dirty="0" smtClean="0">
-                          <a:solidFill>
-                            <a:schemeClr val="tx1"/>
-                          </a:solidFill>
-                          <a:latin typeface="DFKai-SB" panose="03000509000000000000" pitchFamily="65" charset="-120"/>
-                          <a:ea typeface="DFKai-SB" panose="03000509000000000000" pitchFamily="65" charset="-120"/>
-                        </a:rPr>
-                        <a:t>+</a:t>
-                      </a:r>
-                      <a:r>
-                        <a:rPr lang="zh-CN" altLang="en-US" sz="2400" dirty="0" smtClean="0">
-                          <a:solidFill>
-                            <a:schemeClr val="tx1"/>
-                          </a:solidFill>
-                          <a:latin typeface="DFKai-SB" panose="03000509000000000000" pitchFamily="65" charset="-120"/>
-                          <a:ea typeface="DFKai-SB" panose="03000509000000000000" pitchFamily="65" charset="-120"/>
-                        </a:rPr>
-                        <a:t>信息</a:t>
-                      </a:r>
-                      <a:endParaRPr lang="en-US" altLang="zh-CN" sz="2400" dirty="0" smtClean="0">
-                        <a:solidFill>
-                          <a:schemeClr val="tx1"/>
-                        </a:solidFill>
-                        <a:latin typeface="DFKai-SB" panose="03000509000000000000" pitchFamily="65" charset="-120"/>
-                        <a:ea typeface="DFKai-SB" panose="03000509000000000000" pitchFamily="65" charset="-120"/>
-                      </a:endParaRPr>
-                    </a:p>
-                    <a:p>
-                      <a:r>
-                        <a:rPr lang="zh-CN" altLang="en-US" sz="2400" dirty="0" smtClean="0">
-                          <a:solidFill>
-                            <a:schemeClr val="tx1"/>
-                          </a:solidFill>
-                          <a:latin typeface="DFKai-SB" panose="03000509000000000000" pitchFamily="65" charset="-120"/>
-                          <a:ea typeface="DFKai-SB" panose="03000509000000000000" pitchFamily="65" charset="-120"/>
-                        </a:rPr>
-                        <a:t>客戶</a:t>
-                      </a:r>
-                      <a:r>
-                        <a:rPr lang="en-US" altLang="zh-CN" sz="2400" dirty="0" smtClean="0">
-                          <a:solidFill>
-                            <a:schemeClr val="tx1"/>
-                          </a:solidFill>
-                          <a:latin typeface="DFKai-SB" panose="03000509000000000000" pitchFamily="65" charset="-120"/>
-                          <a:ea typeface="DFKai-SB" panose="03000509000000000000" pitchFamily="65" charset="-120"/>
-                        </a:rPr>
-                        <a:t>+</a:t>
-                      </a:r>
-                      <a:r>
-                        <a:rPr lang="zh-CN" altLang="en-US" sz="2400" dirty="0" smtClean="0">
-                          <a:solidFill>
-                            <a:schemeClr val="tx1"/>
-                          </a:solidFill>
-                          <a:latin typeface="DFKai-SB" panose="03000509000000000000" pitchFamily="65" charset="-120"/>
-                          <a:ea typeface="DFKai-SB" panose="03000509000000000000" pitchFamily="65" charset="-120"/>
-                        </a:rPr>
-                        <a:t>校準</a:t>
-                      </a:r>
-                      <a:r>
-                        <a:rPr lang="en-US" altLang="zh-CN" sz="2400" dirty="0" smtClean="0">
-                          <a:solidFill>
-                            <a:schemeClr val="tx1"/>
-                          </a:solidFill>
-                          <a:latin typeface="DFKai-SB" panose="03000509000000000000" pitchFamily="65" charset="-120"/>
-                          <a:ea typeface="DFKai-SB" panose="03000509000000000000" pitchFamily="65" charset="-120"/>
-                        </a:rPr>
-                        <a:t>+</a:t>
-                      </a:r>
-                      <a:r>
-                        <a:rPr lang="zh-CN" altLang="en-US" sz="2400" dirty="0" smtClean="0">
-                          <a:solidFill>
-                            <a:schemeClr val="tx1"/>
-                          </a:solidFill>
-                          <a:latin typeface="DFKai-SB" panose="03000509000000000000" pitchFamily="65" charset="-120"/>
-                          <a:ea typeface="DFKai-SB" panose="03000509000000000000" pitchFamily="65" charset="-120"/>
-                        </a:rPr>
-                        <a:t>裝置</a:t>
-                      </a:r>
-                      <a:endParaRPr lang="zh-CN" altLang="en-US" sz="2400" dirty="0">
-                        <a:solidFill>
-                          <a:schemeClr val="tx1"/>
-                        </a:solidFill>
-                        <a:latin typeface="DFKai-SB" panose="03000509000000000000" pitchFamily="65" charset="-120"/>
-                        <a:ea typeface="DFKai-SB" panose="03000509000000000000" pitchFamily="65" charset="-120"/>
-                      </a:endParaRPr>
-                    </a:p>
-                  </a:txBody>
-                  <a:tcPr/>
-                </a:tc>
-                <a:extLst>
-                  <a:ext uri="{0D108BD9-81ED-4DB2-BD59-A6C34878D82A}">
-                    <a16:rowId xmlns:a16="http://schemas.microsoft.com/office/drawing/2014/main" val="3964174122"/>
-                  </a:ext>
-                </a:extLst>
-              </a:tr>
-            </a:tbl>
-          </a:graphicData>
-        </a:graphic>
-      </p:graphicFrame>
-    </p:spTree>
-    <p:extLst>
-      <p:ext uri="{BB962C8B-B14F-4D97-AF65-F5344CB8AC3E}">
-        <p14:creationId xmlns:p14="http://schemas.microsoft.com/office/powerpoint/2010/main" val="758004190"/>
-      </p:ext>
-    </p:extLst>
-  </p:cSld>
-  <p:clrMapOvr>
-    <a:masterClrMapping/>
-  </p:clrMapOvr>
-  <p:timing>
-    <p:tnLst>
-      <p:par>
-        <p:cTn id="1" dur="indefinite" restart="never" nodeType="tmRoot"/>
-      </p:par>
-    </p:tnLst>
-  </p:timing>
-</p:sld>
-</file>
-
-<file path=ppt/slides/slide12.xml><?xml version="1.0" encoding="utf-8"?>
-<p:sld xmlns:a="http://schemas.openxmlformats.org/drawingml/2006/main" xmlns:r="http://schemas.openxmlformats.org/officeDocument/2006/relationships" xmlns:p="http://schemas.openxmlformats.org/presentationml/2006/main">
-  <p:cSld>
-    <p:spTree>
-      <p:nvGrpSpPr>
-        <p:cNvPr id="1" name=""/>
-        <p:cNvGrpSpPr/>
-        <p:nvPr/>
-      </p:nvGrpSpPr>
-      <p:grpSpPr>
-        <a:xfrm>
-          <a:off x="0" y="0"/>
-          <a:ext cx="0" cy="0"/>
-          <a:chOff x="0" y="0"/>
-          <a:chExt cx="0" cy="0"/>
-        </a:xfrm>
-      </p:grpSpPr>
-      <p:sp>
-        <p:nvSpPr>
-          <p:cNvPr id="4" name="投影片編號版面配置區 3"/>
-          <p:cNvSpPr>
-            <a:spLocks noGrp="1"/>
-          </p:cNvSpPr>
-          <p:nvPr>
-            <p:ph type="sldNum" sz="quarter" idx="12"/>
-          </p:nvPr>
-        </p:nvSpPr>
-        <p:spPr/>
-        <p:txBody>
-          <a:bodyPr/>
-          <a:lstStyle/>
-          <a:p>
-            <a:fld id="{80E16380-4998-42C3-B033-270161A8BE6B}" type="slidenum">
-              <a:rPr lang="zh-TW" altLang="en-US" smtClean="0"/>
-              <a:t>12</a:t>
-            </a:fld>
-            <a:endParaRPr lang="zh-TW" altLang="en-US"/>
-          </a:p>
-        </p:txBody>
-      </p:sp>
-      <p:graphicFrame>
-        <p:nvGraphicFramePr>
-          <p:cNvPr id="6" name="表格 5"/>
-          <p:cNvGraphicFramePr>
-            <a:graphicFrameLocks noGrp="1"/>
-          </p:cNvGraphicFramePr>
-          <p:nvPr>
-            <p:extLst>
-              <p:ext uri="{D42A27DB-BD31-4B8C-83A1-F6EECF244321}">
-                <p14:modId xmlns:p14="http://schemas.microsoft.com/office/powerpoint/2010/main" val="2531321533"/>
-              </p:ext>
-            </p:extLst>
-          </p:nvPr>
-        </p:nvGraphicFramePr>
-        <p:xfrm>
-          <a:off x="1484091" y="1141303"/>
-          <a:ext cx="6192056" cy="4819230"/>
-        </p:xfrm>
-        <a:graphic>
-          <a:graphicData uri="http://schemas.openxmlformats.org/drawingml/2006/table">
-            <a:tbl>
-              <a:tblPr firstRow="1" bandRow="1">
-                <a:tableStyleId>{D113A9D2-9D6B-4929-AA2D-F23B5EE8CBE7}</a:tableStyleId>
-              </a:tblPr>
-              <a:tblGrid>
-                <a:gridCol w="3096028">
-                  <a:extLst>
-                    <a:ext uri="{9D8B030D-6E8A-4147-A177-3AD203B41FA5}">
-                      <a16:colId xmlns:a16="http://schemas.microsoft.com/office/drawing/2014/main" val="575654118"/>
-                    </a:ext>
-                  </a:extLst>
-                </a:gridCol>
-                <a:gridCol w="3096028">
-                  <a:extLst>
-                    <a:ext uri="{9D8B030D-6E8A-4147-A177-3AD203B41FA5}">
-                      <a16:colId xmlns:a16="http://schemas.microsoft.com/office/drawing/2014/main" val="2310419058"/>
-                    </a:ext>
-                  </a:extLst>
-                </a:gridCol>
-              </a:tblGrid>
-              <a:tr h="731902">
-                <a:tc>
-                  <a:txBody>
-                    <a:bodyPr/>
-                    <a:lstStyle/>
-                    <a:p>
-                      <a:r>
-                        <a:rPr lang="zh-CN" altLang="en-US" sz="3200" dirty="0" smtClean="0">
-                          <a:latin typeface="DFKai-SB" panose="03000509000000000000" pitchFamily="65" charset="-120"/>
-                          <a:ea typeface="DFKai-SB" panose="03000509000000000000" pitchFamily="65" charset="-120"/>
-                        </a:rPr>
-                        <a:t>描述性項目</a:t>
-                      </a:r>
-                      <a:endParaRPr lang="zh-CN" altLang="en-US" sz="3200" dirty="0">
-                        <a:latin typeface="DFKai-SB" panose="03000509000000000000" pitchFamily="65" charset="-120"/>
-                        <a:ea typeface="DFKai-SB" panose="03000509000000000000" pitchFamily="65" charset="-120"/>
-                      </a:endParaRPr>
-                    </a:p>
-                  </a:txBody>
-                  <a:tcPr/>
-                </a:tc>
-                <a:tc>
-                  <a:txBody>
-                    <a:bodyPr/>
-                    <a:lstStyle/>
-                    <a:p>
-                      <a:r>
-                        <a:rPr lang="zh-CN" altLang="en-US" sz="3200" dirty="0" smtClean="0">
-                          <a:latin typeface="DFKai-SB" panose="03000509000000000000" pitchFamily="65" charset="-120"/>
-                          <a:ea typeface="DFKai-SB" panose="03000509000000000000" pitchFamily="65" charset="-120"/>
-                        </a:rPr>
-                        <a:t>事件條列式</a:t>
-                      </a:r>
-                      <a:endParaRPr lang="zh-CN" altLang="en-US" sz="3200" dirty="0">
-                        <a:latin typeface="DFKai-SB" panose="03000509000000000000" pitchFamily="65" charset="-120"/>
-                        <a:ea typeface="DFKai-SB" panose="03000509000000000000" pitchFamily="65" charset="-120"/>
-                      </a:endParaRPr>
-                    </a:p>
-                  </a:txBody>
-                  <a:tcPr/>
-                </a:tc>
-                <a:extLst>
-                  <a:ext uri="{0D108BD9-81ED-4DB2-BD59-A6C34878D82A}">
-                    <a16:rowId xmlns:a16="http://schemas.microsoft.com/office/drawing/2014/main" val="4229939552"/>
-                  </a:ext>
-                </a:extLst>
-              </a:tr>
-              <a:tr h="1460661">
-                <a:tc>
-                  <a:txBody>
-                    <a:bodyPr/>
-                    <a:lstStyle/>
-                    <a:p>
-                      <a:pPr marL="0" marR="0" lvl="0" indent="0" algn="l" defTabSz="457200" rtl="0" eaLnBrk="1" fontAlgn="auto" latinLnBrk="0" hangingPunct="1">
-                        <a:lnSpc>
-                          <a:spcPct val="100000"/>
-                        </a:lnSpc>
-                        <a:spcBef>
-                          <a:spcPts val="0"/>
-                        </a:spcBef>
-                        <a:spcAft>
-                          <a:spcPts val="0"/>
-                        </a:spcAft>
-                        <a:buClrTx/>
-                        <a:buSzTx/>
-                        <a:buFontTx/>
-                        <a:buNone/>
-                        <a:tabLst/>
-                        <a:defRPr/>
-                      </a:pPr>
-                      <a:r>
-                        <a:rPr lang="en-US" altLang="zh-CN" sz="2000" dirty="0" smtClean="0">
-                          <a:solidFill>
-                            <a:schemeClr val="tx1"/>
-                          </a:solidFill>
-                          <a:latin typeface="DFKai-SB" panose="03000509000000000000" pitchFamily="65" charset="-120"/>
-                          <a:ea typeface="DFKai-SB" panose="03000509000000000000" pitchFamily="65" charset="-120"/>
-                        </a:rPr>
-                        <a:t>4. </a:t>
-                      </a:r>
-                      <a:r>
-                        <a:rPr lang="zh-CN" altLang="en-US" sz="2000" dirty="0" smtClean="0">
-                          <a:solidFill>
-                            <a:schemeClr val="tx1"/>
-                          </a:solidFill>
-                          <a:latin typeface="DFKai-SB" panose="03000509000000000000" pitchFamily="65" charset="-120"/>
-                          <a:ea typeface="DFKai-SB" panose="03000509000000000000" pitchFamily="65" charset="-120"/>
-                        </a:rPr>
-                        <a:t>與警示裝置連接的</a:t>
-                      </a:r>
-                      <a:r>
-                        <a:rPr lang="en-US" altLang="zh-CN" sz="2000" dirty="0" smtClean="0">
-                          <a:solidFill>
-                            <a:schemeClr val="tx1"/>
-                          </a:solidFill>
-                          <a:latin typeface="DFKai-SB" panose="03000509000000000000" pitchFamily="65" charset="-120"/>
-                          <a:ea typeface="DFKai-SB" panose="03000509000000000000" pitchFamily="65" charset="-120"/>
-                        </a:rPr>
-                        <a:t>GPS</a:t>
-                      </a:r>
-                      <a:r>
-                        <a:rPr lang="zh-CN" altLang="en-US" sz="2000" dirty="0" smtClean="0">
-                          <a:solidFill>
-                            <a:schemeClr val="tx1"/>
-                          </a:solidFill>
-                          <a:latin typeface="DFKai-SB" panose="03000509000000000000" pitchFamily="65" charset="-120"/>
-                          <a:ea typeface="DFKai-SB" panose="03000509000000000000" pitchFamily="65" charset="-120"/>
-                        </a:rPr>
-                        <a:t>也會記錄使用者的機車傾斜角度過大時所在的具體位置，並傳回手機中的</a:t>
-                      </a:r>
-                      <a:r>
-                        <a:rPr lang="en-US" altLang="zh-CN" sz="2000" dirty="0" smtClean="0">
-                          <a:solidFill>
-                            <a:schemeClr val="tx1"/>
-                          </a:solidFill>
-                          <a:latin typeface="DFKai-SB" panose="03000509000000000000" pitchFamily="65" charset="-120"/>
-                          <a:ea typeface="DFKai-SB" panose="03000509000000000000" pitchFamily="65" charset="-120"/>
-                        </a:rPr>
-                        <a:t>app</a:t>
-                      </a:r>
-                      <a:r>
-                        <a:rPr lang="zh-CN" altLang="en-US" sz="2000" dirty="0" smtClean="0">
-                          <a:solidFill>
-                            <a:schemeClr val="tx1"/>
-                          </a:solidFill>
-                          <a:latin typeface="DFKai-SB" panose="03000509000000000000" pitchFamily="65" charset="-120"/>
-                          <a:ea typeface="DFKai-SB" panose="03000509000000000000" pitchFamily="65" charset="-120"/>
-                        </a:rPr>
-                        <a:t>。</a:t>
-                      </a:r>
-                      <a:endParaRPr lang="en-US" altLang="zh-CN" sz="2000" dirty="0" smtClean="0">
-                        <a:solidFill>
-                          <a:schemeClr val="tx1"/>
-                        </a:solidFill>
-                        <a:latin typeface="DFKai-SB" panose="03000509000000000000" pitchFamily="65" charset="-120"/>
-                        <a:ea typeface="DFKai-SB" panose="03000509000000000000" pitchFamily="65" charset="-120"/>
-                      </a:endParaRPr>
-                    </a:p>
-                  </a:txBody>
-                  <a:tcPr/>
-                </a:tc>
-                <a:tc>
-                  <a:txBody>
-                    <a:bodyPr/>
-                    <a:lstStyle/>
-                    <a:p>
-                      <a:r>
-                        <a:rPr lang="en-US" altLang="zh-CN" sz="2400" dirty="0" smtClean="0">
-                          <a:solidFill>
-                            <a:schemeClr val="tx1"/>
-                          </a:solidFill>
-                          <a:latin typeface="DFKai-SB" panose="03000509000000000000" pitchFamily="65" charset="-120"/>
-                          <a:ea typeface="DFKai-SB" panose="03000509000000000000" pitchFamily="65" charset="-120"/>
-                        </a:rPr>
-                        <a:t>GPS+</a:t>
-                      </a:r>
-                      <a:r>
-                        <a:rPr lang="zh-CN" altLang="en-US" sz="2400" dirty="0" smtClean="0">
-                          <a:solidFill>
-                            <a:schemeClr val="tx1"/>
-                          </a:solidFill>
-                          <a:latin typeface="DFKai-SB" panose="03000509000000000000" pitchFamily="65" charset="-120"/>
-                          <a:ea typeface="DFKai-SB" panose="03000509000000000000" pitchFamily="65" charset="-120"/>
-                        </a:rPr>
-                        <a:t>記錄</a:t>
-                      </a:r>
-                      <a:r>
-                        <a:rPr lang="en-US" altLang="zh-CN" sz="2400" dirty="0" smtClean="0">
-                          <a:solidFill>
-                            <a:schemeClr val="tx1"/>
-                          </a:solidFill>
-                          <a:latin typeface="DFKai-SB" panose="03000509000000000000" pitchFamily="65" charset="-120"/>
-                          <a:ea typeface="DFKai-SB" panose="03000509000000000000" pitchFamily="65" charset="-120"/>
-                        </a:rPr>
-                        <a:t>+</a:t>
-                      </a:r>
-                      <a:r>
-                        <a:rPr lang="zh-CN" altLang="en-US" sz="2400" dirty="0" smtClean="0">
-                          <a:solidFill>
-                            <a:schemeClr val="tx1"/>
-                          </a:solidFill>
-                          <a:latin typeface="DFKai-SB" panose="03000509000000000000" pitchFamily="65" charset="-120"/>
-                          <a:ea typeface="DFKai-SB" panose="03000509000000000000" pitchFamily="65" charset="-120"/>
-                        </a:rPr>
-                        <a:t>信息</a:t>
-                      </a:r>
-                      <a:endParaRPr lang="en-US" altLang="zh-CN" sz="2400" dirty="0" smtClean="0">
-                        <a:solidFill>
-                          <a:schemeClr val="tx1"/>
-                        </a:solidFill>
-                        <a:latin typeface="DFKai-SB" panose="03000509000000000000" pitchFamily="65" charset="-120"/>
-                        <a:ea typeface="DFKai-SB" panose="03000509000000000000" pitchFamily="65" charset="-120"/>
-                      </a:endParaRPr>
-                    </a:p>
-                    <a:p>
-                      <a:r>
-                        <a:rPr lang="zh-CN" altLang="en-US" sz="2400" dirty="0" smtClean="0">
-                          <a:solidFill>
-                            <a:schemeClr val="tx1"/>
-                          </a:solidFill>
-                          <a:latin typeface="DFKai-SB" panose="03000509000000000000" pitchFamily="65" charset="-120"/>
-                          <a:ea typeface="DFKai-SB" panose="03000509000000000000" pitchFamily="65" charset="-120"/>
-                        </a:rPr>
-                        <a:t>裝置</a:t>
-                      </a:r>
-                      <a:r>
-                        <a:rPr lang="en-US" altLang="zh-CN" sz="2400" dirty="0" smtClean="0">
-                          <a:solidFill>
-                            <a:schemeClr val="tx1"/>
-                          </a:solidFill>
-                          <a:latin typeface="DFKai-SB" panose="03000509000000000000" pitchFamily="65" charset="-120"/>
-                          <a:ea typeface="DFKai-SB" panose="03000509000000000000" pitchFamily="65" charset="-120"/>
-                        </a:rPr>
-                        <a:t>+</a:t>
-                      </a:r>
-                      <a:r>
-                        <a:rPr lang="zh-CN" altLang="en-US" sz="2400" dirty="0" smtClean="0">
-                          <a:solidFill>
-                            <a:schemeClr val="tx1"/>
-                          </a:solidFill>
-                          <a:latin typeface="DFKai-SB" panose="03000509000000000000" pitchFamily="65" charset="-120"/>
-                          <a:ea typeface="DFKai-SB" panose="03000509000000000000" pitchFamily="65" charset="-120"/>
-                        </a:rPr>
-                        <a:t>傳輸</a:t>
-                      </a:r>
-                      <a:r>
-                        <a:rPr lang="en-US" altLang="zh-CN" sz="2400" dirty="0" smtClean="0">
-                          <a:solidFill>
-                            <a:schemeClr val="tx1"/>
-                          </a:solidFill>
-                          <a:latin typeface="DFKai-SB" panose="03000509000000000000" pitchFamily="65" charset="-120"/>
-                          <a:ea typeface="DFKai-SB" panose="03000509000000000000" pitchFamily="65" charset="-120"/>
-                        </a:rPr>
-                        <a:t>+</a:t>
-                      </a:r>
-                      <a:r>
-                        <a:rPr lang="zh-CN" altLang="en-US" sz="2400" dirty="0" smtClean="0">
-                          <a:solidFill>
-                            <a:schemeClr val="tx1"/>
-                          </a:solidFill>
-                          <a:latin typeface="DFKai-SB" panose="03000509000000000000" pitchFamily="65" charset="-120"/>
-                          <a:ea typeface="DFKai-SB" panose="03000509000000000000" pitchFamily="65" charset="-120"/>
-                        </a:rPr>
-                        <a:t>信息</a:t>
-                      </a:r>
-                      <a:endParaRPr lang="en-US" altLang="zh-CN" sz="2400" dirty="0" smtClean="0">
-                        <a:solidFill>
-                          <a:schemeClr val="tx1"/>
-                        </a:solidFill>
-                        <a:latin typeface="DFKai-SB" panose="03000509000000000000" pitchFamily="65" charset="-120"/>
-                        <a:ea typeface="DFKai-SB" panose="03000509000000000000" pitchFamily="65" charset="-120"/>
-                      </a:endParaRPr>
-                    </a:p>
-                  </a:txBody>
-                  <a:tcPr/>
-                </a:tc>
-                <a:extLst>
-                  <a:ext uri="{0D108BD9-81ED-4DB2-BD59-A6C34878D82A}">
-                    <a16:rowId xmlns:a16="http://schemas.microsoft.com/office/drawing/2014/main" val="118071968"/>
-                  </a:ext>
-                </a:extLst>
-              </a:tr>
-              <a:tr h="2471888">
-                <a:tc>
-                  <a:txBody>
-                    <a:bodyPr/>
-                    <a:lstStyle/>
-                    <a:p>
-                      <a:pPr marL="0" marR="0" lvl="0" indent="0" algn="l" defTabSz="457200" rtl="0" eaLnBrk="1" fontAlgn="auto" latinLnBrk="0" hangingPunct="1">
-                        <a:lnSpc>
-                          <a:spcPct val="100000"/>
-                        </a:lnSpc>
-                        <a:spcBef>
-                          <a:spcPts val="0"/>
-                        </a:spcBef>
-                        <a:spcAft>
-                          <a:spcPts val="0"/>
-                        </a:spcAft>
-                        <a:buClrTx/>
-                        <a:buSzTx/>
-                        <a:buFontTx/>
-                        <a:buNone/>
-                        <a:tabLst/>
-                        <a:defRPr/>
-                      </a:pPr>
-                      <a:r>
-                        <a:rPr lang="en-US" altLang="zh-TW" sz="2000" dirty="0" smtClean="0">
-                          <a:solidFill>
-                            <a:prstClr val="black">
-                              <a:lumMod val="85000"/>
-                              <a:lumOff val="15000"/>
-                            </a:prstClr>
-                          </a:solidFill>
-                          <a:latin typeface="DFKai-SB" panose="03000509000000000000" pitchFamily="65" charset="-120"/>
-                          <a:ea typeface="DFKai-SB" panose="03000509000000000000" pitchFamily="65" charset="-120"/>
-                        </a:rPr>
-                        <a:t>5. app</a:t>
-                      </a:r>
-                      <a:r>
-                        <a:rPr lang="zh-TW" altLang="en-US" sz="2000" dirty="0" smtClean="0">
-                          <a:solidFill>
-                            <a:prstClr val="black">
-                              <a:lumMod val="85000"/>
-                              <a:lumOff val="15000"/>
-                            </a:prstClr>
-                          </a:solidFill>
-                          <a:latin typeface="DFKai-SB" panose="03000509000000000000" pitchFamily="65" charset="-120"/>
-                          <a:ea typeface="DFKai-SB" panose="03000509000000000000" pitchFamily="65" charset="-120"/>
-                        </a:rPr>
-                        <a:t>中客戶的數據也會上傳到製作者的系統服務器中，讓製作者能夠統計什麼樣的客戶人群在什麼樣的路段容易出現“壓車”的情況，對警示裝置做出調整，提前提醒使用者。</a:t>
-                      </a:r>
-                    </a:p>
-                  </a:txBody>
-                  <a:tcPr/>
-                </a:tc>
-                <a:tc>
-                  <a:txBody>
-                    <a:bodyPr/>
-                    <a:lstStyle/>
-                    <a:p>
-                      <a:r>
-                        <a:rPr lang="en-US" altLang="zh-CN" sz="2400" dirty="0" smtClean="0">
-                          <a:solidFill>
-                            <a:schemeClr val="tx1"/>
-                          </a:solidFill>
-                          <a:latin typeface="DFKai-SB" panose="03000509000000000000" pitchFamily="65" charset="-120"/>
-                          <a:ea typeface="DFKai-SB" panose="03000509000000000000" pitchFamily="65" charset="-120"/>
-                        </a:rPr>
-                        <a:t>App+</a:t>
-                      </a:r>
-                      <a:r>
-                        <a:rPr lang="zh-CN" altLang="en-US" sz="2400" dirty="0" smtClean="0">
-                          <a:solidFill>
-                            <a:schemeClr val="tx1"/>
-                          </a:solidFill>
-                          <a:latin typeface="DFKai-SB" panose="03000509000000000000" pitchFamily="65" charset="-120"/>
-                          <a:ea typeface="DFKai-SB" panose="03000509000000000000" pitchFamily="65" charset="-120"/>
-                        </a:rPr>
-                        <a:t>傳輸</a:t>
-                      </a:r>
-                      <a:r>
-                        <a:rPr lang="en-US" altLang="zh-CN" sz="2400" dirty="0" smtClean="0">
-                          <a:solidFill>
-                            <a:schemeClr val="tx1"/>
-                          </a:solidFill>
-                          <a:latin typeface="DFKai-SB" panose="03000509000000000000" pitchFamily="65" charset="-120"/>
-                          <a:ea typeface="DFKai-SB" panose="03000509000000000000" pitchFamily="65" charset="-120"/>
-                        </a:rPr>
-                        <a:t>+</a:t>
-                      </a:r>
-                      <a:r>
-                        <a:rPr lang="zh-CN" altLang="en-US" sz="2400" dirty="0" smtClean="0">
-                          <a:solidFill>
-                            <a:schemeClr val="tx1"/>
-                          </a:solidFill>
-                          <a:latin typeface="DFKai-SB" panose="03000509000000000000" pitchFamily="65" charset="-120"/>
-                          <a:ea typeface="DFKai-SB" panose="03000509000000000000" pitchFamily="65" charset="-120"/>
-                        </a:rPr>
-                        <a:t>數據</a:t>
-                      </a:r>
-                      <a:endParaRPr lang="en-US" altLang="zh-CN" sz="2400" dirty="0" smtClean="0">
-                        <a:solidFill>
-                          <a:schemeClr val="tx1"/>
-                        </a:solidFill>
-                        <a:latin typeface="DFKai-SB" panose="03000509000000000000" pitchFamily="65" charset="-120"/>
-                        <a:ea typeface="DFKai-SB" panose="03000509000000000000" pitchFamily="65" charset="-120"/>
-                      </a:endParaRPr>
-                    </a:p>
-                    <a:p>
-                      <a:r>
-                        <a:rPr lang="zh-CN" altLang="en-US" sz="2400" dirty="0" smtClean="0">
-                          <a:solidFill>
-                            <a:schemeClr val="tx1"/>
-                          </a:solidFill>
-                          <a:latin typeface="DFKai-SB" panose="03000509000000000000" pitchFamily="65" charset="-120"/>
-                          <a:ea typeface="DFKai-SB" panose="03000509000000000000" pitchFamily="65" charset="-120"/>
-                        </a:rPr>
-                        <a:t>製作者</a:t>
-                      </a:r>
-                      <a:r>
-                        <a:rPr lang="en-US" altLang="zh-CN" sz="2400" dirty="0" smtClean="0">
-                          <a:solidFill>
-                            <a:schemeClr val="tx1"/>
-                          </a:solidFill>
-                          <a:latin typeface="DFKai-SB" panose="03000509000000000000" pitchFamily="65" charset="-120"/>
-                          <a:ea typeface="DFKai-SB" panose="03000509000000000000" pitchFamily="65" charset="-120"/>
-                        </a:rPr>
-                        <a:t>+</a:t>
-                      </a:r>
-                      <a:r>
-                        <a:rPr lang="zh-CN" altLang="en-US" sz="2400" dirty="0" smtClean="0">
-                          <a:solidFill>
-                            <a:schemeClr val="tx1"/>
-                          </a:solidFill>
-                          <a:latin typeface="DFKai-SB" panose="03000509000000000000" pitchFamily="65" charset="-120"/>
-                          <a:ea typeface="DFKai-SB" panose="03000509000000000000" pitchFamily="65" charset="-120"/>
-                        </a:rPr>
-                        <a:t>統計</a:t>
-                      </a:r>
-                      <a:r>
-                        <a:rPr lang="en-US" altLang="zh-CN" sz="2400" dirty="0" smtClean="0">
-                          <a:solidFill>
-                            <a:schemeClr val="tx1"/>
-                          </a:solidFill>
-                          <a:latin typeface="DFKai-SB" panose="03000509000000000000" pitchFamily="65" charset="-120"/>
-                          <a:ea typeface="DFKai-SB" panose="03000509000000000000" pitchFamily="65" charset="-120"/>
-                        </a:rPr>
-                        <a:t>+</a:t>
-                      </a:r>
-                      <a:r>
-                        <a:rPr lang="zh-CN" altLang="en-US" sz="2400" dirty="0" smtClean="0">
-                          <a:solidFill>
-                            <a:schemeClr val="tx1"/>
-                          </a:solidFill>
-                          <a:latin typeface="DFKai-SB" panose="03000509000000000000" pitchFamily="65" charset="-120"/>
-                          <a:ea typeface="DFKai-SB" panose="03000509000000000000" pitchFamily="65" charset="-120"/>
-                        </a:rPr>
-                        <a:t>數據</a:t>
-                      </a:r>
-                      <a:endParaRPr lang="en-US" altLang="zh-CN" sz="2400" dirty="0" smtClean="0">
-                        <a:solidFill>
-                          <a:schemeClr val="tx1"/>
-                        </a:solidFill>
-                        <a:latin typeface="DFKai-SB" panose="03000509000000000000" pitchFamily="65" charset="-120"/>
-                        <a:ea typeface="DFKai-SB" panose="03000509000000000000" pitchFamily="65" charset="-120"/>
-                      </a:endParaRPr>
-                    </a:p>
-                    <a:p>
-                      <a:r>
-                        <a:rPr lang="zh-CN" altLang="en-US" sz="2400" dirty="0" smtClean="0">
-                          <a:solidFill>
-                            <a:schemeClr val="tx1"/>
-                          </a:solidFill>
-                          <a:latin typeface="DFKai-SB" panose="03000509000000000000" pitchFamily="65" charset="-120"/>
-                          <a:ea typeface="DFKai-SB" panose="03000509000000000000" pitchFamily="65" charset="-120"/>
-                        </a:rPr>
-                        <a:t>裝置</a:t>
-                      </a:r>
-                      <a:r>
-                        <a:rPr lang="en-US" altLang="zh-CN" sz="2400" dirty="0" smtClean="0">
-                          <a:solidFill>
-                            <a:schemeClr val="tx1"/>
-                          </a:solidFill>
-                          <a:latin typeface="DFKai-SB" panose="03000509000000000000" pitchFamily="65" charset="-120"/>
-                          <a:ea typeface="DFKai-SB" panose="03000509000000000000" pitchFamily="65" charset="-120"/>
-                        </a:rPr>
-                        <a:t>+</a:t>
-                      </a:r>
-                      <a:r>
-                        <a:rPr lang="zh-CN" altLang="en-US" sz="2400" dirty="0" smtClean="0">
-                          <a:solidFill>
-                            <a:schemeClr val="tx1"/>
-                          </a:solidFill>
-                          <a:latin typeface="DFKai-SB" panose="03000509000000000000" pitchFamily="65" charset="-120"/>
-                          <a:ea typeface="DFKai-SB" panose="03000509000000000000" pitchFamily="65" charset="-120"/>
-                        </a:rPr>
-                        <a:t>提醒</a:t>
-                      </a:r>
-                      <a:r>
-                        <a:rPr lang="en-US" altLang="zh-CN" sz="2400" dirty="0" smtClean="0">
-                          <a:solidFill>
-                            <a:schemeClr val="tx1"/>
-                          </a:solidFill>
-                          <a:latin typeface="DFKai-SB" panose="03000509000000000000" pitchFamily="65" charset="-120"/>
-                          <a:ea typeface="DFKai-SB" panose="03000509000000000000" pitchFamily="65" charset="-120"/>
-                        </a:rPr>
-                        <a:t>+</a:t>
-                      </a:r>
-                      <a:r>
-                        <a:rPr lang="zh-CN" altLang="en-US" sz="2400" dirty="0" smtClean="0">
-                          <a:solidFill>
-                            <a:schemeClr val="tx1"/>
-                          </a:solidFill>
-                          <a:latin typeface="DFKai-SB" panose="03000509000000000000" pitchFamily="65" charset="-120"/>
-                          <a:ea typeface="DFKai-SB" panose="03000509000000000000" pitchFamily="65" charset="-120"/>
-                        </a:rPr>
-                        <a:t>客戶</a:t>
-                      </a:r>
-                      <a:endParaRPr lang="zh-CN" altLang="en-US" sz="2400" dirty="0">
-                        <a:solidFill>
-                          <a:schemeClr val="tx1"/>
-                        </a:solidFill>
-                        <a:latin typeface="DFKai-SB" panose="03000509000000000000" pitchFamily="65" charset="-120"/>
-                        <a:ea typeface="DFKai-SB" panose="03000509000000000000" pitchFamily="65" charset="-120"/>
-                      </a:endParaRPr>
-                    </a:p>
-                  </a:txBody>
-                  <a:tcPr/>
-                </a:tc>
-                <a:extLst>
-                  <a:ext uri="{0D108BD9-81ED-4DB2-BD59-A6C34878D82A}">
-                    <a16:rowId xmlns:a16="http://schemas.microsoft.com/office/drawing/2014/main" val="3665926703"/>
-                  </a:ext>
-                </a:extLst>
-              </a:tr>
-            </a:tbl>
-          </a:graphicData>
-        </a:graphic>
-      </p:graphicFrame>
-    </p:spTree>
-    <p:extLst>
-      <p:ext uri="{BB962C8B-B14F-4D97-AF65-F5344CB8AC3E}">
-        <p14:creationId xmlns:p14="http://schemas.microsoft.com/office/powerpoint/2010/main" val="2222859275"/>
-      </p:ext>
-    </p:extLst>
-  </p:cSld>
-  <p:clrMapOvr>
-    <a:masterClrMapping/>
-  </p:clrMapOvr>
-</p:sld>
-</file>
-
-<file path=ppt/slides/slide13.xml><?xml version="1.0" encoding="utf-8"?>
-<p:sld xmlns:a="http://schemas.openxmlformats.org/drawingml/2006/main" xmlns:r="http://schemas.openxmlformats.org/officeDocument/2006/relationships" xmlns:p="http://schemas.openxmlformats.org/presentationml/2006/main">
-  <p:cSld>
-    <p:spTree>
-      <p:nvGrpSpPr>
-        <p:cNvPr id="1" name=""/>
-        <p:cNvGrpSpPr/>
-        <p:nvPr/>
-      </p:nvGrpSpPr>
-      <p:grpSpPr>
-        <a:xfrm>
-          <a:off x="0" y="0"/>
-          <a:ext cx="0" cy="0"/>
-          <a:chOff x="0" y="0"/>
-          <a:chExt cx="0" cy="0"/>
-        </a:xfrm>
-      </p:grpSpPr>
-      <p:sp>
-        <p:nvSpPr>
-          <p:cNvPr id="4" name="投影片編號版面配置區 3"/>
-          <p:cNvSpPr>
-            <a:spLocks noGrp="1"/>
-          </p:cNvSpPr>
-          <p:nvPr>
-            <p:ph type="sldNum" sz="quarter" idx="12"/>
-          </p:nvPr>
-        </p:nvSpPr>
-        <p:spPr/>
-        <p:txBody>
-          <a:bodyPr/>
-          <a:lstStyle/>
-          <a:p>
-            <a:fld id="{80E16380-4998-42C3-B033-270161A8BE6B}" type="slidenum">
-              <a:rPr lang="zh-TW" altLang="en-US" smtClean="0"/>
-              <a:t>13</a:t>
-            </a:fld>
-            <a:endParaRPr lang="zh-TW" altLang="en-US"/>
-          </a:p>
-        </p:txBody>
-      </p:sp>
-      <p:graphicFrame>
-        <p:nvGraphicFramePr>
-          <p:cNvPr id="5" name="表格 4"/>
-          <p:cNvGraphicFramePr>
-            <a:graphicFrameLocks noGrp="1"/>
-          </p:cNvGraphicFramePr>
-          <p:nvPr>
-            <p:extLst>
-              <p:ext uri="{D42A27DB-BD31-4B8C-83A1-F6EECF244321}">
-                <p14:modId xmlns:p14="http://schemas.microsoft.com/office/powerpoint/2010/main" val="341840265"/>
-              </p:ext>
-            </p:extLst>
-          </p:nvPr>
-        </p:nvGraphicFramePr>
-        <p:xfrm>
-          <a:off x="1484089" y="655583"/>
-          <a:ext cx="6204090" cy="5304950"/>
+          <a:off x="1573756" y="1307335"/>
+          <a:ext cx="6204090" cy="4319049"/>
         </p:xfrm>
         <a:graphic>
           <a:graphicData uri="http://schemas.openxmlformats.org/drawingml/2006/table">
@@ -8552,7 +7289,7 @@
                   </a:extLst>
                 </a:gridCol>
               </a:tblGrid>
-              <a:tr h="731902">
+              <a:tr h="517248">
                 <a:tc>
                   <a:txBody>
                     <a:bodyPr/>
@@ -8599,7 +7336,7 @@
                   </a:ext>
                 </a:extLst>
               </a:tr>
-              <a:tr h="1460661">
+              <a:tr h="898378">
                 <a:tc>
                   <a:txBody>
                     <a:bodyPr/>
@@ -8630,7 +7367,27 @@
                           <a:latin typeface="DFKai-SB" panose="03000509000000000000" pitchFamily="65" charset="-120"/>
                           <a:ea typeface="DFKai-SB" panose="03000509000000000000" pitchFamily="65" charset="-120"/>
                         </a:rPr>
-                        <a:t>6.</a:t>
+                        <a:t>7. </a:t>
+                      </a:r>
+                      <a:r>
+                        <a:rPr lang="en-US" altLang="zh-CN" sz="2000" dirty="0" smtClean="0">
+                          <a:solidFill>
+                            <a:srgbClr val="FF0000"/>
+                          </a:solidFill>
+                          <a:latin typeface="DFKai-SB" panose="03000509000000000000" pitchFamily="65" charset="-120"/>
+                          <a:ea typeface="DFKai-SB" panose="03000509000000000000" pitchFamily="65" charset="-120"/>
+                        </a:rPr>
+                        <a:t>A</a:t>
+                      </a:r>
+                      <a:r>
+                        <a:rPr lang="en-US" altLang="zh-TW" sz="2000" dirty="0" smtClean="0">
+                          <a:solidFill>
+                            <a:srgbClr val="FF0000"/>
+                          </a:solidFill>
+                          <a:latin typeface="DFKai-SB" panose="03000509000000000000" pitchFamily="65" charset="-120"/>
+                          <a:ea typeface="DFKai-SB" panose="03000509000000000000" pitchFamily="65" charset="-120"/>
+                        </a:rPr>
+                        <a:t>pp</a:t>
                       </a:r>
                       <a:r>
                         <a:rPr lang="zh-TW" altLang="en-US" sz="2000" dirty="0" smtClean="0">
@@ -8640,28 +7397,65 @@
                           <a:latin typeface="DFKai-SB" panose="03000509000000000000" pitchFamily="65" charset="-120"/>
                           <a:ea typeface="DFKai-SB" panose="03000509000000000000" pitchFamily="65" charset="-120"/>
                         </a:rPr>
-                        <a:t>客戶要做出轉彎行為時，警示裝置也會對此進行檢測，並將預行進的方向顯示在</a:t>
-                      </a:r>
-                      <a:r>
-                        <a:rPr lang="en-US" altLang="zh-TW" sz="2000" dirty="0" smtClean="0">
+                        <a:t>中客戶的</a:t>
+                      </a:r>
+                      <a:r>
+                        <a:rPr lang="zh-TW" altLang="en-US" sz="2000" dirty="0" smtClean="0">
+                          <a:solidFill>
+                            <a:srgbClr val="FF0000"/>
+                          </a:solidFill>
+                          <a:latin typeface="DFKai-SB" panose="03000509000000000000" pitchFamily="65" charset="-120"/>
+                          <a:ea typeface="DFKai-SB" panose="03000509000000000000" pitchFamily="65" charset="-120"/>
+                        </a:rPr>
+                        <a:t>數據</a:t>
+                      </a:r>
+                      <a:r>
+                        <a:rPr lang="zh-TW" altLang="en-US" sz="2000" dirty="0" smtClean="0">
                           <a:solidFill>
                             <a:schemeClr val="tx1"/>
                           </a:solidFill>
                           <a:latin typeface="DFKai-SB" panose="03000509000000000000" pitchFamily="65" charset="-120"/>
                           <a:ea typeface="DFKai-SB" panose="03000509000000000000" pitchFamily="65" charset="-120"/>
                         </a:rPr>
-                        <a:t>LCD</a:t>
+                        <a:t>也會</a:t>
                       </a:r>
                       <a:r>
                         <a:rPr lang="zh-TW" altLang="en-US" sz="2000" dirty="0" smtClean="0">
                           <a:solidFill>
+                            <a:srgbClr val="FF0000"/>
+                          </a:solidFill>
+                          <a:latin typeface="DFKai-SB" panose="03000509000000000000" pitchFamily="65" charset="-120"/>
+                          <a:ea typeface="DFKai-SB" panose="03000509000000000000" pitchFamily="65" charset="-120"/>
+                        </a:rPr>
+                        <a:t>上傳</a:t>
+                      </a:r>
+                      <a:r>
+                        <a:rPr lang="zh-TW" altLang="en-US" sz="2000" dirty="0" smtClean="0">
+                          <a:solidFill>
                             <a:schemeClr val="tx1"/>
                           </a:solidFill>
                           <a:latin typeface="DFKai-SB" panose="03000509000000000000" pitchFamily="65" charset="-120"/>
                           <a:ea typeface="DFKai-SB" panose="03000509000000000000" pitchFamily="65" charset="-120"/>
                         </a:rPr>
-                        <a:t>顯示屏上，例如“即將右轉”或是“即將左轉”，並大聲鳴嚮蜂鳴器，提醒後方要跟車的大型貨車，以防車禍的發生。</a:t>
-                      </a:r>
+                        <a:t>到製作者的系統服務器中</a:t>
+                      </a:r>
+                      <a:r>
+                        <a:rPr lang="zh-CN" altLang="en-US" sz="2000" dirty="0" smtClean="0">
+                          <a:solidFill>
+                            <a:schemeClr val="tx1"/>
+                          </a:solidFill>
+                          <a:latin typeface="DFKai-SB" panose="03000509000000000000" pitchFamily="65" charset="-120"/>
+                          <a:ea typeface="DFKai-SB" panose="03000509000000000000" pitchFamily="65" charset="-120"/>
+                        </a:rPr>
+                        <a:t>。</a:t>
+                      </a:r>
+                      <a:endParaRPr lang="zh-TW" altLang="en-US" sz="2000" dirty="0" smtClean="0">
+                        <a:solidFill>
+                          <a:schemeClr val="tx1"/>
+                        </a:solidFill>
+                        <a:latin typeface="DFKai-SB" panose="03000509000000000000" pitchFamily="65" charset="-120"/>
+                        <a:ea typeface="DFKai-SB" panose="03000509000000000000" pitchFamily="65" charset="-120"/>
+                      </a:endParaRPr>
                     </a:p>
                   </a:txBody>
                   <a:tcPr/>
@@ -8672,176 +7466,58 @@
                     <a:lstStyle/>
                     <a:p>
                       <a:r>
+                        <a:rPr lang="en-US" altLang="zh-TW" sz="2400" dirty="0" smtClean="0">
+                          <a:solidFill>
+                            <a:srgbClr val="FF0000"/>
+                          </a:solidFill>
+                          <a:latin typeface="DFKai-SB" panose="03000509000000000000" pitchFamily="65" charset="-120"/>
+                          <a:ea typeface="DFKai-SB" panose="03000509000000000000" pitchFamily="65" charset="-120"/>
+                        </a:rPr>
+                        <a:t>App</a:t>
+                      </a:r>
+                      <a:r>
+                        <a:rPr lang="en-US" altLang="zh-CN" sz="2400" dirty="0" smtClean="0">
+                          <a:solidFill>
+                            <a:schemeClr val="tx1"/>
+                          </a:solidFill>
+                          <a:latin typeface="DFKai-SB" panose="03000509000000000000" pitchFamily="65" charset="-120"/>
+                          <a:ea typeface="DFKai-SB" panose="03000509000000000000" pitchFamily="65" charset="-120"/>
+                        </a:rPr>
+                        <a:t>+</a:t>
+                      </a:r>
+                      <a:r>
+                        <a:rPr lang="zh-TW" altLang="en-US" sz="2400" dirty="0" smtClean="0">
+                          <a:solidFill>
+                            <a:srgbClr val="FF0000"/>
+                          </a:solidFill>
+                          <a:latin typeface="DFKai-SB" panose="03000509000000000000" pitchFamily="65" charset="-120"/>
+                          <a:ea typeface="DFKai-SB" panose="03000509000000000000" pitchFamily="65" charset="-120"/>
+                        </a:rPr>
+                        <a:t>上傳</a:t>
+                      </a:r>
+                      <a:r>
+                        <a:rPr lang="en-US" altLang="zh-CN" sz="2400" dirty="0" smtClean="0">
+                          <a:solidFill>
+                            <a:schemeClr val="tx1"/>
+                          </a:solidFill>
+                          <a:latin typeface="DFKai-SB" panose="03000509000000000000" pitchFamily="65" charset="-120"/>
+                          <a:ea typeface="DFKai-SB" panose="03000509000000000000" pitchFamily="65" charset="-120"/>
+                        </a:rPr>
+                        <a:t>+</a:t>
+                      </a:r>
+                      <a:r>
                         <a:rPr lang="zh-CN" altLang="en-US" sz="2400" dirty="0" smtClean="0">
                           <a:solidFill>
-                            <a:schemeClr val="tx1"/>
-                          </a:solidFill>
-                          <a:latin typeface="DFKai-SB" panose="03000509000000000000" pitchFamily="65" charset="-120"/>
-                          <a:ea typeface="DFKai-SB" panose="03000509000000000000" pitchFamily="65" charset="-120"/>
-                        </a:rPr>
-                        <a:t>裝置</a:t>
-                      </a:r>
-                      <a:r>
-                        <a:rPr lang="en-US" altLang="zh-CN" sz="2400" dirty="0" smtClean="0">
-                          <a:solidFill>
-                            <a:schemeClr val="tx1"/>
-                          </a:solidFill>
-                          <a:latin typeface="DFKai-SB" panose="03000509000000000000" pitchFamily="65" charset="-120"/>
-                          <a:ea typeface="DFKai-SB" panose="03000509000000000000" pitchFamily="65" charset="-120"/>
-                        </a:rPr>
-                        <a:t>+</a:t>
-                      </a:r>
-                      <a:r>
-                        <a:rPr lang="zh-CN" altLang="en-US" sz="2400" dirty="0" smtClean="0">
-                          <a:solidFill>
-                            <a:schemeClr val="tx1"/>
-                          </a:solidFill>
-                          <a:latin typeface="DFKai-SB" panose="03000509000000000000" pitchFamily="65" charset="-120"/>
-                          <a:ea typeface="DFKai-SB" panose="03000509000000000000" pitchFamily="65" charset="-120"/>
-                        </a:rPr>
-                        <a:t>檢測</a:t>
-                      </a:r>
-                      <a:r>
-                        <a:rPr lang="en-US" altLang="zh-CN" sz="2400" dirty="0" smtClean="0">
-                          <a:solidFill>
-                            <a:schemeClr val="tx1"/>
-                          </a:solidFill>
-                          <a:latin typeface="DFKai-SB" panose="03000509000000000000" pitchFamily="65" charset="-120"/>
-                          <a:ea typeface="DFKai-SB" panose="03000509000000000000" pitchFamily="65" charset="-120"/>
-                        </a:rPr>
-                        <a:t>+</a:t>
-                      </a:r>
-                      <a:r>
-                        <a:rPr lang="zh-CN" altLang="en-US" sz="2400" dirty="0" smtClean="0">
-                          <a:solidFill>
-                            <a:schemeClr val="tx1"/>
-                          </a:solidFill>
-                          <a:latin typeface="DFKai-SB" panose="03000509000000000000" pitchFamily="65" charset="-120"/>
-                          <a:ea typeface="DFKai-SB" panose="03000509000000000000" pitchFamily="65" charset="-120"/>
-                        </a:rPr>
-                        <a:t>行為</a:t>
+                            <a:srgbClr val="FF0000"/>
+                          </a:solidFill>
+                          <a:latin typeface="DFKai-SB" panose="03000509000000000000" pitchFamily="65" charset="-120"/>
+                          <a:ea typeface="DFKai-SB" panose="03000509000000000000" pitchFamily="65" charset="-120"/>
+                        </a:rPr>
+                        <a:t>數據</a:t>
                       </a:r>
                       <a:endParaRPr lang="en-US" altLang="zh-CN" sz="2400" dirty="0" smtClean="0">
                         <a:solidFill>
-                          <a:schemeClr val="tx1"/>
-                        </a:solidFill>
-                        <a:latin typeface="DFKai-SB" panose="03000509000000000000" pitchFamily="65" charset="-120"/>
-                        <a:ea typeface="DFKai-SB" panose="03000509000000000000" pitchFamily="65" charset="-120"/>
-                      </a:endParaRPr>
-                    </a:p>
-                    <a:p>
-                      <a:r>
-                        <a:rPr lang="zh-CN" altLang="en-US" sz="2400" dirty="0" smtClean="0">
-                          <a:solidFill>
-                            <a:schemeClr val="tx1"/>
-                          </a:solidFill>
-                          <a:latin typeface="DFKai-SB" panose="03000509000000000000" pitchFamily="65" charset="-120"/>
-                          <a:ea typeface="DFKai-SB" panose="03000509000000000000" pitchFamily="65" charset="-120"/>
-                        </a:rPr>
-                        <a:t>客戶</a:t>
-                      </a:r>
-                      <a:r>
-                        <a:rPr lang="en-US" altLang="zh-CN" sz="2400" dirty="0" smtClean="0">
-                          <a:solidFill>
-                            <a:schemeClr val="tx1"/>
-                          </a:solidFill>
-                          <a:latin typeface="DFKai-SB" panose="03000509000000000000" pitchFamily="65" charset="-120"/>
-                          <a:ea typeface="DFKai-SB" panose="03000509000000000000" pitchFamily="65" charset="-120"/>
-                        </a:rPr>
-                        <a:t>+</a:t>
-                      </a:r>
-                      <a:r>
-                        <a:rPr lang="zh-CN" altLang="en-US" sz="2400" dirty="0" smtClean="0">
-                          <a:solidFill>
-                            <a:schemeClr val="tx1"/>
-                          </a:solidFill>
-                          <a:latin typeface="DFKai-SB" panose="03000509000000000000" pitchFamily="65" charset="-120"/>
-                          <a:ea typeface="DFKai-SB" panose="03000509000000000000" pitchFamily="65" charset="-120"/>
-                        </a:rPr>
-                        <a:t>讀取</a:t>
-                      </a:r>
-                      <a:r>
-                        <a:rPr lang="en-US" altLang="zh-CN" sz="2400" dirty="0" smtClean="0">
-                          <a:solidFill>
-                            <a:schemeClr val="tx1"/>
-                          </a:solidFill>
-                          <a:latin typeface="DFKai-SB" panose="03000509000000000000" pitchFamily="65" charset="-120"/>
-                          <a:ea typeface="DFKai-SB" panose="03000509000000000000" pitchFamily="65" charset="-120"/>
-                        </a:rPr>
-                        <a:t>+</a:t>
-                      </a:r>
-                      <a:r>
-                        <a:rPr lang="zh-CN" altLang="en-US" sz="2400" dirty="0" smtClean="0">
-                          <a:solidFill>
-                            <a:schemeClr val="tx1"/>
-                          </a:solidFill>
-                          <a:latin typeface="DFKai-SB" panose="03000509000000000000" pitchFamily="65" charset="-120"/>
-                          <a:ea typeface="DFKai-SB" panose="03000509000000000000" pitchFamily="65" charset="-120"/>
-                        </a:rPr>
-                        <a:t>信息</a:t>
-                      </a:r>
-                      <a:endParaRPr lang="en-US" altLang="zh-CN" sz="2400" dirty="0" smtClean="0">
-                        <a:solidFill>
-                          <a:schemeClr val="tx1"/>
-                        </a:solidFill>
-                        <a:latin typeface="DFKai-SB" panose="03000509000000000000" pitchFamily="65" charset="-120"/>
-                        <a:ea typeface="DFKai-SB" panose="03000509000000000000" pitchFamily="65" charset="-120"/>
-                      </a:endParaRPr>
-                    </a:p>
-                    <a:p>
-                      <a:r>
-                        <a:rPr lang="zh-CN" altLang="en-US" sz="2400" dirty="0" smtClean="0">
-                          <a:solidFill>
-                            <a:schemeClr val="tx1"/>
-                          </a:solidFill>
-                          <a:latin typeface="DFKai-SB" panose="03000509000000000000" pitchFamily="65" charset="-120"/>
-                          <a:ea typeface="DFKai-SB" panose="03000509000000000000" pitchFamily="65" charset="-120"/>
-                        </a:rPr>
-                        <a:t>裝置</a:t>
-                      </a:r>
-                      <a:r>
-                        <a:rPr lang="en-US" altLang="zh-CN" sz="2400" dirty="0" smtClean="0">
-                          <a:solidFill>
-                            <a:schemeClr val="tx1"/>
-                          </a:solidFill>
-                          <a:latin typeface="DFKai-SB" panose="03000509000000000000" pitchFamily="65" charset="-120"/>
-                          <a:ea typeface="DFKai-SB" panose="03000509000000000000" pitchFamily="65" charset="-120"/>
-                        </a:rPr>
-                        <a:t>+</a:t>
-                      </a:r>
-                      <a:r>
-                        <a:rPr lang="zh-CN" altLang="en-US" sz="2400" dirty="0" smtClean="0">
-                          <a:solidFill>
-                            <a:schemeClr val="tx1"/>
-                          </a:solidFill>
-                          <a:latin typeface="DFKai-SB" panose="03000509000000000000" pitchFamily="65" charset="-120"/>
-                          <a:ea typeface="DFKai-SB" panose="03000509000000000000" pitchFamily="65" charset="-120"/>
-                        </a:rPr>
-                        <a:t>提醒</a:t>
-                      </a:r>
-                      <a:r>
-                        <a:rPr lang="en-US" altLang="zh-CN" sz="2400" dirty="0" smtClean="0">
-                          <a:solidFill>
-                            <a:schemeClr val="tx1"/>
-                          </a:solidFill>
-                          <a:latin typeface="DFKai-SB" panose="03000509000000000000" pitchFamily="65" charset="-120"/>
-                          <a:ea typeface="DFKai-SB" panose="03000509000000000000" pitchFamily="65" charset="-120"/>
-                        </a:rPr>
-                        <a:t>+</a:t>
-                      </a:r>
-                      <a:r>
-                        <a:rPr lang="zh-CN" altLang="en-US" sz="2400" dirty="0" smtClean="0">
-                          <a:solidFill>
-                            <a:schemeClr val="tx1"/>
-                          </a:solidFill>
-                          <a:latin typeface="DFKai-SB" panose="03000509000000000000" pitchFamily="65" charset="-120"/>
-                          <a:ea typeface="DFKai-SB" panose="03000509000000000000" pitchFamily="65" charset="-120"/>
-                        </a:rPr>
-                        <a:t>其他跟車</a:t>
-                      </a:r>
-                      <a:endParaRPr lang="en-US" altLang="zh-CN" sz="2400" dirty="0" smtClean="0">
-                        <a:solidFill>
-                          <a:schemeClr val="tx1"/>
+                          <a:srgbClr val="FF0000"/>
                         </a:solidFill>
                         <a:latin typeface="DFKai-SB" panose="03000509000000000000" pitchFamily="65" charset="-120"/>
                         <a:ea typeface="DFKai-SB" panose="03000509000000000000" pitchFamily="65" charset="-120"/>
@@ -8856,7 +7532,7 @@
                   </a:ext>
                 </a:extLst>
               </a:tr>
-              <a:tr h="2043208">
+              <a:tr h="1213530">
                 <a:tc>
                   <a:txBody>
                     <a:bodyPr/>
@@ -8890,7 +7566,17 @@
                           <a:latin typeface="DFKai-SB" panose="03000509000000000000" pitchFamily="65" charset="-120"/>
                           <a:ea typeface="DFKai-SB" panose="03000509000000000000" pitchFamily="65" charset="-120"/>
                         </a:rPr>
-                        <a:t>7.</a:t>
+                        <a:t>8.</a:t>
+                      </a:r>
+                      <a:r>
+                        <a:rPr lang="zh-TW" altLang="en-US" sz="2000" dirty="0" smtClean="0">
+                          <a:solidFill>
+                            <a:srgbClr val="FF0000"/>
+                          </a:solidFill>
+                          <a:latin typeface="DFKai-SB" panose="03000509000000000000" pitchFamily="65" charset="-120"/>
+                          <a:ea typeface="DFKai-SB" panose="03000509000000000000" pitchFamily="65" charset="-120"/>
+                        </a:rPr>
+                        <a:t>製作者</a:t>
                       </a:r>
                       <a:r>
                         <a:rPr lang="zh-TW" altLang="en-US" sz="2000" dirty="0" smtClean="0">
@@ -8903,10 +7589,20 @@
                           <a:latin typeface="DFKai-SB" panose="03000509000000000000" pitchFamily="65" charset="-120"/>
                           <a:ea typeface="DFKai-SB" panose="03000509000000000000" pitchFamily="65" charset="-120"/>
                         </a:rPr>
-                        <a:t>如果後方大型貨車有安裝</a:t>
-                      </a:r>
-                      <a:r>
-                        <a:rPr lang="en-US" altLang="zh-TW" sz="2000" dirty="0" smtClean="0">
+                        <a:t>能夠</a:t>
+                      </a:r>
+                      <a:r>
+                        <a:rPr lang="zh-TW" altLang="en-US" sz="2000" dirty="0" smtClean="0">
+                          <a:solidFill>
+                            <a:srgbClr val="FF0000"/>
+                          </a:solidFill>
+                          <a:latin typeface="DFKai-SB" panose="03000509000000000000" pitchFamily="65" charset="-120"/>
+                          <a:ea typeface="DFKai-SB" panose="03000509000000000000" pitchFamily="65" charset="-120"/>
+                        </a:rPr>
+                        <a:t>統計</a:t>
+                      </a:r>
+                      <a:r>
+                        <a:rPr lang="zh-TW" altLang="en-US" sz="2000" dirty="0" smtClean="0">
                           <a:solidFill>
                             <a:prstClr val="black">
                               <a:lumMod val="85000"/>
@@ -8916,10 +7612,10 @@
                           <a:latin typeface="DFKai-SB" panose="03000509000000000000" pitchFamily="65" charset="-120"/>
                           <a:ea typeface="DFKai-SB" panose="03000509000000000000" pitchFamily="65" charset="-120"/>
                         </a:rPr>
-                        <a:t>app,</a:t>
-                      </a:r>
-                      <a:r>
-                        <a:rPr lang="zh-TW" altLang="en-US" sz="2000" dirty="0" smtClean="0">
+                        <a:t>什麼樣的客戶人群在什麼樣的路段容易出現“壓車”的情況</a:t>
+                      </a:r>
+                      <a:r>
+                        <a:rPr lang="zh-CN" altLang="en-US" sz="2000" dirty="0" smtClean="0">
                           <a:solidFill>
                             <a:prstClr val="black">
                               <a:lumMod val="85000"/>
@@ -8929,60 +7625,18 @@
                           <a:latin typeface="DFKai-SB" panose="03000509000000000000" pitchFamily="65" charset="-120"/>
                           <a:ea typeface="DFKai-SB" panose="03000509000000000000" pitchFamily="65" charset="-120"/>
                         </a:rPr>
-                        <a:t>蜂鳴器則不會響起，改用語音播報訊息進行提醒，例如“前方牌號為</a:t>
-                      </a:r>
-                      <a:r>
-                        <a:rPr lang="en-US" altLang="zh-TW" sz="2000" dirty="0" smtClean="0">
-                          <a:solidFill>
-                            <a:prstClr val="black">
-                              <a:lumMod val="85000"/>
-                              <a:lumOff val="15000"/>
-                            </a:prstClr>
-                          </a:solidFill>
-                          <a:latin typeface="DFKai-SB" panose="03000509000000000000" pitchFamily="65" charset="-120"/>
-                          <a:ea typeface="DFKai-SB" panose="03000509000000000000" pitchFamily="65" charset="-120"/>
-                        </a:rPr>
-                        <a:t>xxx</a:t>
-                      </a:r>
-                      <a:r>
-                        <a:rPr lang="zh-TW" altLang="en-US" sz="2000" dirty="0" smtClean="0">
-                          <a:solidFill>
-                            <a:prstClr val="black">
-                              <a:lumMod val="85000"/>
-                              <a:lumOff val="15000"/>
-                            </a:prstClr>
-                          </a:solidFill>
-                          <a:latin typeface="DFKai-SB" panose="03000509000000000000" pitchFamily="65" charset="-120"/>
-                          <a:ea typeface="DFKai-SB" panose="03000509000000000000" pitchFamily="65" charset="-120"/>
-                        </a:rPr>
-                        <a:t>的機車即將發生右</a:t>
-                      </a:r>
-                      <a:r>
-                        <a:rPr lang="en-US" altLang="zh-TW" sz="2000" dirty="0" smtClean="0">
-                          <a:solidFill>
-                            <a:prstClr val="black">
-                              <a:lumMod val="85000"/>
-                              <a:lumOff val="15000"/>
-                            </a:prstClr>
-                          </a:solidFill>
-                          <a:latin typeface="DFKai-SB" panose="03000509000000000000" pitchFamily="65" charset="-120"/>
-                          <a:ea typeface="DFKai-SB" panose="03000509000000000000" pitchFamily="65" charset="-120"/>
-                        </a:rPr>
-                        <a:t>/</a:t>
-                      </a:r>
-                      <a:r>
-                        <a:rPr lang="zh-TW" altLang="en-US" sz="2000" dirty="0" smtClean="0">
-                          <a:solidFill>
-                            <a:prstClr val="black">
-                              <a:lumMod val="85000"/>
-                              <a:lumOff val="15000"/>
-                            </a:prstClr>
-                          </a:solidFill>
-                          <a:latin typeface="DFKai-SB" panose="03000509000000000000" pitchFamily="65" charset="-120"/>
-                          <a:ea typeface="DFKai-SB" panose="03000509000000000000" pitchFamily="65" charset="-120"/>
-                        </a:rPr>
-                        <a:t>左轉，請小心行駛”。</a:t>
-                      </a:r>
+                        <a:t>。</a:t>
+                      </a:r>
+                      <a:endParaRPr lang="zh-TW" altLang="en-US" sz="2000" dirty="0" smtClean="0">
+                        <a:solidFill>
+                          <a:prstClr val="black">
+                            <a:lumMod val="85000"/>
+                            <a:lumOff val="15000"/>
+                          </a:prstClr>
+                        </a:solidFill>
+                        <a:latin typeface="DFKai-SB" panose="03000509000000000000" pitchFamily="65" charset="-120"/>
+                        <a:ea typeface="DFKai-SB" panose="03000509000000000000" pitchFamily="65" charset="-120"/>
+                      </a:endParaRPr>
                     </a:p>
                   </a:txBody>
                   <a:tcPr/>
@@ -8992,6 +7646,33 @@
                     <a:bodyPr/>
                     <a:lstStyle/>
                     <a:p>
+                      <a:pPr marL="0" marR="0" lvl="0" indent="0" algn="l" defTabSz="457200" rtl="0" eaLnBrk="1" fontAlgn="auto" latinLnBrk="0" hangingPunct="1">
+                        <a:lnSpc>
+                          <a:spcPct val="100000"/>
+                        </a:lnSpc>
+                        <a:spcBef>
+                          <a:spcPts val="0"/>
+                        </a:spcBef>
+                        <a:spcAft>
+                          <a:spcPts val="0"/>
+                        </a:spcAft>
+                        <a:buClrTx/>
+                        <a:buSzTx/>
+                        <a:buFontTx/>
+                        <a:buNone/>
+                        <a:tabLst/>
+                        <a:defRPr/>
+                      </a:pPr>
+                      <a:r>
+                        <a:rPr lang="zh-CN" altLang="en-US" sz="2400" dirty="0" smtClean="0">
+                          <a:solidFill>
+                            <a:srgbClr val="FF0000"/>
+                          </a:solidFill>
+                          <a:latin typeface="DFKai-SB" panose="03000509000000000000" pitchFamily="65" charset="-120"/>
+                          <a:ea typeface="DFKai-SB" panose="03000509000000000000" pitchFamily="65" charset="-120"/>
+                        </a:rPr>
+                        <a:t>製作者</a:t>
+                      </a:r>
                       <a:r>
                         <a:rPr lang="en-US" altLang="zh-CN" sz="2400" dirty="0" smtClean="0">
                           <a:solidFill>
@@ -9000,38 +7681,47 @@
                           <a:latin typeface="DFKai-SB" panose="03000509000000000000" pitchFamily="65" charset="-120"/>
                           <a:ea typeface="DFKai-SB" panose="03000509000000000000" pitchFamily="65" charset="-120"/>
                         </a:rPr>
-                        <a:t>App+</a:t>
+                        <a:t>+</a:t>
                       </a:r>
                       <a:r>
                         <a:rPr lang="zh-CN" altLang="en-US" sz="2400" dirty="0" smtClean="0">
                           <a:solidFill>
+                            <a:srgbClr val="FF0000"/>
+                          </a:solidFill>
+                          <a:latin typeface="DFKai-SB" panose="03000509000000000000" pitchFamily="65" charset="-120"/>
+                          <a:ea typeface="DFKai-SB" panose="03000509000000000000" pitchFamily="65" charset="-120"/>
+                        </a:rPr>
+                        <a:t>統計</a:t>
+                      </a:r>
+                      <a:r>
+                        <a:rPr lang="en-US" altLang="zh-CN" sz="2400" dirty="0" smtClean="0">
+                          <a:solidFill>
                             <a:schemeClr val="tx1"/>
                           </a:solidFill>
                           <a:latin typeface="DFKai-SB" panose="03000509000000000000" pitchFamily="65" charset="-120"/>
                           <a:ea typeface="DFKai-SB" panose="03000509000000000000" pitchFamily="65" charset="-120"/>
                         </a:rPr>
-                        <a:t>播報</a:t>
-                      </a:r>
-                      <a:r>
-                        <a:rPr lang="en-US" altLang="zh-CN" sz="2400" dirty="0" smtClean="0">
-                          <a:solidFill>
-                            <a:schemeClr val="tx1"/>
-                          </a:solidFill>
-                          <a:latin typeface="DFKai-SB" panose="03000509000000000000" pitchFamily="65" charset="-120"/>
-                          <a:ea typeface="DFKai-SB" panose="03000509000000000000" pitchFamily="65" charset="-120"/>
-                        </a:rPr>
                         <a:t>+</a:t>
                       </a:r>
                       <a:r>
                         <a:rPr lang="zh-CN" altLang="en-US" sz="2400" dirty="0" smtClean="0">
                           <a:solidFill>
-                            <a:schemeClr val="tx1"/>
-                          </a:solidFill>
-                          <a:latin typeface="DFKai-SB" panose="03000509000000000000" pitchFamily="65" charset="-120"/>
-                          <a:ea typeface="DFKai-SB" panose="03000509000000000000" pitchFamily="65" charset="-120"/>
-                        </a:rPr>
-                        <a:t>訊息</a:t>
-                      </a:r>
+                            <a:srgbClr val="FF0000"/>
+                          </a:solidFill>
+                          <a:latin typeface="DFKai-SB" panose="03000509000000000000" pitchFamily="65" charset="-120"/>
+                          <a:ea typeface="DFKai-SB" panose="03000509000000000000" pitchFamily="65" charset="-120"/>
+                        </a:rPr>
+                        <a:t>數據</a:t>
+                      </a:r>
+                      <a:endParaRPr lang="en-US" altLang="zh-CN" sz="2400" dirty="0" smtClean="0">
+                        <a:solidFill>
+                          <a:srgbClr val="FF0000"/>
+                        </a:solidFill>
+                        <a:latin typeface="DFKai-SB" panose="03000509000000000000" pitchFamily="65" charset="-120"/>
+                        <a:ea typeface="DFKai-SB" panose="03000509000000000000" pitchFamily="65" charset="-120"/>
+                      </a:endParaRPr>
+                    </a:p>
+                    <a:p>
                       <a:endParaRPr lang="zh-CN" altLang="en-US" sz="2400" dirty="0">
                         <a:solidFill>
                           <a:schemeClr val="tx1"/>
@@ -9049,6 +7739,235 @@
                   </a:ext>
                 </a:extLst>
               </a:tr>
+              <a:tr h="1423449">
+                <a:tc>
+                  <a:txBody>
+                    <a:bodyPr/>
+                    <a:lstStyle/>
+                    <a:p>
+                      <a:pPr marL="0" marR="0" lvl="0" indent="0" algn="l" defTabSz="457200" rtl="0" eaLnBrk="1" fontAlgn="auto" latinLnBrk="0" hangingPunct="1">
+                        <a:lnSpc>
+                          <a:spcPct val="100000"/>
+                        </a:lnSpc>
+                        <a:spcBef>
+                          <a:spcPts val="0"/>
+                        </a:spcBef>
+                        <a:spcAft>
+                          <a:spcPts val="0"/>
+                        </a:spcAft>
+                        <a:buClrTx/>
+                        <a:buSzTx/>
+                        <a:buFontTx/>
+                        <a:buNone/>
+                        <a:tabLst/>
+                        <a:defRPr/>
+                      </a:pPr>
+                      <a:r>
+                        <a:rPr lang="en-US" altLang="zh-TW" sz="2000" dirty="0" smtClean="0">
+                          <a:solidFill>
+                            <a:prstClr val="black">
+                              <a:lumMod val="85000"/>
+                              <a:lumOff val="15000"/>
+                            </a:prstClr>
+                          </a:solidFill>
+                          <a:latin typeface="DFKai-SB" panose="03000509000000000000" pitchFamily="65" charset="-120"/>
+                          <a:ea typeface="DFKai-SB" panose="03000509000000000000" pitchFamily="65" charset="-120"/>
+                        </a:rPr>
+                        <a:t>9.</a:t>
+                      </a:r>
+                      <a:r>
+                        <a:rPr lang="zh-CN" altLang="en-US" sz="2000" dirty="0" smtClean="0">
+                          <a:solidFill>
+                            <a:prstClr val="black">
+                              <a:lumMod val="85000"/>
+                              <a:lumOff val="15000"/>
+                            </a:prstClr>
+                          </a:solidFill>
+                          <a:latin typeface="DFKai-SB" panose="03000509000000000000" pitchFamily="65" charset="-120"/>
+                          <a:ea typeface="DFKai-SB" panose="03000509000000000000" pitchFamily="65" charset="-120"/>
+                        </a:rPr>
+                        <a:t>製作者針對數據</a:t>
+                      </a:r>
+                      <a:r>
+                        <a:rPr lang="zh-TW" altLang="en-US" sz="2000" dirty="0" smtClean="0">
+                          <a:solidFill>
+                            <a:prstClr val="black">
+                              <a:lumMod val="85000"/>
+                              <a:lumOff val="15000"/>
+                            </a:prstClr>
+                          </a:solidFill>
+                          <a:latin typeface="DFKai-SB" panose="03000509000000000000" pitchFamily="65" charset="-120"/>
+                          <a:ea typeface="DFKai-SB" panose="03000509000000000000" pitchFamily="65" charset="-120"/>
+                        </a:rPr>
+                        <a:t>對</a:t>
+                      </a:r>
+                      <a:r>
+                        <a:rPr lang="zh-TW" altLang="en-US" sz="2000" dirty="0" smtClean="0">
+                          <a:solidFill>
+                            <a:srgbClr val="FF0000"/>
+                          </a:solidFill>
+                          <a:latin typeface="DFKai-SB" panose="03000509000000000000" pitchFamily="65" charset="-120"/>
+                          <a:ea typeface="DFKai-SB" panose="03000509000000000000" pitchFamily="65" charset="-120"/>
+                        </a:rPr>
+                        <a:t>警示裝置</a:t>
+                      </a:r>
+                      <a:r>
+                        <a:rPr lang="zh-TW" altLang="en-US" sz="2000" dirty="0" smtClean="0">
+                          <a:solidFill>
+                            <a:prstClr val="black">
+                              <a:lumMod val="85000"/>
+                              <a:lumOff val="15000"/>
+                            </a:prstClr>
+                          </a:solidFill>
+                          <a:latin typeface="DFKai-SB" panose="03000509000000000000" pitchFamily="65" charset="-120"/>
+                          <a:ea typeface="DFKai-SB" panose="03000509000000000000" pitchFamily="65" charset="-120"/>
+                        </a:rPr>
+                        <a:t>做出</a:t>
+                      </a:r>
+                      <a:r>
+                        <a:rPr lang="zh-CN" altLang="en-US" sz="2000" dirty="0" smtClean="0">
+                          <a:solidFill>
+                            <a:prstClr val="black">
+                              <a:lumMod val="85000"/>
+                              <a:lumOff val="15000"/>
+                            </a:prstClr>
+                          </a:solidFill>
+                          <a:latin typeface="DFKai-SB" panose="03000509000000000000" pitchFamily="65" charset="-120"/>
+                          <a:ea typeface="DFKai-SB" panose="03000509000000000000" pitchFamily="65" charset="-120"/>
+                        </a:rPr>
+                        <a:t>相應</a:t>
+                      </a:r>
+                      <a:r>
+                        <a:rPr lang="zh-TW" altLang="en-US" sz="2000" dirty="0" smtClean="0">
+                          <a:solidFill>
+                            <a:prstClr val="black">
+                              <a:lumMod val="85000"/>
+                              <a:lumOff val="15000"/>
+                            </a:prstClr>
+                          </a:solidFill>
+                          <a:latin typeface="DFKai-SB" panose="03000509000000000000" pitchFamily="65" charset="-120"/>
+                          <a:ea typeface="DFKai-SB" panose="03000509000000000000" pitchFamily="65" charset="-120"/>
+                        </a:rPr>
+                        <a:t>調整，提前</a:t>
+                      </a:r>
+                      <a:r>
+                        <a:rPr lang="zh-TW" altLang="en-US" sz="2000" dirty="0" smtClean="0">
+                          <a:solidFill>
+                            <a:srgbClr val="FF0000"/>
+                          </a:solidFill>
+                          <a:latin typeface="DFKai-SB" panose="03000509000000000000" pitchFamily="65" charset="-120"/>
+                          <a:ea typeface="DFKai-SB" panose="03000509000000000000" pitchFamily="65" charset="-120"/>
+                        </a:rPr>
+                        <a:t>提醒使用者</a:t>
+                      </a:r>
+                      <a:r>
+                        <a:rPr lang="zh-TW" altLang="en-US" sz="2000" dirty="0" smtClean="0">
+                          <a:solidFill>
+                            <a:prstClr val="black">
+                              <a:lumMod val="85000"/>
+                              <a:lumOff val="15000"/>
+                            </a:prstClr>
+                          </a:solidFill>
+                          <a:latin typeface="DFKai-SB" panose="03000509000000000000" pitchFamily="65" charset="-120"/>
+                          <a:ea typeface="DFKai-SB" panose="03000509000000000000" pitchFamily="65" charset="-120"/>
+                        </a:rPr>
+                        <a:t>。</a:t>
+                      </a:r>
+                    </a:p>
+                  </a:txBody>
+                  <a:tcPr/>
+                </a:tc>
+                <a:tc>
+                  <a:txBody>
+                    <a:bodyPr/>
+                    <a:lstStyle/>
+                    <a:p>
+                      <a:pPr marL="0" marR="0" lvl="0" indent="0" algn="l" defTabSz="457200" rtl="0" eaLnBrk="1" fontAlgn="auto" latinLnBrk="0" hangingPunct="1">
+                        <a:lnSpc>
+                          <a:spcPct val="100000"/>
+                        </a:lnSpc>
+                        <a:spcBef>
+                          <a:spcPts val="0"/>
+                        </a:spcBef>
+                        <a:spcAft>
+                          <a:spcPts val="0"/>
+                        </a:spcAft>
+                        <a:buClrTx/>
+                        <a:buSzTx/>
+                        <a:buFontTx/>
+                        <a:buNone/>
+                        <a:tabLst/>
+                        <a:defRPr/>
+                      </a:pPr>
+                      <a:r>
+                        <a:rPr lang="zh-CN" altLang="en-US" sz="2400" dirty="0" smtClean="0">
+                          <a:solidFill>
+                            <a:srgbClr val="FF0000"/>
+                          </a:solidFill>
+                          <a:latin typeface="DFKai-SB" panose="03000509000000000000" pitchFamily="65" charset="-120"/>
+                          <a:ea typeface="DFKai-SB" panose="03000509000000000000" pitchFamily="65" charset="-120"/>
+                        </a:rPr>
+                        <a:t>裝置</a:t>
+                      </a:r>
+                      <a:r>
+                        <a:rPr lang="en-US" altLang="zh-CN" sz="2400" dirty="0" smtClean="0">
+                          <a:solidFill>
+                            <a:schemeClr val="tx1"/>
+                          </a:solidFill>
+                          <a:latin typeface="DFKai-SB" panose="03000509000000000000" pitchFamily="65" charset="-120"/>
+                          <a:ea typeface="DFKai-SB" panose="03000509000000000000" pitchFamily="65" charset="-120"/>
+                        </a:rPr>
+                        <a:t>+</a:t>
+                      </a:r>
+                      <a:r>
+                        <a:rPr lang="zh-CN" altLang="en-US" sz="2400" dirty="0" smtClean="0">
+                          <a:solidFill>
+                            <a:srgbClr val="FF0000"/>
+                          </a:solidFill>
+                          <a:latin typeface="DFKai-SB" panose="03000509000000000000" pitchFamily="65" charset="-120"/>
+                          <a:ea typeface="DFKai-SB" panose="03000509000000000000" pitchFamily="65" charset="-120"/>
+                        </a:rPr>
+                        <a:t>提醒</a:t>
+                      </a:r>
+                      <a:r>
+                        <a:rPr lang="en-US" altLang="zh-CN" sz="2400" dirty="0" smtClean="0">
+                          <a:solidFill>
+                            <a:schemeClr val="tx1"/>
+                          </a:solidFill>
+                          <a:latin typeface="DFKai-SB" panose="03000509000000000000" pitchFamily="65" charset="-120"/>
+                          <a:ea typeface="DFKai-SB" panose="03000509000000000000" pitchFamily="65" charset="-120"/>
+                        </a:rPr>
+                        <a:t>+</a:t>
+                      </a:r>
+                      <a:r>
+                        <a:rPr lang="zh-CN" altLang="en-US" sz="2400" dirty="0" smtClean="0">
+                          <a:solidFill>
+                            <a:srgbClr val="FF0000"/>
+                          </a:solidFill>
+                          <a:latin typeface="DFKai-SB" panose="03000509000000000000" pitchFamily="65" charset="-120"/>
+                          <a:ea typeface="DFKai-SB" panose="03000509000000000000" pitchFamily="65" charset="-120"/>
+                        </a:rPr>
+                        <a:t>客戶</a:t>
+                      </a:r>
+                    </a:p>
+                    <a:p>
+                      <a:endParaRPr lang="zh-CN" altLang="en-US" sz="2400" dirty="0">
+                        <a:solidFill>
+                          <a:schemeClr val="tx1"/>
+                        </a:solidFill>
+                        <a:latin typeface="DFKai-SB" panose="03000509000000000000" pitchFamily="65" charset="-120"/>
+                        <a:ea typeface="DFKai-SB" panose="03000509000000000000" pitchFamily="65" charset="-120"/>
+                      </a:endParaRPr>
+                    </a:p>
+                  </a:txBody>
+                  <a:tcPr/>
+                </a:tc>
+                <a:extLst>
+                  <a:ext uri="{0D108BD9-81ED-4DB2-BD59-A6C34878D82A}">
+                    <a16:rowId xmlns:a16="http://schemas.microsoft.com/office/drawing/2014/main" val="278133102"/>
+                  </a:ext>
+                </a:extLst>
+              </a:tr>
             </a:tbl>
           </a:graphicData>
         </a:graphic>
@@ -9057,6 +7976,1099 @@
     <p:extLst>
       <p:ext uri="{BB962C8B-B14F-4D97-AF65-F5344CB8AC3E}">
         <p14:creationId xmlns:p14="http://schemas.microsoft.com/office/powerpoint/2010/main" val="3459667816"/>
+      </p:ext>
+    </p:extLst>
+  </p:cSld>
+  <p:clrMapOvr>
+    <a:masterClrMapping/>
+  </p:clrMapOvr>
+</p:sld>
+</file>
+
+<file path=ppt/slides/slide11.xml><?xml version="1.0" encoding="utf-8"?>
+<p:sld xmlns:a="http://schemas.openxmlformats.org/drawingml/2006/main" xmlns:r="http://schemas.openxmlformats.org/officeDocument/2006/relationships" xmlns:p="http://schemas.openxmlformats.org/presentationml/2006/main">
+  <p:cSld>
+    <p:spTree>
+      <p:nvGrpSpPr>
+        <p:cNvPr id="1" name=""/>
+        <p:cNvGrpSpPr/>
+        <p:nvPr/>
+      </p:nvGrpSpPr>
+      <p:grpSpPr>
+        <a:xfrm>
+          <a:off x="0" y="0"/>
+          <a:ext cx="0" cy="0"/>
+          <a:chOff x="0" y="0"/>
+          <a:chExt cx="0" cy="0"/>
+        </a:xfrm>
+      </p:grpSpPr>
+      <p:sp>
+        <p:nvSpPr>
+          <p:cNvPr id="4" name="投影片編號版面配置區 3"/>
+          <p:cNvSpPr>
+            <a:spLocks noGrp="1"/>
+          </p:cNvSpPr>
+          <p:nvPr>
+            <p:ph type="sldNum" sz="quarter" idx="12"/>
+          </p:nvPr>
+        </p:nvSpPr>
+        <p:spPr/>
+        <p:txBody>
+          <a:bodyPr/>
+          <a:lstStyle/>
+          <a:p>
+            <a:fld id="{80E16380-4998-42C3-B033-270161A8BE6B}" type="slidenum">
+              <a:rPr lang="zh-TW" altLang="en-US" smtClean="0"/>
+              <a:t>11</a:t>
+            </a:fld>
+            <a:endParaRPr lang="zh-TW" altLang="en-US"/>
+          </a:p>
+        </p:txBody>
+      </p:sp>
+      <p:graphicFrame>
+        <p:nvGraphicFramePr>
+          <p:cNvPr id="5" name="表格 4"/>
+          <p:cNvGraphicFramePr>
+            <a:graphicFrameLocks noGrp="1"/>
+          </p:cNvGraphicFramePr>
+          <p:nvPr>
+            <p:extLst>
+              <p:ext uri="{D42A27DB-BD31-4B8C-83A1-F6EECF244321}">
+                <p14:modId xmlns:p14="http://schemas.microsoft.com/office/powerpoint/2010/main" val="3219529525"/>
+              </p:ext>
+            </p:extLst>
+          </p:nvPr>
+        </p:nvGraphicFramePr>
+        <p:xfrm>
+          <a:off x="1389057" y="1110430"/>
+          <a:ext cx="6191034" cy="4597184"/>
+        </p:xfrm>
+        <a:graphic>
+          <a:graphicData uri="http://schemas.openxmlformats.org/drawingml/2006/table">
+            <a:tbl>
+              <a:tblPr firstRow="1" bandRow="1">
+                <a:tableStyleId>{D113A9D2-9D6B-4929-AA2D-F23B5EE8CBE7}</a:tableStyleId>
+              </a:tblPr>
+              <a:tblGrid>
+                <a:gridCol w="3095517">
+                  <a:extLst>
+                    <a:ext uri="{9D8B030D-6E8A-4147-A177-3AD203B41FA5}">
+                      <a16:colId xmlns:a16="http://schemas.microsoft.com/office/drawing/2014/main" val="1520391550"/>
+                    </a:ext>
+                  </a:extLst>
+                </a:gridCol>
+                <a:gridCol w="3095517">
+                  <a:extLst>
+                    <a:ext uri="{9D8B030D-6E8A-4147-A177-3AD203B41FA5}">
+                      <a16:colId xmlns:a16="http://schemas.microsoft.com/office/drawing/2014/main" val="2972984696"/>
+                    </a:ext>
+                  </a:extLst>
+                </a:gridCol>
+              </a:tblGrid>
+              <a:tr h="665264">
+                <a:tc>
+                  <a:txBody>
+                    <a:bodyPr/>
+                    <a:lstStyle/>
+                    <a:p>
+                      <a:pPr marL="0" marR="0" lvl="0" indent="0" algn="l" defTabSz="457200" rtl="0" eaLnBrk="1" fontAlgn="auto" latinLnBrk="0" hangingPunct="1">
+                        <a:lnSpc>
+                          <a:spcPct val="100000"/>
+                        </a:lnSpc>
+                        <a:spcBef>
+                          <a:spcPts val="0"/>
+                        </a:spcBef>
+                        <a:spcAft>
+                          <a:spcPts val="0"/>
+                        </a:spcAft>
+                        <a:buClrTx/>
+                        <a:buSzTx/>
+                        <a:buFontTx/>
+                        <a:buNone/>
+                        <a:tabLst/>
+                        <a:defRPr/>
+                      </a:pPr>
+                      <a:r>
+                        <a:rPr kumimoji="0" lang="zh-CN" altLang="en-US" sz="3200" b="1" i="0" u="none" strike="noStrike" kern="1200" cap="none" spc="0" normalizeH="0" baseline="0" noProof="0" dirty="0" smtClean="0">
+                          <a:ln>
+                            <a:noFill/>
+                          </a:ln>
+                          <a:solidFill>
+                            <a:prstClr val="white"/>
+                          </a:solidFill>
+                          <a:effectLst/>
+                          <a:uLnTx/>
+                          <a:uFillTx/>
+                          <a:latin typeface="DFKai-SB" panose="03000509000000000000" pitchFamily="65" charset="-120"/>
+                          <a:ea typeface="DFKai-SB" panose="03000509000000000000" pitchFamily="65" charset="-120"/>
+                          <a:cs typeface="+mn-cs"/>
+                        </a:rPr>
+                        <a:t>描述性項目</a:t>
+                      </a:r>
+                    </a:p>
+                  </a:txBody>
+                  <a:tcPr/>
+                </a:tc>
+                <a:tc>
+                  <a:txBody>
+                    <a:bodyPr/>
+                    <a:lstStyle/>
+                    <a:p>
+                      <a:pPr marL="0" marR="0" lvl="0" indent="0" algn="l" defTabSz="457200" rtl="0" eaLnBrk="1" fontAlgn="auto" latinLnBrk="0" hangingPunct="1">
+                        <a:lnSpc>
+                          <a:spcPct val="100000"/>
+                        </a:lnSpc>
+                        <a:spcBef>
+                          <a:spcPts val="0"/>
+                        </a:spcBef>
+                        <a:spcAft>
+                          <a:spcPts val="0"/>
+                        </a:spcAft>
+                        <a:buClrTx/>
+                        <a:buSzTx/>
+                        <a:buFontTx/>
+                        <a:buNone/>
+                        <a:tabLst/>
+                        <a:defRPr/>
+                      </a:pPr>
+                      <a:r>
+                        <a:rPr kumimoji="0" lang="zh-CN" altLang="en-US" sz="3200" b="1" i="0" u="none" strike="noStrike" kern="1200" cap="none" spc="0" normalizeH="0" baseline="0" noProof="0" dirty="0" smtClean="0">
+                          <a:ln>
+                            <a:noFill/>
+                          </a:ln>
+                          <a:solidFill>
+                            <a:prstClr val="white"/>
+                          </a:solidFill>
+                          <a:effectLst/>
+                          <a:uLnTx/>
+                          <a:uFillTx/>
+                          <a:latin typeface="DFKai-SB" panose="03000509000000000000" pitchFamily="65" charset="-120"/>
+                          <a:ea typeface="DFKai-SB" panose="03000509000000000000" pitchFamily="65" charset="-120"/>
+                          <a:cs typeface="+mn-cs"/>
+                        </a:rPr>
+                        <a:t>事件條列式</a:t>
+                      </a:r>
+                    </a:p>
+                  </a:txBody>
+                  <a:tcPr/>
+                </a:tc>
+                <a:extLst>
+                  <a:ext uri="{0D108BD9-81ED-4DB2-BD59-A6C34878D82A}">
+                    <a16:rowId xmlns:a16="http://schemas.microsoft.com/office/drawing/2014/main" val="858674899"/>
+                  </a:ext>
+                </a:extLst>
+              </a:tr>
+              <a:tr h="1001949">
+                <a:tc>
+                  <a:txBody>
+                    <a:bodyPr/>
+                    <a:lstStyle/>
+                    <a:p>
+                      <a:r>
+                        <a:rPr lang="en-US" altLang="zh-TW" sz="2000" dirty="0" smtClean="0">
+                          <a:solidFill>
+                            <a:schemeClr val="tx1"/>
+                          </a:solidFill>
+                          <a:latin typeface="DFKai-SB" panose="03000509000000000000" pitchFamily="65" charset="-120"/>
+                          <a:ea typeface="DFKai-SB" panose="03000509000000000000" pitchFamily="65" charset="-120"/>
+                        </a:rPr>
+                        <a:t>10.</a:t>
+                      </a:r>
+                      <a:r>
+                        <a:rPr lang="zh-TW" altLang="en-US" sz="2000" dirty="0" smtClean="0">
+                          <a:solidFill>
+                            <a:srgbClr val="FF0000"/>
+                          </a:solidFill>
+                          <a:latin typeface="DFKai-SB" panose="03000509000000000000" pitchFamily="65" charset="-120"/>
+                          <a:ea typeface="DFKai-SB" panose="03000509000000000000" pitchFamily="65" charset="-120"/>
+                        </a:rPr>
+                        <a:t>客戶</a:t>
+                      </a:r>
+                      <a:r>
+                        <a:rPr lang="zh-TW" altLang="en-US" sz="2000" dirty="0" smtClean="0">
+                          <a:solidFill>
+                            <a:schemeClr val="tx1"/>
+                          </a:solidFill>
+                          <a:latin typeface="DFKai-SB" panose="03000509000000000000" pitchFamily="65" charset="-120"/>
+                          <a:ea typeface="DFKai-SB" panose="03000509000000000000" pitchFamily="65" charset="-120"/>
+                        </a:rPr>
+                        <a:t>要做出轉彎行為時，</a:t>
+                      </a:r>
+                      <a:r>
+                        <a:rPr lang="zh-TW" altLang="en-US" sz="2000" dirty="0" smtClean="0">
+                          <a:solidFill>
+                            <a:srgbClr val="FF0000"/>
+                          </a:solidFill>
+                          <a:latin typeface="DFKai-SB" panose="03000509000000000000" pitchFamily="65" charset="-120"/>
+                          <a:ea typeface="DFKai-SB" panose="03000509000000000000" pitchFamily="65" charset="-120"/>
+                        </a:rPr>
+                        <a:t>警示裝置</a:t>
+                      </a:r>
+                      <a:r>
+                        <a:rPr lang="zh-TW" altLang="en-US" sz="2000" dirty="0" smtClean="0">
+                          <a:solidFill>
+                            <a:schemeClr val="tx1"/>
+                          </a:solidFill>
+                          <a:latin typeface="DFKai-SB" panose="03000509000000000000" pitchFamily="65" charset="-120"/>
+                          <a:ea typeface="DFKai-SB" panose="03000509000000000000" pitchFamily="65" charset="-120"/>
+                        </a:rPr>
+                        <a:t>也會對此進行檢測</a:t>
+                      </a:r>
+                      <a:r>
+                        <a:rPr lang="zh-CN" altLang="en-US" sz="2000" dirty="0" smtClean="0">
+                          <a:solidFill>
+                            <a:schemeClr val="tx1"/>
+                          </a:solidFill>
+                          <a:latin typeface="DFKai-SB" panose="03000509000000000000" pitchFamily="65" charset="-120"/>
+                          <a:ea typeface="DFKai-SB" panose="03000509000000000000" pitchFamily="65" charset="-120"/>
+                        </a:rPr>
+                        <a:t>，</a:t>
+                      </a:r>
+                      <a:r>
+                        <a:rPr lang="zh-TW" altLang="en-US" sz="2000" dirty="0" smtClean="0">
+                          <a:solidFill>
+                            <a:schemeClr val="tx1"/>
+                          </a:solidFill>
+                          <a:latin typeface="DFKai-SB" panose="03000509000000000000" pitchFamily="65" charset="-120"/>
+                          <a:ea typeface="DFKai-SB" panose="03000509000000000000" pitchFamily="65" charset="-120"/>
+                        </a:rPr>
+                        <a:t>並將預行進的方向</a:t>
+                      </a:r>
+                      <a:r>
+                        <a:rPr lang="zh-TW" altLang="en-US" sz="2000" dirty="0" smtClean="0">
+                          <a:solidFill>
+                            <a:srgbClr val="FF0000"/>
+                          </a:solidFill>
+                          <a:latin typeface="DFKai-SB" panose="03000509000000000000" pitchFamily="65" charset="-120"/>
+                          <a:ea typeface="DFKai-SB" panose="03000509000000000000" pitchFamily="65" charset="-120"/>
+                        </a:rPr>
+                        <a:t>顯示</a:t>
+                      </a:r>
+                      <a:r>
+                        <a:rPr lang="zh-TW" altLang="en-US" sz="2000" dirty="0" smtClean="0">
+                          <a:solidFill>
+                            <a:schemeClr val="tx1"/>
+                          </a:solidFill>
+                          <a:latin typeface="DFKai-SB" panose="03000509000000000000" pitchFamily="65" charset="-120"/>
+                          <a:ea typeface="DFKai-SB" panose="03000509000000000000" pitchFamily="65" charset="-120"/>
+                        </a:rPr>
+                        <a:t>在</a:t>
+                      </a:r>
+                      <a:r>
+                        <a:rPr lang="en-US" altLang="zh-TW" sz="2000" dirty="0" smtClean="0">
+                          <a:solidFill>
+                            <a:schemeClr val="tx1"/>
+                          </a:solidFill>
+                          <a:latin typeface="DFKai-SB" panose="03000509000000000000" pitchFamily="65" charset="-120"/>
+                          <a:ea typeface="DFKai-SB" panose="03000509000000000000" pitchFamily="65" charset="-120"/>
+                        </a:rPr>
+                        <a:t>LCD</a:t>
+                      </a:r>
+                      <a:r>
+                        <a:rPr lang="zh-TW" altLang="en-US" sz="2000" dirty="0" smtClean="0">
+                          <a:solidFill>
+                            <a:schemeClr val="tx1"/>
+                          </a:solidFill>
+                          <a:latin typeface="DFKai-SB" panose="03000509000000000000" pitchFamily="65" charset="-120"/>
+                          <a:ea typeface="DFKai-SB" panose="03000509000000000000" pitchFamily="65" charset="-120"/>
+                        </a:rPr>
+                        <a:t>顯示屏上</a:t>
+                      </a:r>
+                      <a:r>
+                        <a:rPr lang="zh-CN" altLang="en-US" sz="2000" dirty="0" smtClean="0">
+                          <a:solidFill>
+                            <a:schemeClr val="tx1"/>
+                          </a:solidFill>
+                          <a:latin typeface="DFKai-SB" panose="03000509000000000000" pitchFamily="65" charset="-120"/>
+                          <a:ea typeface="DFKai-SB" panose="03000509000000000000" pitchFamily="65" charset="-120"/>
+                        </a:rPr>
+                        <a:t>。</a:t>
+                      </a:r>
+                      <a:endParaRPr lang="zh-CN" altLang="en-US" dirty="0"/>
+                    </a:p>
+                  </a:txBody>
+                  <a:tcPr/>
+                </a:tc>
+                <a:tc>
+                  <a:txBody>
+                    <a:bodyPr/>
+                    <a:lstStyle/>
+                    <a:p>
+                      <a:pPr marL="0" marR="0" lvl="0" indent="0" algn="l" defTabSz="457200" rtl="0" eaLnBrk="1" fontAlgn="auto" latinLnBrk="0" hangingPunct="1">
+                        <a:lnSpc>
+                          <a:spcPct val="100000"/>
+                        </a:lnSpc>
+                        <a:spcBef>
+                          <a:spcPts val="0"/>
+                        </a:spcBef>
+                        <a:spcAft>
+                          <a:spcPts val="0"/>
+                        </a:spcAft>
+                        <a:buClrTx/>
+                        <a:buSzTx/>
+                        <a:buFontTx/>
+                        <a:buNone/>
+                        <a:tabLst/>
+                        <a:defRPr/>
+                      </a:pPr>
+                      <a:r>
+                        <a:rPr lang="zh-TW" altLang="en-US" sz="2400" dirty="0" smtClean="0">
+                          <a:solidFill>
+                            <a:srgbClr val="FF0000"/>
+                          </a:solidFill>
+                          <a:latin typeface="DFKai-SB" panose="03000509000000000000" pitchFamily="65" charset="-120"/>
+                          <a:ea typeface="DFKai-SB" panose="03000509000000000000" pitchFamily="65" charset="-120"/>
+                        </a:rPr>
+                        <a:t>裝置</a:t>
+                      </a:r>
+                      <a:r>
+                        <a:rPr lang="en-US" altLang="zh-TW" sz="2400" dirty="0" smtClean="0">
+                          <a:solidFill>
+                            <a:schemeClr val="tx1"/>
+                          </a:solidFill>
+                          <a:latin typeface="DFKai-SB" panose="03000509000000000000" pitchFamily="65" charset="-120"/>
+                          <a:ea typeface="DFKai-SB" panose="03000509000000000000" pitchFamily="65" charset="-120"/>
+                        </a:rPr>
+                        <a:t>+</a:t>
+                      </a:r>
+                      <a:r>
+                        <a:rPr lang="zh-CN" altLang="en-US" sz="2400" dirty="0" smtClean="0">
+                          <a:solidFill>
+                            <a:srgbClr val="FF0000"/>
+                          </a:solidFill>
+                          <a:latin typeface="DFKai-SB" panose="03000509000000000000" pitchFamily="65" charset="-120"/>
+                          <a:ea typeface="DFKai-SB" panose="03000509000000000000" pitchFamily="65" charset="-120"/>
+                        </a:rPr>
+                        <a:t>告知</a:t>
+                      </a:r>
+                      <a:r>
+                        <a:rPr lang="en-US" altLang="zh-TW" sz="2400" dirty="0" smtClean="0">
+                          <a:solidFill>
+                            <a:schemeClr val="tx1"/>
+                          </a:solidFill>
+                          <a:latin typeface="DFKai-SB" panose="03000509000000000000" pitchFamily="65" charset="-120"/>
+                          <a:ea typeface="DFKai-SB" panose="03000509000000000000" pitchFamily="65" charset="-120"/>
+                        </a:rPr>
+                        <a:t>+</a:t>
+                      </a:r>
+                      <a:r>
+                        <a:rPr lang="zh-CN" altLang="en-US" sz="2400" dirty="0" smtClean="0">
+                          <a:solidFill>
+                            <a:srgbClr val="FF0000"/>
+                          </a:solidFill>
+                          <a:latin typeface="DFKai-SB" panose="03000509000000000000" pitchFamily="65" charset="-120"/>
+                          <a:ea typeface="DFKai-SB" panose="03000509000000000000" pitchFamily="65" charset="-120"/>
+                        </a:rPr>
+                        <a:t>客戶</a:t>
+                      </a:r>
+                      <a:endParaRPr lang="zh-TW" altLang="en-US" sz="2400" dirty="0" smtClean="0">
+                        <a:solidFill>
+                          <a:srgbClr val="FF0000"/>
+                        </a:solidFill>
+                        <a:latin typeface="DFKai-SB" panose="03000509000000000000" pitchFamily="65" charset="-120"/>
+                        <a:ea typeface="DFKai-SB" panose="03000509000000000000" pitchFamily="65" charset="-120"/>
+                      </a:endParaRPr>
+                    </a:p>
+                    <a:p>
+                      <a:endParaRPr lang="zh-CN" altLang="en-US" dirty="0"/>
+                    </a:p>
+                  </a:txBody>
+                  <a:tcPr/>
+                </a:tc>
+                <a:extLst>
+                  <a:ext uri="{0D108BD9-81ED-4DB2-BD59-A6C34878D82A}">
+                    <a16:rowId xmlns:a16="http://schemas.microsoft.com/office/drawing/2014/main" val="4153081077"/>
+                  </a:ext>
+                </a:extLst>
+              </a:tr>
+              <a:tr h="1245351">
+                <a:tc>
+                  <a:txBody>
+                    <a:bodyPr/>
+                    <a:lstStyle/>
+                    <a:p>
+                      <a:pPr marL="0" marR="0" lvl="0" indent="0" algn="l" defTabSz="457200" rtl="0" eaLnBrk="1" fontAlgn="auto" latinLnBrk="0" hangingPunct="1">
+                        <a:lnSpc>
+                          <a:spcPct val="100000"/>
+                        </a:lnSpc>
+                        <a:spcBef>
+                          <a:spcPts val="0"/>
+                        </a:spcBef>
+                        <a:spcAft>
+                          <a:spcPts val="0"/>
+                        </a:spcAft>
+                        <a:buClrTx/>
+                        <a:buSzTx/>
+                        <a:buFontTx/>
+                        <a:buNone/>
+                        <a:tabLst/>
+                        <a:defRPr/>
+                      </a:pPr>
+                      <a:r>
+                        <a:rPr kumimoji="0" lang="en-US" altLang="zh-TW" sz="2000" b="0" i="0" u="none" strike="noStrike" kern="1200" cap="none" spc="0" normalizeH="0" baseline="0" noProof="0" dirty="0" smtClean="0">
+                          <a:ln>
+                            <a:noFill/>
+                          </a:ln>
+                          <a:solidFill>
+                            <a:prstClr val="black"/>
+                          </a:solidFill>
+                          <a:effectLst/>
+                          <a:uLnTx/>
+                          <a:uFillTx/>
+                          <a:latin typeface="DFKai-SB" panose="03000509000000000000" pitchFamily="65" charset="-120"/>
+                          <a:ea typeface="DFKai-SB" panose="03000509000000000000" pitchFamily="65" charset="-120"/>
+                          <a:cs typeface="+mn-cs"/>
+                        </a:rPr>
+                        <a:t>11.</a:t>
+                      </a:r>
+                      <a:r>
+                        <a:rPr kumimoji="0" lang="zh-CN" altLang="en-US" sz="2000" b="0" i="0" u="none" strike="noStrike" kern="1200" cap="none" spc="0" normalizeH="0" baseline="0" noProof="0" dirty="0" smtClean="0">
+                          <a:ln>
+                            <a:noFill/>
+                          </a:ln>
+                          <a:solidFill>
+                            <a:srgbClr val="FF0000"/>
+                          </a:solidFill>
+                          <a:effectLst/>
+                          <a:uLnTx/>
+                          <a:uFillTx/>
+                          <a:latin typeface="DFKai-SB" panose="03000509000000000000" pitchFamily="65" charset="-120"/>
+                          <a:ea typeface="DFKai-SB" panose="03000509000000000000" pitchFamily="65" charset="-120"/>
+                          <a:cs typeface="+mn-cs"/>
+                        </a:rPr>
+                        <a:t>裝置</a:t>
+                      </a:r>
+                      <a:r>
+                        <a:rPr kumimoji="0" lang="zh-CN" altLang="en-US" sz="2000" b="0" i="0" u="none" strike="noStrike" kern="1200" cap="none" spc="0" normalizeH="0" baseline="0" noProof="0" dirty="0" smtClean="0">
+                          <a:ln>
+                            <a:noFill/>
+                          </a:ln>
+                          <a:solidFill>
+                            <a:prstClr val="black"/>
+                          </a:solidFill>
+                          <a:effectLst/>
+                          <a:uLnTx/>
+                          <a:uFillTx/>
+                          <a:latin typeface="DFKai-SB" panose="03000509000000000000" pitchFamily="65" charset="-120"/>
+                          <a:ea typeface="DFKai-SB" panose="03000509000000000000" pitchFamily="65" charset="-120"/>
+                          <a:cs typeface="+mn-cs"/>
+                        </a:rPr>
+                        <a:t>同時也會</a:t>
+                      </a:r>
+                      <a:r>
+                        <a:rPr kumimoji="0" lang="zh-TW" altLang="en-US" sz="2000" b="0" i="0" u="none" strike="noStrike" kern="1200" cap="none" spc="0" normalizeH="0" baseline="0" noProof="0" dirty="0" smtClean="0">
+                          <a:ln>
+                            <a:noFill/>
+                          </a:ln>
+                          <a:solidFill>
+                            <a:prstClr val="black"/>
+                          </a:solidFill>
+                          <a:effectLst/>
+                          <a:uLnTx/>
+                          <a:uFillTx/>
+                          <a:latin typeface="DFKai-SB" panose="03000509000000000000" pitchFamily="65" charset="-120"/>
+                          <a:ea typeface="DFKai-SB" panose="03000509000000000000" pitchFamily="65" charset="-120"/>
+                          <a:cs typeface="+mn-cs"/>
+                        </a:rPr>
+                        <a:t>大聲鳴嚮蜂鳴器，</a:t>
+                      </a:r>
+                      <a:r>
+                        <a:rPr kumimoji="0" lang="zh-TW" altLang="en-US" sz="2000" b="0" i="0" u="none" strike="noStrike" kern="1200" cap="none" spc="0" normalizeH="0" baseline="0" noProof="0" dirty="0" smtClean="0">
+                          <a:ln>
+                            <a:noFill/>
+                          </a:ln>
+                          <a:solidFill>
+                            <a:srgbClr val="FF0000"/>
+                          </a:solidFill>
+                          <a:effectLst/>
+                          <a:uLnTx/>
+                          <a:uFillTx/>
+                          <a:latin typeface="DFKai-SB" panose="03000509000000000000" pitchFamily="65" charset="-120"/>
+                          <a:ea typeface="DFKai-SB" panose="03000509000000000000" pitchFamily="65" charset="-120"/>
+                          <a:cs typeface="+mn-cs"/>
+                        </a:rPr>
+                        <a:t>提醒</a:t>
+                      </a:r>
+                      <a:r>
+                        <a:rPr kumimoji="0" lang="zh-TW" altLang="en-US" sz="2000" b="0" i="0" u="none" strike="noStrike" kern="1200" cap="none" spc="0" normalizeH="0" baseline="0" noProof="0" dirty="0" smtClean="0">
+                          <a:ln>
+                            <a:noFill/>
+                          </a:ln>
+                          <a:solidFill>
+                            <a:prstClr val="black"/>
+                          </a:solidFill>
+                          <a:effectLst/>
+                          <a:uLnTx/>
+                          <a:uFillTx/>
+                          <a:latin typeface="DFKai-SB" panose="03000509000000000000" pitchFamily="65" charset="-120"/>
+                          <a:ea typeface="DFKai-SB" panose="03000509000000000000" pitchFamily="65" charset="-120"/>
+                          <a:cs typeface="+mn-cs"/>
+                        </a:rPr>
+                        <a:t>後方要跟車的</a:t>
+                      </a:r>
+                      <a:r>
+                        <a:rPr kumimoji="0" lang="zh-TW" altLang="en-US" sz="2000" b="0" i="0" u="none" strike="noStrike" kern="1200" cap="none" spc="0" normalizeH="0" baseline="0" noProof="0" dirty="0" smtClean="0">
+                          <a:ln>
+                            <a:noFill/>
+                          </a:ln>
+                          <a:solidFill>
+                            <a:srgbClr val="FF0000"/>
+                          </a:solidFill>
+                          <a:effectLst/>
+                          <a:uLnTx/>
+                          <a:uFillTx/>
+                          <a:latin typeface="DFKai-SB" panose="03000509000000000000" pitchFamily="65" charset="-120"/>
+                          <a:ea typeface="DFKai-SB" panose="03000509000000000000" pitchFamily="65" charset="-120"/>
+                          <a:cs typeface="+mn-cs"/>
+                        </a:rPr>
+                        <a:t>大型貨車</a:t>
+                      </a:r>
+                      <a:r>
+                        <a:rPr kumimoji="0" lang="zh-TW" altLang="en-US" sz="2000" b="0" i="0" u="none" strike="noStrike" kern="1200" cap="none" spc="0" normalizeH="0" baseline="0" noProof="0" dirty="0" smtClean="0">
+                          <a:ln>
+                            <a:noFill/>
+                          </a:ln>
+                          <a:solidFill>
+                            <a:prstClr val="black"/>
+                          </a:solidFill>
+                          <a:effectLst/>
+                          <a:uLnTx/>
+                          <a:uFillTx/>
+                          <a:latin typeface="DFKai-SB" panose="03000509000000000000" pitchFamily="65" charset="-120"/>
+                          <a:ea typeface="DFKai-SB" panose="03000509000000000000" pitchFamily="65" charset="-120"/>
+                          <a:cs typeface="+mn-cs"/>
+                        </a:rPr>
+                        <a:t>，以防車禍的發生。</a:t>
+                      </a:r>
+                    </a:p>
+                  </a:txBody>
+                  <a:tcPr/>
+                </a:tc>
+                <a:tc>
+                  <a:txBody>
+                    <a:bodyPr/>
+                    <a:lstStyle/>
+                    <a:p>
+                      <a:pPr marL="0" marR="0" lvl="0" indent="0" algn="l" defTabSz="457200" rtl="0" eaLnBrk="1" fontAlgn="auto" latinLnBrk="0" hangingPunct="1">
+                        <a:lnSpc>
+                          <a:spcPct val="100000"/>
+                        </a:lnSpc>
+                        <a:spcBef>
+                          <a:spcPts val="0"/>
+                        </a:spcBef>
+                        <a:spcAft>
+                          <a:spcPts val="0"/>
+                        </a:spcAft>
+                        <a:buClrTx/>
+                        <a:buSzTx/>
+                        <a:buFontTx/>
+                        <a:buNone/>
+                        <a:tabLst/>
+                        <a:defRPr/>
+                      </a:pPr>
+                      <a:r>
+                        <a:rPr lang="zh-TW" altLang="en-US" sz="2400" dirty="0" smtClean="0">
+                          <a:solidFill>
+                            <a:srgbClr val="FF0000"/>
+                          </a:solidFill>
+                          <a:latin typeface="DFKai-SB" panose="03000509000000000000" pitchFamily="65" charset="-120"/>
+                          <a:ea typeface="DFKai-SB" panose="03000509000000000000" pitchFamily="65" charset="-120"/>
+                        </a:rPr>
+                        <a:t>裝置</a:t>
+                      </a:r>
+                      <a:r>
+                        <a:rPr lang="en-US" altLang="zh-TW" sz="2400" dirty="0" smtClean="0">
+                          <a:solidFill>
+                            <a:schemeClr val="tx1"/>
+                          </a:solidFill>
+                          <a:latin typeface="DFKai-SB" panose="03000509000000000000" pitchFamily="65" charset="-120"/>
+                          <a:ea typeface="DFKai-SB" panose="03000509000000000000" pitchFamily="65" charset="-120"/>
+                        </a:rPr>
+                        <a:t>+</a:t>
+                      </a:r>
+                      <a:r>
+                        <a:rPr lang="zh-TW" altLang="en-US" sz="2400" dirty="0" smtClean="0">
+                          <a:solidFill>
+                            <a:srgbClr val="FF0000"/>
+                          </a:solidFill>
+                          <a:latin typeface="DFKai-SB" panose="03000509000000000000" pitchFamily="65" charset="-120"/>
+                          <a:ea typeface="DFKai-SB" panose="03000509000000000000" pitchFamily="65" charset="-120"/>
+                        </a:rPr>
+                        <a:t>提醒</a:t>
+                      </a:r>
+                      <a:r>
+                        <a:rPr lang="en-US" altLang="zh-TW" sz="2400" dirty="0" smtClean="0">
+                          <a:solidFill>
+                            <a:schemeClr val="tx1"/>
+                          </a:solidFill>
+                          <a:latin typeface="DFKai-SB" panose="03000509000000000000" pitchFamily="65" charset="-120"/>
+                          <a:ea typeface="DFKai-SB" panose="03000509000000000000" pitchFamily="65" charset="-120"/>
+                        </a:rPr>
+                        <a:t>+</a:t>
+                      </a:r>
+                      <a:r>
+                        <a:rPr lang="zh-TW" altLang="en-US" sz="2400" dirty="0" smtClean="0">
+                          <a:solidFill>
+                            <a:srgbClr val="FF0000"/>
+                          </a:solidFill>
+                          <a:latin typeface="DFKai-SB" panose="03000509000000000000" pitchFamily="65" charset="-120"/>
+                          <a:ea typeface="DFKai-SB" panose="03000509000000000000" pitchFamily="65" charset="-120"/>
+                        </a:rPr>
+                        <a:t>其他跟車</a:t>
+                      </a:r>
+                    </a:p>
+                    <a:p>
+                      <a:endParaRPr lang="zh-CN" altLang="en-US" dirty="0"/>
+                    </a:p>
+                  </a:txBody>
+                  <a:tcPr/>
+                </a:tc>
+                <a:extLst>
+                  <a:ext uri="{0D108BD9-81ED-4DB2-BD59-A6C34878D82A}">
+                    <a16:rowId xmlns:a16="http://schemas.microsoft.com/office/drawing/2014/main" val="3547304475"/>
+                  </a:ext>
+                </a:extLst>
+              </a:tr>
+              <a:tr h="1245351">
+                <a:tc>
+                  <a:txBody>
+                    <a:bodyPr/>
+                    <a:lstStyle/>
+                    <a:p>
+                      <a:pPr marL="0" marR="0" lvl="0" indent="0" algn="l" defTabSz="457200" rtl="0" eaLnBrk="1" fontAlgn="auto" latinLnBrk="0" hangingPunct="1">
+                        <a:lnSpc>
+                          <a:spcPct val="100000"/>
+                        </a:lnSpc>
+                        <a:spcBef>
+                          <a:spcPts val="0"/>
+                        </a:spcBef>
+                        <a:spcAft>
+                          <a:spcPts val="0"/>
+                        </a:spcAft>
+                        <a:buClrTx/>
+                        <a:buSzTx/>
+                        <a:buFontTx/>
+                        <a:buNone/>
+                        <a:tabLst/>
+                        <a:defRPr/>
+                      </a:pPr>
+                      <a:r>
+                        <a:rPr lang="en-US" altLang="zh-TW" sz="2000" dirty="0" smtClean="0">
+                          <a:solidFill>
+                            <a:schemeClr val="tx1"/>
+                          </a:solidFill>
+                          <a:latin typeface="DFKai-SB" panose="03000509000000000000" pitchFamily="65" charset="-120"/>
+                          <a:ea typeface="DFKai-SB" panose="03000509000000000000" pitchFamily="65" charset="-120"/>
+                        </a:rPr>
+                        <a:t>12.</a:t>
+                      </a:r>
+                      <a:r>
+                        <a:rPr lang="zh-TW" altLang="en-US" sz="2000" dirty="0" smtClean="0">
+                          <a:solidFill>
+                            <a:schemeClr val="tx1"/>
+                          </a:solidFill>
+                          <a:latin typeface="DFKai-SB" panose="03000509000000000000" pitchFamily="65" charset="-120"/>
+                          <a:ea typeface="DFKai-SB" panose="03000509000000000000" pitchFamily="65" charset="-120"/>
+                        </a:rPr>
+                        <a:t>如果</a:t>
+                      </a:r>
+                      <a:r>
+                        <a:rPr lang="zh-TW" altLang="en-US" sz="2000" dirty="0" smtClean="0">
+                          <a:solidFill>
+                            <a:srgbClr val="FF0000"/>
+                          </a:solidFill>
+                          <a:latin typeface="DFKai-SB" panose="03000509000000000000" pitchFamily="65" charset="-120"/>
+                          <a:ea typeface="DFKai-SB" panose="03000509000000000000" pitchFamily="65" charset="-120"/>
+                        </a:rPr>
+                        <a:t>後方大型</a:t>
+                      </a:r>
+                      <a:r>
+                        <a:rPr lang="zh-CN" altLang="en-US" sz="2000" dirty="0" smtClean="0">
+                          <a:solidFill>
+                            <a:srgbClr val="FF0000"/>
+                          </a:solidFill>
+                          <a:latin typeface="DFKai-SB" panose="03000509000000000000" pitchFamily="65" charset="-120"/>
+                          <a:ea typeface="DFKai-SB" panose="03000509000000000000" pitchFamily="65" charset="-120"/>
+                        </a:rPr>
+                        <a:t>車輛</a:t>
+                      </a:r>
+                      <a:r>
+                        <a:rPr lang="zh-TW" altLang="en-US" sz="2000" dirty="0" smtClean="0">
+                          <a:solidFill>
+                            <a:schemeClr val="tx1"/>
+                          </a:solidFill>
+                          <a:latin typeface="DFKai-SB" panose="03000509000000000000" pitchFamily="65" charset="-120"/>
+                          <a:ea typeface="DFKai-SB" panose="03000509000000000000" pitchFamily="65" charset="-120"/>
+                        </a:rPr>
+                        <a:t>有安裝</a:t>
+                      </a:r>
+                      <a:r>
+                        <a:rPr lang="en-US" altLang="zh-TW" sz="2000" dirty="0" smtClean="0">
+                          <a:solidFill>
+                            <a:srgbClr val="FF0000"/>
+                          </a:solidFill>
+                          <a:latin typeface="DFKai-SB" panose="03000509000000000000" pitchFamily="65" charset="-120"/>
+                          <a:ea typeface="DFKai-SB" panose="03000509000000000000" pitchFamily="65" charset="-120"/>
+                        </a:rPr>
+                        <a:t>app</a:t>
+                      </a:r>
+                      <a:r>
+                        <a:rPr lang="en-US" altLang="zh-TW" sz="2000" dirty="0" smtClean="0">
+                          <a:solidFill>
+                            <a:schemeClr val="tx1"/>
+                          </a:solidFill>
+                          <a:latin typeface="DFKai-SB" panose="03000509000000000000" pitchFamily="65" charset="-120"/>
+                          <a:ea typeface="DFKai-SB" panose="03000509000000000000" pitchFamily="65" charset="-120"/>
+                        </a:rPr>
+                        <a:t>,</a:t>
+                      </a:r>
+                      <a:r>
+                        <a:rPr lang="zh-TW" altLang="en-US" sz="2000" dirty="0" smtClean="0">
+                          <a:solidFill>
+                            <a:schemeClr val="tx1"/>
+                          </a:solidFill>
+                          <a:latin typeface="DFKai-SB" panose="03000509000000000000" pitchFamily="65" charset="-120"/>
+                          <a:ea typeface="DFKai-SB" panose="03000509000000000000" pitchFamily="65" charset="-120"/>
+                        </a:rPr>
+                        <a:t>蜂鳴器則不會響起，改用語音播報訊息進行</a:t>
+                      </a:r>
+                      <a:r>
+                        <a:rPr lang="zh-TW" altLang="en-US" sz="2000" dirty="0" smtClean="0">
+                          <a:solidFill>
+                            <a:srgbClr val="FF0000"/>
+                          </a:solidFill>
+                          <a:latin typeface="DFKai-SB" panose="03000509000000000000" pitchFamily="65" charset="-120"/>
+                          <a:ea typeface="DFKai-SB" panose="03000509000000000000" pitchFamily="65" charset="-120"/>
+                        </a:rPr>
+                        <a:t>提醒</a:t>
+                      </a:r>
+                      <a:r>
+                        <a:rPr lang="zh-CN" altLang="en-US" sz="2000" dirty="0" smtClean="0">
+                          <a:solidFill>
+                            <a:schemeClr val="tx1"/>
+                          </a:solidFill>
+                          <a:latin typeface="DFKai-SB" panose="03000509000000000000" pitchFamily="65" charset="-120"/>
+                          <a:ea typeface="DFKai-SB" panose="03000509000000000000" pitchFamily="65" charset="-120"/>
+                        </a:rPr>
+                        <a:t>。</a:t>
+                      </a:r>
+                      <a:endParaRPr lang="zh-CN" altLang="en-US" sz="2000" dirty="0">
+                        <a:solidFill>
+                          <a:schemeClr val="tx1"/>
+                        </a:solidFill>
+                        <a:latin typeface="DFKai-SB" panose="03000509000000000000" pitchFamily="65" charset="-120"/>
+                        <a:ea typeface="DFKai-SB" panose="03000509000000000000" pitchFamily="65" charset="-120"/>
+                      </a:endParaRPr>
+                    </a:p>
+                  </a:txBody>
+                  <a:tcPr/>
+                </a:tc>
+                <a:tc>
+                  <a:txBody>
+                    <a:bodyPr/>
+                    <a:lstStyle/>
+                    <a:p>
+                      <a:pPr marL="0" marR="0" lvl="0" indent="0" algn="l" defTabSz="457200" rtl="0" eaLnBrk="1" fontAlgn="auto" latinLnBrk="0" hangingPunct="1">
+                        <a:lnSpc>
+                          <a:spcPct val="100000"/>
+                        </a:lnSpc>
+                        <a:spcBef>
+                          <a:spcPts val="0"/>
+                        </a:spcBef>
+                        <a:spcAft>
+                          <a:spcPts val="0"/>
+                        </a:spcAft>
+                        <a:buClrTx/>
+                        <a:buSzTx/>
+                        <a:buFontTx/>
+                        <a:buNone/>
+                        <a:tabLst/>
+                        <a:defRPr/>
+                      </a:pPr>
+                      <a:r>
+                        <a:rPr lang="en-US" altLang="zh-TW" sz="2400" dirty="0" smtClean="0">
+                          <a:solidFill>
+                            <a:srgbClr val="FF0000"/>
+                          </a:solidFill>
+                          <a:latin typeface="DFKai-SB" panose="03000509000000000000" pitchFamily="65" charset="-120"/>
+                          <a:ea typeface="DFKai-SB" panose="03000509000000000000" pitchFamily="65" charset="-120"/>
+                        </a:rPr>
+                        <a:t>App</a:t>
+                      </a:r>
+                      <a:r>
+                        <a:rPr lang="en-US" altLang="zh-TW" sz="2400" dirty="0" smtClean="0">
+                          <a:solidFill>
+                            <a:schemeClr val="tx1"/>
+                          </a:solidFill>
+                          <a:latin typeface="DFKai-SB" panose="03000509000000000000" pitchFamily="65" charset="-120"/>
+                          <a:ea typeface="DFKai-SB" panose="03000509000000000000" pitchFamily="65" charset="-120"/>
+                        </a:rPr>
+                        <a:t>+</a:t>
+                      </a:r>
+                      <a:r>
+                        <a:rPr lang="zh-CN" altLang="en-US" sz="2400" dirty="0" smtClean="0">
+                          <a:solidFill>
+                            <a:srgbClr val="FF0000"/>
+                          </a:solidFill>
+                          <a:latin typeface="DFKai-SB" panose="03000509000000000000" pitchFamily="65" charset="-120"/>
+                          <a:ea typeface="DFKai-SB" panose="03000509000000000000" pitchFamily="65" charset="-120"/>
+                        </a:rPr>
+                        <a:t>提醒</a:t>
+                      </a:r>
+                      <a:r>
+                        <a:rPr lang="en-US" altLang="zh-TW" sz="2400" dirty="0" smtClean="0">
+                          <a:solidFill>
+                            <a:schemeClr val="tx1"/>
+                          </a:solidFill>
+                          <a:latin typeface="DFKai-SB" panose="03000509000000000000" pitchFamily="65" charset="-120"/>
+                          <a:ea typeface="DFKai-SB" panose="03000509000000000000" pitchFamily="65" charset="-120"/>
+                        </a:rPr>
+                        <a:t>+</a:t>
+                      </a:r>
+                      <a:r>
+                        <a:rPr lang="zh-CN" altLang="en-US" sz="2400" dirty="0" smtClean="0">
+                          <a:solidFill>
+                            <a:srgbClr val="FF0000"/>
+                          </a:solidFill>
+                          <a:latin typeface="DFKai-SB" panose="03000509000000000000" pitchFamily="65" charset="-120"/>
+                          <a:ea typeface="DFKai-SB" panose="03000509000000000000" pitchFamily="65" charset="-120"/>
+                        </a:rPr>
+                        <a:t>後方大型車輛</a:t>
+                      </a:r>
+                      <a:endParaRPr lang="zh-TW" altLang="en-US" sz="2400" dirty="0" smtClean="0">
+                        <a:solidFill>
+                          <a:srgbClr val="FF0000"/>
+                        </a:solidFill>
+                        <a:latin typeface="DFKai-SB" panose="03000509000000000000" pitchFamily="65" charset="-120"/>
+                        <a:ea typeface="DFKai-SB" panose="03000509000000000000" pitchFamily="65" charset="-120"/>
+                      </a:endParaRPr>
+                    </a:p>
+                    <a:p>
+                      <a:endParaRPr lang="zh-CN" altLang="en-US" dirty="0"/>
+                    </a:p>
+                  </a:txBody>
+                  <a:tcPr/>
+                </a:tc>
+                <a:extLst>
+                  <a:ext uri="{0D108BD9-81ED-4DB2-BD59-A6C34878D82A}">
+                    <a16:rowId xmlns:a16="http://schemas.microsoft.com/office/drawing/2014/main" val="2548367599"/>
+                  </a:ext>
+                </a:extLst>
+              </a:tr>
+            </a:tbl>
+          </a:graphicData>
+        </a:graphic>
+      </p:graphicFrame>
+    </p:spTree>
+    <p:extLst>
+      <p:ext uri="{BB962C8B-B14F-4D97-AF65-F5344CB8AC3E}">
+        <p14:creationId xmlns:p14="http://schemas.microsoft.com/office/powerpoint/2010/main" val="4249218304"/>
+      </p:ext>
+    </p:extLst>
+  </p:cSld>
+  <p:clrMapOvr>
+    <a:masterClrMapping/>
+  </p:clrMapOvr>
+</p:sld>
+</file>
+
+<file path=ppt/slides/slide12.xml><?xml version="1.0" encoding="utf-8"?>
+<p:sld xmlns:a="http://schemas.openxmlformats.org/drawingml/2006/main" xmlns:r="http://schemas.openxmlformats.org/officeDocument/2006/relationships" xmlns:p="http://schemas.openxmlformats.org/presentationml/2006/main">
+  <p:cSld>
+    <p:spTree>
+      <p:nvGrpSpPr>
+        <p:cNvPr id="1" name=""/>
+        <p:cNvGrpSpPr/>
+        <p:nvPr/>
+      </p:nvGrpSpPr>
+      <p:grpSpPr>
+        <a:xfrm>
+          <a:off x="0" y="0"/>
+          <a:ext cx="0" cy="0"/>
+          <a:chOff x="0" y="0"/>
+          <a:chExt cx="0" cy="0"/>
+        </a:xfrm>
+      </p:grpSpPr>
+      <p:sp>
+        <p:nvSpPr>
+          <p:cNvPr id="2" name="投影片編號版面配置區 1"/>
+          <p:cNvSpPr>
+            <a:spLocks noGrp="1"/>
+          </p:cNvSpPr>
+          <p:nvPr>
+            <p:ph type="sldNum" sz="quarter" idx="12"/>
+          </p:nvPr>
+        </p:nvSpPr>
+        <p:spPr/>
+        <p:txBody>
+          <a:bodyPr/>
+          <a:lstStyle/>
+          <a:p>
+            <a:fld id="{80E16380-4998-42C3-B033-270161A8BE6B}" type="slidenum">
+              <a:rPr lang="zh-TW" altLang="en-US" smtClean="0"/>
+              <a:t>12</a:t>
+            </a:fld>
+            <a:endParaRPr lang="zh-TW" altLang="en-US"/>
+          </a:p>
+        </p:txBody>
+      </p:sp>
+      <p:sp>
+        <p:nvSpPr>
+          <p:cNvPr id="3" name="文字方塊 2"/>
+          <p:cNvSpPr txBox="1"/>
+          <p:nvPr/>
+        </p:nvSpPr>
+        <p:spPr>
+          <a:xfrm>
+            <a:off x="2928025" y="749031"/>
+            <a:ext cx="3346315" cy="830997"/>
+          </a:xfrm>
+          <a:prstGeom prst="rect">
+            <a:avLst/>
+          </a:prstGeom>
+          <a:noFill/>
+        </p:spPr>
+        <p:txBody>
+          <a:bodyPr wrap="square" rtlCol="0">
+            <a:spAutoFit/>
+          </a:bodyPr>
+          <a:lstStyle/>
+          <a:p>
+            <a:pPr algn="ctr"/>
+            <a:r>
+              <a:rPr lang="zh-CN" altLang="en-US" sz="4800" dirty="0" smtClean="0">
+                <a:latin typeface="DFKai-SB" panose="03000509000000000000" pitchFamily="65" charset="-120"/>
+                <a:ea typeface="DFKai-SB" panose="03000509000000000000" pitchFamily="65" charset="-120"/>
+              </a:rPr>
+              <a:t>工作分配</a:t>
+            </a:r>
+            <a:endParaRPr lang="zh-CN" altLang="en-US" sz="4800" dirty="0">
+              <a:latin typeface="DFKai-SB" panose="03000509000000000000" pitchFamily="65" charset="-120"/>
+              <a:ea typeface="DFKai-SB" panose="03000509000000000000" pitchFamily="65" charset="-120"/>
+            </a:endParaRPr>
+          </a:p>
+        </p:txBody>
+      </p:sp>
+      <p:sp>
+        <p:nvSpPr>
+          <p:cNvPr id="5" name="文字方塊 4"/>
+          <p:cNvSpPr txBox="1"/>
+          <p:nvPr/>
+        </p:nvSpPr>
+        <p:spPr>
+          <a:xfrm>
+            <a:off x="1264596" y="1673157"/>
+            <a:ext cx="6809361" cy="3785652"/>
+          </a:xfrm>
+          <a:prstGeom prst="rect">
+            <a:avLst/>
+          </a:prstGeom>
+          <a:noFill/>
+        </p:spPr>
+        <p:txBody>
+          <a:bodyPr wrap="square" rtlCol="0">
+            <a:spAutoFit/>
+          </a:bodyPr>
+          <a:lstStyle/>
+          <a:p>
+            <a:r>
+              <a:rPr lang="zh-CN" altLang="en-US" sz="4000" dirty="0" smtClean="0">
+                <a:latin typeface="DFKai-SB" panose="03000509000000000000" pitchFamily="65" charset="-120"/>
+                <a:ea typeface="DFKai-SB" panose="03000509000000000000" pitchFamily="65" charset="-120"/>
+              </a:rPr>
+              <a:t>吳驍禹</a:t>
+            </a:r>
+            <a:r>
+              <a:rPr lang="zh-CN" altLang="en-US" sz="4000" dirty="0">
+                <a:latin typeface="DFKai-SB" panose="03000509000000000000" pitchFamily="65" charset="-120"/>
+                <a:ea typeface="DFKai-SB" panose="03000509000000000000" pitchFamily="65" charset="-120"/>
+              </a:rPr>
+              <a:t>：</a:t>
+            </a:r>
+            <a:r>
+              <a:rPr lang="zh-CN" altLang="en-US" sz="4000" dirty="0" smtClean="0">
+                <a:latin typeface="DFKai-SB" panose="03000509000000000000" pitchFamily="65" charset="-120"/>
+                <a:ea typeface="DFKai-SB" panose="03000509000000000000" pitchFamily="65" charset="-120"/>
+              </a:rPr>
+              <a:t>製作</a:t>
+            </a:r>
+            <a:r>
+              <a:rPr lang="en-US" altLang="zh-CN" sz="4000" dirty="0" err="1" smtClean="0">
+                <a:latin typeface="DFKai-SB" panose="03000509000000000000" pitchFamily="65" charset="-120"/>
+                <a:ea typeface="DFKai-SB" panose="03000509000000000000" pitchFamily="65" charset="-120"/>
+              </a:rPr>
+              <a:t>ppt</a:t>
+            </a:r>
+            <a:r>
+              <a:rPr lang="zh-CN" altLang="en-US" sz="4000" dirty="0" smtClean="0">
+                <a:latin typeface="DFKai-SB" panose="03000509000000000000" pitchFamily="65" charset="-120"/>
+                <a:ea typeface="DFKai-SB" panose="03000509000000000000" pitchFamily="65" charset="-120"/>
+              </a:rPr>
+              <a:t>，排版整理</a:t>
+            </a:r>
+            <a:endParaRPr lang="en-US" altLang="zh-CN" sz="4000" dirty="0" smtClean="0">
+              <a:latin typeface="DFKai-SB" panose="03000509000000000000" pitchFamily="65" charset="-120"/>
+              <a:ea typeface="DFKai-SB" panose="03000509000000000000" pitchFamily="65" charset="-120"/>
+            </a:endParaRPr>
+          </a:p>
+          <a:p>
+            <a:endParaRPr lang="en-US" altLang="zh-CN" sz="4000" dirty="0">
+              <a:latin typeface="DFKai-SB" panose="03000509000000000000" pitchFamily="65" charset="-120"/>
+              <a:ea typeface="DFKai-SB" panose="03000509000000000000" pitchFamily="65" charset="-120"/>
+            </a:endParaRPr>
+          </a:p>
+          <a:p>
+            <a:r>
+              <a:rPr lang="zh-CN" altLang="en-US" sz="4000" dirty="0" smtClean="0">
+                <a:latin typeface="DFKai-SB" panose="03000509000000000000" pitchFamily="65" charset="-120"/>
+                <a:ea typeface="DFKai-SB" panose="03000509000000000000" pitchFamily="65" charset="-120"/>
+              </a:rPr>
+              <a:t>楊少宏：對之前的“動機與目的”部分進行修改</a:t>
+            </a:r>
+            <a:endParaRPr lang="en-US" altLang="zh-CN" sz="4000" dirty="0" smtClean="0">
+              <a:latin typeface="DFKai-SB" panose="03000509000000000000" pitchFamily="65" charset="-120"/>
+              <a:ea typeface="DFKai-SB" panose="03000509000000000000" pitchFamily="65" charset="-120"/>
+            </a:endParaRPr>
+          </a:p>
+          <a:p>
+            <a:endParaRPr lang="en-US" altLang="zh-CN" sz="4000" dirty="0">
+              <a:latin typeface="DFKai-SB" panose="03000509000000000000" pitchFamily="65" charset="-120"/>
+              <a:ea typeface="DFKai-SB" panose="03000509000000000000" pitchFamily="65" charset="-120"/>
+            </a:endParaRPr>
+          </a:p>
+          <a:p>
+            <a:r>
+              <a:rPr lang="zh-TW" altLang="en-US" sz="4000" dirty="0">
+                <a:latin typeface="標楷體" panose="03000509000000000000" pitchFamily="65" charset="-120"/>
+                <a:ea typeface="標楷體" panose="03000509000000000000" pitchFamily="65" charset="-120"/>
+              </a:rPr>
+              <a:t>張紘</a:t>
+            </a:r>
+            <a:r>
+              <a:rPr lang="zh-TW" altLang="en-US" sz="4000" dirty="0" smtClean="0">
+                <a:latin typeface="標楷體" panose="03000509000000000000" pitchFamily="65" charset="-120"/>
+                <a:ea typeface="標楷體" panose="03000509000000000000" pitchFamily="65" charset="-120"/>
+              </a:rPr>
+              <a:t>綸</a:t>
+            </a:r>
+            <a:r>
+              <a:rPr lang="zh-CN" altLang="en-US" sz="4000" dirty="0" smtClean="0">
+                <a:latin typeface="標楷體" panose="03000509000000000000" pitchFamily="65" charset="-120"/>
+                <a:ea typeface="標楷體" panose="03000509000000000000" pitchFamily="65" charset="-120"/>
+              </a:rPr>
+              <a:t>：參與討論</a:t>
+            </a:r>
+            <a:endParaRPr lang="zh-CN" altLang="en-US" sz="4000" dirty="0">
+              <a:latin typeface="DFKai-SB" panose="03000509000000000000" pitchFamily="65" charset="-120"/>
+              <a:ea typeface="DFKai-SB" panose="03000509000000000000" pitchFamily="65" charset="-120"/>
+            </a:endParaRPr>
+          </a:p>
+        </p:txBody>
+      </p:sp>
+    </p:spTree>
+    <p:extLst>
+      <p:ext uri="{BB962C8B-B14F-4D97-AF65-F5344CB8AC3E}">
+        <p14:creationId xmlns:p14="http://schemas.microsoft.com/office/powerpoint/2010/main" val="2725744757"/>
       </p:ext>
     </p:extLst>
   </p:cSld>
@@ -9085,6 +9097,35 @@
       </p:grpSpPr>
       <p:sp>
         <p:nvSpPr>
+          <p:cNvPr id="4" name="投影片編號版面配置區 3">
+            <a:extLst>
+              <a:ext uri="{FF2B5EF4-FFF2-40B4-BE49-F238E27FC236}">
+                <a16:creationId xmlns:a16="http://schemas.microsoft.com/office/drawing/2014/main" id="{11429054-DE0E-462B-B778-1EF960E7BCBA}"/>
+              </a:ext>
+            </a:extLst>
+          </p:cNvPr>
+          <p:cNvSpPr>
+            <a:spLocks noGrp="1"/>
+          </p:cNvSpPr>
+          <p:nvPr>
+            <p:ph type="sldNum" sz="quarter" idx="12"/>
+          </p:nvPr>
+        </p:nvSpPr>
+        <p:spPr/>
+        <p:txBody>
+          <a:bodyPr/>
+          <a:lstStyle/>
+          <a:p>
+            <a:fld id="{80E16380-4998-42C3-B033-270161A8BE6B}" type="slidenum">
+              <a:rPr lang="zh-TW" altLang="en-US" smtClean="0"/>
+              <a:t>2</a:t>
+            </a:fld>
+            <a:endParaRPr lang="zh-TW" altLang="en-US"/>
+          </a:p>
+        </p:txBody>
+      </p:sp>
+      <p:sp>
+        <p:nvSpPr>
           <p:cNvPr id="2" name="標題 1">
             <a:extLst>
               <a:ext uri="{FF2B5EF4-FFF2-40B4-BE49-F238E27FC236}">
@@ -9096,13 +9137,13 @@
             <a:spLocks noGrp="1"/>
           </p:cNvSpPr>
           <p:nvPr>
-            <p:ph type="title"/>
+            <p:ph type="title" idx="4294967295"/>
           </p:nvPr>
         </p:nvSpPr>
         <p:spPr>
           <a:xfrm>
-            <a:off x="685800" y="118872"/>
-            <a:ext cx="7772400" cy="1161288"/>
+            <a:off x="700392" y="284433"/>
+            <a:ext cx="7772400" cy="1160462"/>
           </a:xfrm>
         </p:spPr>
         <p:txBody>
@@ -9111,8 +9152,8 @@
           <a:p>
             <a:r>
               <a:rPr lang="zh-TW" altLang="en-US" dirty="0">
-                <a:latin typeface="+mn-ea"/>
-                <a:ea typeface="+mn-ea"/>
+                <a:latin typeface="DFKai-SB" panose="03000509000000000000" pitchFamily="65" charset="-120"/>
+                <a:ea typeface="DFKai-SB" panose="03000509000000000000" pitchFamily="65" charset="-120"/>
               </a:rPr>
               <a:t>目錄</a:t>
             </a:r>
@@ -9132,18 +9173,18 @@
             <a:spLocks noGrp="1"/>
           </p:cNvSpPr>
           <p:nvPr>
-            <p:ph idx="1"/>
+            <p:ph idx="4294967295"/>
           </p:nvPr>
         </p:nvSpPr>
         <p:spPr>
           <a:xfrm>
-            <a:off x="685800" y="1412240"/>
-            <a:ext cx="7772400" cy="4638040"/>
+            <a:off x="700392" y="1301485"/>
+            <a:ext cx="7772400" cy="4938448"/>
           </a:xfrm>
         </p:spPr>
         <p:txBody>
           <a:bodyPr>
-            <a:normAutofit fontScale="92500" lnSpcReduction="20000"/>
+            <a:normAutofit fontScale="85000" lnSpcReduction="20000"/>
           </a:bodyPr>
           <a:lstStyle/>
           <a:p>
@@ -9156,13 +9197,15 @@
             </a:pPr>
             <a:r>
               <a:rPr lang="zh-TW" altLang="en-US" sz="3200" dirty="0">
-                <a:latin typeface="+mn-ea"/>
+                <a:latin typeface="DFKai-SB" panose="03000509000000000000" pitchFamily="65" charset="-120"/>
+                <a:ea typeface="DFKai-SB" panose="03000509000000000000" pitchFamily="65" charset="-120"/>
               </a:rPr>
               <a:t>簡介</a:t>
             </a:r>
             <a:r>
               <a:rPr lang="en-US" altLang="zh-TW" sz="3200" dirty="0">
-                <a:latin typeface="+mn-ea"/>
+                <a:latin typeface="DFKai-SB" panose="03000509000000000000" pitchFamily="65" charset="-120"/>
+                <a:ea typeface="DFKai-SB" panose="03000509000000000000" pitchFamily="65" charset="-120"/>
               </a:rPr>
               <a:t>-P.3</a:t>
             </a:r>
@@ -9177,13 +9220,15 @@
             </a:pPr>
             <a:r>
               <a:rPr lang="zh-TW" altLang="en-US" sz="3200" dirty="0">
-                <a:latin typeface="+mn-ea"/>
+                <a:latin typeface="DFKai-SB" panose="03000509000000000000" pitchFamily="65" charset="-120"/>
+                <a:ea typeface="DFKai-SB" panose="03000509000000000000" pitchFamily="65" charset="-120"/>
               </a:rPr>
               <a:t>背景</a:t>
             </a:r>
             <a:r>
               <a:rPr lang="en-US" altLang="zh-TW" sz="3200" dirty="0">
-                <a:latin typeface="+mn-ea"/>
+                <a:latin typeface="DFKai-SB" panose="03000509000000000000" pitchFamily="65" charset="-120"/>
+                <a:ea typeface="DFKai-SB" panose="03000509000000000000" pitchFamily="65" charset="-120"/>
               </a:rPr>
               <a:t>-P.4</a:t>
             </a:r>
@@ -9198,13 +9243,15 @@
             </a:pPr>
             <a:r>
               <a:rPr lang="zh-TW" altLang="en-US" sz="3200" dirty="0">
-                <a:latin typeface="+mn-ea"/>
+                <a:latin typeface="DFKai-SB" panose="03000509000000000000" pitchFamily="65" charset="-120"/>
+                <a:ea typeface="DFKai-SB" panose="03000509000000000000" pitchFamily="65" charset="-120"/>
               </a:rPr>
               <a:t>趨勢</a:t>
             </a:r>
             <a:r>
               <a:rPr lang="en-US" altLang="zh-TW" sz="3200" dirty="0">
-                <a:latin typeface="+mn-ea"/>
+                <a:latin typeface="DFKai-SB" panose="03000509000000000000" pitchFamily="65" charset="-120"/>
+                <a:ea typeface="DFKai-SB" panose="03000509000000000000" pitchFamily="65" charset="-120"/>
               </a:rPr>
               <a:t>-P.5</a:t>
             </a:r>
@@ -9219,13 +9266,15 @@
             </a:pPr>
             <a:r>
               <a:rPr lang="zh-TW" altLang="en-US" sz="3200" dirty="0">
-                <a:latin typeface="+mn-ea"/>
+                <a:latin typeface="DFKai-SB" panose="03000509000000000000" pitchFamily="65" charset="-120"/>
+                <a:ea typeface="DFKai-SB" panose="03000509000000000000" pitchFamily="65" charset="-120"/>
               </a:rPr>
               <a:t>動機</a:t>
             </a:r>
             <a:r>
               <a:rPr lang="en-US" altLang="zh-TW" sz="3200" dirty="0">
-                <a:latin typeface="+mn-ea"/>
+                <a:latin typeface="DFKai-SB" panose="03000509000000000000" pitchFamily="65" charset="-120"/>
+                <a:ea typeface="DFKai-SB" panose="03000509000000000000" pitchFamily="65" charset="-120"/>
               </a:rPr>
               <a:t>-P.6</a:t>
             </a:r>
@@ -9240,13 +9289,15 @@
             </a:pPr>
             <a:r>
               <a:rPr lang="zh-TW" altLang="en-US" sz="3200" dirty="0">
-                <a:latin typeface="+mn-ea"/>
+                <a:latin typeface="DFKai-SB" panose="03000509000000000000" pitchFamily="65" charset="-120"/>
+                <a:ea typeface="DFKai-SB" panose="03000509000000000000" pitchFamily="65" charset="-120"/>
               </a:rPr>
               <a:t>目的</a:t>
             </a:r>
             <a:r>
               <a:rPr lang="en-US" altLang="zh-TW" sz="3200" dirty="0">
-                <a:latin typeface="+mn-ea"/>
+                <a:latin typeface="DFKai-SB" panose="03000509000000000000" pitchFamily="65" charset="-120"/>
+                <a:ea typeface="DFKai-SB" panose="03000509000000000000" pitchFamily="65" charset="-120"/>
               </a:rPr>
               <a:t>-P.7</a:t>
             </a:r>
@@ -9260,17 +9311,52 @@
               <a:buAutoNum type="arabicPeriod"/>
             </a:pPr>
             <a:r>
-              <a:rPr lang="zh-TW" altLang="en-US" sz="3200" dirty="0">
+              <a:rPr lang="zh-CN" altLang="en-US" sz="3200" dirty="0" smtClean="0">
+                <a:latin typeface="DFKai-SB" panose="03000509000000000000" pitchFamily="65" charset="-120"/>
+                <a:ea typeface="DFKai-SB" panose="03000509000000000000" pitchFamily="65" charset="-120"/>
+              </a:rPr>
+              <a:t>描述性項目及事件條列式</a:t>
+            </a:r>
+            <a:r>
+              <a:rPr lang="en-US" altLang="zh-TW" sz="3200" dirty="0" smtClean="0">
                 <a:latin typeface="+mn-ea"/>
               </a:rPr>
+              <a:t>-</a:t>
+            </a:r>
+            <a:r>
+              <a:rPr lang="en-US" altLang="zh-TW" sz="3200" dirty="0" smtClean="0">
+                <a:latin typeface="DFKai-SB" panose="03000509000000000000" pitchFamily="65" charset="-120"/>
+                <a:ea typeface="DFKai-SB" panose="03000509000000000000" pitchFamily="65" charset="-120"/>
+              </a:rPr>
+              <a:t>P.8</a:t>
+            </a:r>
+          </a:p>
+          <a:p>
+            <a:pPr marL="457200" indent="-457200">
+              <a:lnSpc>
+                <a:spcPct val="150000"/>
+              </a:lnSpc>
+              <a:buFont typeface="+mj-lt"/>
+              <a:buAutoNum type="arabicPeriod"/>
+            </a:pPr>
+            <a:r>
+              <a:rPr lang="zh-CN" altLang="en-US" sz="3200" dirty="0" smtClean="0">
+                <a:latin typeface="DFKai-SB" panose="03000509000000000000" pitchFamily="65" charset="-120"/>
+                <a:ea typeface="DFKai-SB" panose="03000509000000000000" pitchFamily="65" charset="-120"/>
+              </a:rPr>
               <a:t>工作分配</a:t>
             </a:r>
             <a:r>
-              <a:rPr lang="en-US" altLang="zh-TW" sz="3200" dirty="0">
-                <a:latin typeface="+mn-ea"/>
+              <a:rPr lang="en-US" altLang="zh-CN" sz="3200" dirty="0" smtClean="0">
+                <a:latin typeface="DFKai-SB" panose="03000509000000000000" pitchFamily="65" charset="-120"/>
+                <a:ea typeface="DFKai-SB" panose="03000509000000000000" pitchFamily="65" charset="-120"/>
               </a:rPr>
-              <a:t>-P.8</a:t>
-            </a:r>
+              <a:t>-P.12</a:t>
+            </a:r>
+            <a:endParaRPr lang="en-US" altLang="zh-TW" sz="3200" dirty="0">
+              <a:latin typeface="DFKai-SB" panose="03000509000000000000" pitchFamily="65" charset="-120"/>
+              <a:ea typeface="DFKai-SB" panose="03000509000000000000" pitchFamily="65" charset="-120"/>
+            </a:endParaRPr>
           </a:p>
           <a:p>
             <a:pPr marL="457200" indent="-457200">
@@ -9285,35 +9371,6 @@
               <a:buAutoNum type="arabicPeriod"/>
             </a:pPr>
             <a:endParaRPr lang="zh-TW" altLang="en-US" dirty="0"/>
-          </a:p>
-        </p:txBody>
-      </p:sp>
-      <p:sp>
-        <p:nvSpPr>
-          <p:cNvPr id="4" name="投影片編號版面配置區 3">
-            <a:extLst>
-              <a:ext uri="{FF2B5EF4-FFF2-40B4-BE49-F238E27FC236}">
-                <a16:creationId xmlns:a16="http://schemas.microsoft.com/office/drawing/2014/main" id="{11429054-DE0E-462B-B778-1EF960E7BCBA}"/>
-              </a:ext>
-            </a:extLst>
-          </p:cNvPr>
-          <p:cNvSpPr>
-            <a:spLocks noGrp="1"/>
-          </p:cNvSpPr>
-          <p:nvPr>
-            <p:ph type="sldNum" sz="quarter" idx="12"/>
-          </p:nvPr>
-        </p:nvSpPr>
-        <p:spPr/>
-        <p:txBody>
-          <a:bodyPr/>
-          <a:lstStyle/>
-          <a:p>
-            <a:fld id="{80E16380-4998-42C3-B033-270161A8BE6B}" type="slidenum">
-              <a:rPr lang="zh-TW" altLang="en-US" smtClean="0"/>
-              <a:t>2</a:t>
-            </a:fld>
-            <a:endParaRPr lang="zh-TW" altLang="en-US"/>
           </a:p>
         </p:txBody>
       </p:sp>
@@ -9356,18 +9413,47 @@
       </p:grpSpPr>
       <p:sp>
         <p:nvSpPr>
+          <p:cNvPr id="6" name="投影片編號版面配置區 5">
+            <a:extLst>
+              <a:ext uri="{FF2B5EF4-FFF2-40B4-BE49-F238E27FC236}">
+                <a16:creationId xmlns:a16="http://schemas.microsoft.com/office/drawing/2014/main" id="{581205CC-C579-45FB-89FD-90DAC4C2FF12}"/>
+              </a:ext>
+            </a:extLst>
+          </p:cNvPr>
+          <p:cNvSpPr>
+            <a:spLocks noGrp="1"/>
+          </p:cNvSpPr>
+          <p:nvPr>
+            <p:ph type="sldNum" sz="quarter" idx="12"/>
+          </p:nvPr>
+        </p:nvSpPr>
+        <p:spPr/>
+        <p:txBody>
+          <a:bodyPr/>
+          <a:lstStyle/>
+          <a:p>
+            <a:fld id="{80E16380-4998-42C3-B033-270161A8BE6B}" type="slidenum">
+              <a:rPr lang="zh-TW" altLang="en-US" smtClean="0"/>
+              <a:t>3</a:t>
+            </a:fld>
+            <a:endParaRPr lang="zh-TW" altLang="en-US"/>
+          </a:p>
+        </p:txBody>
+      </p:sp>
+      <p:sp>
+        <p:nvSpPr>
           <p:cNvPr id="2" name="標題 1"/>
           <p:cNvSpPr>
             <a:spLocks noGrp="1"/>
           </p:cNvSpPr>
           <p:nvPr>
-            <p:ph type="ctrTitle"/>
+            <p:ph type="title" idx="4294967295"/>
           </p:nvPr>
         </p:nvSpPr>
         <p:spPr>
           <a:xfrm>
-            <a:off x="328613" y="241041"/>
-            <a:ext cx="7772400" cy="723631"/>
+            <a:off x="1176864" y="842219"/>
+            <a:ext cx="6799262" cy="925512"/>
           </a:xfrm>
         </p:spPr>
         <p:txBody>
@@ -9393,18 +9479,18 @@
             <a:spLocks noGrp="1"/>
           </p:cNvSpPr>
           <p:nvPr>
-            <p:ph type="subTitle" idx="1"/>
+            <p:ph idx="4294967295"/>
           </p:nvPr>
         </p:nvSpPr>
         <p:spPr>
           <a:xfrm>
-            <a:off x="263299" y="852876"/>
-            <a:ext cx="8486774" cy="5457825"/>
+            <a:off x="1176864" y="1841500"/>
+            <a:ext cx="6799262" cy="3444875"/>
           </a:xfrm>
         </p:spPr>
         <p:txBody>
           <a:bodyPr>
-            <a:normAutofit/>
+            <a:normAutofit fontScale="77500" lnSpcReduction="20000"/>
           </a:bodyPr>
           <a:lstStyle/>
           <a:p>
@@ -9483,35 +9569,6 @@
           </a:p>
           <a:p>
             <a:endParaRPr lang="zh-TW" altLang="en-US" dirty="0"/>
-          </a:p>
-        </p:txBody>
-      </p:sp>
-      <p:sp>
-        <p:nvSpPr>
-          <p:cNvPr id="6" name="投影片編號版面配置區 5">
-            <a:extLst>
-              <a:ext uri="{FF2B5EF4-FFF2-40B4-BE49-F238E27FC236}">
-                <a16:creationId xmlns:a16="http://schemas.microsoft.com/office/drawing/2014/main" id="{581205CC-C579-45FB-89FD-90DAC4C2FF12}"/>
-              </a:ext>
-            </a:extLst>
-          </p:cNvPr>
-          <p:cNvSpPr>
-            <a:spLocks noGrp="1"/>
-          </p:cNvSpPr>
-          <p:nvPr>
-            <p:ph type="sldNum" sz="quarter" idx="12"/>
-          </p:nvPr>
-        </p:nvSpPr>
-        <p:spPr/>
-        <p:txBody>
-          <a:bodyPr/>
-          <a:lstStyle/>
-          <a:p>
-            <a:fld id="{80E16380-4998-42C3-B033-270161A8BE6B}" type="slidenum">
-              <a:rPr lang="zh-TW" altLang="en-US" smtClean="0"/>
-              <a:t>3</a:t>
-            </a:fld>
-            <a:endParaRPr lang="zh-TW" altLang="en-US"/>
           </a:p>
         </p:txBody>
       </p:sp>
@@ -9537,7 +9594,7 @@
         </p:blipFill>
         <p:spPr>
           <a:xfrm>
-            <a:off x="1113905" y="5066090"/>
+            <a:off x="1176864" y="4721897"/>
             <a:ext cx="2493480" cy="1518036"/>
           </a:xfrm>
           <a:prstGeom prst="rect">
@@ -9567,7 +9624,7 @@
         </p:blipFill>
         <p:spPr>
           <a:xfrm>
-            <a:off x="5024440" y="5066090"/>
+            <a:off x="5598372" y="4676173"/>
             <a:ext cx="2103302" cy="1609483"/>
           </a:xfrm>
           <a:prstGeom prst="rect">
@@ -9877,18 +9934,47 @@
       </p:grpSpPr>
       <p:sp>
         <p:nvSpPr>
+          <p:cNvPr id="6" name="投影片編號版面配置區 5">
+            <a:extLst>
+              <a:ext uri="{FF2B5EF4-FFF2-40B4-BE49-F238E27FC236}">
+                <a16:creationId xmlns:a16="http://schemas.microsoft.com/office/drawing/2014/main" id="{29038489-DC0A-4DD9-A12A-1D787977BA37}"/>
+              </a:ext>
+            </a:extLst>
+          </p:cNvPr>
+          <p:cNvSpPr>
+            <a:spLocks noGrp="1"/>
+          </p:cNvSpPr>
+          <p:nvPr>
+            <p:ph type="sldNum" sz="quarter" idx="12"/>
+          </p:nvPr>
+        </p:nvSpPr>
+        <p:spPr/>
+        <p:txBody>
+          <a:bodyPr/>
+          <a:lstStyle/>
+          <a:p>
+            <a:fld id="{80E16380-4998-42C3-B033-270161A8BE6B}" type="slidenum">
+              <a:rPr lang="zh-TW" altLang="en-US" smtClean="0"/>
+              <a:t>4</a:t>
+            </a:fld>
+            <a:endParaRPr lang="zh-TW" altLang="en-US"/>
+          </a:p>
+        </p:txBody>
+      </p:sp>
+      <p:sp>
+        <p:nvSpPr>
           <p:cNvPr id="2" name="標題 1"/>
           <p:cNvSpPr>
             <a:spLocks noGrp="1"/>
           </p:cNvSpPr>
           <p:nvPr>
-            <p:ph type="title"/>
+            <p:ph type="title" idx="4294967295"/>
           </p:nvPr>
         </p:nvSpPr>
         <p:spPr>
           <a:xfrm>
-            <a:off x="628649" y="463847"/>
-            <a:ext cx="7886700" cy="897117"/>
+            <a:off x="638292" y="894466"/>
+            <a:ext cx="7886700" cy="896937"/>
           </a:xfrm>
         </p:spPr>
         <p:txBody>
@@ -9915,18 +10001,18 @@
             <a:spLocks noGrp="1"/>
           </p:cNvSpPr>
           <p:nvPr>
-            <p:ph idx="1"/>
+            <p:ph idx="4294967295"/>
           </p:nvPr>
         </p:nvSpPr>
         <p:spPr>
           <a:xfrm>
-            <a:off x="147636" y="1695839"/>
-            <a:ext cx="8848725" cy="3466322"/>
+            <a:off x="573931" y="1791105"/>
+            <a:ext cx="8047038" cy="3216275"/>
           </a:xfrm>
         </p:spPr>
         <p:txBody>
           <a:bodyPr>
-            <a:normAutofit/>
+            <a:normAutofit lnSpcReduction="10000"/>
           </a:bodyPr>
           <a:lstStyle/>
           <a:p>
@@ -9983,35 +10069,6 @@
           </a:p>
           <a:p>
             <a:endParaRPr lang="zh-TW" altLang="en-US" dirty="0"/>
-          </a:p>
-        </p:txBody>
-      </p:sp>
-      <p:sp>
-        <p:nvSpPr>
-          <p:cNvPr id="6" name="投影片編號版面配置區 5">
-            <a:extLst>
-              <a:ext uri="{FF2B5EF4-FFF2-40B4-BE49-F238E27FC236}">
-                <a16:creationId xmlns:a16="http://schemas.microsoft.com/office/drawing/2014/main" id="{29038489-DC0A-4DD9-A12A-1D787977BA37}"/>
-              </a:ext>
-            </a:extLst>
-          </p:cNvPr>
-          <p:cNvSpPr>
-            <a:spLocks noGrp="1"/>
-          </p:cNvSpPr>
-          <p:nvPr>
-            <p:ph type="sldNum" sz="quarter" idx="12"/>
-          </p:nvPr>
-        </p:nvSpPr>
-        <p:spPr/>
-        <p:txBody>
-          <a:bodyPr/>
-          <a:lstStyle/>
-          <a:p>
-            <a:fld id="{80E16380-4998-42C3-B033-270161A8BE6B}" type="slidenum">
-              <a:rPr lang="zh-TW" altLang="en-US" smtClean="0"/>
-              <a:t>4</a:t>
-            </a:fld>
-            <a:endParaRPr lang="zh-TW" altLang="en-US"/>
           </a:p>
         </p:txBody>
       </p:sp>
@@ -10054,279 +10111,6 @@
       </p:grpSpPr>
       <p:sp>
         <p:nvSpPr>
-          <p:cNvPr id="2" name="標題 1"/>
-          <p:cNvSpPr>
-            <a:spLocks noGrp="1"/>
-          </p:cNvSpPr>
-          <p:nvPr>
-            <p:ph type="title"/>
-          </p:nvPr>
-        </p:nvSpPr>
-        <p:spPr>
-          <a:xfrm>
-            <a:off x="628648" y="236129"/>
-            <a:ext cx="7886700" cy="739054"/>
-          </a:xfrm>
-        </p:spPr>
-        <p:txBody>
-          <a:bodyPr>
-            <a:normAutofit/>
-          </a:bodyPr>
-          <a:lstStyle/>
-          <a:p>
-            <a:pPr algn="ctr"/>
-            <a:r>
-              <a:rPr lang="zh-TW" altLang="en-US" sz="3600" dirty="0">
-                <a:latin typeface="標楷體" panose="03000509000000000000" pitchFamily="65" charset="-120"/>
-                <a:ea typeface="標楷體" panose="03000509000000000000" pitchFamily="65" charset="-120"/>
-              </a:rPr>
-              <a:t>趨勢</a:t>
-            </a:r>
-          </a:p>
-        </p:txBody>
-      </p:sp>
-      <p:sp>
-        <p:nvSpPr>
-          <p:cNvPr id="3" name="內容版面配置區 2"/>
-          <p:cNvSpPr>
-            <a:spLocks noGrp="1"/>
-          </p:cNvSpPr>
-          <p:nvPr>
-            <p:ph idx="1"/>
-          </p:nvPr>
-        </p:nvSpPr>
-        <p:spPr>
-          <a:xfrm>
-            <a:off x="327802" y="1162113"/>
-            <a:ext cx="8488393" cy="5475797"/>
-          </a:xfrm>
-        </p:spPr>
-        <p:txBody>
-          <a:bodyPr>
-            <a:normAutofit/>
-          </a:bodyPr>
-          <a:lstStyle/>
-          <a:p>
-            <a:pPr marL="0" indent="0">
-              <a:lnSpc>
-                <a:spcPct val="120000"/>
-              </a:lnSpc>
-              <a:buNone/>
-            </a:pPr>
-            <a:r>
-              <a:rPr lang="zh-TW" altLang="en-US" sz="2400" dirty="0">
-                <a:latin typeface="標楷體" panose="03000509000000000000" pitchFamily="65" charset="-120"/>
-                <a:ea typeface="標楷體" panose="03000509000000000000" pitchFamily="65" charset="-120"/>
-              </a:rPr>
-              <a:t>在現今的社會裡，機車具有以下優缺點</a:t>
-            </a:r>
-            <a:r>
-              <a:rPr lang="en-US" altLang="zh-TW" sz="2400" dirty="0">
-                <a:latin typeface="標楷體" panose="03000509000000000000" pitchFamily="65" charset="-120"/>
-                <a:ea typeface="標楷體" panose="03000509000000000000" pitchFamily="65" charset="-120"/>
-              </a:rPr>
-              <a:t>:</a:t>
-            </a:r>
-          </a:p>
-          <a:p>
-            <a:pPr marL="0" indent="0">
-              <a:lnSpc>
-                <a:spcPct val="100000"/>
-              </a:lnSpc>
-              <a:buNone/>
-            </a:pPr>
-            <a:r>
-              <a:rPr lang="zh-TW" altLang="en-US" sz="2400" dirty="0">
-                <a:latin typeface="標楷體" panose="03000509000000000000" pitchFamily="65" charset="-120"/>
-                <a:ea typeface="標楷體" panose="03000509000000000000" pitchFamily="65" charset="-120"/>
-              </a:rPr>
-              <a:t>優點</a:t>
-            </a:r>
-            <a:r>
-              <a:rPr lang="en-US" altLang="zh-TW" sz="2400" dirty="0">
-                <a:latin typeface="標楷體" panose="03000509000000000000" pitchFamily="65" charset="-120"/>
-                <a:ea typeface="標楷體" panose="03000509000000000000" pitchFamily="65" charset="-120"/>
-              </a:rPr>
-              <a:t>-</a:t>
-            </a:r>
-          </a:p>
-          <a:p>
-            <a:pPr marL="0" indent="0">
-              <a:lnSpc>
-                <a:spcPct val="100000"/>
-              </a:lnSpc>
-              <a:buNone/>
-            </a:pPr>
-            <a:r>
-              <a:rPr lang="zh-TW" altLang="en-US" sz="2400" dirty="0">
-                <a:latin typeface="新細明體" panose="02020500000000000000" pitchFamily="18" charset="-120"/>
-                <a:ea typeface="新細明體" panose="02020500000000000000" pitchFamily="18" charset="-120"/>
-              </a:rPr>
-              <a:t>①</a:t>
-            </a:r>
-            <a:r>
-              <a:rPr lang="zh-TW" altLang="en-US" sz="2400" dirty="0">
-                <a:latin typeface="標楷體" panose="03000509000000000000" pitchFamily="65" charset="-120"/>
-                <a:ea typeface="標楷體" panose="03000509000000000000" pitchFamily="65" charset="-120"/>
-              </a:rPr>
-              <a:t>低成本</a:t>
-            </a:r>
-            <a:endParaRPr lang="en-US" altLang="zh-TW" sz="2400" dirty="0">
-              <a:latin typeface="標楷體" panose="03000509000000000000" pitchFamily="65" charset="-120"/>
-              <a:ea typeface="標楷體" panose="03000509000000000000" pitchFamily="65" charset="-120"/>
-            </a:endParaRPr>
-          </a:p>
-          <a:p>
-            <a:pPr marL="0" indent="0">
-              <a:lnSpc>
-                <a:spcPct val="100000"/>
-              </a:lnSpc>
-              <a:buNone/>
-            </a:pPr>
-            <a:r>
-              <a:rPr lang="zh-TW" altLang="en-US" sz="2400" dirty="0">
-                <a:latin typeface="新細明體" panose="02020500000000000000" pitchFamily="18" charset="-120"/>
-                <a:ea typeface="新細明體" panose="02020500000000000000" pitchFamily="18" charset="-120"/>
-              </a:rPr>
-              <a:t>②</a:t>
-            </a:r>
-            <a:r>
-              <a:rPr lang="zh-TW" altLang="en-US" sz="2400" dirty="0">
-                <a:latin typeface="標楷體" panose="03000509000000000000" pitchFamily="65" charset="-120"/>
-                <a:ea typeface="標楷體" panose="03000509000000000000" pitchFamily="65" charset="-120"/>
-              </a:rPr>
-              <a:t>人口密度</a:t>
-            </a:r>
-            <a:endParaRPr lang="en-US" altLang="zh-TW" sz="2400" dirty="0">
-              <a:latin typeface="標楷體" panose="03000509000000000000" pitchFamily="65" charset="-120"/>
-              <a:ea typeface="標楷體" panose="03000509000000000000" pitchFamily="65" charset="-120"/>
-            </a:endParaRPr>
-          </a:p>
-          <a:p>
-            <a:pPr marL="0" indent="0">
-              <a:lnSpc>
-                <a:spcPct val="100000"/>
-              </a:lnSpc>
-              <a:buNone/>
-            </a:pPr>
-            <a:r>
-              <a:rPr lang="zh-TW" altLang="en-US" sz="2400" dirty="0">
-                <a:latin typeface="新細明體" panose="02020500000000000000" pitchFamily="18" charset="-120"/>
-                <a:ea typeface="新細明體" panose="02020500000000000000" pitchFamily="18" charset="-120"/>
-              </a:rPr>
-              <a:t>③</a:t>
-            </a:r>
-            <a:r>
-              <a:rPr lang="zh-TW" altLang="en-US" sz="2400" dirty="0">
-                <a:latin typeface="標楷體" panose="03000509000000000000" pitchFamily="65" charset="-120"/>
-                <a:ea typeface="標楷體" panose="03000509000000000000" pitchFamily="65" charset="-120"/>
-              </a:rPr>
-              <a:t>機動性高</a:t>
-            </a:r>
-            <a:endParaRPr lang="en-US" altLang="zh-TW" sz="2400" dirty="0">
-              <a:latin typeface="標楷體" panose="03000509000000000000" pitchFamily="65" charset="-120"/>
-              <a:ea typeface="標楷體" panose="03000509000000000000" pitchFamily="65" charset="-120"/>
-            </a:endParaRPr>
-          </a:p>
-          <a:p>
-            <a:pPr marL="0" indent="0">
-              <a:lnSpc>
-                <a:spcPct val="100000"/>
-              </a:lnSpc>
-              <a:buNone/>
-            </a:pPr>
-            <a:r>
-              <a:rPr lang="zh-TW" altLang="en-US" sz="2400" dirty="0">
-                <a:latin typeface="新細明體" panose="02020500000000000000" pitchFamily="18" charset="-120"/>
-                <a:ea typeface="新細明體" panose="02020500000000000000" pitchFamily="18" charset="-120"/>
-              </a:rPr>
-              <a:t>④</a:t>
-            </a:r>
-            <a:r>
-              <a:rPr lang="zh-TW" altLang="en-US" sz="2400" dirty="0">
-                <a:latin typeface="標楷體" panose="03000509000000000000" pitchFamily="65" charset="-120"/>
-                <a:ea typeface="標楷體" panose="03000509000000000000" pitchFamily="65" charset="-120"/>
-              </a:rPr>
-              <a:t>省油</a:t>
-            </a:r>
-            <a:endParaRPr lang="en-US" altLang="zh-TW" sz="2400" dirty="0">
-              <a:latin typeface="標楷體" panose="03000509000000000000" pitchFamily="65" charset="-120"/>
-              <a:ea typeface="標楷體" panose="03000509000000000000" pitchFamily="65" charset="-120"/>
-            </a:endParaRPr>
-          </a:p>
-          <a:p>
-            <a:pPr marL="0" indent="0">
-              <a:lnSpc>
-                <a:spcPct val="100000"/>
-              </a:lnSpc>
-              <a:buNone/>
-            </a:pPr>
-            <a:r>
-              <a:rPr lang="zh-TW" altLang="en-US" sz="2400" dirty="0">
-                <a:latin typeface="新細明體" panose="02020500000000000000" pitchFamily="18" charset="-120"/>
-                <a:ea typeface="新細明體" panose="02020500000000000000" pitchFamily="18" charset="-120"/>
-              </a:rPr>
-              <a:t>⑤</a:t>
-            </a:r>
-            <a:r>
-              <a:rPr lang="zh-TW" altLang="en-US" sz="2400" dirty="0">
-                <a:latin typeface="標楷體" panose="03000509000000000000" pitchFamily="65" charset="-120"/>
-                <a:ea typeface="標楷體" panose="03000509000000000000" pitchFamily="65" charset="-120"/>
-              </a:rPr>
-              <a:t>省時間</a:t>
-            </a:r>
-            <a:endParaRPr lang="en-US" altLang="zh-TW" sz="2400" dirty="0">
-              <a:latin typeface="標楷體" panose="03000509000000000000" pitchFamily="65" charset="-120"/>
-              <a:ea typeface="標楷體" panose="03000509000000000000" pitchFamily="65" charset="-120"/>
-            </a:endParaRPr>
-          </a:p>
-          <a:p>
-            <a:pPr marL="0" indent="0">
-              <a:lnSpc>
-                <a:spcPct val="100000"/>
-              </a:lnSpc>
-              <a:buNone/>
-            </a:pPr>
-            <a:r>
-              <a:rPr lang="zh-TW" altLang="en-US" sz="2400" dirty="0">
-                <a:latin typeface="新細明體" panose="02020500000000000000" pitchFamily="18" charset="-120"/>
-                <a:ea typeface="新細明體" panose="02020500000000000000" pitchFamily="18" charset="-120"/>
-              </a:rPr>
-              <a:t>⑥</a:t>
-            </a:r>
-            <a:r>
-              <a:rPr lang="zh-TW" altLang="en-US" sz="2400" dirty="0">
-                <a:latin typeface="標楷體" panose="03000509000000000000" pitchFamily="65" charset="-120"/>
-                <a:ea typeface="標楷體" panose="03000509000000000000" pitchFamily="65" charset="-120"/>
-              </a:rPr>
-              <a:t>車位好找</a:t>
-            </a:r>
-            <a:endParaRPr lang="en-US" altLang="zh-TW" sz="2400" dirty="0">
-              <a:latin typeface="標楷體" panose="03000509000000000000" pitchFamily="65" charset="-120"/>
-              <a:ea typeface="標楷體" panose="03000509000000000000" pitchFamily="65" charset="-120"/>
-            </a:endParaRPr>
-          </a:p>
-          <a:p>
-            <a:pPr>
-              <a:lnSpc>
-                <a:spcPct val="100000"/>
-              </a:lnSpc>
-            </a:pPr>
-            <a:r>
-              <a:rPr lang="zh-TW" altLang="en-US" sz="2400" dirty="0">
-                <a:latin typeface="標楷體" panose="03000509000000000000" pitchFamily="65" charset="-120"/>
-                <a:ea typeface="標楷體" panose="03000509000000000000" pitchFamily="65" charset="-120"/>
-              </a:rPr>
-              <a:t>所以現在如何減少交通事故的發生也是一個很熱門的議題。</a:t>
-            </a:r>
-          </a:p>
-          <a:p>
-            <a:endParaRPr lang="zh-TW" altLang="en-US" dirty="0"/>
-          </a:p>
-        </p:txBody>
-      </p:sp>
-      <p:sp>
-        <p:nvSpPr>
           <p:cNvPr id="6" name="投影片編號版面配置區 5">
             <a:extLst>
               <a:ext uri="{FF2B5EF4-FFF2-40B4-BE49-F238E27FC236}">
@@ -10351,6 +10135,279 @@
               <a:t>5</a:t>
             </a:fld>
             <a:endParaRPr lang="zh-TW" altLang="en-US"/>
+          </a:p>
+        </p:txBody>
+      </p:sp>
+      <p:sp>
+        <p:nvSpPr>
+          <p:cNvPr id="2" name="標題 1"/>
+          <p:cNvSpPr>
+            <a:spLocks noGrp="1"/>
+          </p:cNvSpPr>
+          <p:nvPr>
+            <p:ph type="title" idx="4294967295"/>
+          </p:nvPr>
+        </p:nvSpPr>
+        <p:spPr>
+          <a:xfrm>
+            <a:off x="628649" y="623888"/>
+            <a:ext cx="7886700" cy="738187"/>
+          </a:xfrm>
+        </p:spPr>
+        <p:txBody>
+          <a:bodyPr>
+            <a:normAutofit/>
+          </a:bodyPr>
+          <a:lstStyle/>
+          <a:p>
+            <a:pPr algn="ctr"/>
+            <a:r>
+              <a:rPr lang="zh-TW" altLang="en-US" sz="3600" dirty="0">
+                <a:latin typeface="標楷體" panose="03000509000000000000" pitchFamily="65" charset="-120"/>
+                <a:ea typeface="標楷體" panose="03000509000000000000" pitchFamily="65" charset="-120"/>
+              </a:rPr>
+              <a:t>趨勢</a:t>
+            </a:r>
+          </a:p>
+        </p:txBody>
+      </p:sp>
+      <p:sp>
+        <p:nvSpPr>
+          <p:cNvPr id="3" name="內容版面配置區 2"/>
+          <p:cNvSpPr>
+            <a:spLocks noGrp="1"/>
+          </p:cNvSpPr>
+          <p:nvPr>
+            <p:ph idx="4294967295"/>
+          </p:nvPr>
+        </p:nvSpPr>
+        <p:spPr>
+          <a:xfrm>
+            <a:off x="696911" y="1362075"/>
+            <a:ext cx="7818438" cy="5054600"/>
+          </a:xfrm>
+        </p:spPr>
+        <p:txBody>
+          <a:bodyPr>
+            <a:normAutofit lnSpcReduction="10000"/>
+          </a:bodyPr>
+          <a:lstStyle/>
+          <a:p>
+            <a:pPr marL="0" indent="0">
+              <a:lnSpc>
+                <a:spcPct val="120000"/>
+              </a:lnSpc>
+              <a:buNone/>
+            </a:pPr>
+            <a:r>
+              <a:rPr lang="zh-TW" altLang="en-US" sz="2400" dirty="0">
+                <a:latin typeface="標楷體" panose="03000509000000000000" pitchFamily="65" charset="-120"/>
+                <a:ea typeface="標楷體" panose="03000509000000000000" pitchFamily="65" charset="-120"/>
+              </a:rPr>
+              <a:t>在現今的社會裡，機車具有以下優缺點</a:t>
+            </a:r>
+            <a:r>
+              <a:rPr lang="en-US" altLang="zh-TW" sz="2400" dirty="0">
+                <a:latin typeface="標楷體" panose="03000509000000000000" pitchFamily="65" charset="-120"/>
+                <a:ea typeface="標楷體" panose="03000509000000000000" pitchFamily="65" charset="-120"/>
+              </a:rPr>
+              <a:t>:</a:t>
+            </a:r>
+          </a:p>
+          <a:p>
+            <a:pPr marL="0" indent="0">
+              <a:lnSpc>
+                <a:spcPct val="100000"/>
+              </a:lnSpc>
+              <a:buNone/>
+            </a:pPr>
+            <a:r>
+              <a:rPr lang="zh-TW" altLang="en-US" sz="2400" dirty="0">
+                <a:latin typeface="標楷體" panose="03000509000000000000" pitchFamily="65" charset="-120"/>
+                <a:ea typeface="標楷體" panose="03000509000000000000" pitchFamily="65" charset="-120"/>
+              </a:rPr>
+              <a:t>優點</a:t>
+            </a:r>
+            <a:r>
+              <a:rPr lang="en-US" altLang="zh-TW" sz="2400" dirty="0">
+                <a:latin typeface="標楷體" panose="03000509000000000000" pitchFamily="65" charset="-120"/>
+                <a:ea typeface="標楷體" panose="03000509000000000000" pitchFamily="65" charset="-120"/>
+              </a:rPr>
+              <a:t>-</a:t>
+            </a:r>
+          </a:p>
+          <a:p>
+            <a:pPr marL="0" indent="0">
+              <a:lnSpc>
+                <a:spcPct val="100000"/>
+              </a:lnSpc>
+              <a:buNone/>
+            </a:pPr>
+            <a:r>
+              <a:rPr lang="zh-TW" altLang="en-US" sz="2400" dirty="0">
+                <a:latin typeface="新細明體" panose="02020500000000000000" pitchFamily="18" charset="-120"/>
+                <a:ea typeface="新細明體" panose="02020500000000000000" pitchFamily="18" charset="-120"/>
+              </a:rPr>
+              <a:t>①</a:t>
+            </a:r>
+            <a:r>
+              <a:rPr lang="zh-TW" altLang="en-US" sz="2400" dirty="0">
+                <a:latin typeface="標楷體" panose="03000509000000000000" pitchFamily="65" charset="-120"/>
+                <a:ea typeface="標楷體" panose="03000509000000000000" pitchFamily="65" charset="-120"/>
+              </a:rPr>
+              <a:t>低成本</a:t>
+            </a:r>
+            <a:endParaRPr lang="en-US" altLang="zh-TW" sz="2400" dirty="0">
+              <a:latin typeface="標楷體" panose="03000509000000000000" pitchFamily="65" charset="-120"/>
+              <a:ea typeface="標楷體" panose="03000509000000000000" pitchFamily="65" charset="-120"/>
+            </a:endParaRPr>
+          </a:p>
+          <a:p>
+            <a:pPr marL="0" indent="0">
+              <a:lnSpc>
+                <a:spcPct val="100000"/>
+              </a:lnSpc>
+              <a:buNone/>
+            </a:pPr>
+            <a:r>
+              <a:rPr lang="zh-TW" altLang="en-US" sz="2400" dirty="0">
+                <a:latin typeface="新細明體" panose="02020500000000000000" pitchFamily="18" charset="-120"/>
+                <a:ea typeface="新細明體" panose="02020500000000000000" pitchFamily="18" charset="-120"/>
+              </a:rPr>
+              <a:t>②</a:t>
+            </a:r>
+            <a:r>
+              <a:rPr lang="zh-TW" altLang="en-US" sz="2400" dirty="0">
+                <a:latin typeface="標楷體" panose="03000509000000000000" pitchFamily="65" charset="-120"/>
+                <a:ea typeface="標楷體" panose="03000509000000000000" pitchFamily="65" charset="-120"/>
+              </a:rPr>
+              <a:t>人口密度</a:t>
+            </a:r>
+            <a:endParaRPr lang="en-US" altLang="zh-TW" sz="2400" dirty="0">
+              <a:latin typeface="標楷體" panose="03000509000000000000" pitchFamily="65" charset="-120"/>
+              <a:ea typeface="標楷體" panose="03000509000000000000" pitchFamily="65" charset="-120"/>
+            </a:endParaRPr>
+          </a:p>
+          <a:p>
+            <a:pPr marL="0" indent="0">
+              <a:lnSpc>
+                <a:spcPct val="100000"/>
+              </a:lnSpc>
+              <a:buNone/>
+            </a:pPr>
+            <a:r>
+              <a:rPr lang="zh-TW" altLang="en-US" sz="2400" dirty="0">
+                <a:latin typeface="新細明體" panose="02020500000000000000" pitchFamily="18" charset="-120"/>
+                <a:ea typeface="新細明體" panose="02020500000000000000" pitchFamily="18" charset="-120"/>
+              </a:rPr>
+              <a:t>③</a:t>
+            </a:r>
+            <a:r>
+              <a:rPr lang="zh-TW" altLang="en-US" sz="2400" dirty="0">
+                <a:latin typeface="標楷體" panose="03000509000000000000" pitchFamily="65" charset="-120"/>
+                <a:ea typeface="標楷體" panose="03000509000000000000" pitchFamily="65" charset="-120"/>
+              </a:rPr>
+              <a:t>機動性高</a:t>
+            </a:r>
+            <a:endParaRPr lang="en-US" altLang="zh-TW" sz="2400" dirty="0">
+              <a:latin typeface="標楷體" panose="03000509000000000000" pitchFamily="65" charset="-120"/>
+              <a:ea typeface="標楷體" panose="03000509000000000000" pitchFamily="65" charset="-120"/>
+            </a:endParaRPr>
+          </a:p>
+          <a:p>
+            <a:pPr marL="0" indent="0">
+              <a:lnSpc>
+                <a:spcPct val="100000"/>
+              </a:lnSpc>
+              <a:buNone/>
+            </a:pPr>
+            <a:r>
+              <a:rPr lang="zh-TW" altLang="en-US" sz="2400" dirty="0">
+                <a:latin typeface="新細明體" panose="02020500000000000000" pitchFamily="18" charset="-120"/>
+                <a:ea typeface="新細明體" panose="02020500000000000000" pitchFamily="18" charset="-120"/>
+              </a:rPr>
+              <a:t>④</a:t>
+            </a:r>
+            <a:r>
+              <a:rPr lang="zh-TW" altLang="en-US" sz="2400" dirty="0">
+                <a:latin typeface="標楷體" panose="03000509000000000000" pitchFamily="65" charset="-120"/>
+                <a:ea typeface="標楷體" panose="03000509000000000000" pitchFamily="65" charset="-120"/>
+              </a:rPr>
+              <a:t>省油</a:t>
+            </a:r>
+            <a:endParaRPr lang="en-US" altLang="zh-TW" sz="2400" dirty="0">
+              <a:latin typeface="標楷體" panose="03000509000000000000" pitchFamily="65" charset="-120"/>
+              <a:ea typeface="標楷體" panose="03000509000000000000" pitchFamily="65" charset="-120"/>
+            </a:endParaRPr>
+          </a:p>
+          <a:p>
+            <a:pPr marL="0" indent="0">
+              <a:lnSpc>
+                <a:spcPct val="100000"/>
+              </a:lnSpc>
+              <a:buNone/>
+            </a:pPr>
+            <a:r>
+              <a:rPr lang="zh-TW" altLang="en-US" sz="2400" dirty="0">
+                <a:latin typeface="新細明體" panose="02020500000000000000" pitchFamily="18" charset="-120"/>
+                <a:ea typeface="新細明體" panose="02020500000000000000" pitchFamily="18" charset="-120"/>
+              </a:rPr>
+              <a:t>⑤</a:t>
+            </a:r>
+            <a:r>
+              <a:rPr lang="zh-TW" altLang="en-US" sz="2400" dirty="0">
+                <a:latin typeface="標楷體" panose="03000509000000000000" pitchFamily="65" charset="-120"/>
+                <a:ea typeface="標楷體" panose="03000509000000000000" pitchFamily="65" charset="-120"/>
+              </a:rPr>
+              <a:t>省時間</a:t>
+            </a:r>
+            <a:endParaRPr lang="en-US" altLang="zh-TW" sz="2400" dirty="0">
+              <a:latin typeface="標楷體" panose="03000509000000000000" pitchFamily="65" charset="-120"/>
+              <a:ea typeface="標楷體" panose="03000509000000000000" pitchFamily="65" charset="-120"/>
+            </a:endParaRPr>
+          </a:p>
+          <a:p>
+            <a:pPr marL="0" indent="0">
+              <a:lnSpc>
+                <a:spcPct val="100000"/>
+              </a:lnSpc>
+              <a:buNone/>
+            </a:pPr>
+            <a:r>
+              <a:rPr lang="zh-TW" altLang="en-US" sz="2400" dirty="0">
+                <a:latin typeface="新細明體" panose="02020500000000000000" pitchFamily="18" charset="-120"/>
+                <a:ea typeface="新細明體" panose="02020500000000000000" pitchFamily="18" charset="-120"/>
+              </a:rPr>
+              <a:t>⑥</a:t>
+            </a:r>
+            <a:r>
+              <a:rPr lang="zh-TW" altLang="en-US" sz="2400" dirty="0">
+                <a:latin typeface="標楷體" panose="03000509000000000000" pitchFamily="65" charset="-120"/>
+                <a:ea typeface="標楷體" panose="03000509000000000000" pitchFamily="65" charset="-120"/>
+              </a:rPr>
+              <a:t>車位好找</a:t>
+            </a:r>
+            <a:endParaRPr lang="en-US" altLang="zh-TW" sz="2400" dirty="0">
+              <a:latin typeface="標楷體" panose="03000509000000000000" pitchFamily="65" charset="-120"/>
+              <a:ea typeface="標楷體" panose="03000509000000000000" pitchFamily="65" charset="-120"/>
+            </a:endParaRPr>
+          </a:p>
+          <a:p>
+            <a:pPr>
+              <a:lnSpc>
+                <a:spcPct val="100000"/>
+              </a:lnSpc>
+            </a:pPr>
+            <a:r>
+              <a:rPr lang="zh-TW" altLang="en-US" sz="2400" dirty="0">
+                <a:latin typeface="標楷體" panose="03000509000000000000" pitchFamily="65" charset="-120"/>
+                <a:ea typeface="標楷體" panose="03000509000000000000" pitchFamily="65" charset="-120"/>
+              </a:rPr>
+              <a:t>所以現在如何減少交通事故的發生也是一個很熱門的議題。</a:t>
+            </a:r>
+          </a:p>
+          <a:p>
+            <a:endParaRPr lang="zh-TW" altLang="en-US" dirty="0"/>
           </a:p>
         </p:txBody>
       </p:sp>
@@ -10368,8 +10425,8 @@
         </p:nvSpPr>
         <p:spPr>
           <a:xfrm>
-            <a:off x="4221405" y="1868686"/>
-            <a:ext cx="4668395" cy="2031325"/>
+            <a:off x="4182495" y="1857983"/>
+            <a:ext cx="4332854" cy="2031325"/>
           </a:xfrm>
           <a:prstGeom prst="rect">
             <a:avLst/>
@@ -10398,7 +10455,8 @@
                 <a:solidFill>
                   <a:prstClr val="black"/>
                 </a:solidFill>
-                <a:latin typeface="標楷體" panose="03000509000000000000" pitchFamily="65" charset="-120"/>
+                <a:latin typeface="DFKai-SB" panose="03000509000000000000" pitchFamily="65" charset="-120"/>
+                <a:ea typeface="DFKai-SB" panose="03000509000000000000" pitchFamily="65" charset="-120"/>
               </a:rPr>
               <a:t>缺點</a:t>
             </a:r>
@@ -10407,7 +10465,8 @@
                 <a:solidFill>
                   <a:prstClr val="black"/>
                 </a:solidFill>
-                <a:latin typeface="標楷體" panose="03000509000000000000" pitchFamily="65" charset="-120"/>
+                <a:latin typeface="DFKai-SB" panose="03000509000000000000" pitchFamily="65" charset="-120"/>
+                <a:ea typeface="DFKai-SB" panose="03000509000000000000" pitchFamily="65" charset="-120"/>
               </a:rPr>
               <a:t>-</a:t>
             </a:r>
@@ -10429,25 +10488,17 @@
                 <a:solidFill>
                   <a:prstClr val="black"/>
                 </a:solidFill>
-                <a:latin typeface="新細明體" panose="02020500000000000000" pitchFamily="18" charset="-120"/>
-                <a:ea typeface="新細明體" panose="02020500000000000000" pitchFamily="18" charset="-120"/>
+                <a:latin typeface="DFKai-SB" panose="03000509000000000000" pitchFamily="65" charset="-120"/>
+                <a:ea typeface="DFKai-SB" panose="03000509000000000000" pitchFamily="65" charset="-120"/>
               </a:rPr>
-              <a:t>①</a:t>
-            </a:r>
-            <a:r>
-              <a:rPr lang="zh-TW" altLang="en-US" sz="2400" dirty="0">
-                <a:solidFill>
-                  <a:prstClr val="black"/>
-                </a:solidFill>
-                <a:latin typeface="標楷體" panose="03000509000000000000" pitchFamily="65" charset="-120"/>
-              </a:rPr>
-              <a:t>車速過快</a:t>
+              <a:t>①車速過快</a:t>
             </a:r>
             <a:endParaRPr lang="en-US" altLang="zh-TW" sz="2400" dirty="0">
               <a:solidFill>
                 <a:prstClr val="black"/>
               </a:solidFill>
-              <a:latin typeface="標楷體" panose="03000509000000000000" pitchFamily="65" charset="-120"/>
+              <a:latin typeface="DFKai-SB" panose="03000509000000000000" pitchFamily="65" charset="-120"/>
+              <a:ea typeface="DFKai-SB" panose="03000509000000000000" pitchFamily="65" charset="-120"/>
             </a:endParaRPr>
           </a:p>
           <a:p>
@@ -10467,25 +10518,17 @@
                 <a:solidFill>
                   <a:prstClr val="black"/>
                 </a:solidFill>
-                <a:latin typeface="新細明體" panose="02020500000000000000" pitchFamily="18" charset="-120"/>
-                <a:ea typeface="新細明體" panose="02020500000000000000" pitchFamily="18" charset="-120"/>
+                <a:latin typeface="DFKai-SB" panose="03000509000000000000" pitchFamily="65" charset="-120"/>
+                <a:ea typeface="DFKai-SB" panose="03000509000000000000" pitchFamily="65" charset="-120"/>
               </a:rPr>
-              <a:t>②</a:t>
-            </a:r>
-            <a:r>
-              <a:rPr lang="zh-TW" altLang="en-US" sz="2400" dirty="0">
-                <a:solidFill>
-                  <a:prstClr val="black"/>
-                </a:solidFill>
-                <a:latin typeface="標楷體" panose="03000509000000000000" pitchFamily="65" charset="-120"/>
-              </a:rPr>
-              <a:t>不遵守交通規則</a:t>
+              <a:t>②不遵守交通規則</a:t>
             </a:r>
             <a:endParaRPr lang="en-US" altLang="zh-TW" sz="2400" dirty="0">
               <a:solidFill>
                 <a:prstClr val="black"/>
               </a:solidFill>
-              <a:latin typeface="標楷體" panose="03000509000000000000" pitchFamily="65" charset="-120"/>
+              <a:latin typeface="DFKai-SB" panose="03000509000000000000" pitchFamily="65" charset="-120"/>
+              <a:ea typeface="DFKai-SB" panose="03000509000000000000" pitchFamily="65" charset="-120"/>
             </a:endParaRPr>
           </a:p>
           <a:p>
@@ -10505,25 +10548,17 @@
                 <a:solidFill>
                   <a:srgbClr val="FF0000"/>
                 </a:solidFill>
-                <a:latin typeface="新細明體" panose="02020500000000000000" pitchFamily="18" charset="-120"/>
-                <a:ea typeface="新細明體" panose="02020500000000000000" pitchFamily="18" charset="-120"/>
+                <a:latin typeface="DFKai-SB" panose="03000509000000000000" pitchFamily="65" charset="-120"/>
+                <a:ea typeface="DFKai-SB" panose="03000509000000000000" pitchFamily="65" charset="-120"/>
               </a:rPr>
-              <a:t>③</a:t>
-            </a:r>
-            <a:r>
-              <a:rPr lang="zh-TW" altLang="en-US" sz="2400" dirty="0">
-                <a:solidFill>
-                  <a:srgbClr val="FF0000"/>
-                </a:solidFill>
-                <a:latin typeface="標楷體" panose="03000509000000000000" pitchFamily="65" charset="-120"/>
-              </a:rPr>
-              <a:t>轉彎過於傾斜角度造成自摔</a:t>
+              <a:t>③轉彎過於傾斜角度造成自摔</a:t>
             </a:r>
             <a:endParaRPr lang="en-US" altLang="zh-TW" sz="2400" dirty="0">
               <a:solidFill>
                 <a:srgbClr val="FF0000"/>
               </a:solidFill>
-              <a:latin typeface="標楷體" panose="03000509000000000000" pitchFamily="65" charset="-120"/>
+              <a:latin typeface="DFKai-SB" panose="03000509000000000000" pitchFamily="65" charset="-120"/>
+              <a:ea typeface="DFKai-SB" panose="03000509000000000000" pitchFamily="65" charset="-120"/>
             </a:endParaRPr>
           </a:p>
         </p:txBody>
@@ -11230,6 +11265,35 @@
       </p:grpSpPr>
       <p:sp>
         <p:nvSpPr>
+          <p:cNvPr id="4" name="投影片編號版面配置區 3">
+            <a:extLst>
+              <a:ext uri="{FF2B5EF4-FFF2-40B4-BE49-F238E27FC236}">
+                <a16:creationId xmlns:a16="http://schemas.microsoft.com/office/drawing/2014/main" id="{55113D9E-E9BE-441B-B700-2E505BBFD752}"/>
+              </a:ext>
+            </a:extLst>
+          </p:cNvPr>
+          <p:cNvSpPr>
+            <a:spLocks noGrp="1"/>
+          </p:cNvSpPr>
+          <p:nvPr>
+            <p:ph type="sldNum" sz="quarter" idx="12"/>
+          </p:nvPr>
+        </p:nvSpPr>
+        <p:spPr/>
+        <p:txBody>
+          <a:bodyPr/>
+          <a:lstStyle/>
+          <a:p>
+            <a:fld id="{80E16380-4998-42C3-B033-270161A8BE6B}" type="slidenum">
+              <a:rPr lang="zh-TW" altLang="en-US" smtClean="0"/>
+              <a:t>6</a:t>
+            </a:fld>
+            <a:endParaRPr lang="zh-TW" altLang="en-US"/>
+          </a:p>
+        </p:txBody>
+      </p:sp>
+      <p:sp>
+        <p:nvSpPr>
           <p:cNvPr id="2" name="標題 1">
             <a:extLst>
               <a:ext uri="{FF2B5EF4-FFF2-40B4-BE49-F238E27FC236}">
@@ -11241,13 +11305,13 @@
             <a:spLocks noGrp="1"/>
           </p:cNvSpPr>
           <p:nvPr>
-            <p:ph type="title"/>
+            <p:ph type="title" idx="4294967295"/>
           </p:nvPr>
         </p:nvSpPr>
         <p:spPr>
           <a:xfrm>
-            <a:off x="462280" y="149352"/>
-            <a:ext cx="7772400" cy="1609344"/>
+            <a:off x="614680" y="126658"/>
+            <a:ext cx="7772400" cy="1609725"/>
           </a:xfrm>
         </p:spPr>
         <p:txBody>
@@ -11258,8 +11322,8 @@
           <a:p>
             <a:r>
               <a:rPr lang="zh-TW" altLang="en-US" sz="4800" dirty="0">
-                <a:latin typeface="+mn-ea"/>
-                <a:ea typeface="+mn-ea"/>
+                <a:latin typeface="DFKai-SB" panose="03000509000000000000" pitchFamily="65" charset="-120"/>
+                <a:ea typeface="DFKai-SB" panose="03000509000000000000" pitchFamily="65" charset="-120"/>
               </a:rPr>
               <a:t>動機</a:t>
             </a:r>
@@ -11279,13 +11343,13 @@
             <a:spLocks noGrp="1"/>
           </p:cNvSpPr>
           <p:nvPr>
-            <p:ph idx="1"/>
+            <p:ph idx="4294967295"/>
           </p:nvPr>
         </p:nvSpPr>
         <p:spPr>
           <a:xfrm>
-            <a:off x="614680" y="4427728"/>
-            <a:ext cx="7772400" cy="1515872"/>
+            <a:off x="614680" y="4470941"/>
+            <a:ext cx="7772400" cy="1516062"/>
           </a:xfrm>
         </p:spPr>
         <p:txBody>
@@ -11301,48 +11365,22 @@
             </a:pPr>
             <a:r>
               <a:rPr lang="zh-TW" altLang="en-US" sz="2800" dirty="0">
-                <a:latin typeface="+mn-ea"/>
+                <a:latin typeface="DFKai-SB" panose="03000509000000000000" pitchFamily="65" charset="-120"/>
+                <a:ea typeface="DFKai-SB" panose="03000509000000000000" pitchFamily="65" charset="-120"/>
               </a:rPr>
               <a:t>利用軟硬體整合的方式結合手機軟體和晶片做出能感測車體傾斜角度和警示車主的</a:t>
             </a:r>
             <a:r>
               <a:rPr lang="en-US" altLang="zh-TW" sz="2800" dirty="0">
-                <a:latin typeface="+mn-ea"/>
+                <a:latin typeface="DFKai-SB" panose="03000509000000000000" pitchFamily="65" charset="-120"/>
+                <a:ea typeface="DFKai-SB" panose="03000509000000000000" pitchFamily="65" charset="-120"/>
               </a:rPr>
               <a:t>APP</a:t>
             </a:r>
             <a:endParaRPr lang="zh-TW" altLang="en-US" sz="2800" dirty="0">
-              <a:latin typeface="+mn-ea"/>
+              <a:latin typeface="DFKai-SB" panose="03000509000000000000" pitchFamily="65" charset="-120"/>
+              <a:ea typeface="DFKai-SB" panose="03000509000000000000" pitchFamily="65" charset="-120"/>
             </a:endParaRPr>
-          </a:p>
-        </p:txBody>
-      </p:sp>
-      <p:sp>
-        <p:nvSpPr>
-          <p:cNvPr id="4" name="投影片編號版面配置區 3">
-            <a:extLst>
-              <a:ext uri="{FF2B5EF4-FFF2-40B4-BE49-F238E27FC236}">
-                <a16:creationId xmlns:a16="http://schemas.microsoft.com/office/drawing/2014/main" id="{55113D9E-E9BE-441B-B700-2E505BBFD752}"/>
-              </a:ext>
-            </a:extLst>
-          </p:cNvPr>
-          <p:cNvSpPr>
-            <a:spLocks noGrp="1"/>
-          </p:cNvSpPr>
-          <p:nvPr>
-            <p:ph type="sldNum" sz="quarter" idx="12"/>
-          </p:nvPr>
-        </p:nvSpPr>
-        <p:spPr/>
-        <p:txBody>
-          <a:bodyPr/>
-          <a:lstStyle/>
-          <a:p>
-            <a:fld id="{80E16380-4998-42C3-B033-270161A8BE6B}" type="slidenum">
-              <a:rPr lang="zh-TW" altLang="en-US" smtClean="0"/>
-              <a:t>6</a:t>
-            </a:fld>
-            <a:endParaRPr lang="zh-TW" altLang="en-US"/>
           </a:p>
         </p:txBody>
       </p:sp>
@@ -11360,7 +11398,7 @@
         </p:nvSpPr>
         <p:spPr>
           <a:xfrm>
-            <a:off x="330200" y="2037080"/>
+            <a:off x="614680" y="2037080"/>
             <a:ext cx="2306320" cy="1391920"/>
           </a:xfrm>
           <a:prstGeom prst="ellipse">
@@ -11390,7 +11428,8 @@
             <a:pPr algn="ctr"/>
             <a:r>
               <a:rPr lang="zh-TW" altLang="en-US" sz="2800" dirty="0">
-                <a:latin typeface="+mn-ea"/>
+                <a:latin typeface="DFKai-SB" panose="03000509000000000000" pitchFamily="65" charset="-120"/>
+                <a:ea typeface="DFKai-SB" panose="03000509000000000000" pitchFamily="65" charset="-120"/>
               </a:rPr>
               <a:t>人手一機</a:t>
             </a:r>
@@ -11411,7 +11450,7 @@
         </p:nvSpPr>
         <p:spPr>
           <a:xfrm>
-            <a:off x="4517136" y="727456"/>
+            <a:off x="4338752" y="1086595"/>
             <a:ext cx="4206240" cy="2517648"/>
           </a:xfrm>
           <a:prstGeom prst="ellipse">
@@ -11440,7 +11479,10 @@
           <a:p>
             <a:pPr algn="ctr"/>
             <a:r>
-              <a:rPr lang="zh-TW" altLang="en-US" sz="3600" dirty="0"/>
+              <a:rPr lang="zh-TW" altLang="en-US" sz="3600" dirty="0">
+                <a:latin typeface="DFKai-SB" panose="03000509000000000000" pitchFamily="65" charset="-120"/>
+                <a:ea typeface="DFKai-SB" panose="03000509000000000000" pitchFamily="65" charset="-120"/>
+              </a:rPr>
               <a:t>已有能感測傾斜角度的硬體</a:t>
             </a:r>
           </a:p>
@@ -11460,7 +11502,7 @@
         </p:nvSpPr>
         <p:spPr>
           <a:xfrm rot="2315307">
-            <a:off x="5466078" y="3267527"/>
+            <a:off x="5495261" y="3554389"/>
             <a:ext cx="243840" cy="1153160"/>
           </a:xfrm>
           <a:prstGeom prst="downArrow">
@@ -11506,7 +11548,7 @@
         </p:nvSpPr>
         <p:spPr>
           <a:xfrm rot="18921096">
-            <a:off x="2201576" y="3449609"/>
+            <a:off x="2363134" y="3418948"/>
             <a:ext cx="220736" cy="957510"/>
           </a:xfrm>
           <a:prstGeom prst="downArrow">
@@ -11836,6 +11878,35 @@
       </p:grpSpPr>
       <p:sp>
         <p:nvSpPr>
+          <p:cNvPr id="4" name="投影片編號版面配置區 3">
+            <a:extLst>
+              <a:ext uri="{FF2B5EF4-FFF2-40B4-BE49-F238E27FC236}">
+                <a16:creationId xmlns:a16="http://schemas.microsoft.com/office/drawing/2014/main" id="{47FF9914-A1DF-47B9-A225-938F2523FB40}"/>
+              </a:ext>
+            </a:extLst>
+          </p:cNvPr>
+          <p:cNvSpPr>
+            <a:spLocks noGrp="1"/>
+          </p:cNvSpPr>
+          <p:nvPr>
+            <p:ph type="sldNum" sz="quarter" idx="12"/>
+          </p:nvPr>
+        </p:nvSpPr>
+        <p:spPr/>
+        <p:txBody>
+          <a:bodyPr/>
+          <a:lstStyle/>
+          <a:p>
+            <a:fld id="{80E16380-4998-42C3-B033-270161A8BE6B}" type="slidenum">
+              <a:rPr lang="zh-TW" altLang="en-US" smtClean="0"/>
+              <a:t>7</a:t>
+            </a:fld>
+            <a:endParaRPr lang="zh-TW" altLang="en-US"/>
+          </a:p>
+        </p:txBody>
+      </p:sp>
+      <p:sp>
+        <p:nvSpPr>
           <p:cNvPr id="2" name="標題 1">
             <a:extLst>
               <a:ext uri="{FF2B5EF4-FFF2-40B4-BE49-F238E27FC236}">
@@ -11847,13 +11918,13 @@
             <a:spLocks noGrp="1"/>
           </p:cNvSpPr>
           <p:nvPr>
-            <p:ph type="title"/>
+            <p:ph type="title" idx="4294967295"/>
           </p:nvPr>
         </p:nvSpPr>
         <p:spPr>
           <a:xfrm>
-            <a:off x="527180" y="232985"/>
-            <a:ext cx="7772400" cy="905629"/>
+            <a:off x="681747" y="485167"/>
+            <a:ext cx="7772400" cy="906463"/>
           </a:xfrm>
         </p:spPr>
         <p:txBody>
@@ -11864,8 +11935,8 @@
           <a:p>
             <a:r>
               <a:rPr lang="zh-TW" altLang="en-US" sz="4000" dirty="0">
-                <a:latin typeface="+mn-ea"/>
-                <a:ea typeface="+mn-ea"/>
+                <a:latin typeface="DFKai-SB" panose="03000509000000000000" pitchFamily="65" charset="-120"/>
+                <a:ea typeface="DFKai-SB" panose="03000509000000000000" pitchFamily="65" charset="-120"/>
               </a:rPr>
               <a:t>目的</a:t>
             </a:r>
@@ -11885,13 +11956,13 @@
             <a:spLocks noGrp="1"/>
           </p:cNvSpPr>
           <p:nvPr>
-            <p:ph idx="1"/>
+            <p:ph idx="4294967295"/>
           </p:nvPr>
         </p:nvSpPr>
         <p:spPr>
           <a:xfrm>
-            <a:off x="527180" y="1138615"/>
-            <a:ext cx="7931020" cy="5486400"/>
+            <a:off x="643647" y="1235953"/>
+            <a:ext cx="7848600" cy="5486400"/>
           </a:xfrm>
         </p:spPr>
         <p:txBody>
@@ -11909,48 +11980,56 @@
             </a:pPr>
             <a:r>
               <a:rPr lang="zh-TW" altLang="en-US" sz="2800" dirty="0">
-                <a:latin typeface="+mn-ea"/>
+                <a:latin typeface="DFKai-SB" panose="03000509000000000000" pitchFamily="65" charset="-120"/>
+                <a:ea typeface="DFKai-SB" panose="03000509000000000000" pitchFamily="65" charset="-120"/>
               </a:rPr>
               <a:t>利用</a:t>
             </a:r>
             <a:r>
               <a:rPr lang="en-US" altLang="zh-TW" sz="2800" dirty="0">
-                <a:latin typeface="+mn-ea"/>
+                <a:latin typeface="DFKai-SB" panose="03000509000000000000" pitchFamily="65" charset="-120"/>
+                <a:ea typeface="DFKai-SB" panose="03000509000000000000" pitchFamily="65" charset="-120"/>
               </a:rPr>
               <a:t>Arduino</a:t>
             </a:r>
             <a:r>
               <a:rPr lang="zh-TW" altLang="en-US" sz="2800" dirty="0">
-                <a:latin typeface="+mn-ea"/>
+                <a:latin typeface="DFKai-SB" panose="03000509000000000000" pitchFamily="65" charset="-120"/>
+                <a:ea typeface="DFKai-SB" panose="03000509000000000000" pitchFamily="65" charset="-120"/>
               </a:rPr>
               <a:t>控制板與</a:t>
             </a:r>
             <a:r>
               <a:rPr lang="en-US" altLang="zh-TW" sz="2800" dirty="0">
-                <a:latin typeface="+mn-ea"/>
+                <a:latin typeface="DFKai-SB" panose="03000509000000000000" pitchFamily="65" charset="-120"/>
+                <a:ea typeface="DFKai-SB" panose="03000509000000000000" pitchFamily="65" charset="-120"/>
               </a:rPr>
               <a:t>MPU-6050</a:t>
             </a:r>
             <a:r>
               <a:rPr lang="zh-TW" altLang="en-US" sz="2800" dirty="0">
-                <a:latin typeface="+mn-ea"/>
+                <a:latin typeface="DFKai-SB" panose="03000509000000000000" pitchFamily="65" charset="-120"/>
+                <a:ea typeface="DFKai-SB" panose="03000509000000000000" pitchFamily="65" charset="-120"/>
               </a:rPr>
               <a:t>晶片做出一個陀螺儀感測裝置，並在超過安全傾斜角度的情況下發出警示，也會提醒左右</a:t>
             </a:r>
             <a:r>
               <a:rPr lang="zh-TW" altLang="en-US" sz="2800" dirty="0" smtClean="0">
-                <a:latin typeface="+mn-ea"/>
+                <a:latin typeface="DFKai-SB" panose="03000509000000000000" pitchFamily="65" charset="-120"/>
+                <a:ea typeface="DFKai-SB" panose="03000509000000000000" pitchFamily="65" charset="-120"/>
               </a:rPr>
               <a:t>轉</a:t>
             </a:r>
             <a:r>
               <a:rPr lang="zh-CN" altLang="en-US" sz="2800" dirty="0" smtClean="0">
-                <a:latin typeface="+mn-ea"/>
+                <a:latin typeface="DFKai-SB" panose="03000509000000000000" pitchFamily="65" charset="-120"/>
+                <a:ea typeface="DFKai-SB" panose="03000509000000000000" pitchFamily="65" charset="-120"/>
               </a:rPr>
               <a:t>。</a:t>
             </a:r>
             <a:endParaRPr lang="en-US" altLang="zh-TW" sz="2800" dirty="0">
-              <a:latin typeface="+mn-ea"/>
+              <a:latin typeface="DFKai-SB" panose="03000509000000000000" pitchFamily="65" charset="-120"/>
+              <a:ea typeface="DFKai-SB" panose="03000509000000000000" pitchFamily="65" charset="-120"/>
             </a:endParaRPr>
           </a:p>
           <a:p>
@@ -11963,60 +12042,70 @@
             </a:pPr>
             <a:r>
               <a:rPr lang="zh-TW" altLang="en-US" sz="2800" dirty="0">
-                <a:latin typeface="+mn-ea"/>
+                <a:latin typeface="DFKai-SB" panose="03000509000000000000" pitchFamily="65" charset="-120"/>
+                <a:ea typeface="DFKai-SB" panose="03000509000000000000" pitchFamily="65" charset="-120"/>
               </a:rPr>
               <a:t>藉由</a:t>
             </a:r>
             <a:r>
               <a:rPr lang="en-US" altLang="zh-TW" sz="2800" dirty="0">
-                <a:latin typeface="+mn-ea"/>
+                <a:latin typeface="DFKai-SB" panose="03000509000000000000" pitchFamily="65" charset="-120"/>
+                <a:ea typeface="DFKai-SB" panose="03000509000000000000" pitchFamily="65" charset="-120"/>
               </a:rPr>
               <a:t>Wi-Fi</a:t>
             </a:r>
             <a:r>
               <a:rPr lang="zh-TW" altLang="en-US" sz="2800" dirty="0">
-                <a:latin typeface="+mn-ea"/>
+                <a:latin typeface="DFKai-SB" panose="03000509000000000000" pitchFamily="65" charset="-120"/>
+                <a:ea typeface="DFKai-SB" panose="03000509000000000000" pitchFamily="65" charset="-120"/>
               </a:rPr>
               <a:t>連結手機</a:t>
             </a:r>
             <a:r>
               <a:rPr lang="en-US" altLang="zh-TW" sz="2800" dirty="0">
-                <a:latin typeface="+mn-ea"/>
+                <a:latin typeface="DFKai-SB" panose="03000509000000000000" pitchFamily="65" charset="-120"/>
+                <a:ea typeface="DFKai-SB" panose="03000509000000000000" pitchFamily="65" charset="-120"/>
               </a:rPr>
               <a:t>app</a:t>
             </a:r>
             <a:r>
               <a:rPr lang="zh-TW" altLang="en-US" sz="2800" dirty="0">
-                <a:latin typeface="+mn-ea"/>
+                <a:latin typeface="DFKai-SB" panose="03000509000000000000" pitchFamily="65" charset="-120"/>
+                <a:ea typeface="DFKai-SB" panose="03000509000000000000" pitchFamily="65" charset="-120"/>
               </a:rPr>
               <a:t>傳送訊息給周圍</a:t>
             </a:r>
             <a:r>
               <a:rPr lang="en-US" altLang="zh-TW" sz="2800" dirty="0">
-                <a:latin typeface="+mn-ea"/>
+                <a:latin typeface="DFKai-SB" panose="03000509000000000000" pitchFamily="65" charset="-120"/>
+                <a:ea typeface="DFKai-SB" panose="03000509000000000000" pitchFamily="65" charset="-120"/>
               </a:rPr>
               <a:t>10</a:t>
             </a:r>
             <a:r>
               <a:rPr lang="zh-TW" altLang="en-US" sz="2800" dirty="0">
-                <a:latin typeface="+mn-ea"/>
+                <a:latin typeface="DFKai-SB" panose="03000509000000000000" pitchFamily="65" charset="-120"/>
+                <a:ea typeface="DFKai-SB" panose="03000509000000000000" pitchFamily="65" charset="-120"/>
               </a:rPr>
               <a:t>米內的車輛，對車主發出訊息及聲音警示，防止因視野死角而看不見機車的</a:t>
             </a:r>
             <a:r>
               <a:rPr lang="zh-TW" altLang="en-US" sz="2800" dirty="0" smtClean="0">
-                <a:latin typeface="+mn-ea"/>
+                <a:latin typeface="DFKai-SB" panose="03000509000000000000" pitchFamily="65" charset="-120"/>
+                <a:ea typeface="DFKai-SB" panose="03000509000000000000" pitchFamily="65" charset="-120"/>
               </a:rPr>
               <a:t>情況</a:t>
             </a:r>
             <a:r>
               <a:rPr lang="zh-CN" altLang="en-US" sz="2800" dirty="0" smtClean="0">
-                <a:latin typeface="+mn-ea"/>
+                <a:latin typeface="DFKai-SB" panose="03000509000000000000" pitchFamily="65" charset="-120"/>
+                <a:ea typeface="DFKai-SB" panose="03000509000000000000" pitchFamily="65" charset="-120"/>
               </a:rPr>
               <a:t>。</a:t>
             </a:r>
             <a:endParaRPr lang="zh-TW" altLang="en-US" sz="2800" dirty="0">
-              <a:latin typeface="+mn-ea"/>
+              <a:latin typeface="DFKai-SB" panose="03000509000000000000" pitchFamily="65" charset="-120"/>
+              <a:ea typeface="DFKai-SB" panose="03000509000000000000" pitchFamily="65" charset="-120"/>
             </a:endParaRPr>
           </a:p>
           <a:p>
@@ -12029,57 +12118,32 @@
             </a:pPr>
             <a:r>
               <a:rPr lang="zh-TW" altLang="en-US" sz="2800" dirty="0">
-                <a:latin typeface="+mn-ea"/>
+                <a:latin typeface="DFKai-SB" panose="03000509000000000000" pitchFamily="65" charset="-120"/>
+                <a:ea typeface="DFKai-SB" panose="03000509000000000000" pitchFamily="65" charset="-120"/>
               </a:rPr>
               <a:t>也可以將這個裝置運用在汽車和無人機</a:t>
             </a:r>
             <a:r>
               <a:rPr lang="zh-TW" altLang="en-US" sz="2800" dirty="0" smtClean="0">
-                <a:latin typeface="+mn-ea"/>
+                <a:latin typeface="DFKai-SB" panose="03000509000000000000" pitchFamily="65" charset="-120"/>
+                <a:ea typeface="DFKai-SB" panose="03000509000000000000" pitchFamily="65" charset="-120"/>
               </a:rPr>
               <a:t>上</a:t>
             </a:r>
             <a:r>
               <a:rPr lang="zh-CN" altLang="en-US" sz="2800" dirty="0" smtClean="0">
-                <a:latin typeface="+mn-ea"/>
+                <a:latin typeface="DFKai-SB" panose="03000509000000000000" pitchFamily="65" charset="-120"/>
+                <a:ea typeface="DFKai-SB" panose="03000509000000000000" pitchFamily="65" charset="-120"/>
               </a:rPr>
               <a:t>。</a:t>
             </a:r>
             <a:endParaRPr lang="zh-TW" altLang="en-US" sz="2800" dirty="0">
-              <a:latin typeface="+mn-ea"/>
+              <a:latin typeface="DFKai-SB" panose="03000509000000000000" pitchFamily="65" charset="-120"/>
+              <a:ea typeface="DFKai-SB" panose="03000509000000000000" pitchFamily="65" charset="-120"/>
             </a:endParaRPr>
           </a:p>
           <a:p>
             <a:endParaRPr lang="zh-TW" altLang="en-US" dirty="0"/>
-          </a:p>
-        </p:txBody>
-      </p:sp>
-      <p:sp>
-        <p:nvSpPr>
-          <p:cNvPr id="4" name="投影片編號版面配置區 3">
-            <a:extLst>
-              <a:ext uri="{FF2B5EF4-FFF2-40B4-BE49-F238E27FC236}">
-                <a16:creationId xmlns:a16="http://schemas.microsoft.com/office/drawing/2014/main" id="{47FF9914-A1DF-47B9-A225-938F2523FB40}"/>
-              </a:ext>
-            </a:extLst>
-          </p:cNvPr>
-          <p:cNvSpPr>
-            <a:spLocks noGrp="1"/>
-          </p:cNvSpPr>
-          <p:nvPr>
-            <p:ph type="sldNum" sz="quarter" idx="12"/>
-          </p:nvPr>
-        </p:nvSpPr>
-        <p:spPr/>
-        <p:txBody>
-          <a:bodyPr/>
-          <a:lstStyle/>
-          <a:p>
-            <a:fld id="{80E16380-4998-42C3-B033-270161A8BE6B}" type="slidenum">
-              <a:rPr lang="zh-TW" altLang="en-US" smtClean="0"/>
-              <a:t>7</a:t>
-            </a:fld>
-            <a:endParaRPr lang="zh-TW" altLang="en-US"/>
           </a:p>
         </p:txBody>
       </p:sp>
@@ -12295,420 +12359,6 @@
       </p:grpSpPr>
       <p:sp>
         <p:nvSpPr>
-          <p:cNvPr id="2" name="標題 1"/>
-          <p:cNvSpPr>
-            <a:spLocks noGrp="1"/>
-          </p:cNvSpPr>
-          <p:nvPr>
-            <p:ph type="title"/>
-          </p:nvPr>
-        </p:nvSpPr>
-        <p:spPr>
-          <a:xfrm>
-            <a:off x="685800" y="484632"/>
-            <a:ext cx="7772400" cy="682431"/>
-          </a:xfrm>
-        </p:spPr>
-        <p:txBody>
-          <a:bodyPr>
-            <a:normAutofit fontScale="90000"/>
-          </a:bodyPr>
-          <a:lstStyle/>
-          <a:p>
-            <a:pPr algn="ctr"/>
-            <a:r>
-              <a:rPr lang="zh-CN" altLang="en-US" sz="4000" dirty="0" smtClean="0">
-                <a:latin typeface="DFKai-SB" panose="03000509000000000000" pitchFamily="65" charset="-120"/>
-                <a:ea typeface="DFKai-SB" panose="03000509000000000000" pitchFamily="65" charset="-120"/>
-              </a:rPr>
-              <a:t>使用者与制作者需求描述</a:t>
-            </a:r>
-            <a:endParaRPr lang="zh-CN" altLang="en-US" sz="4000" dirty="0">
-              <a:latin typeface="DFKai-SB" panose="03000509000000000000" pitchFamily="65" charset="-120"/>
-              <a:ea typeface="DFKai-SB" panose="03000509000000000000" pitchFamily="65" charset="-120"/>
-            </a:endParaRPr>
-          </a:p>
-        </p:txBody>
-      </p:sp>
-      <p:sp>
-        <p:nvSpPr>
-          <p:cNvPr id="3" name="內容版面配置區 2"/>
-          <p:cNvSpPr>
-            <a:spLocks noGrp="1"/>
-          </p:cNvSpPr>
-          <p:nvPr>
-            <p:ph idx="1"/>
-          </p:nvPr>
-        </p:nvSpPr>
-        <p:spPr>
-          <a:xfrm>
-            <a:off x="685800" y="1167063"/>
-            <a:ext cx="7772400" cy="5005137"/>
-          </a:xfrm>
-        </p:spPr>
-        <p:txBody>
-          <a:bodyPr>
-            <a:normAutofit lnSpcReduction="10000"/>
-          </a:bodyPr>
-          <a:lstStyle/>
-          <a:p>
-            <a:pPr marL="285750" lvl="0" indent="-285750" defTabSz="457200">
-              <a:lnSpc>
-                <a:spcPct val="100000"/>
-              </a:lnSpc>
-              <a:spcBef>
-                <a:spcPct val="20000"/>
-              </a:spcBef>
-              <a:spcAft>
-                <a:spcPts val="600"/>
-              </a:spcAft>
-              <a:buClr>
-                <a:srgbClr val="AB946B"/>
-              </a:buClr>
-              <a:buSzPct val="115000"/>
-              <a:buFont typeface="Arial"/>
-              <a:buChar char="•"/>
-            </a:pPr>
-            <a:r>
-              <a:rPr lang="en-US" altLang="zh-CN" sz="2800" dirty="0">
-                <a:solidFill>
-                  <a:prstClr val="black">
-                    <a:lumMod val="85000"/>
-                    <a:lumOff val="15000"/>
-                  </a:prstClr>
-                </a:solidFill>
-                <a:latin typeface="DFKai-SB" panose="03000509000000000000" pitchFamily="65" charset="-120"/>
-                <a:ea typeface="DFKai-SB" panose="03000509000000000000" pitchFamily="65" charset="-120"/>
-              </a:rPr>
-              <a:t>1</a:t>
-            </a:r>
-            <a:r>
-              <a:rPr lang="en-US" altLang="zh-CN" sz="2800" dirty="0" smtClean="0">
-                <a:solidFill>
-                  <a:prstClr val="black">
-                    <a:lumMod val="85000"/>
-                    <a:lumOff val="15000"/>
-                  </a:prstClr>
-                </a:solidFill>
-                <a:latin typeface="DFKai-SB" panose="03000509000000000000" pitchFamily="65" charset="-120"/>
-                <a:ea typeface="DFKai-SB" panose="03000509000000000000" pitchFamily="65" charset="-120"/>
-              </a:rPr>
-              <a:t>.</a:t>
-            </a:r>
-            <a:r>
-              <a:rPr lang="zh-CN" altLang="en-US" sz="2800" dirty="0">
-                <a:solidFill>
-                  <a:prstClr val="black">
-                    <a:lumMod val="85000"/>
-                    <a:lumOff val="15000"/>
-                  </a:prstClr>
-                </a:solidFill>
-                <a:latin typeface="DFKai-SB" panose="03000509000000000000" pitchFamily="65" charset="-120"/>
-                <a:ea typeface="DFKai-SB" panose="03000509000000000000" pitchFamily="65" charset="-120"/>
-              </a:rPr>
-              <a:t>客户</a:t>
-            </a:r>
-            <a:r>
-              <a:rPr lang="zh-CN" altLang="en-US" sz="2800" dirty="0" smtClean="0">
-                <a:solidFill>
-                  <a:prstClr val="black">
-                    <a:lumMod val="85000"/>
-                    <a:lumOff val="15000"/>
-                  </a:prstClr>
-                </a:solidFill>
-                <a:latin typeface="DFKai-SB" panose="03000509000000000000" pitchFamily="65" charset="-120"/>
-                <a:ea typeface="DFKai-SB" panose="03000509000000000000" pitchFamily="65" charset="-120"/>
-              </a:rPr>
-              <a:t>騎</a:t>
-            </a:r>
-            <a:r>
-              <a:rPr lang="zh-CN" altLang="en-US" sz="2800" dirty="0">
-                <a:solidFill>
-                  <a:prstClr val="black">
-                    <a:lumMod val="85000"/>
-                    <a:lumOff val="15000"/>
-                  </a:prstClr>
-                </a:solidFill>
-                <a:latin typeface="DFKai-SB" panose="03000509000000000000" pitchFamily="65" charset="-120"/>
-                <a:ea typeface="DFKai-SB" panose="03000509000000000000" pitchFamily="65" charset="-120"/>
-              </a:rPr>
-              <a:t>上車後，插入鑰匙點火後，與警示裝置所連接的</a:t>
-            </a:r>
-            <a:r>
-              <a:rPr lang="en-US" altLang="zh-CN" sz="2800" dirty="0">
-                <a:solidFill>
-                  <a:prstClr val="black">
-                    <a:lumMod val="85000"/>
-                    <a:lumOff val="15000"/>
-                  </a:prstClr>
-                </a:solidFill>
-                <a:latin typeface="DFKai-SB" panose="03000509000000000000" pitchFamily="65" charset="-120"/>
-                <a:ea typeface="DFKai-SB" panose="03000509000000000000" pitchFamily="65" charset="-120"/>
-              </a:rPr>
-              <a:t>LCD</a:t>
-            </a:r>
-            <a:r>
-              <a:rPr lang="zh-CN" altLang="en-US" sz="2800" dirty="0">
-                <a:solidFill>
-                  <a:prstClr val="black">
-                    <a:lumMod val="85000"/>
-                    <a:lumOff val="15000"/>
-                  </a:prstClr>
-                </a:solidFill>
-                <a:latin typeface="DFKai-SB" panose="03000509000000000000" pitchFamily="65" charset="-120"/>
-                <a:ea typeface="DFKai-SB" panose="03000509000000000000" pitchFamily="65" charset="-120"/>
-              </a:rPr>
-              <a:t>屏上會顯示“</a:t>
-            </a:r>
-            <a:r>
-              <a:rPr lang="zh-CN" altLang="en-US" sz="2800" dirty="0">
-                <a:solidFill>
-                  <a:srgbClr val="0070C0"/>
-                </a:solidFill>
-                <a:latin typeface="DFKai-SB" panose="03000509000000000000" pitchFamily="65" charset="-120"/>
-                <a:ea typeface="DFKai-SB" panose="03000509000000000000" pitchFamily="65" charset="-120"/>
-              </a:rPr>
-              <a:t>歡迎使用陀螺儀機車警示裝置</a:t>
-            </a:r>
-            <a:r>
-              <a:rPr lang="zh-CN" altLang="en-US" sz="2800" dirty="0" smtClean="0">
-                <a:solidFill>
-                  <a:prstClr val="black">
-                    <a:lumMod val="85000"/>
-                    <a:lumOff val="15000"/>
-                  </a:prstClr>
-                </a:solidFill>
-                <a:latin typeface="DFKai-SB" panose="03000509000000000000" pitchFamily="65" charset="-120"/>
-                <a:ea typeface="DFKai-SB" panose="03000509000000000000" pitchFamily="65" charset="-120"/>
-              </a:rPr>
-              <a:t>”，熄火停车后会显示“</a:t>
-            </a:r>
-            <a:r>
-              <a:rPr lang="zh-CN" altLang="en-US" sz="2800" dirty="0" smtClean="0">
-                <a:solidFill>
-                  <a:srgbClr val="0070C0"/>
-                </a:solidFill>
-                <a:latin typeface="DFKai-SB" panose="03000509000000000000" pitchFamily="65" charset="-120"/>
-                <a:ea typeface="DFKai-SB" panose="03000509000000000000" pitchFamily="65" charset="-120"/>
-              </a:rPr>
-              <a:t>谢谢使用</a:t>
-            </a:r>
-            <a:r>
-              <a:rPr lang="zh-CN" altLang="en-US" sz="2800" dirty="0" smtClean="0">
-                <a:solidFill>
-                  <a:prstClr val="black">
-                    <a:lumMod val="85000"/>
-                    <a:lumOff val="15000"/>
-                  </a:prstClr>
-                </a:solidFill>
-                <a:latin typeface="DFKai-SB" panose="03000509000000000000" pitchFamily="65" charset="-120"/>
-                <a:ea typeface="DFKai-SB" panose="03000509000000000000" pitchFamily="65" charset="-120"/>
-              </a:rPr>
-              <a:t>”。</a:t>
-            </a:r>
-            <a:endParaRPr lang="en-US" altLang="zh-CN" sz="2800" dirty="0" smtClean="0">
-              <a:solidFill>
-                <a:prstClr val="black">
-                  <a:lumMod val="85000"/>
-                  <a:lumOff val="15000"/>
-                </a:prstClr>
-              </a:solidFill>
-              <a:latin typeface="DFKai-SB" panose="03000509000000000000" pitchFamily="65" charset="-120"/>
-              <a:ea typeface="DFKai-SB" panose="03000509000000000000" pitchFamily="65" charset="-120"/>
-            </a:endParaRPr>
-          </a:p>
-          <a:p>
-            <a:pPr marL="285750" lvl="0" indent="-285750" defTabSz="457200">
-              <a:lnSpc>
-                <a:spcPct val="100000"/>
-              </a:lnSpc>
-              <a:spcBef>
-                <a:spcPct val="20000"/>
-              </a:spcBef>
-              <a:spcAft>
-                <a:spcPts val="600"/>
-              </a:spcAft>
-              <a:buClr>
-                <a:srgbClr val="AB946B"/>
-              </a:buClr>
-              <a:buSzPct val="115000"/>
-              <a:buFont typeface="Arial"/>
-              <a:buChar char="•"/>
-            </a:pPr>
-            <a:r>
-              <a:rPr lang="en-US" altLang="zh-CN" sz="2800" dirty="0" smtClean="0">
-                <a:solidFill>
-                  <a:prstClr val="black">
-                    <a:lumMod val="85000"/>
-                    <a:lumOff val="15000"/>
-                  </a:prstClr>
-                </a:solidFill>
-                <a:latin typeface="DFKai-SB" panose="03000509000000000000" pitchFamily="65" charset="-120"/>
-                <a:ea typeface="DFKai-SB" panose="03000509000000000000" pitchFamily="65" charset="-120"/>
-              </a:rPr>
-              <a:t>2.</a:t>
-            </a:r>
-            <a:r>
-              <a:rPr lang="zh-CN" altLang="en-US" sz="2800" dirty="0" smtClean="0">
-                <a:solidFill>
-                  <a:prstClr val="black">
-                    <a:lumMod val="85000"/>
-                    <a:lumOff val="15000"/>
-                  </a:prstClr>
-                </a:solidFill>
-                <a:latin typeface="DFKai-SB" panose="03000509000000000000" pitchFamily="65" charset="-120"/>
-                <a:ea typeface="DFKai-SB" panose="03000509000000000000" pitchFamily="65" charset="-120"/>
-              </a:rPr>
-              <a:t>客户騎車時，若車身過於傾斜，與警示裝置所連接的蜂鳴器便會發出“</a:t>
-            </a:r>
-            <a:r>
-              <a:rPr lang="zh-CN" altLang="en-US" sz="2800" dirty="0" smtClean="0">
-                <a:solidFill>
-                  <a:srgbClr val="FF0000"/>
-                </a:solidFill>
-                <a:latin typeface="DFKai-SB" panose="03000509000000000000" pitchFamily="65" charset="-120"/>
-                <a:ea typeface="DFKai-SB" panose="03000509000000000000" pitchFamily="65" charset="-120"/>
-              </a:rPr>
-              <a:t>滴滴滴</a:t>
-            </a:r>
-            <a:r>
-              <a:rPr lang="zh-CN" altLang="en-US" sz="2800" dirty="0" smtClean="0">
-                <a:solidFill>
-                  <a:prstClr val="black">
-                    <a:lumMod val="85000"/>
-                    <a:lumOff val="15000"/>
-                  </a:prstClr>
-                </a:solidFill>
-                <a:latin typeface="DFKai-SB" panose="03000509000000000000" pitchFamily="65" charset="-120"/>
-                <a:ea typeface="DFKai-SB" panose="03000509000000000000" pitchFamily="65" charset="-120"/>
-              </a:rPr>
-              <a:t>”的警報聲，以達到警示客戶的目的。</a:t>
-            </a:r>
-            <a:endParaRPr lang="en-US" altLang="zh-CN" sz="2800" dirty="0" smtClean="0">
-              <a:solidFill>
-                <a:prstClr val="black">
-                  <a:lumMod val="85000"/>
-                  <a:lumOff val="15000"/>
-                </a:prstClr>
-              </a:solidFill>
-              <a:latin typeface="DFKai-SB" panose="03000509000000000000" pitchFamily="65" charset="-120"/>
-              <a:ea typeface="DFKai-SB" panose="03000509000000000000" pitchFamily="65" charset="-120"/>
-            </a:endParaRPr>
-          </a:p>
-          <a:p>
-            <a:pPr marL="285750" lvl="0" indent="-285750" defTabSz="457200">
-              <a:lnSpc>
-                <a:spcPct val="100000"/>
-              </a:lnSpc>
-              <a:spcBef>
-                <a:spcPct val="20000"/>
-              </a:spcBef>
-              <a:spcAft>
-                <a:spcPts val="600"/>
-              </a:spcAft>
-              <a:buClr>
-                <a:srgbClr val="AB946B"/>
-              </a:buClr>
-              <a:buSzPct val="115000"/>
-              <a:buFont typeface="Arial"/>
-              <a:buChar char="•"/>
-            </a:pPr>
-            <a:r>
-              <a:rPr lang="en-US" altLang="zh-CN" sz="2800" dirty="0" smtClean="0">
-                <a:solidFill>
-                  <a:prstClr val="black">
-                    <a:lumMod val="85000"/>
-                    <a:lumOff val="15000"/>
-                  </a:prstClr>
-                </a:solidFill>
-                <a:latin typeface="DFKai-SB" panose="03000509000000000000" pitchFamily="65" charset="-120"/>
-                <a:ea typeface="DFKai-SB" panose="03000509000000000000" pitchFamily="65" charset="-120"/>
-              </a:rPr>
-              <a:t>3.</a:t>
-            </a:r>
-            <a:r>
-              <a:rPr lang="zh-CN" altLang="en-US" sz="2800" dirty="0" smtClean="0">
-                <a:solidFill>
-                  <a:prstClr val="black">
-                    <a:lumMod val="85000"/>
-                    <a:lumOff val="15000"/>
-                  </a:prstClr>
-                </a:solidFill>
-                <a:latin typeface="DFKai-SB" panose="03000509000000000000" pitchFamily="65" charset="-120"/>
-                <a:ea typeface="DFKai-SB" panose="03000509000000000000" pitchFamily="65" charset="-120"/>
-              </a:rPr>
-              <a:t>蜂鳴器發出警報聲的同時，警示裝置也會將此時的傾斜角度顯示在</a:t>
-            </a:r>
-            <a:r>
-              <a:rPr lang="en-US" altLang="zh-CN" sz="2800" dirty="0" smtClean="0">
-                <a:solidFill>
-                  <a:prstClr val="black">
-                    <a:lumMod val="85000"/>
-                    <a:lumOff val="15000"/>
-                  </a:prstClr>
-                </a:solidFill>
-                <a:latin typeface="DFKai-SB" panose="03000509000000000000" pitchFamily="65" charset="-120"/>
-                <a:ea typeface="DFKai-SB" panose="03000509000000000000" pitchFamily="65" charset="-120"/>
-              </a:rPr>
-              <a:t>LCD</a:t>
-            </a:r>
-            <a:r>
-              <a:rPr lang="zh-CN" altLang="en-US" sz="2800" dirty="0" smtClean="0">
-                <a:solidFill>
-                  <a:prstClr val="black">
-                    <a:lumMod val="85000"/>
-                    <a:lumOff val="15000"/>
-                  </a:prstClr>
-                </a:solidFill>
-                <a:latin typeface="DFKai-SB" panose="03000509000000000000" pitchFamily="65" charset="-120"/>
-                <a:ea typeface="DFKai-SB" panose="03000509000000000000" pitchFamily="65" charset="-120"/>
-              </a:rPr>
-              <a:t>顯示屏上，並將此數據記錄並傳輸會手機上製作的對應的</a:t>
-            </a:r>
-            <a:r>
-              <a:rPr lang="en-US" altLang="zh-CN" sz="2800" dirty="0" smtClean="0">
-                <a:solidFill>
-                  <a:prstClr val="black">
-                    <a:lumMod val="85000"/>
-                    <a:lumOff val="15000"/>
-                  </a:prstClr>
-                </a:solidFill>
-                <a:latin typeface="DFKai-SB" panose="03000509000000000000" pitchFamily="65" charset="-120"/>
-                <a:ea typeface="DFKai-SB" panose="03000509000000000000" pitchFamily="65" charset="-120"/>
-              </a:rPr>
-              <a:t>app</a:t>
-            </a:r>
-            <a:r>
-              <a:rPr lang="zh-CN" altLang="en-US" sz="2800" dirty="0" smtClean="0">
-                <a:solidFill>
-                  <a:prstClr val="black">
-                    <a:lumMod val="85000"/>
-                    <a:lumOff val="15000"/>
-                  </a:prstClr>
-                </a:solidFill>
-                <a:latin typeface="DFKai-SB" panose="03000509000000000000" pitchFamily="65" charset="-120"/>
-                <a:ea typeface="DFKai-SB" panose="03000509000000000000" pitchFamily="65" charset="-120"/>
-              </a:rPr>
-              <a:t>中，以便客戶之後進行確認與校準。</a:t>
-            </a:r>
-            <a:endParaRPr lang="zh-CN" altLang="en-US" sz="2800" dirty="0">
-              <a:solidFill>
-                <a:prstClr val="black">
-                  <a:lumMod val="85000"/>
-                  <a:lumOff val="15000"/>
-                </a:prstClr>
-              </a:solidFill>
-              <a:latin typeface="DFKai-SB" panose="03000509000000000000" pitchFamily="65" charset="-120"/>
-              <a:ea typeface="DFKai-SB" panose="03000509000000000000" pitchFamily="65" charset="-120"/>
-            </a:endParaRPr>
-          </a:p>
-          <a:p>
-            <a:endParaRPr lang="zh-CN" altLang="en-US" dirty="0"/>
-          </a:p>
-        </p:txBody>
-      </p:sp>
-      <p:sp>
-        <p:nvSpPr>
           <p:cNvPr id="4" name="投影片編號版面配置區 3"/>
           <p:cNvSpPr>
             <a:spLocks noGrp="1"/>
@@ -12730,10 +12380,778 @@
           </a:p>
         </p:txBody>
       </p:sp>
+      <p:graphicFrame>
+        <p:nvGraphicFramePr>
+          <p:cNvPr id="5" name="表格 4"/>
+          <p:cNvGraphicFramePr>
+            <a:graphicFrameLocks noGrp="1"/>
+          </p:cNvGraphicFramePr>
+          <p:nvPr>
+            <p:extLst>
+              <p:ext uri="{D42A27DB-BD31-4B8C-83A1-F6EECF244321}">
+                <p14:modId xmlns:p14="http://schemas.microsoft.com/office/powerpoint/2010/main" val="2492374454"/>
+              </p:ext>
+            </p:extLst>
+          </p:nvPr>
+        </p:nvGraphicFramePr>
+        <p:xfrm>
+          <a:off x="1585790" y="892412"/>
+          <a:ext cx="6192056" cy="4990300"/>
+        </p:xfrm>
+        <a:graphic>
+          <a:graphicData uri="http://schemas.openxmlformats.org/drawingml/2006/table">
+            <a:tbl>
+              <a:tblPr firstRow="1" bandRow="1">
+                <a:tableStyleId>{D113A9D2-9D6B-4929-AA2D-F23B5EE8CBE7}</a:tableStyleId>
+              </a:tblPr>
+              <a:tblGrid>
+                <a:gridCol w="3096028">
+                  <a:extLst>
+                    <a:ext uri="{9D8B030D-6E8A-4147-A177-3AD203B41FA5}">
+                      <a16:colId xmlns:a16="http://schemas.microsoft.com/office/drawing/2014/main" val="575654118"/>
+                    </a:ext>
+                  </a:extLst>
+                </a:gridCol>
+                <a:gridCol w="3096028">
+                  <a:extLst>
+                    <a:ext uri="{9D8B030D-6E8A-4147-A177-3AD203B41FA5}">
+                      <a16:colId xmlns:a16="http://schemas.microsoft.com/office/drawing/2014/main" val="2310419058"/>
+                    </a:ext>
+                  </a:extLst>
+                </a:gridCol>
+              </a:tblGrid>
+              <a:tr h="564164">
+                <a:tc>
+                  <a:txBody>
+                    <a:bodyPr/>
+                    <a:lstStyle/>
+                    <a:p>
+                      <a:r>
+                        <a:rPr lang="zh-CN" altLang="en-US" sz="3200" dirty="0" smtClean="0">
+                          <a:latin typeface="DFKai-SB" panose="03000509000000000000" pitchFamily="65" charset="-120"/>
+                          <a:ea typeface="DFKai-SB" panose="03000509000000000000" pitchFamily="65" charset="-120"/>
+                        </a:rPr>
+                        <a:t>描述性項目</a:t>
+                      </a:r>
+                      <a:endParaRPr lang="zh-CN" altLang="en-US" sz="3200" dirty="0">
+                        <a:latin typeface="DFKai-SB" panose="03000509000000000000" pitchFamily="65" charset="-120"/>
+                        <a:ea typeface="DFKai-SB" panose="03000509000000000000" pitchFamily="65" charset="-120"/>
+                      </a:endParaRPr>
+                    </a:p>
+                  </a:txBody>
+                  <a:tcPr/>
+                </a:tc>
+                <a:tc>
+                  <a:txBody>
+                    <a:bodyPr/>
+                    <a:lstStyle/>
+                    <a:p>
+                      <a:r>
+                        <a:rPr lang="zh-CN" altLang="en-US" sz="3200" dirty="0" smtClean="0">
+                          <a:latin typeface="DFKai-SB" panose="03000509000000000000" pitchFamily="65" charset="-120"/>
+                          <a:ea typeface="DFKai-SB" panose="03000509000000000000" pitchFamily="65" charset="-120"/>
+                        </a:rPr>
+                        <a:t>事件條列式</a:t>
+                      </a:r>
+                      <a:endParaRPr lang="zh-CN" altLang="en-US" sz="3200" dirty="0">
+                        <a:latin typeface="DFKai-SB" panose="03000509000000000000" pitchFamily="65" charset="-120"/>
+                        <a:ea typeface="DFKai-SB" panose="03000509000000000000" pitchFamily="65" charset="-120"/>
+                      </a:endParaRPr>
+                    </a:p>
+                  </a:txBody>
+                  <a:tcPr/>
+                </a:tc>
+                <a:extLst>
+                  <a:ext uri="{0D108BD9-81ED-4DB2-BD59-A6C34878D82A}">
+                    <a16:rowId xmlns:a16="http://schemas.microsoft.com/office/drawing/2014/main" val="4229939552"/>
+                  </a:ext>
+                </a:extLst>
+              </a:tr>
+              <a:tr h="952688">
+                <a:tc>
+                  <a:txBody>
+                    <a:bodyPr/>
+                    <a:lstStyle/>
+                    <a:p>
+                      <a:pPr marL="0" marR="0" lvl="0" indent="0" algn="l" defTabSz="457200" rtl="0" eaLnBrk="1" fontAlgn="auto" latinLnBrk="0" hangingPunct="1">
+                        <a:lnSpc>
+                          <a:spcPct val="100000"/>
+                        </a:lnSpc>
+                        <a:spcBef>
+                          <a:spcPts val="0"/>
+                        </a:spcBef>
+                        <a:spcAft>
+                          <a:spcPts val="0"/>
+                        </a:spcAft>
+                        <a:buClrTx/>
+                        <a:buSzTx/>
+                        <a:buFontTx/>
+                        <a:buNone/>
+                        <a:tabLst/>
+                        <a:defRPr/>
+                      </a:pPr>
+                      <a:r>
+                        <a:rPr lang="en-US" altLang="zh-CN" sz="2000" dirty="0" smtClean="0">
+                          <a:solidFill>
+                            <a:prstClr val="black">
+                              <a:lumMod val="85000"/>
+                              <a:lumOff val="15000"/>
+                            </a:prstClr>
+                          </a:solidFill>
+                          <a:latin typeface="DFKai-SB" panose="03000509000000000000" pitchFamily="65" charset="-120"/>
+                          <a:ea typeface="DFKai-SB" panose="03000509000000000000" pitchFamily="65" charset="-120"/>
+                        </a:rPr>
+                        <a:t>1.</a:t>
+                      </a:r>
+                      <a:r>
+                        <a:rPr lang="zh-CN" altLang="en-US" sz="2000" dirty="0" smtClean="0">
+                          <a:solidFill>
+                            <a:srgbClr val="FF0000"/>
+                          </a:solidFill>
+                          <a:latin typeface="DFKai-SB" panose="03000509000000000000" pitchFamily="65" charset="-120"/>
+                          <a:ea typeface="DFKai-SB" panose="03000509000000000000" pitchFamily="65" charset="-120"/>
+                        </a:rPr>
+                        <a:t>客户</a:t>
+                      </a:r>
+                      <a:r>
+                        <a:rPr lang="zh-CN" altLang="en-US" sz="2000" dirty="0" smtClean="0">
+                          <a:solidFill>
+                            <a:prstClr val="black">
+                              <a:lumMod val="85000"/>
+                              <a:lumOff val="15000"/>
+                            </a:prstClr>
+                          </a:solidFill>
+                          <a:latin typeface="DFKai-SB" panose="03000509000000000000" pitchFamily="65" charset="-120"/>
+                          <a:ea typeface="DFKai-SB" panose="03000509000000000000" pitchFamily="65" charset="-120"/>
+                        </a:rPr>
+                        <a:t>騎上車後，插入鑰匙點火後</a:t>
+                      </a:r>
+                      <a:r>
+                        <a:rPr lang="zh-CN" altLang="en-US" sz="2000" dirty="0" smtClean="0">
+                          <a:solidFill>
+                            <a:prstClr val="black">
+                              <a:lumMod val="85000"/>
+                              <a:lumOff val="15000"/>
+                            </a:prstClr>
+                          </a:solidFill>
+                          <a:latin typeface="DFKai-SB" panose="03000509000000000000" pitchFamily="65" charset="-120"/>
+                          <a:ea typeface="DFKai-SB" panose="03000509000000000000" pitchFamily="65" charset="-120"/>
+                        </a:rPr>
+                        <a:t>，即可</a:t>
+                      </a:r>
+                      <a:r>
+                        <a:rPr lang="zh-CN" altLang="en-US" sz="2000" dirty="0" smtClean="0">
+                          <a:solidFill>
+                            <a:srgbClr val="FF0000"/>
+                          </a:solidFill>
+                          <a:latin typeface="DFKai-SB" panose="03000509000000000000" pitchFamily="65" charset="-120"/>
+                          <a:ea typeface="DFKai-SB" panose="03000509000000000000" pitchFamily="65" charset="-120"/>
+                        </a:rPr>
+                        <a:t>啟動警示裝置</a:t>
+                      </a:r>
+                      <a:r>
+                        <a:rPr lang="zh-CN" altLang="en-US" sz="2000" dirty="0" smtClean="0">
+                          <a:solidFill>
+                            <a:prstClr val="black">
+                              <a:lumMod val="85000"/>
+                              <a:lumOff val="15000"/>
+                            </a:prstClr>
+                          </a:solidFill>
+                          <a:latin typeface="DFKai-SB" panose="03000509000000000000" pitchFamily="65" charset="-120"/>
+                          <a:ea typeface="DFKai-SB" panose="03000509000000000000" pitchFamily="65" charset="-120"/>
+                        </a:rPr>
+                        <a:t>。</a:t>
+                      </a:r>
+                      <a:endParaRPr lang="en-US" altLang="zh-CN" sz="2000" dirty="0" smtClean="0">
+                        <a:solidFill>
+                          <a:prstClr val="black">
+                            <a:lumMod val="85000"/>
+                            <a:lumOff val="15000"/>
+                          </a:prstClr>
+                        </a:solidFill>
+                        <a:latin typeface="DFKai-SB" panose="03000509000000000000" pitchFamily="65" charset="-120"/>
+                        <a:ea typeface="DFKai-SB" panose="03000509000000000000" pitchFamily="65" charset="-120"/>
+                      </a:endParaRPr>
+                    </a:p>
+                  </a:txBody>
+                  <a:tcPr/>
+                </a:tc>
+                <a:tc>
+                  <a:txBody>
+                    <a:bodyPr/>
+                    <a:lstStyle/>
+                    <a:p>
+                      <a:r>
+                        <a:rPr lang="zh-CN" altLang="en-US" sz="2400" dirty="0" smtClean="0">
+                          <a:solidFill>
+                            <a:srgbClr val="FF0000"/>
+                          </a:solidFill>
+                          <a:latin typeface="DFKai-SB" panose="03000509000000000000" pitchFamily="65" charset="-120"/>
+                          <a:ea typeface="DFKai-SB" panose="03000509000000000000" pitchFamily="65" charset="-120"/>
+                        </a:rPr>
+                        <a:t>客戶</a:t>
+                      </a:r>
+                      <a:r>
+                        <a:rPr lang="en-US" altLang="zh-CN" sz="2400" dirty="0" smtClean="0">
+                          <a:solidFill>
+                            <a:schemeClr val="tx1"/>
+                          </a:solidFill>
+                          <a:latin typeface="DFKai-SB" panose="03000509000000000000" pitchFamily="65" charset="-120"/>
+                          <a:ea typeface="DFKai-SB" panose="03000509000000000000" pitchFamily="65" charset="-120"/>
+                        </a:rPr>
+                        <a:t>+</a:t>
+                      </a:r>
+                      <a:r>
+                        <a:rPr lang="zh-CN" altLang="en-US" sz="2400" dirty="0" smtClean="0">
+                          <a:solidFill>
+                            <a:srgbClr val="FF0000"/>
+                          </a:solidFill>
+                          <a:latin typeface="DFKai-SB" panose="03000509000000000000" pitchFamily="65" charset="-120"/>
+                          <a:ea typeface="DFKai-SB" panose="03000509000000000000" pitchFamily="65" charset="-120"/>
+                        </a:rPr>
+                        <a:t>啟動</a:t>
+                      </a:r>
+                      <a:r>
+                        <a:rPr lang="en-US" altLang="zh-CN" sz="2400" dirty="0" smtClean="0">
+                          <a:solidFill>
+                            <a:schemeClr val="tx1"/>
+                          </a:solidFill>
+                          <a:latin typeface="DFKai-SB" panose="03000509000000000000" pitchFamily="65" charset="-120"/>
+                          <a:ea typeface="DFKai-SB" panose="03000509000000000000" pitchFamily="65" charset="-120"/>
+                        </a:rPr>
+                        <a:t>+</a:t>
+                      </a:r>
+                      <a:r>
+                        <a:rPr lang="zh-CN" altLang="en-US" sz="2400" dirty="0" smtClean="0">
+                          <a:solidFill>
+                            <a:srgbClr val="FF0000"/>
+                          </a:solidFill>
+                          <a:latin typeface="DFKai-SB" panose="03000509000000000000" pitchFamily="65" charset="-120"/>
+                          <a:ea typeface="DFKai-SB" panose="03000509000000000000" pitchFamily="65" charset="-120"/>
+                        </a:rPr>
+                        <a:t>警示裝置</a:t>
+                      </a:r>
+                      <a:endParaRPr lang="en-US" altLang="zh-CN" sz="2400" dirty="0" smtClean="0">
+                        <a:solidFill>
+                          <a:schemeClr val="tx1"/>
+                        </a:solidFill>
+                        <a:latin typeface="DFKai-SB" panose="03000509000000000000" pitchFamily="65" charset="-120"/>
+                        <a:ea typeface="DFKai-SB" panose="03000509000000000000" pitchFamily="65" charset="-120"/>
+                      </a:endParaRPr>
+                    </a:p>
+                  </a:txBody>
+                  <a:tcPr/>
+                </a:tc>
+                <a:extLst>
+                  <a:ext uri="{0D108BD9-81ED-4DB2-BD59-A6C34878D82A}">
+                    <a16:rowId xmlns:a16="http://schemas.microsoft.com/office/drawing/2014/main" val="118071968"/>
+                  </a:ext>
+                </a:extLst>
+              </a:tr>
+              <a:tr h="1530075">
+                <a:tc>
+                  <a:txBody>
+                    <a:bodyPr/>
+                    <a:lstStyle/>
+                    <a:p>
+                      <a:pPr marL="0" marR="0" lvl="0" indent="0" algn="l" defTabSz="457200" rtl="0" eaLnBrk="1" fontAlgn="auto" latinLnBrk="0" hangingPunct="1">
+                        <a:lnSpc>
+                          <a:spcPct val="100000"/>
+                        </a:lnSpc>
+                        <a:spcBef>
+                          <a:spcPts val="0"/>
+                        </a:spcBef>
+                        <a:spcAft>
+                          <a:spcPts val="0"/>
+                        </a:spcAft>
+                        <a:buClrTx/>
+                        <a:buSzTx/>
+                        <a:buFontTx/>
+                        <a:buNone/>
+                        <a:tabLst/>
+                        <a:defRPr/>
+                      </a:pPr>
+                      <a:r>
+                        <a:rPr lang="en-US" altLang="zh-CN" sz="2000" dirty="0" smtClean="0">
+                          <a:solidFill>
+                            <a:prstClr val="black">
+                              <a:lumMod val="85000"/>
+                              <a:lumOff val="15000"/>
+                            </a:prstClr>
+                          </a:solidFill>
+                          <a:latin typeface="DFKai-SB" panose="03000509000000000000" pitchFamily="65" charset="-120"/>
+                          <a:ea typeface="DFKai-SB" panose="03000509000000000000" pitchFamily="65" charset="-120"/>
+                        </a:rPr>
+                        <a:t>2</a:t>
+                      </a:r>
+                      <a:r>
+                        <a:rPr lang="en-US" altLang="zh-CN" sz="2000" dirty="0" smtClean="0">
+                          <a:solidFill>
+                            <a:prstClr val="black">
+                              <a:lumMod val="85000"/>
+                              <a:lumOff val="15000"/>
+                            </a:prstClr>
+                          </a:solidFill>
+                          <a:latin typeface="DFKai-SB" panose="03000509000000000000" pitchFamily="65" charset="-120"/>
+                          <a:ea typeface="DFKai-SB" panose="03000509000000000000" pitchFamily="65" charset="-120"/>
+                        </a:rPr>
+                        <a:t>.</a:t>
+                      </a:r>
+                      <a:r>
+                        <a:rPr lang="zh-CN" altLang="en-US" sz="2000" dirty="0" smtClean="0">
+                          <a:solidFill>
+                            <a:prstClr val="black">
+                              <a:lumMod val="85000"/>
+                              <a:lumOff val="15000"/>
+                            </a:prstClr>
+                          </a:solidFill>
+                          <a:latin typeface="DFKai-SB" panose="03000509000000000000" pitchFamily="65" charset="-120"/>
+                          <a:ea typeface="DFKai-SB" panose="03000509000000000000" pitchFamily="65" charset="-120"/>
+                        </a:rPr>
+                        <a:t>接著</a:t>
+                      </a:r>
+                      <a:r>
+                        <a:rPr lang="zh-CN" altLang="en-US" sz="2000" dirty="0" smtClean="0">
+                          <a:solidFill>
+                            <a:srgbClr val="FF0000"/>
+                          </a:solidFill>
+                          <a:latin typeface="DFKai-SB" panose="03000509000000000000" pitchFamily="65" charset="-120"/>
+                          <a:ea typeface="DFKai-SB" panose="03000509000000000000" pitchFamily="65" charset="-120"/>
+                        </a:rPr>
+                        <a:t>客戶</a:t>
+                      </a:r>
+                      <a:r>
+                        <a:rPr lang="zh-CN" altLang="en-US" sz="2000" dirty="0" smtClean="0">
+                          <a:solidFill>
+                            <a:prstClr val="black">
+                              <a:lumMod val="85000"/>
+                              <a:lumOff val="15000"/>
+                            </a:prstClr>
+                          </a:solidFill>
+                          <a:latin typeface="DFKai-SB" panose="03000509000000000000" pitchFamily="65" charset="-120"/>
+                          <a:ea typeface="DFKai-SB" panose="03000509000000000000" pitchFamily="65" charset="-120"/>
+                        </a:rPr>
+                        <a:t>能</a:t>
+                      </a:r>
+                      <a:r>
+                        <a:rPr lang="zh-CN" altLang="en-US" sz="2000" dirty="0" smtClean="0">
+                          <a:solidFill>
+                            <a:srgbClr val="FF0000"/>
+                          </a:solidFill>
+                          <a:latin typeface="DFKai-SB" panose="03000509000000000000" pitchFamily="65" charset="-120"/>
+                          <a:ea typeface="DFKai-SB" panose="03000509000000000000" pitchFamily="65" charset="-120"/>
+                        </a:rPr>
+                        <a:t>看到</a:t>
+                      </a:r>
+                      <a:r>
+                        <a:rPr lang="zh-TW" altLang="en-US" sz="2000" dirty="0" smtClean="0">
+                          <a:solidFill>
+                            <a:prstClr val="black">
+                              <a:lumMod val="85000"/>
+                              <a:lumOff val="15000"/>
+                            </a:prstClr>
+                          </a:solidFill>
+                          <a:latin typeface="DFKai-SB" panose="03000509000000000000" pitchFamily="65" charset="-120"/>
+                          <a:ea typeface="DFKai-SB" panose="03000509000000000000" pitchFamily="65" charset="-120"/>
+                        </a:rPr>
+                        <a:t>警示裝置所連接的</a:t>
+                      </a:r>
+                      <a:r>
+                        <a:rPr lang="en-US" altLang="zh-TW" sz="2000" dirty="0" smtClean="0">
+                          <a:solidFill>
+                            <a:prstClr val="black">
+                              <a:lumMod val="85000"/>
+                              <a:lumOff val="15000"/>
+                            </a:prstClr>
+                          </a:solidFill>
+                          <a:latin typeface="DFKai-SB" panose="03000509000000000000" pitchFamily="65" charset="-120"/>
+                          <a:ea typeface="DFKai-SB" panose="03000509000000000000" pitchFamily="65" charset="-120"/>
+                        </a:rPr>
+                        <a:t>LCD</a:t>
+                      </a:r>
+                      <a:r>
+                        <a:rPr lang="zh-TW" altLang="en-US" sz="2000" dirty="0" smtClean="0">
+                          <a:solidFill>
+                            <a:prstClr val="black">
+                              <a:lumMod val="85000"/>
+                              <a:lumOff val="15000"/>
+                            </a:prstClr>
+                          </a:solidFill>
+                          <a:latin typeface="DFKai-SB" panose="03000509000000000000" pitchFamily="65" charset="-120"/>
+                          <a:ea typeface="DFKai-SB" panose="03000509000000000000" pitchFamily="65" charset="-120"/>
+                        </a:rPr>
+                        <a:t>屏上會顯示“</a:t>
+                      </a:r>
+                      <a:r>
+                        <a:rPr lang="zh-TW" altLang="en-US" sz="2000" dirty="0" smtClean="0">
+                          <a:solidFill>
+                            <a:srgbClr val="FF0000"/>
+                          </a:solidFill>
+                          <a:latin typeface="DFKai-SB" panose="03000509000000000000" pitchFamily="65" charset="-120"/>
+                          <a:ea typeface="DFKai-SB" panose="03000509000000000000" pitchFamily="65" charset="-120"/>
+                        </a:rPr>
+                        <a:t>歡迎使用陀螺儀機車警示裝置</a:t>
+                      </a:r>
+                      <a:r>
+                        <a:rPr lang="zh-TW" altLang="en-US" sz="2000" dirty="0" smtClean="0">
+                          <a:solidFill>
+                            <a:prstClr val="black">
+                              <a:lumMod val="85000"/>
+                              <a:lumOff val="15000"/>
+                            </a:prstClr>
+                          </a:solidFill>
+                          <a:latin typeface="DFKai-SB" panose="03000509000000000000" pitchFamily="65" charset="-120"/>
+                          <a:ea typeface="DFKai-SB" panose="03000509000000000000" pitchFamily="65" charset="-120"/>
+                        </a:rPr>
+                        <a:t>”，熄火停车后会显示“</a:t>
+                      </a:r>
+                      <a:r>
+                        <a:rPr lang="zh-TW" altLang="en-US" sz="2000" dirty="0" smtClean="0">
+                          <a:solidFill>
+                            <a:srgbClr val="FF0000"/>
+                          </a:solidFill>
+                          <a:latin typeface="DFKai-SB" panose="03000509000000000000" pitchFamily="65" charset="-120"/>
+                          <a:ea typeface="DFKai-SB" panose="03000509000000000000" pitchFamily="65" charset="-120"/>
+                        </a:rPr>
+                        <a:t>谢谢使用</a:t>
+                      </a:r>
+                      <a:r>
+                        <a:rPr lang="zh-TW" altLang="en-US" sz="2000" dirty="0" smtClean="0">
+                          <a:solidFill>
+                            <a:prstClr val="black">
+                              <a:lumMod val="85000"/>
+                              <a:lumOff val="15000"/>
+                            </a:prstClr>
+                          </a:solidFill>
+                          <a:latin typeface="DFKai-SB" panose="03000509000000000000" pitchFamily="65" charset="-120"/>
+                          <a:ea typeface="DFKai-SB" panose="03000509000000000000" pitchFamily="65" charset="-120"/>
+                        </a:rPr>
+                        <a:t>”。</a:t>
+                      </a:r>
+                    </a:p>
+                  </a:txBody>
+                  <a:tcPr/>
+                </a:tc>
+                <a:tc>
+                  <a:txBody>
+                    <a:bodyPr/>
+                    <a:lstStyle/>
+                    <a:p>
+                      <a:pPr marL="0" marR="0" lvl="0" indent="0" algn="l" defTabSz="457200" rtl="0" eaLnBrk="1" fontAlgn="auto" latinLnBrk="0" hangingPunct="1">
+                        <a:lnSpc>
+                          <a:spcPct val="100000"/>
+                        </a:lnSpc>
+                        <a:spcBef>
+                          <a:spcPts val="0"/>
+                        </a:spcBef>
+                        <a:spcAft>
+                          <a:spcPts val="0"/>
+                        </a:spcAft>
+                        <a:buClrTx/>
+                        <a:buSzTx/>
+                        <a:buFontTx/>
+                        <a:buNone/>
+                        <a:tabLst/>
+                        <a:defRPr/>
+                      </a:pPr>
+                      <a:r>
+                        <a:rPr lang="zh-CN" altLang="en-US" sz="2400" dirty="0" smtClean="0">
+                          <a:solidFill>
+                            <a:srgbClr val="FF0000"/>
+                          </a:solidFill>
+                          <a:latin typeface="DFKai-SB" panose="03000509000000000000" pitchFamily="65" charset="-120"/>
+                          <a:ea typeface="DFKai-SB" panose="03000509000000000000" pitchFamily="65" charset="-120"/>
+                        </a:rPr>
+                        <a:t>客戶</a:t>
+                      </a:r>
+                      <a:r>
+                        <a:rPr lang="en-US" altLang="zh-CN" sz="2400" dirty="0" smtClean="0">
+                          <a:solidFill>
+                            <a:schemeClr val="tx1"/>
+                          </a:solidFill>
+                          <a:latin typeface="DFKai-SB" panose="03000509000000000000" pitchFamily="65" charset="-120"/>
+                          <a:ea typeface="DFKai-SB" panose="03000509000000000000" pitchFamily="65" charset="-120"/>
+                        </a:rPr>
+                        <a:t>+</a:t>
+                      </a:r>
+                      <a:r>
+                        <a:rPr lang="zh-CN" altLang="en-US" sz="2400" dirty="0" smtClean="0">
+                          <a:solidFill>
+                            <a:srgbClr val="FF0000"/>
+                          </a:solidFill>
+                          <a:latin typeface="DFKai-SB" panose="03000509000000000000" pitchFamily="65" charset="-120"/>
+                          <a:ea typeface="DFKai-SB" panose="03000509000000000000" pitchFamily="65" charset="-120"/>
+                        </a:rPr>
+                        <a:t>讀取</a:t>
+                      </a:r>
+                      <a:r>
+                        <a:rPr lang="en-US" altLang="zh-CN" sz="2400" dirty="0" smtClean="0">
+                          <a:solidFill>
+                            <a:schemeClr val="tx1"/>
+                          </a:solidFill>
+                          <a:latin typeface="DFKai-SB" panose="03000509000000000000" pitchFamily="65" charset="-120"/>
+                          <a:ea typeface="DFKai-SB" panose="03000509000000000000" pitchFamily="65" charset="-120"/>
+                        </a:rPr>
+                        <a:t>+</a:t>
+                      </a:r>
+                      <a:r>
+                        <a:rPr lang="zh-CN" altLang="en-US" sz="2400" dirty="0" smtClean="0">
+                          <a:solidFill>
+                            <a:srgbClr val="FF0000"/>
+                          </a:solidFill>
+                          <a:latin typeface="DFKai-SB" panose="03000509000000000000" pitchFamily="65" charset="-120"/>
+                          <a:ea typeface="DFKai-SB" panose="03000509000000000000" pitchFamily="65" charset="-120"/>
+                        </a:rPr>
+                        <a:t>感謝詞</a:t>
+                      </a:r>
+                    </a:p>
+                    <a:p>
+                      <a:endParaRPr lang="zh-CN" altLang="en-US" sz="2400" dirty="0">
+                        <a:solidFill>
+                          <a:schemeClr val="tx1"/>
+                        </a:solidFill>
+                        <a:latin typeface="DFKai-SB" panose="03000509000000000000" pitchFamily="65" charset="-120"/>
+                        <a:ea typeface="DFKai-SB" panose="03000509000000000000" pitchFamily="65" charset="-120"/>
+                      </a:endParaRPr>
+                    </a:p>
+                  </a:txBody>
+                  <a:tcPr/>
+                </a:tc>
+                <a:extLst>
+                  <a:ext uri="{0D108BD9-81ED-4DB2-BD59-A6C34878D82A}">
+                    <a16:rowId xmlns:a16="http://schemas.microsoft.com/office/drawing/2014/main" val="3665926703"/>
+                  </a:ext>
+                </a:extLst>
+              </a:tr>
+              <a:tr h="1789900">
+                <a:tc>
+                  <a:txBody>
+                    <a:bodyPr/>
+                    <a:lstStyle/>
+                    <a:p>
+                      <a:pPr marL="0" marR="0" lvl="0" indent="0" algn="l" defTabSz="457200" rtl="0" eaLnBrk="1" fontAlgn="auto" latinLnBrk="0" hangingPunct="1">
+                        <a:lnSpc>
+                          <a:spcPct val="100000"/>
+                        </a:lnSpc>
+                        <a:spcBef>
+                          <a:spcPts val="0"/>
+                        </a:spcBef>
+                        <a:spcAft>
+                          <a:spcPts val="0"/>
+                        </a:spcAft>
+                        <a:buClrTx/>
+                        <a:buSzTx/>
+                        <a:buFontTx/>
+                        <a:buNone/>
+                        <a:tabLst/>
+                        <a:defRPr/>
+                      </a:pPr>
+                      <a:r>
+                        <a:rPr lang="en-US" altLang="zh-CN" sz="2000" dirty="0" smtClean="0">
+                          <a:solidFill>
+                            <a:prstClr val="black">
+                              <a:lumMod val="85000"/>
+                              <a:lumOff val="15000"/>
+                            </a:prstClr>
+                          </a:solidFill>
+                          <a:latin typeface="DFKai-SB" panose="03000509000000000000" pitchFamily="65" charset="-120"/>
+                          <a:ea typeface="DFKai-SB" panose="03000509000000000000" pitchFamily="65" charset="-120"/>
+                        </a:rPr>
+                        <a:t>3.</a:t>
+                      </a:r>
+                      <a:r>
+                        <a:rPr lang="zh-CN" altLang="en-US" sz="2000" dirty="0" smtClean="0">
+                          <a:solidFill>
+                            <a:prstClr val="black">
+                              <a:lumMod val="85000"/>
+                              <a:lumOff val="15000"/>
+                            </a:prstClr>
+                          </a:solidFill>
+                          <a:latin typeface="DFKai-SB" panose="03000509000000000000" pitchFamily="65" charset="-120"/>
+                          <a:ea typeface="DFKai-SB" panose="03000509000000000000" pitchFamily="65" charset="-120"/>
+                        </a:rPr>
+                        <a:t>客户騎車時，若車身過於傾斜，與</a:t>
+                      </a:r>
+                      <a:r>
+                        <a:rPr lang="zh-CN" altLang="en-US" sz="2000" dirty="0" smtClean="0">
+                          <a:solidFill>
+                            <a:srgbClr val="FF0000"/>
+                          </a:solidFill>
+                          <a:latin typeface="DFKai-SB" panose="03000509000000000000" pitchFamily="65" charset="-120"/>
+                          <a:ea typeface="DFKai-SB" panose="03000509000000000000" pitchFamily="65" charset="-120"/>
+                        </a:rPr>
+                        <a:t>警示裝置</a:t>
+                      </a:r>
+                      <a:r>
+                        <a:rPr lang="zh-CN" altLang="en-US" sz="2000" dirty="0" smtClean="0">
+                          <a:solidFill>
+                            <a:prstClr val="black">
+                              <a:lumMod val="85000"/>
+                              <a:lumOff val="15000"/>
+                            </a:prstClr>
+                          </a:solidFill>
+                          <a:latin typeface="DFKai-SB" panose="03000509000000000000" pitchFamily="65" charset="-120"/>
+                          <a:ea typeface="DFKai-SB" panose="03000509000000000000" pitchFamily="65" charset="-120"/>
+                        </a:rPr>
+                        <a:t>所連接的蜂鳴器便會發出“</a:t>
+                      </a:r>
+                      <a:r>
+                        <a:rPr lang="zh-CN" altLang="en-US" sz="2000" dirty="0" smtClean="0">
+                          <a:solidFill>
+                            <a:schemeClr val="tx1"/>
+                          </a:solidFill>
+                          <a:latin typeface="DFKai-SB" panose="03000509000000000000" pitchFamily="65" charset="-120"/>
+                          <a:ea typeface="DFKai-SB" panose="03000509000000000000" pitchFamily="65" charset="-120"/>
+                        </a:rPr>
+                        <a:t>滴滴滴</a:t>
+                      </a:r>
+                      <a:r>
+                        <a:rPr lang="zh-CN" altLang="en-US" sz="2000" dirty="0" smtClean="0">
+                          <a:solidFill>
+                            <a:prstClr val="black">
+                              <a:lumMod val="85000"/>
+                              <a:lumOff val="15000"/>
+                            </a:prstClr>
+                          </a:solidFill>
+                          <a:latin typeface="DFKai-SB" panose="03000509000000000000" pitchFamily="65" charset="-120"/>
+                          <a:ea typeface="DFKai-SB" panose="03000509000000000000" pitchFamily="65" charset="-120"/>
+                        </a:rPr>
+                        <a:t>”的警報聲，以達到</a:t>
+                      </a:r>
+                      <a:r>
+                        <a:rPr lang="zh-CN" altLang="en-US" sz="2000" dirty="0" smtClean="0">
+                          <a:solidFill>
+                            <a:srgbClr val="FF0000"/>
+                          </a:solidFill>
+                          <a:latin typeface="DFKai-SB" panose="03000509000000000000" pitchFamily="65" charset="-120"/>
+                          <a:ea typeface="DFKai-SB" panose="03000509000000000000" pitchFamily="65" charset="-120"/>
+                        </a:rPr>
+                        <a:t>警示客戶</a:t>
+                      </a:r>
+                      <a:r>
+                        <a:rPr lang="zh-CN" altLang="en-US" sz="2000" dirty="0" smtClean="0">
+                          <a:solidFill>
+                            <a:prstClr val="black">
+                              <a:lumMod val="85000"/>
+                              <a:lumOff val="15000"/>
+                            </a:prstClr>
+                          </a:solidFill>
+                          <a:latin typeface="DFKai-SB" panose="03000509000000000000" pitchFamily="65" charset="-120"/>
+                          <a:ea typeface="DFKai-SB" panose="03000509000000000000" pitchFamily="65" charset="-120"/>
+                        </a:rPr>
+                        <a:t>的目的。</a:t>
+                      </a:r>
+                      <a:endParaRPr lang="en-US" altLang="zh-CN" sz="2000" dirty="0" smtClean="0">
+                        <a:solidFill>
+                          <a:prstClr val="black">
+                            <a:lumMod val="85000"/>
+                            <a:lumOff val="15000"/>
+                          </a:prstClr>
+                        </a:solidFill>
+                        <a:latin typeface="DFKai-SB" panose="03000509000000000000" pitchFamily="65" charset="-120"/>
+                        <a:ea typeface="DFKai-SB" panose="03000509000000000000" pitchFamily="65" charset="-120"/>
+                      </a:endParaRPr>
+                    </a:p>
+                  </a:txBody>
+                  <a:tcPr/>
+                </a:tc>
+                <a:tc>
+                  <a:txBody>
+                    <a:bodyPr/>
+                    <a:lstStyle/>
+                    <a:p>
+                      <a:pPr marL="0" marR="0" lvl="0" indent="0" algn="l" defTabSz="457200" rtl="0" eaLnBrk="1" fontAlgn="auto" latinLnBrk="0" hangingPunct="1">
+                        <a:lnSpc>
+                          <a:spcPct val="100000"/>
+                        </a:lnSpc>
+                        <a:spcBef>
+                          <a:spcPts val="0"/>
+                        </a:spcBef>
+                        <a:spcAft>
+                          <a:spcPts val="0"/>
+                        </a:spcAft>
+                        <a:buClrTx/>
+                        <a:buSzTx/>
+                        <a:buFontTx/>
+                        <a:buNone/>
+                        <a:tabLst/>
+                        <a:defRPr/>
+                      </a:pPr>
+                      <a:r>
+                        <a:rPr lang="zh-CN" altLang="en-US" sz="2400" dirty="0" smtClean="0">
+                          <a:solidFill>
+                            <a:srgbClr val="FF0000"/>
+                          </a:solidFill>
+                          <a:latin typeface="DFKai-SB" panose="03000509000000000000" pitchFamily="65" charset="-120"/>
+                          <a:ea typeface="DFKai-SB" panose="03000509000000000000" pitchFamily="65" charset="-120"/>
+                        </a:rPr>
+                        <a:t>警示裝置</a:t>
+                      </a:r>
+                      <a:r>
+                        <a:rPr lang="en-US" altLang="zh-CN" sz="2400" dirty="0" smtClean="0">
+                          <a:solidFill>
+                            <a:schemeClr val="tx1"/>
+                          </a:solidFill>
+                          <a:latin typeface="DFKai-SB" panose="03000509000000000000" pitchFamily="65" charset="-120"/>
+                          <a:ea typeface="DFKai-SB" panose="03000509000000000000" pitchFamily="65" charset="-120"/>
+                        </a:rPr>
+                        <a:t>+</a:t>
+                      </a:r>
+                      <a:r>
+                        <a:rPr lang="zh-CN" altLang="en-US" sz="2400" dirty="0" smtClean="0">
+                          <a:solidFill>
+                            <a:srgbClr val="FF0000"/>
+                          </a:solidFill>
+                          <a:latin typeface="DFKai-SB" panose="03000509000000000000" pitchFamily="65" charset="-120"/>
+                          <a:ea typeface="DFKai-SB" panose="03000509000000000000" pitchFamily="65" charset="-120"/>
+                        </a:rPr>
+                        <a:t>警示</a:t>
+                      </a:r>
+                      <a:r>
+                        <a:rPr lang="en-US" altLang="zh-CN" sz="2400" dirty="0" smtClean="0">
+                          <a:solidFill>
+                            <a:schemeClr val="tx1"/>
+                          </a:solidFill>
+                          <a:latin typeface="DFKai-SB" panose="03000509000000000000" pitchFamily="65" charset="-120"/>
+                          <a:ea typeface="DFKai-SB" panose="03000509000000000000" pitchFamily="65" charset="-120"/>
+                        </a:rPr>
+                        <a:t>+</a:t>
+                      </a:r>
+                      <a:r>
+                        <a:rPr lang="zh-CN" altLang="en-US" sz="2400" dirty="0" smtClean="0">
+                          <a:solidFill>
+                            <a:srgbClr val="FF0000"/>
+                          </a:solidFill>
+                          <a:latin typeface="DFKai-SB" panose="03000509000000000000" pitchFamily="65" charset="-120"/>
+                          <a:ea typeface="DFKai-SB" panose="03000509000000000000" pitchFamily="65" charset="-120"/>
+                        </a:rPr>
+                        <a:t>客戶</a:t>
+                      </a:r>
+                      <a:endParaRPr lang="zh-CN" altLang="en-US" sz="2400" dirty="0">
+                        <a:solidFill>
+                          <a:schemeClr val="tx1"/>
+                        </a:solidFill>
+                        <a:latin typeface="DFKai-SB" panose="03000509000000000000" pitchFamily="65" charset="-120"/>
+                        <a:ea typeface="DFKai-SB" panose="03000509000000000000" pitchFamily="65" charset="-120"/>
+                      </a:endParaRPr>
+                    </a:p>
+                  </a:txBody>
+                  <a:tcPr/>
+                </a:tc>
+                <a:extLst>
+                  <a:ext uri="{0D108BD9-81ED-4DB2-BD59-A6C34878D82A}">
+                    <a16:rowId xmlns:a16="http://schemas.microsoft.com/office/drawing/2014/main" val="3964174122"/>
+                  </a:ext>
+                </a:extLst>
+              </a:tr>
+            </a:tbl>
+          </a:graphicData>
+        </a:graphic>
+      </p:graphicFrame>
     </p:spTree>
     <p:extLst>
       <p:ext uri="{BB962C8B-B14F-4D97-AF65-F5344CB8AC3E}">
-        <p14:creationId xmlns:p14="http://schemas.microsoft.com/office/powerpoint/2010/main" val="2582500332"/>
+        <p14:creationId xmlns:p14="http://schemas.microsoft.com/office/powerpoint/2010/main" val="758004190"/>
       </p:ext>
     </p:extLst>
   </p:cSld>
@@ -12769,226 +13187,6 @@
       </p:grpSpPr>
       <p:sp>
         <p:nvSpPr>
-          <p:cNvPr id="5" name="標題 1"/>
-          <p:cNvSpPr>
-            <a:spLocks noGrp="1"/>
-          </p:cNvSpPr>
-          <p:nvPr>
-            <p:ph type="title"/>
-          </p:nvPr>
-        </p:nvSpPr>
-        <p:spPr>
-          <a:xfrm>
-            <a:off x="685800" y="484632"/>
-            <a:ext cx="7772400" cy="682431"/>
-          </a:xfrm>
-        </p:spPr>
-        <p:txBody>
-          <a:bodyPr>
-            <a:normAutofit fontScale="90000"/>
-          </a:bodyPr>
-          <a:lstStyle/>
-          <a:p>
-            <a:pPr algn="ctr"/>
-            <a:r>
-              <a:rPr lang="zh-CN" altLang="en-US" sz="4000" dirty="0" smtClean="0">
-                <a:latin typeface="DFKai-SB" panose="03000509000000000000" pitchFamily="65" charset="-120"/>
-                <a:ea typeface="DFKai-SB" panose="03000509000000000000" pitchFamily="65" charset="-120"/>
-              </a:rPr>
-              <a:t>使用者与製作者需求描述</a:t>
-            </a:r>
-            <a:endParaRPr lang="zh-CN" altLang="en-US" sz="4000" dirty="0">
-              <a:latin typeface="DFKai-SB" panose="03000509000000000000" pitchFamily="65" charset="-120"/>
-              <a:ea typeface="DFKai-SB" panose="03000509000000000000" pitchFamily="65" charset="-120"/>
-            </a:endParaRPr>
-          </a:p>
-        </p:txBody>
-      </p:sp>
-      <p:sp>
-        <p:nvSpPr>
-          <p:cNvPr id="3" name="內容版面配置區 2"/>
-          <p:cNvSpPr>
-            <a:spLocks noGrp="1"/>
-          </p:cNvSpPr>
-          <p:nvPr>
-            <p:ph idx="1"/>
-          </p:nvPr>
-        </p:nvSpPr>
-        <p:spPr>
-          <a:xfrm>
-            <a:off x="685800" y="1167063"/>
-            <a:ext cx="7772400" cy="5005137"/>
-          </a:xfrm>
-        </p:spPr>
-        <p:txBody>
-          <a:bodyPr>
-            <a:normAutofit fontScale="92500" lnSpcReduction="10000"/>
-          </a:bodyPr>
-          <a:lstStyle/>
-          <a:p>
-            <a:r>
-              <a:rPr lang="en-US" altLang="zh-CN" sz="2800" dirty="0" smtClean="0">
-                <a:latin typeface="DFKai-SB" panose="03000509000000000000" pitchFamily="65" charset="-120"/>
-                <a:ea typeface="DFKai-SB" panose="03000509000000000000" pitchFamily="65" charset="-120"/>
-              </a:rPr>
-              <a:t>4. </a:t>
-            </a:r>
-            <a:r>
-              <a:rPr lang="zh-CN" altLang="en-US" sz="2800" dirty="0" smtClean="0">
-                <a:latin typeface="DFKai-SB" panose="03000509000000000000" pitchFamily="65" charset="-120"/>
-                <a:ea typeface="DFKai-SB" panose="03000509000000000000" pitchFamily="65" charset="-120"/>
-              </a:rPr>
-              <a:t>與警示裝置連接的</a:t>
-            </a:r>
-            <a:r>
-              <a:rPr lang="en-US" altLang="zh-CN" sz="2800" dirty="0" smtClean="0">
-                <a:latin typeface="DFKai-SB" panose="03000509000000000000" pitchFamily="65" charset="-120"/>
-                <a:ea typeface="DFKai-SB" panose="03000509000000000000" pitchFamily="65" charset="-120"/>
-              </a:rPr>
-              <a:t>GPS</a:t>
-            </a:r>
-            <a:r>
-              <a:rPr lang="zh-CN" altLang="en-US" sz="2800" dirty="0" smtClean="0">
-                <a:latin typeface="DFKai-SB" panose="03000509000000000000" pitchFamily="65" charset="-120"/>
-                <a:ea typeface="DFKai-SB" panose="03000509000000000000" pitchFamily="65" charset="-120"/>
-              </a:rPr>
-              <a:t>也會記錄使用者的機車傾斜角度過大時所在的具體位置，並傳回手機中的</a:t>
-            </a:r>
-            <a:r>
-              <a:rPr lang="en-US" altLang="zh-CN" sz="2800" dirty="0" smtClean="0">
-                <a:latin typeface="DFKai-SB" panose="03000509000000000000" pitchFamily="65" charset="-120"/>
-                <a:ea typeface="DFKai-SB" panose="03000509000000000000" pitchFamily="65" charset="-120"/>
-              </a:rPr>
-              <a:t>app</a:t>
-            </a:r>
-            <a:r>
-              <a:rPr lang="zh-CN" altLang="en-US" sz="2800" dirty="0" smtClean="0">
-                <a:latin typeface="DFKai-SB" panose="03000509000000000000" pitchFamily="65" charset="-120"/>
-                <a:ea typeface="DFKai-SB" panose="03000509000000000000" pitchFamily="65" charset="-120"/>
-              </a:rPr>
-              <a:t>。</a:t>
-            </a:r>
-            <a:endParaRPr lang="en-US" altLang="zh-CN" sz="2800" dirty="0" smtClean="0">
-              <a:latin typeface="DFKai-SB" panose="03000509000000000000" pitchFamily="65" charset="-120"/>
-              <a:ea typeface="DFKai-SB" panose="03000509000000000000" pitchFamily="65" charset="-120"/>
-            </a:endParaRPr>
-          </a:p>
-          <a:p>
-            <a:r>
-              <a:rPr lang="en-US" altLang="zh-CN" sz="2800" dirty="0" smtClean="0">
-                <a:latin typeface="DFKai-SB" panose="03000509000000000000" pitchFamily="65" charset="-120"/>
-                <a:ea typeface="DFKai-SB" panose="03000509000000000000" pitchFamily="65" charset="-120"/>
-              </a:rPr>
-              <a:t>5.</a:t>
-            </a:r>
-            <a:r>
-              <a:rPr lang="en-US" altLang="zh-CN" sz="2800" dirty="0">
-                <a:latin typeface="DFKai-SB" panose="03000509000000000000" pitchFamily="65" charset="-120"/>
-                <a:ea typeface="DFKai-SB" panose="03000509000000000000" pitchFamily="65" charset="-120"/>
-              </a:rPr>
-              <a:t> app</a:t>
-            </a:r>
-            <a:r>
-              <a:rPr lang="zh-CN" altLang="en-US" sz="2800" dirty="0">
-                <a:latin typeface="DFKai-SB" panose="03000509000000000000" pitchFamily="65" charset="-120"/>
-                <a:ea typeface="DFKai-SB" panose="03000509000000000000" pitchFamily="65" charset="-120"/>
-              </a:rPr>
-              <a:t>中客戶的數據也會上傳到製作者的系統服務器中，讓製作者能夠統計什麼樣的客戶人群在什麼樣的路段容易出現“</a:t>
-            </a:r>
-            <a:r>
-              <a:rPr lang="zh-CN" altLang="en-US" sz="2800" dirty="0">
-                <a:solidFill>
-                  <a:srgbClr val="FF0000"/>
-                </a:solidFill>
-                <a:latin typeface="DFKai-SB" panose="03000509000000000000" pitchFamily="65" charset="-120"/>
-                <a:ea typeface="DFKai-SB" panose="03000509000000000000" pitchFamily="65" charset="-120"/>
-              </a:rPr>
-              <a:t>壓車</a:t>
-            </a:r>
-            <a:r>
-              <a:rPr lang="zh-CN" altLang="en-US" sz="2800" dirty="0">
-                <a:latin typeface="DFKai-SB" panose="03000509000000000000" pitchFamily="65" charset="-120"/>
-                <a:ea typeface="DFKai-SB" panose="03000509000000000000" pitchFamily="65" charset="-120"/>
-              </a:rPr>
-              <a:t>”的情況，對警示裝置做出調整，提前提醒使用者。</a:t>
-            </a:r>
-            <a:endParaRPr lang="en-US" altLang="zh-CN" sz="2800" dirty="0">
-              <a:latin typeface="DFKai-SB" panose="03000509000000000000" pitchFamily="65" charset="-120"/>
-              <a:ea typeface="DFKai-SB" panose="03000509000000000000" pitchFamily="65" charset="-120"/>
-            </a:endParaRPr>
-          </a:p>
-          <a:p>
-            <a:r>
-              <a:rPr lang="en-US" altLang="zh-CN" sz="2800" dirty="0" smtClean="0">
-                <a:latin typeface="DFKai-SB" panose="03000509000000000000" pitchFamily="65" charset="-120"/>
-                <a:ea typeface="DFKai-SB" panose="03000509000000000000" pitchFamily="65" charset="-120"/>
-              </a:rPr>
-              <a:t>6.</a:t>
-            </a:r>
-            <a:r>
-              <a:rPr lang="zh-CN" altLang="en-US" sz="2800" dirty="0" smtClean="0">
-                <a:latin typeface="DFKai-SB" panose="03000509000000000000" pitchFamily="65" charset="-120"/>
-                <a:ea typeface="DFKai-SB" panose="03000509000000000000" pitchFamily="65" charset="-120"/>
-              </a:rPr>
-              <a:t>客戶要做出轉彎行為時，警示裝置也會對此進行檢測，並將預行進的方向顯示在</a:t>
-            </a:r>
-            <a:r>
-              <a:rPr lang="en-US" altLang="zh-CN" sz="2800" dirty="0" smtClean="0">
-                <a:latin typeface="DFKai-SB" panose="03000509000000000000" pitchFamily="65" charset="-120"/>
-                <a:ea typeface="DFKai-SB" panose="03000509000000000000" pitchFamily="65" charset="-120"/>
-              </a:rPr>
-              <a:t>LCD</a:t>
-            </a:r>
-            <a:r>
-              <a:rPr lang="zh-CN" altLang="en-US" sz="2800" dirty="0" smtClean="0">
-                <a:latin typeface="DFKai-SB" panose="03000509000000000000" pitchFamily="65" charset="-120"/>
-                <a:ea typeface="DFKai-SB" panose="03000509000000000000" pitchFamily="65" charset="-120"/>
-              </a:rPr>
-              <a:t>顯示屏上，例如“</a:t>
-            </a:r>
-            <a:r>
-              <a:rPr lang="zh-CN" altLang="en-US" sz="2800" dirty="0" smtClean="0">
-                <a:solidFill>
-                  <a:srgbClr val="FF0000"/>
-                </a:solidFill>
-                <a:latin typeface="DFKai-SB" panose="03000509000000000000" pitchFamily="65" charset="-120"/>
-                <a:ea typeface="DFKai-SB" panose="03000509000000000000" pitchFamily="65" charset="-120"/>
-              </a:rPr>
-              <a:t>即將右轉</a:t>
-            </a:r>
-            <a:r>
-              <a:rPr lang="zh-CN" altLang="en-US" sz="2800" dirty="0" smtClean="0">
-                <a:latin typeface="DFKai-SB" panose="03000509000000000000" pitchFamily="65" charset="-120"/>
-                <a:ea typeface="DFKai-SB" panose="03000509000000000000" pitchFamily="65" charset="-120"/>
-              </a:rPr>
-              <a:t>”或是“</a:t>
-            </a:r>
-            <a:r>
-              <a:rPr lang="zh-CN" altLang="en-US" sz="2800" dirty="0" smtClean="0">
-                <a:solidFill>
-                  <a:srgbClr val="FF0000"/>
-                </a:solidFill>
-                <a:latin typeface="DFKai-SB" panose="03000509000000000000" pitchFamily="65" charset="-120"/>
-                <a:ea typeface="DFKai-SB" panose="03000509000000000000" pitchFamily="65" charset="-120"/>
-              </a:rPr>
-              <a:t>即將左轉</a:t>
-            </a:r>
-            <a:r>
-              <a:rPr lang="zh-CN" altLang="en-US" sz="2800" dirty="0" smtClean="0">
-                <a:latin typeface="DFKai-SB" panose="03000509000000000000" pitchFamily="65" charset="-120"/>
-                <a:ea typeface="DFKai-SB" panose="03000509000000000000" pitchFamily="65" charset="-120"/>
-              </a:rPr>
-              <a:t>”，並大聲鳴嚮蜂鳴器，提醒後方要跟車的大型貨車，以防車禍的發生。</a:t>
-            </a:r>
-            <a:endParaRPr lang="zh-CN" altLang="en-US" sz="2800" dirty="0">
-              <a:latin typeface="DFKai-SB" panose="03000509000000000000" pitchFamily="65" charset="-120"/>
-              <a:ea typeface="DFKai-SB" panose="03000509000000000000" pitchFamily="65" charset="-120"/>
-            </a:endParaRPr>
-          </a:p>
-        </p:txBody>
-      </p:sp>
-      <p:sp>
-        <p:nvSpPr>
           <p:cNvPr id="4" name="投影片編號版面配置區 3"/>
           <p:cNvSpPr>
             <a:spLocks noGrp="1"/>
@@ -13010,23 +13208,896 @@
           </a:p>
         </p:txBody>
       </p:sp>
+      <p:graphicFrame>
+        <p:nvGraphicFramePr>
+          <p:cNvPr id="6" name="表格 5"/>
+          <p:cNvGraphicFramePr>
+            <a:graphicFrameLocks noGrp="1"/>
+          </p:cNvGraphicFramePr>
+          <p:nvPr>
+            <p:extLst>
+              <p:ext uri="{D42A27DB-BD31-4B8C-83A1-F6EECF244321}">
+                <p14:modId xmlns:p14="http://schemas.microsoft.com/office/powerpoint/2010/main" val="2615378414"/>
+              </p:ext>
+            </p:extLst>
+          </p:nvPr>
+        </p:nvGraphicFramePr>
+        <p:xfrm>
+          <a:off x="1388035" y="968037"/>
+          <a:ext cx="6192056" cy="4866036"/>
+        </p:xfrm>
+        <a:graphic>
+          <a:graphicData uri="http://schemas.openxmlformats.org/drawingml/2006/table">
+            <a:tbl>
+              <a:tblPr firstRow="1" bandRow="1">
+                <a:tableStyleId>{D113A9D2-9D6B-4929-AA2D-F23B5EE8CBE7}</a:tableStyleId>
+              </a:tblPr>
+              <a:tblGrid>
+                <a:gridCol w="3096028">
+                  <a:extLst>
+                    <a:ext uri="{9D8B030D-6E8A-4147-A177-3AD203B41FA5}">
+                      <a16:colId xmlns:a16="http://schemas.microsoft.com/office/drawing/2014/main" val="575654118"/>
+                    </a:ext>
+                  </a:extLst>
+                </a:gridCol>
+                <a:gridCol w="3096028">
+                  <a:extLst>
+                    <a:ext uri="{9D8B030D-6E8A-4147-A177-3AD203B41FA5}">
+                      <a16:colId xmlns:a16="http://schemas.microsoft.com/office/drawing/2014/main" val="2310419058"/>
+                    </a:ext>
+                  </a:extLst>
+                </a:gridCol>
+              </a:tblGrid>
+              <a:tr h="543246">
+                <a:tc>
+                  <a:txBody>
+                    <a:bodyPr/>
+                    <a:lstStyle/>
+                    <a:p>
+                      <a:r>
+                        <a:rPr lang="zh-CN" altLang="en-US" sz="3200" dirty="0" smtClean="0">
+                          <a:latin typeface="DFKai-SB" panose="03000509000000000000" pitchFamily="65" charset="-120"/>
+                          <a:ea typeface="DFKai-SB" panose="03000509000000000000" pitchFamily="65" charset="-120"/>
+                        </a:rPr>
+                        <a:t>描述性項目</a:t>
+                      </a:r>
+                      <a:endParaRPr lang="zh-CN" altLang="en-US" sz="3200" dirty="0">
+                        <a:latin typeface="DFKai-SB" panose="03000509000000000000" pitchFamily="65" charset="-120"/>
+                        <a:ea typeface="DFKai-SB" panose="03000509000000000000" pitchFamily="65" charset="-120"/>
+                      </a:endParaRPr>
+                    </a:p>
+                  </a:txBody>
+                  <a:tcPr/>
+                </a:tc>
+                <a:tc>
+                  <a:txBody>
+                    <a:bodyPr/>
+                    <a:lstStyle/>
+                    <a:p>
+                      <a:r>
+                        <a:rPr lang="zh-CN" altLang="en-US" sz="3200" dirty="0" smtClean="0">
+                          <a:latin typeface="DFKai-SB" panose="03000509000000000000" pitchFamily="65" charset="-120"/>
+                          <a:ea typeface="DFKai-SB" panose="03000509000000000000" pitchFamily="65" charset="-120"/>
+                        </a:rPr>
+                        <a:t>事件條列式</a:t>
+                      </a:r>
+                      <a:endParaRPr lang="zh-CN" altLang="en-US" sz="3200" dirty="0">
+                        <a:latin typeface="DFKai-SB" panose="03000509000000000000" pitchFamily="65" charset="-120"/>
+                        <a:ea typeface="DFKai-SB" panose="03000509000000000000" pitchFamily="65" charset="-120"/>
+                      </a:endParaRPr>
+                    </a:p>
+                  </a:txBody>
+                  <a:tcPr/>
+                </a:tc>
+                <a:extLst>
+                  <a:ext uri="{0D108BD9-81ED-4DB2-BD59-A6C34878D82A}">
+                    <a16:rowId xmlns:a16="http://schemas.microsoft.com/office/drawing/2014/main" val="4229939552"/>
+                  </a:ext>
+                </a:extLst>
+              </a:tr>
+              <a:tr h="1260547">
+                <a:tc>
+                  <a:txBody>
+                    <a:bodyPr/>
+                    <a:lstStyle/>
+                    <a:p>
+                      <a:pPr marL="0" marR="0" lvl="0" indent="0" algn="l" defTabSz="457200" rtl="0" eaLnBrk="1" fontAlgn="auto" latinLnBrk="0" hangingPunct="1">
+                        <a:lnSpc>
+                          <a:spcPct val="100000"/>
+                        </a:lnSpc>
+                        <a:spcBef>
+                          <a:spcPts val="0"/>
+                        </a:spcBef>
+                        <a:spcAft>
+                          <a:spcPts val="0"/>
+                        </a:spcAft>
+                        <a:buClrTx/>
+                        <a:buSzTx/>
+                        <a:buFontTx/>
+                        <a:buNone/>
+                        <a:tabLst/>
+                        <a:defRPr/>
+                      </a:pPr>
+                      <a:r>
+                        <a:rPr lang="en-US" altLang="zh-TW" sz="2000" dirty="0" smtClean="0">
+                          <a:solidFill>
+                            <a:schemeClr val="tx1"/>
+                          </a:solidFill>
+                          <a:latin typeface="DFKai-SB" panose="03000509000000000000" pitchFamily="65" charset="-120"/>
+                          <a:ea typeface="DFKai-SB" panose="03000509000000000000" pitchFamily="65" charset="-120"/>
+                        </a:rPr>
+                        <a:t>4.</a:t>
+                      </a:r>
+                      <a:r>
+                        <a:rPr lang="zh-TW" altLang="en-US" sz="2000" dirty="0" smtClean="0">
+                          <a:solidFill>
+                            <a:schemeClr val="tx1"/>
+                          </a:solidFill>
+                          <a:latin typeface="DFKai-SB" panose="03000509000000000000" pitchFamily="65" charset="-120"/>
+                          <a:ea typeface="DFKai-SB" panose="03000509000000000000" pitchFamily="65" charset="-120"/>
+                        </a:rPr>
+                        <a:t>蜂鳴器發出警報聲的同時，</a:t>
+                      </a:r>
+                      <a:r>
+                        <a:rPr lang="zh-TW" altLang="en-US" sz="2000" dirty="0" smtClean="0">
+                          <a:solidFill>
+                            <a:srgbClr val="FF0000"/>
+                          </a:solidFill>
+                          <a:latin typeface="DFKai-SB" panose="03000509000000000000" pitchFamily="65" charset="-120"/>
+                          <a:ea typeface="DFKai-SB" panose="03000509000000000000" pitchFamily="65" charset="-120"/>
+                        </a:rPr>
+                        <a:t>警示裝置</a:t>
+                      </a:r>
+                      <a:r>
+                        <a:rPr lang="zh-TW" altLang="en-US" sz="2000" dirty="0" smtClean="0">
+                          <a:solidFill>
+                            <a:schemeClr val="tx1"/>
+                          </a:solidFill>
+                          <a:latin typeface="DFKai-SB" panose="03000509000000000000" pitchFamily="65" charset="-120"/>
+                          <a:ea typeface="DFKai-SB" panose="03000509000000000000" pitchFamily="65" charset="-120"/>
+                        </a:rPr>
+                        <a:t>也會將此時的</a:t>
+                      </a:r>
+                      <a:r>
+                        <a:rPr lang="zh-TW" altLang="en-US" sz="2000" dirty="0" smtClean="0">
+                          <a:solidFill>
+                            <a:srgbClr val="FF0000"/>
+                          </a:solidFill>
+                          <a:latin typeface="DFKai-SB" panose="03000509000000000000" pitchFamily="65" charset="-120"/>
+                          <a:ea typeface="DFKai-SB" panose="03000509000000000000" pitchFamily="65" charset="-120"/>
+                        </a:rPr>
+                        <a:t>傾斜角度</a:t>
+                      </a:r>
+                      <a:r>
+                        <a:rPr lang="zh-TW" altLang="en-US" sz="2000" dirty="0" smtClean="0">
+                          <a:solidFill>
+                            <a:schemeClr val="tx1"/>
+                          </a:solidFill>
+                          <a:latin typeface="DFKai-SB" panose="03000509000000000000" pitchFamily="65" charset="-120"/>
+                          <a:ea typeface="DFKai-SB" panose="03000509000000000000" pitchFamily="65" charset="-120"/>
+                        </a:rPr>
+                        <a:t>顯示在</a:t>
+                      </a:r>
+                      <a:r>
+                        <a:rPr lang="en-US" altLang="zh-TW" sz="2000" dirty="0" smtClean="0">
+                          <a:solidFill>
+                            <a:schemeClr val="tx1"/>
+                          </a:solidFill>
+                          <a:latin typeface="DFKai-SB" panose="03000509000000000000" pitchFamily="65" charset="-120"/>
+                          <a:ea typeface="DFKai-SB" panose="03000509000000000000" pitchFamily="65" charset="-120"/>
+                        </a:rPr>
+                        <a:t>LCD</a:t>
+                      </a:r>
+                      <a:r>
+                        <a:rPr lang="zh-TW" altLang="en-US" sz="2000" dirty="0" smtClean="0">
+                          <a:solidFill>
+                            <a:schemeClr val="tx1"/>
+                          </a:solidFill>
+                          <a:latin typeface="DFKai-SB" panose="03000509000000000000" pitchFamily="65" charset="-120"/>
+                          <a:ea typeface="DFKai-SB" panose="03000509000000000000" pitchFamily="65" charset="-120"/>
+                        </a:rPr>
+                        <a:t>顯示屏上</a:t>
+                      </a:r>
+                      <a:r>
+                        <a:rPr lang="zh-CN" altLang="en-US" sz="2000" dirty="0" smtClean="0">
+                          <a:solidFill>
+                            <a:schemeClr val="tx1"/>
+                          </a:solidFill>
+                          <a:latin typeface="DFKai-SB" panose="03000509000000000000" pitchFamily="65" charset="-120"/>
+                          <a:ea typeface="DFKai-SB" panose="03000509000000000000" pitchFamily="65" charset="-120"/>
+                        </a:rPr>
+                        <a:t>。</a:t>
+                      </a:r>
+                      <a:endParaRPr lang="zh-TW" altLang="en-US" sz="2000" dirty="0" smtClean="0">
+                        <a:solidFill>
+                          <a:schemeClr val="tx1"/>
+                        </a:solidFill>
+                        <a:latin typeface="DFKai-SB" panose="03000509000000000000" pitchFamily="65" charset="-120"/>
+                        <a:ea typeface="DFKai-SB" panose="03000509000000000000" pitchFamily="65" charset="-120"/>
+                      </a:endParaRPr>
+                    </a:p>
+                  </a:txBody>
+                  <a:tcPr/>
+                </a:tc>
+                <a:tc>
+                  <a:txBody>
+                    <a:bodyPr/>
+                    <a:lstStyle/>
+                    <a:p>
+                      <a:r>
+                        <a:rPr lang="zh-TW" altLang="en-US" sz="2400" dirty="0" smtClean="0">
+                          <a:solidFill>
+                            <a:srgbClr val="FF0000"/>
+                          </a:solidFill>
+                          <a:latin typeface="DFKai-SB" panose="03000509000000000000" pitchFamily="65" charset="-120"/>
+                          <a:ea typeface="DFKai-SB" panose="03000509000000000000" pitchFamily="65" charset="-120"/>
+                        </a:rPr>
+                        <a:t>警示裝置</a:t>
+                      </a:r>
+                      <a:r>
+                        <a:rPr lang="en-US" altLang="zh-CN" sz="2400" dirty="0" smtClean="0">
+                          <a:solidFill>
+                            <a:schemeClr val="tx1"/>
+                          </a:solidFill>
+                          <a:latin typeface="DFKai-SB" panose="03000509000000000000" pitchFamily="65" charset="-120"/>
+                          <a:ea typeface="DFKai-SB" panose="03000509000000000000" pitchFamily="65" charset="-120"/>
+                        </a:rPr>
+                        <a:t>+</a:t>
+                      </a:r>
+                      <a:r>
+                        <a:rPr lang="zh-CN" altLang="en-US" sz="2400" dirty="0" smtClean="0">
+                          <a:solidFill>
+                            <a:srgbClr val="FF0000"/>
+                          </a:solidFill>
+                          <a:latin typeface="DFKai-SB" panose="03000509000000000000" pitchFamily="65" charset="-120"/>
+                          <a:ea typeface="DFKai-SB" panose="03000509000000000000" pitchFamily="65" charset="-120"/>
+                        </a:rPr>
+                        <a:t>提示</a:t>
+                      </a:r>
+                      <a:r>
+                        <a:rPr lang="en-US" altLang="zh-CN" sz="2400" dirty="0" smtClean="0">
+                          <a:solidFill>
+                            <a:schemeClr val="tx1"/>
+                          </a:solidFill>
+                          <a:latin typeface="DFKai-SB" panose="03000509000000000000" pitchFamily="65" charset="-120"/>
+                          <a:ea typeface="DFKai-SB" panose="03000509000000000000" pitchFamily="65" charset="-120"/>
+                        </a:rPr>
+                        <a:t>+</a:t>
+                      </a:r>
+                      <a:r>
+                        <a:rPr lang="zh-CN" altLang="en-US" sz="2400" dirty="0" smtClean="0">
+                          <a:solidFill>
+                            <a:srgbClr val="FF0000"/>
+                          </a:solidFill>
+                          <a:latin typeface="DFKai-SB" panose="03000509000000000000" pitchFamily="65" charset="-120"/>
+                          <a:ea typeface="DFKai-SB" panose="03000509000000000000" pitchFamily="65" charset="-120"/>
+                        </a:rPr>
+                        <a:t>客戶</a:t>
+                      </a:r>
+                      <a:endParaRPr lang="en-US" altLang="zh-CN" sz="2400" dirty="0" smtClean="0">
+                        <a:solidFill>
+                          <a:srgbClr val="FF0000"/>
+                        </a:solidFill>
+                        <a:latin typeface="DFKai-SB" panose="03000509000000000000" pitchFamily="65" charset="-120"/>
+                        <a:ea typeface="DFKai-SB" panose="03000509000000000000" pitchFamily="65" charset="-120"/>
+                      </a:endParaRPr>
+                    </a:p>
+                    <a:p>
+                      <a:endParaRPr lang="en-US" altLang="zh-CN" sz="2400" dirty="0" smtClean="0">
+                        <a:solidFill>
+                          <a:schemeClr val="tx1"/>
+                        </a:solidFill>
+                        <a:latin typeface="DFKai-SB" panose="03000509000000000000" pitchFamily="65" charset="-120"/>
+                        <a:ea typeface="DFKai-SB" panose="03000509000000000000" pitchFamily="65" charset="-120"/>
+                      </a:endParaRPr>
+                    </a:p>
+                  </a:txBody>
+                  <a:tcPr/>
+                </a:tc>
+                <a:extLst>
+                  <a:ext uri="{0D108BD9-81ED-4DB2-BD59-A6C34878D82A}">
+                    <a16:rowId xmlns:a16="http://schemas.microsoft.com/office/drawing/2014/main" val="118071968"/>
+                  </a:ext>
+                </a:extLst>
+              </a:tr>
+              <a:tr h="1328858">
+                <a:tc>
+                  <a:txBody>
+                    <a:bodyPr/>
+                    <a:lstStyle/>
+                    <a:p>
+                      <a:pPr marL="0" marR="0" lvl="0" indent="0" algn="l" defTabSz="457200" rtl="0" eaLnBrk="1" fontAlgn="auto" latinLnBrk="0" hangingPunct="1">
+                        <a:lnSpc>
+                          <a:spcPct val="100000"/>
+                        </a:lnSpc>
+                        <a:spcBef>
+                          <a:spcPts val="0"/>
+                        </a:spcBef>
+                        <a:spcAft>
+                          <a:spcPts val="0"/>
+                        </a:spcAft>
+                        <a:buClrTx/>
+                        <a:buSzTx/>
+                        <a:buFontTx/>
+                        <a:buNone/>
+                        <a:tabLst/>
+                        <a:defRPr/>
+                      </a:pPr>
+                      <a:r>
+                        <a:rPr kumimoji="0" lang="en-US" altLang="zh-TW" sz="2000" b="0" i="0" u="none" strike="noStrike" kern="1200" cap="none" spc="0" normalizeH="0" baseline="0" noProof="0" dirty="0" smtClean="0">
+                          <a:ln>
+                            <a:noFill/>
+                          </a:ln>
+                          <a:solidFill>
+                            <a:prstClr val="black"/>
+                          </a:solidFill>
+                          <a:effectLst/>
+                          <a:uLnTx/>
+                          <a:uFillTx/>
+                          <a:latin typeface="DFKai-SB" panose="03000509000000000000" pitchFamily="65" charset="-120"/>
+                          <a:ea typeface="DFKai-SB" panose="03000509000000000000" pitchFamily="65" charset="-120"/>
+                          <a:cs typeface="+mn-cs"/>
+                        </a:rPr>
+                        <a:t>5.</a:t>
+                      </a:r>
+                      <a:r>
+                        <a:rPr kumimoji="0" lang="zh-CN" altLang="en-US" sz="2000" b="0" i="0" u="none" strike="noStrike" kern="1200" cap="none" spc="0" normalizeH="0" baseline="0" noProof="0" dirty="0" smtClean="0">
+                          <a:ln>
+                            <a:noFill/>
+                          </a:ln>
+                          <a:solidFill>
+                            <a:srgbClr val="FF0000"/>
+                          </a:solidFill>
+                          <a:effectLst/>
+                          <a:uLnTx/>
+                          <a:uFillTx/>
+                          <a:latin typeface="DFKai-SB" panose="03000509000000000000" pitchFamily="65" charset="-120"/>
+                          <a:ea typeface="DFKai-SB" panose="03000509000000000000" pitchFamily="65" charset="-120"/>
+                          <a:cs typeface="+mn-cs"/>
+                        </a:rPr>
+                        <a:t>警示裝置</a:t>
+                      </a:r>
+                      <a:r>
+                        <a:rPr kumimoji="0" lang="zh-CN" altLang="en-US" sz="2000" b="0" i="0" u="none" strike="noStrike" kern="1200" cap="none" spc="0" normalizeH="0" baseline="0" noProof="0" dirty="0" smtClean="0">
+                          <a:ln>
+                            <a:noFill/>
+                          </a:ln>
+                          <a:solidFill>
+                            <a:prstClr val="black"/>
+                          </a:solidFill>
+                          <a:effectLst/>
+                          <a:uLnTx/>
+                          <a:uFillTx/>
+                          <a:latin typeface="DFKai-SB" panose="03000509000000000000" pitchFamily="65" charset="-120"/>
+                          <a:ea typeface="DFKai-SB" panose="03000509000000000000" pitchFamily="65" charset="-120"/>
+                          <a:cs typeface="+mn-cs"/>
+                        </a:rPr>
+                        <a:t>也會</a:t>
+                      </a:r>
+                      <a:r>
+                        <a:rPr kumimoji="0" lang="zh-TW" altLang="en-US" sz="2000" b="0" i="0" u="none" strike="noStrike" kern="1200" cap="none" spc="0" normalizeH="0" baseline="0" noProof="0" dirty="0" smtClean="0">
+                          <a:ln>
+                            <a:noFill/>
+                          </a:ln>
+                          <a:solidFill>
+                            <a:prstClr val="black"/>
+                          </a:solidFill>
+                          <a:effectLst/>
+                          <a:uLnTx/>
+                          <a:uFillTx/>
+                          <a:latin typeface="DFKai-SB" panose="03000509000000000000" pitchFamily="65" charset="-120"/>
+                          <a:ea typeface="DFKai-SB" panose="03000509000000000000" pitchFamily="65" charset="-120"/>
+                          <a:cs typeface="+mn-cs"/>
+                        </a:rPr>
+                        <a:t>將此數據記錄並傳輸會手機上製作的對應的</a:t>
+                      </a:r>
+                      <a:r>
+                        <a:rPr kumimoji="0" lang="en-US" altLang="zh-TW" sz="2000" b="0" i="0" u="none" strike="noStrike" kern="1200" cap="none" spc="0" normalizeH="0" baseline="0" noProof="0" dirty="0" smtClean="0">
+                          <a:ln>
+                            <a:noFill/>
+                          </a:ln>
+                          <a:solidFill>
+                            <a:prstClr val="black"/>
+                          </a:solidFill>
+                          <a:effectLst/>
+                          <a:uLnTx/>
+                          <a:uFillTx/>
+                          <a:latin typeface="DFKai-SB" panose="03000509000000000000" pitchFamily="65" charset="-120"/>
+                          <a:ea typeface="DFKai-SB" panose="03000509000000000000" pitchFamily="65" charset="-120"/>
+                          <a:cs typeface="+mn-cs"/>
+                        </a:rPr>
+                        <a:t>app</a:t>
+                      </a:r>
+                      <a:r>
+                        <a:rPr kumimoji="0" lang="zh-TW" altLang="en-US" sz="2000" b="0" i="0" u="none" strike="noStrike" kern="1200" cap="none" spc="0" normalizeH="0" baseline="0" noProof="0" dirty="0" smtClean="0">
+                          <a:ln>
+                            <a:noFill/>
+                          </a:ln>
+                          <a:solidFill>
+                            <a:prstClr val="black"/>
+                          </a:solidFill>
+                          <a:effectLst/>
+                          <a:uLnTx/>
+                          <a:uFillTx/>
+                          <a:latin typeface="DFKai-SB" panose="03000509000000000000" pitchFamily="65" charset="-120"/>
+                          <a:ea typeface="DFKai-SB" panose="03000509000000000000" pitchFamily="65" charset="-120"/>
+                          <a:cs typeface="+mn-cs"/>
+                        </a:rPr>
+                        <a:t>中，以便</a:t>
+                      </a:r>
+                      <a:r>
+                        <a:rPr kumimoji="0" lang="zh-TW" altLang="en-US" sz="2000" b="0" i="0" u="none" strike="noStrike" kern="1200" cap="none" spc="0" normalizeH="0" baseline="0" noProof="0" dirty="0" smtClean="0">
+                          <a:ln>
+                            <a:noFill/>
+                          </a:ln>
+                          <a:solidFill>
+                            <a:srgbClr val="FF0000"/>
+                          </a:solidFill>
+                          <a:effectLst/>
+                          <a:uLnTx/>
+                          <a:uFillTx/>
+                          <a:latin typeface="DFKai-SB" panose="03000509000000000000" pitchFamily="65" charset="-120"/>
+                          <a:ea typeface="DFKai-SB" panose="03000509000000000000" pitchFamily="65" charset="-120"/>
+                          <a:cs typeface="+mn-cs"/>
+                        </a:rPr>
+                        <a:t>客戶</a:t>
+                      </a:r>
+                      <a:r>
+                        <a:rPr kumimoji="0" lang="zh-TW" altLang="en-US" sz="2000" b="0" i="0" u="none" strike="noStrike" kern="1200" cap="none" spc="0" normalizeH="0" baseline="0" noProof="0" dirty="0" smtClean="0">
+                          <a:ln>
+                            <a:noFill/>
+                          </a:ln>
+                          <a:solidFill>
+                            <a:prstClr val="black"/>
+                          </a:solidFill>
+                          <a:effectLst/>
+                          <a:uLnTx/>
+                          <a:uFillTx/>
+                          <a:latin typeface="DFKai-SB" panose="03000509000000000000" pitchFamily="65" charset="-120"/>
+                          <a:ea typeface="DFKai-SB" panose="03000509000000000000" pitchFamily="65" charset="-120"/>
+                          <a:cs typeface="+mn-cs"/>
+                        </a:rPr>
+                        <a:t>之後進行</a:t>
+                      </a:r>
+                      <a:r>
+                        <a:rPr kumimoji="0" lang="zh-TW" altLang="en-US" sz="2000" b="0" i="0" u="none" strike="noStrike" kern="1200" cap="none" spc="0" normalizeH="0" baseline="0" noProof="0" dirty="0" smtClean="0">
+                          <a:ln>
+                            <a:noFill/>
+                          </a:ln>
+                          <a:solidFill>
+                            <a:srgbClr val="FF0000"/>
+                          </a:solidFill>
+                          <a:effectLst/>
+                          <a:uLnTx/>
+                          <a:uFillTx/>
+                          <a:latin typeface="DFKai-SB" panose="03000509000000000000" pitchFamily="65" charset="-120"/>
+                          <a:ea typeface="DFKai-SB" panose="03000509000000000000" pitchFamily="65" charset="-120"/>
+                          <a:cs typeface="+mn-cs"/>
+                        </a:rPr>
+                        <a:t>確認與校準</a:t>
+                      </a:r>
+                      <a:r>
+                        <a:rPr kumimoji="0" lang="zh-TW" altLang="en-US" sz="2000" b="0" i="0" u="none" strike="noStrike" kern="1200" cap="none" spc="0" normalizeH="0" baseline="0" noProof="0" dirty="0" smtClean="0">
+                          <a:ln>
+                            <a:noFill/>
+                          </a:ln>
+                          <a:solidFill>
+                            <a:prstClr val="black"/>
+                          </a:solidFill>
+                          <a:effectLst/>
+                          <a:uLnTx/>
+                          <a:uFillTx/>
+                          <a:latin typeface="DFKai-SB" panose="03000509000000000000" pitchFamily="65" charset="-120"/>
+                          <a:ea typeface="DFKai-SB" panose="03000509000000000000" pitchFamily="65" charset="-120"/>
+                          <a:cs typeface="+mn-cs"/>
+                        </a:rPr>
+                        <a:t>。</a:t>
+                      </a:r>
+                    </a:p>
+                  </a:txBody>
+                  <a:tcPr/>
+                </a:tc>
+                <a:tc>
+                  <a:txBody>
+                    <a:bodyPr/>
+                    <a:lstStyle/>
+                    <a:p>
+                      <a:pPr marL="0" marR="0" lvl="0" indent="0" algn="l" defTabSz="457200" rtl="0" eaLnBrk="1" fontAlgn="auto" latinLnBrk="0" hangingPunct="1">
+                        <a:lnSpc>
+                          <a:spcPct val="100000"/>
+                        </a:lnSpc>
+                        <a:spcBef>
+                          <a:spcPts val="0"/>
+                        </a:spcBef>
+                        <a:spcAft>
+                          <a:spcPts val="0"/>
+                        </a:spcAft>
+                        <a:buClrTx/>
+                        <a:buSzTx/>
+                        <a:buFontTx/>
+                        <a:buNone/>
+                        <a:tabLst/>
+                        <a:defRPr/>
+                      </a:pPr>
+                      <a:r>
+                        <a:rPr lang="zh-CN" altLang="en-US" sz="2400" dirty="0" smtClean="0">
+                          <a:solidFill>
+                            <a:srgbClr val="FF0000"/>
+                          </a:solidFill>
+                          <a:latin typeface="DFKai-SB" panose="03000509000000000000" pitchFamily="65" charset="-120"/>
+                          <a:ea typeface="DFKai-SB" panose="03000509000000000000" pitchFamily="65" charset="-120"/>
+                        </a:rPr>
+                        <a:t>客戶</a:t>
+                      </a:r>
+                      <a:r>
+                        <a:rPr lang="en-US" altLang="zh-CN" sz="2400" dirty="0" smtClean="0">
+                          <a:solidFill>
+                            <a:schemeClr val="tx1"/>
+                          </a:solidFill>
+                          <a:latin typeface="DFKai-SB" panose="03000509000000000000" pitchFamily="65" charset="-120"/>
+                          <a:ea typeface="DFKai-SB" panose="03000509000000000000" pitchFamily="65" charset="-120"/>
+                        </a:rPr>
+                        <a:t>+</a:t>
+                      </a:r>
+                      <a:r>
+                        <a:rPr lang="zh-CN" altLang="en-US" sz="2400" dirty="0" smtClean="0">
+                          <a:solidFill>
+                            <a:srgbClr val="FF0000"/>
+                          </a:solidFill>
+                          <a:latin typeface="DFKai-SB" panose="03000509000000000000" pitchFamily="65" charset="-120"/>
+                          <a:ea typeface="DFKai-SB" panose="03000509000000000000" pitchFamily="65" charset="-120"/>
+                        </a:rPr>
+                        <a:t>校準</a:t>
+                      </a:r>
+                      <a:r>
+                        <a:rPr lang="en-US" altLang="zh-CN" sz="2400" dirty="0" smtClean="0">
+                          <a:solidFill>
+                            <a:schemeClr val="tx1"/>
+                          </a:solidFill>
+                          <a:latin typeface="DFKai-SB" panose="03000509000000000000" pitchFamily="65" charset="-120"/>
+                          <a:ea typeface="DFKai-SB" panose="03000509000000000000" pitchFamily="65" charset="-120"/>
+                        </a:rPr>
+                        <a:t>+</a:t>
+                      </a:r>
+                      <a:r>
+                        <a:rPr lang="zh-CN" altLang="en-US" sz="2400" dirty="0" smtClean="0">
+                          <a:solidFill>
+                            <a:srgbClr val="FF0000"/>
+                          </a:solidFill>
+                          <a:latin typeface="DFKai-SB" panose="03000509000000000000" pitchFamily="65" charset="-120"/>
+                          <a:ea typeface="DFKai-SB" panose="03000509000000000000" pitchFamily="65" charset="-120"/>
+                        </a:rPr>
+                        <a:t>裝置</a:t>
+                      </a:r>
+                    </a:p>
+                    <a:p>
+                      <a:r>
+                        <a:rPr lang="zh-CN" altLang="en-US" sz="2400" dirty="0" smtClean="0">
+                          <a:solidFill>
+                            <a:srgbClr val="FF0000"/>
+                          </a:solidFill>
+                          <a:latin typeface="DFKai-SB" panose="03000509000000000000" pitchFamily="65" charset="-120"/>
+                          <a:ea typeface="DFKai-SB" panose="03000509000000000000" pitchFamily="65" charset="-120"/>
+                        </a:rPr>
+                        <a:t>客戶</a:t>
+                      </a:r>
+                      <a:r>
+                        <a:rPr lang="en-US" altLang="zh-CN" sz="2400" dirty="0" smtClean="0">
+                          <a:solidFill>
+                            <a:schemeClr val="tx1"/>
+                          </a:solidFill>
+                          <a:latin typeface="DFKai-SB" panose="03000509000000000000" pitchFamily="65" charset="-120"/>
+                          <a:ea typeface="DFKai-SB" panose="03000509000000000000" pitchFamily="65" charset="-120"/>
+                        </a:rPr>
+                        <a:t>+</a:t>
+                      </a:r>
+                      <a:r>
+                        <a:rPr lang="zh-CN" altLang="en-US" sz="2400" dirty="0" smtClean="0">
+                          <a:solidFill>
+                            <a:srgbClr val="FF0000"/>
+                          </a:solidFill>
+                          <a:latin typeface="DFKai-SB" panose="03000509000000000000" pitchFamily="65" charset="-120"/>
+                          <a:ea typeface="DFKai-SB" panose="03000509000000000000" pitchFamily="65" charset="-120"/>
+                        </a:rPr>
+                        <a:t>確認</a:t>
+                      </a:r>
+                      <a:r>
+                        <a:rPr lang="en-US" altLang="zh-CN" sz="2400" dirty="0" smtClean="0">
+                          <a:solidFill>
+                            <a:schemeClr val="tx1"/>
+                          </a:solidFill>
+                          <a:latin typeface="DFKai-SB" panose="03000509000000000000" pitchFamily="65" charset="-120"/>
+                          <a:ea typeface="DFKai-SB" panose="03000509000000000000" pitchFamily="65" charset="-120"/>
+                        </a:rPr>
+                        <a:t>+</a:t>
+                      </a:r>
+                      <a:r>
+                        <a:rPr lang="zh-CN" altLang="en-US" sz="2400" dirty="0" smtClean="0">
+                          <a:solidFill>
+                            <a:srgbClr val="FF0000"/>
+                          </a:solidFill>
+                          <a:latin typeface="DFKai-SB" panose="03000509000000000000" pitchFamily="65" charset="-120"/>
+                          <a:ea typeface="DFKai-SB" panose="03000509000000000000" pitchFamily="65" charset="-120"/>
+                        </a:rPr>
+                        <a:t>數據</a:t>
+                      </a:r>
+                      <a:endParaRPr lang="zh-CN" altLang="en-US" sz="2400" dirty="0">
+                        <a:solidFill>
+                          <a:srgbClr val="FF0000"/>
+                        </a:solidFill>
+                        <a:latin typeface="DFKai-SB" panose="03000509000000000000" pitchFamily="65" charset="-120"/>
+                        <a:ea typeface="DFKai-SB" panose="03000509000000000000" pitchFamily="65" charset="-120"/>
+                      </a:endParaRPr>
+                    </a:p>
+                  </a:txBody>
+                  <a:tcPr/>
+                </a:tc>
+                <a:extLst>
+                  <a:ext uri="{0D108BD9-81ED-4DB2-BD59-A6C34878D82A}">
+                    <a16:rowId xmlns:a16="http://schemas.microsoft.com/office/drawing/2014/main" val="3665926703"/>
+                  </a:ext>
+                </a:extLst>
+              </a:tr>
+              <a:tr h="1647418">
+                <a:tc>
+                  <a:txBody>
+                    <a:bodyPr/>
+                    <a:lstStyle/>
+                    <a:p>
+                      <a:pPr marL="0" marR="0" lvl="0" indent="0" algn="l" defTabSz="457200" rtl="0" eaLnBrk="1" fontAlgn="auto" latinLnBrk="0" hangingPunct="1">
+                        <a:lnSpc>
+                          <a:spcPct val="100000"/>
+                        </a:lnSpc>
+                        <a:spcBef>
+                          <a:spcPts val="0"/>
+                        </a:spcBef>
+                        <a:spcAft>
+                          <a:spcPts val="0"/>
+                        </a:spcAft>
+                        <a:buClrTx/>
+                        <a:buSzTx/>
+                        <a:buFontTx/>
+                        <a:buNone/>
+                        <a:tabLst/>
+                        <a:defRPr/>
+                      </a:pPr>
+                      <a:r>
+                        <a:rPr lang="en-US" altLang="zh-TW" sz="2000" dirty="0" smtClean="0">
+                          <a:solidFill>
+                            <a:prstClr val="black">
+                              <a:lumMod val="85000"/>
+                              <a:lumOff val="15000"/>
+                            </a:prstClr>
+                          </a:solidFill>
+                          <a:latin typeface="DFKai-SB" panose="03000509000000000000" pitchFamily="65" charset="-120"/>
+                          <a:ea typeface="DFKai-SB" panose="03000509000000000000" pitchFamily="65" charset="-120"/>
+                        </a:rPr>
+                        <a:t>6. </a:t>
+                      </a:r>
+                      <a:r>
+                        <a:rPr lang="zh-TW" altLang="en-US" sz="2000" dirty="0" smtClean="0">
+                          <a:solidFill>
+                            <a:prstClr val="black">
+                              <a:lumMod val="85000"/>
+                              <a:lumOff val="15000"/>
+                            </a:prstClr>
+                          </a:solidFill>
+                          <a:latin typeface="DFKai-SB" panose="03000509000000000000" pitchFamily="65" charset="-120"/>
+                          <a:ea typeface="DFKai-SB" panose="03000509000000000000" pitchFamily="65" charset="-120"/>
+                        </a:rPr>
+                        <a:t>與</a:t>
+                      </a:r>
+                      <a:r>
+                        <a:rPr lang="zh-TW" altLang="en-US" sz="2000" dirty="0" smtClean="0">
+                          <a:solidFill>
+                            <a:srgbClr val="FF0000"/>
+                          </a:solidFill>
+                          <a:latin typeface="DFKai-SB" panose="03000509000000000000" pitchFamily="65" charset="-120"/>
+                          <a:ea typeface="DFKai-SB" panose="03000509000000000000" pitchFamily="65" charset="-120"/>
+                        </a:rPr>
+                        <a:t>警示裝置</a:t>
+                      </a:r>
+                      <a:r>
+                        <a:rPr lang="zh-TW" altLang="en-US" sz="2000" dirty="0" smtClean="0">
+                          <a:solidFill>
+                            <a:prstClr val="black">
+                              <a:lumMod val="85000"/>
+                              <a:lumOff val="15000"/>
+                            </a:prstClr>
+                          </a:solidFill>
+                          <a:latin typeface="DFKai-SB" panose="03000509000000000000" pitchFamily="65" charset="-120"/>
+                          <a:ea typeface="DFKai-SB" panose="03000509000000000000" pitchFamily="65" charset="-120"/>
+                        </a:rPr>
+                        <a:t>連接的</a:t>
+                      </a:r>
+                      <a:r>
+                        <a:rPr lang="en-US" altLang="zh-TW" sz="2000" dirty="0" smtClean="0">
+                          <a:solidFill>
+                            <a:prstClr val="black">
+                              <a:lumMod val="85000"/>
+                              <a:lumOff val="15000"/>
+                            </a:prstClr>
+                          </a:solidFill>
+                          <a:latin typeface="DFKai-SB" panose="03000509000000000000" pitchFamily="65" charset="-120"/>
+                          <a:ea typeface="DFKai-SB" panose="03000509000000000000" pitchFamily="65" charset="-120"/>
+                        </a:rPr>
+                        <a:t>GPS</a:t>
+                      </a:r>
+                      <a:r>
+                        <a:rPr lang="zh-TW" altLang="en-US" sz="2000" dirty="0" smtClean="0">
+                          <a:solidFill>
+                            <a:prstClr val="black">
+                              <a:lumMod val="85000"/>
+                              <a:lumOff val="15000"/>
+                            </a:prstClr>
+                          </a:solidFill>
+                          <a:latin typeface="DFKai-SB" panose="03000509000000000000" pitchFamily="65" charset="-120"/>
+                          <a:ea typeface="DFKai-SB" panose="03000509000000000000" pitchFamily="65" charset="-120"/>
+                        </a:rPr>
+                        <a:t>也會</a:t>
+                      </a:r>
+                      <a:r>
+                        <a:rPr lang="zh-TW" altLang="en-US" sz="2000" dirty="0" smtClean="0">
+                          <a:solidFill>
+                            <a:srgbClr val="FF0000"/>
+                          </a:solidFill>
+                          <a:latin typeface="DFKai-SB" panose="03000509000000000000" pitchFamily="65" charset="-120"/>
+                          <a:ea typeface="DFKai-SB" panose="03000509000000000000" pitchFamily="65" charset="-120"/>
+                        </a:rPr>
+                        <a:t>記錄</a:t>
+                      </a:r>
+                      <a:r>
+                        <a:rPr lang="zh-TW" altLang="en-US" sz="2000" dirty="0" smtClean="0">
+                          <a:solidFill>
+                            <a:prstClr val="black">
+                              <a:lumMod val="85000"/>
+                              <a:lumOff val="15000"/>
+                            </a:prstClr>
+                          </a:solidFill>
+                          <a:latin typeface="DFKai-SB" panose="03000509000000000000" pitchFamily="65" charset="-120"/>
+                          <a:ea typeface="DFKai-SB" panose="03000509000000000000" pitchFamily="65" charset="-120"/>
+                        </a:rPr>
+                        <a:t>使用者的機車傾斜角度過大時所在的</a:t>
+                      </a:r>
+                      <a:r>
+                        <a:rPr lang="zh-TW" altLang="en-US" sz="2000" dirty="0" smtClean="0">
+                          <a:solidFill>
+                            <a:srgbClr val="FF0000"/>
+                          </a:solidFill>
+                          <a:latin typeface="DFKai-SB" panose="03000509000000000000" pitchFamily="65" charset="-120"/>
+                          <a:ea typeface="DFKai-SB" panose="03000509000000000000" pitchFamily="65" charset="-120"/>
+                        </a:rPr>
+                        <a:t>具體位置</a:t>
+                      </a:r>
+                      <a:r>
+                        <a:rPr lang="zh-TW" altLang="en-US" sz="2000" dirty="0" smtClean="0">
+                          <a:solidFill>
+                            <a:prstClr val="black">
+                              <a:lumMod val="85000"/>
+                              <a:lumOff val="15000"/>
+                            </a:prstClr>
+                          </a:solidFill>
+                          <a:latin typeface="DFKai-SB" panose="03000509000000000000" pitchFamily="65" charset="-120"/>
+                          <a:ea typeface="DFKai-SB" panose="03000509000000000000" pitchFamily="65" charset="-120"/>
+                        </a:rPr>
+                        <a:t>，並傳回手機中的</a:t>
+                      </a:r>
+                      <a:r>
+                        <a:rPr lang="en-US" altLang="zh-TW" sz="2000" dirty="0" smtClean="0">
+                          <a:solidFill>
+                            <a:prstClr val="black">
+                              <a:lumMod val="85000"/>
+                              <a:lumOff val="15000"/>
+                            </a:prstClr>
+                          </a:solidFill>
+                          <a:latin typeface="DFKai-SB" panose="03000509000000000000" pitchFamily="65" charset="-120"/>
+                          <a:ea typeface="DFKai-SB" panose="03000509000000000000" pitchFamily="65" charset="-120"/>
+                        </a:rPr>
+                        <a:t>app</a:t>
+                      </a:r>
+                      <a:r>
+                        <a:rPr lang="zh-TW" altLang="en-US" sz="2000" dirty="0" smtClean="0">
+                          <a:solidFill>
+                            <a:prstClr val="black">
+                              <a:lumMod val="85000"/>
+                              <a:lumOff val="15000"/>
+                            </a:prstClr>
+                          </a:solidFill>
+                          <a:latin typeface="DFKai-SB" panose="03000509000000000000" pitchFamily="65" charset="-120"/>
+                          <a:ea typeface="DFKai-SB" panose="03000509000000000000" pitchFamily="65" charset="-120"/>
+                        </a:rPr>
+                        <a:t>。</a:t>
+                      </a:r>
+                    </a:p>
+                  </a:txBody>
+                  <a:tcPr/>
+                </a:tc>
+                <a:tc>
+                  <a:txBody>
+                    <a:bodyPr/>
+                    <a:lstStyle/>
+                    <a:p>
+                      <a:r>
+                        <a:rPr lang="zh-TW" altLang="en-US" sz="2400" dirty="0" smtClean="0">
+                          <a:solidFill>
+                            <a:srgbClr val="FF0000"/>
+                          </a:solidFill>
+                          <a:latin typeface="DFKai-SB" panose="03000509000000000000" pitchFamily="65" charset="-120"/>
+                          <a:ea typeface="DFKai-SB" panose="03000509000000000000" pitchFamily="65" charset="-120"/>
+                        </a:rPr>
+                        <a:t>警示裝置</a:t>
+                      </a:r>
+                      <a:r>
+                        <a:rPr lang="en-US" altLang="zh-CN" sz="2400" dirty="0" smtClean="0">
+                          <a:solidFill>
+                            <a:schemeClr val="tx1"/>
+                          </a:solidFill>
+                          <a:latin typeface="DFKai-SB" panose="03000509000000000000" pitchFamily="65" charset="-120"/>
+                          <a:ea typeface="DFKai-SB" panose="03000509000000000000" pitchFamily="65" charset="-120"/>
+                        </a:rPr>
+                        <a:t>+</a:t>
+                      </a:r>
+                      <a:r>
+                        <a:rPr lang="zh-TW" altLang="en-US" sz="2400" dirty="0" smtClean="0">
+                          <a:solidFill>
+                            <a:srgbClr val="FF0000"/>
+                          </a:solidFill>
+                          <a:latin typeface="DFKai-SB" panose="03000509000000000000" pitchFamily="65" charset="-120"/>
+                          <a:ea typeface="DFKai-SB" panose="03000509000000000000" pitchFamily="65" charset="-120"/>
+                        </a:rPr>
+                        <a:t>記錄</a:t>
+                      </a:r>
+                      <a:r>
+                        <a:rPr lang="en-US" altLang="zh-CN" sz="2400" dirty="0" smtClean="0">
+                          <a:solidFill>
+                            <a:schemeClr val="tx1"/>
+                          </a:solidFill>
+                          <a:latin typeface="DFKai-SB" panose="03000509000000000000" pitchFamily="65" charset="-120"/>
+                          <a:ea typeface="DFKai-SB" panose="03000509000000000000" pitchFamily="65" charset="-120"/>
+                        </a:rPr>
+                        <a:t>+</a:t>
+                      </a:r>
+                      <a:r>
+                        <a:rPr lang="zh-TW" altLang="en-US" sz="2400" dirty="0" smtClean="0">
+                          <a:solidFill>
+                            <a:srgbClr val="FF0000"/>
+                          </a:solidFill>
+                          <a:latin typeface="DFKai-SB" panose="03000509000000000000" pitchFamily="65" charset="-120"/>
+                          <a:ea typeface="DFKai-SB" panose="03000509000000000000" pitchFamily="65" charset="-120"/>
+                        </a:rPr>
+                        <a:t>具體位置</a:t>
+                      </a:r>
+                      <a:endParaRPr lang="zh-CN" altLang="en-US" sz="2400" dirty="0">
+                        <a:solidFill>
+                          <a:schemeClr val="tx1"/>
+                        </a:solidFill>
+                        <a:latin typeface="DFKai-SB" panose="03000509000000000000" pitchFamily="65" charset="-120"/>
+                        <a:ea typeface="DFKai-SB" panose="03000509000000000000" pitchFamily="65" charset="-120"/>
+                      </a:endParaRPr>
+                    </a:p>
+                  </a:txBody>
+                  <a:tcPr/>
+                </a:tc>
+                <a:extLst>
+                  <a:ext uri="{0D108BD9-81ED-4DB2-BD59-A6C34878D82A}">
+                    <a16:rowId xmlns:a16="http://schemas.microsoft.com/office/drawing/2014/main" val="676670088"/>
+                  </a:ext>
+                </a:extLst>
+              </a:tr>
+            </a:tbl>
+          </a:graphicData>
+        </a:graphic>
+      </p:graphicFrame>
     </p:spTree>
     <p:extLst>
       <p:ext uri="{BB962C8B-B14F-4D97-AF65-F5344CB8AC3E}">
-        <p14:creationId xmlns:p14="http://schemas.microsoft.com/office/powerpoint/2010/main" val="607513388"/>
+        <p14:creationId xmlns:p14="http://schemas.microsoft.com/office/powerpoint/2010/main" val="2222859275"/>
       </p:ext>
     </p:extLst>
   </p:cSld>
   <p:clrMapOvr>
     <a:masterClrMapping/>
   </p:clrMapOvr>
-  <p:timing>
-    <p:tnLst>
-      <p:par>
-        <p:cTn id="1" dur="indefinite" restart="never" nodeType="tmRoot"/>
-      </p:par>
-    </p:tnLst>
-  </p:timing>
 </p:sld>
 </file>
 

--- a/陀螺儀機車警示裝置.pptx
+++ b/陀螺儀機車警示裝置.pptx
@@ -5,10 +5,10 @@
     <p:sldMasterId id="2147483714" r:id="rId1"/>
   </p:sldMasterIdLst>
   <p:notesMasterIdLst>
-    <p:notesMasterId r:id="rId14"/>
+    <p:notesMasterId r:id="rId17"/>
   </p:notesMasterIdLst>
   <p:handoutMasterIdLst>
-    <p:handoutMasterId r:id="rId15"/>
+    <p:handoutMasterId r:id="rId18"/>
   </p:handoutMasterIdLst>
   <p:sldIdLst>
     <p:sldId id="256" r:id="rId2"/>
@@ -22,7 +22,10 @@
     <p:sldId id="270" r:id="rId10"/>
     <p:sldId id="271" r:id="rId11"/>
     <p:sldId id="272" r:id="rId12"/>
-    <p:sldId id="273" r:id="rId13"/>
+    <p:sldId id="274" r:id="rId13"/>
+    <p:sldId id="275" r:id="rId14"/>
+    <p:sldId id="276" r:id="rId15"/>
+    <p:sldId id="273" r:id="rId16"/>
   </p:sldIdLst>
   <p:sldSz cx="9144000" cy="6858000" type="screen4x3"/>
   <p:notesSz cx="6858000" cy="9144000"/>
@@ -137,13 +140,16 @@
             <p14:sldId id="270"/>
             <p14:sldId id="271"/>
             <p14:sldId id="272"/>
+            <p14:sldId id="274"/>
+            <p14:sldId id="275"/>
+            <p14:sldId id="276"/>
             <p14:sldId id="273"/>
           </p14:sldIdLst>
         </p14:section>
       </p14:sectionLst>
     </p:ext>
     <p:ext uri="{EFAFB233-063F-42B5-8137-9DF3F51BA10A}">
-      <p15:sldGuideLst xmlns:p15="http://schemas.microsoft.com/office/powerpoint/2012/main"/>
+      <p15:sldGuideLst xmlns:p15="http://schemas.microsoft.com/office/powerpoint/2012/main" xmlns=""/>
     </p:ext>
   </p:extLst>
 </p:presentation>
@@ -176,7 +182,7 @@
           <p:cNvPr id="2" name="頁首版面配置區 1">
             <a:extLst>
               <a:ext uri="{FF2B5EF4-FFF2-40B4-BE49-F238E27FC236}">
-                <a16:creationId xmlns:a16="http://schemas.microsoft.com/office/drawing/2014/main" id="{AA38802E-E899-4B8C-9D29-534891F553C3}"/>
+                <a16:creationId xmlns:a16="http://schemas.microsoft.com/office/drawing/2014/main" xmlns="" id="{AA38802E-E899-4B8C-9D29-534891F553C3}"/>
               </a:ext>
             </a:extLst>
           </p:cNvPr>
@@ -213,7 +219,7 @@
           <p:cNvPr id="3" name="日期版面配置區 2">
             <a:extLst>
               <a:ext uri="{FF2B5EF4-FFF2-40B4-BE49-F238E27FC236}">
-                <a16:creationId xmlns:a16="http://schemas.microsoft.com/office/drawing/2014/main" id="{562E5815-D511-4A6F-926E-A82130B2A48A}"/>
+                <a16:creationId xmlns:a16="http://schemas.microsoft.com/office/drawing/2014/main" xmlns="" id="{562E5815-D511-4A6F-926E-A82130B2A48A}"/>
               </a:ext>
             </a:extLst>
           </p:cNvPr>
@@ -243,7 +249,7 @@
           <a:p>
             <a:fld id="{E2B5BFD9-D73B-447F-9BCD-C0207DB43A77}" type="datetimeFigureOut">
               <a:rPr lang="zh-TW" altLang="en-US" smtClean="0"/>
-              <a:t>2019/12/3</a:t>
+              <a:t>2019/12/17</a:t>
             </a:fld>
             <a:endParaRPr lang="zh-TW" altLang="en-US"/>
           </a:p>
@@ -254,7 +260,7 @@
           <p:cNvPr id="4" name="頁尾版面配置區 3">
             <a:extLst>
               <a:ext uri="{FF2B5EF4-FFF2-40B4-BE49-F238E27FC236}">
-                <a16:creationId xmlns:a16="http://schemas.microsoft.com/office/drawing/2014/main" id="{AAE06DD3-D1BC-4879-B192-4D3FDA61B496}"/>
+                <a16:creationId xmlns:a16="http://schemas.microsoft.com/office/drawing/2014/main" xmlns="" id="{AAE06DD3-D1BC-4879-B192-4D3FDA61B496}"/>
               </a:ext>
             </a:extLst>
           </p:cNvPr>
@@ -291,7 +297,7 @@
           <p:cNvPr id="5" name="投影片編號版面配置區 4">
             <a:extLst>
               <a:ext uri="{FF2B5EF4-FFF2-40B4-BE49-F238E27FC236}">
-                <a16:creationId xmlns:a16="http://schemas.microsoft.com/office/drawing/2014/main" id="{548A9999-384B-4FE0-A788-1E6472925309}"/>
+                <a16:creationId xmlns:a16="http://schemas.microsoft.com/office/drawing/2014/main" xmlns="" id="{548A9999-384B-4FE0-A788-1E6472925309}"/>
               </a:ext>
             </a:extLst>
           </p:cNvPr>
@@ -421,7 +427,7 @@
           <a:p>
             <a:fld id="{82BAB6B1-4BCB-46A3-9625-DCABA2E4A7B8}" type="datetimeFigureOut">
               <a:rPr lang="zh-TW" altLang="en-US" smtClean="0"/>
-              <a:t>2019/12/3</a:t>
+              <a:t>2019/12/17</a:t>
             </a:fld>
             <a:endParaRPr lang="zh-TW" altLang="en-US"/>
           </a:p>
@@ -1597,7 +1603,7 @@
           <a:p>
             <a:fld id="{CBDB6F48-3AD2-4A91-BB7F-D1A63C1EE5CE}" type="datetime1">
               <a:rPr lang="zh-TW" altLang="en-US" smtClean="0"/>
-              <a:t>2019/12/3</a:t>
+              <a:t>2019/12/17</a:t>
             </a:fld>
             <a:endParaRPr lang="zh-TW" altLang="en-US"/>
           </a:p>
@@ -1921,7 +1927,7 @@
           <a:p>
             <a:fld id="{480BD83A-BF40-4508-AEFE-6F568306C8F9}" type="datetime1">
               <a:rPr lang="zh-TW" altLang="en-US" smtClean="0"/>
-              <a:t>2019/12/3</a:t>
+              <a:t>2019/12/17</a:t>
             </a:fld>
             <a:endParaRPr lang="zh-TW" altLang="en-US"/>
           </a:p>
@@ -2170,7 +2176,7 @@
           <a:p>
             <a:fld id="{480BD83A-BF40-4508-AEFE-6F568306C8F9}" type="datetime1">
               <a:rPr lang="zh-TW" altLang="en-US" smtClean="0"/>
-              <a:t>2019/12/3</a:t>
+              <a:t>2019/12/17</a:t>
             </a:fld>
             <a:endParaRPr lang="zh-TW" altLang="en-US"/>
           </a:p>
@@ -2510,7 +2516,7 @@
           <a:p>
             <a:fld id="{480BD83A-BF40-4508-AEFE-6F568306C8F9}" type="datetime1">
               <a:rPr lang="zh-TW" altLang="en-US" smtClean="0"/>
-              <a:t>2019/12/3</a:t>
+              <a:t>2019/12/17</a:t>
             </a:fld>
             <a:endParaRPr lang="zh-TW" altLang="en-US"/>
           </a:p>
@@ -2858,7 +2864,7 @@
           <a:p>
             <a:fld id="{480BD83A-BF40-4508-AEFE-6F568306C8F9}" type="datetime1">
               <a:rPr lang="zh-TW" altLang="en-US" smtClean="0"/>
-              <a:t>2019/12/3</a:t>
+              <a:t>2019/12/17</a:t>
             </a:fld>
             <a:endParaRPr lang="zh-TW" altLang="en-US"/>
           </a:p>
@@ -3233,7 +3239,7 @@
           <a:p>
             <a:fld id="{480BD83A-BF40-4508-AEFE-6F568306C8F9}" type="datetime1">
               <a:rPr lang="zh-TW" altLang="en-US" smtClean="0"/>
-              <a:t>2019/12/3</a:t>
+              <a:t>2019/12/17</a:t>
             </a:fld>
             <a:endParaRPr lang="zh-TW" altLang="en-US"/>
           </a:p>
@@ -3704,7 +3710,7 @@
           <a:p>
             <a:fld id="{480BD83A-BF40-4508-AEFE-6F568306C8F9}" type="datetime1">
               <a:rPr lang="zh-TW" altLang="en-US" smtClean="0"/>
-              <a:t>2019/12/3</a:t>
+              <a:t>2019/12/17</a:t>
             </a:fld>
             <a:endParaRPr lang="zh-TW" altLang="en-US"/>
           </a:p>
@@ -3915,7 +3921,7 @@
           <a:p>
             <a:fld id="{195BD005-53AC-4394-B71F-C4B919CDCF86}" type="datetime1">
               <a:rPr lang="zh-TW" altLang="en-US" smtClean="0"/>
-              <a:t>2019/12/3</a:t>
+              <a:t>2019/12/17</a:t>
             </a:fld>
             <a:endParaRPr lang="zh-TW" altLang="en-US"/>
           </a:p>
@@ -4126,7 +4132,7 @@
           <a:p>
             <a:fld id="{092B0765-CC79-40FF-884C-D260AFB75E48}" type="datetime1">
               <a:rPr lang="zh-TW" altLang="en-US" smtClean="0"/>
-              <a:t>2019/12/3</a:t>
+              <a:t>2019/12/17</a:t>
             </a:fld>
             <a:endParaRPr lang="zh-TW" altLang="en-US"/>
           </a:p>
@@ -4358,7 +4364,7 @@
           <a:p>
             <a:fld id="{480BD83A-BF40-4508-AEFE-6F568306C8F9}" type="datetime1">
               <a:rPr lang="zh-TW" altLang="en-US" smtClean="0"/>
-              <a:t>2019/12/3</a:t>
+              <a:t>2019/12/17</a:t>
             </a:fld>
             <a:endParaRPr lang="zh-TW" altLang="en-US"/>
           </a:p>
@@ -4607,7 +4613,7 @@
           <a:p>
             <a:fld id="{CAD632E9-50C3-4720-95C2-E5D9C5F3029C}" type="datetime1">
               <a:rPr lang="zh-TW" altLang="en-US" smtClean="0"/>
-              <a:t>2019/12/3</a:t>
+              <a:t>2019/12/17</a:t>
             </a:fld>
             <a:endParaRPr lang="zh-TW" altLang="en-US"/>
           </a:p>
@@ -4910,7 +4916,7 @@
           <a:p>
             <a:fld id="{480BD83A-BF40-4508-AEFE-6F568306C8F9}" type="datetime1">
               <a:rPr lang="zh-TW" altLang="en-US" smtClean="0"/>
-              <a:t>2019/12/3</a:t>
+              <a:t>2019/12/17</a:t>
             </a:fld>
             <a:endParaRPr lang="zh-TW" altLang="en-US"/>
           </a:p>
@@ -5293,7 +5299,7 @@
           <a:p>
             <a:fld id="{480BD83A-BF40-4508-AEFE-6F568306C8F9}" type="datetime1">
               <a:rPr lang="zh-TW" altLang="en-US" smtClean="0"/>
-              <a:t>2019/12/3</a:t>
+              <a:t>2019/12/17</a:t>
             </a:fld>
             <a:endParaRPr lang="zh-TW" altLang="en-US"/>
           </a:p>
@@ -5448,7 +5454,7 @@
           <a:p>
             <a:fld id="{045F9A61-DB8F-4059-A726-2D002345691A}" type="datetime1">
               <a:rPr lang="zh-TW" altLang="en-US" smtClean="0"/>
-              <a:t>2019/12/3</a:t>
+              <a:t>2019/12/17</a:t>
             </a:fld>
             <a:endParaRPr lang="zh-TW" altLang="en-US"/>
           </a:p>
@@ -5574,7 +5580,7 @@
           <a:p>
             <a:fld id="{520C3B2F-95E3-47E5-AB3B-A687A62FF84E}" type="datetime1">
               <a:rPr lang="zh-TW" altLang="en-US" smtClean="0"/>
-              <a:t>2019/12/3</a:t>
+              <a:t>2019/12/17</a:t>
             </a:fld>
             <a:endParaRPr lang="zh-TW" altLang="en-US"/>
           </a:p>
@@ -5829,7 +5835,7 @@
           <a:p>
             <a:fld id="{480BD83A-BF40-4508-AEFE-6F568306C8F9}" type="datetime1">
               <a:rPr lang="zh-TW" altLang="en-US" smtClean="0"/>
-              <a:t>2019/12/3</a:t>
+              <a:t>2019/12/17</a:t>
             </a:fld>
             <a:endParaRPr lang="zh-TW" altLang="en-US"/>
           </a:p>
@@ -6144,7 +6150,7 @@
           <a:p>
             <a:fld id="{480BD83A-BF40-4508-AEFE-6F568306C8F9}" type="datetime1">
               <a:rPr lang="zh-TW" altLang="en-US" smtClean="0"/>
-              <a:t>2019/12/3</a:t>
+              <a:t>2019/12/17</a:t>
             </a:fld>
             <a:endParaRPr lang="zh-TW" altLang="en-US"/>
           </a:p>
@@ -6496,7 +6502,7 @@
           <a:p>
             <a:fld id="{480BD83A-BF40-4508-AEFE-6F568306C8F9}" type="datetime1">
               <a:rPr lang="zh-TW" altLang="en-US" smtClean="0"/>
-              <a:t>2019/12/3</a:t>
+              <a:t>2019/12/17</a:t>
             </a:fld>
             <a:endParaRPr lang="zh-TW" altLang="en-US"/>
           </a:p>
@@ -7165,7 +7171,7 @@
           <p:cNvPr id="6" name="投影片編號版面配置區 5">
             <a:extLst>
               <a:ext uri="{FF2B5EF4-FFF2-40B4-BE49-F238E27FC236}">
-                <a16:creationId xmlns:a16="http://schemas.microsoft.com/office/drawing/2014/main" id="{CB6DA167-070D-4E3D-A6F1-F9779FDCE419}"/>
+                <a16:creationId xmlns:a16="http://schemas.microsoft.com/office/drawing/2014/main" xmlns="" id="{CB6DA167-070D-4E3D-A6F1-F9779FDCE419}"/>
               </a:ext>
             </a:extLst>
           </p:cNvPr>
@@ -7277,14 +7283,14 @@
                 <a:gridCol w="3102045">
                   <a:extLst>
                     <a:ext uri="{9D8B030D-6E8A-4147-A177-3AD203B41FA5}">
-                      <a16:colId xmlns:a16="http://schemas.microsoft.com/office/drawing/2014/main" val="575654118"/>
+                      <a16:colId xmlns:a16="http://schemas.microsoft.com/office/drawing/2014/main" xmlns="" val="575654118"/>
                     </a:ext>
                   </a:extLst>
                 </a:gridCol>
                 <a:gridCol w="3102045">
                   <a:extLst>
                     <a:ext uri="{9D8B030D-6E8A-4147-A177-3AD203B41FA5}">
-                      <a16:colId xmlns:a16="http://schemas.microsoft.com/office/drawing/2014/main" val="2310419058"/>
+                      <a16:colId xmlns:a16="http://schemas.microsoft.com/office/drawing/2014/main" xmlns="" val="2310419058"/>
                     </a:ext>
                   </a:extLst>
                 </a:gridCol>
@@ -7332,7 +7338,7 @@
                 </a:tc>
                 <a:extLst>
                   <a:ext uri="{0D108BD9-81ED-4DB2-BD59-A6C34878D82A}">
-                    <a16:rowId xmlns:a16="http://schemas.microsoft.com/office/drawing/2014/main" val="4229939552"/>
+                    <a16:rowId xmlns:a16="http://schemas.microsoft.com/office/drawing/2014/main" xmlns="" val="4229939552"/>
                   </a:ext>
                 </a:extLst>
               </a:tr>
@@ -7528,7 +7534,7 @@
                 </a:tc>
                 <a:extLst>
                   <a:ext uri="{0D108BD9-81ED-4DB2-BD59-A6C34878D82A}">
-                    <a16:rowId xmlns:a16="http://schemas.microsoft.com/office/drawing/2014/main" val="118071968"/>
+                    <a16:rowId xmlns:a16="http://schemas.microsoft.com/office/drawing/2014/main" xmlns="" val="118071968"/>
                   </a:ext>
                 </a:extLst>
               </a:tr>
@@ -7735,7 +7741,7 @@
                 </a:tc>
                 <a:extLst>
                   <a:ext uri="{0D108BD9-81ED-4DB2-BD59-A6C34878D82A}">
-                    <a16:rowId xmlns:a16="http://schemas.microsoft.com/office/drawing/2014/main" val="3665926703"/>
+                    <a16:rowId xmlns:a16="http://schemas.microsoft.com/office/drawing/2014/main" xmlns="" val="3665926703"/>
                   </a:ext>
                 </a:extLst>
               </a:tr>
@@ -7964,7 +7970,7 @@
                 </a:tc>
                 <a:extLst>
                   <a:ext uri="{0D108BD9-81ED-4DB2-BD59-A6C34878D82A}">
-                    <a16:rowId xmlns:a16="http://schemas.microsoft.com/office/drawing/2014/main" val="278133102"/>
+                    <a16:rowId xmlns:a16="http://schemas.microsoft.com/office/drawing/2014/main" xmlns="" val="278133102"/>
                   </a:ext>
                 </a:extLst>
               </a:tr>
@@ -8053,14 +8059,14 @@
                 <a:gridCol w="3095517">
                   <a:extLst>
                     <a:ext uri="{9D8B030D-6E8A-4147-A177-3AD203B41FA5}">
-                      <a16:colId xmlns:a16="http://schemas.microsoft.com/office/drawing/2014/main" val="1520391550"/>
+                      <a16:colId xmlns:a16="http://schemas.microsoft.com/office/drawing/2014/main" xmlns="" val="1520391550"/>
                     </a:ext>
                   </a:extLst>
                 </a:gridCol>
                 <a:gridCol w="3095517">
                   <a:extLst>
                     <a:ext uri="{9D8B030D-6E8A-4147-A177-3AD203B41FA5}">
-                      <a16:colId xmlns:a16="http://schemas.microsoft.com/office/drawing/2014/main" val="2972984696"/>
+                      <a16:colId xmlns:a16="http://schemas.microsoft.com/office/drawing/2014/main" xmlns="" val="2972984696"/>
                     </a:ext>
                   </a:extLst>
                 </a:gridCol>
@@ -8154,7 +8160,7 @@
                 </a:tc>
                 <a:extLst>
                   <a:ext uri="{0D108BD9-81ED-4DB2-BD59-A6C34878D82A}">
-                    <a16:rowId xmlns:a16="http://schemas.microsoft.com/office/drawing/2014/main" val="858674899"/>
+                    <a16:rowId xmlns:a16="http://schemas.microsoft.com/office/drawing/2014/main" xmlns="" val="858674899"/>
                   </a:ext>
                 </a:extLst>
               </a:tr>
@@ -8377,7 +8383,7 @@
                 </a:tc>
                 <a:extLst>
                   <a:ext uri="{0D108BD9-81ED-4DB2-BD59-A6C34878D82A}">
-                    <a16:rowId xmlns:a16="http://schemas.microsoft.com/office/drawing/2014/main" val="4153081077"/>
+                    <a16:rowId xmlns:a16="http://schemas.microsoft.com/office/drawing/2014/main" xmlns="" val="4153081077"/>
                   </a:ext>
                 </a:extLst>
               </a:tr>
@@ -8625,7 +8631,7 @@
                 </a:tc>
                 <a:extLst>
                   <a:ext uri="{0D108BD9-81ED-4DB2-BD59-A6C34878D82A}">
-                    <a16:rowId xmlns:a16="http://schemas.microsoft.com/office/drawing/2014/main" val="3547304475"/>
+                    <a16:rowId xmlns:a16="http://schemas.microsoft.com/office/drawing/2014/main" xmlns="" val="3547304475"/>
                   </a:ext>
                 </a:extLst>
               </a:tr>
@@ -8713,14 +8719,31 @@
                         <a:t>app</a:t>
                       </a:r>
                       <a:r>
-                        <a:rPr lang="en-US" altLang="zh-TW" sz="2000" dirty="0" smtClean="0">
+                        <a:rPr kumimoji="0" lang="zh-TW" altLang="en-US" sz="2000" b="0" i="0" u="none" strike="noStrike" kern="1200" cap="none" spc="0" normalizeH="0" baseline="0" noProof="0" dirty="0" smtClean="0">
+                          <a:ln>
+                            <a:noFill/>
+                          </a:ln>
+                          <a:solidFill>
+                            <a:prstClr val="black"/>
+                          </a:solidFill>
+                          <a:effectLst/>
+                          <a:uLnTx/>
+                          <a:uFillTx/>
+                          <a:latin typeface="DFKai-SB" panose="03000509000000000000" pitchFamily="65" charset="-120"/>
+                          <a:ea typeface="DFKai-SB" panose="03000509000000000000" pitchFamily="65" charset="-120"/>
+                          <a:cs typeface="+mn-cs"/>
+                        </a:rPr>
+                        <a:t>，</a:t>
+                      </a:r>
+                      <a:r>
+                        <a:rPr lang="zh-TW" altLang="en-US" sz="2000" dirty="0" smtClean="0">
                           <a:solidFill>
                             <a:schemeClr val="tx1"/>
                           </a:solidFill>
                           <a:latin typeface="DFKai-SB" panose="03000509000000000000" pitchFamily="65" charset="-120"/>
                           <a:ea typeface="DFKai-SB" panose="03000509000000000000" pitchFamily="65" charset="-120"/>
                         </a:rPr>
-                        <a:t>,</a:t>
+                        <a:t>蜂鳴器</a:t>
                       </a:r>
                       <a:r>
                         <a:rPr lang="zh-TW" altLang="en-US" sz="2000" dirty="0" smtClean="0">
@@ -8730,7 +8753,7 @@
                           <a:latin typeface="DFKai-SB" panose="03000509000000000000" pitchFamily="65" charset="-120"/>
                           <a:ea typeface="DFKai-SB" panose="03000509000000000000" pitchFamily="65" charset="-120"/>
                         </a:rPr>
-                        <a:t>蜂鳴器則不會響起，改用語音播報訊息進行</a:t>
+                        <a:t>則不會響起，改用語音播報訊息進行</a:t>
                       </a:r>
                       <a:r>
                         <a:rPr lang="zh-TW" altLang="en-US" sz="2000" dirty="0" smtClean="0">
@@ -8851,7 +8874,7 @@
                 </a:tc>
                 <a:extLst>
                   <a:ext uri="{0D108BD9-81ED-4DB2-BD59-A6C34878D82A}">
-                    <a16:rowId xmlns:a16="http://schemas.microsoft.com/office/drawing/2014/main" val="2548367599"/>
+                    <a16:rowId xmlns:a16="http://schemas.microsoft.com/office/drawing/2014/main" xmlns="" val="2548367599"/>
                   </a:ext>
                 </a:extLst>
               </a:tr>
@@ -8889,6 +8912,739 @@
           <a:chExt cx="0" cy="0"/>
         </a:xfrm>
       </p:grpSpPr>
+      <p:graphicFrame>
+        <p:nvGraphicFramePr>
+          <p:cNvPr id="5" name="內容版面配置區 4"/>
+          <p:cNvGraphicFramePr>
+            <a:graphicFrameLocks noGrp="1"/>
+          </p:cNvGraphicFramePr>
+          <p:nvPr>
+            <p:ph idx="1"/>
+            <p:extLst>
+              <p:ext uri="{D42A27DB-BD31-4B8C-83A1-F6EECF244321}">
+                <p14:modId xmlns:p14="http://schemas.microsoft.com/office/powerpoint/2010/main" val="4289982016"/>
+              </p:ext>
+            </p:extLst>
+          </p:nvPr>
+        </p:nvGraphicFramePr>
+        <p:xfrm>
+          <a:off x="1120896" y="953107"/>
+          <a:ext cx="6856778" cy="4937760"/>
+        </p:xfrm>
+        <a:graphic>
+          <a:graphicData uri="http://schemas.openxmlformats.org/drawingml/2006/table">
+            <a:tbl>
+              <a:tblPr firstRow="1" firstCol="1" bandRow="1">
+                <a:tableStyleId>{5C22544A-7EE6-4342-B048-85BDC9FD1C3A}</a:tableStyleId>
+              </a:tblPr>
+              <a:tblGrid>
+                <a:gridCol w="6856778"/>
+              </a:tblGrid>
+              <a:tr h="228005">
+                <a:tc>
+                  <a:txBody>
+                    <a:bodyPr/>
+                    <a:lstStyle/>
+                    <a:p>
+                      <a:pPr algn="ctr">
+                        <a:spcAft>
+                          <a:spcPts val="0"/>
+                        </a:spcAft>
+                      </a:pPr>
+                      <a:r>
+                        <a:rPr lang="zh-TW" sz="1800" b="0" kern="100" dirty="0">
+                          <a:solidFill>
+                            <a:schemeClr val="tx1"/>
+                          </a:solidFill>
+                          <a:effectLst/>
+                          <a:latin typeface="標楷體" panose="03000509000000000000" pitchFamily="65" charset="-120"/>
+                          <a:ea typeface="標楷體" panose="03000509000000000000" pitchFamily="65" charset="-120"/>
+                        </a:rPr>
+                        <a:t>使用個案名稱：提醒傾斜</a:t>
+                      </a:r>
+                      <a:endParaRPr lang="zh-TW" sz="1800" b="0" kern="100" dirty="0">
+                        <a:solidFill>
+                          <a:schemeClr val="tx1"/>
+                        </a:solidFill>
+                        <a:effectLst/>
+                        <a:latin typeface="標楷體" panose="03000509000000000000" pitchFamily="65" charset="-120"/>
+                        <a:ea typeface="標楷體" panose="03000509000000000000" pitchFamily="65" charset="-120"/>
+                        <a:cs typeface="Times New Roman"/>
+                      </a:endParaRPr>
+                    </a:p>
+                  </a:txBody>
+                  <a:tcPr marL="68580" marR="68580" marT="0" marB="0">
+                    <a:solidFill>
+                      <a:schemeClr val="accent1">
+                        <a:alpha val="75000"/>
+                      </a:schemeClr>
+                    </a:solidFill>
+                  </a:tcPr>
+                </a:tc>
+              </a:tr>
+              <a:tr h="3876079">
+                <a:tc>
+                  <a:txBody>
+                    <a:bodyPr/>
+                    <a:lstStyle/>
+                    <a:p>
+                      <a:pPr>
+                        <a:spcAft>
+                          <a:spcPts val="0"/>
+                        </a:spcAft>
+                      </a:pPr>
+                      <a:r>
+                        <a:rPr lang="zh-TW" sz="1800" b="0" kern="100" dirty="0">
+                          <a:solidFill>
+                            <a:schemeClr val="tx1"/>
+                          </a:solidFill>
+                          <a:effectLst/>
+                          <a:latin typeface="標楷體" panose="03000509000000000000" pitchFamily="65" charset="-120"/>
+                          <a:ea typeface="標楷體" panose="03000509000000000000" pitchFamily="65" charset="-120"/>
+                        </a:rPr>
+                        <a:t>行為者：客戶</a:t>
+                      </a:r>
+                    </a:p>
+                    <a:p>
+                      <a:pPr>
+                        <a:spcAft>
+                          <a:spcPts val="0"/>
+                        </a:spcAft>
+                      </a:pPr>
+                      <a:r>
+                        <a:rPr lang="zh-TW" sz="1800" b="0" kern="100" dirty="0">
+                          <a:solidFill>
+                            <a:schemeClr val="tx1"/>
+                          </a:solidFill>
+                          <a:effectLst/>
+                          <a:latin typeface="標楷體" panose="03000509000000000000" pitchFamily="65" charset="-120"/>
+                          <a:ea typeface="標楷體" panose="03000509000000000000" pitchFamily="65" charset="-120"/>
+                        </a:rPr>
+                        <a:t>目標：預防車身過於傾斜</a:t>
+                      </a:r>
+                    </a:p>
+                    <a:p>
+                      <a:pPr>
+                        <a:spcAft>
+                          <a:spcPts val="0"/>
+                        </a:spcAft>
+                      </a:pPr>
+                      <a:r>
+                        <a:rPr lang="zh-TW" sz="1800" b="0" kern="100" dirty="0">
+                          <a:solidFill>
+                            <a:schemeClr val="tx1"/>
+                          </a:solidFill>
+                          <a:effectLst/>
+                          <a:latin typeface="標楷體" panose="03000509000000000000" pitchFamily="65" charset="-120"/>
+                          <a:ea typeface="標楷體" panose="03000509000000000000" pitchFamily="65" charset="-120"/>
+                        </a:rPr>
+                        <a:t>前提：客戶需安裝此產品以及騎上機車</a:t>
+                      </a:r>
+                    </a:p>
+                    <a:p>
+                      <a:pPr>
+                        <a:spcAft>
+                          <a:spcPts val="0"/>
+                        </a:spcAft>
+                      </a:pPr>
+                      <a:r>
+                        <a:rPr lang="zh-TW" sz="1800" b="0" kern="100" dirty="0">
+                          <a:solidFill>
+                            <a:schemeClr val="tx1"/>
+                          </a:solidFill>
+                          <a:effectLst/>
+                          <a:latin typeface="標楷體" panose="03000509000000000000" pitchFamily="65" charset="-120"/>
+                          <a:ea typeface="標楷體" panose="03000509000000000000" pitchFamily="65" charset="-120"/>
+                        </a:rPr>
+                        <a:t>結束狀態：將機車熄火</a:t>
+                      </a:r>
+                    </a:p>
+                    <a:p>
+                      <a:pPr>
+                        <a:spcAft>
+                          <a:spcPts val="0"/>
+                        </a:spcAft>
+                      </a:pPr>
+                      <a:r>
+                        <a:rPr lang="zh-TW" sz="1800" b="0" kern="100" dirty="0">
+                          <a:solidFill>
+                            <a:schemeClr val="tx1"/>
+                          </a:solidFill>
+                          <a:effectLst/>
+                          <a:latin typeface="標楷體" panose="03000509000000000000" pitchFamily="65" charset="-120"/>
+                          <a:ea typeface="標楷體" panose="03000509000000000000" pitchFamily="65" charset="-120"/>
+                        </a:rPr>
+                        <a:t>一系列事件：</a:t>
+                      </a:r>
+                    </a:p>
+                    <a:p>
+                      <a:pPr>
+                        <a:spcAft>
+                          <a:spcPts val="0"/>
+                        </a:spcAft>
+                      </a:pPr>
+                      <a:r>
+                        <a:rPr lang="zh-TW" sz="1800" b="0" kern="100" dirty="0">
+                          <a:solidFill>
+                            <a:schemeClr val="tx1"/>
+                          </a:solidFill>
+                          <a:effectLst/>
+                          <a:latin typeface="標楷體" panose="03000509000000000000" pitchFamily="65" charset="-120"/>
+                          <a:ea typeface="標楷體" panose="03000509000000000000" pitchFamily="65" charset="-120"/>
+                        </a:rPr>
+                        <a:t>正常程序</a:t>
+                      </a:r>
+                      <a:r>
+                        <a:rPr lang="en-US" sz="1800" b="0" kern="100" dirty="0">
+                          <a:solidFill>
+                            <a:schemeClr val="tx1"/>
+                          </a:solidFill>
+                          <a:effectLst/>
+                          <a:latin typeface="標楷體" panose="03000509000000000000" pitchFamily="65" charset="-120"/>
+                          <a:ea typeface="標楷體" panose="03000509000000000000" pitchFamily="65" charset="-120"/>
+                        </a:rPr>
+                        <a:t>----</a:t>
+                      </a:r>
+                      <a:endParaRPr lang="zh-TW" sz="1800" b="0" kern="100" dirty="0">
+                        <a:solidFill>
+                          <a:schemeClr val="tx1"/>
+                        </a:solidFill>
+                        <a:effectLst/>
+                        <a:latin typeface="標楷體" panose="03000509000000000000" pitchFamily="65" charset="-120"/>
+                        <a:ea typeface="標楷體" panose="03000509000000000000" pitchFamily="65" charset="-120"/>
+                      </a:endParaRPr>
+                    </a:p>
+                    <a:p>
+                      <a:pPr marL="342900" lvl="0" indent="-342900" algn="just">
+                        <a:spcAft>
+                          <a:spcPts val="0"/>
+                        </a:spcAft>
+                        <a:buFont typeface="+mj-lt"/>
+                        <a:buAutoNum type="arabicPeriod"/>
+                      </a:pPr>
+                      <a:r>
+                        <a:rPr lang="zh-TW" sz="1800" b="0" kern="100" dirty="0">
+                          <a:solidFill>
+                            <a:schemeClr val="tx1"/>
+                          </a:solidFill>
+                          <a:effectLst/>
+                          <a:latin typeface="標楷體" panose="03000509000000000000" pitchFamily="65" charset="-120"/>
+                          <a:ea typeface="標楷體" panose="03000509000000000000" pitchFamily="65" charset="-120"/>
+                        </a:rPr>
+                        <a:t>客戶騎上車後，插入鑰匙點火後，即可啟動警示裝置。</a:t>
+                      </a:r>
+                    </a:p>
+                    <a:p>
+                      <a:pPr marL="342900" lvl="0" indent="-342900" algn="just">
+                        <a:spcAft>
+                          <a:spcPts val="0"/>
+                        </a:spcAft>
+                        <a:buFont typeface="+mj-lt"/>
+                        <a:buAutoNum type="arabicPeriod"/>
+                      </a:pPr>
+                      <a:r>
+                        <a:rPr lang="zh-TW" sz="1800" b="0" kern="100" dirty="0">
+                          <a:solidFill>
+                            <a:schemeClr val="tx1"/>
+                          </a:solidFill>
+                          <a:effectLst/>
+                          <a:latin typeface="標楷體" panose="03000509000000000000" pitchFamily="65" charset="-120"/>
+                          <a:ea typeface="標楷體" panose="03000509000000000000" pitchFamily="65" charset="-120"/>
+                        </a:rPr>
+                        <a:t>客戶能看到警示裝置所連接的</a:t>
+                      </a:r>
+                      <a:r>
+                        <a:rPr lang="en-US" sz="1800" b="0" kern="100" dirty="0">
+                          <a:solidFill>
+                            <a:schemeClr val="tx1"/>
+                          </a:solidFill>
+                          <a:effectLst/>
+                          <a:latin typeface="標楷體" panose="03000509000000000000" pitchFamily="65" charset="-120"/>
+                          <a:ea typeface="標楷體" panose="03000509000000000000" pitchFamily="65" charset="-120"/>
+                        </a:rPr>
+                        <a:t>LCD</a:t>
+                      </a:r>
+                      <a:r>
+                        <a:rPr lang="zh-TW" sz="1800" b="0" kern="100" dirty="0">
+                          <a:solidFill>
+                            <a:schemeClr val="tx1"/>
+                          </a:solidFill>
+                          <a:effectLst/>
+                          <a:latin typeface="標楷體" panose="03000509000000000000" pitchFamily="65" charset="-120"/>
+                          <a:ea typeface="標楷體" panose="03000509000000000000" pitchFamily="65" charset="-120"/>
+                        </a:rPr>
+                        <a:t>顯示器上會顯示“歡迎使用陀螺儀機車警示裝置”。</a:t>
+                      </a:r>
+                    </a:p>
+                    <a:p>
+                      <a:pPr marL="342900" lvl="0" indent="-342900" algn="just">
+                        <a:spcAft>
+                          <a:spcPts val="0"/>
+                        </a:spcAft>
+                        <a:buFont typeface="+mj-lt"/>
+                        <a:buAutoNum type="arabicPeriod"/>
+                      </a:pPr>
+                      <a:r>
+                        <a:rPr lang="zh-TW" sz="1800" b="0" kern="100" dirty="0">
+                          <a:solidFill>
+                            <a:schemeClr val="tx1"/>
+                          </a:solidFill>
+                          <a:effectLst/>
+                          <a:latin typeface="標楷體" panose="03000509000000000000" pitchFamily="65" charset="-120"/>
+                          <a:ea typeface="標楷體" panose="03000509000000000000" pitchFamily="65" charset="-120"/>
+                        </a:rPr>
+                        <a:t>客戶轉彎時，</a:t>
+                      </a:r>
+                      <a:r>
+                        <a:rPr lang="zh-TW" sz="1800" b="0" kern="100" dirty="0">
+                          <a:solidFill>
+                            <a:srgbClr val="FF0000"/>
+                          </a:solidFill>
+                          <a:effectLst/>
+                          <a:latin typeface="標楷體" panose="03000509000000000000" pitchFamily="65" charset="-120"/>
+                          <a:ea typeface="標楷體" panose="03000509000000000000" pitchFamily="65" charset="-120"/>
+                        </a:rPr>
+                        <a:t>警示裝置</a:t>
+                      </a:r>
+                      <a:r>
+                        <a:rPr lang="zh-TW" sz="1800" b="0" kern="100" dirty="0">
+                          <a:solidFill>
+                            <a:schemeClr val="tx1"/>
+                          </a:solidFill>
+                          <a:effectLst/>
+                          <a:latin typeface="標楷體" panose="03000509000000000000" pitchFamily="65" charset="-120"/>
+                          <a:ea typeface="標楷體" panose="03000509000000000000" pitchFamily="65" charset="-120"/>
+                        </a:rPr>
+                        <a:t>會對此進行檢測，並將</a:t>
+                      </a:r>
+                      <a:r>
+                        <a:rPr lang="zh-TW" sz="1800" b="0" kern="100" dirty="0">
+                          <a:solidFill>
+                            <a:srgbClr val="FF0000"/>
+                          </a:solidFill>
+                          <a:effectLst/>
+                          <a:latin typeface="標楷體" panose="03000509000000000000" pitchFamily="65" charset="-120"/>
+                          <a:ea typeface="標楷體" panose="03000509000000000000" pitchFamily="65" charset="-120"/>
+                        </a:rPr>
+                        <a:t>預行進的方向顯示在</a:t>
+                      </a:r>
+                      <a:r>
+                        <a:rPr lang="en-US" sz="1800" b="0" kern="100" dirty="0">
+                          <a:solidFill>
+                            <a:srgbClr val="FF0000"/>
+                          </a:solidFill>
+                          <a:effectLst/>
+                          <a:latin typeface="標楷體" panose="03000509000000000000" pitchFamily="65" charset="-120"/>
+                          <a:ea typeface="標楷體" panose="03000509000000000000" pitchFamily="65" charset="-120"/>
+                        </a:rPr>
+                        <a:t>LCD</a:t>
+                      </a:r>
+                      <a:r>
+                        <a:rPr lang="zh-TW" sz="1800" b="0" kern="100" dirty="0">
+                          <a:solidFill>
+                            <a:srgbClr val="FF0000"/>
+                          </a:solidFill>
+                          <a:effectLst/>
+                          <a:latin typeface="標楷體" panose="03000509000000000000" pitchFamily="65" charset="-120"/>
+                          <a:ea typeface="標楷體" panose="03000509000000000000" pitchFamily="65" charset="-120"/>
+                        </a:rPr>
+                        <a:t>顯示器上</a:t>
+                      </a:r>
+                      <a:r>
+                        <a:rPr lang="zh-TW" sz="1800" b="0" kern="100" dirty="0">
+                          <a:solidFill>
+                            <a:schemeClr val="tx1"/>
+                          </a:solidFill>
+                          <a:effectLst/>
+                          <a:latin typeface="標楷體" panose="03000509000000000000" pitchFamily="65" charset="-120"/>
+                          <a:ea typeface="標楷體" panose="03000509000000000000" pitchFamily="65" charset="-120"/>
+                        </a:rPr>
+                        <a:t>，若</a:t>
+                      </a:r>
+                      <a:r>
+                        <a:rPr lang="zh-TW" sz="1800" b="0" kern="100" dirty="0">
+                          <a:solidFill>
+                            <a:srgbClr val="FF0000"/>
+                          </a:solidFill>
+                          <a:effectLst/>
+                          <a:latin typeface="標楷體" panose="03000509000000000000" pitchFamily="65" charset="-120"/>
+                          <a:ea typeface="標楷體" panose="03000509000000000000" pitchFamily="65" charset="-120"/>
+                        </a:rPr>
+                        <a:t>車身過於傾斜</a:t>
+                      </a:r>
+                      <a:r>
+                        <a:rPr lang="en-US" sz="1800" b="0" kern="100" dirty="0">
+                          <a:solidFill>
+                            <a:srgbClr val="FF0000"/>
+                          </a:solidFill>
+                          <a:effectLst/>
+                          <a:latin typeface="標楷體" panose="03000509000000000000" pitchFamily="65" charset="-120"/>
+                          <a:ea typeface="標楷體" panose="03000509000000000000" pitchFamily="65" charset="-120"/>
+                        </a:rPr>
+                        <a:t>(</a:t>
+                      </a:r>
+                      <a:r>
+                        <a:rPr lang="zh-TW" sz="1800" b="0" kern="100" dirty="0">
+                          <a:solidFill>
+                            <a:srgbClr val="FF0000"/>
+                          </a:solidFill>
+                          <a:effectLst/>
+                          <a:latin typeface="標楷體" panose="03000509000000000000" pitchFamily="65" charset="-120"/>
+                          <a:ea typeface="標楷體" panose="03000509000000000000" pitchFamily="65" charset="-120"/>
+                        </a:rPr>
+                        <a:t>傾斜角超過</a:t>
+                      </a:r>
+                      <a:r>
+                        <a:rPr lang="en-US" sz="1800" b="0" kern="100" dirty="0">
+                          <a:solidFill>
+                            <a:srgbClr val="FF0000"/>
+                          </a:solidFill>
+                          <a:effectLst/>
+                          <a:latin typeface="標楷體" panose="03000509000000000000" pitchFamily="65" charset="-120"/>
+                          <a:ea typeface="標楷體" panose="03000509000000000000" pitchFamily="65" charset="-120"/>
+                        </a:rPr>
+                        <a:t>30</a:t>
+                      </a:r>
+                      <a:r>
+                        <a:rPr lang="zh-TW" sz="1800" b="0" kern="100" dirty="0">
+                          <a:solidFill>
+                            <a:srgbClr val="FF0000"/>
+                          </a:solidFill>
+                          <a:effectLst/>
+                          <a:latin typeface="標楷體" panose="03000509000000000000" pitchFamily="65" charset="-120"/>
+                          <a:ea typeface="標楷體" panose="03000509000000000000" pitchFamily="65" charset="-120"/>
+                        </a:rPr>
+                        <a:t>度</a:t>
+                      </a:r>
+                      <a:r>
+                        <a:rPr lang="en-US" sz="1800" b="0" kern="100" dirty="0">
+                          <a:solidFill>
+                            <a:srgbClr val="FF0000"/>
+                          </a:solidFill>
+                          <a:effectLst/>
+                          <a:latin typeface="標楷體" panose="03000509000000000000" pitchFamily="65" charset="-120"/>
+                          <a:ea typeface="標楷體" panose="03000509000000000000" pitchFamily="65" charset="-120"/>
+                        </a:rPr>
+                        <a:t>)</a:t>
+                      </a:r>
+                      <a:r>
+                        <a:rPr lang="zh-TW" sz="1800" b="0" kern="100" dirty="0">
+                          <a:solidFill>
+                            <a:schemeClr val="tx1"/>
+                          </a:solidFill>
+                          <a:effectLst/>
+                          <a:latin typeface="標楷體" panose="03000509000000000000" pitchFamily="65" charset="-120"/>
+                          <a:ea typeface="標楷體" panose="03000509000000000000" pitchFamily="65" charset="-120"/>
+                        </a:rPr>
+                        <a:t>，與警示裝置所連接的</a:t>
+                      </a:r>
+                      <a:r>
+                        <a:rPr lang="zh-TW" sz="1800" b="0" kern="100" dirty="0">
+                          <a:solidFill>
+                            <a:srgbClr val="FF0000"/>
+                          </a:solidFill>
+                          <a:effectLst/>
+                          <a:latin typeface="標楷體" panose="03000509000000000000" pitchFamily="65" charset="-120"/>
+                          <a:ea typeface="標楷體" panose="03000509000000000000" pitchFamily="65" charset="-120"/>
+                        </a:rPr>
+                        <a:t>蜂鳴器便會發出“滴滴滴”的警報聲</a:t>
+                      </a:r>
+                      <a:r>
+                        <a:rPr lang="zh-TW" sz="1800" b="0" kern="100" dirty="0">
+                          <a:solidFill>
+                            <a:schemeClr val="tx1"/>
+                          </a:solidFill>
+                          <a:effectLst/>
+                          <a:latin typeface="標楷體" panose="03000509000000000000" pitchFamily="65" charset="-120"/>
+                          <a:ea typeface="標楷體" panose="03000509000000000000" pitchFamily="65" charset="-120"/>
+                        </a:rPr>
+                        <a:t>。</a:t>
+                      </a:r>
+                    </a:p>
+                    <a:p>
+                      <a:pPr marL="342900" lvl="0" indent="-342900" algn="just">
+                        <a:spcAft>
+                          <a:spcPts val="0"/>
+                        </a:spcAft>
+                        <a:buFont typeface="+mj-lt"/>
+                        <a:buAutoNum type="arabicPeriod"/>
+                      </a:pPr>
+                      <a:r>
+                        <a:rPr lang="zh-TW" sz="1800" b="0" kern="100" dirty="0">
+                          <a:solidFill>
+                            <a:schemeClr val="tx1"/>
+                          </a:solidFill>
+                          <a:effectLst/>
+                          <a:latin typeface="標楷體" panose="03000509000000000000" pitchFamily="65" charset="-120"/>
+                          <a:ea typeface="標楷體" panose="03000509000000000000" pitchFamily="65" charset="-120"/>
+                        </a:rPr>
+                        <a:t>客戶熄火停車後，</a:t>
+                      </a:r>
+                      <a:r>
+                        <a:rPr lang="en-US" sz="1800" b="0" kern="100" dirty="0">
+                          <a:solidFill>
+                            <a:schemeClr val="tx1"/>
+                          </a:solidFill>
+                          <a:effectLst/>
+                          <a:latin typeface="標楷體" panose="03000509000000000000" pitchFamily="65" charset="-120"/>
+                          <a:ea typeface="標楷體" panose="03000509000000000000" pitchFamily="65" charset="-120"/>
+                        </a:rPr>
+                        <a:t>LCD</a:t>
+                      </a:r>
+                      <a:r>
+                        <a:rPr lang="zh-TW" sz="1800" b="0" kern="100" dirty="0">
+                          <a:solidFill>
+                            <a:schemeClr val="tx1"/>
+                          </a:solidFill>
+                          <a:effectLst/>
+                          <a:latin typeface="標楷體" panose="03000509000000000000" pitchFamily="65" charset="-120"/>
+                          <a:ea typeface="標楷體" panose="03000509000000000000" pitchFamily="65" charset="-120"/>
+                        </a:rPr>
+                        <a:t>顯示器上會顯示“謝謝使用” 。</a:t>
+                      </a:r>
+                    </a:p>
+                    <a:p>
+                      <a:pPr>
+                        <a:spcAft>
+                          <a:spcPts val="0"/>
+                        </a:spcAft>
+                      </a:pPr>
+                      <a:r>
+                        <a:rPr lang="en-US" sz="1800" b="0" kern="100" dirty="0">
+                          <a:solidFill>
+                            <a:schemeClr val="tx1"/>
+                          </a:solidFill>
+                          <a:effectLst/>
+                          <a:latin typeface="標楷體" panose="03000509000000000000" pitchFamily="65" charset="-120"/>
+                          <a:ea typeface="標楷體" panose="03000509000000000000" pitchFamily="65" charset="-120"/>
+                        </a:rPr>
+                        <a:t> </a:t>
+                      </a:r>
+                      <a:endParaRPr lang="zh-TW" sz="1800" b="0" kern="100" dirty="0">
+                        <a:solidFill>
+                          <a:schemeClr val="tx1"/>
+                        </a:solidFill>
+                        <a:effectLst/>
+                        <a:latin typeface="標楷體" panose="03000509000000000000" pitchFamily="65" charset="-120"/>
+                        <a:ea typeface="標楷體" panose="03000509000000000000" pitchFamily="65" charset="-120"/>
+                      </a:endParaRPr>
+                    </a:p>
+                    <a:p>
+                      <a:pPr>
+                        <a:spcAft>
+                          <a:spcPts val="0"/>
+                        </a:spcAft>
+                      </a:pPr>
+                      <a:r>
+                        <a:rPr lang="zh-TW" sz="1800" b="0" kern="100" dirty="0">
+                          <a:solidFill>
+                            <a:schemeClr val="tx1"/>
+                          </a:solidFill>
+                          <a:effectLst/>
+                          <a:latin typeface="標楷體" panose="03000509000000000000" pitchFamily="65" charset="-120"/>
+                          <a:ea typeface="標楷體" panose="03000509000000000000" pitchFamily="65" charset="-120"/>
+                        </a:rPr>
+                        <a:t>例外狀況</a:t>
+                      </a:r>
+                      <a:r>
+                        <a:rPr lang="en-US" sz="1800" b="0" kern="100" dirty="0">
+                          <a:solidFill>
+                            <a:schemeClr val="tx1"/>
+                          </a:solidFill>
+                          <a:effectLst/>
+                          <a:latin typeface="標楷體" panose="03000509000000000000" pitchFamily="65" charset="-120"/>
+                          <a:ea typeface="標楷體" panose="03000509000000000000" pitchFamily="65" charset="-120"/>
+                        </a:rPr>
+                        <a:t>----</a:t>
+                      </a:r>
+                      <a:endParaRPr lang="zh-TW" sz="1800" b="0" kern="100" dirty="0">
+                        <a:solidFill>
+                          <a:schemeClr val="tx1"/>
+                        </a:solidFill>
+                        <a:effectLst/>
+                        <a:latin typeface="標楷體" panose="03000509000000000000" pitchFamily="65" charset="-120"/>
+                        <a:ea typeface="標楷體" panose="03000509000000000000" pitchFamily="65" charset="-120"/>
+                      </a:endParaRPr>
+                    </a:p>
+                    <a:p>
+                      <a:pPr>
+                        <a:spcAft>
+                          <a:spcPts val="0"/>
+                        </a:spcAft>
+                      </a:pPr>
+                      <a:r>
+                        <a:rPr lang="zh-TW" sz="1800" b="0" kern="100" dirty="0">
+                          <a:solidFill>
+                            <a:schemeClr val="tx1"/>
+                          </a:solidFill>
+                          <a:effectLst/>
+                          <a:latin typeface="標楷體" panose="03000509000000000000" pitchFamily="65" charset="-120"/>
+                          <a:ea typeface="標楷體" panose="03000509000000000000" pitchFamily="65" charset="-120"/>
+                        </a:rPr>
+                        <a:t>․附近車輛</a:t>
+                      </a:r>
+                      <a:r>
+                        <a:rPr lang="zh-TW" sz="1800" b="0" kern="100" dirty="0">
+                          <a:solidFill>
+                            <a:srgbClr val="FF0000"/>
+                          </a:solidFill>
+                          <a:effectLst/>
+                          <a:latin typeface="標楷體" panose="03000509000000000000" pitchFamily="65" charset="-120"/>
+                          <a:ea typeface="標楷體" panose="03000509000000000000" pitchFamily="65" charset="-120"/>
+                        </a:rPr>
+                        <a:t>因車內吵雜而無法聽到警報聲</a:t>
+                      </a:r>
+                    </a:p>
+                    <a:p>
+                      <a:pPr>
+                        <a:spcAft>
+                          <a:spcPts val="0"/>
+                        </a:spcAft>
+                      </a:pPr>
+                      <a:r>
+                        <a:rPr lang="en-US" sz="1800" b="0" kern="100" dirty="0">
+                          <a:solidFill>
+                            <a:schemeClr val="tx1"/>
+                          </a:solidFill>
+                          <a:effectLst/>
+                          <a:latin typeface="標楷體" panose="03000509000000000000" pitchFamily="65" charset="-120"/>
+                          <a:ea typeface="標楷體" panose="03000509000000000000" pitchFamily="65" charset="-120"/>
+                        </a:rPr>
+                        <a:t>    </a:t>
+                      </a:r>
+                      <a:r>
+                        <a:rPr lang="zh-TW" sz="1800" b="0" kern="100" dirty="0">
+                          <a:solidFill>
+                            <a:schemeClr val="tx1"/>
+                          </a:solidFill>
+                          <a:effectLst/>
+                          <a:latin typeface="標楷體" panose="03000509000000000000" pitchFamily="65" charset="-120"/>
+                          <a:ea typeface="標楷體" panose="03000509000000000000" pitchFamily="65" charset="-120"/>
+                        </a:rPr>
+                        <a:t>→安裝與產品對應之</a:t>
+                      </a:r>
+                      <a:r>
+                        <a:rPr lang="en-US" sz="1800" b="0" kern="100" dirty="0">
+                          <a:solidFill>
+                            <a:schemeClr val="tx1"/>
+                          </a:solidFill>
+                          <a:effectLst/>
+                          <a:latin typeface="標楷體" panose="03000509000000000000" pitchFamily="65" charset="-120"/>
+                          <a:ea typeface="標楷體" panose="03000509000000000000" pitchFamily="65" charset="-120"/>
+                        </a:rPr>
+                        <a:t>App</a:t>
+                      </a:r>
+                      <a:r>
+                        <a:rPr lang="zh-TW" sz="1800" b="0" kern="100" dirty="0">
+                          <a:solidFill>
+                            <a:schemeClr val="tx1"/>
+                          </a:solidFill>
+                          <a:effectLst/>
+                          <a:latin typeface="標楷體" panose="03000509000000000000" pitchFamily="65" charset="-120"/>
+                          <a:ea typeface="標楷體" panose="03000509000000000000" pitchFamily="65" charset="-120"/>
+                        </a:rPr>
+                        <a:t>，會改由</a:t>
+                      </a:r>
+                      <a:r>
+                        <a:rPr lang="zh-TW" sz="1800" b="0" kern="100" dirty="0">
+                          <a:solidFill>
+                            <a:srgbClr val="FF0000"/>
+                          </a:solidFill>
+                          <a:effectLst/>
+                          <a:latin typeface="標楷體" panose="03000509000000000000" pitchFamily="65" charset="-120"/>
+                          <a:ea typeface="標楷體" panose="03000509000000000000" pitchFamily="65" charset="-120"/>
+                        </a:rPr>
+                        <a:t>語音播報</a:t>
+                      </a:r>
+                      <a:r>
+                        <a:rPr lang="zh-TW" sz="1800" b="0" kern="100" dirty="0">
+                          <a:solidFill>
+                            <a:schemeClr val="tx1"/>
+                          </a:solidFill>
+                          <a:effectLst/>
+                          <a:latin typeface="標楷體" panose="03000509000000000000" pitchFamily="65" charset="-120"/>
+                          <a:ea typeface="標楷體" panose="03000509000000000000" pitchFamily="65" charset="-120"/>
+                        </a:rPr>
+                        <a:t>進行提醒</a:t>
+                      </a:r>
+                      <a:endParaRPr lang="zh-TW" sz="1800" b="0" kern="100" dirty="0">
+                        <a:solidFill>
+                          <a:schemeClr val="tx1"/>
+                        </a:solidFill>
+                        <a:effectLst/>
+                        <a:latin typeface="標楷體" panose="03000509000000000000" pitchFamily="65" charset="-120"/>
+                        <a:ea typeface="標楷體" panose="03000509000000000000" pitchFamily="65" charset="-120"/>
+                        <a:cs typeface="Times New Roman"/>
+                      </a:endParaRPr>
+                    </a:p>
+                  </a:txBody>
+                  <a:tcPr marL="68580" marR="68580" marT="0" marB="0">
+                    <a:solidFill>
+                      <a:schemeClr val="accent1">
+                        <a:lumMod val="60000"/>
+                        <a:lumOff val="40000"/>
+                      </a:schemeClr>
+                    </a:solidFill>
+                  </a:tcPr>
+                </a:tc>
+              </a:tr>
+            </a:tbl>
+          </a:graphicData>
+        </a:graphic>
+      </p:graphicFrame>
+      <p:sp>
+        <p:nvSpPr>
+          <p:cNvPr id="4" name="投影片編號版面配置區 3"/>
+          <p:cNvSpPr>
+            <a:spLocks noGrp="1"/>
+          </p:cNvSpPr>
+          <p:nvPr>
+            <p:ph type="sldNum" sz="quarter" idx="12"/>
+          </p:nvPr>
+        </p:nvSpPr>
+        <p:spPr/>
+        <p:txBody>
+          <a:bodyPr/>
+          <a:lstStyle/>
+          <a:p>
+            <a:fld id="{80E16380-4998-42C3-B033-270161A8BE6B}" type="slidenum">
+              <a:rPr lang="zh-TW" altLang="en-US" smtClean="0"/>
+              <a:t>12</a:t>
+            </a:fld>
+            <a:endParaRPr lang="zh-TW" altLang="en-US"/>
+          </a:p>
+        </p:txBody>
+      </p:sp>
+    </p:spTree>
+    <p:extLst>
+      <p:ext uri="{BB962C8B-B14F-4D97-AF65-F5344CB8AC3E}">
+        <p14:creationId xmlns:p14="http://schemas.microsoft.com/office/powerpoint/2010/main" val="1565636828"/>
+      </p:ext>
+    </p:extLst>
+  </p:cSld>
+  <p:clrMapOvr>
+    <a:masterClrMapping/>
+  </p:clrMapOvr>
+</p:sld>
+</file>
+
+<file path=ppt/slides/slide13.xml><?xml version="1.0" encoding="utf-8"?>
+<p:sld xmlns:a="http://schemas.openxmlformats.org/drawingml/2006/main" xmlns:r="http://schemas.openxmlformats.org/officeDocument/2006/relationships" xmlns:p="http://schemas.openxmlformats.org/presentationml/2006/main">
+  <p:cSld>
+    <p:spTree>
+      <p:nvGrpSpPr>
+        <p:cNvPr id="1" name=""/>
+        <p:cNvGrpSpPr/>
+        <p:nvPr/>
+      </p:nvGrpSpPr>
+      <p:grpSpPr>
+        <a:xfrm>
+          <a:off x="0" y="0"/>
+          <a:ext cx="0" cy="0"/>
+          <a:chOff x="0" y="0"/>
+          <a:chExt cx="0" cy="0"/>
+        </a:xfrm>
+      </p:grpSpPr>
       <p:sp>
         <p:nvSpPr>
           <p:cNvPr id="2" name="投影片編號版面配置區 1"/>
@@ -8906,7 +9662,2294 @@
           <a:p>
             <a:fld id="{80E16380-4998-42C3-B033-270161A8BE6B}" type="slidenum">
               <a:rPr lang="zh-TW" altLang="en-US" smtClean="0"/>
-              <a:t>12</a:t>
+              <a:t>13</a:t>
+            </a:fld>
+            <a:endParaRPr lang="zh-TW" altLang="en-US"/>
+          </a:p>
+        </p:txBody>
+      </p:sp>
+      <p:graphicFrame>
+        <p:nvGraphicFramePr>
+          <p:cNvPr id="3" name="表格 2"/>
+          <p:cNvGraphicFramePr>
+            <a:graphicFrameLocks noGrp="1"/>
+          </p:cNvGraphicFramePr>
+          <p:nvPr>
+            <p:extLst>
+              <p:ext uri="{D42A27DB-BD31-4B8C-83A1-F6EECF244321}">
+                <p14:modId xmlns:p14="http://schemas.microsoft.com/office/powerpoint/2010/main" val="4292250900"/>
+              </p:ext>
+            </p:extLst>
+          </p:nvPr>
+        </p:nvGraphicFramePr>
+        <p:xfrm>
+          <a:off x="802433" y="656482"/>
+          <a:ext cx="7548465" cy="5364480"/>
+        </p:xfrm>
+        <a:graphic>
+          <a:graphicData uri="http://schemas.openxmlformats.org/drawingml/2006/table">
+            <a:tbl>
+              <a:tblPr firstRow="1" firstCol="1" bandRow="1">
+                <a:tableStyleId>{5C22544A-7EE6-4342-B048-85BDC9FD1C3A}</a:tableStyleId>
+              </a:tblPr>
+              <a:tblGrid>
+                <a:gridCol w="7548465"/>
+              </a:tblGrid>
+              <a:tr h="204394">
+                <a:tc>
+                  <a:txBody>
+                    <a:bodyPr/>
+                    <a:lstStyle/>
+                    <a:p>
+                      <a:pPr algn="ctr">
+                        <a:spcAft>
+                          <a:spcPts val="0"/>
+                        </a:spcAft>
+                      </a:pPr>
+                      <a:r>
+                        <a:rPr lang="zh-TW" sz="1600" b="0" kern="100" dirty="0">
+                          <a:solidFill>
+                            <a:schemeClr val="tx1"/>
+                          </a:solidFill>
+                          <a:effectLst/>
+                          <a:latin typeface="標楷體" panose="03000509000000000000" pitchFamily="65" charset="-120"/>
+                          <a:ea typeface="標楷體" panose="03000509000000000000" pitchFamily="65" charset="-120"/>
+                        </a:rPr>
+                        <a:t>使用個案名稱：提醒自身周圍</a:t>
+                      </a:r>
+                      <a:endParaRPr lang="zh-TW" sz="1600" b="0" kern="100" dirty="0">
+                        <a:solidFill>
+                          <a:schemeClr val="tx1"/>
+                        </a:solidFill>
+                        <a:effectLst/>
+                        <a:latin typeface="標楷體" panose="03000509000000000000" pitchFamily="65" charset="-120"/>
+                        <a:ea typeface="標楷體" panose="03000509000000000000" pitchFamily="65" charset="-120"/>
+                        <a:cs typeface="Times New Roman"/>
+                      </a:endParaRPr>
+                    </a:p>
+                  </a:txBody>
+                  <a:tcPr marL="42823" marR="42823" marT="0" marB="0">
+                    <a:solidFill>
+                      <a:schemeClr val="accent1">
+                        <a:alpha val="75000"/>
+                      </a:schemeClr>
+                    </a:solidFill>
+                  </a:tcPr>
+                </a:tc>
+              </a:tr>
+              <a:tr h="4905444">
+                <a:tc>
+                  <a:txBody>
+                    <a:bodyPr/>
+                    <a:lstStyle/>
+                    <a:p>
+                      <a:pPr>
+                        <a:spcAft>
+                          <a:spcPts val="0"/>
+                        </a:spcAft>
+                      </a:pPr>
+                      <a:r>
+                        <a:rPr lang="zh-TW" sz="1600" b="0" kern="100" dirty="0">
+                          <a:solidFill>
+                            <a:schemeClr val="tx1"/>
+                          </a:solidFill>
+                          <a:effectLst/>
+                          <a:latin typeface="標楷體" panose="03000509000000000000" pitchFamily="65" charset="-120"/>
+                          <a:ea typeface="標楷體" panose="03000509000000000000" pitchFamily="65" charset="-120"/>
+                        </a:rPr>
+                        <a:t>行為者：警示裝置</a:t>
+                      </a:r>
+                    </a:p>
+                    <a:p>
+                      <a:pPr>
+                        <a:spcAft>
+                          <a:spcPts val="0"/>
+                        </a:spcAft>
+                      </a:pPr>
+                      <a:r>
+                        <a:rPr lang="zh-TW" sz="1600" b="0" kern="100" dirty="0">
+                          <a:solidFill>
+                            <a:schemeClr val="tx1"/>
+                          </a:solidFill>
+                          <a:effectLst/>
+                          <a:latin typeface="標楷體" panose="03000509000000000000" pitchFamily="65" charset="-120"/>
+                          <a:ea typeface="標楷體" panose="03000509000000000000" pitchFamily="65" charset="-120"/>
+                        </a:rPr>
+                        <a:t>目標：紀錄與提醒自身周圍</a:t>
+                      </a:r>
+                    </a:p>
+                    <a:p>
+                      <a:pPr>
+                        <a:spcAft>
+                          <a:spcPts val="0"/>
+                        </a:spcAft>
+                      </a:pPr>
+                      <a:r>
+                        <a:rPr lang="zh-TW" sz="1600" b="0" kern="100" dirty="0">
+                          <a:solidFill>
+                            <a:schemeClr val="tx1"/>
+                          </a:solidFill>
+                          <a:effectLst/>
+                          <a:latin typeface="標楷體" panose="03000509000000000000" pitchFamily="65" charset="-120"/>
+                          <a:ea typeface="標楷體" panose="03000509000000000000" pitchFamily="65" charset="-120"/>
+                        </a:rPr>
+                        <a:t>前提：機車為發動狀態，客戶需安裝與產品對應之</a:t>
+                      </a:r>
+                      <a:r>
+                        <a:rPr lang="en-US" sz="1600" b="0" kern="100" dirty="0">
+                          <a:solidFill>
+                            <a:schemeClr val="tx1"/>
+                          </a:solidFill>
+                          <a:effectLst/>
+                          <a:latin typeface="標楷體" panose="03000509000000000000" pitchFamily="65" charset="-120"/>
+                          <a:ea typeface="標楷體" panose="03000509000000000000" pitchFamily="65" charset="-120"/>
+                        </a:rPr>
+                        <a:t>App</a:t>
+                      </a:r>
+                      <a:endParaRPr lang="zh-TW" sz="1600" b="0" kern="100" dirty="0">
+                        <a:solidFill>
+                          <a:schemeClr val="tx1"/>
+                        </a:solidFill>
+                        <a:effectLst/>
+                        <a:latin typeface="標楷體" panose="03000509000000000000" pitchFamily="65" charset="-120"/>
+                        <a:ea typeface="標楷體" panose="03000509000000000000" pitchFamily="65" charset="-120"/>
+                      </a:endParaRPr>
+                    </a:p>
+                    <a:p>
+                      <a:pPr>
+                        <a:spcAft>
+                          <a:spcPts val="0"/>
+                        </a:spcAft>
+                      </a:pPr>
+                      <a:r>
+                        <a:rPr lang="zh-TW" sz="1600" b="0" kern="100" dirty="0">
+                          <a:solidFill>
+                            <a:schemeClr val="tx1"/>
+                          </a:solidFill>
+                          <a:effectLst/>
+                          <a:latin typeface="標楷體" panose="03000509000000000000" pitchFamily="65" charset="-120"/>
+                          <a:ea typeface="標楷體" panose="03000509000000000000" pitchFamily="65" charset="-120"/>
+                        </a:rPr>
+                        <a:t>結束狀態：機車熄火</a:t>
+                      </a:r>
+                    </a:p>
+                    <a:p>
+                      <a:pPr>
+                        <a:spcAft>
+                          <a:spcPts val="0"/>
+                        </a:spcAft>
+                      </a:pPr>
+                      <a:r>
+                        <a:rPr lang="zh-TW" sz="1600" b="0" kern="100" dirty="0">
+                          <a:solidFill>
+                            <a:schemeClr val="tx1"/>
+                          </a:solidFill>
+                          <a:effectLst/>
+                          <a:latin typeface="標楷體" panose="03000509000000000000" pitchFamily="65" charset="-120"/>
+                          <a:ea typeface="標楷體" panose="03000509000000000000" pitchFamily="65" charset="-120"/>
+                        </a:rPr>
+                        <a:t>一系列事件：</a:t>
+                      </a:r>
+                    </a:p>
+                    <a:p>
+                      <a:pPr>
+                        <a:spcAft>
+                          <a:spcPts val="0"/>
+                        </a:spcAft>
+                      </a:pPr>
+                      <a:r>
+                        <a:rPr lang="zh-TW" sz="1600" b="0" kern="100" dirty="0">
+                          <a:solidFill>
+                            <a:schemeClr val="tx1"/>
+                          </a:solidFill>
+                          <a:effectLst/>
+                          <a:latin typeface="標楷體" panose="03000509000000000000" pitchFamily="65" charset="-120"/>
+                          <a:ea typeface="標楷體" panose="03000509000000000000" pitchFamily="65" charset="-120"/>
+                        </a:rPr>
+                        <a:t>正常程序</a:t>
+                      </a:r>
+                      <a:r>
+                        <a:rPr lang="en-US" sz="1600" b="0" kern="100" dirty="0">
+                          <a:solidFill>
+                            <a:schemeClr val="tx1"/>
+                          </a:solidFill>
+                          <a:effectLst/>
+                          <a:latin typeface="標楷體" panose="03000509000000000000" pitchFamily="65" charset="-120"/>
+                          <a:ea typeface="標楷體" panose="03000509000000000000" pitchFamily="65" charset="-120"/>
+                        </a:rPr>
+                        <a:t>----</a:t>
+                      </a:r>
+                      <a:endParaRPr lang="zh-TW" sz="1600" b="0" kern="100" dirty="0">
+                        <a:solidFill>
+                          <a:schemeClr val="tx1"/>
+                        </a:solidFill>
+                        <a:effectLst/>
+                        <a:latin typeface="標楷體" panose="03000509000000000000" pitchFamily="65" charset="-120"/>
+                        <a:ea typeface="標楷體" panose="03000509000000000000" pitchFamily="65" charset="-120"/>
+                      </a:endParaRPr>
+                    </a:p>
+                    <a:p>
+                      <a:pPr marL="342900" lvl="0" indent="-342900">
+                        <a:spcAft>
+                          <a:spcPts val="0"/>
+                        </a:spcAft>
+                        <a:buFont typeface="+mj-lt"/>
+                        <a:buAutoNum type="arabicPeriod"/>
+                      </a:pPr>
+                      <a:r>
+                        <a:rPr lang="zh-TW" sz="1600" b="0" kern="100" dirty="0">
+                          <a:solidFill>
+                            <a:schemeClr val="tx1"/>
+                          </a:solidFill>
+                          <a:effectLst/>
+                          <a:latin typeface="標楷體" panose="03000509000000000000" pitchFamily="65" charset="-120"/>
+                          <a:ea typeface="標楷體" panose="03000509000000000000" pitchFamily="65" charset="-120"/>
+                        </a:rPr>
+                        <a:t>車身過於傾斜，與警示裝置所連接的蜂鳴器便會發出“滴滴滴”的警報聲</a:t>
+                      </a:r>
+                    </a:p>
+                    <a:p>
+                      <a:pPr marL="342900" lvl="0" indent="-342900">
+                        <a:spcAft>
+                          <a:spcPts val="0"/>
+                        </a:spcAft>
+                        <a:buFont typeface="+mj-lt"/>
+                        <a:buAutoNum type="arabicPeriod"/>
+                      </a:pPr>
+                      <a:r>
+                        <a:rPr lang="zh-TW" sz="1600" b="0" kern="100" dirty="0">
+                          <a:solidFill>
+                            <a:schemeClr val="tx1"/>
+                          </a:solidFill>
+                          <a:effectLst/>
+                          <a:latin typeface="標楷體" panose="03000509000000000000" pitchFamily="65" charset="-120"/>
+                          <a:ea typeface="標楷體" panose="03000509000000000000" pitchFamily="65" charset="-120"/>
+                        </a:rPr>
+                        <a:t>蜂鳴器發出警報聲的同時，</a:t>
+                      </a:r>
+                      <a:r>
+                        <a:rPr lang="zh-TW" sz="1600" b="0" kern="100" dirty="0">
+                          <a:solidFill>
+                            <a:srgbClr val="FF0000"/>
+                          </a:solidFill>
+                          <a:effectLst/>
+                          <a:latin typeface="標楷體" panose="03000509000000000000" pitchFamily="65" charset="-120"/>
+                          <a:ea typeface="標楷體" panose="03000509000000000000" pitchFamily="65" charset="-120"/>
+                        </a:rPr>
+                        <a:t>警示裝置</a:t>
+                      </a:r>
+                      <a:r>
+                        <a:rPr lang="zh-TW" sz="1600" b="0" kern="100" dirty="0">
+                          <a:solidFill>
+                            <a:schemeClr val="tx1"/>
+                          </a:solidFill>
+                          <a:effectLst/>
+                          <a:latin typeface="標楷體" panose="03000509000000000000" pitchFamily="65" charset="-120"/>
+                          <a:ea typeface="標楷體" panose="03000509000000000000" pitchFamily="65" charset="-120"/>
+                        </a:rPr>
+                        <a:t>也會將此時的</a:t>
+                      </a:r>
+                      <a:r>
+                        <a:rPr lang="zh-TW" sz="1600" b="0" kern="100" dirty="0">
+                          <a:solidFill>
+                            <a:srgbClr val="FF0000"/>
+                          </a:solidFill>
+                          <a:effectLst/>
+                          <a:latin typeface="標楷體" panose="03000509000000000000" pitchFamily="65" charset="-120"/>
+                          <a:ea typeface="標楷體" panose="03000509000000000000" pitchFamily="65" charset="-120"/>
+                        </a:rPr>
+                        <a:t>傾斜角度顯示在</a:t>
+                      </a:r>
+                      <a:r>
+                        <a:rPr lang="en-US" sz="1600" b="0" kern="100" dirty="0">
+                          <a:solidFill>
+                            <a:srgbClr val="FF0000"/>
+                          </a:solidFill>
+                          <a:effectLst/>
+                          <a:latin typeface="標楷體" panose="03000509000000000000" pitchFamily="65" charset="-120"/>
+                          <a:ea typeface="標楷體" panose="03000509000000000000" pitchFamily="65" charset="-120"/>
+                        </a:rPr>
+                        <a:t>LCD</a:t>
+                      </a:r>
+                      <a:r>
+                        <a:rPr lang="zh-TW" sz="1600" b="0" kern="100" dirty="0">
+                          <a:solidFill>
+                            <a:srgbClr val="FF0000"/>
+                          </a:solidFill>
+                          <a:effectLst/>
+                          <a:latin typeface="標楷體" panose="03000509000000000000" pitchFamily="65" charset="-120"/>
+                          <a:ea typeface="標楷體" panose="03000509000000000000" pitchFamily="65" charset="-120"/>
+                        </a:rPr>
+                        <a:t>顯示器上</a:t>
+                      </a:r>
+                      <a:r>
+                        <a:rPr lang="zh-TW" sz="1600" b="0" kern="100" dirty="0">
+                          <a:solidFill>
+                            <a:schemeClr val="tx1"/>
+                          </a:solidFill>
+                          <a:effectLst/>
+                          <a:latin typeface="標楷體" panose="03000509000000000000" pitchFamily="65" charset="-120"/>
+                          <a:ea typeface="標楷體" panose="03000509000000000000" pitchFamily="65" charset="-120"/>
+                        </a:rPr>
+                        <a:t>。</a:t>
+                      </a:r>
+                    </a:p>
+                    <a:p>
+                      <a:pPr marL="342900" lvl="0" indent="-342900">
+                        <a:spcAft>
+                          <a:spcPts val="0"/>
+                        </a:spcAft>
+                        <a:buFont typeface="+mj-lt"/>
+                        <a:buAutoNum type="arabicPeriod"/>
+                      </a:pPr>
+                      <a:r>
+                        <a:rPr lang="zh-TW" sz="1600" b="0" kern="100" dirty="0">
+                          <a:solidFill>
+                            <a:schemeClr val="tx1"/>
+                          </a:solidFill>
+                          <a:effectLst/>
+                          <a:latin typeface="標楷體" panose="03000509000000000000" pitchFamily="65" charset="-120"/>
+                          <a:ea typeface="標楷體" panose="03000509000000000000" pitchFamily="65" charset="-120"/>
+                        </a:rPr>
+                        <a:t>警示裝置也會將此數據記錄並傳輸回手機上對應的</a:t>
+                      </a:r>
+                      <a:r>
+                        <a:rPr lang="en-US" sz="1600" b="0" kern="100" dirty="0">
+                          <a:solidFill>
+                            <a:schemeClr val="tx1"/>
+                          </a:solidFill>
+                          <a:effectLst/>
+                          <a:latin typeface="標楷體" panose="03000509000000000000" pitchFamily="65" charset="-120"/>
+                          <a:ea typeface="標楷體" panose="03000509000000000000" pitchFamily="65" charset="-120"/>
+                        </a:rPr>
+                        <a:t>app</a:t>
+                      </a:r>
+                      <a:r>
+                        <a:rPr lang="zh-TW" sz="1600" b="0" kern="100" dirty="0">
+                          <a:solidFill>
+                            <a:schemeClr val="tx1"/>
+                          </a:solidFill>
+                          <a:effectLst/>
+                          <a:latin typeface="標楷體" panose="03000509000000000000" pitchFamily="65" charset="-120"/>
+                          <a:ea typeface="標楷體" panose="03000509000000000000" pitchFamily="65" charset="-120"/>
+                        </a:rPr>
+                        <a:t>中。</a:t>
+                      </a:r>
+                    </a:p>
+                    <a:p>
+                      <a:pPr marL="342900" lvl="0" indent="-342900">
+                        <a:spcAft>
+                          <a:spcPts val="0"/>
+                        </a:spcAft>
+                        <a:buFont typeface="+mj-lt"/>
+                        <a:buAutoNum type="arabicPeriod"/>
+                      </a:pPr>
+                      <a:r>
+                        <a:rPr lang="zh-TW" sz="1600" b="0" kern="100" dirty="0">
+                          <a:solidFill>
+                            <a:schemeClr val="tx1"/>
+                          </a:solidFill>
+                          <a:effectLst/>
+                          <a:latin typeface="標楷體" panose="03000509000000000000" pitchFamily="65" charset="-120"/>
+                          <a:ea typeface="標楷體" panose="03000509000000000000" pitchFamily="65" charset="-120"/>
+                        </a:rPr>
+                        <a:t>與警示裝置連接的</a:t>
+                      </a:r>
+                      <a:r>
+                        <a:rPr lang="en-US" sz="1600" b="0" kern="100" dirty="0">
+                          <a:solidFill>
+                            <a:schemeClr val="tx1"/>
+                          </a:solidFill>
+                          <a:effectLst/>
+                          <a:latin typeface="標楷體" panose="03000509000000000000" pitchFamily="65" charset="-120"/>
+                          <a:ea typeface="標楷體" panose="03000509000000000000" pitchFamily="65" charset="-120"/>
+                        </a:rPr>
+                        <a:t>GPS</a:t>
+                      </a:r>
+                      <a:r>
+                        <a:rPr lang="zh-TW" sz="1600" b="0" kern="100" dirty="0">
+                          <a:solidFill>
+                            <a:schemeClr val="tx1"/>
+                          </a:solidFill>
+                          <a:effectLst/>
+                          <a:latin typeface="標楷體" panose="03000509000000000000" pitchFamily="65" charset="-120"/>
+                          <a:ea typeface="標楷體" panose="03000509000000000000" pitchFamily="65" charset="-120"/>
+                        </a:rPr>
+                        <a:t>也會記錄使用者的機車傾斜角度過大時所在的具體位置，並傳回手機中的</a:t>
+                      </a:r>
+                      <a:r>
+                        <a:rPr lang="en-US" sz="1600" b="0" kern="100" dirty="0">
+                          <a:solidFill>
+                            <a:schemeClr val="tx1"/>
+                          </a:solidFill>
+                          <a:effectLst/>
+                          <a:latin typeface="標楷體" panose="03000509000000000000" pitchFamily="65" charset="-120"/>
+                          <a:ea typeface="標楷體" panose="03000509000000000000" pitchFamily="65" charset="-120"/>
+                        </a:rPr>
+                        <a:t>App</a:t>
+                      </a:r>
+                      <a:r>
+                        <a:rPr lang="zh-TW" sz="1600" b="0" kern="100" dirty="0">
+                          <a:solidFill>
+                            <a:schemeClr val="tx1"/>
+                          </a:solidFill>
+                          <a:effectLst/>
+                          <a:latin typeface="標楷體" panose="03000509000000000000" pitchFamily="65" charset="-120"/>
+                          <a:ea typeface="標楷體" panose="03000509000000000000" pitchFamily="65" charset="-120"/>
+                        </a:rPr>
+                        <a:t>。</a:t>
+                      </a:r>
+                    </a:p>
+                    <a:p>
+                      <a:pPr marL="342900" lvl="0" indent="-342900" algn="just">
+                        <a:spcAft>
+                          <a:spcPts val="0"/>
+                        </a:spcAft>
+                        <a:buFont typeface="+mj-lt"/>
+                        <a:buAutoNum type="arabicPeriod"/>
+                      </a:pPr>
+                      <a:r>
+                        <a:rPr lang="zh-TW" sz="1600" b="0" kern="100" dirty="0">
+                          <a:solidFill>
+                            <a:schemeClr val="tx1"/>
+                          </a:solidFill>
+                          <a:effectLst/>
+                          <a:latin typeface="標楷體" panose="03000509000000000000" pitchFamily="65" charset="-120"/>
+                          <a:ea typeface="標楷體" panose="03000509000000000000" pitchFamily="65" charset="-120"/>
+                        </a:rPr>
+                        <a:t>客戶要做出</a:t>
+                      </a:r>
+                      <a:r>
+                        <a:rPr lang="zh-TW" sz="1600" b="0" kern="100" dirty="0">
+                          <a:solidFill>
+                            <a:srgbClr val="FF0000"/>
+                          </a:solidFill>
+                          <a:effectLst/>
+                          <a:latin typeface="標楷體" panose="03000509000000000000" pitchFamily="65" charset="-120"/>
+                          <a:ea typeface="標楷體" panose="03000509000000000000" pitchFamily="65" charset="-120"/>
+                        </a:rPr>
+                        <a:t>轉彎</a:t>
+                      </a:r>
+                      <a:r>
+                        <a:rPr lang="zh-TW" sz="1600" b="0" kern="100" dirty="0">
+                          <a:solidFill>
+                            <a:schemeClr val="tx1"/>
+                          </a:solidFill>
+                          <a:effectLst/>
+                          <a:latin typeface="標楷體" panose="03000509000000000000" pitchFamily="65" charset="-120"/>
+                          <a:ea typeface="標楷體" panose="03000509000000000000" pitchFamily="65" charset="-120"/>
+                        </a:rPr>
+                        <a:t>行為時，</a:t>
+                      </a:r>
+                      <a:r>
+                        <a:rPr lang="zh-TW" sz="1600" b="0" kern="100" dirty="0">
+                          <a:solidFill>
+                            <a:srgbClr val="FF0000"/>
+                          </a:solidFill>
+                          <a:effectLst/>
+                          <a:latin typeface="標楷體" panose="03000509000000000000" pitchFamily="65" charset="-120"/>
+                          <a:ea typeface="標楷體" panose="03000509000000000000" pitchFamily="65" charset="-120"/>
+                        </a:rPr>
+                        <a:t>警示裝置</a:t>
+                      </a:r>
+                      <a:r>
+                        <a:rPr lang="zh-TW" sz="1600" b="0" kern="100" dirty="0">
+                          <a:solidFill>
+                            <a:schemeClr val="tx1"/>
+                          </a:solidFill>
+                          <a:effectLst/>
+                          <a:latin typeface="標楷體" panose="03000509000000000000" pitchFamily="65" charset="-120"/>
+                          <a:ea typeface="標楷體" panose="03000509000000000000" pitchFamily="65" charset="-120"/>
+                        </a:rPr>
+                        <a:t>也會對此進行檢測，並將</a:t>
+                      </a:r>
+                      <a:r>
+                        <a:rPr lang="zh-TW" sz="1600" b="0" kern="100" dirty="0">
+                          <a:solidFill>
+                            <a:srgbClr val="FF0000"/>
+                          </a:solidFill>
+                          <a:effectLst/>
+                          <a:latin typeface="標楷體" panose="03000509000000000000" pitchFamily="65" charset="-120"/>
+                          <a:ea typeface="標楷體" panose="03000509000000000000" pitchFamily="65" charset="-120"/>
+                        </a:rPr>
+                        <a:t>預行進的方向顯示在</a:t>
+                      </a:r>
+                      <a:r>
+                        <a:rPr lang="en-US" sz="1600" b="0" kern="100" dirty="0">
+                          <a:solidFill>
+                            <a:srgbClr val="FF0000"/>
+                          </a:solidFill>
+                          <a:effectLst/>
+                          <a:latin typeface="標楷體" panose="03000509000000000000" pitchFamily="65" charset="-120"/>
+                          <a:ea typeface="標楷體" panose="03000509000000000000" pitchFamily="65" charset="-120"/>
+                        </a:rPr>
+                        <a:t>LCD</a:t>
+                      </a:r>
+                      <a:r>
+                        <a:rPr lang="zh-TW" sz="1600" b="0" kern="100" dirty="0">
+                          <a:solidFill>
+                            <a:srgbClr val="FF0000"/>
+                          </a:solidFill>
+                          <a:effectLst/>
+                          <a:latin typeface="標楷體" panose="03000509000000000000" pitchFamily="65" charset="-120"/>
+                          <a:ea typeface="標楷體" panose="03000509000000000000" pitchFamily="65" charset="-120"/>
+                        </a:rPr>
+                        <a:t>顯示器上</a:t>
+                      </a:r>
+                      <a:r>
+                        <a:rPr lang="zh-TW" sz="1600" b="0" kern="100" dirty="0">
+                          <a:solidFill>
+                            <a:schemeClr val="tx1"/>
+                          </a:solidFill>
+                          <a:effectLst/>
+                          <a:latin typeface="標楷體" panose="03000509000000000000" pitchFamily="65" charset="-120"/>
+                          <a:ea typeface="標楷體" panose="03000509000000000000" pitchFamily="65" charset="-120"/>
+                        </a:rPr>
+                        <a:t>。</a:t>
+                      </a:r>
+                    </a:p>
+                    <a:p>
+                      <a:pPr marL="342900" lvl="0" indent="-342900">
+                        <a:spcAft>
+                          <a:spcPts val="0"/>
+                        </a:spcAft>
+                        <a:buFont typeface="+mj-lt"/>
+                        <a:buAutoNum type="arabicPeriod"/>
+                      </a:pPr>
+                      <a:r>
+                        <a:rPr lang="zh-TW" sz="1600" b="0" kern="100" dirty="0">
+                          <a:solidFill>
+                            <a:schemeClr val="tx1"/>
+                          </a:solidFill>
+                          <a:effectLst/>
+                          <a:latin typeface="標楷體" panose="03000509000000000000" pitchFamily="65" charset="-120"/>
+                          <a:ea typeface="標楷體" panose="03000509000000000000" pitchFamily="65" charset="-120"/>
+                        </a:rPr>
+                        <a:t>裝置同時也會</a:t>
+                      </a:r>
+                      <a:r>
+                        <a:rPr lang="zh-TW" sz="1600" b="0" kern="100" dirty="0">
+                          <a:solidFill>
+                            <a:srgbClr val="FF0000"/>
+                          </a:solidFill>
+                          <a:effectLst/>
+                          <a:latin typeface="標楷體" panose="03000509000000000000" pitchFamily="65" charset="-120"/>
+                          <a:ea typeface="標楷體" panose="03000509000000000000" pitchFamily="65" charset="-120"/>
+                        </a:rPr>
+                        <a:t>大聲鳴響蜂鳴器</a:t>
+                      </a:r>
+                      <a:r>
+                        <a:rPr lang="zh-TW" sz="1600" b="0" kern="100" dirty="0">
+                          <a:solidFill>
+                            <a:schemeClr val="tx1"/>
+                          </a:solidFill>
+                          <a:effectLst/>
+                          <a:latin typeface="標楷體" panose="03000509000000000000" pitchFamily="65" charset="-120"/>
+                          <a:ea typeface="標楷體" panose="03000509000000000000" pitchFamily="65" charset="-120"/>
+                        </a:rPr>
+                        <a:t>，提醒後方的車輛。</a:t>
+                      </a:r>
+                    </a:p>
+                    <a:p>
+                      <a:pPr marL="342900" lvl="0" indent="-342900">
+                        <a:spcAft>
+                          <a:spcPts val="0"/>
+                        </a:spcAft>
+                        <a:buFont typeface="+mj-lt"/>
+                        <a:buAutoNum type="arabicPeriod"/>
+                      </a:pPr>
+                      <a:r>
+                        <a:rPr lang="zh-TW" sz="1600" b="0" kern="100" dirty="0">
+                          <a:solidFill>
+                            <a:schemeClr val="tx1"/>
+                          </a:solidFill>
+                          <a:effectLst/>
+                          <a:latin typeface="標楷體" panose="03000509000000000000" pitchFamily="65" charset="-120"/>
+                          <a:ea typeface="標楷體" panose="03000509000000000000" pitchFamily="65" charset="-120"/>
+                        </a:rPr>
+                        <a:t>如果後方車輛有安裝</a:t>
+                      </a:r>
+                      <a:r>
+                        <a:rPr lang="en-US" sz="1600" b="0" kern="100" dirty="0">
+                          <a:solidFill>
+                            <a:schemeClr val="tx1"/>
+                          </a:solidFill>
+                          <a:effectLst/>
+                          <a:latin typeface="標楷體" panose="03000509000000000000" pitchFamily="65" charset="-120"/>
+                          <a:ea typeface="標楷體" panose="03000509000000000000" pitchFamily="65" charset="-120"/>
+                        </a:rPr>
+                        <a:t>App</a:t>
+                      </a:r>
+                      <a:r>
+                        <a:rPr lang="zh-TW" sz="1600" b="0" kern="100" dirty="0">
+                          <a:solidFill>
+                            <a:schemeClr val="tx1"/>
+                          </a:solidFill>
+                          <a:effectLst/>
+                          <a:latin typeface="標楷體" panose="03000509000000000000" pitchFamily="65" charset="-120"/>
+                          <a:ea typeface="標楷體" panose="03000509000000000000" pitchFamily="65" charset="-120"/>
+                        </a:rPr>
+                        <a:t>，蜂鳴器則不會響起，改用語音播報訊息進行提醒。</a:t>
+                      </a:r>
+                    </a:p>
+                    <a:p>
+                      <a:pPr>
+                        <a:spcAft>
+                          <a:spcPts val="0"/>
+                        </a:spcAft>
+                      </a:pPr>
+                      <a:r>
+                        <a:rPr lang="en-US" sz="1600" b="0" kern="100" dirty="0">
+                          <a:solidFill>
+                            <a:schemeClr val="tx1"/>
+                          </a:solidFill>
+                          <a:effectLst/>
+                          <a:latin typeface="標楷體" panose="03000509000000000000" pitchFamily="65" charset="-120"/>
+                          <a:ea typeface="標楷體" panose="03000509000000000000" pitchFamily="65" charset="-120"/>
+                        </a:rPr>
+                        <a:t> </a:t>
+                      </a:r>
+                      <a:endParaRPr lang="zh-TW" sz="1600" b="0" kern="100" dirty="0">
+                        <a:solidFill>
+                          <a:schemeClr val="tx1"/>
+                        </a:solidFill>
+                        <a:effectLst/>
+                        <a:latin typeface="標楷體" panose="03000509000000000000" pitchFamily="65" charset="-120"/>
+                        <a:ea typeface="標楷體" panose="03000509000000000000" pitchFamily="65" charset="-120"/>
+                      </a:endParaRPr>
+                    </a:p>
+                    <a:p>
+                      <a:pPr>
+                        <a:spcAft>
+                          <a:spcPts val="0"/>
+                        </a:spcAft>
+                      </a:pPr>
+                      <a:r>
+                        <a:rPr lang="zh-TW" sz="1600" b="0" kern="100" dirty="0">
+                          <a:solidFill>
+                            <a:schemeClr val="tx1"/>
+                          </a:solidFill>
+                          <a:effectLst/>
+                          <a:latin typeface="標楷體" panose="03000509000000000000" pitchFamily="65" charset="-120"/>
+                          <a:ea typeface="標楷體" panose="03000509000000000000" pitchFamily="65" charset="-120"/>
+                        </a:rPr>
+                        <a:t>例外狀況</a:t>
+                      </a:r>
+                      <a:r>
+                        <a:rPr lang="en-US" sz="1600" b="0" kern="100" dirty="0">
+                          <a:solidFill>
+                            <a:schemeClr val="tx1"/>
+                          </a:solidFill>
+                          <a:effectLst/>
+                          <a:latin typeface="標楷體" panose="03000509000000000000" pitchFamily="65" charset="-120"/>
+                          <a:ea typeface="標楷體" panose="03000509000000000000" pitchFamily="65" charset="-120"/>
+                        </a:rPr>
+                        <a:t>----</a:t>
+                      </a:r>
+                      <a:endParaRPr lang="zh-TW" sz="1600" b="0" kern="100" dirty="0">
+                        <a:solidFill>
+                          <a:schemeClr val="tx1"/>
+                        </a:solidFill>
+                        <a:effectLst/>
+                        <a:latin typeface="標楷體" panose="03000509000000000000" pitchFamily="65" charset="-120"/>
+                        <a:ea typeface="標楷體" panose="03000509000000000000" pitchFamily="65" charset="-120"/>
+                      </a:endParaRPr>
+                    </a:p>
+                    <a:p>
+                      <a:pPr>
+                        <a:spcAft>
+                          <a:spcPts val="0"/>
+                        </a:spcAft>
+                      </a:pPr>
+                      <a:r>
+                        <a:rPr lang="zh-TW" sz="1600" b="0" kern="100" dirty="0">
+                          <a:solidFill>
+                            <a:schemeClr val="tx1"/>
+                          </a:solidFill>
+                          <a:effectLst/>
+                          <a:latin typeface="標楷體" panose="03000509000000000000" pitchFamily="65" charset="-120"/>
+                          <a:ea typeface="標楷體" panose="03000509000000000000" pitchFamily="65" charset="-120"/>
+                        </a:rPr>
+                        <a:t>․附近車輛有裝</a:t>
+                      </a:r>
+                      <a:r>
+                        <a:rPr lang="en-US" sz="1600" b="0" kern="100" dirty="0">
+                          <a:solidFill>
+                            <a:schemeClr val="tx1"/>
+                          </a:solidFill>
+                          <a:effectLst/>
+                          <a:latin typeface="標楷體" panose="03000509000000000000" pitchFamily="65" charset="-120"/>
+                          <a:ea typeface="標楷體" panose="03000509000000000000" pitchFamily="65" charset="-120"/>
+                        </a:rPr>
+                        <a:t>App</a:t>
+                      </a:r>
+                      <a:r>
+                        <a:rPr lang="zh-TW" sz="1600" b="0" kern="100" dirty="0">
+                          <a:solidFill>
+                            <a:schemeClr val="tx1"/>
+                          </a:solidFill>
+                          <a:effectLst/>
+                          <a:latin typeface="標楷體" panose="03000509000000000000" pitchFamily="65" charset="-120"/>
+                          <a:ea typeface="標楷體" panose="03000509000000000000" pitchFamily="65" charset="-120"/>
+                        </a:rPr>
+                        <a:t>但沒有開啟</a:t>
+                      </a:r>
+                      <a:r>
+                        <a:rPr lang="en-US" sz="1600" b="0" kern="100" dirty="0">
+                          <a:solidFill>
+                            <a:schemeClr val="tx1"/>
+                          </a:solidFill>
+                          <a:effectLst/>
+                          <a:latin typeface="標楷體" panose="03000509000000000000" pitchFamily="65" charset="-120"/>
+                          <a:ea typeface="標楷體" panose="03000509000000000000" pitchFamily="65" charset="-120"/>
+                        </a:rPr>
+                        <a:t>WIFI</a:t>
+                      </a:r>
+                      <a:endParaRPr lang="zh-TW" sz="1600" b="0" kern="100" dirty="0">
+                        <a:solidFill>
+                          <a:schemeClr val="tx1"/>
+                        </a:solidFill>
+                        <a:effectLst/>
+                        <a:latin typeface="標楷體" panose="03000509000000000000" pitchFamily="65" charset="-120"/>
+                        <a:ea typeface="標楷體" panose="03000509000000000000" pitchFamily="65" charset="-120"/>
+                      </a:endParaRPr>
+                    </a:p>
+                    <a:p>
+                      <a:pPr>
+                        <a:spcAft>
+                          <a:spcPts val="0"/>
+                        </a:spcAft>
+                      </a:pPr>
+                      <a:r>
+                        <a:rPr lang="en-US" sz="1600" b="0" kern="100" dirty="0">
+                          <a:solidFill>
+                            <a:schemeClr val="tx1"/>
+                          </a:solidFill>
+                          <a:effectLst/>
+                          <a:latin typeface="標楷體" panose="03000509000000000000" pitchFamily="65" charset="-120"/>
+                          <a:ea typeface="標楷體" panose="03000509000000000000" pitchFamily="65" charset="-120"/>
+                        </a:rPr>
+                        <a:t>     </a:t>
+                      </a:r>
+                      <a:r>
+                        <a:rPr lang="zh-TW" sz="1600" b="0" kern="100" dirty="0">
+                          <a:solidFill>
+                            <a:schemeClr val="tx1"/>
+                          </a:solidFill>
+                          <a:effectLst/>
+                          <a:latin typeface="標楷體" panose="03000509000000000000" pitchFamily="65" charset="-120"/>
+                          <a:ea typeface="標楷體" panose="03000509000000000000" pitchFamily="65" charset="-120"/>
+                        </a:rPr>
+                        <a:t>→</a:t>
+                      </a:r>
+                      <a:r>
+                        <a:rPr lang="zh-TW" sz="1600" b="0" kern="100" dirty="0" smtClean="0">
+                          <a:solidFill>
+                            <a:schemeClr val="tx1"/>
+                          </a:solidFill>
+                          <a:effectLst/>
+                          <a:latin typeface="標楷體" panose="03000509000000000000" pitchFamily="65" charset="-120"/>
+                          <a:ea typeface="標楷體" panose="03000509000000000000" pitchFamily="65" charset="-120"/>
+                        </a:rPr>
+                        <a:t>裝置</a:t>
+                      </a:r>
+                      <a:r>
+                        <a:rPr lang="zh-TW" altLang="en-US" sz="1600" b="0" kern="100" dirty="0" smtClean="0">
+                          <a:solidFill>
+                            <a:schemeClr val="tx1"/>
+                          </a:solidFill>
+                          <a:effectLst/>
+                          <a:latin typeface="標楷體" panose="03000509000000000000" pitchFamily="65" charset="-120"/>
+                          <a:ea typeface="標楷體" panose="03000509000000000000" pitchFamily="65" charset="-120"/>
+                        </a:rPr>
+                        <a:t>視為無安裝</a:t>
+                      </a:r>
+                      <a:r>
+                        <a:rPr lang="en-US" altLang="zh-TW" sz="1600" b="0" kern="100" dirty="0" smtClean="0">
+                          <a:solidFill>
+                            <a:schemeClr val="tx1"/>
+                          </a:solidFill>
+                          <a:effectLst/>
+                          <a:latin typeface="標楷體" panose="03000509000000000000" pitchFamily="65" charset="-120"/>
+                          <a:ea typeface="標楷體" panose="03000509000000000000" pitchFamily="65" charset="-120"/>
+                        </a:rPr>
+                        <a:t>App</a:t>
+                      </a:r>
+                      <a:r>
+                        <a:rPr lang="zh-TW" sz="1600" b="0" kern="100" dirty="0" smtClean="0">
+                          <a:solidFill>
+                            <a:schemeClr val="tx1"/>
+                          </a:solidFill>
+                          <a:effectLst/>
+                          <a:latin typeface="標楷體" panose="03000509000000000000" pitchFamily="65" charset="-120"/>
+                          <a:ea typeface="標楷體" panose="03000509000000000000" pitchFamily="65" charset="-120"/>
+                        </a:rPr>
+                        <a:t>，</a:t>
+                      </a:r>
+                      <a:r>
+                        <a:rPr lang="zh-TW" sz="1600" b="0" kern="100" dirty="0">
+                          <a:solidFill>
+                            <a:schemeClr val="tx1"/>
+                          </a:solidFill>
+                          <a:effectLst/>
+                          <a:latin typeface="標楷體" panose="03000509000000000000" pitchFamily="65" charset="-120"/>
+                          <a:ea typeface="標楷體" panose="03000509000000000000" pitchFamily="65" charset="-120"/>
+                        </a:rPr>
+                        <a:t>所以仍然響起蜂鳴器</a:t>
+                      </a:r>
+                    </a:p>
+                    <a:p>
+                      <a:pPr>
+                        <a:spcAft>
+                          <a:spcPts val="0"/>
+                        </a:spcAft>
+                      </a:pPr>
+                      <a:r>
+                        <a:rPr lang="zh-TW" sz="1600" b="0" kern="100" dirty="0">
+                          <a:solidFill>
+                            <a:schemeClr val="tx1"/>
+                          </a:solidFill>
+                          <a:effectLst/>
+                          <a:latin typeface="標楷體" panose="03000509000000000000" pitchFamily="65" charset="-120"/>
+                          <a:ea typeface="標楷體" panose="03000509000000000000" pitchFamily="65" charset="-120"/>
+                        </a:rPr>
+                        <a:t>․</a:t>
+                      </a:r>
+                      <a:r>
+                        <a:rPr lang="zh-TW" sz="1600" b="0" kern="100" dirty="0" smtClean="0">
+                          <a:solidFill>
+                            <a:schemeClr val="tx1"/>
+                          </a:solidFill>
+                          <a:effectLst/>
+                          <a:latin typeface="標楷體" panose="03000509000000000000" pitchFamily="65" charset="-120"/>
+                          <a:ea typeface="標楷體" panose="03000509000000000000" pitchFamily="65" charset="-120"/>
+                        </a:rPr>
+                        <a:t>附近</a:t>
+                      </a:r>
+                      <a:r>
+                        <a:rPr lang="zh-TW" altLang="en-US" sz="1600" b="0" kern="100" dirty="0" smtClean="0">
+                          <a:solidFill>
+                            <a:schemeClr val="tx1"/>
+                          </a:solidFill>
+                          <a:effectLst/>
+                          <a:latin typeface="標楷體" panose="03000509000000000000" pitchFamily="65" charset="-120"/>
+                          <a:ea typeface="標楷體" panose="03000509000000000000" pitchFamily="65" charset="-120"/>
+                        </a:rPr>
+                        <a:t>一群</a:t>
+                      </a:r>
+                      <a:r>
+                        <a:rPr lang="zh-TW" sz="1600" b="0" kern="100" dirty="0" smtClean="0">
+                          <a:solidFill>
+                            <a:schemeClr val="tx1"/>
+                          </a:solidFill>
+                          <a:effectLst/>
+                          <a:latin typeface="標楷體" panose="03000509000000000000" pitchFamily="65" charset="-120"/>
+                          <a:ea typeface="標楷體" panose="03000509000000000000" pitchFamily="65" charset="-120"/>
+                        </a:rPr>
+                        <a:t>車輛</a:t>
+                      </a:r>
+                      <a:r>
+                        <a:rPr lang="zh-TW" altLang="en-US" sz="1600" b="0" kern="100" dirty="0" smtClean="0">
+                          <a:solidFill>
+                            <a:schemeClr val="tx1"/>
+                          </a:solidFill>
+                          <a:effectLst/>
+                          <a:latin typeface="標楷體" panose="03000509000000000000" pitchFamily="65" charset="-120"/>
+                          <a:ea typeface="標楷體" panose="03000509000000000000" pitchFamily="65" charset="-120"/>
+                        </a:rPr>
+                        <a:t>中有尚未安裝</a:t>
+                      </a:r>
+                      <a:r>
+                        <a:rPr lang="en-US" altLang="zh-TW" sz="1600" b="0" kern="100" dirty="0" smtClean="0">
+                          <a:solidFill>
+                            <a:schemeClr val="tx1"/>
+                          </a:solidFill>
+                          <a:effectLst/>
+                          <a:latin typeface="標楷體" panose="03000509000000000000" pitchFamily="65" charset="-120"/>
+                          <a:ea typeface="標楷體" panose="03000509000000000000" pitchFamily="65" charset="-120"/>
+                        </a:rPr>
+                        <a:t>App</a:t>
+                      </a:r>
+                      <a:r>
+                        <a:rPr lang="zh-TW" altLang="en-US" sz="1600" b="0" kern="100" dirty="0" smtClean="0">
+                          <a:solidFill>
+                            <a:schemeClr val="tx1"/>
+                          </a:solidFill>
+                          <a:effectLst/>
+                          <a:latin typeface="標楷體" panose="03000509000000000000" pitchFamily="65" charset="-120"/>
+                          <a:ea typeface="標楷體" panose="03000509000000000000" pitchFamily="65" charset="-120"/>
+                        </a:rPr>
+                        <a:t>之駕駛</a:t>
+                      </a:r>
+                      <a:endParaRPr lang="zh-TW" sz="1600" b="0" kern="100" dirty="0">
+                        <a:solidFill>
+                          <a:schemeClr val="tx1"/>
+                        </a:solidFill>
+                        <a:effectLst/>
+                        <a:latin typeface="標楷體" panose="03000509000000000000" pitchFamily="65" charset="-120"/>
+                        <a:ea typeface="標楷體" panose="03000509000000000000" pitchFamily="65" charset="-120"/>
+                      </a:endParaRPr>
+                    </a:p>
+                    <a:p>
+                      <a:pPr>
+                        <a:spcAft>
+                          <a:spcPts val="0"/>
+                        </a:spcAft>
+                      </a:pPr>
+                      <a:r>
+                        <a:rPr lang="en-US" sz="1600" b="0" kern="100" dirty="0">
+                          <a:solidFill>
+                            <a:schemeClr val="tx1"/>
+                          </a:solidFill>
+                          <a:effectLst/>
+                          <a:latin typeface="標楷體" panose="03000509000000000000" pitchFamily="65" charset="-120"/>
+                          <a:ea typeface="標楷體" panose="03000509000000000000" pitchFamily="65" charset="-120"/>
+                        </a:rPr>
+                        <a:t>     </a:t>
+                      </a:r>
+                      <a:r>
+                        <a:rPr lang="zh-TW" altLang="zh-TW" sz="1600" b="0" kern="100" dirty="0" smtClean="0">
+                          <a:solidFill>
+                            <a:schemeClr val="tx1"/>
+                          </a:solidFill>
+                          <a:effectLst/>
+                          <a:latin typeface="標楷體" panose="03000509000000000000" pitchFamily="65" charset="-120"/>
+                          <a:ea typeface="標楷體" panose="03000509000000000000" pitchFamily="65" charset="-120"/>
+                        </a:rPr>
+                        <a:t>→</a:t>
+                      </a:r>
+                      <a:r>
+                        <a:rPr lang="zh-TW" altLang="en-US" sz="1600" b="0" kern="100" dirty="0" smtClean="0">
+                          <a:solidFill>
+                            <a:schemeClr val="tx1"/>
+                          </a:solidFill>
+                          <a:effectLst/>
+                          <a:latin typeface="標楷體" panose="03000509000000000000" pitchFamily="65" charset="-120"/>
+                          <a:ea typeface="標楷體" panose="03000509000000000000" pitchFamily="65" charset="-120"/>
+                        </a:rPr>
+                        <a:t>仍然響起蜂鳴器</a:t>
+                      </a:r>
+                      <a:r>
+                        <a:rPr lang="zh-TW" sz="1600" b="0" kern="100" dirty="0" smtClean="0">
+                          <a:solidFill>
+                            <a:schemeClr val="tx1"/>
+                          </a:solidFill>
+                          <a:effectLst/>
+                          <a:latin typeface="標楷體" panose="03000509000000000000" pitchFamily="65" charset="-120"/>
+                          <a:ea typeface="標楷體" panose="03000509000000000000" pitchFamily="65" charset="-120"/>
+                        </a:rPr>
+                        <a:t>。</a:t>
+                      </a:r>
+                      <a:endParaRPr lang="zh-TW" sz="1600" b="0" kern="100" dirty="0">
+                        <a:solidFill>
+                          <a:schemeClr val="tx1"/>
+                        </a:solidFill>
+                        <a:effectLst/>
+                        <a:latin typeface="標楷體" panose="03000509000000000000" pitchFamily="65" charset="-120"/>
+                        <a:ea typeface="標楷體" panose="03000509000000000000" pitchFamily="65" charset="-120"/>
+                        <a:cs typeface="Times New Roman"/>
+                      </a:endParaRPr>
+                    </a:p>
+                  </a:txBody>
+                  <a:tcPr marL="42823" marR="42823" marT="0" marB="0">
+                    <a:solidFill>
+                      <a:schemeClr val="accent1">
+                        <a:lumMod val="60000"/>
+                        <a:lumOff val="40000"/>
+                      </a:schemeClr>
+                    </a:solidFill>
+                  </a:tcPr>
+                </a:tc>
+              </a:tr>
+            </a:tbl>
+          </a:graphicData>
+        </a:graphic>
+      </p:graphicFrame>
+      <p:sp>
+        <p:nvSpPr>
+          <p:cNvPr id="4" name="Rectangle 1"/>
+          <p:cNvSpPr>
+            <a:spLocks noChangeArrowheads="1"/>
+          </p:cNvSpPr>
+          <p:nvPr/>
+        </p:nvSpPr>
+        <p:spPr bwMode="auto">
+          <a:xfrm>
+            <a:off x="2930525" y="2490788"/>
+            <a:ext cx="9144000" cy="457200"/>
+          </a:xfrm>
+          <a:prstGeom prst="rect">
+            <a:avLst/>
+          </a:prstGeom>
+          <a:noFill/>
+          <a:ln>
+            <a:noFill/>
+          </a:ln>
+          <a:effectLst/>
+          <a:extLst>
+            <a:ext uri="{909E8E84-426E-40DD-AFC4-6F175D3DCCD1}">
+              <a14:hiddenFill xmlns:a14="http://schemas.microsoft.com/office/drawing/2010/main">
+                <a:solidFill>
+                  <a:schemeClr val="accent1"/>
+                </a:solidFill>
+              </a14:hiddenFill>
+            </a:ext>
+            <a:ext uri="{91240B29-F687-4F45-9708-019B960494DF}">
+              <a14:hiddenLine xmlns:a14="http://schemas.microsoft.com/office/drawing/2010/main" w="9525">
+                <a:solidFill>
+                  <a:schemeClr val="tx1"/>
+                </a:solidFill>
+                <a:miter lim="800000"/>
+                <a:headEnd/>
+                <a:tailEnd/>
+              </a14:hiddenLine>
+            </a:ext>
+            <a:ext uri="{AF507438-7753-43E0-B8FC-AC1667EBCBE1}">
+              <a14:hiddenEffects xmlns:a14="http://schemas.microsoft.com/office/drawing/2010/main">
+                <a:effectLst>
+                  <a:outerShdw dist="35921" dir="2700000" algn="ctr" rotWithShape="0">
+                    <a:schemeClr val="bg2"/>
+                  </a:outerShdw>
+                </a:effectLst>
+              </a14:hiddenEffects>
+            </a:ext>
+          </a:extLst>
+        </p:spPr>
+        <p:txBody>
+          <a:bodyPr vert="horz" wrap="none" lIns="91440" tIns="45720" rIns="91440" bIns="45720" numCol="1" anchor="ctr" anchorCtr="0" compatLnSpc="1">
+            <a:prstTxWarp prst="textNoShape">
+              <a:avLst/>
+            </a:prstTxWarp>
+            <a:spAutoFit/>
+          </a:bodyPr>
+          <a:lstStyle/>
+          <a:p>
+            <a:pPr marL="0" marR="0" lvl="0" indent="0" algn="l" defTabSz="914400" rtl="0" eaLnBrk="1" fontAlgn="base" latinLnBrk="0" hangingPunct="1">
+              <a:lnSpc>
+                <a:spcPct val="100000"/>
+              </a:lnSpc>
+              <a:spcBef>
+                <a:spcPct val="0"/>
+              </a:spcBef>
+              <a:spcAft>
+                <a:spcPct val="0"/>
+              </a:spcAft>
+              <a:buClrTx/>
+              <a:buSzTx/>
+              <a:buFontTx/>
+              <a:buNone/>
+              <a:tabLst/>
+            </a:pPr>
+            <a:r>
+              <a:rPr kumimoji="1" lang="en-US" altLang="zh-TW" sz="1200" b="0" i="0" u="none" strike="noStrike" cap="none" normalizeH="0" baseline="0" smtClean="0">
+                <a:ln>
+                  <a:noFill/>
+                </a:ln>
+                <a:solidFill>
+                  <a:schemeClr val="tx1"/>
+                </a:solidFill>
+                <a:effectLst/>
+                <a:latin typeface="Calibri" pitchFamily="34" charset="0"/>
+                <a:ea typeface="新細明體" pitchFamily="18" charset="-120"/>
+                <a:cs typeface="Calibri" pitchFamily="34" charset="0"/>
+              </a:rPr>
+              <a:t/>
+            </a:r>
+            <a:br>
+              <a:rPr kumimoji="1" lang="en-US" altLang="zh-TW" sz="1200" b="0" i="0" u="none" strike="noStrike" cap="none" normalizeH="0" baseline="0" smtClean="0">
+                <a:ln>
+                  <a:noFill/>
+                </a:ln>
+                <a:solidFill>
+                  <a:schemeClr val="tx1"/>
+                </a:solidFill>
+                <a:effectLst/>
+                <a:latin typeface="Calibri" pitchFamily="34" charset="0"/>
+                <a:ea typeface="新細明體" pitchFamily="18" charset="-120"/>
+                <a:cs typeface="Calibri" pitchFamily="34" charset="0"/>
+              </a:rPr>
+            </a:br>
+            <a:endParaRPr kumimoji="1" lang="en-US" altLang="zh-TW" sz="600" b="0" i="0" u="none" strike="noStrike" cap="none" normalizeH="0" baseline="0" smtClean="0">
+              <a:ln>
+                <a:noFill/>
+              </a:ln>
+              <a:solidFill>
+                <a:schemeClr val="tx1"/>
+              </a:solidFill>
+              <a:effectLst/>
+              <a:latin typeface="Arial" pitchFamily="34" charset="0"/>
+              <a:ea typeface="新細明體" pitchFamily="18" charset="-120"/>
+              <a:cs typeface="新細明體" pitchFamily="18" charset="-120"/>
+            </a:endParaRPr>
+          </a:p>
+          <a:p>
+            <a:pPr marL="0" marR="0" lvl="0" indent="0" algn="l" defTabSz="914400" rtl="0" eaLnBrk="0" fontAlgn="base" latinLnBrk="0" hangingPunct="0">
+              <a:lnSpc>
+                <a:spcPct val="100000"/>
+              </a:lnSpc>
+              <a:spcBef>
+                <a:spcPct val="0"/>
+              </a:spcBef>
+              <a:spcAft>
+                <a:spcPct val="0"/>
+              </a:spcAft>
+              <a:buClrTx/>
+              <a:buSzTx/>
+              <a:buFontTx/>
+              <a:buNone/>
+              <a:tabLst/>
+            </a:pPr>
+            <a:endParaRPr kumimoji="1" lang="en-US" altLang="zh-TW" sz="1800" b="0" i="0" u="none" strike="noStrike" cap="none" normalizeH="0" baseline="0" smtClean="0">
+              <a:ln>
+                <a:noFill/>
+              </a:ln>
+              <a:solidFill>
+                <a:schemeClr val="tx1"/>
+              </a:solidFill>
+              <a:effectLst/>
+              <a:latin typeface="Arial" pitchFamily="34" charset="0"/>
+              <a:ea typeface="新細明體" pitchFamily="18" charset="-120"/>
+              <a:cs typeface="新細明體" pitchFamily="18" charset="-120"/>
+            </a:endParaRPr>
+          </a:p>
+        </p:txBody>
+      </p:sp>
+    </p:spTree>
+    <p:extLst>
+      <p:ext uri="{BB962C8B-B14F-4D97-AF65-F5344CB8AC3E}">
+        <p14:creationId xmlns:p14="http://schemas.microsoft.com/office/powerpoint/2010/main" val="4290104757"/>
+      </p:ext>
+    </p:extLst>
+  </p:cSld>
+  <p:clrMapOvr>
+    <a:masterClrMapping/>
+  </p:clrMapOvr>
+</p:sld>
+</file>
+
+<file path=ppt/slides/slide14.xml><?xml version="1.0" encoding="utf-8"?>
+<p:sld xmlns:a="http://schemas.openxmlformats.org/drawingml/2006/main" xmlns:r="http://schemas.openxmlformats.org/officeDocument/2006/relationships" xmlns:p="http://schemas.openxmlformats.org/presentationml/2006/main">
+  <p:cSld>
+    <p:spTree>
+      <p:nvGrpSpPr>
+        <p:cNvPr id="1" name=""/>
+        <p:cNvGrpSpPr/>
+        <p:nvPr/>
+      </p:nvGrpSpPr>
+      <p:grpSpPr>
+        <a:xfrm>
+          <a:off x="0" y="0"/>
+          <a:ext cx="0" cy="0"/>
+          <a:chOff x="0" y="0"/>
+          <a:chExt cx="0" cy="0"/>
+        </a:xfrm>
+      </p:grpSpPr>
+      <p:sp>
+        <p:nvSpPr>
+          <p:cNvPr id="2" name="投影片編號版面配置區 1"/>
+          <p:cNvSpPr>
+            <a:spLocks noGrp="1"/>
+          </p:cNvSpPr>
+          <p:nvPr>
+            <p:ph type="sldNum" sz="quarter" idx="12"/>
+          </p:nvPr>
+        </p:nvSpPr>
+        <p:spPr/>
+        <p:txBody>
+          <a:bodyPr/>
+          <a:lstStyle/>
+          <a:p>
+            <a:fld id="{80E16380-4998-42C3-B033-270161A8BE6B}" type="slidenum">
+              <a:rPr lang="zh-TW" altLang="en-US" smtClean="0"/>
+              <a:t>14</a:t>
+            </a:fld>
+            <a:endParaRPr lang="zh-TW" altLang="en-US"/>
+          </a:p>
+        </p:txBody>
+      </p:sp>
+      <p:graphicFrame>
+        <p:nvGraphicFramePr>
+          <p:cNvPr id="3" name="表格 2"/>
+          <p:cNvGraphicFramePr>
+            <a:graphicFrameLocks noGrp="1"/>
+          </p:cNvGraphicFramePr>
+          <p:nvPr>
+            <p:extLst>
+              <p:ext uri="{D42A27DB-BD31-4B8C-83A1-F6EECF244321}">
+                <p14:modId xmlns:p14="http://schemas.microsoft.com/office/powerpoint/2010/main" val="1826271872"/>
+              </p:ext>
+            </p:extLst>
+          </p:nvPr>
+        </p:nvGraphicFramePr>
+        <p:xfrm>
+          <a:off x="956907" y="855773"/>
+          <a:ext cx="7263362" cy="5212080"/>
+        </p:xfrm>
+        <a:graphic>
+          <a:graphicData uri="http://schemas.openxmlformats.org/drawingml/2006/table">
+            <a:tbl>
+              <a:tblPr firstRow="1" firstCol="1" bandRow="1">
+                <a:tableStyleId>{5C22544A-7EE6-4342-B048-85BDC9FD1C3A}</a:tableStyleId>
+              </a:tblPr>
+              <a:tblGrid>
+                <a:gridCol w="7263362"/>
+              </a:tblGrid>
+              <a:tr h="261887">
+                <a:tc>
+                  <a:txBody>
+                    <a:bodyPr/>
+                    <a:lstStyle/>
+                    <a:p>
+                      <a:pPr algn="ctr">
+                        <a:spcAft>
+                          <a:spcPts val="0"/>
+                        </a:spcAft>
+                      </a:pPr>
+                      <a:r>
+                        <a:rPr lang="zh-TW" sz="1800" b="0" kern="100" dirty="0">
+                          <a:solidFill>
+                            <a:schemeClr val="tx1"/>
+                          </a:solidFill>
+                          <a:effectLst/>
+                          <a:latin typeface="標楷體" panose="03000509000000000000" pitchFamily="65" charset="-120"/>
+                          <a:ea typeface="標楷體" panose="03000509000000000000" pitchFamily="65" charset="-120"/>
+                        </a:rPr>
+                        <a:t>使用個案名稱：統計和預防</a:t>
+                      </a:r>
+                      <a:endParaRPr lang="zh-TW" sz="1800" b="0" kern="100" dirty="0">
+                        <a:solidFill>
+                          <a:schemeClr val="tx1"/>
+                        </a:solidFill>
+                        <a:effectLst/>
+                        <a:latin typeface="標楷體" panose="03000509000000000000" pitchFamily="65" charset="-120"/>
+                        <a:ea typeface="標楷體" panose="03000509000000000000" pitchFamily="65" charset="-120"/>
+                        <a:cs typeface="Times New Roman"/>
+                      </a:endParaRPr>
+                    </a:p>
+                  </a:txBody>
+                  <a:tcPr marL="67991" marR="67991" marT="0" marB="0">
+                    <a:solidFill>
+                      <a:schemeClr val="accent1">
+                        <a:alpha val="75000"/>
+                      </a:schemeClr>
+                    </a:solidFill>
+                  </a:tcPr>
+                </a:tc>
+              </a:tr>
+              <a:tr h="4713973">
+                <a:tc>
+                  <a:txBody>
+                    <a:bodyPr/>
+                    <a:lstStyle/>
+                    <a:p>
+                      <a:pPr>
+                        <a:spcAft>
+                          <a:spcPts val="0"/>
+                        </a:spcAft>
+                      </a:pPr>
+                      <a:r>
+                        <a:rPr lang="zh-TW" sz="1800" b="0" kern="100" dirty="0">
+                          <a:solidFill>
+                            <a:schemeClr val="tx1"/>
+                          </a:solidFill>
+                          <a:effectLst/>
+                          <a:latin typeface="標楷體" panose="03000509000000000000" pitchFamily="65" charset="-120"/>
+                          <a:ea typeface="標楷體" panose="03000509000000000000" pitchFamily="65" charset="-120"/>
+                        </a:rPr>
+                        <a:t>行為者：</a:t>
+                      </a:r>
+                      <a:r>
+                        <a:rPr lang="en-US" sz="1800" b="0" kern="100" dirty="0">
+                          <a:solidFill>
+                            <a:schemeClr val="tx1"/>
+                          </a:solidFill>
+                          <a:effectLst/>
+                          <a:latin typeface="標楷體" panose="03000509000000000000" pitchFamily="65" charset="-120"/>
+                          <a:ea typeface="標楷體" panose="03000509000000000000" pitchFamily="65" charset="-120"/>
+                        </a:rPr>
+                        <a:t>App</a:t>
+                      </a:r>
+                      <a:endParaRPr lang="zh-TW" sz="1800" b="0" kern="100" dirty="0">
+                        <a:solidFill>
+                          <a:schemeClr val="tx1"/>
+                        </a:solidFill>
+                        <a:effectLst/>
+                        <a:latin typeface="標楷體" panose="03000509000000000000" pitchFamily="65" charset="-120"/>
+                        <a:ea typeface="標楷體" panose="03000509000000000000" pitchFamily="65" charset="-120"/>
+                      </a:endParaRPr>
+                    </a:p>
+                    <a:p>
+                      <a:pPr>
+                        <a:spcAft>
+                          <a:spcPts val="0"/>
+                        </a:spcAft>
+                      </a:pPr>
+                      <a:r>
+                        <a:rPr lang="zh-TW" sz="1800" b="0" kern="100" dirty="0">
+                          <a:solidFill>
+                            <a:schemeClr val="tx1"/>
+                          </a:solidFill>
+                          <a:effectLst/>
+                          <a:latin typeface="標楷體" panose="03000509000000000000" pitchFamily="65" charset="-120"/>
+                          <a:ea typeface="標楷體" panose="03000509000000000000" pitchFamily="65" charset="-120"/>
+                        </a:rPr>
+                        <a:t>目標：統計以提前提醒客戶</a:t>
+                      </a:r>
+                    </a:p>
+                    <a:p>
+                      <a:pPr>
+                        <a:spcAft>
+                          <a:spcPts val="0"/>
+                        </a:spcAft>
+                      </a:pPr>
+                      <a:r>
+                        <a:rPr lang="zh-TW" sz="1800" b="0" kern="100" dirty="0">
+                          <a:solidFill>
+                            <a:schemeClr val="tx1"/>
+                          </a:solidFill>
+                          <a:effectLst/>
+                          <a:latin typeface="標楷體" panose="03000509000000000000" pitchFamily="65" charset="-120"/>
+                          <a:ea typeface="標楷體" panose="03000509000000000000" pitchFamily="65" charset="-120"/>
+                        </a:rPr>
+                        <a:t>前提：客戶需安裝與產品對應之</a:t>
+                      </a:r>
+                      <a:r>
+                        <a:rPr lang="en-US" sz="1800" b="0" kern="100" dirty="0">
+                          <a:solidFill>
+                            <a:schemeClr val="tx1"/>
+                          </a:solidFill>
+                          <a:effectLst/>
+                          <a:latin typeface="標楷體" panose="03000509000000000000" pitchFamily="65" charset="-120"/>
+                          <a:ea typeface="標楷體" panose="03000509000000000000" pitchFamily="65" charset="-120"/>
+                        </a:rPr>
+                        <a:t>App</a:t>
+                      </a:r>
+                      <a:endParaRPr lang="zh-TW" sz="1800" b="0" kern="100" dirty="0">
+                        <a:solidFill>
+                          <a:schemeClr val="tx1"/>
+                        </a:solidFill>
+                        <a:effectLst/>
+                        <a:latin typeface="標楷體" panose="03000509000000000000" pitchFamily="65" charset="-120"/>
+                        <a:ea typeface="標楷體" panose="03000509000000000000" pitchFamily="65" charset="-120"/>
+                      </a:endParaRPr>
+                    </a:p>
+                    <a:p>
+                      <a:pPr>
+                        <a:spcAft>
+                          <a:spcPts val="0"/>
+                        </a:spcAft>
+                      </a:pPr>
+                      <a:r>
+                        <a:rPr lang="zh-TW" sz="1800" b="0" kern="100" dirty="0">
+                          <a:solidFill>
+                            <a:schemeClr val="tx1"/>
+                          </a:solidFill>
+                          <a:effectLst/>
+                          <a:latin typeface="標楷體" panose="03000509000000000000" pitchFamily="65" charset="-120"/>
+                          <a:ea typeface="標楷體" panose="03000509000000000000" pitchFamily="65" charset="-120"/>
+                        </a:rPr>
+                        <a:t>結束狀態：客戶解除安裝</a:t>
+                      </a:r>
+                      <a:r>
+                        <a:rPr lang="en-US" sz="1800" b="0" kern="100" dirty="0">
+                          <a:solidFill>
+                            <a:schemeClr val="tx1"/>
+                          </a:solidFill>
+                          <a:effectLst/>
+                          <a:latin typeface="標楷體" panose="03000509000000000000" pitchFamily="65" charset="-120"/>
+                          <a:ea typeface="標楷體" panose="03000509000000000000" pitchFamily="65" charset="-120"/>
+                        </a:rPr>
+                        <a:t>App</a:t>
+                      </a:r>
+                      <a:endParaRPr lang="zh-TW" sz="1800" b="0" kern="100" dirty="0">
+                        <a:solidFill>
+                          <a:schemeClr val="tx1"/>
+                        </a:solidFill>
+                        <a:effectLst/>
+                        <a:latin typeface="標楷體" panose="03000509000000000000" pitchFamily="65" charset="-120"/>
+                        <a:ea typeface="標楷體" panose="03000509000000000000" pitchFamily="65" charset="-120"/>
+                      </a:endParaRPr>
+                    </a:p>
+                    <a:p>
+                      <a:pPr>
+                        <a:spcAft>
+                          <a:spcPts val="0"/>
+                        </a:spcAft>
+                      </a:pPr>
+                      <a:r>
+                        <a:rPr lang="zh-TW" sz="1800" b="0" kern="100" dirty="0">
+                          <a:solidFill>
+                            <a:schemeClr val="tx1"/>
+                          </a:solidFill>
+                          <a:effectLst/>
+                          <a:latin typeface="標楷體" panose="03000509000000000000" pitchFamily="65" charset="-120"/>
+                          <a:ea typeface="標楷體" panose="03000509000000000000" pitchFamily="65" charset="-120"/>
+                        </a:rPr>
+                        <a:t>一系列事件：</a:t>
+                      </a:r>
+                    </a:p>
+                    <a:p>
+                      <a:pPr>
+                        <a:spcAft>
+                          <a:spcPts val="0"/>
+                        </a:spcAft>
+                      </a:pPr>
+                      <a:r>
+                        <a:rPr lang="zh-TW" sz="1800" b="0" kern="100" dirty="0">
+                          <a:solidFill>
+                            <a:schemeClr val="tx1"/>
+                          </a:solidFill>
+                          <a:effectLst/>
+                          <a:latin typeface="標楷體" panose="03000509000000000000" pitchFamily="65" charset="-120"/>
+                          <a:ea typeface="標楷體" panose="03000509000000000000" pitchFamily="65" charset="-120"/>
+                        </a:rPr>
+                        <a:t>正常程序</a:t>
+                      </a:r>
+                      <a:r>
+                        <a:rPr lang="en-US" sz="1800" b="0" kern="100" dirty="0">
+                          <a:solidFill>
+                            <a:schemeClr val="tx1"/>
+                          </a:solidFill>
+                          <a:effectLst/>
+                          <a:latin typeface="標楷體" panose="03000509000000000000" pitchFamily="65" charset="-120"/>
+                          <a:ea typeface="標楷體" panose="03000509000000000000" pitchFamily="65" charset="-120"/>
+                        </a:rPr>
+                        <a:t>----</a:t>
+                      </a:r>
+                      <a:endParaRPr lang="zh-TW" sz="1800" b="0" kern="100" dirty="0">
+                        <a:solidFill>
+                          <a:schemeClr val="tx1"/>
+                        </a:solidFill>
+                        <a:effectLst/>
+                        <a:latin typeface="標楷體" panose="03000509000000000000" pitchFamily="65" charset="-120"/>
+                        <a:ea typeface="標楷體" panose="03000509000000000000" pitchFamily="65" charset="-120"/>
+                      </a:endParaRPr>
+                    </a:p>
+                    <a:p>
+                      <a:pPr marL="342900" lvl="0" indent="-342900">
+                        <a:spcAft>
+                          <a:spcPts val="0"/>
+                        </a:spcAft>
+                        <a:buFont typeface="+mj-lt"/>
+                        <a:buAutoNum type="arabicPeriod"/>
+                      </a:pPr>
+                      <a:r>
+                        <a:rPr lang="zh-TW" sz="1800" b="0" kern="100" dirty="0">
+                          <a:solidFill>
+                            <a:schemeClr val="tx1"/>
+                          </a:solidFill>
+                          <a:effectLst/>
+                          <a:latin typeface="標楷體" panose="03000509000000000000" pitchFamily="65" charset="-120"/>
+                          <a:ea typeface="標楷體" panose="03000509000000000000" pitchFamily="65" charset="-120"/>
+                        </a:rPr>
+                        <a:t>客戶騎車時，若</a:t>
+                      </a:r>
+                      <a:r>
+                        <a:rPr lang="zh-TW" sz="1800" b="0" kern="100" dirty="0">
+                          <a:solidFill>
+                            <a:srgbClr val="FF0000"/>
+                          </a:solidFill>
+                          <a:effectLst/>
+                          <a:latin typeface="標楷體" panose="03000509000000000000" pitchFamily="65" charset="-120"/>
+                          <a:ea typeface="標楷體" panose="03000509000000000000" pitchFamily="65" charset="-120"/>
+                        </a:rPr>
+                        <a:t>車身過於傾斜</a:t>
+                      </a:r>
+                      <a:r>
+                        <a:rPr lang="en-US" sz="1800" b="0" kern="100" dirty="0">
+                          <a:solidFill>
+                            <a:srgbClr val="FF0000"/>
+                          </a:solidFill>
+                          <a:effectLst/>
+                          <a:latin typeface="標楷體" panose="03000509000000000000" pitchFamily="65" charset="-120"/>
+                          <a:ea typeface="標楷體" panose="03000509000000000000" pitchFamily="65" charset="-120"/>
+                        </a:rPr>
+                        <a:t>(</a:t>
+                      </a:r>
+                      <a:r>
+                        <a:rPr lang="zh-TW" sz="1800" b="0" kern="100" dirty="0">
+                          <a:solidFill>
+                            <a:srgbClr val="FF0000"/>
+                          </a:solidFill>
+                          <a:effectLst/>
+                          <a:latin typeface="標楷體" panose="03000509000000000000" pitchFamily="65" charset="-120"/>
+                          <a:ea typeface="標楷體" panose="03000509000000000000" pitchFamily="65" charset="-120"/>
+                        </a:rPr>
+                        <a:t>傾斜角超過</a:t>
+                      </a:r>
+                      <a:r>
+                        <a:rPr lang="en-US" sz="1800" b="0" kern="100" dirty="0">
+                          <a:solidFill>
+                            <a:srgbClr val="FF0000"/>
+                          </a:solidFill>
+                          <a:effectLst/>
+                          <a:latin typeface="標楷體" panose="03000509000000000000" pitchFamily="65" charset="-120"/>
+                          <a:ea typeface="標楷體" panose="03000509000000000000" pitchFamily="65" charset="-120"/>
+                        </a:rPr>
+                        <a:t>30</a:t>
+                      </a:r>
+                      <a:r>
+                        <a:rPr lang="zh-TW" sz="1800" b="0" kern="100" dirty="0">
+                          <a:solidFill>
+                            <a:srgbClr val="FF0000"/>
+                          </a:solidFill>
+                          <a:effectLst/>
+                          <a:latin typeface="標楷體" panose="03000509000000000000" pitchFamily="65" charset="-120"/>
+                          <a:ea typeface="標楷體" panose="03000509000000000000" pitchFamily="65" charset="-120"/>
+                        </a:rPr>
+                        <a:t>度</a:t>
+                      </a:r>
+                      <a:r>
+                        <a:rPr lang="en-US" sz="1800" b="0" kern="100" dirty="0">
+                          <a:solidFill>
+                            <a:srgbClr val="FF0000"/>
+                          </a:solidFill>
+                          <a:effectLst/>
+                          <a:latin typeface="標楷體" panose="03000509000000000000" pitchFamily="65" charset="-120"/>
+                          <a:ea typeface="標楷體" panose="03000509000000000000" pitchFamily="65" charset="-120"/>
+                        </a:rPr>
+                        <a:t>)</a:t>
+                      </a:r>
+                      <a:r>
+                        <a:rPr lang="zh-TW" sz="1800" b="0" kern="100" dirty="0">
+                          <a:solidFill>
+                            <a:schemeClr val="tx1"/>
+                          </a:solidFill>
+                          <a:effectLst/>
+                          <a:latin typeface="標楷體" panose="03000509000000000000" pitchFamily="65" charset="-120"/>
+                          <a:ea typeface="標楷體" panose="03000509000000000000" pitchFamily="65" charset="-120"/>
+                        </a:rPr>
+                        <a:t>，警示裝置</a:t>
+                      </a:r>
+                      <a:r>
+                        <a:rPr lang="zh-TW" sz="1800" b="0" kern="100" dirty="0">
+                          <a:solidFill>
+                            <a:srgbClr val="FF0000"/>
+                          </a:solidFill>
+                          <a:effectLst/>
+                          <a:latin typeface="標楷體" panose="03000509000000000000" pitchFamily="65" charset="-120"/>
+                          <a:ea typeface="標楷體" panose="03000509000000000000" pitchFamily="65" charset="-120"/>
+                        </a:rPr>
+                        <a:t>會將此數據記錄並傳輸回對應的</a:t>
+                      </a:r>
+                      <a:r>
+                        <a:rPr lang="en-US" sz="1800" b="0" kern="100" dirty="0">
+                          <a:solidFill>
+                            <a:srgbClr val="FF0000"/>
+                          </a:solidFill>
+                          <a:effectLst/>
+                          <a:latin typeface="標楷體" panose="03000509000000000000" pitchFamily="65" charset="-120"/>
+                          <a:ea typeface="標楷體" panose="03000509000000000000" pitchFamily="65" charset="-120"/>
+                        </a:rPr>
+                        <a:t>App</a:t>
+                      </a:r>
+                      <a:r>
+                        <a:rPr lang="zh-TW" sz="1800" b="0" kern="100" dirty="0">
+                          <a:solidFill>
+                            <a:srgbClr val="FF0000"/>
+                          </a:solidFill>
+                          <a:effectLst/>
+                          <a:latin typeface="標楷體" panose="03000509000000000000" pitchFamily="65" charset="-120"/>
+                          <a:ea typeface="標楷體" panose="03000509000000000000" pitchFamily="65" charset="-120"/>
+                        </a:rPr>
+                        <a:t>中</a:t>
+                      </a:r>
+                      <a:r>
+                        <a:rPr lang="zh-TW" sz="1800" b="0" kern="100" dirty="0">
+                          <a:solidFill>
+                            <a:schemeClr val="tx1"/>
+                          </a:solidFill>
+                          <a:effectLst/>
+                          <a:latin typeface="標楷體" panose="03000509000000000000" pitchFamily="65" charset="-120"/>
+                          <a:ea typeface="標楷體" panose="03000509000000000000" pitchFamily="65" charset="-120"/>
+                        </a:rPr>
+                        <a:t>，以便客戶之後進行確認與校準。</a:t>
+                      </a:r>
+                    </a:p>
+                    <a:p>
+                      <a:pPr marL="342900" lvl="0" indent="-342900">
+                        <a:spcAft>
+                          <a:spcPts val="0"/>
+                        </a:spcAft>
+                        <a:buFont typeface="+mj-lt"/>
+                        <a:buAutoNum type="arabicPeriod"/>
+                      </a:pPr>
+                      <a:r>
+                        <a:rPr lang="zh-TW" sz="1800" b="0" kern="100" dirty="0">
+                          <a:solidFill>
+                            <a:schemeClr val="tx1"/>
+                          </a:solidFill>
+                          <a:effectLst/>
+                          <a:latin typeface="標楷體" panose="03000509000000000000" pitchFamily="65" charset="-120"/>
+                          <a:ea typeface="標楷體" panose="03000509000000000000" pitchFamily="65" charset="-120"/>
+                        </a:rPr>
+                        <a:t>與警示裝置連接的</a:t>
+                      </a:r>
+                      <a:r>
+                        <a:rPr lang="en-US" sz="1800" b="0" kern="100" dirty="0">
+                          <a:solidFill>
+                            <a:schemeClr val="tx1"/>
+                          </a:solidFill>
+                          <a:effectLst/>
+                          <a:latin typeface="標楷體" panose="03000509000000000000" pitchFamily="65" charset="-120"/>
+                          <a:ea typeface="標楷體" panose="03000509000000000000" pitchFamily="65" charset="-120"/>
+                        </a:rPr>
+                        <a:t>GPS</a:t>
+                      </a:r>
+                      <a:r>
+                        <a:rPr lang="zh-TW" sz="1800" b="0" kern="100" dirty="0">
+                          <a:solidFill>
+                            <a:schemeClr val="tx1"/>
+                          </a:solidFill>
+                          <a:effectLst/>
+                          <a:latin typeface="標楷體" panose="03000509000000000000" pitchFamily="65" charset="-120"/>
+                          <a:ea typeface="標楷體" panose="03000509000000000000" pitchFamily="65" charset="-120"/>
+                        </a:rPr>
+                        <a:t>也會</a:t>
+                      </a:r>
+                      <a:r>
+                        <a:rPr lang="zh-TW" sz="1800" b="0" kern="100" dirty="0">
+                          <a:solidFill>
+                            <a:srgbClr val="FF0000"/>
+                          </a:solidFill>
+                          <a:effectLst/>
+                          <a:latin typeface="標楷體" panose="03000509000000000000" pitchFamily="65" charset="-120"/>
+                          <a:ea typeface="標楷體" panose="03000509000000000000" pitchFamily="65" charset="-120"/>
+                        </a:rPr>
+                        <a:t>記錄客戶的機車傾斜角度過大時</a:t>
+                      </a:r>
+                      <a:r>
+                        <a:rPr lang="en-US" sz="1800" b="0" kern="100" dirty="0">
+                          <a:solidFill>
+                            <a:srgbClr val="FF0000"/>
+                          </a:solidFill>
+                          <a:effectLst/>
+                          <a:latin typeface="標楷體" panose="03000509000000000000" pitchFamily="65" charset="-120"/>
+                          <a:ea typeface="標楷體" panose="03000509000000000000" pitchFamily="65" charset="-120"/>
+                        </a:rPr>
+                        <a:t>(</a:t>
+                      </a:r>
+                      <a:r>
+                        <a:rPr lang="zh-TW" sz="1800" b="0" kern="100" dirty="0">
+                          <a:solidFill>
+                            <a:srgbClr val="FF0000"/>
+                          </a:solidFill>
+                          <a:effectLst/>
+                          <a:latin typeface="標楷體" panose="03000509000000000000" pitchFamily="65" charset="-120"/>
+                          <a:ea typeface="標楷體" panose="03000509000000000000" pitchFamily="65" charset="-120"/>
+                        </a:rPr>
+                        <a:t>傾斜角超過</a:t>
+                      </a:r>
+                      <a:r>
+                        <a:rPr lang="en-US" sz="1800" b="0" kern="100" dirty="0">
+                          <a:solidFill>
+                            <a:srgbClr val="FF0000"/>
+                          </a:solidFill>
+                          <a:effectLst/>
+                          <a:latin typeface="標楷體" panose="03000509000000000000" pitchFamily="65" charset="-120"/>
+                          <a:ea typeface="標楷體" panose="03000509000000000000" pitchFamily="65" charset="-120"/>
+                        </a:rPr>
+                        <a:t>30</a:t>
+                      </a:r>
+                      <a:r>
+                        <a:rPr lang="zh-TW" sz="1800" b="0" kern="100" dirty="0">
+                          <a:solidFill>
+                            <a:srgbClr val="FF0000"/>
+                          </a:solidFill>
+                          <a:effectLst/>
+                          <a:latin typeface="標楷體" panose="03000509000000000000" pitchFamily="65" charset="-120"/>
+                          <a:ea typeface="標楷體" panose="03000509000000000000" pitchFamily="65" charset="-120"/>
+                        </a:rPr>
+                        <a:t>度</a:t>
+                      </a:r>
+                      <a:r>
+                        <a:rPr lang="en-US" sz="1800" b="0" kern="100" dirty="0">
+                          <a:solidFill>
+                            <a:srgbClr val="FF0000"/>
+                          </a:solidFill>
+                          <a:effectLst/>
+                          <a:latin typeface="標楷體" panose="03000509000000000000" pitchFamily="65" charset="-120"/>
+                          <a:ea typeface="標楷體" panose="03000509000000000000" pitchFamily="65" charset="-120"/>
+                        </a:rPr>
+                        <a:t>)</a:t>
+                      </a:r>
+                      <a:r>
+                        <a:rPr lang="zh-TW" sz="1800" b="0" kern="100" dirty="0">
+                          <a:solidFill>
+                            <a:srgbClr val="FF0000"/>
+                          </a:solidFill>
+                          <a:effectLst/>
+                          <a:latin typeface="標楷體" panose="03000509000000000000" pitchFamily="65" charset="-120"/>
+                          <a:ea typeface="標楷體" panose="03000509000000000000" pitchFamily="65" charset="-120"/>
+                        </a:rPr>
+                        <a:t>所在的具體位置</a:t>
+                      </a:r>
+                      <a:r>
+                        <a:rPr lang="zh-TW" sz="1800" b="0" kern="100" dirty="0">
+                          <a:solidFill>
+                            <a:schemeClr val="tx1"/>
+                          </a:solidFill>
+                          <a:effectLst/>
+                          <a:latin typeface="標楷體" panose="03000509000000000000" pitchFamily="65" charset="-120"/>
+                          <a:ea typeface="標楷體" panose="03000509000000000000" pitchFamily="65" charset="-120"/>
+                        </a:rPr>
+                        <a:t>，並傳回手機中的</a:t>
+                      </a:r>
+                      <a:r>
+                        <a:rPr lang="en-US" sz="1800" b="0" kern="100" dirty="0">
+                          <a:solidFill>
+                            <a:schemeClr val="tx1"/>
+                          </a:solidFill>
+                          <a:effectLst/>
+                          <a:latin typeface="標楷體" panose="03000509000000000000" pitchFamily="65" charset="-120"/>
+                          <a:ea typeface="標楷體" panose="03000509000000000000" pitchFamily="65" charset="-120"/>
+                        </a:rPr>
+                        <a:t>App</a:t>
+                      </a:r>
+                      <a:r>
+                        <a:rPr lang="zh-TW" sz="1800" b="0" kern="100" dirty="0">
+                          <a:solidFill>
+                            <a:schemeClr val="tx1"/>
+                          </a:solidFill>
+                          <a:effectLst/>
+                          <a:latin typeface="標楷體" panose="03000509000000000000" pitchFamily="65" charset="-120"/>
+                          <a:ea typeface="標楷體" panose="03000509000000000000" pitchFamily="65" charset="-120"/>
+                        </a:rPr>
+                        <a:t>。</a:t>
+                      </a:r>
+                    </a:p>
+                    <a:p>
+                      <a:pPr marL="342900" lvl="0" indent="-342900">
+                        <a:spcAft>
+                          <a:spcPts val="0"/>
+                        </a:spcAft>
+                        <a:buFont typeface="+mj-lt"/>
+                        <a:buAutoNum type="arabicPeriod"/>
+                      </a:pPr>
+                      <a:r>
+                        <a:rPr lang="en-US" sz="1800" b="0" kern="100" dirty="0">
+                          <a:solidFill>
+                            <a:schemeClr val="tx1"/>
+                          </a:solidFill>
+                          <a:effectLst/>
+                          <a:latin typeface="標楷體" panose="03000509000000000000" pitchFamily="65" charset="-120"/>
+                          <a:ea typeface="標楷體" panose="03000509000000000000" pitchFamily="65" charset="-120"/>
+                        </a:rPr>
+                        <a:t>App</a:t>
+                      </a:r>
+                      <a:r>
+                        <a:rPr lang="zh-TW" sz="1800" b="0" kern="100" dirty="0">
+                          <a:solidFill>
+                            <a:schemeClr val="tx1"/>
+                          </a:solidFill>
+                          <a:effectLst/>
+                          <a:latin typeface="標楷體" panose="03000509000000000000" pitchFamily="65" charset="-120"/>
+                          <a:ea typeface="標楷體" panose="03000509000000000000" pitchFamily="65" charset="-120"/>
+                        </a:rPr>
+                        <a:t>中客戶的數據會上傳到製作者的系統服務器中。</a:t>
+                      </a:r>
+                    </a:p>
+                    <a:p>
+                      <a:pPr marL="342900" lvl="0" indent="-342900">
+                        <a:spcAft>
+                          <a:spcPts val="0"/>
+                        </a:spcAft>
+                        <a:buFont typeface="+mj-lt"/>
+                        <a:buAutoNum type="arabicPeriod"/>
+                      </a:pPr>
+                      <a:r>
+                        <a:rPr lang="zh-TW" sz="1800" b="0" kern="100" dirty="0">
+                          <a:solidFill>
+                            <a:schemeClr val="tx1"/>
+                          </a:solidFill>
+                          <a:effectLst/>
+                          <a:latin typeface="標楷體" panose="03000509000000000000" pitchFamily="65" charset="-120"/>
+                          <a:ea typeface="標楷體" panose="03000509000000000000" pitchFamily="65" charset="-120"/>
+                        </a:rPr>
+                        <a:t>製作者能夠統計什麼樣的客戶人群在什麼樣的路段容易出現“壓車”的情況。</a:t>
+                      </a:r>
+                    </a:p>
+                    <a:p>
+                      <a:pPr marL="342900" lvl="0" indent="-342900">
+                        <a:spcAft>
+                          <a:spcPts val="0"/>
+                        </a:spcAft>
+                        <a:buFont typeface="+mj-lt"/>
+                        <a:buAutoNum type="arabicPeriod"/>
+                      </a:pPr>
+                      <a:r>
+                        <a:rPr lang="zh-TW" sz="1800" b="0" kern="100" dirty="0">
+                          <a:solidFill>
+                            <a:schemeClr val="tx1"/>
+                          </a:solidFill>
+                          <a:effectLst/>
+                          <a:latin typeface="標楷體" panose="03000509000000000000" pitchFamily="65" charset="-120"/>
+                          <a:ea typeface="標楷體" panose="03000509000000000000" pitchFamily="65" charset="-120"/>
+                        </a:rPr>
+                        <a:t>製作者</a:t>
+                      </a:r>
+                      <a:r>
+                        <a:rPr lang="zh-TW" sz="1800" b="0" kern="100" dirty="0">
+                          <a:solidFill>
+                            <a:srgbClr val="FF0000"/>
+                          </a:solidFill>
+                          <a:effectLst/>
+                          <a:latin typeface="標楷體" panose="03000509000000000000" pitchFamily="65" charset="-120"/>
+                          <a:ea typeface="標楷體" panose="03000509000000000000" pitchFamily="65" charset="-120"/>
+                        </a:rPr>
+                        <a:t>根據數據對警示裝置做出相應調整，提前提醒客戶</a:t>
+                      </a:r>
+                      <a:r>
+                        <a:rPr lang="zh-TW" sz="1800" b="0" kern="100" dirty="0">
+                          <a:solidFill>
+                            <a:schemeClr val="tx1"/>
+                          </a:solidFill>
+                          <a:effectLst/>
+                          <a:latin typeface="標楷體" panose="03000509000000000000" pitchFamily="65" charset="-120"/>
+                          <a:ea typeface="標楷體" panose="03000509000000000000" pitchFamily="65" charset="-120"/>
+                        </a:rPr>
+                        <a:t>。</a:t>
+                      </a:r>
+                    </a:p>
+                    <a:p>
+                      <a:pPr marL="228600">
+                        <a:spcAft>
+                          <a:spcPts val="0"/>
+                        </a:spcAft>
+                      </a:pPr>
+                      <a:r>
+                        <a:rPr lang="en-US" sz="1800" b="0" kern="100" dirty="0">
+                          <a:solidFill>
+                            <a:schemeClr val="tx1"/>
+                          </a:solidFill>
+                          <a:effectLst/>
+                          <a:latin typeface="標楷體" panose="03000509000000000000" pitchFamily="65" charset="-120"/>
+                          <a:ea typeface="標楷體" panose="03000509000000000000" pitchFamily="65" charset="-120"/>
+                        </a:rPr>
+                        <a:t> </a:t>
+                      </a:r>
+                      <a:endParaRPr lang="zh-TW" sz="1800" b="0" kern="100" dirty="0">
+                        <a:solidFill>
+                          <a:schemeClr val="tx1"/>
+                        </a:solidFill>
+                        <a:effectLst/>
+                        <a:latin typeface="標楷體" panose="03000509000000000000" pitchFamily="65" charset="-120"/>
+                        <a:ea typeface="標楷體" panose="03000509000000000000" pitchFamily="65" charset="-120"/>
+                      </a:endParaRPr>
+                    </a:p>
+                    <a:p>
+                      <a:pPr>
+                        <a:spcAft>
+                          <a:spcPts val="0"/>
+                        </a:spcAft>
+                      </a:pPr>
+                      <a:r>
+                        <a:rPr lang="zh-TW" sz="1800" b="0" kern="100" dirty="0">
+                          <a:solidFill>
+                            <a:schemeClr val="tx1"/>
+                          </a:solidFill>
+                          <a:effectLst/>
+                          <a:latin typeface="標楷體" panose="03000509000000000000" pitchFamily="65" charset="-120"/>
+                          <a:ea typeface="標楷體" panose="03000509000000000000" pitchFamily="65" charset="-120"/>
+                        </a:rPr>
+                        <a:t>例外狀況</a:t>
+                      </a:r>
+                      <a:r>
+                        <a:rPr lang="en-US" sz="1800" b="0" kern="100" dirty="0">
+                          <a:solidFill>
+                            <a:schemeClr val="tx1"/>
+                          </a:solidFill>
+                          <a:effectLst/>
+                          <a:latin typeface="標楷體" panose="03000509000000000000" pitchFamily="65" charset="-120"/>
+                          <a:ea typeface="標楷體" panose="03000509000000000000" pitchFamily="65" charset="-120"/>
+                        </a:rPr>
+                        <a:t>----</a:t>
+                      </a:r>
+                      <a:endParaRPr lang="zh-TW" sz="1800" b="0" kern="100" dirty="0">
+                        <a:solidFill>
+                          <a:schemeClr val="tx1"/>
+                        </a:solidFill>
+                        <a:effectLst/>
+                        <a:latin typeface="標楷體" panose="03000509000000000000" pitchFamily="65" charset="-120"/>
+                        <a:ea typeface="標楷體" panose="03000509000000000000" pitchFamily="65" charset="-120"/>
+                      </a:endParaRPr>
+                    </a:p>
+                    <a:p>
+                      <a:pPr>
+                        <a:spcAft>
+                          <a:spcPts val="0"/>
+                        </a:spcAft>
+                      </a:pPr>
+                      <a:r>
+                        <a:rPr lang="zh-TW" sz="1800" b="0" kern="100" dirty="0">
+                          <a:solidFill>
+                            <a:schemeClr val="tx1"/>
+                          </a:solidFill>
+                          <a:effectLst/>
+                          <a:latin typeface="標楷體" panose="03000509000000000000" pitchFamily="65" charset="-120"/>
+                          <a:ea typeface="標楷體" panose="03000509000000000000" pitchFamily="65" charset="-120"/>
+                        </a:rPr>
+                        <a:t>․ 附近車輛未安裝</a:t>
+                      </a:r>
+                      <a:r>
+                        <a:rPr lang="en-US" sz="1800" b="0" kern="100" dirty="0">
+                          <a:solidFill>
+                            <a:schemeClr val="tx1"/>
+                          </a:solidFill>
+                          <a:effectLst/>
+                          <a:latin typeface="標楷體" panose="03000509000000000000" pitchFamily="65" charset="-120"/>
+                          <a:ea typeface="標楷體" panose="03000509000000000000" pitchFamily="65" charset="-120"/>
+                        </a:rPr>
+                        <a:t>App</a:t>
+                      </a:r>
+                      <a:r>
+                        <a:rPr lang="zh-TW" sz="1800" b="0" kern="100" dirty="0">
+                          <a:solidFill>
+                            <a:schemeClr val="tx1"/>
+                          </a:solidFill>
+                          <a:effectLst/>
+                          <a:latin typeface="標楷體" panose="03000509000000000000" pitchFamily="65" charset="-120"/>
+                          <a:ea typeface="標楷體" panose="03000509000000000000" pitchFamily="65" charset="-120"/>
+                        </a:rPr>
+                        <a:t>。</a:t>
+                      </a:r>
+                    </a:p>
+                    <a:p>
+                      <a:pPr>
+                        <a:spcAft>
+                          <a:spcPts val="0"/>
+                        </a:spcAft>
+                      </a:pPr>
+                      <a:r>
+                        <a:rPr lang="en-US" sz="1800" b="0" kern="100" dirty="0">
+                          <a:solidFill>
+                            <a:schemeClr val="tx1"/>
+                          </a:solidFill>
+                          <a:effectLst/>
+                          <a:latin typeface="標楷體" panose="03000509000000000000" pitchFamily="65" charset="-120"/>
+                          <a:ea typeface="標楷體" panose="03000509000000000000" pitchFamily="65" charset="-120"/>
+                        </a:rPr>
+                        <a:t>    </a:t>
+                      </a:r>
+                      <a:r>
+                        <a:rPr lang="zh-TW" sz="1800" b="0" kern="100" dirty="0">
+                          <a:solidFill>
+                            <a:schemeClr val="tx1"/>
+                          </a:solidFill>
+                          <a:effectLst/>
+                          <a:latin typeface="標楷體" panose="03000509000000000000" pitchFamily="65" charset="-120"/>
+                          <a:ea typeface="標楷體" panose="03000509000000000000" pitchFamily="65" charset="-120"/>
+                        </a:rPr>
+                        <a:t>→警示裝置會大聲鳴響蜂鳴器。</a:t>
+                      </a:r>
+                      <a:endParaRPr lang="zh-TW" sz="1800" b="0" kern="100" dirty="0">
+                        <a:solidFill>
+                          <a:schemeClr val="tx1"/>
+                        </a:solidFill>
+                        <a:effectLst/>
+                        <a:latin typeface="標楷體" panose="03000509000000000000" pitchFamily="65" charset="-120"/>
+                        <a:ea typeface="標楷體" panose="03000509000000000000" pitchFamily="65" charset="-120"/>
+                        <a:cs typeface="Times New Roman"/>
+                      </a:endParaRPr>
+                    </a:p>
+                  </a:txBody>
+                  <a:tcPr marL="67991" marR="67991" marT="0" marB="0">
+                    <a:solidFill>
+                      <a:schemeClr val="accent1">
+                        <a:lumMod val="60000"/>
+                        <a:lumOff val="40000"/>
+                      </a:schemeClr>
+                    </a:solidFill>
+                  </a:tcPr>
+                </a:tc>
+              </a:tr>
+            </a:tbl>
+          </a:graphicData>
+        </a:graphic>
+      </p:graphicFrame>
+      <p:sp>
+        <p:nvSpPr>
+          <p:cNvPr id="4" name="Rectangle 1"/>
+          <p:cNvSpPr>
+            <a:spLocks noChangeArrowheads="1"/>
+          </p:cNvSpPr>
+          <p:nvPr/>
+        </p:nvSpPr>
+        <p:spPr bwMode="auto">
+          <a:xfrm>
+            <a:off x="1965325" y="2476500"/>
+            <a:ext cx="9144000" cy="457200"/>
+          </a:xfrm>
+          <a:prstGeom prst="rect">
+            <a:avLst/>
+          </a:prstGeom>
+          <a:noFill/>
+          <a:ln>
+            <a:noFill/>
+          </a:ln>
+          <a:effectLst/>
+          <a:extLst>
+            <a:ext uri="{909E8E84-426E-40DD-AFC4-6F175D3DCCD1}">
+              <a14:hiddenFill xmlns:a14="http://schemas.microsoft.com/office/drawing/2010/main">
+                <a:solidFill>
+                  <a:schemeClr val="accent1"/>
+                </a:solidFill>
+              </a14:hiddenFill>
+            </a:ext>
+            <a:ext uri="{91240B29-F687-4F45-9708-019B960494DF}">
+              <a14:hiddenLine xmlns:a14="http://schemas.microsoft.com/office/drawing/2010/main" w="9525">
+                <a:solidFill>
+                  <a:schemeClr val="tx1"/>
+                </a:solidFill>
+                <a:miter lim="800000"/>
+                <a:headEnd/>
+                <a:tailEnd/>
+              </a14:hiddenLine>
+            </a:ext>
+            <a:ext uri="{AF507438-7753-43E0-B8FC-AC1667EBCBE1}">
+              <a14:hiddenEffects xmlns:a14="http://schemas.microsoft.com/office/drawing/2010/main">
+                <a:effectLst>
+                  <a:outerShdw dist="35921" dir="2700000" algn="ctr" rotWithShape="0">
+                    <a:schemeClr val="bg2"/>
+                  </a:outerShdw>
+                </a:effectLst>
+              </a14:hiddenEffects>
+            </a:ext>
+          </a:extLst>
+        </p:spPr>
+        <p:txBody>
+          <a:bodyPr vert="horz" wrap="none" lIns="91440" tIns="45720" rIns="91440" bIns="45720" numCol="1" anchor="ctr" anchorCtr="0" compatLnSpc="1">
+            <a:prstTxWarp prst="textNoShape">
+              <a:avLst/>
+            </a:prstTxWarp>
+            <a:spAutoFit/>
+          </a:bodyPr>
+          <a:lstStyle>
+            <a:lvl1pPr fontAlgn="base">
+              <a:spcBef>
+                <a:spcPct val="0"/>
+              </a:spcBef>
+              <a:spcAft>
+                <a:spcPct val="0"/>
+              </a:spcAft>
+              <a:defRPr kumimoji="1">
+                <a:solidFill>
+                  <a:schemeClr val="tx1"/>
+                </a:solidFill>
+                <a:latin typeface="Arial" pitchFamily="34" charset="0"/>
+                <a:ea typeface="新細明體" pitchFamily="18" charset="-120"/>
+                <a:cs typeface="新細明體" pitchFamily="18" charset="-120"/>
+              </a:defRPr>
+            </a:lvl1pPr>
+            <a:lvl2pPr fontAlgn="base">
+              <a:spcBef>
+                <a:spcPct val="0"/>
+              </a:spcBef>
+              <a:spcAft>
+                <a:spcPct val="0"/>
+              </a:spcAft>
+              <a:defRPr kumimoji="1">
+                <a:solidFill>
+                  <a:schemeClr val="tx1"/>
+                </a:solidFill>
+                <a:latin typeface="Arial" pitchFamily="34" charset="0"/>
+                <a:ea typeface="新細明體" pitchFamily="18" charset="-120"/>
+                <a:cs typeface="新細明體" pitchFamily="18" charset="-120"/>
+              </a:defRPr>
+            </a:lvl2pPr>
+            <a:lvl3pPr fontAlgn="base">
+              <a:spcBef>
+                <a:spcPct val="0"/>
+              </a:spcBef>
+              <a:spcAft>
+                <a:spcPct val="0"/>
+              </a:spcAft>
+              <a:defRPr kumimoji="1">
+                <a:solidFill>
+                  <a:schemeClr val="tx1"/>
+                </a:solidFill>
+                <a:latin typeface="Arial" pitchFamily="34" charset="0"/>
+                <a:ea typeface="新細明體" pitchFamily="18" charset="-120"/>
+                <a:cs typeface="新細明體" pitchFamily="18" charset="-120"/>
+              </a:defRPr>
+            </a:lvl3pPr>
+            <a:lvl4pPr fontAlgn="base">
+              <a:spcBef>
+                <a:spcPct val="0"/>
+              </a:spcBef>
+              <a:spcAft>
+                <a:spcPct val="0"/>
+              </a:spcAft>
+              <a:defRPr kumimoji="1">
+                <a:solidFill>
+                  <a:schemeClr val="tx1"/>
+                </a:solidFill>
+                <a:latin typeface="Arial" pitchFamily="34" charset="0"/>
+                <a:ea typeface="新細明體" pitchFamily="18" charset="-120"/>
+                <a:cs typeface="新細明體" pitchFamily="18" charset="-120"/>
+              </a:defRPr>
+            </a:lvl4pPr>
+            <a:lvl5pPr fontAlgn="base">
+              <a:spcBef>
+                <a:spcPct val="0"/>
+              </a:spcBef>
+              <a:spcAft>
+                <a:spcPct val="0"/>
+              </a:spcAft>
+              <a:defRPr kumimoji="1">
+                <a:solidFill>
+                  <a:schemeClr val="tx1"/>
+                </a:solidFill>
+                <a:latin typeface="Arial" pitchFamily="34" charset="0"/>
+                <a:ea typeface="新細明體" pitchFamily="18" charset="-120"/>
+                <a:cs typeface="新細明體" pitchFamily="18" charset="-120"/>
+              </a:defRPr>
+            </a:lvl5pPr>
+            <a:lvl6pPr fontAlgn="base">
+              <a:spcBef>
+                <a:spcPct val="0"/>
+              </a:spcBef>
+              <a:spcAft>
+                <a:spcPct val="0"/>
+              </a:spcAft>
+              <a:defRPr kumimoji="1">
+                <a:solidFill>
+                  <a:schemeClr val="tx1"/>
+                </a:solidFill>
+                <a:latin typeface="Arial" pitchFamily="34" charset="0"/>
+                <a:ea typeface="新細明體" pitchFamily="18" charset="-120"/>
+                <a:cs typeface="新細明體" pitchFamily="18" charset="-120"/>
+              </a:defRPr>
+            </a:lvl6pPr>
+            <a:lvl7pPr fontAlgn="base">
+              <a:spcBef>
+                <a:spcPct val="0"/>
+              </a:spcBef>
+              <a:spcAft>
+                <a:spcPct val="0"/>
+              </a:spcAft>
+              <a:defRPr kumimoji="1">
+                <a:solidFill>
+                  <a:schemeClr val="tx1"/>
+                </a:solidFill>
+                <a:latin typeface="Arial" pitchFamily="34" charset="0"/>
+                <a:ea typeface="新細明體" pitchFamily="18" charset="-120"/>
+                <a:cs typeface="新細明體" pitchFamily="18" charset="-120"/>
+              </a:defRPr>
+            </a:lvl7pPr>
+            <a:lvl8pPr fontAlgn="base">
+              <a:spcBef>
+                <a:spcPct val="0"/>
+              </a:spcBef>
+              <a:spcAft>
+                <a:spcPct val="0"/>
+              </a:spcAft>
+              <a:defRPr kumimoji="1">
+                <a:solidFill>
+                  <a:schemeClr val="tx1"/>
+                </a:solidFill>
+                <a:latin typeface="Arial" pitchFamily="34" charset="0"/>
+                <a:ea typeface="新細明體" pitchFamily="18" charset="-120"/>
+                <a:cs typeface="新細明體" pitchFamily="18" charset="-120"/>
+              </a:defRPr>
+            </a:lvl8pPr>
+            <a:lvl9pPr fontAlgn="base">
+              <a:spcBef>
+                <a:spcPct val="0"/>
+              </a:spcBef>
+              <a:spcAft>
+                <a:spcPct val="0"/>
+              </a:spcAft>
+              <a:defRPr kumimoji="1">
+                <a:solidFill>
+                  <a:schemeClr val="tx1"/>
+                </a:solidFill>
+                <a:latin typeface="Arial" pitchFamily="34" charset="0"/>
+                <a:ea typeface="新細明體" pitchFamily="18" charset="-120"/>
+                <a:cs typeface="新細明體" pitchFamily="18" charset="-120"/>
+              </a:defRPr>
+            </a:lvl9pPr>
+          </a:lstStyle>
+          <a:p>
+            <a:pPr marL="0" marR="0" lvl="0" indent="0" algn="l" defTabSz="914400" rtl="0" eaLnBrk="1" fontAlgn="base" latinLnBrk="0" hangingPunct="1">
+              <a:lnSpc>
+                <a:spcPct val="100000"/>
+              </a:lnSpc>
+              <a:spcBef>
+                <a:spcPct val="0"/>
+              </a:spcBef>
+              <a:spcAft>
+                <a:spcPct val="0"/>
+              </a:spcAft>
+              <a:buClrTx/>
+              <a:buSzTx/>
+              <a:buFontTx/>
+              <a:buNone/>
+              <a:tabLst/>
+            </a:pPr>
+            <a:endParaRPr kumimoji="1" lang="zh-TW" altLang="zh-TW" sz="1800" b="0" i="0" u="none" strike="noStrike" cap="none" normalizeH="0" baseline="0" smtClean="0">
+              <a:ln>
+                <a:noFill/>
+              </a:ln>
+              <a:solidFill>
+                <a:schemeClr val="tx1"/>
+              </a:solidFill>
+              <a:effectLst/>
+              <a:latin typeface="Arial" pitchFamily="34" charset="0"/>
+              <a:ea typeface="新細明體" pitchFamily="18" charset="-120"/>
+              <a:cs typeface="新細明體" pitchFamily="18" charset="-120"/>
+            </a:endParaRPr>
+          </a:p>
+        </p:txBody>
+      </p:sp>
+    </p:spTree>
+    <p:extLst>
+      <p:ext uri="{BB962C8B-B14F-4D97-AF65-F5344CB8AC3E}">
+        <p14:creationId xmlns:p14="http://schemas.microsoft.com/office/powerpoint/2010/main" val="1077758825"/>
+      </p:ext>
+    </p:extLst>
+  </p:cSld>
+  <p:clrMapOvr>
+    <a:masterClrMapping/>
+  </p:clrMapOvr>
+</p:sld>
+</file>
+
+<file path=ppt/slides/slide15.xml><?xml version="1.0" encoding="utf-8"?>
+<p:sld xmlns:a="http://schemas.openxmlformats.org/drawingml/2006/main" xmlns:r="http://schemas.openxmlformats.org/officeDocument/2006/relationships" xmlns:p="http://schemas.openxmlformats.org/presentationml/2006/main">
+  <p:cSld>
+    <p:spTree>
+      <p:nvGrpSpPr>
+        <p:cNvPr id="1" name=""/>
+        <p:cNvGrpSpPr/>
+        <p:nvPr/>
+      </p:nvGrpSpPr>
+      <p:grpSpPr>
+        <a:xfrm>
+          <a:off x="0" y="0"/>
+          <a:ext cx="0" cy="0"/>
+          <a:chOff x="0" y="0"/>
+          <a:chExt cx="0" cy="0"/>
+        </a:xfrm>
+      </p:grpSpPr>
+      <p:sp>
+        <p:nvSpPr>
+          <p:cNvPr id="2" name="投影片編號版面配置區 1"/>
+          <p:cNvSpPr>
+            <a:spLocks noGrp="1"/>
+          </p:cNvSpPr>
+          <p:nvPr>
+            <p:ph type="sldNum" sz="quarter" idx="12"/>
+          </p:nvPr>
+        </p:nvSpPr>
+        <p:spPr/>
+        <p:txBody>
+          <a:bodyPr/>
+          <a:lstStyle/>
+          <a:p>
+            <a:fld id="{80E16380-4998-42C3-B033-270161A8BE6B}" type="slidenum">
+              <a:rPr lang="zh-TW" altLang="en-US" smtClean="0"/>
+              <a:t>15</a:t>
             </a:fld>
             <a:endParaRPr lang="zh-TW" altLang="en-US"/>
           </a:p>
@@ -8958,7 +12001,7 @@
         <p:spPr>
           <a:xfrm>
             <a:off x="1264596" y="1673157"/>
-            <a:ext cx="6809361" cy="3785652"/>
+            <a:ext cx="6809361" cy="3416320"/>
           </a:xfrm>
           <a:prstGeom prst="rect">
             <a:avLst/>
@@ -8972,93 +12015,184 @@
           <a:lstStyle/>
           <a:p>
             <a:r>
-              <a:rPr lang="zh-CN" altLang="en-US" sz="4000" dirty="0" smtClean="0">
-                <a:latin typeface="DFKai-SB" panose="03000509000000000000" pitchFamily="65" charset="-120"/>
-                <a:ea typeface="DFKai-SB" panose="03000509000000000000" pitchFamily="65" charset="-120"/>
+              <a:rPr lang="zh-TW" altLang="en-US" sz="3600" dirty="0">
+                <a:latin typeface="標楷體" panose="03000509000000000000" pitchFamily="65" charset="-120"/>
+                <a:ea typeface="標楷體" panose="03000509000000000000" pitchFamily="65" charset="-120"/>
               </a:rPr>
-              <a:t>吳驍禹</a:t>
-            </a:r>
-            <a:r>
-              <a:rPr lang="zh-CN" altLang="en-US" sz="4000" dirty="0">
+              <a:t>張紘綸</a:t>
+            </a:r>
+            <a:r>
+              <a:rPr lang="zh-CN" altLang="en-US" sz="3600" dirty="0" smtClean="0">
                 <a:latin typeface="DFKai-SB" panose="03000509000000000000" pitchFamily="65" charset="-120"/>
                 <a:ea typeface="DFKai-SB" panose="03000509000000000000" pitchFamily="65" charset="-120"/>
               </a:rPr>
               <a:t>：</a:t>
             </a:r>
             <a:r>
-              <a:rPr lang="zh-CN" altLang="en-US" sz="4000" dirty="0" smtClean="0">
+              <a:rPr lang="zh-CN" altLang="en-US" sz="3600" dirty="0" smtClean="0">
                 <a:latin typeface="DFKai-SB" panose="03000509000000000000" pitchFamily="65" charset="-120"/>
                 <a:ea typeface="DFKai-SB" panose="03000509000000000000" pitchFamily="65" charset="-120"/>
               </a:rPr>
               <a:t>製作</a:t>
             </a:r>
             <a:r>
-              <a:rPr lang="en-US" altLang="zh-CN" sz="4000" dirty="0" err="1" smtClean="0">
+              <a:rPr lang="en-US" altLang="zh-CN" sz="3600" dirty="0" err="1" smtClean="0">
                 <a:latin typeface="DFKai-SB" panose="03000509000000000000" pitchFamily="65" charset="-120"/>
                 <a:ea typeface="DFKai-SB" panose="03000509000000000000" pitchFamily="65" charset="-120"/>
               </a:rPr>
               <a:t>ppt</a:t>
             </a:r>
             <a:r>
-              <a:rPr lang="zh-CN" altLang="en-US" sz="4000" dirty="0" smtClean="0">
+              <a:rPr lang="zh-CN" altLang="en-US" sz="3600" dirty="0" smtClean="0">
                 <a:latin typeface="DFKai-SB" panose="03000509000000000000" pitchFamily="65" charset="-120"/>
                 <a:ea typeface="DFKai-SB" panose="03000509000000000000" pitchFamily="65" charset="-120"/>
               </a:rPr>
-              <a:t>，排版整理</a:t>
-            </a:r>
-            <a:endParaRPr lang="en-US" altLang="zh-CN" sz="4000" dirty="0" smtClean="0">
+              <a:t>，</a:t>
+            </a:r>
+            <a:r>
+              <a:rPr lang="zh-TW" altLang="en-US" sz="3600" dirty="0" smtClean="0">
+                <a:latin typeface="DFKai-SB" panose="03000509000000000000" pitchFamily="65" charset="-120"/>
+                <a:ea typeface="DFKai-SB" panose="03000509000000000000" pitchFamily="65" charset="-120"/>
+              </a:rPr>
+              <a:t>資料</a:t>
+            </a:r>
+            <a:r>
+              <a:rPr lang="zh-CN" altLang="en-US" sz="3600" dirty="0" smtClean="0">
+                <a:latin typeface="DFKai-SB" panose="03000509000000000000" pitchFamily="65" charset="-120"/>
+                <a:ea typeface="DFKai-SB" panose="03000509000000000000" pitchFamily="65" charset="-120"/>
+              </a:rPr>
+              <a:t>整理</a:t>
+            </a:r>
+            <a:endParaRPr lang="en-US" altLang="zh-CN" sz="3600" dirty="0" smtClean="0">
               <a:latin typeface="DFKai-SB" panose="03000509000000000000" pitchFamily="65" charset="-120"/>
               <a:ea typeface="DFKai-SB" panose="03000509000000000000" pitchFamily="65" charset="-120"/>
             </a:endParaRPr>
           </a:p>
           <a:p>
-            <a:endParaRPr lang="en-US" altLang="zh-CN" sz="4000" dirty="0">
+            <a:endParaRPr lang="en-US" altLang="zh-CN" sz="3600" dirty="0">
               <a:latin typeface="DFKai-SB" panose="03000509000000000000" pitchFamily="65" charset="-120"/>
               <a:ea typeface="DFKai-SB" panose="03000509000000000000" pitchFamily="65" charset="-120"/>
             </a:endParaRPr>
           </a:p>
           <a:p>
             <a:r>
-              <a:rPr lang="zh-CN" altLang="en-US" sz="4000" dirty="0" smtClean="0">
+              <a:rPr lang="zh-CN" altLang="en-US" sz="3600" dirty="0">
                 <a:latin typeface="DFKai-SB" panose="03000509000000000000" pitchFamily="65" charset="-120"/>
                 <a:ea typeface="DFKai-SB" panose="03000509000000000000" pitchFamily="65" charset="-120"/>
               </a:rPr>
-              <a:t>楊少宏：對之前的“動機與目的”部分進行修改</a:t>
-            </a:r>
-            <a:endParaRPr lang="en-US" altLang="zh-CN" sz="4000" dirty="0" smtClean="0">
+              <a:t>吳驍</a:t>
+            </a:r>
+            <a:r>
+              <a:rPr lang="zh-CN" altLang="en-US" sz="3600" dirty="0" smtClean="0">
+                <a:latin typeface="DFKai-SB" panose="03000509000000000000" pitchFamily="65" charset="-120"/>
+                <a:ea typeface="DFKai-SB" panose="03000509000000000000" pitchFamily="65" charset="-120"/>
+              </a:rPr>
+              <a:t>禹</a:t>
+            </a:r>
+            <a:r>
+              <a:rPr lang="zh-CN" altLang="en-US" sz="3600" dirty="0" smtClean="0">
+                <a:latin typeface="DFKai-SB" panose="03000509000000000000" pitchFamily="65" charset="-120"/>
+                <a:ea typeface="DFKai-SB" panose="03000509000000000000" pitchFamily="65" charset="-120"/>
+              </a:rPr>
+              <a:t>：</a:t>
+            </a:r>
+            <a:r>
+              <a:rPr lang="zh-CN" altLang="en-US" sz="3600" dirty="0" smtClean="0">
+                <a:latin typeface="DFKai-SB" panose="03000509000000000000" pitchFamily="65" charset="-120"/>
+                <a:ea typeface="DFKai-SB" panose="03000509000000000000" pitchFamily="65" charset="-120"/>
+              </a:rPr>
+              <a:t>對之前的</a:t>
+            </a:r>
+            <a:r>
+              <a:rPr lang="zh-CN" altLang="en-US" sz="3600" dirty="0" smtClean="0">
+                <a:latin typeface="DFKai-SB" panose="03000509000000000000" pitchFamily="65" charset="-120"/>
+                <a:ea typeface="DFKai-SB" panose="03000509000000000000" pitchFamily="65" charset="-120"/>
+              </a:rPr>
+              <a:t>“</a:t>
+            </a:r>
+            <a:r>
+              <a:rPr lang="zh-TW" altLang="en-US" sz="3600" dirty="0" smtClean="0">
+                <a:latin typeface="DFKai-SB" panose="03000509000000000000" pitchFamily="65" charset="-120"/>
+                <a:ea typeface="DFKai-SB" panose="03000509000000000000" pitchFamily="65" charset="-120"/>
+              </a:rPr>
+              <a:t>描述性項目與事件條列式</a:t>
+            </a:r>
+            <a:r>
+              <a:rPr lang="zh-CN" altLang="en-US" sz="3600" dirty="0" smtClean="0">
+                <a:latin typeface="DFKai-SB" panose="03000509000000000000" pitchFamily="65" charset="-120"/>
+                <a:ea typeface="DFKai-SB" panose="03000509000000000000" pitchFamily="65" charset="-120"/>
+              </a:rPr>
+              <a:t>”</a:t>
+            </a:r>
+            <a:r>
+              <a:rPr lang="zh-CN" altLang="en-US" sz="3600" dirty="0" smtClean="0">
+                <a:latin typeface="DFKai-SB" panose="03000509000000000000" pitchFamily="65" charset="-120"/>
+                <a:ea typeface="DFKai-SB" panose="03000509000000000000" pitchFamily="65" charset="-120"/>
+              </a:rPr>
+              <a:t>部分進行</a:t>
+            </a:r>
+            <a:r>
+              <a:rPr lang="zh-CN" altLang="en-US" sz="3600" dirty="0" smtClean="0">
+                <a:latin typeface="DFKai-SB" panose="03000509000000000000" pitchFamily="65" charset="-120"/>
+                <a:ea typeface="DFKai-SB" panose="03000509000000000000" pitchFamily="65" charset="-120"/>
+              </a:rPr>
+              <a:t>修改</a:t>
+            </a:r>
+            <a:endParaRPr lang="en-US" altLang="zh-CN" sz="3600" dirty="0" smtClean="0">
               <a:latin typeface="DFKai-SB" panose="03000509000000000000" pitchFamily="65" charset="-120"/>
               <a:ea typeface="DFKai-SB" panose="03000509000000000000" pitchFamily="65" charset="-120"/>
             </a:endParaRPr>
           </a:p>
           <a:p>
-            <a:endParaRPr lang="en-US" altLang="zh-CN" sz="4000" dirty="0">
+            <a:endParaRPr lang="en-US" altLang="zh-CN" sz="3600" dirty="0">
               <a:latin typeface="DFKai-SB" panose="03000509000000000000" pitchFamily="65" charset="-120"/>
               <a:ea typeface="DFKai-SB" panose="03000509000000000000" pitchFamily="65" charset="-120"/>
             </a:endParaRPr>
           </a:p>
           <a:p>
             <a:r>
-              <a:rPr lang="zh-TW" altLang="en-US" sz="4000" dirty="0">
+              <a:rPr lang="zh-CN" altLang="en-US" sz="3600" dirty="0" smtClean="0">
+                <a:latin typeface="DFKai-SB" panose="03000509000000000000" pitchFamily="65" charset="-120"/>
+                <a:ea typeface="DFKai-SB" panose="03000509000000000000" pitchFamily="65" charset="-120"/>
+              </a:rPr>
+              <a:t>楊少宏</a:t>
+            </a:r>
+            <a:r>
+              <a:rPr lang="zh-CN" altLang="en-US" sz="3600" dirty="0" smtClean="0">
                 <a:latin typeface="標楷體" panose="03000509000000000000" pitchFamily="65" charset="-120"/>
                 <a:ea typeface="標楷體" panose="03000509000000000000" pitchFamily="65" charset="-120"/>
               </a:rPr>
-              <a:t>張紘</a:t>
-            </a:r>
-            <a:r>
-              <a:rPr lang="zh-TW" altLang="en-US" sz="4000" dirty="0" smtClean="0">
+              <a:t>：</a:t>
+            </a:r>
+            <a:r>
+              <a:rPr lang="zh-CN" altLang="en-US" sz="3600" dirty="0" smtClean="0">
                 <a:latin typeface="標楷體" panose="03000509000000000000" pitchFamily="65" charset="-120"/>
                 <a:ea typeface="標楷體" panose="03000509000000000000" pitchFamily="65" charset="-120"/>
               </a:rPr>
-              <a:t>綸</a:t>
-            </a:r>
-            <a:r>
-              <a:rPr lang="zh-CN" altLang="en-US" sz="4000" dirty="0" smtClean="0">
+              <a:t>參與</a:t>
+            </a:r>
+            <a:r>
+              <a:rPr lang="zh-CN" altLang="en-US" sz="3600" dirty="0" smtClean="0">
                 <a:latin typeface="標楷體" panose="03000509000000000000" pitchFamily="65" charset="-120"/>
                 <a:ea typeface="標楷體" panose="03000509000000000000" pitchFamily="65" charset="-120"/>
               </a:rPr>
-              <a:t>：參與討論</a:t>
-            </a:r>
-            <a:endParaRPr lang="zh-CN" altLang="en-US" sz="4000" dirty="0">
+              <a:t>討論</a:t>
+            </a:r>
+            <a:r>
+              <a:rPr lang="zh-CN" altLang="en-US" sz="3600" dirty="0" smtClean="0">
+                <a:latin typeface="DFKai-SB" panose="03000509000000000000" pitchFamily="65" charset="-120"/>
+                <a:ea typeface="DFKai-SB" panose="03000509000000000000" pitchFamily="65" charset="-120"/>
+              </a:rPr>
+              <a:t>，</a:t>
+            </a:r>
+            <a:r>
+              <a:rPr lang="zh-TW" altLang="en-US" sz="3600" dirty="0" smtClean="0">
+                <a:latin typeface="DFKai-SB" panose="03000509000000000000" pitchFamily="65" charset="-120"/>
+                <a:ea typeface="DFKai-SB" panose="03000509000000000000" pitchFamily="65" charset="-120"/>
+              </a:rPr>
+              <a:t>編排與校對</a:t>
+            </a:r>
+            <a:endParaRPr lang="zh-CN" altLang="en-US" sz="3600" dirty="0">
               <a:latin typeface="DFKai-SB" panose="03000509000000000000" pitchFamily="65" charset="-120"/>
               <a:ea typeface="DFKai-SB" panose="03000509000000000000" pitchFamily="65" charset="-120"/>
             </a:endParaRPr>
@@ -9100,7 +12234,7 @@
           <p:cNvPr id="4" name="投影片編號版面配置區 3">
             <a:extLst>
               <a:ext uri="{FF2B5EF4-FFF2-40B4-BE49-F238E27FC236}">
-                <a16:creationId xmlns:a16="http://schemas.microsoft.com/office/drawing/2014/main" id="{11429054-DE0E-462B-B778-1EF960E7BCBA}"/>
+                <a16:creationId xmlns:a16="http://schemas.microsoft.com/office/drawing/2014/main" xmlns="" id="{11429054-DE0E-462B-B778-1EF960E7BCBA}"/>
               </a:ext>
             </a:extLst>
           </p:cNvPr>
@@ -9129,7 +12263,7 @@
           <p:cNvPr id="2" name="標題 1">
             <a:extLst>
               <a:ext uri="{FF2B5EF4-FFF2-40B4-BE49-F238E27FC236}">
-                <a16:creationId xmlns:a16="http://schemas.microsoft.com/office/drawing/2014/main" id="{77189112-DFC8-4348-B037-E88E3A1A785A}"/>
+                <a16:creationId xmlns:a16="http://schemas.microsoft.com/office/drawing/2014/main" xmlns="" id="{77189112-DFC8-4348-B037-E88E3A1A785A}"/>
               </a:ext>
             </a:extLst>
           </p:cNvPr>
@@ -9165,7 +12299,7 @@
           <p:cNvPr id="3" name="內容版面配置區 2">
             <a:extLst>
               <a:ext uri="{FF2B5EF4-FFF2-40B4-BE49-F238E27FC236}">
-                <a16:creationId xmlns:a16="http://schemas.microsoft.com/office/drawing/2014/main" id="{B0E59118-BCD3-4CD1-8FED-584826596BCE}"/>
+                <a16:creationId xmlns:a16="http://schemas.microsoft.com/office/drawing/2014/main" xmlns="" id="{B0E59118-BCD3-4CD1-8FED-584826596BCE}"/>
               </a:ext>
             </a:extLst>
           </p:cNvPr>
@@ -9416,7 +12550,7 @@
           <p:cNvPr id="6" name="投影片編號版面配置區 5">
             <a:extLst>
               <a:ext uri="{FF2B5EF4-FFF2-40B4-BE49-F238E27FC236}">
-                <a16:creationId xmlns:a16="http://schemas.microsoft.com/office/drawing/2014/main" id="{581205CC-C579-45FB-89FD-90DAC4C2FF12}"/>
+                <a16:creationId xmlns:a16="http://schemas.microsoft.com/office/drawing/2014/main" xmlns="" id="{581205CC-C579-45FB-89FD-90DAC4C2FF12}"/>
               </a:ext>
             </a:extLst>
           </p:cNvPr>
@@ -9577,7 +12711,7 @@
           <p:cNvPr id="4" name="圖片 3">
             <a:extLst>
               <a:ext uri="{FF2B5EF4-FFF2-40B4-BE49-F238E27FC236}">
-                <a16:creationId xmlns:a16="http://schemas.microsoft.com/office/drawing/2014/main" id="{162D6667-1482-4FF1-AA6C-2B13F965CB6E}"/>
+                <a16:creationId xmlns:a16="http://schemas.microsoft.com/office/drawing/2014/main" xmlns="" id="{162D6667-1482-4FF1-AA6C-2B13F965CB6E}"/>
               </a:ext>
             </a:extLst>
           </p:cNvPr>
@@ -9607,7 +12741,7 @@
           <p:cNvPr id="5" name="圖片 4">
             <a:extLst>
               <a:ext uri="{FF2B5EF4-FFF2-40B4-BE49-F238E27FC236}">
-                <a16:creationId xmlns:a16="http://schemas.microsoft.com/office/drawing/2014/main" id="{1DC96B06-94D1-4164-AE01-5B71DC325D1F}"/>
+                <a16:creationId xmlns:a16="http://schemas.microsoft.com/office/drawing/2014/main" xmlns="" id="{1DC96B06-94D1-4164-AE01-5B71DC325D1F}"/>
               </a:ext>
             </a:extLst>
           </p:cNvPr>
@@ -9937,7 +13071,7 @@
           <p:cNvPr id="6" name="投影片編號版面配置區 5">
             <a:extLst>
               <a:ext uri="{FF2B5EF4-FFF2-40B4-BE49-F238E27FC236}">
-                <a16:creationId xmlns:a16="http://schemas.microsoft.com/office/drawing/2014/main" id="{29038489-DC0A-4DD9-A12A-1D787977BA37}"/>
+                <a16:creationId xmlns:a16="http://schemas.microsoft.com/office/drawing/2014/main" xmlns="" id="{29038489-DC0A-4DD9-A12A-1D787977BA37}"/>
               </a:ext>
             </a:extLst>
           </p:cNvPr>
@@ -10114,7 +13248,7 @@
           <p:cNvPr id="6" name="投影片編號版面配置區 5">
             <a:extLst>
               <a:ext uri="{FF2B5EF4-FFF2-40B4-BE49-F238E27FC236}">
-                <a16:creationId xmlns:a16="http://schemas.microsoft.com/office/drawing/2014/main" id="{BCCA24DF-89A4-415E-8C84-4FBE6D991A83}"/>
+                <a16:creationId xmlns:a16="http://schemas.microsoft.com/office/drawing/2014/main" xmlns="" id="{BCCA24DF-89A4-415E-8C84-4FBE6D991A83}"/>
               </a:ext>
             </a:extLst>
           </p:cNvPr>
@@ -10416,7 +13550,7 @@
           <p:cNvPr id="4" name="文字方塊 3">
             <a:extLst>
               <a:ext uri="{FF2B5EF4-FFF2-40B4-BE49-F238E27FC236}">
-                <a16:creationId xmlns:a16="http://schemas.microsoft.com/office/drawing/2014/main" id="{0B076980-C083-46AB-B32F-354314936049}"/>
+                <a16:creationId xmlns:a16="http://schemas.microsoft.com/office/drawing/2014/main" xmlns="" id="{0B076980-C083-46AB-B32F-354314936049}"/>
               </a:ext>
             </a:extLst>
           </p:cNvPr>
@@ -11268,7 +14402,7 @@
           <p:cNvPr id="4" name="投影片編號版面配置區 3">
             <a:extLst>
               <a:ext uri="{FF2B5EF4-FFF2-40B4-BE49-F238E27FC236}">
-                <a16:creationId xmlns:a16="http://schemas.microsoft.com/office/drawing/2014/main" id="{55113D9E-E9BE-441B-B700-2E505BBFD752}"/>
+                <a16:creationId xmlns:a16="http://schemas.microsoft.com/office/drawing/2014/main" xmlns="" id="{55113D9E-E9BE-441B-B700-2E505BBFD752}"/>
               </a:ext>
             </a:extLst>
           </p:cNvPr>
@@ -11297,7 +14431,7 @@
           <p:cNvPr id="2" name="標題 1">
             <a:extLst>
               <a:ext uri="{FF2B5EF4-FFF2-40B4-BE49-F238E27FC236}">
-                <a16:creationId xmlns:a16="http://schemas.microsoft.com/office/drawing/2014/main" id="{61EF5E84-EAAC-4A2F-8970-E8A58F249ADC}"/>
+                <a16:creationId xmlns:a16="http://schemas.microsoft.com/office/drawing/2014/main" xmlns="" id="{61EF5E84-EAAC-4A2F-8970-E8A58F249ADC}"/>
               </a:ext>
             </a:extLst>
           </p:cNvPr>
@@ -11335,7 +14469,7 @@
           <p:cNvPr id="3" name="內容版面配置區 2">
             <a:extLst>
               <a:ext uri="{FF2B5EF4-FFF2-40B4-BE49-F238E27FC236}">
-                <a16:creationId xmlns:a16="http://schemas.microsoft.com/office/drawing/2014/main" id="{623D71F6-72F3-4506-BA43-730A188D4DC5}"/>
+                <a16:creationId xmlns:a16="http://schemas.microsoft.com/office/drawing/2014/main" xmlns="" id="{623D71F6-72F3-4506-BA43-730A188D4DC5}"/>
               </a:ext>
             </a:extLst>
           </p:cNvPr>
@@ -11389,7 +14523,7 @@
           <p:cNvPr id="5" name="橢圓 4">
             <a:extLst>
               <a:ext uri="{FF2B5EF4-FFF2-40B4-BE49-F238E27FC236}">
-                <a16:creationId xmlns:a16="http://schemas.microsoft.com/office/drawing/2014/main" id="{8CF40AC2-0B87-4ED0-83AB-3DCFD9B244AC}"/>
+                <a16:creationId xmlns:a16="http://schemas.microsoft.com/office/drawing/2014/main" xmlns="" id="{8CF40AC2-0B87-4ED0-83AB-3DCFD9B244AC}"/>
               </a:ext>
             </a:extLst>
           </p:cNvPr>
@@ -11441,7 +14575,7 @@
           <p:cNvPr id="6" name="橢圓 5">
             <a:extLst>
               <a:ext uri="{FF2B5EF4-FFF2-40B4-BE49-F238E27FC236}">
-                <a16:creationId xmlns:a16="http://schemas.microsoft.com/office/drawing/2014/main" id="{4F0BDCE8-FBE9-4D46-B63E-512A0996547F}"/>
+                <a16:creationId xmlns:a16="http://schemas.microsoft.com/office/drawing/2014/main" xmlns="" id="{4F0BDCE8-FBE9-4D46-B63E-512A0996547F}"/>
               </a:ext>
             </a:extLst>
           </p:cNvPr>
@@ -11493,7 +14627,7 @@
           <p:cNvPr id="9" name="箭號: 向下 8">
             <a:extLst>
               <a:ext uri="{FF2B5EF4-FFF2-40B4-BE49-F238E27FC236}">
-                <a16:creationId xmlns:a16="http://schemas.microsoft.com/office/drawing/2014/main" id="{B531526C-2CA5-4AE0-8C31-C072036C47D1}"/>
+                <a16:creationId xmlns:a16="http://schemas.microsoft.com/office/drawing/2014/main" xmlns="" id="{B531526C-2CA5-4AE0-8C31-C072036C47D1}"/>
               </a:ext>
             </a:extLst>
           </p:cNvPr>
@@ -11539,7 +14673,7 @@
           <p:cNvPr id="10" name="箭號: 向下 9">
             <a:extLst>
               <a:ext uri="{FF2B5EF4-FFF2-40B4-BE49-F238E27FC236}">
-                <a16:creationId xmlns:a16="http://schemas.microsoft.com/office/drawing/2014/main" id="{72521E99-BFB8-489F-8F84-9012CF03292F}"/>
+                <a16:creationId xmlns:a16="http://schemas.microsoft.com/office/drawing/2014/main" xmlns="" id="{72521E99-BFB8-489F-8F84-9012CF03292F}"/>
               </a:ext>
             </a:extLst>
           </p:cNvPr>
@@ -11881,7 +15015,7 @@
           <p:cNvPr id="4" name="投影片編號版面配置區 3">
             <a:extLst>
               <a:ext uri="{FF2B5EF4-FFF2-40B4-BE49-F238E27FC236}">
-                <a16:creationId xmlns:a16="http://schemas.microsoft.com/office/drawing/2014/main" id="{47FF9914-A1DF-47B9-A225-938F2523FB40}"/>
+                <a16:creationId xmlns:a16="http://schemas.microsoft.com/office/drawing/2014/main" xmlns="" id="{47FF9914-A1DF-47B9-A225-938F2523FB40}"/>
               </a:ext>
             </a:extLst>
           </p:cNvPr>
@@ -11910,7 +15044,7 @@
           <p:cNvPr id="2" name="標題 1">
             <a:extLst>
               <a:ext uri="{FF2B5EF4-FFF2-40B4-BE49-F238E27FC236}">
-                <a16:creationId xmlns:a16="http://schemas.microsoft.com/office/drawing/2014/main" id="{77CE4F63-C23B-4B1E-B6EE-73C7ED8B539F}"/>
+                <a16:creationId xmlns:a16="http://schemas.microsoft.com/office/drawing/2014/main" xmlns="" id="{77CE4F63-C23B-4B1E-B6EE-73C7ED8B539F}"/>
               </a:ext>
             </a:extLst>
           </p:cNvPr>
@@ -11948,7 +15082,7 @@
           <p:cNvPr id="3" name="內容版面配置區 2">
             <a:extLst>
               <a:ext uri="{FF2B5EF4-FFF2-40B4-BE49-F238E27FC236}">
-                <a16:creationId xmlns:a16="http://schemas.microsoft.com/office/drawing/2014/main" id="{3FF358B9-CB4E-4162-8707-51FBC14E07E0}"/>
+                <a16:creationId xmlns:a16="http://schemas.microsoft.com/office/drawing/2014/main" xmlns="" id="{3FF358B9-CB4E-4162-8707-51FBC14E07E0}"/>
               </a:ext>
             </a:extLst>
           </p:cNvPr>
@@ -12389,7 +15523,7 @@
           <p:nvPr>
             <p:extLst>
               <p:ext uri="{D42A27DB-BD31-4B8C-83A1-F6EECF244321}">
-                <p14:modId xmlns:p14="http://schemas.microsoft.com/office/powerpoint/2010/main" val="2492374454"/>
+                <p14:modId xmlns:p14="http://schemas.microsoft.com/office/powerpoint/2010/main" val="1809006260"/>
               </p:ext>
             </p:extLst>
           </p:nvPr>
@@ -12408,14 +15542,14 @@
                 <a:gridCol w="3096028">
                   <a:extLst>
                     <a:ext uri="{9D8B030D-6E8A-4147-A177-3AD203B41FA5}">
-                      <a16:colId xmlns:a16="http://schemas.microsoft.com/office/drawing/2014/main" val="575654118"/>
+                      <a16:colId xmlns:a16="http://schemas.microsoft.com/office/drawing/2014/main" xmlns="" val="575654118"/>
                     </a:ext>
                   </a:extLst>
                 </a:gridCol>
                 <a:gridCol w="3096028">
                   <a:extLst>
                     <a:ext uri="{9D8B030D-6E8A-4147-A177-3AD203B41FA5}">
-                      <a16:colId xmlns:a16="http://schemas.microsoft.com/office/drawing/2014/main" val="2310419058"/>
+                      <a16:colId xmlns:a16="http://schemas.microsoft.com/office/drawing/2014/main" xmlns="" val="2310419058"/>
                     </a:ext>
                   </a:extLst>
                 </a:gridCol>
@@ -12463,7 +15597,7 @@
                 </a:tc>
                 <a:extLst>
                   <a:ext uri="{0D108BD9-81ED-4DB2-BD59-A6C34878D82A}">
-                    <a16:rowId xmlns:a16="http://schemas.microsoft.com/office/drawing/2014/main" val="4229939552"/>
+                    <a16:rowId xmlns:a16="http://schemas.microsoft.com/office/drawing/2014/main" xmlns="" val="4229939552"/>
                   </a:ext>
                 </a:extLst>
               </a:tr>
@@ -12511,7 +15645,17 @@
                           <a:latin typeface="DFKai-SB" panose="03000509000000000000" pitchFamily="65" charset="-120"/>
                           <a:ea typeface="DFKai-SB" panose="03000509000000000000" pitchFamily="65" charset="-120"/>
                         </a:rPr>
-                        <a:t>客户</a:t>
+                        <a:t>客</a:t>
+                      </a:r>
+                      <a:r>
+                        <a:rPr lang="zh-TW" altLang="en-US" sz="2000" dirty="0" smtClean="0">
+                          <a:solidFill>
+                            <a:srgbClr val="FF0000"/>
+                          </a:solidFill>
+                          <a:latin typeface="DFKai-SB" panose="03000509000000000000" pitchFamily="65" charset="-120"/>
+                          <a:ea typeface="DFKai-SB" panose="03000509000000000000" pitchFamily="65" charset="-120"/>
+                        </a:rPr>
+                        <a:t>戶</a:t>
                       </a:r>
                       <a:r>
                         <a:rPr lang="zh-CN" altLang="en-US" sz="2000" dirty="0" smtClean="0">
@@ -12524,7 +15668,7 @@
                           <a:latin typeface="DFKai-SB" panose="03000509000000000000" pitchFamily="65" charset="-120"/>
                           <a:ea typeface="DFKai-SB" panose="03000509000000000000" pitchFamily="65" charset="-120"/>
                         </a:rPr>
-                        <a:t>騎上車後，插入鑰匙點火後</a:t>
+                        <a:t>騎</a:t>
                       </a:r>
                       <a:r>
                         <a:rPr lang="zh-CN" altLang="en-US" sz="2000" dirty="0" smtClean="0">
@@ -12537,7 +15681,7 @@
                           <a:latin typeface="DFKai-SB" panose="03000509000000000000" pitchFamily="65" charset="-120"/>
                           <a:ea typeface="DFKai-SB" panose="03000509000000000000" pitchFamily="65" charset="-120"/>
                         </a:rPr>
-                        <a:t>，即可</a:t>
+                        <a:t>上車後，插入鑰匙點火後，即可</a:t>
                       </a:r>
                       <a:r>
                         <a:rPr lang="zh-CN" altLang="en-US" sz="2000" dirty="0" smtClean="0">
@@ -12644,7 +15788,7 @@
                 </a:tc>
                 <a:extLst>
                   <a:ext uri="{0D108BD9-81ED-4DB2-BD59-A6C34878D82A}">
-                    <a16:rowId xmlns:a16="http://schemas.microsoft.com/office/drawing/2014/main" val="118071968"/>
+                    <a16:rowId xmlns:a16="http://schemas.microsoft.com/office/drawing/2014/main" xmlns="" val="118071968"/>
                   </a:ext>
                 </a:extLst>
               </a:tr>
@@ -12682,20 +15826,7 @@
                           <a:latin typeface="DFKai-SB" panose="03000509000000000000" pitchFamily="65" charset="-120"/>
                           <a:ea typeface="DFKai-SB" panose="03000509000000000000" pitchFamily="65" charset="-120"/>
                         </a:rPr>
-                        <a:t>2</a:t>
-                      </a:r>
-                      <a:r>
-                        <a:rPr lang="en-US" altLang="zh-CN" sz="2000" dirty="0" smtClean="0">
-                          <a:solidFill>
-                            <a:prstClr val="black">
-                              <a:lumMod val="85000"/>
-                              <a:lumOff val="15000"/>
-                            </a:prstClr>
-                          </a:solidFill>
-                          <a:latin typeface="DFKai-SB" panose="03000509000000000000" pitchFamily="65" charset="-120"/>
-                          <a:ea typeface="DFKai-SB" panose="03000509000000000000" pitchFamily="65" charset="-120"/>
-                        </a:rPr>
-                        <a:t>.</a:t>
+                        <a:t>2.</a:t>
                       </a:r>
                       <a:r>
                         <a:rPr lang="zh-CN" altLang="en-US" sz="2000" dirty="0" smtClean="0">
@@ -12919,7 +16050,7 @@
                 </a:tc>
                 <a:extLst>
                   <a:ext uri="{0D108BD9-81ED-4DB2-BD59-A6C34878D82A}">
-                    <a16:rowId xmlns:a16="http://schemas.microsoft.com/office/drawing/2014/main" val="3665926703"/>
+                    <a16:rowId xmlns:a16="http://schemas.microsoft.com/office/drawing/2014/main" xmlns="" val="3665926703"/>
                   </a:ext>
                 </a:extLst>
               </a:tr>
@@ -12970,7 +16101,46 @@
                           <a:latin typeface="DFKai-SB" panose="03000509000000000000" pitchFamily="65" charset="-120"/>
                           <a:ea typeface="DFKai-SB" panose="03000509000000000000" pitchFamily="65" charset="-120"/>
                         </a:rPr>
-                        <a:t>客户騎車時，若車身過於傾斜，與</a:t>
+                        <a:t>客</a:t>
+                      </a:r>
+                      <a:r>
+                        <a:rPr lang="zh-TW" altLang="en-US" sz="2000" dirty="0" smtClean="0">
+                          <a:solidFill>
+                            <a:prstClr val="black">
+                              <a:lumMod val="85000"/>
+                              <a:lumOff val="15000"/>
+                            </a:prstClr>
+                          </a:solidFill>
+                          <a:latin typeface="DFKai-SB" panose="03000509000000000000" pitchFamily="65" charset="-120"/>
+                          <a:ea typeface="DFKai-SB" panose="03000509000000000000" pitchFamily="65" charset="-120"/>
+                        </a:rPr>
+                        <a:t>戶</a:t>
+                      </a:r>
+                      <a:r>
+                        <a:rPr lang="zh-CN" altLang="en-US" sz="2000" dirty="0" smtClean="0">
+                          <a:solidFill>
+                            <a:prstClr val="black">
+                              <a:lumMod val="85000"/>
+                              <a:lumOff val="15000"/>
+                            </a:prstClr>
+                          </a:solidFill>
+                          <a:latin typeface="DFKai-SB" panose="03000509000000000000" pitchFamily="65" charset="-120"/>
+                          <a:ea typeface="DFKai-SB" panose="03000509000000000000" pitchFamily="65" charset="-120"/>
+                        </a:rPr>
+                        <a:t>騎車</a:t>
+                      </a:r>
+                      <a:r>
+                        <a:rPr lang="zh-CN" altLang="en-US" sz="2000" dirty="0" smtClean="0">
+                          <a:solidFill>
+                            <a:prstClr val="black">
+                              <a:lumMod val="85000"/>
+                              <a:lumOff val="15000"/>
+                            </a:prstClr>
+                          </a:solidFill>
+                          <a:latin typeface="DFKai-SB" panose="03000509000000000000" pitchFamily="65" charset="-120"/>
+                          <a:ea typeface="DFKai-SB" panose="03000509000000000000" pitchFamily="65" charset="-120"/>
+                        </a:rPr>
+                        <a:t>時，若車身過於傾斜，與</a:t>
                       </a:r>
                       <a:r>
                         <a:rPr lang="zh-CN" altLang="en-US" sz="2000" dirty="0" smtClean="0">
@@ -13140,7 +16310,7 @@
                 </a:tc>
                 <a:extLst>
                   <a:ext uri="{0D108BD9-81ED-4DB2-BD59-A6C34878D82A}">
-                    <a16:rowId xmlns:a16="http://schemas.microsoft.com/office/drawing/2014/main" val="3964174122"/>
+                    <a16:rowId xmlns:a16="http://schemas.microsoft.com/office/drawing/2014/main" xmlns="" val="3964174122"/>
                   </a:ext>
                 </a:extLst>
               </a:tr>
@@ -13217,7 +16387,7 @@
           <p:nvPr>
             <p:extLst>
               <p:ext uri="{D42A27DB-BD31-4B8C-83A1-F6EECF244321}">
-                <p14:modId xmlns:p14="http://schemas.microsoft.com/office/powerpoint/2010/main" val="2615378414"/>
+                <p14:modId xmlns:p14="http://schemas.microsoft.com/office/powerpoint/2010/main" val="655084774"/>
               </p:ext>
             </p:extLst>
           </p:nvPr>
@@ -13236,14 +16406,14 @@
                 <a:gridCol w="3096028">
                   <a:extLst>
                     <a:ext uri="{9D8B030D-6E8A-4147-A177-3AD203B41FA5}">
-                      <a16:colId xmlns:a16="http://schemas.microsoft.com/office/drawing/2014/main" val="575654118"/>
+                      <a16:colId xmlns:a16="http://schemas.microsoft.com/office/drawing/2014/main" xmlns="" val="575654118"/>
                     </a:ext>
                   </a:extLst>
                 </a:gridCol>
                 <a:gridCol w="3096028">
                   <a:extLst>
                     <a:ext uri="{9D8B030D-6E8A-4147-A177-3AD203B41FA5}">
-                      <a16:colId xmlns:a16="http://schemas.microsoft.com/office/drawing/2014/main" val="2310419058"/>
+                      <a16:colId xmlns:a16="http://schemas.microsoft.com/office/drawing/2014/main" xmlns="" val="2310419058"/>
                     </a:ext>
                   </a:extLst>
                 </a:gridCol>
@@ -13291,7 +16461,7 @@
                 </a:tc>
                 <a:extLst>
                   <a:ext uri="{0D108BD9-81ED-4DB2-BD59-A6C34878D82A}">
-                    <a16:rowId xmlns:a16="http://schemas.microsoft.com/office/drawing/2014/main" val="4229939552"/>
+                    <a16:rowId xmlns:a16="http://schemas.microsoft.com/office/drawing/2014/main" xmlns="" val="4229939552"/>
                   </a:ext>
                 </a:extLst>
               </a:tr>
@@ -13496,7 +16666,7 @@
                 </a:tc>
                 <a:extLst>
                   <a:ext uri="{0D108BD9-81ED-4DB2-BD59-A6C34878D82A}">
-                    <a16:rowId xmlns:a16="http://schemas.microsoft.com/office/drawing/2014/main" val="118071968"/>
+                    <a16:rowId xmlns:a16="http://schemas.microsoft.com/office/drawing/2014/main" xmlns="" val="118071968"/>
                   </a:ext>
                 </a:extLst>
               </a:tr>
@@ -13589,7 +16759,41 @@
                           <a:ea typeface="DFKai-SB" panose="03000509000000000000" pitchFamily="65" charset="-120"/>
                           <a:cs typeface="+mn-cs"/>
                         </a:rPr>
-                        <a:t>將此數據記錄並傳輸會手機上製作的對應的</a:t>
+                        <a:t>將此數據記錄並</a:t>
+                      </a:r>
+                      <a:r>
+                        <a:rPr kumimoji="0" lang="zh-TW" altLang="en-US" sz="2000" b="0" i="0" u="none" strike="noStrike" kern="1200" cap="none" spc="0" normalizeH="0" baseline="0" noProof="0" dirty="0" smtClean="0">
+                          <a:ln>
+                            <a:noFill/>
+                          </a:ln>
+                          <a:solidFill>
+                            <a:prstClr val="black"/>
+                          </a:solidFill>
+                          <a:effectLst/>
+                          <a:uLnTx/>
+                          <a:uFillTx/>
+                          <a:latin typeface="DFKai-SB" panose="03000509000000000000" pitchFamily="65" charset="-120"/>
+                          <a:ea typeface="DFKai-SB" panose="03000509000000000000" pitchFamily="65" charset="-120"/>
+                          <a:cs typeface="+mn-cs"/>
+                        </a:rPr>
+                        <a:t>傳輸回手機</a:t>
+                      </a:r>
+                      <a:r>
+                        <a:rPr kumimoji="0" lang="zh-TW" altLang="en-US" sz="2000" b="0" i="0" u="none" strike="noStrike" kern="1200" cap="none" spc="0" normalizeH="0" baseline="0" noProof="0" dirty="0" smtClean="0">
+                          <a:ln>
+                            <a:noFill/>
+                          </a:ln>
+                          <a:solidFill>
+                            <a:prstClr val="black"/>
+                          </a:solidFill>
+                          <a:effectLst/>
+                          <a:uLnTx/>
+                          <a:uFillTx/>
+                          <a:latin typeface="DFKai-SB" panose="03000509000000000000" pitchFamily="65" charset="-120"/>
+                          <a:ea typeface="DFKai-SB" panose="03000509000000000000" pitchFamily="65" charset="-120"/>
+                          <a:cs typeface="+mn-cs"/>
+                        </a:rPr>
+                        <a:t>上製作的對應的</a:t>
                       </a:r>
                       <a:r>
                         <a:rPr kumimoji="0" lang="en-US" altLang="zh-TW" sz="2000" b="0" i="0" u="none" strike="noStrike" kern="1200" cap="none" spc="0" normalizeH="0" baseline="0" noProof="0" dirty="0" smtClean="0">
@@ -13834,7 +17038,7 @@
                 </a:tc>
                 <a:extLst>
                   <a:ext uri="{0D108BD9-81ED-4DB2-BD59-A6C34878D82A}">
-                    <a16:rowId xmlns:a16="http://schemas.microsoft.com/office/drawing/2014/main" val="3665926703"/>
+                    <a16:rowId xmlns:a16="http://schemas.microsoft.com/office/drawing/2014/main" xmlns="" val="3665926703"/>
                   </a:ext>
                 </a:extLst>
               </a:tr>
@@ -14080,7 +17284,7 @@
                 </a:tc>
                 <a:extLst>
                   <a:ext uri="{0D108BD9-81ED-4DB2-BD59-A6C34878D82A}">
-                    <a16:rowId xmlns:a16="http://schemas.microsoft.com/office/drawing/2014/main" val="676670088"/>
+                    <a16:rowId xmlns:a16="http://schemas.microsoft.com/office/drawing/2014/main" xmlns="" val="676670088"/>
                   </a:ext>
                 </a:extLst>
               </a:tr>
@@ -14328,7 +17532,7 @@
   <a:extraClrSchemeLst/>
   <a:extLst>
     <a:ext uri="{05A4C25C-085E-4340-85A3-A5531E510DB2}">
-      <thm15:themeFamily xmlns:thm15="http://schemas.microsoft.com/office/thememl/2012/main" name="Organic" id="{28CDC826-8792-45C0-861B-85EB3ADEDA33}" vid="{7DAC20F1-423D-49E2-BD0B-50532748BAD0}"/>
+      <thm15:themeFamily xmlns:thm15="http://schemas.microsoft.com/office/thememl/2012/main" xmlns="" name="Organic" id="{28CDC826-8792-45C0-861B-85EB3ADEDA33}" vid="{7DAC20F1-423D-49E2-BD0B-50532748BAD0}"/>
     </a:ext>
   </a:extLst>
 </a:theme>
@@ -14623,7 +17827,7 @@
   <a:extraClrSchemeLst/>
   <a:extLst>
     <a:ext uri="{05A4C25C-085E-4340-85A3-A5531E510DB2}">
-      <thm15:themeFamily xmlns:thm15="http://schemas.microsoft.com/office/thememl/2012/main" name="Office Theme" id="{62F939B6-93AF-4DB8-9C6B-D6C7DFDC589F}" vid="{4A3C46E8-61CC-4603-A589-7422A47A8E4A}"/>
+      <thm15:themeFamily xmlns:thm15="http://schemas.microsoft.com/office/thememl/2012/main" xmlns="" name="Office Theme" id="{62F939B6-93AF-4DB8-9C6B-D6C7DFDC589F}" vid="{4A3C46E8-61CC-4603-A589-7422A47A8E4A}"/>
     </a:ext>
   </a:extLst>
 </a:theme>
@@ -14918,7 +18122,7 @@
   <a:extraClrSchemeLst/>
   <a:extLst>
     <a:ext uri="{05A4C25C-085E-4340-85A3-A5531E510DB2}">
-      <thm15:themeFamily xmlns:thm15="http://schemas.microsoft.com/office/thememl/2012/main" name="Office Theme" id="{62F939B6-93AF-4DB8-9C6B-D6C7DFDC589F}" vid="{4A3C46E8-61CC-4603-A589-7422A47A8E4A}"/>
+      <thm15:themeFamily xmlns:thm15="http://schemas.microsoft.com/office/thememl/2012/main" xmlns="" name="Office Theme" id="{62F939B6-93AF-4DB8-9C6B-D6C7DFDC589F}" vid="{4A3C46E8-61CC-4603-A589-7422A47A8E4A}"/>
     </a:ext>
   </a:extLst>
 </a:theme>

--- a/陀螺儀機車警示裝置.pptx
+++ b/陀螺儀機車警示裝置.pptx
@@ -149,7 +149,7 @@
       </p14:sectionLst>
     </p:ext>
     <p:ext uri="{EFAFB233-063F-42B5-8137-9DF3F51BA10A}">
-      <p15:sldGuideLst xmlns:p15="http://schemas.microsoft.com/office/powerpoint/2012/main" xmlns=""/>
+      <p15:sldGuideLst xmlns="" xmlns:p15="http://schemas.microsoft.com/office/powerpoint/2012/main"/>
     </p:ext>
   </p:extLst>
 </p:presentation>
@@ -182,7 +182,7 @@
           <p:cNvPr id="2" name="頁首版面配置區 1">
             <a:extLst>
               <a:ext uri="{FF2B5EF4-FFF2-40B4-BE49-F238E27FC236}">
-                <a16:creationId xmlns:a16="http://schemas.microsoft.com/office/drawing/2014/main" xmlns="" id="{AA38802E-E899-4B8C-9D29-534891F553C3}"/>
+                <a16:creationId xmlns="" xmlns:a16="http://schemas.microsoft.com/office/drawing/2014/main" id="{AA38802E-E899-4B8C-9D29-534891F553C3}"/>
               </a:ext>
             </a:extLst>
           </p:cNvPr>
@@ -219,7 +219,7 @@
           <p:cNvPr id="3" name="日期版面配置區 2">
             <a:extLst>
               <a:ext uri="{FF2B5EF4-FFF2-40B4-BE49-F238E27FC236}">
-                <a16:creationId xmlns:a16="http://schemas.microsoft.com/office/drawing/2014/main" xmlns="" id="{562E5815-D511-4A6F-926E-A82130B2A48A}"/>
+                <a16:creationId xmlns="" xmlns:a16="http://schemas.microsoft.com/office/drawing/2014/main" id="{562E5815-D511-4A6F-926E-A82130B2A48A}"/>
               </a:ext>
             </a:extLst>
           </p:cNvPr>
@@ -249,7 +249,7 @@
           <a:p>
             <a:fld id="{E2B5BFD9-D73B-447F-9BCD-C0207DB43A77}" type="datetimeFigureOut">
               <a:rPr lang="zh-TW" altLang="en-US" smtClean="0"/>
-              <a:t>2019/12/17</a:t>
+              <a:t>2019/12/18</a:t>
             </a:fld>
             <a:endParaRPr lang="zh-TW" altLang="en-US"/>
           </a:p>
@@ -260,7 +260,7 @@
           <p:cNvPr id="4" name="頁尾版面配置區 3">
             <a:extLst>
               <a:ext uri="{FF2B5EF4-FFF2-40B4-BE49-F238E27FC236}">
-                <a16:creationId xmlns:a16="http://schemas.microsoft.com/office/drawing/2014/main" xmlns="" id="{AAE06DD3-D1BC-4879-B192-4D3FDA61B496}"/>
+                <a16:creationId xmlns="" xmlns:a16="http://schemas.microsoft.com/office/drawing/2014/main" id="{AAE06DD3-D1BC-4879-B192-4D3FDA61B496}"/>
               </a:ext>
             </a:extLst>
           </p:cNvPr>
@@ -297,7 +297,7 @@
           <p:cNvPr id="5" name="投影片編號版面配置區 4">
             <a:extLst>
               <a:ext uri="{FF2B5EF4-FFF2-40B4-BE49-F238E27FC236}">
-                <a16:creationId xmlns:a16="http://schemas.microsoft.com/office/drawing/2014/main" xmlns="" id="{548A9999-384B-4FE0-A788-1E6472925309}"/>
+                <a16:creationId xmlns="" xmlns:a16="http://schemas.microsoft.com/office/drawing/2014/main" id="{548A9999-384B-4FE0-A788-1E6472925309}"/>
               </a:ext>
             </a:extLst>
           </p:cNvPr>
@@ -427,7 +427,7 @@
           <a:p>
             <a:fld id="{82BAB6B1-4BCB-46A3-9625-DCABA2E4A7B8}" type="datetimeFigureOut">
               <a:rPr lang="zh-TW" altLang="en-US" smtClean="0"/>
-              <a:t>2019/12/17</a:t>
+              <a:t>2019/12/18</a:t>
             </a:fld>
             <a:endParaRPr lang="zh-TW" altLang="en-US"/>
           </a:p>
@@ -1603,7 +1603,7 @@
           <a:p>
             <a:fld id="{CBDB6F48-3AD2-4A91-BB7F-D1A63C1EE5CE}" type="datetime1">
               <a:rPr lang="zh-TW" altLang="en-US" smtClean="0"/>
-              <a:t>2019/12/17</a:t>
+              <a:t>2019/12/18</a:t>
             </a:fld>
             <a:endParaRPr lang="zh-TW" altLang="en-US"/>
           </a:p>
@@ -1927,7 +1927,7 @@
           <a:p>
             <a:fld id="{480BD83A-BF40-4508-AEFE-6F568306C8F9}" type="datetime1">
               <a:rPr lang="zh-TW" altLang="en-US" smtClean="0"/>
-              <a:t>2019/12/17</a:t>
+              <a:t>2019/12/18</a:t>
             </a:fld>
             <a:endParaRPr lang="zh-TW" altLang="en-US"/>
           </a:p>
@@ -2176,7 +2176,7 @@
           <a:p>
             <a:fld id="{480BD83A-BF40-4508-AEFE-6F568306C8F9}" type="datetime1">
               <a:rPr lang="zh-TW" altLang="en-US" smtClean="0"/>
-              <a:t>2019/12/17</a:t>
+              <a:t>2019/12/18</a:t>
             </a:fld>
             <a:endParaRPr lang="zh-TW" altLang="en-US"/>
           </a:p>
@@ -2516,7 +2516,7 @@
           <a:p>
             <a:fld id="{480BD83A-BF40-4508-AEFE-6F568306C8F9}" type="datetime1">
               <a:rPr lang="zh-TW" altLang="en-US" smtClean="0"/>
-              <a:t>2019/12/17</a:t>
+              <a:t>2019/12/18</a:t>
             </a:fld>
             <a:endParaRPr lang="zh-TW" altLang="en-US"/>
           </a:p>
@@ -2864,7 +2864,7 @@
           <a:p>
             <a:fld id="{480BD83A-BF40-4508-AEFE-6F568306C8F9}" type="datetime1">
               <a:rPr lang="zh-TW" altLang="en-US" smtClean="0"/>
-              <a:t>2019/12/17</a:t>
+              <a:t>2019/12/18</a:t>
             </a:fld>
             <a:endParaRPr lang="zh-TW" altLang="en-US"/>
           </a:p>
@@ -3239,7 +3239,7 @@
           <a:p>
             <a:fld id="{480BD83A-BF40-4508-AEFE-6F568306C8F9}" type="datetime1">
               <a:rPr lang="zh-TW" altLang="en-US" smtClean="0"/>
-              <a:t>2019/12/17</a:t>
+              <a:t>2019/12/18</a:t>
             </a:fld>
             <a:endParaRPr lang="zh-TW" altLang="en-US"/>
           </a:p>
@@ -3710,7 +3710,7 @@
           <a:p>
             <a:fld id="{480BD83A-BF40-4508-AEFE-6F568306C8F9}" type="datetime1">
               <a:rPr lang="zh-TW" altLang="en-US" smtClean="0"/>
-              <a:t>2019/12/17</a:t>
+              <a:t>2019/12/18</a:t>
             </a:fld>
             <a:endParaRPr lang="zh-TW" altLang="en-US"/>
           </a:p>
@@ -3921,7 +3921,7 @@
           <a:p>
             <a:fld id="{195BD005-53AC-4394-B71F-C4B919CDCF86}" type="datetime1">
               <a:rPr lang="zh-TW" altLang="en-US" smtClean="0"/>
-              <a:t>2019/12/17</a:t>
+              <a:t>2019/12/18</a:t>
             </a:fld>
             <a:endParaRPr lang="zh-TW" altLang="en-US"/>
           </a:p>
@@ -4132,7 +4132,7 @@
           <a:p>
             <a:fld id="{092B0765-CC79-40FF-884C-D260AFB75E48}" type="datetime1">
               <a:rPr lang="zh-TW" altLang="en-US" smtClean="0"/>
-              <a:t>2019/12/17</a:t>
+              <a:t>2019/12/18</a:t>
             </a:fld>
             <a:endParaRPr lang="zh-TW" altLang="en-US"/>
           </a:p>
@@ -4364,7 +4364,7 @@
           <a:p>
             <a:fld id="{480BD83A-BF40-4508-AEFE-6F568306C8F9}" type="datetime1">
               <a:rPr lang="zh-TW" altLang="en-US" smtClean="0"/>
-              <a:t>2019/12/17</a:t>
+              <a:t>2019/12/18</a:t>
             </a:fld>
             <a:endParaRPr lang="zh-TW" altLang="en-US"/>
           </a:p>
@@ -4613,7 +4613,7 @@
           <a:p>
             <a:fld id="{CAD632E9-50C3-4720-95C2-E5D9C5F3029C}" type="datetime1">
               <a:rPr lang="zh-TW" altLang="en-US" smtClean="0"/>
-              <a:t>2019/12/17</a:t>
+              <a:t>2019/12/18</a:t>
             </a:fld>
             <a:endParaRPr lang="zh-TW" altLang="en-US"/>
           </a:p>
@@ -4916,7 +4916,7 @@
           <a:p>
             <a:fld id="{480BD83A-BF40-4508-AEFE-6F568306C8F9}" type="datetime1">
               <a:rPr lang="zh-TW" altLang="en-US" smtClean="0"/>
-              <a:t>2019/12/17</a:t>
+              <a:t>2019/12/18</a:t>
             </a:fld>
             <a:endParaRPr lang="zh-TW" altLang="en-US"/>
           </a:p>
@@ -5299,7 +5299,7 @@
           <a:p>
             <a:fld id="{480BD83A-BF40-4508-AEFE-6F568306C8F9}" type="datetime1">
               <a:rPr lang="zh-TW" altLang="en-US" smtClean="0"/>
-              <a:t>2019/12/17</a:t>
+              <a:t>2019/12/18</a:t>
             </a:fld>
             <a:endParaRPr lang="zh-TW" altLang="en-US"/>
           </a:p>
@@ -5454,7 +5454,7 @@
           <a:p>
             <a:fld id="{045F9A61-DB8F-4059-A726-2D002345691A}" type="datetime1">
               <a:rPr lang="zh-TW" altLang="en-US" smtClean="0"/>
-              <a:t>2019/12/17</a:t>
+              <a:t>2019/12/18</a:t>
             </a:fld>
             <a:endParaRPr lang="zh-TW" altLang="en-US"/>
           </a:p>
@@ -5580,7 +5580,7 @@
           <a:p>
             <a:fld id="{520C3B2F-95E3-47E5-AB3B-A687A62FF84E}" type="datetime1">
               <a:rPr lang="zh-TW" altLang="en-US" smtClean="0"/>
-              <a:t>2019/12/17</a:t>
+              <a:t>2019/12/18</a:t>
             </a:fld>
             <a:endParaRPr lang="zh-TW" altLang="en-US"/>
           </a:p>
@@ -5835,7 +5835,7 @@
           <a:p>
             <a:fld id="{480BD83A-BF40-4508-AEFE-6F568306C8F9}" type="datetime1">
               <a:rPr lang="zh-TW" altLang="en-US" smtClean="0"/>
-              <a:t>2019/12/17</a:t>
+              <a:t>2019/12/18</a:t>
             </a:fld>
             <a:endParaRPr lang="zh-TW" altLang="en-US"/>
           </a:p>
@@ -6150,7 +6150,7 @@
           <a:p>
             <a:fld id="{480BD83A-BF40-4508-AEFE-6F568306C8F9}" type="datetime1">
               <a:rPr lang="zh-TW" altLang="en-US" smtClean="0"/>
-              <a:t>2019/12/17</a:t>
+              <a:t>2019/12/18</a:t>
             </a:fld>
             <a:endParaRPr lang="zh-TW" altLang="en-US"/>
           </a:p>
@@ -6502,7 +6502,7 @@
           <a:p>
             <a:fld id="{480BD83A-BF40-4508-AEFE-6F568306C8F9}" type="datetime1">
               <a:rPr lang="zh-TW" altLang="en-US" smtClean="0"/>
-              <a:t>2019/12/17</a:t>
+              <a:t>2019/12/18</a:t>
             </a:fld>
             <a:endParaRPr lang="zh-TW" altLang="en-US"/>
           </a:p>
@@ -7171,7 +7171,7 @@
           <p:cNvPr id="6" name="投影片編號版面配置區 5">
             <a:extLst>
               <a:ext uri="{FF2B5EF4-FFF2-40B4-BE49-F238E27FC236}">
-                <a16:creationId xmlns:a16="http://schemas.microsoft.com/office/drawing/2014/main" xmlns="" id="{CB6DA167-070D-4E3D-A6F1-F9779FDCE419}"/>
+                <a16:creationId xmlns="" xmlns:a16="http://schemas.microsoft.com/office/drawing/2014/main" id="{CB6DA167-070D-4E3D-A6F1-F9779FDCE419}"/>
               </a:ext>
             </a:extLst>
           </p:cNvPr>
@@ -7283,14 +7283,14 @@
                 <a:gridCol w="3102045">
                   <a:extLst>
                     <a:ext uri="{9D8B030D-6E8A-4147-A177-3AD203B41FA5}">
-                      <a16:colId xmlns:a16="http://schemas.microsoft.com/office/drawing/2014/main" xmlns="" val="575654118"/>
+                      <a16:colId xmlns="" xmlns:a16="http://schemas.microsoft.com/office/drawing/2014/main" val="575654118"/>
                     </a:ext>
                   </a:extLst>
                 </a:gridCol>
                 <a:gridCol w="3102045">
                   <a:extLst>
                     <a:ext uri="{9D8B030D-6E8A-4147-A177-3AD203B41FA5}">
-                      <a16:colId xmlns:a16="http://schemas.microsoft.com/office/drawing/2014/main" xmlns="" val="2310419058"/>
+                      <a16:colId xmlns="" xmlns:a16="http://schemas.microsoft.com/office/drawing/2014/main" val="2310419058"/>
                     </a:ext>
                   </a:extLst>
                 </a:gridCol>
@@ -7338,7 +7338,7 @@
                 </a:tc>
                 <a:extLst>
                   <a:ext uri="{0D108BD9-81ED-4DB2-BD59-A6C34878D82A}">
-                    <a16:rowId xmlns:a16="http://schemas.microsoft.com/office/drawing/2014/main" xmlns="" val="4229939552"/>
+                    <a16:rowId xmlns="" xmlns:a16="http://schemas.microsoft.com/office/drawing/2014/main" val="4229939552"/>
                   </a:ext>
                 </a:extLst>
               </a:tr>
@@ -7534,7 +7534,7 @@
                 </a:tc>
                 <a:extLst>
                   <a:ext uri="{0D108BD9-81ED-4DB2-BD59-A6C34878D82A}">
-                    <a16:rowId xmlns:a16="http://schemas.microsoft.com/office/drawing/2014/main" xmlns="" val="118071968"/>
+                    <a16:rowId xmlns="" xmlns:a16="http://schemas.microsoft.com/office/drawing/2014/main" val="118071968"/>
                   </a:ext>
                 </a:extLst>
               </a:tr>
@@ -7741,7 +7741,7 @@
                 </a:tc>
                 <a:extLst>
                   <a:ext uri="{0D108BD9-81ED-4DB2-BD59-A6C34878D82A}">
-                    <a16:rowId xmlns:a16="http://schemas.microsoft.com/office/drawing/2014/main" xmlns="" val="3665926703"/>
+                    <a16:rowId xmlns="" xmlns:a16="http://schemas.microsoft.com/office/drawing/2014/main" val="3665926703"/>
                   </a:ext>
                 </a:extLst>
               </a:tr>
@@ -7970,7 +7970,7 @@
                 </a:tc>
                 <a:extLst>
                   <a:ext uri="{0D108BD9-81ED-4DB2-BD59-A6C34878D82A}">
-                    <a16:rowId xmlns:a16="http://schemas.microsoft.com/office/drawing/2014/main" xmlns="" val="278133102"/>
+                    <a16:rowId xmlns="" xmlns:a16="http://schemas.microsoft.com/office/drawing/2014/main" val="278133102"/>
                   </a:ext>
                 </a:extLst>
               </a:tr>
@@ -7988,6 +7988,13 @@
   <p:clrMapOvr>
     <a:masterClrMapping/>
   </p:clrMapOvr>
+  <p:timing>
+    <p:tnLst>
+      <p:par>
+        <p:cTn id="1" dur="indefinite" restart="never" nodeType="tmRoot"/>
+      </p:par>
+    </p:tnLst>
+  </p:timing>
 </p:sld>
 </file>
 
@@ -8059,14 +8066,14 @@
                 <a:gridCol w="3095517">
                   <a:extLst>
                     <a:ext uri="{9D8B030D-6E8A-4147-A177-3AD203B41FA5}">
-                      <a16:colId xmlns:a16="http://schemas.microsoft.com/office/drawing/2014/main" xmlns="" val="1520391550"/>
+                      <a16:colId xmlns="" xmlns:a16="http://schemas.microsoft.com/office/drawing/2014/main" val="1520391550"/>
                     </a:ext>
                   </a:extLst>
                 </a:gridCol>
                 <a:gridCol w="3095517">
                   <a:extLst>
                     <a:ext uri="{9D8B030D-6E8A-4147-A177-3AD203B41FA5}">
-                      <a16:colId xmlns:a16="http://schemas.microsoft.com/office/drawing/2014/main" xmlns="" val="2972984696"/>
+                      <a16:colId xmlns="" xmlns:a16="http://schemas.microsoft.com/office/drawing/2014/main" val="2972984696"/>
                     </a:ext>
                   </a:extLst>
                 </a:gridCol>
@@ -8160,7 +8167,7 @@
                 </a:tc>
                 <a:extLst>
                   <a:ext uri="{0D108BD9-81ED-4DB2-BD59-A6C34878D82A}">
-                    <a16:rowId xmlns:a16="http://schemas.microsoft.com/office/drawing/2014/main" xmlns="" val="858674899"/>
+                    <a16:rowId xmlns="" xmlns:a16="http://schemas.microsoft.com/office/drawing/2014/main" val="858674899"/>
                   </a:ext>
                 </a:extLst>
               </a:tr>
@@ -8383,7 +8390,7 @@
                 </a:tc>
                 <a:extLst>
                   <a:ext uri="{0D108BD9-81ED-4DB2-BD59-A6C34878D82A}">
-                    <a16:rowId xmlns:a16="http://schemas.microsoft.com/office/drawing/2014/main" xmlns="" val="4153081077"/>
+                    <a16:rowId xmlns="" xmlns:a16="http://schemas.microsoft.com/office/drawing/2014/main" val="4153081077"/>
                   </a:ext>
                 </a:extLst>
               </a:tr>
@@ -8631,7 +8638,7 @@
                 </a:tc>
                 <a:extLst>
                   <a:ext uri="{0D108BD9-81ED-4DB2-BD59-A6C34878D82A}">
-                    <a16:rowId xmlns:a16="http://schemas.microsoft.com/office/drawing/2014/main" xmlns="" val="3547304475"/>
+                    <a16:rowId xmlns="" xmlns:a16="http://schemas.microsoft.com/office/drawing/2014/main" val="3547304475"/>
                   </a:ext>
                 </a:extLst>
               </a:tr>
@@ -8743,17 +8750,7 @@
                           <a:latin typeface="DFKai-SB" panose="03000509000000000000" pitchFamily="65" charset="-120"/>
                           <a:ea typeface="DFKai-SB" panose="03000509000000000000" pitchFamily="65" charset="-120"/>
                         </a:rPr>
-                        <a:t>蜂鳴器</a:t>
-                      </a:r>
-                      <a:r>
-                        <a:rPr lang="zh-TW" altLang="en-US" sz="2000" dirty="0" smtClean="0">
-                          <a:solidFill>
-                            <a:schemeClr val="tx1"/>
-                          </a:solidFill>
-                          <a:latin typeface="DFKai-SB" panose="03000509000000000000" pitchFamily="65" charset="-120"/>
-                          <a:ea typeface="DFKai-SB" panose="03000509000000000000" pitchFamily="65" charset="-120"/>
-                        </a:rPr>
-                        <a:t>則不會響起，改用語音播報訊息進行</a:t>
+                        <a:t>蜂鳴器則不會響起，改用語音播報訊息進行</a:t>
                       </a:r>
                       <a:r>
                         <a:rPr lang="zh-TW" altLang="en-US" sz="2000" dirty="0" smtClean="0">
@@ -8874,7 +8871,7 @@
                 </a:tc>
                 <a:extLst>
                   <a:ext uri="{0D108BD9-81ED-4DB2-BD59-A6C34878D82A}">
-                    <a16:rowId xmlns:a16="http://schemas.microsoft.com/office/drawing/2014/main" xmlns="" val="2548367599"/>
+                    <a16:rowId xmlns="" xmlns:a16="http://schemas.microsoft.com/office/drawing/2014/main" val="2548367599"/>
                   </a:ext>
                 </a:extLst>
               </a:tr>
@@ -8892,6 +8889,13 @@
   <p:clrMapOvr>
     <a:masterClrMapping/>
   </p:clrMapOvr>
+  <p:timing>
+    <p:tnLst>
+      <p:par>
+        <p:cTn id="1" dur="indefinite" restart="never" nodeType="tmRoot"/>
+      </p:par>
+    </p:tnLst>
+  </p:timing>
 </p:sld>
 </file>
 
@@ -9625,6 +9629,13 @@
   <p:clrMapOvr>
     <a:masterClrMapping/>
   </p:clrMapOvr>
+  <p:timing>
+    <p:tnLst>
+      <p:par>
+        <p:cTn id="1" dur="indefinite" restart="never" nodeType="tmRoot"/>
+      </p:par>
+    </p:tnLst>
+  </p:timing>
 </p:sld>
 </file>
 
@@ -10824,6 +10835,13 @@
   <p:clrMapOvr>
     <a:masterClrMapping/>
   </p:clrMapOvr>
+  <p:timing>
+    <p:tnLst>
+      <p:par>
+        <p:cTn id="1" dur="indefinite" restart="never" nodeType="tmRoot"/>
+      </p:par>
+    </p:tnLst>
+  </p:timing>
 </p:sld>
 </file>
 
@@ -11912,6 +11930,13 @@
   <p:clrMapOvr>
     <a:masterClrMapping/>
   </p:clrMapOvr>
+  <p:timing>
+    <p:tnLst>
+      <p:par>
+        <p:cTn id="1" dur="indefinite" restart="never" nodeType="tmRoot"/>
+      </p:par>
+    </p:tnLst>
+  </p:timing>
 </p:sld>
 </file>
 
@@ -12026,14 +12051,7 @@
                 <a:latin typeface="DFKai-SB" panose="03000509000000000000" pitchFamily="65" charset="-120"/>
                 <a:ea typeface="DFKai-SB" panose="03000509000000000000" pitchFamily="65" charset="-120"/>
               </a:rPr>
-              <a:t>：</a:t>
-            </a:r>
-            <a:r>
-              <a:rPr lang="zh-CN" altLang="en-US" sz="3600" dirty="0" smtClean="0">
-                <a:latin typeface="DFKai-SB" panose="03000509000000000000" pitchFamily="65" charset="-120"/>
-                <a:ea typeface="DFKai-SB" panose="03000509000000000000" pitchFamily="65" charset="-120"/>
-              </a:rPr>
-              <a:t>製作</a:t>
+              <a:t>：製作</a:t>
             </a:r>
             <a:r>
               <a:rPr lang="en-US" altLang="zh-CN" sz="3600" dirty="0" err="1" smtClean="0">
@@ -12087,28 +12105,7 @@
                 <a:latin typeface="DFKai-SB" panose="03000509000000000000" pitchFamily="65" charset="-120"/>
                 <a:ea typeface="DFKai-SB" panose="03000509000000000000" pitchFamily="65" charset="-120"/>
               </a:rPr>
-              <a:t>禹</a:t>
-            </a:r>
-            <a:r>
-              <a:rPr lang="zh-CN" altLang="en-US" sz="3600" dirty="0" smtClean="0">
-                <a:latin typeface="DFKai-SB" panose="03000509000000000000" pitchFamily="65" charset="-120"/>
-                <a:ea typeface="DFKai-SB" panose="03000509000000000000" pitchFamily="65" charset="-120"/>
-              </a:rPr>
-              <a:t>：</a:t>
-            </a:r>
-            <a:r>
-              <a:rPr lang="zh-CN" altLang="en-US" sz="3600" dirty="0" smtClean="0">
-                <a:latin typeface="DFKai-SB" panose="03000509000000000000" pitchFamily="65" charset="-120"/>
-                <a:ea typeface="DFKai-SB" panose="03000509000000000000" pitchFamily="65" charset="-120"/>
-              </a:rPr>
-              <a:t>對之前的</a:t>
-            </a:r>
-            <a:r>
-              <a:rPr lang="zh-CN" altLang="en-US" sz="3600" dirty="0" smtClean="0">
-                <a:latin typeface="DFKai-SB" panose="03000509000000000000" pitchFamily="65" charset="-120"/>
-                <a:ea typeface="DFKai-SB" panose="03000509000000000000" pitchFamily="65" charset="-120"/>
-              </a:rPr>
-              <a:t>“</a:t>
+              <a:t>禹：對之前的“</a:t>
             </a:r>
             <a:r>
               <a:rPr lang="zh-TW" altLang="en-US" sz="3600" dirty="0" smtClean="0">
@@ -12122,21 +12119,7 @@
                 <a:latin typeface="DFKai-SB" panose="03000509000000000000" pitchFamily="65" charset="-120"/>
                 <a:ea typeface="DFKai-SB" panose="03000509000000000000" pitchFamily="65" charset="-120"/>
               </a:rPr>
-              <a:t>”</a:t>
-            </a:r>
-            <a:r>
-              <a:rPr lang="zh-CN" altLang="en-US" sz="3600" dirty="0" smtClean="0">
-                <a:latin typeface="DFKai-SB" panose="03000509000000000000" pitchFamily="65" charset="-120"/>
-                <a:ea typeface="DFKai-SB" panose="03000509000000000000" pitchFamily="65" charset="-120"/>
-              </a:rPr>
-              <a:t>部分進行</a:t>
-            </a:r>
-            <a:r>
-              <a:rPr lang="zh-CN" altLang="en-US" sz="3600" dirty="0" smtClean="0">
-                <a:latin typeface="DFKai-SB" panose="03000509000000000000" pitchFamily="65" charset="-120"/>
-                <a:ea typeface="DFKai-SB" panose="03000509000000000000" pitchFamily="65" charset="-120"/>
-              </a:rPr>
-              <a:t>修改</a:t>
+              <a:t>”部分進行修改</a:t>
             </a:r>
             <a:endParaRPr lang="en-US" altLang="zh-CN" sz="3600" dirty="0" smtClean="0">
               <a:latin typeface="DFKai-SB" panose="03000509000000000000" pitchFamily="65" charset="-120"/>
@@ -12162,21 +12145,7 @@
                 <a:latin typeface="標楷體" panose="03000509000000000000" pitchFamily="65" charset="-120"/>
                 <a:ea typeface="標楷體" panose="03000509000000000000" pitchFamily="65" charset="-120"/>
               </a:rPr>
-              <a:t>：</a:t>
-            </a:r>
-            <a:r>
-              <a:rPr lang="zh-CN" altLang="en-US" sz="3600" dirty="0" smtClean="0">
-                <a:latin typeface="標楷體" panose="03000509000000000000" pitchFamily="65" charset="-120"/>
-                <a:ea typeface="標楷體" panose="03000509000000000000" pitchFamily="65" charset="-120"/>
-              </a:rPr>
-              <a:t>參與</a:t>
-            </a:r>
-            <a:r>
-              <a:rPr lang="zh-CN" altLang="en-US" sz="3600" dirty="0" smtClean="0">
-                <a:latin typeface="標楷體" panose="03000509000000000000" pitchFamily="65" charset="-120"/>
-                <a:ea typeface="標楷體" panose="03000509000000000000" pitchFamily="65" charset="-120"/>
-              </a:rPr>
-              <a:t>討論</a:t>
+              <a:t>：參與討論</a:t>
             </a:r>
             <a:r>
               <a:rPr lang="zh-CN" altLang="en-US" sz="3600" dirty="0" smtClean="0">
@@ -12209,6 +12178,13 @@
   <p:clrMapOvr>
     <a:masterClrMapping/>
   </p:clrMapOvr>
+  <p:timing>
+    <p:tnLst>
+      <p:par>
+        <p:cTn id="1" dur="indefinite" restart="never" nodeType="tmRoot"/>
+      </p:par>
+    </p:tnLst>
+  </p:timing>
 </p:sld>
 </file>
 
@@ -12234,7 +12210,7 @@
           <p:cNvPr id="4" name="投影片編號版面配置區 3">
             <a:extLst>
               <a:ext uri="{FF2B5EF4-FFF2-40B4-BE49-F238E27FC236}">
-                <a16:creationId xmlns:a16="http://schemas.microsoft.com/office/drawing/2014/main" xmlns="" id="{11429054-DE0E-462B-B778-1EF960E7BCBA}"/>
+                <a16:creationId xmlns="" xmlns:a16="http://schemas.microsoft.com/office/drawing/2014/main" id="{11429054-DE0E-462B-B778-1EF960E7BCBA}"/>
               </a:ext>
             </a:extLst>
           </p:cNvPr>
@@ -12263,7 +12239,7 @@
           <p:cNvPr id="2" name="標題 1">
             <a:extLst>
               <a:ext uri="{FF2B5EF4-FFF2-40B4-BE49-F238E27FC236}">
-                <a16:creationId xmlns:a16="http://schemas.microsoft.com/office/drawing/2014/main" xmlns="" id="{77189112-DFC8-4348-B037-E88E3A1A785A}"/>
+                <a16:creationId xmlns="" xmlns:a16="http://schemas.microsoft.com/office/drawing/2014/main" id="{77189112-DFC8-4348-B037-E88E3A1A785A}"/>
               </a:ext>
             </a:extLst>
           </p:cNvPr>
@@ -12299,7 +12275,7 @@
           <p:cNvPr id="3" name="內容版面配置區 2">
             <a:extLst>
               <a:ext uri="{FF2B5EF4-FFF2-40B4-BE49-F238E27FC236}">
-                <a16:creationId xmlns:a16="http://schemas.microsoft.com/office/drawing/2014/main" xmlns="" id="{B0E59118-BCD3-4CD1-8FED-584826596BCE}"/>
+                <a16:creationId xmlns="" xmlns:a16="http://schemas.microsoft.com/office/drawing/2014/main" id="{B0E59118-BCD3-4CD1-8FED-584826596BCE}"/>
               </a:ext>
             </a:extLst>
           </p:cNvPr>
@@ -12318,11 +12294,11 @@
         </p:spPr>
         <p:txBody>
           <a:bodyPr>
-            <a:normAutofit fontScale="85000" lnSpcReduction="20000"/>
+            <a:normAutofit fontScale="85000" lnSpcReduction="10000"/>
           </a:bodyPr>
           <a:lstStyle/>
           <a:p>
-            <a:pPr marL="457200" indent="-457200">
+            <a:pPr marL="514350" indent="-514350">
               <a:lnSpc>
                 <a:spcPct val="150000"/>
               </a:lnSpc>
@@ -12330,14 +12306,14 @@
               <a:buAutoNum type="arabicPeriod"/>
             </a:pPr>
             <a:r>
-              <a:rPr lang="zh-TW" altLang="en-US" sz="3200" dirty="0">
+              <a:rPr lang="zh-TW" altLang="en-US" sz="2600" dirty="0">
                 <a:latin typeface="DFKai-SB" panose="03000509000000000000" pitchFamily="65" charset="-120"/>
                 <a:ea typeface="DFKai-SB" panose="03000509000000000000" pitchFamily="65" charset="-120"/>
               </a:rPr>
               <a:t>簡介</a:t>
             </a:r>
             <a:r>
-              <a:rPr lang="en-US" altLang="zh-TW" sz="3200" dirty="0">
+              <a:rPr lang="en-US" altLang="zh-TW" sz="2600" dirty="0">
                 <a:latin typeface="DFKai-SB" panose="03000509000000000000" pitchFamily="65" charset="-120"/>
                 <a:ea typeface="DFKai-SB" panose="03000509000000000000" pitchFamily="65" charset="-120"/>
               </a:rPr>
@@ -12345,7 +12321,7 @@
             </a:r>
           </a:p>
           <a:p>
-            <a:pPr marL="457200" indent="-457200">
+            <a:pPr marL="514350" indent="-514350">
               <a:lnSpc>
                 <a:spcPct val="150000"/>
               </a:lnSpc>
@@ -12353,14 +12329,14 @@
               <a:buAutoNum type="arabicPeriod"/>
             </a:pPr>
             <a:r>
-              <a:rPr lang="zh-TW" altLang="en-US" sz="3200" dirty="0">
+              <a:rPr lang="zh-TW" altLang="en-US" sz="2600" dirty="0">
                 <a:latin typeface="DFKai-SB" panose="03000509000000000000" pitchFamily="65" charset="-120"/>
                 <a:ea typeface="DFKai-SB" panose="03000509000000000000" pitchFamily="65" charset="-120"/>
               </a:rPr>
               <a:t>背景</a:t>
             </a:r>
             <a:r>
-              <a:rPr lang="en-US" altLang="zh-TW" sz="3200" dirty="0">
+              <a:rPr lang="en-US" altLang="zh-TW" sz="2600" dirty="0">
                 <a:latin typeface="DFKai-SB" panose="03000509000000000000" pitchFamily="65" charset="-120"/>
                 <a:ea typeface="DFKai-SB" panose="03000509000000000000" pitchFamily="65" charset="-120"/>
               </a:rPr>
@@ -12368,7 +12344,7 @@
             </a:r>
           </a:p>
           <a:p>
-            <a:pPr marL="457200" indent="-457200">
+            <a:pPr marL="514350" indent="-514350">
               <a:lnSpc>
                 <a:spcPct val="150000"/>
               </a:lnSpc>
@@ -12376,14 +12352,14 @@
               <a:buAutoNum type="arabicPeriod"/>
             </a:pPr>
             <a:r>
-              <a:rPr lang="zh-TW" altLang="en-US" sz="3200" dirty="0">
+              <a:rPr lang="zh-TW" altLang="en-US" sz="2600" dirty="0">
                 <a:latin typeface="DFKai-SB" panose="03000509000000000000" pitchFamily="65" charset="-120"/>
                 <a:ea typeface="DFKai-SB" panose="03000509000000000000" pitchFamily="65" charset="-120"/>
               </a:rPr>
               <a:t>趨勢</a:t>
             </a:r>
             <a:r>
-              <a:rPr lang="en-US" altLang="zh-TW" sz="3200" dirty="0">
+              <a:rPr lang="en-US" altLang="zh-TW" sz="2600" dirty="0">
                 <a:latin typeface="DFKai-SB" panose="03000509000000000000" pitchFamily="65" charset="-120"/>
                 <a:ea typeface="DFKai-SB" panose="03000509000000000000" pitchFamily="65" charset="-120"/>
               </a:rPr>
@@ -12391,7 +12367,7 @@
             </a:r>
           </a:p>
           <a:p>
-            <a:pPr marL="457200" indent="-457200">
+            <a:pPr marL="514350" indent="-514350">
               <a:lnSpc>
                 <a:spcPct val="150000"/>
               </a:lnSpc>
@@ -12399,14 +12375,14 @@
               <a:buAutoNum type="arabicPeriod"/>
             </a:pPr>
             <a:r>
-              <a:rPr lang="zh-TW" altLang="en-US" sz="3200" dirty="0">
+              <a:rPr lang="zh-TW" altLang="en-US" sz="2600" dirty="0">
                 <a:latin typeface="DFKai-SB" panose="03000509000000000000" pitchFamily="65" charset="-120"/>
                 <a:ea typeface="DFKai-SB" panose="03000509000000000000" pitchFamily="65" charset="-120"/>
               </a:rPr>
               <a:t>動機</a:t>
             </a:r>
             <a:r>
-              <a:rPr lang="en-US" altLang="zh-TW" sz="3200" dirty="0">
+              <a:rPr lang="en-US" altLang="zh-TW" sz="2600" dirty="0">
                 <a:latin typeface="DFKai-SB" panose="03000509000000000000" pitchFamily="65" charset="-120"/>
                 <a:ea typeface="DFKai-SB" panose="03000509000000000000" pitchFamily="65" charset="-120"/>
               </a:rPr>
@@ -12414,7 +12390,7 @@
             </a:r>
           </a:p>
           <a:p>
-            <a:pPr marL="457200" indent="-457200">
+            <a:pPr marL="514350" indent="-514350">
               <a:lnSpc>
                 <a:spcPct val="150000"/>
               </a:lnSpc>
@@ -12422,14 +12398,14 @@
               <a:buAutoNum type="arabicPeriod"/>
             </a:pPr>
             <a:r>
-              <a:rPr lang="zh-TW" altLang="en-US" sz="3200" dirty="0">
+              <a:rPr lang="zh-TW" altLang="en-US" sz="2600" dirty="0">
                 <a:latin typeface="DFKai-SB" panose="03000509000000000000" pitchFamily="65" charset="-120"/>
                 <a:ea typeface="DFKai-SB" panose="03000509000000000000" pitchFamily="65" charset="-120"/>
               </a:rPr>
               <a:t>目的</a:t>
             </a:r>
             <a:r>
-              <a:rPr lang="en-US" altLang="zh-TW" sz="3200" dirty="0">
+              <a:rPr lang="en-US" altLang="zh-TW" sz="2600" dirty="0">
                 <a:latin typeface="DFKai-SB" panose="03000509000000000000" pitchFamily="65" charset="-120"/>
                 <a:ea typeface="DFKai-SB" panose="03000509000000000000" pitchFamily="65" charset="-120"/>
               </a:rPr>
@@ -12437,7 +12413,7 @@
             </a:r>
           </a:p>
           <a:p>
-            <a:pPr marL="457200" indent="-457200">
+            <a:pPr marL="514350" indent="-514350">
               <a:lnSpc>
                 <a:spcPct val="150000"/>
               </a:lnSpc>
@@ -12445,20 +12421,20 @@
               <a:buAutoNum type="arabicPeriod"/>
             </a:pPr>
             <a:r>
-              <a:rPr lang="zh-CN" altLang="en-US" sz="3200" dirty="0" smtClean="0">
+              <a:rPr lang="zh-CN" altLang="en-US" sz="2600" dirty="0" smtClean="0">
                 <a:latin typeface="DFKai-SB" panose="03000509000000000000" pitchFamily="65" charset="-120"/>
                 <a:ea typeface="DFKai-SB" panose="03000509000000000000" pitchFamily="65" charset="-120"/>
               </a:rPr>
               <a:t>描述性項目及事件條列式</a:t>
             </a:r>
             <a:r>
-              <a:rPr lang="en-US" altLang="zh-TW" sz="3200" dirty="0" smtClean="0">
+              <a:rPr lang="en-US" altLang="zh-TW" sz="2600" dirty="0" smtClean="0">
                 <a:latin typeface="+mn-ea"/>
               </a:rPr>
               <a:t>-</a:t>
             </a:r>
             <a:r>
-              <a:rPr lang="en-US" altLang="zh-TW" sz="3200" dirty="0" smtClean="0">
+              <a:rPr lang="en-US" altLang="zh-TW" sz="2600" dirty="0" smtClean="0">
                 <a:latin typeface="DFKai-SB" panose="03000509000000000000" pitchFamily="65" charset="-120"/>
                 <a:ea typeface="DFKai-SB" panose="03000509000000000000" pitchFamily="65" charset="-120"/>
               </a:rPr>
@@ -12466,7 +12442,7 @@
             </a:r>
           </a:p>
           <a:p>
-            <a:pPr marL="457200" indent="-457200">
+            <a:pPr marL="514350" indent="-514350">
               <a:lnSpc>
                 <a:spcPct val="150000"/>
               </a:lnSpc>
@@ -12474,20 +12450,43 @@
               <a:buAutoNum type="arabicPeriod"/>
             </a:pPr>
             <a:r>
-              <a:rPr lang="zh-CN" altLang="en-US" sz="3200" dirty="0" smtClean="0">
+              <a:rPr lang="zh-TW" altLang="en-US" sz="2600" dirty="0" smtClean="0">
+                <a:latin typeface="DFKai-SB" panose="03000509000000000000" pitchFamily="65" charset="-120"/>
+                <a:ea typeface="DFKai-SB" panose="03000509000000000000" pitchFamily="65" charset="-120"/>
+              </a:rPr>
+              <a:t>使用個案</a:t>
+            </a:r>
+            <a:r>
+              <a:rPr lang="en-US" altLang="zh-CN" sz="2600" dirty="0" smtClean="0">
+                <a:latin typeface="DFKai-SB" panose="03000509000000000000" pitchFamily="65" charset="-120"/>
+                <a:ea typeface="DFKai-SB" panose="03000509000000000000" pitchFamily="65" charset="-120"/>
+              </a:rPr>
+              <a:t>-P.12</a:t>
+            </a:r>
+          </a:p>
+          <a:p>
+            <a:pPr marL="514350" indent="-514350">
+              <a:lnSpc>
+                <a:spcPct val="150000"/>
+              </a:lnSpc>
+              <a:buFont typeface="+mj-lt"/>
+              <a:buAutoNum type="arabicPeriod"/>
+            </a:pPr>
+            <a:r>
+              <a:rPr lang="zh-TW" altLang="en-US" sz="2600" dirty="0" smtClean="0">
                 <a:latin typeface="DFKai-SB" panose="03000509000000000000" pitchFamily="65" charset="-120"/>
                 <a:ea typeface="DFKai-SB" panose="03000509000000000000" pitchFamily="65" charset="-120"/>
               </a:rPr>
               <a:t>工作分配</a:t>
             </a:r>
             <a:r>
-              <a:rPr lang="en-US" altLang="zh-CN" sz="3200" dirty="0" smtClean="0">
+              <a:rPr lang="en-US" altLang="zh-TW" sz="2600" dirty="0" smtClean="0">
                 <a:latin typeface="DFKai-SB" panose="03000509000000000000" pitchFamily="65" charset="-120"/>
                 <a:ea typeface="DFKai-SB" panose="03000509000000000000" pitchFamily="65" charset="-120"/>
               </a:rPr>
-              <a:t>-P.12</a:t>
-            </a:r>
-            <a:endParaRPr lang="en-US" altLang="zh-TW" sz="3200" dirty="0">
+              <a:t>-P.15</a:t>
+            </a:r>
+            <a:endParaRPr lang="en-US" altLang="zh-TW" sz="2600" dirty="0">
               <a:latin typeface="DFKai-SB" panose="03000509000000000000" pitchFamily="65" charset="-120"/>
               <a:ea typeface="DFKai-SB" panose="03000509000000000000" pitchFamily="65" charset="-120"/>
             </a:endParaRPr>
@@ -12550,7 +12549,7 @@
           <p:cNvPr id="6" name="投影片編號版面配置區 5">
             <a:extLst>
               <a:ext uri="{FF2B5EF4-FFF2-40B4-BE49-F238E27FC236}">
-                <a16:creationId xmlns:a16="http://schemas.microsoft.com/office/drawing/2014/main" xmlns="" id="{581205CC-C579-45FB-89FD-90DAC4C2FF12}"/>
+                <a16:creationId xmlns="" xmlns:a16="http://schemas.microsoft.com/office/drawing/2014/main" id="{581205CC-C579-45FB-89FD-90DAC4C2FF12}"/>
               </a:ext>
             </a:extLst>
           </p:cNvPr>
@@ -12711,7 +12710,7 @@
           <p:cNvPr id="4" name="圖片 3">
             <a:extLst>
               <a:ext uri="{FF2B5EF4-FFF2-40B4-BE49-F238E27FC236}">
-                <a16:creationId xmlns:a16="http://schemas.microsoft.com/office/drawing/2014/main" xmlns="" id="{162D6667-1482-4FF1-AA6C-2B13F965CB6E}"/>
+                <a16:creationId xmlns="" xmlns:a16="http://schemas.microsoft.com/office/drawing/2014/main" id="{162D6667-1482-4FF1-AA6C-2B13F965CB6E}"/>
               </a:ext>
             </a:extLst>
           </p:cNvPr>
@@ -12741,7 +12740,7 @@
           <p:cNvPr id="5" name="圖片 4">
             <a:extLst>
               <a:ext uri="{FF2B5EF4-FFF2-40B4-BE49-F238E27FC236}">
-                <a16:creationId xmlns:a16="http://schemas.microsoft.com/office/drawing/2014/main" xmlns="" id="{1DC96B06-94D1-4164-AE01-5B71DC325D1F}"/>
+                <a16:creationId xmlns="" xmlns:a16="http://schemas.microsoft.com/office/drawing/2014/main" id="{1DC96B06-94D1-4164-AE01-5B71DC325D1F}"/>
               </a:ext>
             </a:extLst>
           </p:cNvPr>
@@ -13071,7 +13070,7 @@
           <p:cNvPr id="6" name="投影片編號版面配置區 5">
             <a:extLst>
               <a:ext uri="{FF2B5EF4-FFF2-40B4-BE49-F238E27FC236}">
-                <a16:creationId xmlns:a16="http://schemas.microsoft.com/office/drawing/2014/main" xmlns="" id="{29038489-DC0A-4DD9-A12A-1D787977BA37}"/>
+                <a16:creationId xmlns="" xmlns:a16="http://schemas.microsoft.com/office/drawing/2014/main" id="{29038489-DC0A-4DD9-A12A-1D787977BA37}"/>
               </a:ext>
             </a:extLst>
           </p:cNvPr>
@@ -13248,7 +13247,7 @@
           <p:cNvPr id="6" name="投影片編號版面配置區 5">
             <a:extLst>
               <a:ext uri="{FF2B5EF4-FFF2-40B4-BE49-F238E27FC236}">
-                <a16:creationId xmlns:a16="http://schemas.microsoft.com/office/drawing/2014/main" xmlns="" id="{BCCA24DF-89A4-415E-8C84-4FBE6D991A83}"/>
+                <a16:creationId xmlns="" xmlns:a16="http://schemas.microsoft.com/office/drawing/2014/main" id="{BCCA24DF-89A4-415E-8C84-4FBE6D991A83}"/>
               </a:ext>
             </a:extLst>
           </p:cNvPr>
@@ -13550,7 +13549,7 @@
           <p:cNvPr id="4" name="文字方塊 3">
             <a:extLst>
               <a:ext uri="{FF2B5EF4-FFF2-40B4-BE49-F238E27FC236}">
-                <a16:creationId xmlns:a16="http://schemas.microsoft.com/office/drawing/2014/main" xmlns="" id="{0B076980-C083-46AB-B32F-354314936049}"/>
+                <a16:creationId xmlns="" xmlns:a16="http://schemas.microsoft.com/office/drawing/2014/main" id="{0B076980-C083-46AB-B32F-354314936049}"/>
               </a:ext>
             </a:extLst>
           </p:cNvPr>
@@ -14402,7 +14401,7 @@
           <p:cNvPr id="4" name="投影片編號版面配置區 3">
             <a:extLst>
               <a:ext uri="{FF2B5EF4-FFF2-40B4-BE49-F238E27FC236}">
-                <a16:creationId xmlns:a16="http://schemas.microsoft.com/office/drawing/2014/main" xmlns="" id="{55113D9E-E9BE-441B-B700-2E505BBFD752}"/>
+                <a16:creationId xmlns="" xmlns:a16="http://schemas.microsoft.com/office/drawing/2014/main" id="{55113D9E-E9BE-441B-B700-2E505BBFD752}"/>
               </a:ext>
             </a:extLst>
           </p:cNvPr>
@@ -14431,7 +14430,7 @@
           <p:cNvPr id="2" name="標題 1">
             <a:extLst>
               <a:ext uri="{FF2B5EF4-FFF2-40B4-BE49-F238E27FC236}">
-                <a16:creationId xmlns:a16="http://schemas.microsoft.com/office/drawing/2014/main" xmlns="" id="{61EF5E84-EAAC-4A2F-8970-E8A58F249ADC}"/>
+                <a16:creationId xmlns="" xmlns:a16="http://schemas.microsoft.com/office/drawing/2014/main" id="{61EF5E84-EAAC-4A2F-8970-E8A58F249ADC}"/>
               </a:ext>
             </a:extLst>
           </p:cNvPr>
@@ -14469,7 +14468,7 @@
           <p:cNvPr id="3" name="內容版面配置區 2">
             <a:extLst>
               <a:ext uri="{FF2B5EF4-FFF2-40B4-BE49-F238E27FC236}">
-                <a16:creationId xmlns:a16="http://schemas.microsoft.com/office/drawing/2014/main" xmlns="" id="{623D71F6-72F3-4506-BA43-730A188D4DC5}"/>
+                <a16:creationId xmlns="" xmlns:a16="http://schemas.microsoft.com/office/drawing/2014/main" id="{623D71F6-72F3-4506-BA43-730A188D4DC5}"/>
               </a:ext>
             </a:extLst>
           </p:cNvPr>
@@ -14523,7 +14522,7 @@
           <p:cNvPr id="5" name="橢圓 4">
             <a:extLst>
               <a:ext uri="{FF2B5EF4-FFF2-40B4-BE49-F238E27FC236}">
-                <a16:creationId xmlns:a16="http://schemas.microsoft.com/office/drawing/2014/main" xmlns="" id="{8CF40AC2-0B87-4ED0-83AB-3DCFD9B244AC}"/>
+                <a16:creationId xmlns="" xmlns:a16="http://schemas.microsoft.com/office/drawing/2014/main" id="{8CF40AC2-0B87-4ED0-83AB-3DCFD9B244AC}"/>
               </a:ext>
             </a:extLst>
           </p:cNvPr>
@@ -14575,7 +14574,7 @@
           <p:cNvPr id="6" name="橢圓 5">
             <a:extLst>
               <a:ext uri="{FF2B5EF4-FFF2-40B4-BE49-F238E27FC236}">
-                <a16:creationId xmlns:a16="http://schemas.microsoft.com/office/drawing/2014/main" xmlns="" id="{4F0BDCE8-FBE9-4D46-B63E-512A0996547F}"/>
+                <a16:creationId xmlns="" xmlns:a16="http://schemas.microsoft.com/office/drawing/2014/main" id="{4F0BDCE8-FBE9-4D46-B63E-512A0996547F}"/>
               </a:ext>
             </a:extLst>
           </p:cNvPr>
@@ -14627,7 +14626,7 @@
           <p:cNvPr id="9" name="箭號: 向下 8">
             <a:extLst>
               <a:ext uri="{FF2B5EF4-FFF2-40B4-BE49-F238E27FC236}">
-                <a16:creationId xmlns:a16="http://schemas.microsoft.com/office/drawing/2014/main" xmlns="" id="{B531526C-2CA5-4AE0-8C31-C072036C47D1}"/>
+                <a16:creationId xmlns="" xmlns:a16="http://schemas.microsoft.com/office/drawing/2014/main" id="{B531526C-2CA5-4AE0-8C31-C072036C47D1}"/>
               </a:ext>
             </a:extLst>
           </p:cNvPr>
@@ -14673,7 +14672,7 @@
           <p:cNvPr id="10" name="箭號: 向下 9">
             <a:extLst>
               <a:ext uri="{FF2B5EF4-FFF2-40B4-BE49-F238E27FC236}">
-                <a16:creationId xmlns:a16="http://schemas.microsoft.com/office/drawing/2014/main" xmlns="" id="{72521E99-BFB8-489F-8F84-9012CF03292F}"/>
+                <a16:creationId xmlns="" xmlns:a16="http://schemas.microsoft.com/office/drawing/2014/main" id="{72521E99-BFB8-489F-8F84-9012CF03292F}"/>
               </a:ext>
             </a:extLst>
           </p:cNvPr>
@@ -15015,7 +15014,7 @@
           <p:cNvPr id="4" name="投影片編號版面配置區 3">
             <a:extLst>
               <a:ext uri="{FF2B5EF4-FFF2-40B4-BE49-F238E27FC236}">
-                <a16:creationId xmlns:a16="http://schemas.microsoft.com/office/drawing/2014/main" xmlns="" id="{47FF9914-A1DF-47B9-A225-938F2523FB40}"/>
+                <a16:creationId xmlns="" xmlns:a16="http://schemas.microsoft.com/office/drawing/2014/main" id="{47FF9914-A1DF-47B9-A225-938F2523FB40}"/>
               </a:ext>
             </a:extLst>
           </p:cNvPr>
@@ -15044,7 +15043,7 @@
           <p:cNvPr id="2" name="標題 1">
             <a:extLst>
               <a:ext uri="{FF2B5EF4-FFF2-40B4-BE49-F238E27FC236}">
-                <a16:creationId xmlns:a16="http://schemas.microsoft.com/office/drawing/2014/main" xmlns="" id="{77CE4F63-C23B-4B1E-B6EE-73C7ED8B539F}"/>
+                <a16:creationId xmlns="" xmlns:a16="http://schemas.microsoft.com/office/drawing/2014/main" id="{77CE4F63-C23B-4B1E-B6EE-73C7ED8B539F}"/>
               </a:ext>
             </a:extLst>
           </p:cNvPr>
@@ -15082,7 +15081,7 @@
           <p:cNvPr id="3" name="內容版面配置區 2">
             <a:extLst>
               <a:ext uri="{FF2B5EF4-FFF2-40B4-BE49-F238E27FC236}">
-                <a16:creationId xmlns:a16="http://schemas.microsoft.com/office/drawing/2014/main" xmlns="" id="{3FF358B9-CB4E-4162-8707-51FBC14E07E0}"/>
+                <a16:creationId xmlns="" xmlns:a16="http://schemas.microsoft.com/office/drawing/2014/main" id="{3FF358B9-CB4E-4162-8707-51FBC14E07E0}"/>
               </a:ext>
             </a:extLst>
           </p:cNvPr>
@@ -15542,14 +15541,14 @@
                 <a:gridCol w="3096028">
                   <a:extLst>
                     <a:ext uri="{9D8B030D-6E8A-4147-A177-3AD203B41FA5}">
-                      <a16:colId xmlns:a16="http://schemas.microsoft.com/office/drawing/2014/main" xmlns="" val="575654118"/>
+                      <a16:colId xmlns="" xmlns:a16="http://schemas.microsoft.com/office/drawing/2014/main" val="575654118"/>
                     </a:ext>
                   </a:extLst>
                 </a:gridCol>
                 <a:gridCol w="3096028">
                   <a:extLst>
                     <a:ext uri="{9D8B030D-6E8A-4147-A177-3AD203B41FA5}">
-                      <a16:colId xmlns:a16="http://schemas.microsoft.com/office/drawing/2014/main" xmlns="" val="2310419058"/>
+                      <a16:colId xmlns="" xmlns:a16="http://schemas.microsoft.com/office/drawing/2014/main" val="2310419058"/>
                     </a:ext>
                   </a:extLst>
                 </a:gridCol>
@@ -15597,7 +15596,7 @@
                 </a:tc>
                 <a:extLst>
                   <a:ext uri="{0D108BD9-81ED-4DB2-BD59-A6C34878D82A}">
-                    <a16:rowId xmlns:a16="http://schemas.microsoft.com/office/drawing/2014/main" xmlns="" val="4229939552"/>
+                    <a16:rowId xmlns="" xmlns:a16="http://schemas.microsoft.com/office/drawing/2014/main" val="4229939552"/>
                   </a:ext>
                 </a:extLst>
               </a:tr>
@@ -15668,20 +15667,7 @@
                           <a:latin typeface="DFKai-SB" panose="03000509000000000000" pitchFamily="65" charset="-120"/>
                           <a:ea typeface="DFKai-SB" panose="03000509000000000000" pitchFamily="65" charset="-120"/>
                         </a:rPr>
-                        <a:t>騎</a:t>
-                      </a:r>
-                      <a:r>
-                        <a:rPr lang="zh-CN" altLang="en-US" sz="2000" dirty="0" smtClean="0">
-                          <a:solidFill>
-                            <a:prstClr val="black">
-                              <a:lumMod val="85000"/>
-                              <a:lumOff val="15000"/>
-                            </a:prstClr>
-                          </a:solidFill>
-                          <a:latin typeface="DFKai-SB" panose="03000509000000000000" pitchFamily="65" charset="-120"/>
-                          <a:ea typeface="DFKai-SB" panose="03000509000000000000" pitchFamily="65" charset="-120"/>
-                        </a:rPr>
-                        <a:t>上車後，插入鑰匙點火後，即可</a:t>
+                        <a:t>騎上車後，插入鑰匙點火後，即可</a:t>
                       </a:r>
                       <a:r>
                         <a:rPr lang="zh-CN" altLang="en-US" sz="2000" dirty="0" smtClean="0">
@@ -15788,7 +15774,7 @@
                 </a:tc>
                 <a:extLst>
                   <a:ext uri="{0D108BD9-81ED-4DB2-BD59-A6C34878D82A}">
-                    <a16:rowId xmlns:a16="http://schemas.microsoft.com/office/drawing/2014/main" xmlns="" val="118071968"/>
+                    <a16:rowId xmlns="" xmlns:a16="http://schemas.microsoft.com/office/drawing/2014/main" val="118071968"/>
                   </a:ext>
                 </a:extLst>
               </a:tr>
@@ -16050,7 +16036,7 @@
                 </a:tc>
                 <a:extLst>
                   <a:ext uri="{0D108BD9-81ED-4DB2-BD59-A6C34878D82A}">
-                    <a16:rowId xmlns:a16="http://schemas.microsoft.com/office/drawing/2014/main" xmlns="" val="3665926703"/>
+                    <a16:rowId xmlns="" xmlns:a16="http://schemas.microsoft.com/office/drawing/2014/main" val="3665926703"/>
                   </a:ext>
                 </a:extLst>
               </a:tr>
@@ -16127,20 +16113,7 @@
                           <a:latin typeface="DFKai-SB" panose="03000509000000000000" pitchFamily="65" charset="-120"/>
                           <a:ea typeface="DFKai-SB" panose="03000509000000000000" pitchFamily="65" charset="-120"/>
                         </a:rPr>
-                        <a:t>騎車</a:t>
-                      </a:r>
-                      <a:r>
-                        <a:rPr lang="zh-CN" altLang="en-US" sz="2000" dirty="0" smtClean="0">
-                          <a:solidFill>
-                            <a:prstClr val="black">
-                              <a:lumMod val="85000"/>
-                              <a:lumOff val="15000"/>
-                            </a:prstClr>
-                          </a:solidFill>
-                          <a:latin typeface="DFKai-SB" panose="03000509000000000000" pitchFamily="65" charset="-120"/>
-                          <a:ea typeface="DFKai-SB" panose="03000509000000000000" pitchFamily="65" charset="-120"/>
-                        </a:rPr>
-                        <a:t>時，若車身過於傾斜，與</a:t>
+                        <a:t>騎車時，若車身過於傾斜，與</a:t>
                       </a:r>
                       <a:r>
                         <a:rPr lang="zh-CN" altLang="en-US" sz="2000" dirty="0" smtClean="0">
@@ -16310,7 +16283,7 @@
                 </a:tc>
                 <a:extLst>
                   <a:ext uri="{0D108BD9-81ED-4DB2-BD59-A6C34878D82A}">
-                    <a16:rowId xmlns:a16="http://schemas.microsoft.com/office/drawing/2014/main" xmlns="" val="3964174122"/>
+                    <a16:rowId xmlns="" xmlns:a16="http://schemas.microsoft.com/office/drawing/2014/main" val="3964174122"/>
                   </a:ext>
                 </a:extLst>
               </a:tr>
@@ -16406,14 +16379,14 @@
                 <a:gridCol w="3096028">
                   <a:extLst>
                     <a:ext uri="{9D8B030D-6E8A-4147-A177-3AD203B41FA5}">
-                      <a16:colId xmlns:a16="http://schemas.microsoft.com/office/drawing/2014/main" xmlns="" val="575654118"/>
+                      <a16:colId xmlns="" xmlns:a16="http://schemas.microsoft.com/office/drawing/2014/main" val="575654118"/>
                     </a:ext>
                   </a:extLst>
                 </a:gridCol>
                 <a:gridCol w="3096028">
                   <a:extLst>
                     <a:ext uri="{9D8B030D-6E8A-4147-A177-3AD203B41FA5}">
-                      <a16:colId xmlns:a16="http://schemas.microsoft.com/office/drawing/2014/main" xmlns="" val="2310419058"/>
+                      <a16:colId xmlns="" xmlns:a16="http://schemas.microsoft.com/office/drawing/2014/main" val="2310419058"/>
                     </a:ext>
                   </a:extLst>
                 </a:gridCol>
@@ -16461,7 +16434,7 @@
                 </a:tc>
                 <a:extLst>
                   <a:ext uri="{0D108BD9-81ED-4DB2-BD59-A6C34878D82A}">
-                    <a16:rowId xmlns:a16="http://schemas.microsoft.com/office/drawing/2014/main" xmlns="" val="4229939552"/>
+                    <a16:rowId xmlns="" xmlns:a16="http://schemas.microsoft.com/office/drawing/2014/main" val="4229939552"/>
                   </a:ext>
                 </a:extLst>
               </a:tr>
@@ -16666,7 +16639,7 @@
                 </a:tc>
                 <a:extLst>
                   <a:ext uri="{0D108BD9-81ED-4DB2-BD59-A6C34878D82A}">
-                    <a16:rowId xmlns:a16="http://schemas.microsoft.com/office/drawing/2014/main" xmlns="" val="118071968"/>
+                    <a16:rowId xmlns="" xmlns:a16="http://schemas.microsoft.com/office/drawing/2014/main" val="118071968"/>
                   </a:ext>
                 </a:extLst>
               </a:tr>
@@ -16759,41 +16732,7 @@
                           <a:ea typeface="DFKai-SB" panose="03000509000000000000" pitchFamily="65" charset="-120"/>
                           <a:cs typeface="+mn-cs"/>
                         </a:rPr>
-                        <a:t>將此數據記錄並</a:t>
-                      </a:r>
-                      <a:r>
-                        <a:rPr kumimoji="0" lang="zh-TW" altLang="en-US" sz="2000" b="0" i="0" u="none" strike="noStrike" kern="1200" cap="none" spc="0" normalizeH="0" baseline="0" noProof="0" dirty="0" smtClean="0">
-                          <a:ln>
-                            <a:noFill/>
-                          </a:ln>
-                          <a:solidFill>
-                            <a:prstClr val="black"/>
-                          </a:solidFill>
-                          <a:effectLst/>
-                          <a:uLnTx/>
-                          <a:uFillTx/>
-                          <a:latin typeface="DFKai-SB" panose="03000509000000000000" pitchFamily="65" charset="-120"/>
-                          <a:ea typeface="DFKai-SB" panose="03000509000000000000" pitchFamily="65" charset="-120"/>
-                          <a:cs typeface="+mn-cs"/>
-                        </a:rPr>
-                        <a:t>傳輸回手機</a:t>
-                      </a:r>
-                      <a:r>
-                        <a:rPr kumimoji="0" lang="zh-TW" altLang="en-US" sz="2000" b="0" i="0" u="none" strike="noStrike" kern="1200" cap="none" spc="0" normalizeH="0" baseline="0" noProof="0" dirty="0" smtClean="0">
-                          <a:ln>
-                            <a:noFill/>
-                          </a:ln>
-                          <a:solidFill>
-                            <a:prstClr val="black"/>
-                          </a:solidFill>
-                          <a:effectLst/>
-                          <a:uLnTx/>
-                          <a:uFillTx/>
-                          <a:latin typeface="DFKai-SB" panose="03000509000000000000" pitchFamily="65" charset="-120"/>
-                          <a:ea typeface="DFKai-SB" panose="03000509000000000000" pitchFamily="65" charset="-120"/>
-                          <a:cs typeface="+mn-cs"/>
-                        </a:rPr>
-                        <a:t>上製作的對應的</a:t>
+                        <a:t>將此數據記錄並傳輸回手機上製作的對應的</a:t>
                       </a:r>
                       <a:r>
                         <a:rPr kumimoji="0" lang="en-US" altLang="zh-TW" sz="2000" b="0" i="0" u="none" strike="noStrike" kern="1200" cap="none" spc="0" normalizeH="0" baseline="0" noProof="0" dirty="0" smtClean="0">
@@ -17038,7 +16977,7 @@
                 </a:tc>
                 <a:extLst>
                   <a:ext uri="{0D108BD9-81ED-4DB2-BD59-A6C34878D82A}">
-                    <a16:rowId xmlns:a16="http://schemas.microsoft.com/office/drawing/2014/main" xmlns="" val="3665926703"/>
+                    <a16:rowId xmlns="" xmlns:a16="http://schemas.microsoft.com/office/drawing/2014/main" val="3665926703"/>
                   </a:ext>
                 </a:extLst>
               </a:tr>
@@ -17284,7 +17223,7 @@
                 </a:tc>
                 <a:extLst>
                   <a:ext uri="{0D108BD9-81ED-4DB2-BD59-A6C34878D82A}">
-                    <a16:rowId xmlns:a16="http://schemas.microsoft.com/office/drawing/2014/main" xmlns="" val="676670088"/>
+                    <a16:rowId xmlns="" xmlns:a16="http://schemas.microsoft.com/office/drawing/2014/main" val="676670088"/>
                   </a:ext>
                 </a:extLst>
               </a:tr>
@@ -17302,6 +17241,13 @@
   <p:clrMapOvr>
     <a:masterClrMapping/>
   </p:clrMapOvr>
+  <p:timing>
+    <p:tnLst>
+      <p:par>
+        <p:cTn id="1" dur="indefinite" restart="never" nodeType="tmRoot"/>
+      </p:par>
+    </p:tnLst>
+  </p:timing>
 </p:sld>
 </file>
 
@@ -17532,7 +17478,7 @@
   <a:extraClrSchemeLst/>
   <a:extLst>
     <a:ext uri="{05A4C25C-085E-4340-85A3-A5531E510DB2}">
-      <thm15:themeFamily xmlns:thm15="http://schemas.microsoft.com/office/thememl/2012/main" xmlns="" name="Organic" id="{28CDC826-8792-45C0-861B-85EB3ADEDA33}" vid="{7DAC20F1-423D-49E2-BD0B-50532748BAD0}"/>
+      <thm15:themeFamily xmlns="" xmlns:thm15="http://schemas.microsoft.com/office/thememl/2012/main" name="Organic" id="{28CDC826-8792-45C0-861B-85EB3ADEDA33}" vid="{7DAC20F1-423D-49E2-BD0B-50532748BAD0}"/>
     </a:ext>
   </a:extLst>
 </a:theme>
@@ -17827,7 +17773,7 @@
   <a:extraClrSchemeLst/>
   <a:extLst>
     <a:ext uri="{05A4C25C-085E-4340-85A3-A5531E510DB2}">
-      <thm15:themeFamily xmlns:thm15="http://schemas.microsoft.com/office/thememl/2012/main" xmlns="" name="Office Theme" id="{62F939B6-93AF-4DB8-9C6B-D6C7DFDC589F}" vid="{4A3C46E8-61CC-4603-A589-7422A47A8E4A}"/>
+      <thm15:themeFamily xmlns="" xmlns:thm15="http://schemas.microsoft.com/office/thememl/2012/main" name="Office Theme" id="{62F939B6-93AF-4DB8-9C6B-D6C7DFDC589F}" vid="{4A3C46E8-61CC-4603-A589-7422A47A8E4A}"/>
     </a:ext>
   </a:extLst>
 </a:theme>
@@ -18122,7 +18068,7 @@
   <a:extraClrSchemeLst/>
   <a:extLst>
     <a:ext uri="{05A4C25C-085E-4340-85A3-A5531E510DB2}">
-      <thm15:themeFamily xmlns:thm15="http://schemas.microsoft.com/office/thememl/2012/main" xmlns="" name="Office Theme" id="{62F939B6-93AF-4DB8-9C6B-D6C7DFDC589F}" vid="{4A3C46E8-61CC-4603-A589-7422A47A8E4A}"/>
+      <thm15:themeFamily xmlns="" xmlns:thm15="http://schemas.microsoft.com/office/thememl/2012/main" name="Office Theme" id="{62F939B6-93AF-4DB8-9C6B-D6C7DFDC589F}" vid="{4A3C46E8-61CC-4603-A589-7422A47A8E4A}"/>
     </a:ext>
   </a:extLst>
 </a:theme>
